--- a/presentation/Schematron Tutorial DA 2022.pptx
+++ b/presentation/Schematron Tutorial DA 2022.pptx
@@ -5,10 +5,10 @@
     <p:sldMasterId id="2147483648" r:id="rId1"/>
   </p:sldMasterIdLst>
   <p:notesMasterIdLst>
-    <p:notesMasterId r:id="rId38"/>
+    <p:notesMasterId r:id="rId39"/>
   </p:notesMasterIdLst>
   <p:handoutMasterIdLst>
-    <p:handoutMasterId r:id="rId39"/>
+    <p:handoutMasterId r:id="rId40"/>
   </p:handoutMasterIdLst>
   <p:sldIdLst>
     <p:sldId id="256" r:id="rId2"/>
@@ -19,34 +19,35 @@
     <p:sldId id="376" r:id="rId7"/>
     <p:sldId id="260" r:id="rId8"/>
     <p:sldId id="377" r:id="rId9"/>
-    <p:sldId id="388" r:id="rId10"/>
-    <p:sldId id="378" r:id="rId11"/>
-    <p:sldId id="379" r:id="rId12"/>
-    <p:sldId id="334" r:id="rId13"/>
-    <p:sldId id="380" r:id="rId14"/>
-    <p:sldId id="381" r:id="rId15"/>
-    <p:sldId id="382" r:id="rId16"/>
-    <p:sldId id="383" r:id="rId17"/>
-    <p:sldId id="384" r:id="rId18"/>
-    <p:sldId id="385" r:id="rId19"/>
-    <p:sldId id="386" r:id="rId20"/>
-    <p:sldId id="387" r:id="rId21"/>
-    <p:sldId id="389" r:id="rId22"/>
-    <p:sldId id="268" r:id="rId23"/>
-    <p:sldId id="269" r:id="rId24"/>
-    <p:sldId id="270" r:id="rId25"/>
-    <p:sldId id="272" r:id="rId26"/>
-    <p:sldId id="274" r:id="rId27"/>
-    <p:sldId id="275" r:id="rId28"/>
-    <p:sldId id="276" r:id="rId29"/>
-    <p:sldId id="278" r:id="rId30"/>
-    <p:sldId id="281" r:id="rId31"/>
-    <p:sldId id="279" r:id="rId32"/>
-    <p:sldId id="390" r:id="rId33"/>
-    <p:sldId id="277" r:id="rId34"/>
-    <p:sldId id="356" r:id="rId35"/>
-    <p:sldId id="273" r:id="rId36"/>
-    <p:sldId id="283" r:id="rId37"/>
+    <p:sldId id="378" r:id="rId10"/>
+    <p:sldId id="379" r:id="rId11"/>
+    <p:sldId id="334" r:id="rId12"/>
+    <p:sldId id="380" r:id="rId13"/>
+    <p:sldId id="392" r:id="rId14"/>
+    <p:sldId id="388" r:id="rId15"/>
+    <p:sldId id="394" r:id="rId16"/>
+    <p:sldId id="382" r:id="rId17"/>
+    <p:sldId id="395" r:id="rId18"/>
+    <p:sldId id="384" r:id="rId19"/>
+    <p:sldId id="385" r:id="rId20"/>
+    <p:sldId id="386" r:id="rId21"/>
+    <p:sldId id="387" r:id="rId22"/>
+    <p:sldId id="389" r:id="rId23"/>
+    <p:sldId id="268" r:id="rId24"/>
+    <p:sldId id="269" r:id="rId25"/>
+    <p:sldId id="270" r:id="rId26"/>
+    <p:sldId id="272" r:id="rId27"/>
+    <p:sldId id="274" r:id="rId28"/>
+    <p:sldId id="275" r:id="rId29"/>
+    <p:sldId id="276" r:id="rId30"/>
+    <p:sldId id="278" r:id="rId31"/>
+    <p:sldId id="281" r:id="rId32"/>
+    <p:sldId id="279" r:id="rId33"/>
+    <p:sldId id="390" r:id="rId34"/>
+    <p:sldId id="277" r:id="rId35"/>
+    <p:sldId id="356" r:id="rId36"/>
+    <p:sldId id="273" r:id="rId37"/>
+    <p:sldId id="283" r:id="rId38"/>
   </p:sldIdLst>
   <p:sldSz cx="12192000" cy="6858000"/>
   <p:notesSz cx="6858000" cy="9144000"/>
@@ -162,18 +163,19 @@
           <p14:sldIdLst>
             <p14:sldId id="260"/>
             <p14:sldId id="377"/>
-            <p14:sldId id="388"/>
             <p14:sldId id="378"/>
             <p14:sldId id="379"/>
             <p14:sldId id="334"/>
             <p14:sldId id="380"/>
-            <p14:sldId id="381"/>
+            <p14:sldId id="392"/>
+            <p14:sldId id="388"/>
+            <p14:sldId id="394"/>
           </p14:sldIdLst>
         </p14:section>
         <p14:section name="Message enhancement: value-of" id="{90DF3072-C204-4054-B335-C127D9958FC0}">
           <p14:sldIdLst>
             <p14:sldId id="382"/>
-            <p14:sldId id="383"/>
+            <p14:sldId id="395"/>
           </p14:sldIdLst>
         </p14:section>
         <p14:section name="Variables" id="{A365FFDB-3783-4755-A102-6023E69AA7FE}">
@@ -318,7 +320,7 @@
           <a:p>
             <a:fld id="{0AAE6376-87C4-4D16-82D1-D37904F930BA}" type="datetimeFigureOut">
               <a:rPr lang="en-NL" smtClean="0"/>
-              <a:t>20/09/2022</a:t>
+              <a:t>28/09/2022</a:t>
             </a:fld>
             <a:endParaRPr lang="en-NL"/>
           </a:p>
@@ -495,7 +497,7 @@
           <a:p>
             <a:fld id="{3FA52A83-AFF0-44B5-B0CB-BF1EF92BF110}" type="datetimeFigureOut">
               <a:rPr lang="en-NL" smtClean="0"/>
-              <a:t>20/09/2022</a:t>
+              <a:t>28/09/2022</a:t>
             </a:fld>
             <a:endParaRPr lang="en-NL"/>
           </a:p>
@@ -891,6 +893,63 @@
           <a:bodyPr/>
           <a:lstStyle/>
           <a:p>
+            <a:r>
+              <a:rPr lang="en-US" dirty="0"/>
+              <a:t>Some are outdated:</a:t>
+            </a:r>
+          </a:p>
+          <a:p>
+            <a:pPr marL="171450" indent="-171450">
+              <a:buFont typeface="Arial" panose="020B0604020202020204" pitchFamily="34" charset="0"/>
+              <a:buChar char="•"/>
+            </a:pPr>
+            <a:r>
+              <a:rPr lang="en-US" dirty="0" err="1"/>
+              <a:t>exslt</a:t>
+            </a:r>
+            <a:r>
+              <a:rPr lang="en-US" dirty="0"/>
+              <a:t>: Allow </a:t>
+            </a:r>
+            <a:r>
+              <a:rPr lang="en-US" dirty="0" err="1"/>
+              <a:t>exslt</a:t>
+            </a:r>
+            <a:r>
+              <a:rPr lang="en-US" dirty="0"/>
+              <a:t> extension function from exslt.org (last updated: 2003)</a:t>
+            </a:r>
+          </a:p>
+          <a:p>
+            <a:pPr marL="171450" indent="-171450">
+              <a:buFont typeface="Arial" panose="020B0604020202020204" pitchFamily="34" charset="0"/>
+              <a:buChar char="•"/>
+            </a:pPr>
+            <a:r>
+              <a:rPr lang="en-US" dirty="0" err="1"/>
+              <a:t>stx</a:t>
+            </a:r>
+            <a:r>
+              <a:rPr lang="en-US" dirty="0"/>
+              <a:t> (Streaming Transformations for XML) an XML based language for transforming XML documents without building a tree in memory (last update: 2007)</a:t>
+            </a:r>
+          </a:p>
+          <a:p>
+            <a:pPr marL="171450" indent="-171450">
+              <a:buFont typeface="Arial" panose="020B0604020202020204" pitchFamily="34" charset="0"/>
+              <a:buChar char="•"/>
+            </a:pPr>
+            <a:endParaRPr lang="en-US" dirty="0"/>
+          </a:p>
+          <a:p>
+            <a:pPr marL="0" indent="0">
+              <a:buFont typeface="Arial" panose="020B0604020202020204" pitchFamily="34" charset="0"/>
+              <a:buNone/>
+            </a:pPr>
+            <a:r>
+              <a:rPr lang="en-US" dirty="0"/>
+              <a:t>Contrary to what you might expect: not case-sensitive </a:t>
+            </a:r>
             <a:endParaRPr lang="en-NL" dirty="0"/>
           </a:p>
         </p:txBody>
@@ -910,9 +969,9 @@
           <a:bodyPr/>
           <a:lstStyle/>
           <a:p>
-            <a:fld id="{210C85D1-D769-4E3C-BD67-6FCFE11EFBEA}" type="slidenum">
+            <a:fld id="{A83FDDBB-341F-4A2D-A070-8A29B8B1C9DF}" type="slidenum">
               <a:rPr lang="en-NL" smtClean="0"/>
-              <a:t>32</a:t>
+              <a:t>25</a:t>
             </a:fld>
             <a:endParaRPr lang="en-NL"/>
           </a:p>
@@ -921,7 +980,7 @@
     </p:spTree>
     <p:extLst>
       <p:ext uri="{BB962C8B-B14F-4D97-AF65-F5344CB8AC3E}">
-        <p14:creationId xmlns:p14="http://schemas.microsoft.com/office/powerpoint/2010/main" val="2403175075"/>
+        <p14:creationId xmlns:p14="http://schemas.microsoft.com/office/powerpoint/2010/main" val="1888077813"/>
       </p:ext>
     </p:extLst>
   </p:cSld>
@@ -994,9 +1053,93 @@
           <a:bodyPr/>
           <a:lstStyle/>
           <a:p>
+            <a:fld id="{210C85D1-D769-4E3C-BD67-6FCFE11EFBEA}" type="slidenum">
+              <a:rPr lang="en-NL" smtClean="0"/>
+              <a:t>33</a:t>
+            </a:fld>
+            <a:endParaRPr lang="en-NL"/>
+          </a:p>
+        </p:txBody>
+      </p:sp>
+    </p:spTree>
+    <p:extLst>
+      <p:ext uri="{BB962C8B-B14F-4D97-AF65-F5344CB8AC3E}">
+        <p14:creationId xmlns:p14="http://schemas.microsoft.com/office/powerpoint/2010/main" val="2403175075"/>
+      </p:ext>
+    </p:extLst>
+  </p:cSld>
+  <p:clrMapOvr>
+    <a:masterClrMapping/>
+  </p:clrMapOvr>
+</p:notes>
+</file>
+
+<file path=ppt/notesSlides/notesSlide12.xml><?xml version="1.0" encoding="utf-8"?>
+<p:notes xmlns:a="http://schemas.openxmlformats.org/drawingml/2006/main" xmlns:r="http://schemas.openxmlformats.org/officeDocument/2006/relationships" xmlns:p="http://schemas.openxmlformats.org/presentationml/2006/main">
+  <p:cSld>
+    <p:spTree>
+      <p:nvGrpSpPr>
+        <p:cNvPr id="1" name=""/>
+        <p:cNvGrpSpPr/>
+        <p:nvPr/>
+      </p:nvGrpSpPr>
+      <p:grpSpPr>
+        <a:xfrm>
+          <a:off x="0" y="0"/>
+          <a:ext cx="0" cy="0"/>
+          <a:chOff x="0" y="0"/>
+          <a:chExt cx="0" cy="0"/>
+        </a:xfrm>
+      </p:grpSpPr>
+      <p:sp>
+        <p:nvSpPr>
+          <p:cNvPr id="2" name="Slide Image Placeholder 1"/>
+          <p:cNvSpPr>
+            <a:spLocks noGrp="1" noRot="1" noChangeAspect="1"/>
+          </p:cNvSpPr>
+          <p:nvPr>
+            <p:ph type="sldImg"/>
+          </p:nvPr>
+        </p:nvSpPr>
+        <p:spPr/>
+      </p:sp>
+      <p:sp>
+        <p:nvSpPr>
+          <p:cNvPr id="3" name="Notes Placeholder 2"/>
+          <p:cNvSpPr>
+            <a:spLocks noGrp="1"/>
+          </p:cNvSpPr>
+          <p:nvPr>
+            <p:ph type="body" idx="1"/>
+          </p:nvPr>
+        </p:nvSpPr>
+        <p:spPr/>
+        <p:txBody>
+          <a:bodyPr/>
+          <a:lstStyle/>
+          <a:p>
+            <a:endParaRPr lang="en-NL" dirty="0"/>
+          </a:p>
+        </p:txBody>
+      </p:sp>
+      <p:sp>
+        <p:nvSpPr>
+          <p:cNvPr id="4" name="Slide Number Placeholder 3"/>
+          <p:cNvSpPr>
+            <a:spLocks noGrp="1"/>
+          </p:cNvSpPr>
+          <p:nvPr>
+            <p:ph type="sldNum" sz="quarter" idx="5"/>
+          </p:nvPr>
+        </p:nvSpPr>
+        <p:spPr/>
+        <p:txBody>
+          <a:bodyPr/>
+          <a:lstStyle/>
+          <a:p>
             <a:fld id="{A83FDDBB-341F-4A2D-A070-8A29B8B1C9DF}" type="slidenum">
               <a:rPr lang="en-NL" smtClean="0"/>
-              <a:t>36</a:t>
+              <a:t>37</a:t>
             </a:fld>
             <a:endParaRPr lang="en-NL"/>
           </a:p>
@@ -1248,7 +1391,7 @@
           <a:p>
             <a:fld id="{210C85D1-D769-4E3C-BD67-6FCFE11EFBEA}" type="slidenum">
               <a:rPr lang="en-NL" smtClean="0"/>
-              <a:t>12</a:t>
+              <a:t>11</a:t>
             </a:fld>
             <a:endParaRPr lang="en-NL"/>
           </a:p>
@@ -1332,7 +1475,7 @@
           <a:p>
             <a:fld id="{210C85D1-D769-4E3C-BD67-6FCFE11EFBEA}" type="slidenum">
               <a:rPr lang="en-NL" smtClean="0"/>
-              <a:t>14</a:t>
+              <a:t>13</a:t>
             </a:fld>
             <a:endParaRPr lang="en-NL"/>
           </a:p>
@@ -1341,7 +1484,7 @@
     </p:spTree>
     <p:extLst>
       <p:ext uri="{BB962C8B-B14F-4D97-AF65-F5344CB8AC3E}">
-        <p14:creationId xmlns:p14="http://schemas.microsoft.com/office/powerpoint/2010/main" val="152312003"/>
+        <p14:creationId xmlns:p14="http://schemas.microsoft.com/office/powerpoint/2010/main" val="972553558"/>
       </p:ext>
     </p:extLst>
   </p:cSld>
@@ -1416,7 +1559,7 @@
           <a:p>
             <a:fld id="{210C85D1-D769-4E3C-BD67-6FCFE11EFBEA}" type="slidenum">
               <a:rPr lang="en-NL" smtClean="0"/>
-              <a:t>16</a:t>
+              <a:t>17</a:t>
             </a:fld>
             <a:endParaRPr lang="en-NL"/>
           </a:p>
@@ -1425,7 +1568,7 @@
     </p:spTree>
     <p:extLst>
       <p:ext uri="{BB962C8B-B14F-4D97-AF65-F5344CB8AC3E}">
-        <p14:creationId xmlns:p14="http://schemas.microsoft.com/office/powerpoint/2010/main" val="1918659677"/>
+        <p14:creationId xmlns:p14="http://schemas.microsoft.com/office/powerpoint/2010/main" val="1642820686"/>
       </p:ext>
     </p:extLst>
   </p:cSld>
@@ -1500,7 +1643,7 @@
           <a:p>
             <a:fld id="{210C85D1-D769-4E3C-BD67-6FCFE11EFBEA}" type="slidenum">
               <a:rPr lang="en-NL" smtClean="0"/>
-              <a:t>18</a:t>
+              <a:t>19</a:t>
             </a:fld>
             <a:endParaRPr lang="en-NL"/>
           </a:p>
@@ -1584,7 +1727,7 @@
           <a:p>
             <a:fld id="{210C85D1-D769-4E3C-BD67-6FCFE11EFBEA}" type="slidenum">
               <a:rPr lang="en-NL" smtClean="0"/>
-              <a:t>20</a:t>
+              <a:t>21</a:t>
             </a:fld>
             <a:endParaRPr lang="en-NL"/>
           </a:p>
@@ -1647,63 +1790,6 @@
           <a:bodyPr/>
           <a:lstStyle/>
           <a:p>
-            <a:r>
-              <a:rPr lang="en-US" dirty="0"/>
-              <a:t>Some are outdated:</a:t>
-            </a:r>
-          </a:p>
-          <a:p>
-            <a:pPr marL="171450" indent="-171450">
-              <a:buFont typeface="Arial" panose="020B0604020202020204" pitchFamily="34" charset="0"/>
-              <a:buChar char="•"/>
-            </a:pPr>
-            <a:r>
-              <a:rPr lang="en-US" dirty="0" err="1"/>
-              <a:t>exslt</a:t>
-            </a:r>
-            <a:r>
-              <a:rPr lang="en-US" dirty="0"/>
-              <a:t>: Allow </a:t>
-            </a:r>
-            <a:r>
-              <a:rPr lang="en-US" dirty="0" err="1"/>
-              <a:t>exslt</a:t>
-            </a:r>
-            <a:r>
-              <a:rPr lang="en-US" dirty="0"/>
-              <a:t> extension function from exslt.org (last updated: 2003)</a:t>
-            </a:r>
-          </a:p>
-          <a:p>
-            <a:pPr marL="171450" indent="-171450">
-              <a:buFont typeface="Arial" panose="020B0604020202020204" pitchFamily="34" charset="0"/>
-              <a:buChar char="•"/>
-            </a:pPr>
-            <a:r>
-              <a:rPr lang="en-US" dirty="0" err="1"/>
-              <a:t>stx</a:t>
-            </a:r>
-            <a:r>
-              <a:rPr lang="en-US" dirty="0"/>
-              <a:t> (Streaming Transformations for XML) an XML based language for transforming XML documents without building a tree in memory (last update: 2007)</a:t>
-            </a:r>
-          </a:p>
-          <a:p>
-            <a:pPr marL="171450" indent="-171450">
-              <a:buFont typeface="Arial" panose="020B0604020202020204" pitchFamily="34" charset="0"/>
-              <a:buChar char="•"/>
-            </a:pPr>
-            <a:endParaRPr lang="en-US" dirty="0"/>
-          </a:p>
-          <a:p>
-            <a:pPr marL="0" indent="0">
-              <a:buFont typeface="Arial" panose="020B0604020202020204" pitchFamily="34" charset="0"/>
-              <a:buNone/>
-            </a:pPr>
-            <a:r>
-              <a:rPr lang="en-US" dirty="0"/>
-              <a:t>Contrary to what you might expect: not case-sensitive </a:t>
-            </a:r>
             <a:endParaRPr lang="en-NL" dirty="0"/>
           </a:p>
         </p:txBody>
@@ -1723,7 +1809,7 @@
           <a:bodyPr/>
           <a:lstStyle/>
           <a:p>
-            <a:fld id="{A83FDDBB-341F-4A2D-A070-8A29B8B1C9DF}" type="slidenum">
+            <a:fld id="{210C85D1-D769-4E3C-BD67-6FCFE11EFBEA}" type="slidenum">
               <a:rPr lang="en-NL" smtClean="0"/>
               <a:t>24</a:t>
             </a:fld>
@@ -1734,7 +1820,7 @@
     </p:spTree>
     <p:extLst>
       <p:ext uri="{BB962C8B-B14F-4D97-AF65-F5344CB8AC3E}">
-        <p14:creationId xmlns:p14="http://schemas.microsoft.com/office/powerpoint/2010/main" val="1888077813"/>
+        <p14:creationId xmlns:p14="http://schemas.microsoft.com/office/powerpoint/2010/main" val="890139119"/>
       </p:ext>
     </p:extLst>
   </p:cSld>
@@ -1901,7 +1987,7 @@
           <a:p>
             <a:fld id="{9446F294-FC6D-4658-8D72-6C175CC4BEDF}" type="datetimeFigureOut">
               <a:rPr lang="en-US" smtClean="0"/>
-              <a:t>9/20/2022</a:t>
+              <a:t>9/28/2022</a:t>
             </a:fld>
             <a:endParaRPr lang="en-US"/>
           </a:p>
@@ -2125,7 +2211,7 @@
           <a:p>
             <a:fld id="{9446F294-FC6D-4658-8D72-6C175CC4BEDF}" type="datetimeFigureOut">
               <a:rPr lang="en-US" smtClean="0"/>
-              <a:t>9/20/2022</a:t>
+              <a:t>9/28/2022</a:t>
             </a:fld>
             <a:endParaRPr lang="en-US"/>
           </a:p>
@@ -2359,7 +2445,7 @@
           <a:p>
             <a:fld id="{9446F294-FC6D-4658-8D72-6C175CC4BEDF}" type="datetimeFigureOut">
               <a:rPr lang="en-US" smtClean="0"/>
-              <a:t>9/20/2022</a:t>
+              <a:t>9/28/2022</a:t>
             </a:fld>
             <a:endParaRPr lang="en-US"/>
           </a:p>
@@ -2583,7 +2669,7 @@
           <a:p>
             <a:fld id="{9446F294-FC6D-4658-8D72-6C175CC4BEDF}" type="datetimeFigureOut">
               <a:rPr lang="en-US" smtClean="0"/>
-              <a:t>9/20/2022</a:t>
+              <a:t>9/28/2022</a:t>
             </a:fld>
             <a:endParaRPr lang="en-US"/>
           </a:p>
@@ -2883,7 +2969,7 @@
           <a:p>
             <a:fld id="{9446F294-FC6D-4658-8D72-6C175CC4BEDF}" type="datetimeFigureOut">
               <a:rPr lang="en-US" smtClean="0"/>
-              <a:t>9/20/2022</a:t>
+              <a:t>9/28/2022</a:t>
             </a:fld>
             <a:endParaRPr lang="en-US"/>
           </a:p>
@@ -3175,7 +3261,7 @@
           <a:p>
             <a:fld id="{9446F294-FC6D-4658-8D72-6C175CC4BEDF}" type="datetimeFigureOut">
               <a:rPr lang="en-US" smtClean="0"/>
-              <a:t>9/20/2022</a:t>
+              <a:t>9/28/2022</a:t>
             </a:fld>
             <a:endParaRPr lang="en-US"/>
           </a:p>
@@ -3614,7 +3700,7 @@
           <a:p>
             <a:fld id="{9446F294-FC6D-4658-8D72-6C175CC4BEDF}" type="datetimeFigureOut">
               <a:rPr lang="en-US" smtClean="0"/>
-              <a:t>9/20/2022</a:t>
+              <a:t>9/28/2022</a:t>
             </a:fld>
             <a:endParaRPr lang="en-US"/>
           </a:p>
@@ -3780,7 +3866,7 @@
           <a:p>
             <a:fld id="{9446F294-FC6D-4658-8D72-6C175CC4BEDF}" type="datetimeFigureOut">
               <a:rPr lang="en-US" smtClean="0"/>
-              <a:t>9/20/2022</a:t>
+              <a:t>9/28/2022</a:t>
             </a:fld>
             <a:endParaRPr lang="en-US"/>
           </a:p>
@@ -3917,7 +4003,7 @@
           <a:p>
             <a:fld id="{9446F294-FC6D-4658-8D72-6C175CC4BEDF}" type="datetimeFigureOut">
               <a:rPr lang="en-US" smtClean="0"/>
-              <a:t>9/20/2022</a:t>
+              <a:t>9/28/2022</a:t>
             </a:fld>
             <a:endParaRPr lang="en-US"/>
           </a:p>
@@ -4254,7 +4340,7 @@
           <a:p>
             <a:fld id="{9446F294-FC6D-4658-8D72-6C175CC4BEDF}" type="datetimeFigureOut">
               <a:rPr lang="en-US" smtClean="0"/>
-              <a:t>9/20/2022</a:t>
+              <a:t>9/28/2022</a:t>
             </a:fld>
             <a:endParaRPr lang="en-US"/>
           </a:p>
@@ -4567,7 +4653,7 @@
           <a:p>
             <a:fld id="{9446F294-FC6D-4658-8D72-6C175CC4BEDF}" type="datetimeFigureOut">
               <a:rPr lang="en-US" smtClean="0"/>
-              <a:t>9/20/2022</a:t>
+              <a:t>9/28/2022</a:t>
             </a:fld>
             <a:endParaRPr lang="en-US"/>
           </a:p>
@@ -5560,7 +5646,7 @@
           <p:cNvPr id="2" name="Title 1">
             <a:extLst>
               <a:ext uri="{FF2B5EF4-FFF2-40B4-BE49-F238E27FC236}">
-                <a16:creationId xmlns:a16="http://schemas.microsoft.com/office/drawing/2014/main" id="{9EF25B1F-53DD-3D4D-C19B-BA8419EE6964}"/>
+                <a16:creationId xmlns:a16="http://schemas.microsoft.com/office/drawing/2014/main" id="{3115B792-3B71-7992-1FD1-80E4B7E4E362}"/>
               </a:ext>
             </a:extLst>
           </p:cNvPr>
@@ -5573,7 +5659,7 @@
         </p:nvSpPr>
         <p:spPr>
           <a:xfrm>
-            <a:off x="88769" y="-96789"/>
+            <a:off x="168897" y="0"/>
             <a:ext cx="10515600" cy="1325563"/>
           </a:xfrm>
         </p:spPr>
@@ -5583,7 +5669,7 @@
           <a:p>
             <a:r>
               <a:rPr lang="en-US" b="1" dirty="0"/>
-              <a:t>Patterns and rules</a:t>
+              <a:t>Assertions and reports</a:t>
             </a:r>
             <a:endParaRPr lang="en-NL" b="1" dirty="0"/>
           </a:p>
@@ -5594,7 +5680,7 @@
           <p:cNvPr id="3" name="Content Placeholder 2">
             <a:extLst>
               <a:ext uri="{FF2B5EF4-FFF2-40B4-BE49-F238E27FC236}">
-                <a16:creationId xmlns:a16="http://schemas.microsoft.com/office/drawing/2014/main" id="{941D477D-845C-356D-D290-87BF2449A60F}"/>
+                <a16:creationId xmlns:a16="http://schemas.microsoft.com/office/drawing/2014/main" id="{3F14D8FB-B9C3-3EF8-9714-3E203C92F4C8}"/>
               </a:ext>
             </a:extLst>
           </p:cNvPr>
@@ -5605,19 +5691,518 @@
             <p:ph idx="1"/>
           </p:nvPr>
         </p:nvSpPr>
-        <p:spPr/>
+        <p:spPr>
+          <a:xfrm>
+            <a:off x="838200" y="1381059"/>
+            <a:ext cx="10515600" cy="2232398"/>
+          </a:xfrm>
+        </p:spPr>
         <p:txBody>
-          <a:bodyPr/>
+          <a:bodyPr>
+            <a:normAutofit lnSpcReduction="10000"/>
+          </a:bodyPr>
           <a:lstStyle/>
           <a:p>
-            <a:endParaRPr lang="en-NL"/>
+            <a:r>
+              <a:rPr lang="en-US" dirty="0"/>
+              <a:t>When a rule fires, the node fired upon becomes the context item</a:t>
+            </a:r>
+          </a:p>
+          <a:p>
+            <a:r>
+              <a:rPr lang="en-US" dirty="0"/>
+              <a:t>A rule consists of zero or more </a:t>
+            </a:r>
+          </a:p>
+          <a:p>
+            <a:pPr lvl="1"/>
+            <a:r>
+              <a:rPr lang="en-US" dirty="0"/>
+              <a:t>asserts: &lt;assert test="…"&gt; - Activated when the test expression is false</a:t>
+            </a:r>
+          </a:p>
+          <a:p>
+            <a:pPr lvl="1"/>
+            <a:r>
+              <a:rPr lang="en-US" dirty="0"/>
+              <a:t>reports &lt;report test="…"&gt; - Activated when the test expression is true</a:t>
+            </a:r>
+          </a:p>
+          <a:p>
+            <a:r>
+              <a:rPr lang="en-US" dirty="0"/>
+              <a:t>The contents of the element is issued as validation message</a:t>
+            </a:r>
+          </a:p>
+          <a:p>
+            <a:endParaRPr lang="en-NL" dirty="0"/>
+          </a:p>
+        </p:txBody>
+      </p:sp>
+      <p:sp>
+        <p:nvSpPr>
+          <p:cNvPr id="4" name="TextBox 3">
+            <a:extLst>
+              <a:ext uri="{FF2B5EF4-FFF2-40B4-BE49-F238E27FC236}">
+                <a16:creationId xmlns:a16="http://schemas.microsoft.com/office/drawing/2014/main" id="{22F1172D-6E94-F730-A862-FB83D6008C3B}"/>
+              </a:ext>
+            </a:extLst>
+          </p:cNvPr>
+          <p:cNvSpPr txBox="1"/>
+          <p:nvPr/>
+        </p:nvSpPr>
+        <p:spPr>
+          <a:xfrm>
+            <a:off x="379626" y="3937312"/>
+            <a:ext cx="10524035" cy="2031325"/>
+          </a:xfrm>
+          <a:prstGeom prst="rect">
+            <a:avLst/>
+          </a:prstGeom>
+          <a:solidFill>
+            <a:schemeClr val="bg1">
+              <a:lumMod val="95000"/>
+            </a:schemeClr>
+          </a:solidFill>
+        </p:spPr>
+        <p:txBody>
+          <a:bodyPr wrap="none" rtlCol="0">
+            <a:spAutoFit/>
+          </a:bodyPr>
+          <a:lstStyle/>
+          <a:p>
+            <a:r>
+              <a:rPr lang="de-DE" b="1" dirty="0">
+                <a:latin typeface="Courier New" panose="02070309020205020404" pitchFamily="49" charset="0"/>
+                <a:cs typeface="Courier New" panose="02070309020205020404" pitchFamily="49" charset="0"/>
+              </a:rPr>
+              <a:t>      </a:t>
+            </a:r>
+            <a:r>
+              <a:rPr lang="de-DE" b="1" dirty="0">
+                <a:solidFill>
+                  <a:schemeClr val="tx2"/>
+                </a:solidFill>
+                <a:latin typeface="Courier New" panose="02070309020205020404" pitchFamily="49" charset="0"/>
+                <a:cs typeface="Courier New" panose="02070309020205020404" pitchFamily="49" charset="0"/>
+              </a:rPr>
+              <a:t>&lt;</a:t>
+            </a:r>
+            <a:r>
+              <a:rPr lang="de-DE" b="1" dirty="0" err="1">
+                <a:solidFill>
+                  <a:schemeClr val="tx2"/>
+                </a:solidFill>
+                <a:latin typeface="Courier New" panose="02070309020205020404" pitchFamily="49" charset="0"/>
+                <a:cs typeface="Courier New" panose="02070309020205020404" pitchFamily="49" charset="0"/>
+              </a:rPr>
+              <a:t>thing</a:t>
+            </a:r>
+            <a:r>
+              <a:rPr lang="de-DE" b="1" dirty="0">
+                <a:solidFill>
+                  <a:schemeClr val="tx2"/>
+                </a:solidFill>
+                <a:latin typeface="Courier New" panose="02070309020205020404" pitchFamily="49" charset="0"/>
+                <a:cs typeface="Courier New" panose="02070309020205020404" pitchFamily="49" charset="0"/>
+              </a:rPr>
+              <a:t> code="T12345" </a:t>
+            </a:r>
+            <a:r>
+              <a:rPr lang="de-DE" b="1" dirty="0" err="1">
+                <a:solidFill>
+                  <a:schemeClr val="tx2"/>
+                </a:solidFill>
+                <a:latin typeface="Courier New" panose="02070309020205020404" pitchFamily="49" charset="0"/>
+                <a:cs typeface="Courier New" panose="02070309020205020404" pitchFamily="49" charset="0"/>
+              </a:rPr>
+              <a:t>price</a:t>
+            </a:r>
+            <a:r>
+              <a:rPr lang="de-DE" b="1" dirty="0">
+                <a:solidFill>
+                  <a:schemeClr val="tx2"/>
+                </a:solidFill>
+                <a:latin typeface="Courier New" panose="02070309020205020404" pitchFamily="49" charset="0"/>
+                <a:cs typeface="Courier New" panose="02070309020205020404" pitchFamily="49" charset="0"/>
+              </a:rPr>
+              <a:t>="75.25"/&gt;</a:t>
+            </a:r>
+          </a:p>
+          <a:p>
+            <a:endParaRPr lang="de-DE" b="1" dirty="0">
+              <a:latin typeface="Courier New" panose="02070309020205020404" pitchFamily="49" charset="0"/>
+              <a:cs typeface="Courier New" panose="02070309020205020404" pitchFamily="49" charset="0"/>
+            </a:endParaRPr>
+          </a:p>
+          <a:p>
+            <a:endParaRPr lang="de-DE" b="1" dirty="0">
+              <a:latin typeface="Courier New" panose="02070309020205020404" pitchFamily="49" charset="0"/>
+              <a:cs typeface="Courier New" panose="02070309020205020404" pitchFamily="49" charset="0"/>
+            </a:endParaRPr>
+          </a:p>
+          <a:p>
+            <a:r>
+              <a:rPr lang="de-DE" b="1" dirty="0">
+                <a:latin typeface="Courier New" panose="02070309020205020404" pitchFamily="49" charset="0"/>
+                <a:cs typeface="Courier New" panose="02070309020205020404" pitchFamily="49" charset="0"/>
+              </a:rPr>
+              <a:t>&lt;</a:t>
+            </a:r>
+            <a:r>
+              <a:rPr lang="de-DE" b="1" dirty="0" err="1">
+                <a:latin typeface="Courier New" panose="02070309020205020404" pitchFamily="49" charset="0"/>
+                <a:cs typeface="Courier New" panose="02070309020205020404" pitchFamily="49" charset="0"/>
+              </a:rPr>
+              <a:t>rule</a:t>
+            </a:r>
+            <a:r>
+              <a:rPr lang="de-DE" b="1" dirty="0">
+                <a:latin typeface="Courier New" panose="02070309020205020404" pitchFamily="49" charset="0"/>
+                <a:cs typeface="Courier New" panose="02070309020205020404" pitchFamily="49" charset="0"/>
+              </a:rPr>
+              <a:t> </a:t>
+            </a:r>
+            <a:r>
+              <a:rPr lang="de-DE" b="1" dirty="0" err="1">
+                <a:latin typeface="Courier New" panose="02070309020205020404" pitchFamily="49" charset="0"/>
+                <a:cs typeface="Courier New" panose="02070309020205020404" pitchFamily="49" charset="0"/>
+              </a:rPr>
+              <a:t>context</a:t>
+            </a:r>
+            <a:r>
+              <a:rPr lang="de-DE" b="1" dirty="0">
+                <a:latin typeface="Courier New" panose="02070309020205020404" pitchFamily="49" charset="0"/>
+                <a:cs typeface="Courier New" panose="02070309020205020404" pitchFamily="49" charset="0"/>
+              </a:rPr>
+              <a:t>="</a:t>
+            </a:r>
+            <a:r>
+              <a:rPr lang="de-DE" b="1" dirty="0" err="1">
+                <a:latin typeface="Courier New" panose="02070309020205020404" pitchFamily="49" charset="0"/>
+                <a:cs typeface="Courier New" panose="02070309020205020404" pitchFamily="49" charset="0"/>
+              </a:rPr>
+              <a:t>thing</a:t>
+            </a:r>
+            <a:r>
+              <a:rPr lang="de-DE" b="1" dirty="0">
+                <a:latin typeface="Courier New" panose="02070309020205020404" pitchFamily="49" charset="0"/>
+                <a:cs typeface="Courier New" panose="02070309020205020404" pitchFamily="49" charset="0"/>
+              </a:rPr>
+              <a:t>"&gt;</a:t>
+            </a:r>
+          </a:p>
+          <a:p>
+            <a:r>
+              <a:rPr lang="de-DE" b="1" dirty="0">
+                <a:latin typeface="Courier New" panose="02070309020205020404" pitchFamily="49" charset="0"/>
+                <a:cs typeface="Courier New" panose="02070309020205020404" pitchFamily="49" charset="0"/>
+              </a:rPr>
+              <a:t>  &lt;</a:t>
+            </a:r>
+            <a:r>
+              <a:rPr lang="de-DE" b="1" dirty="0" err="1">
+                <a:latin typeface="Courier New" panose="02070309020205020404" pitchFamily="49" charset="0"/>
+                <a:cs typeface="Courier New" panose="02070309020205020404" pitchFamily="49" charset="0"/>
+              </a:rPr>
+              <a:t>assert</a:t>
+            </a:r>
+            <a:r>
+              <a:rPr lang="de-DE" b="1" dirty="0">
+                <a:latin typeface="Courier New" panose="02070309020205020404" pitchFamily="49" charset="0"/>
+                <a:cs typeface="Courier New" panose="02070309020205020404" pitchFamily="49" charset="0"/>
+              </a:rPr>
+              <a:t> </a:t>
+            </a:r>
+            <a:r>
+              <a:rPr lang="de-DE" b="1" dirty="0" err="1">
+                <a:latin typeface="Courier New" panose="02070309020205020404" pitchFamily="49" charset="0"/>
+                <a:cs typeface="Courier New" panose="02070309020205020404" pitchFamily="49" charset="0"/>
+              </a:rPr>
+              <a:t>test</a:t>
+            </a:r>
+            <a:r>
+              <a:rPr lang="de-DE" b="1" dirty="0">
+                <a:latin typeface="Courier New" panose="02070309020205020404" pitchFamily="49" charset="0"/>
+                <a:cs typeface="Courier New" panose="02070309020205020404" pitchFamily="49" charset="0"/>
+              </a:rPr>
+              <a:t>="</a:t>
+            </a:r>
+            <a:r>
+              <a:rPr lang="de-DE" b="1" dirty="0" err="1">
+                <a:latin typeface="Courier New" panose="02070309020205020404" pitchFamily="49" charset="0"/>
+                <a:cs typeface="Courier New" panose="02070309020205020404" pitchFamily="49" charset="0"/>
+              </a:rPr>
+              <a:t>starts-with</a:t>
+            </a:r>
+            <a:r>
+              <a:rPr lang="de-DE" b="1" dirty="0">
+                <a:latin typeface="Courier New" panose="02070309020205020404" pitchFamily="49" charset="0"/>
+                <a:cs typeface="Courier New" panose="02070309020205020404" pitchFamily="49" charset="0"/>
+              </a:rPr>
+              <a:t>(@code, 'T')"&gt;Codes </a:t>
+            </a:r>
+            <a:r>
+              <a:rPr lang="de-DE" b="1" dirty="0" err="1">
+                <a:latin typeface="Courier New" panose="02070309020205020404" pitchFamily="49" charset="0"/>
+                <a:cs typeface="Courier New" panose="02070309020205020404" pitchFamily="49" charset="0"/>
+              </a:rPr>
+              <a:t>must</a:t>
+            </a:r>
+            <a:r>
+              <a:rPr lang="de-DE" b="1" dirty="0">
+                <a:latin typeface="Courier New" panose="02070309020205020404" pitchFamily="49" charset="0"/>
+                <a:cs typeface="Courier New" panose="02070309020205020404" pitchFamily="49" charset="0"/>
+              </a:rPr>
+              <a:t> </a:t>
+            </a:r>
+            <a:r>
+              <a:rPr lang="de-DE" b="1" dirty="0" err="1">
+                <a:latin typeface="Courier New" panose="02070309020205020404" pitchFamily="49" charset="0"/>
+                <a:cs typeface="Courier New" panose="02070309020205020404" pitchFamily="49" charset="0"/>
+              </a:rPr>
+              <a:t>start</a:t>
+            </a:r>
+            <a:r>
+              <a:rPr lang="de-DE" b="1" dirty="0">
+                <a:latin typeface="Courier New" panose="02070309020205020404" pitchFamily="49" charset="0"/>
+                <a:cs typeface="Courier New" panose="02070309020205020404" pitchFamily="49" charset="0"/>
+              </a:rPr>
+              <a:t> </a:t>
+            </a:r>
+            <a:r>
+              <a:rPr lang="de-DE" b="1" dirty="0" err="1">
+                <a:latin typeface="Courier New" panose="02070309020205020404" pitchFamily="49" charset="0"/>
+                <a:cs typeface="Courier New" panose="02070309020205020404" pitchFamily="49" charset="0"/>
+              </a:rPr>
+              <a:t>with</a:t>
+            </a:r>
+            <a:r>
+              <a:rPr lang="de-DE" b="1" dirty="0">
+                <a:latin typeface="Courier New" panose="02070309020205020404" pitchFamily="49" charset="0"/>
+                <a:cs typeface="Courier New" panose="02070309020205020404" pitchFamily="49" charset="0"/>
+              </a:rPr>
+              <a:t> a T&lt;/</a:t>
+            </a:r>
+            <a:r>
+              <a:rPr lang="de-DE" b="1" dirty="0" err="1">
+                <a:latin typeface="Courier New" panose="02070309020205020404" pitchFamily="49" charset="0"/>
+                <a:cs typeface="Courier New" panose="02070309020205020404" pitchFamily="49" charset="0"/>
+              </a:rPr>
+              <a:t>assert</a:t>
+            </a:r>
+            <a:r>
+              <a:rPr lang="de-DE" b="1" dirty="0">
+                <a:latin typeface="Courier New" panose="02070309020205020404" pitchFamily="49" charset="0"/>
+                <a:cs typeface="Courier New" panose="02070309020205020404" pitchFamily="49" charset="0"/>
+              </a:rPr>
+              <a:t>&gt;</a:t>
+            </a:r>
+          </a:p>
+          <a:p>
+            <a:r>
+              <a:rPr lang="de-DE" b="1" dirty="0">
+                <a:latin typeface="Courier New" panose="02070309020205020404" pitchFamily="49" charset="0"/>
+                <a:cs typeface="Courier New" panose="02070309020205020404" pitchFamily="49" charset="0"/>
+              </a:rPr>
+              <a:t>  &lt;</a:t>
+            </a:r>
+            <a:r>
+              <a:rPr lang="de-DE" b="1" dirty="0" err="1">
+                <a:latin typeface="Courier New" panose="02070309020205020404" pitchFamily="49" charset="0"/>
+                <a:cs typeface="Courier New" panose="02070309020205020404" pitchFamily="49" charset="0"/>
+              </a:rPr>
+              <a:t>report</a:t>
+            </a:r>
+            <a:r>
+              <a:rPr lang="de-DE" b="1" dirty="0">
+                <a:latin typeface="Courier New" panose="02070309020205020404" pitchFamily="49" charset="0"/>
+                <a:cs typeface="Courier New" panose="02070309020205020404" pitchFamily="49" charset="0"/>
+              </a:rPr>
+              <a:t> </a:t>
+            </a:r>
+            <a:r>
+              <a:rPr lang="de-DE" b="1" dirty="0" err="1">
+                <a:latin typeface="Courier New" panose="02070309020205020404" pitchFamily="49" charset="0"/>
+                <a:cs typeface="Courier New" panose="02070309020205020404" pitchFamily="49" charset="0"/>
+              </a:rPr>
+              <a:t>test</a:t>
+            </a:r>
+            <a:r>
+              <a:rPr lang="de-DE" b="1" dirty="0">
+                <a:latin typeface="Courier New" panose="02070309020205020404" pitchFamily="49" charset="0"/>
+                <a:cs typeface="Courier New" panose="02070309020205020404" pitchFamily="49" charset="0"/>
+              </a:rPr>
+              <a:t>="</a:t>
+            </a:r>
+            <a:r>
+              <a:rPr lang="de-DE" b="1" dirty="0" err="1">
+                <a:latin typeface="Courier New" panose="02070309020205020404" pitchFamily="49" charset="0"/>
+                <a:cs typeface="Courier New" panose="02070309020205020404" pitchFamily="49" charset="0"/>
+              </a:rPr>
+              <a:t>xs:double</a:t>
+            </a:r>
+            <a:r>
+              <a:rPr lang="de-DE" b="1" dirty="0">
+                <a:latin typeface="Courier New" panose="02070309020205020404" pitchFamily="49" charset="0"/>
+                <a:cs typeface="Courier New" panose="02070309020205020404" pitchFamily="49" charset="0"/>
+              </a:rPr>
+              <a:t>(@price) </a:t>
+            </a:r>
+            <a:r>
+              <a:rPr lang="de-DE" b="1" dirty="0" err="1">
+                <a:latin typeface="Courier New" panose="02070309020205020404" pitchFamily="49" charset="0"/>
+                <a:cs typeface="Courier New" panose="02070309020205020404" pitchFamily="49" charset="0"/>
+              </a:rPr>
+              <a:t>gt</a:t>
+            </a:r>
+            <a:r>
+              <a:rPr lang="de-DE" b="1" dirty="0">
+                <a:latin typeface="Courier New" panose="02070309020205020404" pitchFamily="49" charset="0"/>
+                <a:cs typeface="Courier New" panose="02070309020205020404" pitchFamily="49" charset="0"/>
+              </a:rPr>
+              <a:t> 100"&gt;High </a:t>
+            </a:r>
+            <a:r>
+              <a:rPr lang="de-DE" b="1" dirty="0" err="1">
+                <a:latin typeface="Courier New" panose="02070309020205020404" pitchFamily="49" charset="0"/>
+                <a:cs typeface="Courier New" panose="02070309020205020404" pitchFamily="49" charset="0"/>
+              </a:rPr>
+              <a:t>priced</a:t>
+            </a:r>
+            <a:r>
+              <a:rPr lang="de-DE" b="1" dirty="0">
+                <a:latin typeface="Courier New" panose="02070309020205020404" pitchFamily="49" charset="0"/>
+                <a:cs typeface="Courier New" panose="02070309020205020404" pitchFamily="49" charset="0"/>
+              </a:rPr>
+              <a:t> </a:t>
+            </a:r>
+            <a:r>
+              <a:rPr lang="de-DE" b="1" dirty="0" err="1">
+                <a:latin typeface="Courier New" panose="02070309020205020404" pitchFamily="49" charset="0"/>
+                <a:cs typeface="Courier New" panose="02070309020205020404" pitchFamily="49" charset="0"/>
+              </a:rPr>
+              <a:t>thing</a:t>
+            </a:r>
+            <a:r>
+              <a:rPr lang="de-DE" b="1" dirty="0">
+                <a:latin typeface="Courier New" panose="02070309020205020404" pitchFamily="49" charset="0"/>
+                <a:cs typeface="Courier New" panose="02070309020205020404" pitchFamily="49" charset="0"/>
+              </a:rPr>
+              <a:t> </a:t>
+            </a:r>
+            <a:r>
+              <a:rPr lang="de-DE" b="1" dirty="0" err="1">
+                <a:latin typeface="Courier New" panose="02070309020205020404" pitchFamily="49" charset="0"/>
+                <a:cs typeface="Courier New" panose="02070309020205020404" pitchFamily="49" charset="0"/>
+              </a:rPr>
+              <a:t>found</a:t>
+            </a:r>
+            <a:r>
+              <a:rPr lang="de-DE" b="1" dirty="0">
+                <a:latin typeface="Courier New" panose="02070309020205020404" pitchFamily="49" charset="0"/>
+                <a:cs typeface="Courier New" panose="02070309020205020404" pitchFamily="49" charset="0"/>
+              </a:rPr>
+              <a:t>!&lt;/</a:t>
+            </a:r>
+            <a:r>
+              <a:rPr lang="de-DE" b="1" dirty="0" err="1">
+                <a:latin typeface="Courier New" panose="02070309020205020404" pitchFamily="49" charset="0"/>
+                <a:cs typeface="Courier New" panose="02070309020205020404" pitchFamily="49" charset="0"/>
+              </a:rPr>
+              <a:t>report</a:t>
+            </a:r>
+            <a:r>
+              <a:rPr lang="de-DE" b="1" dirty="0">
+                <a:latin typeface="Courier New" panose="02070309020205020404" pitchFamily="49" charset="0"/>
+                <a:cs typeface="Courier New" panose="02070309020205020404" pitchFamily="49" charset="0"/>
+              </a:rPr>
+              <a:t>&gt;</a:t>
+            </a:r>
+          </a:p>
+          <a:p>
+            <a:r>
+              <a:rPr lang="de-DE" b="1" dirty="0">
+                <a:latin typeface="Courier New" panose="02070309020205020404" pitchFamily="49" charset="0"/>
+                <a:cs typeface="Courier New" panose="02070309020205020404" pitchFamily="49" charset="0"/>
+              </a:rPr>
+              <a:t>&lt;/</a:t>
+            </a:r>
+            <a:r>
+              <a:rPr lang="de-DE" b="1" dirty="0" err="1">
+                <a:latin typeface="Courier New" panose="02070309020205020404" pitchFamily="49" charset="0"/>
+                <a:cs typeface="Courier New" panose="02070309020205020404" pitchFamily="49" charset="0"/>
+              </a:rPr>
+              <a:t>rule</a:t>
+            </a:r>
+            <a:r>
+              <a:rPr lang="de-DE" b="1" dirty="0">
+                <a:latin typeface="Courier New" panose="02070309020205020404" pitchFamily="49" charset="0"/>
+                <a:cs typeface="Courier New" panose="02070309020205020404" pitchFamily="49" charset="0"/>
+              </a:rPr>
+              <a:t>&gt;</a:t>
+            </a:r>
+          </a:p>
+        </p:txBody>
+      </p:sp>
+      <p:sp>
+        <p:nvSpPr>
+          <p:cNvPr id="5" name="Arrow: Curved Left 4">
+            <a:extLst>
+              <a:ext uri="{FF2B5EF4-FFF2-40B4-BE49-F238E27FC236}">
+                <a16:creationId xmlns:a16="http://schemas.microsoft.com/office/drawing/2014/main" id="{1D869077-75A2-B896-64C1-D3F24E48A3C7}"/>
+              </a:ext>
+            </a:extLst>
+          </p:cNvPr>
+          <p:cNvSpPr/>
+          <p:nvPr/>
+        </p:nvSpPr>
+        <p:spPr>
+          <a:xfrm>
+            <a:off x="6362963" y="4017054"/>
+            <a:ext cx="731520" cy="1046830"/>
+          </a:xfrm>
+          <a:prstGeom prst="curvedLeftArrow">
+            <a:avLst>
+              <a:gd name="adj1" fmla="val 25000"/>
+              <a:gd name="adj2" fmla="val 48262"/>
+              <a:gd name="adj3" fmla="val 25000"/>
+            </a:avLst>
+          </a:prstGeom>
+        </p:spPr>
+        <p:style>
+          <a:lnRef idx="2">
+            <a:schemeClr val="accent1">
+              <a:shade val="50000"/>
+            </a:schemeClr>
+          </a:lnRef>
+          <a:fillRef idx="1">
+            <a:schemeClr val="accent1"/>
+          </a:fillRef>
+          <a:effectRef idx="0">
+            <a:schemeClr val="accent1"/>
+          </a:effectRef>
+          <a:fontRef idx="minor">
+            <a:schemeClr val="lt1"/>
+          </a:fontRef>
+        </p:style>
+        <p:txBody>
+          <a:bodyPr rtlCol="0" anchor="ctr"/>
+          <a:lstStyle/>
+          <a:p>
+            <a:pPr algn="ctr"/>
+            <a:endParaRPr lang="en-NL">
+              <a:solidFill>
+                <a:schemeClr val="tx1"/>
+              </a:solidFill>
+            </a:endParaRPr>
           </a:p>
         </p:txBody>
       </p:sp>
     </p:spTree>
     <p:extLst>
       <p:ext uri="{BB962C8B-B14F-4D97-AF65-F5344CB8AC3E}">
-        <p14:creationId xmlns:p14="http://schemas.microsoft.com/office/powerpoint/2010/main" val="1087168182"/>
+        <p14:creationId xmlns:p14="http://schemas.microsoft.com/office/powerpoint/2010/main" val="2418223420"/>
       </p:ext>
     </p:extLst>
   </p:cSld>
@@ -5649,7 +6234,7 @@
           <p:cNvPr id="2" name="Title 1">
             <a:extLst>
               <a:ext uri="{FF2B5EF4-FFF2-40B4-BE49-F238E27FC236}">
-                <a16:creationId xmlns:a16="http://schemas.microsoft.com/office/drawing/2014/main" id="{3115B792-3B71-7992-1FD1-80E4B7E4E362}"/>
+                <a16:creationId xmlns:a16="http://schemas.microsoft.com/office/drawing/2014/main" id="{A70F358F-267E-458C-A8D5-5959F20DB9D5}"/>
               </a:ext>
             </a:extLst>
           </p:cNvPr>
@@ -5662,7 +6247,7 @@
         </p:nvSpPr>
         <p:spPr>
           <a:xfrm>
-            <a:off x="168897" y="0"/>
+            <a:off x="1218674" y="-179178"/>
             <a:ext cx="10515600" cy="1325563"/>
           </a:xfrm>
         </p:spPr>
@@ -5672,7 +6257,7 @@
           <a:p>
             <a:r>
               <a:rPr lang="en-US" b="1" dirty="0"/>
-              <a:t>Assertions and reports</a:t>
+              <a:t>Hands-on: Assertions and reports</a:t>
             </a:r>
             <a:endParaRPr lang="en-NL" b="1" dirty="0"/>
           </a:p>
@@ -5683,7 +6268,7 @@
           <p:cNvPr id="3" name="Content Placeholder 2">
             <a:extLst>
               <a:ext uri="{FF2B5EF4-FFF2-40B4-BE49-F238E27FC236}">
-                <a16:creationId xmlns:a16="http://schemas.microsoft.com/office/drawing/2014/main" id="{3F14D8FB-B9C3-3EF8-9714-3E203C92F4C8}"/>
+                <a16:creationId xmlns:a16="http://schemas.microsoft.com/office/drawing/2014/main" id="{B7E5CA6D-D83C-4F14-841A-1F3902B3B2AC}"/>
               </a:ext>
             </a:extLst>
           </p:cNvPr>
@@ -5694,19 +6279,246 @@
             <p:ph idx="1"/>
           </p:nvPr>
         </p:nvSpPr>
-        <p:spPr/>
+        <p:spPr>
+          <a:xfrm>
+            <a:off x="249766" y="1325186"/>
+            <a:ext cx="11826620" cy="4899039"/>
+          </a:xfrm>
+        </p:spPr>
         <p:txBody>
-          <a:bodyPr/>
+          <a:bodyPr>
+            <a:normAutofit fontScale="92500" lnSpcReduction="10000"/>
+          </a:bodyPr>
           <a:lstStyle/>
           <a:p>
-            <a:endParaRPr lang="en-NL"/>
+            <a:r>
+              <a:rPr lang="en-US" dirty="0"/>
+              <a:t>All files in:  </a:t>
+            </a:r>
+            <a:r>
+              <a:rPr lang="en-US" b="1" dirty="0">
+                <a:latin typeface="Courier New" panose="02070309020205020404" pitchFamily="49" charset="0"/>
+                <a:cs typeface="Courier New" panose="02070309020205020404" pitchFamily="49" charset="0"/>
+              </a:rPr>
+              <a:t>…/exercises</a:t>
+            </a:r>
+            <a:r>
+              <a:rPr lang="en-US" dirty="0">
+                <a:latin typeface="Courier New" panose="02070309020205020404" pitchFamily="49" charset="0"/>
+                <a:cs typeface="Courier New" panose="02070309020205020404" pitchFamily="49" charset="0"/>
+              </a:rPr>
+              <a:t>/</a:t>
+            </a:r>
+            <a:r>
+              <a:rPr lang="en-US" b="1" dirty="0">
+                <a:latin typeface="Courier New" panose="02070309020205020404" pitchFamily="49" charset="0"/>
+                <a:cs typeface="Courier New" panose="02070309020205020404" pitchFamily="49" charset="0"/>
+              </a:rPr>
+              <a:t>exercise-02-01</a:t>
+            </a:r>
+          </a:p>
+          <a:p>
+            <a:endParaRPr lang="en-US" dirty="0"/>
+          </a:p>
+          <a:p>
+            <a:r>
+              <a:rPr lang="en-US" dirty="0"/>
+              <a:t>Read the instructions in:  </a:t>
+            </a:r>
+            <a:r>
+              <a:rPr lang="en-US" b="1" dirty="0">
+                <a:latin typeface="Courier New" panose="02070309020205020404" pitchFamily="49" charset="0"/>
+                <a:cs typeface="Courier New" panose="02070309020205020404" pitchFamily="49" charset="0"/>
+              </a:rPr>
+              <a:t>instructions.pdf</a:t>
+            </a:r>
+            <a:endParaRPr lang="en-US" dirty="0"/>
+          </a:p>
+          <a:p>
+            <a:r>
+              <a:rPr lang="en-US" dirty="0"/>
+              <a:t>Open the files:</a:t>
+            </a:r>
+          </a:p>
+          <a:p>
+            <a:pPr lvl="1"/>
+            <a:r>
+              <a:rPr lang="en-US" dirty="0"/>
+              <a:t>Document to validate: </a:t>
+            </a:r>
+            <a:r>
+              <a:rPr lang="en-US" b="1" dirty="0">
+                <a:latin typeface="Courier New" panose="02070309020205020404" pitchFamily="49" charset="0"/>
+                <a:cs typeface="Courier New" panose="02070309020205020404" pitchFamily="49" charset="0"/>
+              </a:rPr>
+              <a:t>input.xml</a:t>
+            </a:r>
+          </a:p>
+          <a:p>
+            <a:pPr lvl="1"/>
+            <a:r>
+              <a:rPr lang="en-US" dirty="0"/>
+              <a:t>Template Schematron schema: </a:t>
+            </a:r>
+            <a:r>
+              <a:rPr lang="en-US" b="1" dirty="0" err="1">
+                <a:latin typeface="Courier New" panose="02070309020205020404" pitchFamily="49" charset="0"/>
+                <a:cs typeface="Courier New" panose="02070309020205020404" pitchFamily="49" charset="0"/>
+              </a:rPr>
+              <a:t>template.sch</a:t>
+            </a:r>
+            <a:endParaRPr lang="en-US" b="1" dirty="0">
+              <a:latin typeface="Courier New" panose="02070309020205020404" pitchFamily="49" charset="0"/>
+              <a:cs typeface="Courier New" panose="02070309020205020404" pitchFamily="49" charset="0"/>
+            </a:endParaRPr>
+          </a:p>
+          <a:p>
+            <a:r>
+              <a:rPr lang="en-US" dirty="0"/>
+              <a:t>Fill in </a:t>
+            </a:r>
+            <a:r>
+              <a:rPr lang="en-US" b="1" dirty="0" err="1">
+                <a:latin typeface="Courier New" panose="02070309020205020404" pitchFamily="49" charset="0"/>
+                <a:cs typeface="Courier New" panose="02070309020205020404" pitchFamily="49" charset="0"/>
+              </a:rPr>
+              <a:t>template.sch</a:t>
+            </a:r>
+            <a:r>
+              <a:rPr lang="en-US" dirty="0"/>
+              <a:t> according to the instructions </a:t>
+            </a:r>
+          </a:p>
+          <a:p>
+            <a:r>
+              <a:rPr lang="en-US" dirty="0"/>
+              <a:t>To try it out in oXygen, </a:t>
+            </a:r>
+            <a:r>
+              <a:rPr lang="en-US" b="1" dirty="0">
+                <a:latin typeface="Courier New" panose="02070309020205020404" pitchFamily="49" charset="0"/>
+                <a:cs typeface="Courier New" panose="02070309020205020404" pitchFamily="49" charset="0"/>
+              </a:rPr>
+              <a:t>input.xml</a:t>
+            </a:r>
+            <a:r>
+              <a:rPr lang="en-US" dirty="0"/>
+              <a:t> is automatically validated by </a:t>
+            </a:r>
+            <a:r>
+              <a:rPr lang="en-US" b="1" dirty="0" err="1">
+                <a:latin typeface="Courier New" panose="02070309020205020404" pitchFamily="49" charset="0"/>
+                <a:cs typeface="Courier New" panose="02070309020205020404" pitchFamily="49" charset="0"/>
+              </a:rPr>
+              <a:t>template.sch</a:t>
+            </a:r>
+            <a:endParaRPr lang="en-US" b="1" dirty="0">
+              <a:latin typeface="Courier New" panose="02070309020205020404" pitchFamily="49" charset="0"/>
+              <a:cs typeface="Courier New" panose="02070309020205020404" pitchFamily="49" charset="0"/>
+            </a:endParaRPr>
+          </a:p>
+          <a:p>
+            <a:endParaRPr lang="en-US" dirty="0"/>
+          </a:p>
+          <a:p>
+            <a:endParaRPr lang="en-US" dirty="0"/>
+          </a:p>
+          <a:p>
+            <a:pPr marL="0" indent="0">
+              <a:buNone/>
+            </a:pPr>
+            <a:r>
+              <a:rPr lang="en-US" sz="2200" dirty="0"/>
+              <a:t>Possible solution in: </a:t>
+            </a:r>
+            <a:r>
+              <a:rPr lang="en-US" sz="2200" b="1" dirty="0">
+                <a:latin typeface="Courier New" panose="02070309020205020404" pitchFamily="49" charset="0"/>
+                <a:cs typeface="Courier New" panose="02070309020205020404" pitchFamily="49" charset="0"/>
+                <a:hlinkClick r:id="rId3" action="ppaction://hlinkfile"/>
+              </a:rPr>
+              <a:t>solution/</a:t>
+            </a:r>
+            <a:r>
+              <a:rPr lang="en-US" sz="2200" b="1" dirty="0" err="1">
+                <a:latin typeface="Courier New" panose="02070309020205020404" pitchFamily="49" charset="0"/>
+                <a:cs typeface="Courier New" panose="02070309020205020404" pitchFamily="49" charset="0"/>
+                <a:hlinkClick r:id="rId3" action="ppaction://hlinkfile"/>
+              </a:rPr>
+              <a:t>solution.sch</a:t>
+            </a:r>
+            <a:r>
+              <a:rPr lang="en-US" sz="2200" dirty="0">
+                <a:hlinkClick r:id="rId3" action="ppaction://hlinkfile"/>
+              </a:rPr>
+              <a:t> </a:t>
+            </a:r>
+            <a:r>
+              <a:rPr lang="en-US" sz="2200" dirty="0"/>
+              <a:t>(short explanation in </a:t>
+            </a:r>
+            <a:r>
+              <a:rPr lang="en-US" sz="2200" b="1" dirty="0">
+                <a:latin typeface="Courier New" panose="02070309020205020404" pitchFamily="49" charset="0"/>
+                <a:cs typeface="Courier New" panose="02070309020205020404" pitchFamily="49" charset="0"/>
+                <a:hlinkClick r:id="rId4" action="ppaction://hlinkfile"/>
+              </a:rPr>
+              <a:t>solution/explanation.pdf</a:t>
+            </a:r>
+            <a:r>
+              <a:rPr lang="en-US" sz="2200" dirty="0"/>
+              <a:t>).</a:t>
+            </a:r>
+            <a:endParaRPr lang="en-US" dirty="0"/>
+          </a:p>
+          <a:p>
+            <a:endParaRPr lang="en-GB" dirty="0"/>
           </a:p>
         </p:txBody>
       </p:sp>
+      <p:pic>
+        <p:nvPicPr>
+          <p:cNvPr id="6" name="Graphic 5" descr="Right pointing backhand index ">
+            <a:extLst>
+              <a:ext uri="{FF2B5EF4-FFF2-40B4-BE49-F238E27FC236}">
+                <a16:creationId xmlns:a16="http://schemas.microsoft.com/office/drawing/2014/main" id="{BA7FB8C5-2AEE-41C3-980A-64845E036DE8}"/>
+              </a:ext>
+            </a:extLst>
+          </p:cNvPr>
+          <p:cNvPicPr>
+            <a:picLocks noChangeAspect="1"/>
+          </p:cNvPicPr>
+          <p:nvPr/>
+        </p:nvPicPr>
+        <p:blipFill>
+          <a:blip r:embed="rId5">
+            <a:extLst>
+              <a:ext uri="{28A0092B-C50C-407E-A947-70E740481C1C}">
+                <a14:useLocalDpi xmlns:a14="http://schemas.microsoft.com/office/drawing/2010/main" val="0"/>
+              </a:ext>
+              <a:ext uri="{96DAC541-7B7A-43D3-8B79-37D633B846F1}">
+                <asvg:svgBlip xmlns:asvg="http://schemas.microsoft.com/office/drawing/2016/SVG/main" r:embed="rId6"/>
+              </a:ext>
+            </a:extLst>
+          </a:blip>
+          <a:stretch>
+            <a:fillRect/>
+          </a:stretch>
+        </p:blipFill>
+        <p:spPr>
+          <a:xfrm>
+            <a:off x="249766" y="26404"/>
+            <a:ext cx="914400" cy="914400"/>
+          </a:xfrm>
+          <a:prstGeom prst="rect">
+            <a:avLst/>
+          </a:prstGeom>
+        </p:spPr>
+      </p:pic>
     </p:spTree>
     <p:extLst>
       <p:ext uri="{BB962C8B-B14F-4D97-AF65-F5344CB8AC3E}">
-        <p14:creationId xmlns:p14="http://schemas.microsoft.com/office/powerpoint/2010/main" val="2418223420"/>
+        <p14:creationId xmlns:p14="http://schemas.microsoft.com/office/powerpoint/2010/main" val="959836656"/>
       </p:ext>
     </p:extLst>
   </p:cSld>
@@ -5738,7 +6550,7 @@
           <p:cNvPr id="2" name="Title 1">
             <a:extLst>
               <a:ext uri="{FF2B5EF4-FFF2-40B4-BE49-F238E27FC236}">
-                <a16:creationId xmlns:a16="http://schemas.microsoft.com/office/drawing/2014/main" id="{A70F358F-267E-458C-A8D5-5959F20DB9D5}"/>
+                <a16:creationId xmlns:a16="http://schemas.microsoft.com/office/drawing/2014/main" id="{98EB98F2-51DD-41D5-B697-3686EC0A6C45}"/>
               </a:ext>
             </a:extLst>
           </p:cNvPr>
@@ -5751,7 +6563,7 @@
         </p:nvSpPr>
         <p:spPr>
           <a:xfrm>
-            <a:off x="1874520" y="278023"/>
+            <a:off x="216031" y="0"/>
             <a:ext cx="10515600" cy="1325563"/>
           </a:xfrm>
         </p:spPr>
@@ -5761,7 +6573,7 @@
           <a:p>
             <a:r>
               <a:rPr lang="en-US" b="1" dirty="0"/>
-              <a:t>Hands-on: Assertions and reports</a:t>
+              <a:t>Rule processing revisited</a:t>
             </a:r>
             <a:endParaRPr lang="en-NL" b="1" dirty="0"/>
           </a:p>
@@ -5772,7 +6584,7 @@
           <p:cNvPr id="3" name="Content Placeholder 2">
             <a:extLst>
               <a:ext uri="{FF2B5EF4-FFF2-40B4-BE49-F238E27FC236}">
-                <a16:creationId xmlns:a16="http://schemas.microsoft.com/office/drawing/2014/main" id="{B7E5CA6D-D83C-4F14-841A-1F3902B3B2AC}"/>
+                <a16:creationId xmlns:a16="http://schemas.microsoft.com/office/drawing/2014/main" id="{C42A33C0-2B52-2A74-F6FD-88515AF8525E}"/>
               </a:ext>
             </a:extLst>
           </p:cNvPr>
@@ -5785,63 +6597,253 @@
         </p:nvSpPr>
         <p:spPr>
           <a:xfrm>
-            <a:off x="249766" y="1552211"/>
-            <a:ext cx="11692468" cy="4084108"/>
+            <a:off x="510277" y="1087954"/>
+            <a:ext cx="10515600" cy="1901187"/>
           </a:xfrm>
         </p:spPr>
         <p:txBody>
           <a:bodyPr>
-            <a:normAutofit/>
+            <a:normAutofit fontScale="92500" lnSpcReduction="20000"/>
           </a:bodyPr>
           <a:lstStyle/>
           <a:p>
-            <a:endParaRPr lang="en-GB" dirty="0"/>
+            <a:r>
+              <a:rPr lang="en-US" dirty="0"/>
+              <a:t>Assume we have an XML document with </a:t>
+            </a:r>
+            <a:r>
+              <a:rPr lang="en-US" sz="2400" b="1" dirty="0">
+                <a:latin typeface="Courier New" panose="02070309020205020404" pitchFamily="49" charset="0"/>
+                <a:cs typeface="Courier New" panose="02070309020205020404" pitchFamily="49" charset="0"/>
+              </a:rPr>
+              <a:t>&lt;book&gt; </a:t>
+            </a:r>
+            <a:r>
+              <a:rPr lang="en-US" dirty="0"/>
+              <a:t>and </a:t>
+            </a:r>
+            <a:r>
+              <a:rPr lang="en-US" sz="2400" b="1" dirty="0">
+                <a:latin typeface="Courier New" panose="02070309020205020404" pitchFamily="49" charset="0"/>
+                <a:cs typeface="Courier New" panose="02070309020205020404" pitchFamily="49" charset="0"/>
+              </a:rPr>
+              <a:t>&lt;magazine&gt; </a:t>
+            </a:r>
+            <a:r>
+              <a:rPr lang="en-US" dirty="0"/>
+              <a:t>elements, underneath some root element</a:t>
+            </a:r>
+          </a:p>
+          <a:p>
+            <a:r>
+              <a:rPr lang="en-US" dirty="0"/>
+              <a:t>We have specific rules for books and magazines, but also rules that apply to </a:t>
+            </a:r>
+            <a:r>
+              <a:rPr lang="en-US" i="1" dirty="0"/>
+              <a:t>all</a:t>
+            </a:r>
+            <a:r>
+              <a:rPr lang="en-US" dirty="0"/>
+              <a:t> elements</a:t>
+            </a:r>
+          </a:p>
+          <a:p>
+            <a:r>
+              <a:rPr lang="en-US" dirty="0"/>
+              <a:t>Will this work?</a:t>
+            </a:r>
+            <a:endParaRPr lang="en-NL" dirty="0"/>
+          </a:p>
+        </p:txBody>
+      </p:sp>
+      <p:sp>
+        <p:nvSpPr>
+          <p:cNvPr id="4" name="TextBox 3">
+            <a:extLst>
+              <a:ext uri="{FF2B5EF4-FFF2-40B4-BE49-F238E27FC236}">
+                <a16:creationId xmlns:a16="http://schemas.microsoft.com/office/drawing/2014/main" id="{22FA6F04-CA26-0A3C-553D-08B58A27170E}"/>
+              </a:ext>
+            </a:extLst>
+          </p:cNvPr>
+          <p:cNvSpPr txBox="1"/>
+          <p:nvPr/>
+        </p:nvSpPr>
+        <p:spPr>
+          <a:xfrm>
+            <a:off x="1393145" y="2989141"/>
+            <a:ext cx="7347257" cy="3139321"/>
+          </a:xfrm>
+          <a:prstGeom prst="rect">
+            <a:avLst/>
+          </a:prstGeom>
+          <a:solidFill>
+            <a:schemeClr val="bg1">
+              <a:lumMod val="95000"/>
+            </a:schemeClr>
+          </a:solidFill>
+        </p:spPr>
+        <p:txBody>
+          <a:bodyPr wrap="square" rtlCol="0">
+            <a:spAutoFit/>
+          </a:bodyPr>
+          <a:lstStyle/>
+          <a:p>
+            <a:r>
+              <a:rPr lang="en-US" b="1" dirty="0">
+                <a:latin typeface="Courier New" panose="02070309020205020404" pitchFamily="49" charset="0"/>
+                <a:cs typeface="Courier New" panose="02070309020205020404" pitchFamily="49" charset="0"/>
+              </a:rPr>
+              <a:t>&lt;pattern&gt;</a:t>
+            </a:r>
+          </a:p>
+          <a:p>
+            <a:r>
+              <a:rPr lang="en-US" b="1" dirty="0">
+                <a:latin typeface="Courier New" panose="02070309020205020404" pitchFamily="49" charset="0"/>
+                <a:cs typeface="Courier New" panose="02070309020205020404" pitchFamily="49" charset="0"/>
+              </a:rPr>
+              <a:t>  &lt;rule context="/*/book"&gt;</a:t>
+            </a:r>
+          </a:p>
+          <a:p>
+            <a:r>
+              <a:rPr lang="en-US" b="1" dirty="0">
+                <a:latin typeface="Courier New" panose="02070309020205020404" pitchFamily="49" charset="0"/>
+                <a:cs typeface="Courier New" panose="02070309020205020404" pitchFamily="49" charset="0"/>
+              </a:rPr>
+              <a:t>    … (asserts and reports for book elements)</a:t>
+            </a:r>
+          </a:p>
+          <a:p>
+            <a:r>
+              <a:rPr lang="en-US" b="1" dirty="0">
+                <a:latin typeface="Courier New" panose="02070309020205020404" pitchFamily="49" charset="0"/>
+                <a:cs typeface="Courier New" panose="02070309020205020404" pitchFamily="49" charset="0"/>
+              </a:rPr>
+              <a:t>  &lt;/rule&gt;</a:t>
+            </a:r>
+          </a:p>
+          <a:p>
+            <a:r>
+              <a:rPr lang="en-US" b="1" dirty="0">
+                <a:latin typeface="Courier New" panose="02070309020205020404" pitchFamily="49" charset="0"/>
+                <a:cs typeface="Courier New" panose="02070309020205020404" pitchFamily="49" charset="0"/>
+              </a:rPr>
+              <a:t>  &lt;rule context="/*/magazine"&gt;</a:t>
+            </a:r>
+          </a:p>
+          <a:p>
+            <a:r>
+              <a:rPr lang="en-US" b="1" dirty="0">
+                <a:latin typeface="Courier New" panose="02070309020205020404" pitchFamily="49" charset="0"/>
+                <a:cs typeface="Courier New" panose="02070309020205020404" pitchFamily="49" charset="0"/>
+              </a:rPr>
+              <a:t>    … (asserts and reports for magazine elements)</a:t>
+            </a:r>
+          </a:p>
+          <a:p>
+            <a:r>
+              <a:rPr lang="en-US" b="1" dirty="0">
+                <a:latin typeface="Courier New" panose="02070309020205020404" pitchFamily="49" charset="0"/>
+                <a:cs typeface="Courier New" panose="02070309020205020404" pitchFamily="49" charset="0"/>
+              </a:rPr>
+              <a:t>  &lt;/rule&gt;</a:t>
+            </a:r>
+          </a:p>
+          <a:p>
+            <a:r>
+              <a:rPr lang="en-US" b="1" dirty="0">
+                <a:latin typeface="Courier New" panose="02070309020205020404" pitchFamily="49" charset="0"/>
+                <a:cs typeface="Courier New" panose="02070309020205020404" pitchFamily="49" charset="0"/>
+              </a:rPr>
+              <a:t>  &lt;rule context="/*/*"&gt;</a:t>
+            </a:r>
+          </a:p>
+          <a:p>
+            <a:r>
+              <a:rPr lang="en-US" b="1" dirty="0">
+                <a:latin typeface="Courier New" panose="02070309020205020404" pitchFamily="49" charset="0"/>
+                <a:cs typeface="Courier New" panose="02070309020205020404" pitchFamily="49" charset="0"/>
+              </a:rPr>
+              <a:t>    … (asserts and reports for all elements)</a:t>
+            </a:r>
+          </a:p>
+          <a:p>
+            <a:r>
+              <a:rPr lang="en-US" b="1" dirty="0">
+                <a:latin typeface="Courier New" panose="02070309020205020404" pitchFamily="49" charset="0"/>
+                <a:cs typeface="Courier New" panose="02070309020205020404" pitchFamily="49" charset="0"/>
+              </a:rPr>
+              <a:t>  &lt;/rule&gt;</a:t>
+            </a:r>
+          </a:p>
+          <a:p>
+            <a:r>
+              <a:rPr lang="en-US" b="1" dirty="0">
+                <a:latin typeface="Courier New" panose="02070309020205020404" pitchFamily="49" charset="0"/>
+                <a:cs typeface="Courier New" panose="02070309020205020404" pitchFamily="49" charset="0"/>
+              </a:rPr>
+              <a:t>&lt;/pattern&gt;</a:t>
+            </a:r>
+            <a:endParaRPr lang="de-DE" b="1" dirty="0">
+              <a:latin typeface="Courier New" panose="02070309020205020404" pitchFamily="49" charset="0"/>
+              <a:cs typeface="Courier New" panose="02070309020205020404" pitchFamily="49" charset="0"/>
+            </a:endParaRPr>
           </a:p>
         </p:txBody>
       </p:sp>
       <p:pic>
         <p:nvPicPr>
-          <p:cNvPr id="6" name="Graphic 5" descr="Right pointing backhand index ">
+          <p:cNvPr id="1026" name="Picture 2" descr="Question Marks - The Origins... - Creativelix.com ⦿ Expressing Concerns">
             <a:extLst>
               <a:ext uri="{FF2B5EF4-FFF2-40B4-BE49-F238E27FC236}">
-                <a16:creationId xmlns:a16="http://schemas.microsoft.com/office/drawing/2014/main" id="{BA7FB8C5-2AEE-41C3-980A-64845E036DE8}"/>
+                <a16:creationId xmlns:a16="http://schemas.microsoft.com/office/drawing/2014/main" id="{3D52F54E-52ED-C832-4D0F-6DB1AC5FAA5B}"/>
               </a:ext>
             </a:extLst>
           </p:cNvPr>
           <p:cNvPicPr>
-            <a:picLocks noChangeAspect="1"/>
+            <a:picLocks noChangeAspect="1" noChangeArrowheads="1"/>
           </p:cNvPicPr>
           <p:nvPr/>
         </p:nvPicPr>
         <p:blipFill>
-          <a:blip r:embed="rId3">
+          <a:blip r:embed="rId2">
             <a:extLst>
               <a:ext uri="{28A0092B-C50C-407E-A947-70E740481C1C}">
                 <a14:useLocalDpi xmlns:a14="http://schemas.microsoft.com/office/drawing/2010/main" val="0"/>
               </a:ext>
-              <a:ext uri="{96DAC541-7B7A-43D3-8B79-37D633B846F1}">
-                <asvg:svgBlip xmlns:asvg="http://schemas.microsoft.com/office/drawing/2016/SVG/main" r:embed="rId4"/>
-              </a:ext>
             </a:extLst>
           </a:blip>
+          <a:srcRect/>
           <a:stretch>
             <a:fillRect/>
           </a:stretch>
         </p:blipFill>
-        <p:spPr>
-          <a:xfrm>
-            <a:off x="838200" y="483604"/>
-            <a:ext cx="914400" cy="914400"/>
+        <p:spPr bwMode="auto">
+          <a:xfrm rot="1819848">
+            <a:off x="8544778" y="3501517"/>
+            <a:ext cx="3011551" cy="1993647"/>
           </a:xfrm>
           <a:prstGeom prst="rect">
             <a:avLst/>
           </a:prstGeom>
+          <a:noFill/>
+          <a:extLst>
+            <a:ext uri="{909E8E84-426E-40DD-AFC4-6F175D3DCCD1}">
+              <a14:hiddenFill xmlns:a14="http://schemas.microsoft.com/office/drawing/2010/main">
+                <a:solidFill>
+                  <a:srgbClr val="FFFFFF"/>
+                </a:solidFill>
+              </a14:hiddenFill>
+            </a:ext>
+          </a:extLst>
         </p:spPr>
       </p:pic>
     </p:spTree>
     <p:extLst>
       <p:ext uri="{BB962C8B-B14F-4D97-AF65-F5344CB8AC3E}">
-        <p14:creationId xmlns:p14="http://schemas.microsoft.com/office/powerpoint/2010/main" val="959836656"/>
+        <p14:creationId xmlns:p14="http://schemas.microsoft.com/office/powerpoint/2010/main" val="2799068006"/>
       </p:ext>
     </p:extLst>
   </p:cSld>
@@ -5873,7 +6875,7 @@
           <p:cNvPr id="2" name="Title 1">
             <a:extLst>
               <a:ext uri="{FF2B5EF4-FFF2-40B4-BE49-F238E27FC236}">
-                <a16:creationId xmlns:a16="http://schemas.microsoft.com/office/drawing/2014/main" id="{98EB98F2-51DD-41D5-B697-3686EC0A6C45}"/>
+                <a16:creationId xmlns:a16="http://schemas.microsoft.com/office/drawing/2014/main" id="{A70F358F-267E-458C-A8D5-5959F20DB9D5}"/>
               </a:ext>
             </a:extLst>
           </p:cNvPr>
@@ -5886,7 +6888,7 @@
         </p:nvSpPr>
         <p:spPr>
           <a:xfrm>
-            <a:off x="216031" y="0"/>
+            <a:off x="1218674" y="-179178"/>
             <a:ext cx="10515600" cy="1325563"/>
           </a:xfrm>
         </p:spPr>
@@ -5896,7 +6898,7 @@
           <a:p>
             <a:r>
               <a:rPr lang="en-US" b="1" dirty="0"/>
-              <a:t>Rule processing revisited</a:t>
+              <a:t>Hands-on: rule processing</a:t>
             </a:r>
             <a:endParaRPr lang="en-NL" b="1" dirty="0"/>
           </a:p>
@@ -5907,7 +6909,7 @@
           <p:cNvPr id="3" name="Content Placeholder 2">
             <a:extLst>
               <a:ext uri="{FF2B5EF4-FFF2-40B4-BE49-F238E27FC236}">
-                <a16:creationId xmlns:a16="http://schemas.microsoft.com/office/drawing/2014/main" id="{C42A33C0-2B52-2A74-F6FD-88515AF8525E}"/>
+                <a16:creationId xmlns:a16="http://schemas.microsoft.com/office/drawing/2014/main" id="{B7E5CA6D-D83C-4F14-841A-1F3902B3B2AC}"/>
               </a:ext>
             </a:extLst>
           </p:cNvPr>
@@ -5918,19 +6920,246 @@
             <p:ph idx="1"/>
           </p:nvPr>
         </p:nvSpPr>
-        <p:spPr/>
+        <p:spPr>
+          <a:xfrm>
+            <a:off x="249766" y="1325186"/>
+            <a:ext cx="11826620" cy="4899039"/>
+          </a:xfrm>
+        </p:spPr>
         <p:txBody>
-          <a:bodyPr/>
+          <a:bodyPr>
+            <a:normAutofit fontScale="92500" lnSpcReduction="10000"/>
+          </a:bodyPr>
           <a:lstStyle/>
           <a:p>
-            <a:endParaRPr lang="en-NL"/>
+            <a:r>
+              <a:rPr lang="en-US" dirty="0"/>
+              <a:t>All files in:  </a:t>
+            </a:r>
+            <a:r>
+              <a:rPr lang="en-US" b="1" dirty="0">
+                <a:latin typeface="Courier New" panose="02070309020205020404" pitchFamily="49" charset="0"/>
+                <a:cs typeface="Courier New" panose="02070309020205020404" pitchFamily="49" charset="0"/>
+              </a:rPr>
+              <a:t>…/exercises</a:t>
+            </a:r>
+            <a:r>
+              <a:rPr lang="en-US" dirty="0">
+                <a:latin typeface="Courier New" panose="02070309020205020404" pitchFamily="49" charset="0"/>
+                <a:cs typeface="Courier New" panose="02070309020205020404" pitchFamily="49" charset="0"/>
+              </a:rPr>
+              <a:t>/</a:t>
+            </a:r>
+            <a:r>
+              <a:rPr lang="en-US" b="1" dirty="0">
+                <a:latin typeface="Courier New" panose="02070309020205020404" pitchFamily="49" charset="0"/>
+                <a:cs typeface="Courier New" panose="02070309020205020404" pitchFamily="49" charset="0"/>
+              </a:rPr>
+              <a:t>exercise-02-02</a:t>
+            </a:r>
+          </a:p>
+          <a:p>
+            <a:endParaRPr lang="en-US" dirty="0"/>
+          </a:p>
+          <a:p>
+            <a:r>
+              <a:rPr lang="en-US" dirty="0"/>
+              <a:t>Read the instructions in:  </a:t>
+            </a:r>
+            <a:r>
+              <a:rPr lang="en-US" b="1" dirty="0">
+                <a:latin typeface="Courier New" panose="02070309020205020404" pitchFamily="49" charset="0"/>
+                <a:cs typeface="Courier New" panose="02070309020205020404" pitchFamily="49" charset="0"/>
+              </a:rPr>
+              <a:t>instructions.pdf</a:t>
+            </a:r>
+            <a:endParaRPr lang="en-US" dirty="0"/>
+          </a:p>
+          <a:p>
+            <a:r>
+              <a:rPr lang="en-US" dirty="0"/>
+              <a:t>Open the files:</a:t>
+            </a:r>
+          </a:p>
+          <a:p>
+            <a:pPr lvl="1"/>
+            <a:r>
+              <a:rPr lang="en-US" dirty="0"/>
+              <a:t>Document to validate: </a:t>
+            </a:r>
+            <a:r>
+              <a:rPr lang="en-US" b="1" dirty="0">
+                <a:latin typeface="Courier New" panose="02070309020205020404" pitchFamily="49" charset="0"/>
+                <a:cs typeface="Courier New" panose="02070309020205020404" pitchFamily="49" charset="0"/>
+              </a:rPr>
+              <a:t>input.xml</a:t>
+            </a:r>
+          </a:p>
+          <a:p>
+            <a:pPr lvl="1"/>
+            <a:r>
+              <a:rPr lang="en-US" dirty="0"/>
+              <a:t>Template Schematron schema: </a:t>
+            </a:r>
+            <a:r>
+              <a:rPr lang="en-US" b="1" dirty="0" err="1">
+                <a:latin typeface="Courier New" panose="02070309020205020404" pitchFamily="49" charset="0"/>
+                <a:cs typeface="Courier New" panose="02070309020205020404" pitchFamily="49" charset="0"/>
+              </a:rPr>
+              <a:t>template.sch</a:t>
+            </a:r>
+            <a:endParaRPr lang="en-US" b="1" dirty="0">
+              <a:latin typeface="Courier New" panose="02070309020205020404" pitchFamily="49" charset="0"/>
+              <a:cs typeface="Courier New" panose="02070309020205020404" pitchFamily="49" charset="0"/>
+            </a:endParaRPr>
+          </a:p>
+          <a:p>
+            <a:r>
+              <a:rPr lang="en-US" dirty="0"/>
+              <a:t>Improve in </a:t>
+            </a:r>
+            <a:r>
+              <a:rPr lang="en-US" b="1" dirty="0" err="1">
+                <a:latin typeface="Courier New" panose="02070309020205020404" pitchFamily="49" charset="0"/>
+                <a:cs typeface="Courier New" panose="02070309020205020404" pitchFamily="49" charset="0"/>
+              </a:rPr>
+              <a:t>template.sch</a:t>
+            </a:r>
+            <a:r>
+              <a:rPr lang="en-US" dirty="0"/>
+              <a:t> according to the instructions </a:t>
+            </a:r>
+          </a:p>
+          <a:p>
+            <a:r>
+              <a:rPr lang="en-US" dirty="0"/>
+              <a:t>To try it out in oXygen, </a:t>
+            </a:r>
+            <a:r>
+              <a:rPr lang="en-US" b="1" dirty="0">
+                <a:latin typeface="Courier New" panose="02070309020205020404" pitchFamily="49" charset="0"/>
+                <a:cs typeface="Courier New" panose="02070309020205020404" pitchFamily="49" charset="0"/>
+              </a:rPr>
+              <a:t>input.xml</a:t>
+            </a:r>
+            <a:r>
+              <a:rPr lang="en-US" dirty="0"/>
+              <a:t> is automatically validated by </a:t>
+            </a:r>
+            <a:r>
+              <a:rPr lang="en-US" b="1" dirty="0" err="1">
+                <a:latin typeface="Courier New" panose="02070309020205020404" pitchFamily="49" charset="0"/>
+                <a:cs typeface="Courier New" panose="02070309020205020404" pitchFamily="49" charset="0"/>
+              </a:rPr>
+              <a:t>template.sch</a:t>
+            </a:r>
+            <a:endParaRPr lang="en-US" b="1" dirty="0">
+              <a:latin typeface="Courier New" panose="02070309020205020404" pitchFamily="49" charset="0"/>
+              <a:cs typeface="Courier New" panose="02070309020205020404" pitchFamily="49" charset="0"/>
+            </a:endParaRPr>
+          </a:p>
+          <a:p>
+            <a:endParaRPr lang="en-US" dirty="0"/>
+          </a:p>
+          <a:p>
+            <a:endParaRPr lang="en-US" dirty="0"/>
+          </a:p>
+          <a:p>
+            <a:pPr marL="0" indent="0">
+              <a:buNone/>
+            </a:pPr>
+            <a:r>
+              <a:rPr lang="en-US" sz="2200" dirty="0"/>
+              <a:t>Possible solution in: </a:t>
+            </a:r>
+            <a:r>
+              <a:rPr lang="en-US" sz="2200" b="1" dirty="0">
+                <a:latin typeface="Courier New" panose="02070309020205020404" pitchFamily="49" charset="0"/>
+                <a:cs typeface="Courier New" panose="02070309020205020404" pitchFamily="49" charset="0"/>
+                <a:hlinkClick r:id="rId3" action="ppaction://hlinkfile"/>
+              </a:rPr>
+              <a:t>solution/</a:t>
+            </a:r>
+            <a:r>
+              <a:rPr lang="en-US" sz="2200" b="1" dirty="0" err="1">
+                <a:latin typeface="Courier New" panose="02070309020205020404" pitchFamily="49" charset="0"/>
+                <a:cs typeface="Courier New" panose="02070309020205020404" pitchFamily="49" charset="0"/>
+                <a:hlinkClick r:id="rId3" action="ppaction://hlinkfile"/>
+              </a:rPr>
+              <a:t>solution.sch</a:t>
+            </a:r>
+            <a:r>
+              <a:rPr lang="en-US" sz="2200" dirty="0">
+                <a:hlinkClick r:id="rId3" action="ppaction://hlinkfile"/>
+              </a:rPr>
+              <a:t> </a:t>
+            </a:r>
+            <a:r>
+              <a:rPr lang="en-US" sz="2200" dirty="0"/>
+              <a:t>(short explanation in </a:t>
+            </a:r>
+            <a:r>
+              <a:rPr lang="en-US" sz="2200" b="1" dirty="0">
+                <a:latin typeface="Courier New" panose="02070309020205020404" pitchFamily="49" charset="0"/>
+                <a:cs typeface="Courier New" panose="02070309020205020404" pitchFamily="49" charset="0"/>
+                <a:hlinkClick r:id="rId4" action="ppaction://hlinkfile"/>
+              </a:rPr>
+              <a:t>solution/explanation.pdf</a:t>
+            </a:r>
+            <a:r>
+              <a:rPr lang="en-US" sz="2200" dirty="0"/>
+              <a:t>).</a:t>
+            </a:r>
+            <a:endParaRPr lang="en-US" dirty="0"/>
+          </a:p>
+          <a:p>
+            <a:endParaRPr lang="en-GB" dirty="0"/>
           </a:p>
         </p:txBody>
       </p:sp>
+      <p:pic>
+        <p:nvPicPr>
+          <p:cNvPr id="6" name="Graphic 5" descr="Right pointing backhand index ">
+            <a:extLst>
+              <a:ext uri="{FF2B5EF4-FFF2-40B4-BE49-F238E27FC236}">
+                <a16:creationId xmlns:a16="http://schemas.microsoft.com/office/drawing/2014/main" id="{BA7FB8C5-2AEE-41C3-980A-64845E036DE8}"/>
+              </a:ext>
+            </a:extLst>
+          </p:cNvPr>
+          <p:cNvPicPr>
+            <a:picLocks noChangeAspect="1"/>
+          </p:cNvPicPr>
+          <p:nvPr/>
+        </p:nvPicPr>
+        <p:blipFill>
+          <a:blip r:embed="rId5">
+            <a:extLst>
+              <a:ext uri="{28A0092B-C50C-407E-A947-70E740481C1C}">
+                <a14:useLocalDpi xmlns:a14="http://schemas.microsoft.com/office/drawing/2010/main" val="0"/>
+              </a:ext>
+              <a:ext uri="{96DAC541-7B7A-43D3-8B79-37D633B846F1}">
+                <asvg:svgBlip xmlns:asvg="http://schemas.microsoft.com/office/drawing/2016/SVG/main" r:embed="rId6"/>
+              </a:ext>
+            </a:extLst>
+          </a:blip>
+          <a:stretch>
+            <a:fillRect/>
+          </a:stretch>
+        </p:blipFill>
+        <p:spPr>
+          <a:xfrm>
+            <a:off x="249766" y="26404"/>
+            <a:ext cx="914400" cy="914400"/>
+          </a:xfrm>
+          <a:prstGeom prst="rect">
+            <a:avLst/>
+          </a:prstGeom>
+        </p:spPr>
+      </p:pic>
     </p:spTree>
     <p:extLst>
       <p:ext uri="{BB962C8B-B14F-4D97-AF65-F5344CB8AC3E}">
-        <p14:creationId xmlns:p14="http://schemas.microsoft.com/office/powerpoint/2010/main" val="2799068006"/>
+        <p14:creationId xmlns:p14="http://schemas.microsoft.com/office/powerpoint/2010/main" val="3545398536"/>
       </p:ext>
     </p:extLst>
   </p:cSld>
@@ -5962,7 +7191,7 @@
           <p:cNvPr id="2" name="Title 1">
             <a:extLst>
               <a:ext uri="{FF2B5EF4-FFF2-40B4-BE49-F238E27FC236}">
-                <a16:creationId xmlns:a16="http://schemas.microsoft.com/office/drawing/2014/main" id="{A70F358F-267E-458C-A8D5-5959F20DB9D5}"/>
+                <a16:creationId xmlns:a16="http://schemas.microsoft.com/office/drawing/2014/main" id="{24690733-A9A9-EB68-6805-3EDCC0A90657}"/>
               </a:ext>
             </a:extLst>
           </p:cNvPr>
@@ -5975,8 +7204,8 @@
         </p:nvSpPr>
         <p:spPr>
           <a:xfrm>
-            <a:off x="1874520" y="278023"/>
-            <a:ext cx="10515600" cy="1325563"/>
+            <a:off x="183036" y="0"/>
+            <a:ext cx="10681355" cy="1325563"/>
           </a:xfrm>
         </p:spPr>
         <p:txBody>
@@ -5985,7 +7214,7 @@
           <a:p>
             <a:r>
               <a:rPr lang="en-US" b="1" dirty="0"/>
-              <a:t>Hands-on: Rule processing</a:t>
+              <a:t>What's the result of a Schematron validation?</a:t>
             </a:r>
             <a:endParaRPr lang="en-NL" b="1" dirty="0"/>
           </a:p>
@@ -5996,7 +7225,7 @@
           <p:cNvPr id="3" name="Content Placeholder 2">
             <a:extLst>
               <a:ext uri="{FF2B5EF4-FFF2-40B4-BE49-F238E27FC236}">
-                <a16:creationId xmlns:a16="http://schemas.microsoft.com/office/drawing/2014/main" id="{B7E5CA6D-D83C-4F14-841A-1F3902B3B2AC}"/>
+                <a16:creationId xmlns:a16="http://schemas.microsoft.com/office/drawing/2014/main" id="{F7A8EFF8-F8CE-7C5B-359F-2FB387E6B96A}"/>
               </a:ext>
             </a:extLst>
           </p:cNvPr>
@@ -6009,63 +7238,58 @@
         </p:nvSpPr>
         <p:spPr>
           <a:xfrm>
-            <a:off x="249766" y="1552211"/>
-            <a:ext cx="11692468" cy="4084108"/>
+            <a:off x="636401" y="1956183"/>
+            <a:ext cx="10515600" cy="3341030"/>
           </a:xfrm>
         </p:spPr>
         <p:txBody>
-          <a:bodyPr>
-            <a:normAutofit/>
-          </a:bodyPr>
+          <a:bodyPr/>
           <a:lstStyle/>
           <a:p>
-            <a:endParaRPr lang="en-GB" dirty="0"/>
+            <a:r>
+              <a:rPr lang="en-US" dirty="0"/>
+              <a:t>Schematron has an XML reporting language called SVRL: </a:t>
+            </a:r>
+            <a:br>
+              <a:rPr lang="en-US" dirty="0"/>
+            </a:br>
+            <a:r>
+              <a:rPr lang="en-US" i="1" dirty="0"/>
+              <a:t>Schematron Validation Reporting Language</a:t>
+            </a:r>
+          </a:p>
+          <a:p>
+            <a:r>
+              <a:rPr lang="en-US" dirty="0"/>
+              <a:t>In an IDE like oXygen, you don't see it</a:t>
+            </a:r>
+          </a:p>
+          <a:p>
+            <a:r>
+              <a:rPr lang="en-US" dirty="0"/>
+              <a:t>Using the command line, you will</a:t>
+            </a:r>
+          </a:p>
+          <a:p>
+            <a:r>
+              <a:rPr lang="en-US" dirty="0"/>
+              <a:t>Useful in toolchains and automated processing</a:t>
+            </a:r>
+          </a:p>
+          <a:p>
+            <a:pPr lvl="1"/>
+            <a:r>
+              <a:rPr lang="en-US" dirty="0"/>
+              <a:t>For instance, create a custom report</a:t>
+            </a:r>
+            <a:endParaRPr lang="en-NL" dirty="0"/>
           </a:p>
         </p:txBody>
       </p:sp>
-      <p:pic>
-        <p:nvPicPr>
-          <p:cNvPr id="6" name="Graphic 5" descr="Right pointing backhand index ">
-            <a:extLst>
-              <a:ext uri="{FF2B5EF4-FFF2-40B4-BE49-F238E27FC236}">
-                <a16:creationId xmlns:a16="http://schemas.microsoft.com/office/drawing/2014/main" id="{BA7FB8C5-2AEE-41C3-980A-64845E036DE8}"/>
-              </a:ext>
-            </a:extLst>
-          </p:cNvPr>
-          <p:cNvPicPr>
-            <a:picLocks noChangeAspect="1"/>
-          </p:cNvPicPr>
-          <p:nvPr/>
-        </p:nvPicPr>
-        <p:blipFill>
-          <a:blip r:embed="rId3">
-            <a:extLst>
-              <a:ext uri="{28A0092B-C50C-407E-A947-70E740481C1C}">
-                <a14:useLocalDpi xmlns:a14="http://schemas.microsoft.com/office/drawing/2010/main" val="0"/>
-              </a:ext>
-              <a:ext uri="{96DAC541-7B7A-43D3-8B79-37D633B846F1}">
-                <asvg:svgBlip xmlns:asvg="http://schemas.microsoft.com/office/drawing/2016/SVG/main" r:embed="rId4"/>
-              </a:ext>
-            </a:extLst>
-          </a:blip>
-          <a:stretch>
-            <a:fillRect/>
-          </a:stretch>
-        </p:blipFill>
-        <p:spPr>
-          <a:xfrm>
-            <a:off x="838200" y="483604"/>
-            <a:ext cx="914400" cy="914400"/>
-          </a:xfrm>
-          <a:prstGeom prst="rect">
-            <a:avLst/>
-          </a:prstGeom>
-        </p:spPr>
-      </p:pic>
     </p:spTree>
     <p:extLst>
       <p:ext uri="{BB962C8B-B14F-4D97-AF65-F5344CB8AC3E}">
-        <p14:creationId xmlns:p14="http://schemas.microsoft.com/office/powerpoint/2010/main" val="945382697"/>
+        <p14:creationId xmlns:p14="http://schemas.microsoft.com/office/powerpoint/2010/main" val="1485681118"/>
       </p:ext>
     </p:extLst>
   </p:cSld>
@@ -6097,7 +7321,7 @@
           <p:cNvPr id="2" name="Title 1">
             <a:extLst>
               <a:ext uri="{FF2B5EF4-FFF2-40B4-BE49-F238E27FC236}">
-                <a16:creationId xmlns:a16="http://schemas.microsoft.com/office/drawing/2014/main" id="{6CD9641F-2988-A812-B69A-3E16A55CC509}"/>
+                <a16:creationId xmlns:a16="http://schemas.microsoft.com/office/drawing/2014/main" id="{E735BEC6-293D-1209-33EF-B84BD09E7F02}"/>
               </a:ext>
             </a:extLst>
           </p:cNvPr>
@@ -6110,7 +7334,7 @@
         </p:nvSpPr>
         <p:spPr>
           <a:xfrm>
-            <a:off x="126476" y="-139209"/>
+            <a:off x="207579" y="-82616"/>
             <a:ext cx="10515600" cy="1325563"/>
           </a:xfrm>
         </p:spPr>
@@ -6119,52 +7343,783 @@
           <a:lstStyle/>
           <a:p>
             <a:r>
-              <a:rPr lang="en-US" dirty="0"/>
-              <a:t>More meaningful messages: </a:t>
-            </a:r>
-            <a:r>
-              <a:rPr lang="en-US" b="1" dirty="0">
-                <a:latin typeface="Courier New" panose="02070309020205020404" pitchFamily="49" charset="0"/>
-                <a:cs typeface="Courier New" panose="02070309020205020404" pitchFamily="49" charset="0"/>
-              </a:rPr>
-              <a:t>&lt;value-of&gt;</a:t>
-            </a:r>
-            <a:endParaRPr lang="en-NL" b="1" dirty="0">
-              <a:latin typeface="Courier New" panose="02070309020205020404" pitchFamily="49" charset="0"/>
-              <a:cs typeface="Courier New" panose="02070309020205020404" pitchFamily="49" charset="0"/>
-            </a:endParaRPr>
+              <a:rPr lang="en-US" b="1" dirty="0"/>
+              <a:t>SVRL example</a:t>
+            </a:r>
+            <a:endParaRPr lang="en-NL" b="1" dirty="0"/>
           </a:p>
         </p:txBody>
       </p:sp>
       <p:sp>
         <p:nvSpPr>
-          <p:cNvPr id="3" name="Content Placeholder 2">
+          <p:cNvPr id="4" name="TextBox 3">
             <a:extLst>
               <a:ext uri="{FF2B5EF4-FFF2-40B4-BE49-F238E27FC236}">
-                <a16:creationId xmlns:a16="http://schemas.microsoft.com/office/drawing/2014/main" id="{F82A93D4-A3D8-26AE-96EB-660B0D3D6066}"/>
+                <a16:creationId xmlns:a16="http://schemas.microsoft.com/office/drawing/2014/main" id="{A975BADF-2184-A9F2-B5B1-6FEEB05FC077}"/>
               </a:ext>
             </a:extLst>
           </p:cNvPr>
-          <p:cNvSpPr>
-            <a:spLocks noGrp="1"/>
-          </p:cNvSpPr>
-          <p:nvPr>
-            <p:ph idx="1"/>
-          </p:nvPr>
-        </p:nvSpPr>
-        <p:spPr/>
+          <p:cNvSpPr txBox="1"/>
+          <p:nvPr/>
+        </p:nvSpPr>
+        <p:spPr>
+          <a:xfrm>
+            <a:off x="197068" y="1496809"/>
+            <a:ext cx="11994932" cy="3693319"/>
+          </a:xfrm>
+          <a:prstGeom prst="rect">
+            <a:avLst/>
+          </a:prstGeom>
+          <a:solidFill>
+            <a:schemeClr val="bg1">
+              <a:lumMod val="95000"/>
+            </a:schemeClr>
+          </a:solidFill>
+        </p:spPr>
         <p:txBody>
-          <a:bodyPr/>
+          <a:bodyPr wrap="square" rtlCol="0">
+            <a:spAutoFit/>
+          </a:bodyPr>
           <a:lstStyle/>
           <a:p>
-            <a:endParaRPr lang="en-NL" dirty="0"/>
+            <a:r>
+              <a:rPr lang="de-DE" b="1" dirty="0">
+                <a:latin typeface="Courier New" panose="02070309020205020404" pitchFamily="49" charset="0"/>
+                <a:cs typeface="Courier New" panose="02070309020205020404" pitchFamily="49" charset="0"/>
+              </a:rPr>
+              <a:t>&lt;</a:t>
+            </a:r>
+            <a:r>
+              <a:rPr lang="de-DE" b="1" dirty="0" err="1">
+                <a:latin typeface="Courier New" panose="02070309020205020404" pitchFamily="49" charset="0"/>
+                <a:cs typeface="Courier New" panose="02070309020205020404" pitchFamily="49" charset="0"/>
+              </a:rPr>
+              <a:t>schematron</a:t>
+            </a:r>
+            <a:r>
+              <a:rPr lang="de-DE" b="1" dirty="0">
+                <a:latin typeface="Courier New" panose="02070309020205020404" pitchFamily="49" charset="0"/>
+                <a:cs typeface="Courier New" panose="02070309020205020404" pitchFamily="49" charset="0"/>
+              </a:rPr>
+              <a:t>-output </a:t>
+            </a:r>
+            <a:r>
+              <a:rPr lang="de-DE" b="1" dirty="0" err="1">
+                <a:latin typeface="Courier New" panose="02070309020205020404" pitchFamily="49" charset="0"/>
+                <a:cs typeface="Courier New" panose="02070309020205020404" pitchFamily="49" charset="0"/>
+              </a:rPr>
+              <a:t>xmlns</a:t>
+            </a:r>
+            <a:r>
+              <a:rPr lang="de-DE" b="1" dirty="0">
+                <a:latin typeface="Courier New" panose="02070309020205020404" pitchFamily="49" charset="0"/>
+                <a:cs typeface="Courier New" panose="02070309020205020404" pitchFamily="49" charset="0"/>
+              </a:rPr>
+              <a:t>="http://purl.oclc.org/</a:t>
+            </a:r>
+            <a:r>
+              <a:rPr lang="de-DE" b="1" dirty="0" err="1">
+                <a:latin typeface="Courier New" panose="02070309020205020404" pitchFamily="49" charset="0"/>
+                <a:cs typeface="Courier New" panose="02070309020205020404" pitchFamily="49" charset="0"/>
+              </a:rPr>
+              <a:t>dsdl</a:t>
+            </a:r>
+            <a:r>
+              <a:rPr lang="de-DE" b="1" dirty="0">
+                <a:latin typeface="Courier New" panose="02070309020205020404" pitchFamily="49" charset="0"/>
+                <a:cs typeface="Courier New" panose="02070309020205020404" pitchFamily="49" charset="0"/>
+              </a:rPr>
+              <a:t>/</a:t>
+            </a:r>
+            <a:r>
+              <a:rPr lang="de-DE" b="1" dirty="0" err="1">
+                <a:latin typeface="Courier New" panose="02070309020205020404" pitchFamily="49" charset="0"/>
+                <a:cs typeface="Courier New" panose="02070309020205020404" pitchFamily="49" charset="0"/>
+              </a:rPr>
+              <a:t>svrl</a:t>
+            </a:r>
+            <a:r>
+              <a:rPr lang="de-DE" b="1" dirty="0">
+                <a:latin typeface="Courier New" panose="02070309020205020404" pitchFamily="49" charset="0"/>
+                <a:cs typeface="Courier New" panose="02070309020205020404" pitchFamily="49" charset="0"/>
+              </a:rPr>
+              <a:t>"&gt;</a:t>
+            </a:r>
+          </a:p>
+          <a:p>
+            <a:r>
+              <a:rPr lang="de-DE" b="1" dirty="0">
+                <a:latin typeface="Courier New" panose="02070309020205020404" pitchFamily="49" charset="0"/>
+                <a:cs typeface="Courier New" panose="02070309020205020404" pitchFamily="49" charset="0"/>
+              </a:rPr>
+              <a:t>  &lt;</a:t>
+            </a:r>
+            <a:r>
+              <a:rPr lang="de-DE" b="1" dirty="0" err="1">
+                <a:latin typeface="Courier New" panose="02070309020205020404" pitchFamily="49" charset="0"/>
+                <a:cs typeface="Courier New" panose="02070309020205020404" pitchFamily="49" charset="0"/>
+              </a:rPr>
+              <a:t>active</a:t>
+            </a:r>
+            <a:r>
+              <a:rPr lang="de-DE" b="1" dirty="0">
+                <a:latin typeface="Courier New" panose="02070309020205020404" pitchFamily="49" charset="0"/>
+                <a:cs typeface="Courier New" panose="02070309020205020404" pitchFamily="49" charset="0"/>
+              </a:rPr>
+              <a:t>-pattern </a:t>
+            </a:r>
+            <a:r>
+              <a:rPr lang="de-DE" b="1" dirty="0" err="1">
+                <a:latin typeface="Courier New" panose="02070309020205020404" pitchFamily="49" charset="0"/>
+                <a:cs typeface="Courier New" panose="02070309020205020404" pitchFamily="49" charset="0"/>
+              </a:rPr>
+              <a:t>documents</a:t>
+            </a:r>
+            <a:r>
+              <a:rPr lang="de-DE" b="1" dirty="0">
+                <a:latin typeface="Courier New" panose="02070309020205020404" pitchFamily="49" charset="0"/>
+                <a:cs typeface="Courier New" panose="02070309020205020404" pitchFamily="49" charset="0"/>
+              </a:rPr>
+              <a:t>="…/parcels-schematron-invalid.xml"/&gt;</a:t>
+            </a:r>
+          </a:p>
+          <a:p>
+            <a:r>
+              <a:rPr lang="de-DE" b="1" dirty="0">
+                <a:latin typeface="Courier New" panose="02070309020205020404" pitchFamily="49" charset="0"/>
+                <a:cs typeface="Courier New" panose="02070309020205020404" pitchFamily="49" charset="0"/>
+              </a:rPr>
+              <a:t>  &lt;</a:t>
+            </a:r>
+            <a:r>
+              <a:rPr lang="de-DE" b="1" dirty="0" err="1">
+                <a:latin typeface="Courier New" panose="02070309020205020404" pitchFamily="49" charset="0"/>
+                <a:cs typeface="Courier New" panose="02070309020205020404" pitchFamily="49" charset="0"/>
+              </a:rPr>
+              <a:t>fired-rule</a:t>
+            </a:r>
+            <a:r>
+              <a:rPr lang="de-DE" b="1" dirty="0">
+                <a:latin typeface="Courier New" panose="02070309020205020404" pitchFamily="49" charset="0"/>
+                <a:cs typeface="Courier New" panose="02070309020205020404" pitchFamily="49" charset="0"/>
+              </a:rPr>
+              <a:t> </a:t>
+            </a:r>
+            <a:r>
+              <a:rPr lang="de-DE" b="1" dirty="0" err="1">
+                <a:latin typeface="Courier New" panose="02070309020205020404" pitchFamily="49" charset="0"/>
+                <a:cs typeface="Courier New" panose="02070309020205020404" pitchFamily="49" charset="0"/>
+              </a:rPr>
+              <a:t>context</a:t>
+            </a:r>
+            <a:r>
+              <a:rPr lang="de-DE" b="1" dirty="0">
+                <a:latin typeface="Courier New" panose="02070309020205020404" pitchFamily="49" charset="0"/>
+                <a:cs typeface="Courier New" panose="02070309020205020404" pitchFamily="49" charset="0"/>
+              </a:rPr>
+              <a:t>="/*"/&gt;</a:t>
+            </a:r>
+          </a:p>
+          <a:p>
+            <a:r>
+              <a:rPr lang="de-DE" b="1" dirty="0">
+                <a:latin typeface="Courier New" panose="02070309020205020404" pitchFamily="49" charset="0"/>
+                <a:cs typeface="Courier New" panose="02070309020205020404" pitchFamily="49" charset="0"/>
+              </a:rPr>
+              <a:t>  &lt;</a:t>
+            </a:r>
+            <a:r>
+              <a:rPr lang="de-DE" b="1" dirty="0" err="1">
+                <a:latin typeface="Courier New" panose="02070309020205020404" pitchFamily="49" charset="0"/>
+                <a:cs typeface="Courier New" panose="02070309020205020404" pitchFamily="49" charset="0"/>
+              </a:rPr>
+              <a:t>failed-assert</a:t>
+            </a:r>
+            <a:r>
+              <a:rPr lang="de-DE" b="1" dirty="0">
+                <a:latin typeface="Courier New" panose="02070309020205020404" pitchFamily="49" charset="0"/>
+                <a:cs typeface="Courier New" panose="02070309020205020404" pitchFamily="49" charset="0"/>
+              </a:rPr>
+              <a:t> </a:t>
+            </a:r>
+            <a:r>
+              <a:rPr lang="de-DE" b="1" dirty="0" err="1">
+                <a:latin typeface="Courier New" panose="02070309020205020404" pitchFamily="49" charset="0"/>
+                <a:cs typeface="Courier New" panose="02070309020205020404" pitchFamily="49" charset="0"/>
+              </a:rPr>
+              <a:t>location</a:t>
+            </a:r>
+            <a:r>
+              <a:rPr lang="de-DE" b="1" dirty="0">
+                <a:latin typeface="Courier New" panose="02070309020205020404" pitchFamily="49" charset="0"/>
+                <a:cs typeface="Courier New" panose="02070309020205020404" pitchFamily="49" charset="0"/>
+              </a:rPr>
+              <a:t>="/Q{}</a:t>
+            </a:r>
+            <a:r>
+              <a:rPr lang="de-DE" b="1" dirty="0" err="1">
+                <a:latin typeface="Courier New" panose="02070309020205020404" pitchFamily="49" charset="0"/>
+                <a:cs typeface="Courier New" panose="02070309020205020404" pitchFamily="49" charset="0"/>
+              </a:rPr>
+              <a:t>parcels</a:t>
+            </a:r>
+            <a:r>
+              <a:rPr lang="de-DE" b="1" dirty="0">
+                <a:latin typeface="Courier New" panose="02070309020205020404" pitchFamily="49" charset="0"/>
+                <a:cs typeface="Courier New" panose="02070309020205020404" pitchFamily="49" charset="0"/>
+              </a:rPr>
+              <a:t>[1]" </a:t>
+            </a:r>
+            <a:r>
+              <a:rPr lang="de-DE" b="1" dirty="0" err="1">
+                <a:latin typeface="Courier New" panose="02070309020205020404" pitchFamily="49" charset="0"/>
+                <a:cs typeface="Courier New" panose="02070309020205020404" pitchFamily="49" charset="0"/>
+              </a:rPr>
+              <a:t>test</a:t>
+            </a:r>
+            <a:r>
+              <a:rPr lang="de-DE" b="1" dirty="0">
+                <a:latin typeface="Courier New" panose="02070309020205020404" pitchFamily="49" charset="0"/>
+                <a:cs typeface="Courier New" panose="02070309020205020404" pitchFamily="49" charset="0"/>
+              </a:rPr>
+              <a:t>="…"&gt;</a:t>
+            </a:r>
+          </a:p>
+          <a:p>
+            <a:r>
+              <a:rPr lang="de-DE" b="1" dirty="0">
+                <a:latin typeface="Courier New" panose="02070309020205020404" pitchFamily="49" charset="0"/>
+                <a:cs typeface="Courier New" panose="02070309020205020404" pitchFamily="49" charset="0"/>
+              </a:rPr>
+              <a:t>    &lt;</a:t>
+            </a:r>
+            <a:r>
+              <a:rPr lang="de-DE" b="1" dirty="0" err="1">
+                <a:latin typeface="Courier New" panose="02070309020205020404" pitchFamily="49" charset="0"/>
+                <a:cs typeface="Courier New" panose="02070309020205020404" pitchFamily="49" charset="0"/>
+              </a:rPr>
+              <a:t>text</a:t>
+            </a:r>
+            <a:r>
+              <a:rPr lang="de-DE" b="1" dirty="0">
+                <a:latin typeface="Courier New" panose="02070309020205020404" pitchFamily="49" charset="0"/>
+                <a:cs typeface="Courier New" panose="02070309020205020404" pitchFamily="49" charset="0"/>
+              </a:rPr>
+              <a:t>&gt;The total </a:t>
+            </a:r>
+            <a:r>
+              <a:rPr lang="de-DE" b="1" dirty="0" err="1">
+                <a:latin typeface="Courier New" panose="02070309020205020404" pitchFamily="49" charset="0"/>
+                <a:cs typeface="Courier New" panose="02070309020205020404" pitchFamily="49" charset="0"/>
+              </a:rPr>
+              <a:t>weight</a:t>
+            </a:r>
+            <a:r>
+              <a:rPr lang="de-DE" b="1" dirty="0">
+                <a:latin typeface="Courier New" panose="02070309020205020404" pitchFamily="49" charset="0"/>
+                <a:cs typeface="Courier New" panose="02070309020205020404" pitchFamily="49" charset="0"/>
+              </a:rPr>
+              <a:t> </a:t>
+            </a:r>
+            <a:r>
+              <a:rPr lang="de-DE" b="1" dirty="0" err="1">
+                <a:latin typeface="Courier New" panose="02070309020205020404" pitchFamily="49" charset="0"/>
+                <a:cs typeface="Courier New" panose="02070309020205020404" pitchFamily="49" charset="0"/>
+              </a:rPr>
+              <a:t>is</a:t>
+            </a:r>
+            <a:r>
+              <a:rPr lang="de-DE" b="1" dirty="0">
+                <a:latin typeface="Courier New" panose="02070309020205020404" pitchFamily="49" charset="0"/>
+                <a:cs typeface="Courier New" panose="02070309020205020404" pitchFamily="49" charset="0"/>
+              </a:rPr>
+              <a:t> </a:t>
+            </a:r>
+            <a:r>
+              <a:rPr lang="de-DE" b="1" dirty="0" err="1">
+                <a:latin typeface="Courier New" panose="02070309020205020404" pitchFamily="49" charset="0"/>
+                <a:cs typeface="Courier New" panose="02070309020205020404" pitchFamily="49" charset="0"/>
+              </a:rPr>
+              <a:t>too</a:t>
+            </a:r>
+            <a:r>
+              <a:rPr lang="de-DE" b="1" dirty="0">
+                <a:latin typeface="Courier New" panose="02070309020205020404" pitchFamily="49" charset="0"/>
+                <a:cs typeface="Courier New" panose="02070309020205020404" pitchFamily="49" charset="0"/>
+              </a:rPr>
+              <a:t> high&lt;/</a:t>
+            </a:r>
+            <a:r>
+              <a:rPr lang="de-DE" b="1" dirty="0" err="1">
+                <a:latin typeface="Courier New" panose="02070309020205020404" pitchFamily="49" charset="0"/>
+                <a:cs typeface="Courier New" panose="02070309020205020404" pitchFamily="49" charset="0"/>
+              </a:rPr>
+              <a:t>text</a:t>
+            </a:r>
+            <a:r>
+              <a:rPr lang="de-DE" b="1" dirty="0">
+                <a:latin typeface="Courier New" panose="02070309020205020404" pitchFamily="49" charset="0"/>
+                <a:cs typeface="Courier New" panose="02070309020205020404" pitchFamily="49" charset="0"/>
+              </a:rPr>
+              <a:t>&gt;</a:t>
+            </a:r>
+          </a:p>
+          <a:p>
+            <a:r>
+              <a:rPr lang="de-DE" b="1" dirty="0">
+                <a:latin typeface="Courier New" panose="02070309020205020404" pitchFamily="49" charset="0"/>
+                <a:cs typeface="Courier New" panose="02070309020205020404" pitchFamily="49" charset="0"/>
+              </a:rPr>
+              <a:t>  &lt;/</a:t>
+            </a:r>
+            <a:r>
+              <a:rPr lang="de-DE" b="1" dirty="0" err="1">
+                <a:latin typeface="Courier New" panose="02070309020205020404" pitchFamily="49" charset="0"/>
+                <a:cs typeface="Courier New" panose="02070309020205020404" pitchFamily="49" charset="0"/>
+              </a:rPr>
+              <a:t>failed-assert</a:t>
+            </a:r>
+            <a:r>
+              <a:rPr lang="de-DE" b="1" dirty="0">
+                <a:latin typeface="Courier New" panose="02070309020205020404" pitchFamily="49" charset="0"/>
+                <a:cs typeface="Courier New" panose="02070309020205020404" pitchFamily="49" charset="0"/>
+              </a:rPr>
+              <a:t>&gt;</a:t>
+            </a:r>
+          </a:p>
+          <a:p>
+            <a:r>
+              <a:rPr lang="de-DE" b="1" dirty="0">
+                <a:latin typeface="Courier New" panose="02070309020205020404" pitchFamily="49" charset="0"/>
+                <a:cs typeface="Courier New" panose="02070309020205020404" pitchFamily="49" charset="0"/>
+              </a:rPr>
+              <a:t>  &lt;</a:t>
+            </a:r>
+            <a:r>
+              <a:rPr lang="de-DE" b="1" dirty="0" err="1">
+                <a:latin typeface="Courier New" panose="02070309020205020404" pitchFamily="49" charset="0"/>
+                <a:cs typeface="Courier New" panose="02070309020205020404" pitchFamily="49" charset="0"/>
+              </a:rPr>
+              <a:t>active</a:t>
+            </a:r>
+            <a:r>
+              <a:rPr lang="de-DE" b="1" dirty="0">
+                <a:latin typeface="Courier New" panose="02070309020205020404" pitchFamily="49" charset="0"/>
+                <a:cs typeface="Courier New" panose="02070309020205020404" pitchFamily="49" charset="0"/>
+              </a:rPr>
+              <a:t>-pattern </a:t>
+            </a:r>
+            <a:r>
+              <a:rPr lang="de-DE" b="1" dirty="0" err="1">
+                <a:latin typeface="Courier New" panose="02070309020205020404" pitchFamily="49" charset="0"/>
+                <a:cs typeface="Courier New" panose="02070309020205020404" pitchFamily="49" charset="0"/>
+              </a:rPr>
+              <a:t>documents</a:t>
+            </a:r>
+            <a:r>
+              <a:rPr lang="de-DE" b="1" dirty="0">
+                <a:latin typeface="Courier New" panose="02070309020205020404" pitchFamily="49" charset="0"/>
+                <a:cs typeface="Courier New" panose="02070309020205020404" pitchFamily="49" charset="0"/>
+              </a:rPr>
+              <a:t>="…/parcels-schematron-invalid.xml"/&gt;</a:t>
+            </a:r>
+          </a:p>
+          <a:p>
+            <a:r>
+              <a:rPr lang="de-DE" b="1" dirty="0">
+                <a:latin typeface="Courier New" panose="02070309020205020404" pitchFamily="49" charset="0"/>
+                <a:cs typeface="Courier New" panose="02070309020205020404" pitchFamily="49" charset="0"/>
+              </a:rPr>
+              <a:t>  &lt;</a:t>
+            </a:r>
+            <a:r>
+              <a:rPr lang="de-DE" b="1" dirty="0" err="1">
+                <a:latin typeface="Courier New" panose="02070309020205020404" pitchFamily="49" charset="0"/>
+                <a:cs typeface="Courier New" panose="02070309020205020404" pitchFamily="49" charset="0"/>
+              </a:rPr>
+              <a:t>fired-rule</a:t>
+            </a:r>
+            <a:r>
+              <a:rPr lang="de-DE" b="1" dirty="0">
+                <a:latin typeface="Courier New" panose="02070309020205020404" pitchFamily="49" charset="0"/>
+                <a:cs typeface="Courier New" panose="02070309020205020404" pitchFamily="49" charset="0"/>
+              </a:rPr>
+              <a:t> </a:t>
+            </a:r>
+            <a:r>
+              <a:rPr lang="de-DE" b="1" dirty="0" err="1">
+                <a:latin typeface="Courier New" panose="02070309020205020404" pitchFamily="49" charset="0"/>
+                <a:cs typeface="Courier New" panose="02070309020205020404" pitchFamily="49" charset="0"/>
+              </a:rPr>
+              <a:t>context</a:t>
+            </a:r>
+            <a:r>
+              <a:rPr lang="de-DE" b="1" dirty="0">
+                <a:latin typeface="Courier New" panose="02070309020205020404" pitchFamily="49" charset="0"/>
+                <a:cs typeface="Courier New" panose="02070309020205020404" pitchFamily="49" charset="0"/>
+              </a:rPr>
+              <a:t>="</a:t>
+            </a:r>
+            <a:r>
+              <a:rPr lang="de-DE" b="1" dirty="0" err="1">
+                <a:latin typeface="Courier New" panose="02070309020205020404" pitchFamily="49" charset="0"/>
+                <a:cs typeface="Courier New" panose="02070309020205020404" pitchFamily="49" charset="0"/>
+              </a:rPr>
+              <a:t>parcel</a:t>
+            </a:r>
+            <a:r>
+              <a:rPr lang="de-DE" b="1" dirty="0">
+                <a:latin typeface="Courier New" panose="02070309020205020404" pitchFamily="49" charset="0"/>
+                <a:cs typeface="Courier New" panose="02070309020205020404" pitchFamily="49" charset="0"/>
+              </a:rPr>
+              <a:t>"/&gt;</a:t>
+            </a:r>
+          </a:p>
+          <a:p>
+            <a:r>
+              <a:rPr lang="de-DE" b="1" dirty="0">
+                <a:latin typeface="Courier New" panose="02070309020205020404" pitchFamily="49" charset="0"/>
+                <a:cs typeface="Courier New" panose="02070309020205020404" pitchFamily="49" charset="0"/>
+              </a:rPr>
+              <a:t>  &lt;</a:t>
+            </a:r>
+            <a:r>
+              <a:rPr lang="de-DE" b="1" dirty="0" err="1">
+                <a:latin typeface="Courier New" panose="02070309020205020404" pitchFamily="49" charset="0"/>
+                <a:cs typeface="Courier New" panose="02070309020205020404" pitchFamily="49" charset="0"/>
+              </a:rPr>
+              <a:t>successful</a:t>
+            </a:r>
+            <a:r>
+              <a:rPr lang="de-DE" b="1" dirty="0">
+                <a:latin typeface="Courier New" panose="02070309020205020404" pitchFamily="49" charset="0"/>
+                <a:cs typeface="Courier New" panose="02070309020205020404" pitchFamily="49" charset="0"/>
+              </a:rPr>
+              <a:t>-report </a:t>
+            </a:r>
+            <a:r>
+              <a:rPr lang="de-DE" b="1" dirty="0" err="1">
+                <a:latin typeface="Courier New" panose="02070309020205020404" pitchFamily="49" charset="0"/>
+                <a:cs typeface="Courier New" panose="02070309020205020404" pitchFamily="49" charset="0"/>
+              </a:rPr>
+              <a:t>location</a:t>
+            </a:r>
+            <a:r>
+              <a:rPr lang="de-DE" b="1" dirty="0">
+                <a:latin typeface="Courier New" panose="02070309020205020404" pitchFamily="49" charset="0"/>
+                <a:cs typeface="Courier New" panose="02070309020205020404" pitchFamily="49" charset="0"/>
+              </a:rPr>
+              <a:t>="/Q{}</a:t>
+            </a:r>
+            <a:r>
+              <a:rPr lang="de-DE" b="1" dirty="0" err="1">
+                <a:latin typeface="Courier New" panose="02070309020205020404" pitchFamily="49" charset="0"/>
+                <a:cs typeface="Courier New" panose="02070309020205020404" pitchFamily="49" charset="0"/>
+              </a:rPr>
+              <a:t>parcels</a:t>
+            </a:r>
+            <a:r>
+              <a:rPr lang="de-DE" b="1" dirty="0">
+                <a:latin typeface="Courier New" panose="02070309020205020404" pitchFamily="49" charset="0"/>
+                <a:cs typeface="Courier New" panose="02070309020205020404" pitchFamily="49" charset="0"/>
+              </a:rPr>
+              <a:t>[1]/Q{}</a:t>
+            </a:r>
+            <a:r>
+              <a:rPr lang="de-DE" b="1" dirty="0" err="1">
+                <a:latin typeface="Courier New" panose="02070309020205020404" pitchFamily="49" charset="0"/>
+                <a:cs typeface="Courier New" panose="02070309020205020404" pitchFamily="49" charset="0"/>
+              </a:rPr>
+              <a:t>parcel</a:t>
+            </a:r>
+            <a:r>
+              <a:rPr lang="de-DE" b="1" dirty="0">
+                <a:latin typeface="Courier New" panose="02070309020205020404" pitchFamily="49" charset="0"/>
+                <a:cs typeface="Courier New" panose="02070309020205020404" pitchFamily="49" charset="0"/>
+              </a:rPr>
+              <a:t>[1]" </a:t>
+            </a:r>
+            <a:r>
+              <a:rPr lang="de-DE" b="1" dirty="0" err="1">
+                <a:latin typeface="Courier New" panose="02070309020205020404" pitchFamily="49" charset="0"/>
+                <a:cs typeface="Courier New" panose="02070309020205020404" pitchFamily="49" charset="0"/>
+              </a:rPr>
+              <a:t>test</a:t>
+            </a:r>
+            <a:r>
+              <a:rPr lang="de-DE" b="1" dirty="0">
+                <a:latin typeface="Courier New" panose="02070309020205020404" pitchFamily="49" charset="0"/>
+                <a:cs typeface="Courier New" panose="02070309020205020404" pitchFamily="49" charset="0"/>
+              </a:rPr>
+              <a:t>="…"&gt;</a:t>
+            </a:r>
+          </a:p>
+          <a:p>
+            <a:r>
+              <a:rPr lang="de-DE" b="1" dirty="0">
+                <a:latin typeface="Courier New" panose="02070309020205020404" pitchFamily="49" charset="0"/>
+                <a:cs typeface="Courier New" panose="02070309020205020404" pitchFamily="49" charset="0"/>
+              </a:rPr>
+              <a:t>    &lt;</a:t>
+            </a:r>
+            <a:r>
+              <a:rPr lang="de-DE" b="1" dirty="0" err="1">
+                <a:latin typeface="Courier New" panose="02070309020205020404" pitchFamily="49" charset="0"/>
+                <a:cs typeface="Courier New" panose="02070309020205020404" pitchFamily="49" charset="0"/>
+              </a:rPr>
+              <a:t>text</a:t>
+            </a:r>
+            <a:r>
+              <a:rPr lang="de-DE" b="1" dirty="0">
+                <a:latin typeface="Courier New" panose="02070309020205020404" pitchFamily="49" charset="0"/>
+                <a:cs typeface="Courier New" panose="02070309020205020404" pitchFamily="49" charset="0"/>
+              </a:rPr>
+              <a:t>&gt;The </a:t>
+            </a:r>
+            <a:r>
+              <a:rPr lang="de-DE" b="1" dirty="0" err="1">
+                <a:latin typeface="Courier New" panose="02070309020205020404" pitchFamily="49" charset="0"/>
+                <a:cs typeface="Courier New" panose="02070309020205020404" pitchFamily="49" charset="0"/>
+              </a:rPr>
+              <a:t>parcel's</a:t>
+            </a:r>
+            <a:r>
+              <a:rPr lang="de-DE" b="1" dirty="0">
+                <a:latin typeface="Courier New" panose="02070309020205020404" pitchFamily="49" charset="0"/>
+                <a:cs typeface="Courier New" panose="02070309020205020404" pitchFamily="49" charset="0"/>
+              </a:rPr>
+              <a:t> date </a:t>
+            </a:r>
+            <a:r>
+              <a:rPr lang="de-DE" b="1" dirty="0" err="1">
+                <a:latin typeface="Courier New" panose="02070309020205020404" pitchFamily="49" charset="0"/>
+                <a:cs typeface="Courier New" panose="02070309020205020404" pitchFamily="49" charset="0"/>
+              </a:rPr>
+              <a:t>must</a:t>
+            </a:r>
+            <a:r>
+              <a:rPr lang="de-DE" b="1" dirty="0">
+                <a:latin typeface="Courier New" panose="02070309020205020404" pitchFamily="49" charset="0"/>
+                <a:cs typeface="Courier New" panose="02070309020205020404" pitchFamily="49" charset="0"/>
+              </a:rPr>
+              <a:t> </a:t>
+            </a:r>
+            <a:r>
+              <a:rPr lang="de-DE" b="1" dirty="0" err="1">
+                <a:latin typeface="Courier New" panose="02070309020205020404" pitchFamily="49" charset="0"/>
+                <a:cs typeface="Courier New" panose="02070309020205020404" pitchFamily="49" charset="0"/>
+              </a:rPr>
+              <a:t>be</a:t>
+            </a:r>
+            <a:r>
+              <a:rPr lang="de-DE" b="1" dirty="0">
+                <a:latin typeface="Courier New" panose="02070309020205020404" pitchFamily="49" charset="0"/>
+                <a:cs typeface="Courier New" panose="02070309020205020404" pitchFamily="49" charset="0"/>
+              </a:rPr>
+              <a:t> </a:t>
+            </a:r>
+            <a:r>
+              <a:rPr lang="de-DE" b="1" dirty="0" err="1">
+                <a:latin typeface="Courier New" panose="02070309020205020404" pitchFamily="49" charset="0"/>
+                <a:cs typeface="Courier New" panose="02070309020205020404" pitchFamily="49" charset="0"/>
+              </a:rPr>
+              <a:t>more</a:t>
+            </a:r>
+            <a:r>
+              <a:rPr lang="de-DE" b="1" dirty="0">
+                <a:latin typeface="Courier New" panose="02070309020205020404" pitchFamily="49" charset="0"/>
+                <a:cs typeface="Courier New" panose="02070309020205020404" pitchFamily="49" charset="0"/>
+              </a:rPr>
+              <a:t> </a:t>
+            </a:r>
+            <a:r>
+              <a:rPr lang="de-DE" b="1" dirty="0" err="1">
+                <a:latin typeface="Courier New" panose="02070309020205020404" pitchFamily="49" charset="0"/>
+                <a:cs typeface="Courier New" panose="02070309020205020404" pitchFamily="49" charset="0"/>
+              </a:rPr>
+              <a:t>than</a:t>
+            </a:r>
+            <a:r>
+              <a:rPr lang="de-DE" b="1" dirty="0">
+                <a:latin typeface="Courier New" panose="02070309020205020404" pitchFamily="49" charset="0"/>
+                <a:cs typeface="Courier New" panose="02070309020205020404" pitchFamily="49" charset="0"/>
+              </a:rPr>
+              <a:t> 10 </a:t>
+            </a:r>
+            <a:r>
+              <a:rPr lang="de-DE" b="1" dirty="0" err="1">
+                <a:latin typeface="Courier New" panose="02070309020205020404" pitchFamily="49" charset="0"/>
+                <a:cs typeface="Courier New" panose="02070309020205020404" pitchFamily="49" charset="0"/>
+              </a:rPr>
+              <a:t>days</a:t>
+            </a:r>
+            <a:r>
+              <a:rPr lang="de-DE" b="1" dirty="0">
+                <a:latin typeface="Courier New" panose="02070309020205020404" pitchFamily="49" charset="0"/>
+                <a:cs typeface="Courier New" panose="02070309020205020404" pitchFamily="49" charset="0"/>
+              </a:rPr>
+              <a:t> </a:t>
+            </a:r>
+            <a:r>
+              <a:rPr lang="de-DE" b="1" dirty="0" err="1">
+                <a:latin typeface="Courier New" panose="02070309020205020404" pitchFamily="49" charset="0"/>
+                <a:cs typeface="Courier New" panose="02070309020205020404" pitchFamily="49" charset="0"/>
+              </a:rPr>
+              <a:t>before</a:t>
+            </a:r>
+            <a:r>
+              <a:rPr lang="de-DE" b="1" dirty="0">
+                <a:latin typeface="Courier New" panose="02070309020205020404" pitchFamily="49" charset="0"/>
+                <a:cs typeface="Courier New" panose="02070309020205020404" pitchFamily="49" charset="0"/>
+              </a:rPr>
+              <a:t> </a:t>
+            </a:r>
+            <a:r>
+              <a:rPr lang="de-DE" b="1" dirty="0" err="1">
+                <a:latin typeface="Courier New" panose="02070309020205020404" pitchFamily="49" charset="0"/>
+                <a:cs typeface="Courier New" panose="02070309020205020404" pitchFamily="49" charset="0"/>
+              </a:rPr>
+              <a:t>the</a:t>
+            </a:r>
+            <a:r>
+              <a:rPr lang="de-DE" b="1" dirty="0">
+                <a:latin typeface="Courier New" panose="02070309020205020404" pitchFamily="49" charset="0"/>
+                <a:cs typeface="Courier New" panose="02070309020205020404" pitchFamily="49" charset="0"/>
+              </a:rPr>
+              <a:t> </a:t>
+            </a:r>
+            <a:r>
+              <a:rPr lang="de-DE" b="1" dirty="0" err="1">
+                <a:latin typeface="Courier New" panose="02070309020205020404" pitchFamily="49" charset="0"/>
+                <a:cs typeface="Courier New" panose="02070309020205020404" pitchFamily="49" charset="0"/>
+              </a:rPr>
+              <a:t>delivery</a:t>
+            </a:r>
+            <a:r>
+              <a:rPr lang="de-DE" b="1" dirty="0">
+                <a:latin typeface="Courier New" panose="02070309020205020404" pitchFamily="49" charset="0"/>
+                <a:cs typeface="Courier New" panose="02070309020205020404" pitchFamily="49" charset="0"/>
+              </a:rPr>
+              <a:t> date&lt;/</a:t>
+            </a:r>
+            <a:r>
+              <a:rPr lang="de-DE" b="1" dirty="0" err="1">
+                <a:latin typeface="Courier New" panose="02070309020205020404" pitchFamily="49" charset="0"/>
+                <a:cs typeface="Courier New" panose="02070309020205020404" pitchFamily="49" charset="0"/>
+              </a:rPr>
+              <a:t>text</a:t>
+            </a:r>
+            <a:r>
+              <a:rPr lang="de-DE" b="1" dirty="0">
+                <a:latin typeface="Courier New" panose="02070309020205020404" pitchFamily="49" charset="0"/>
+                <a:cs typeface="Courier New" panose="02070309020205020404" pitchFamily="49" charset="0"/>
+              </a:rPr>
+              <a:t>&gt;</a:t>
+            </a:r>
+          </a:p>
+          <a:p>
+            <a:r>
+              <a:rPr lang="de-DE" b="1" dirty="0">
+                <a:latin typeface="Courier New" panose="02070309020205020404" pitchFamily="49" charset="0"/>
+                <a:cs typeface="Courier New" panose="02070309020205020404" pitchFamily="49" charset="0"/>
+              </a:rPr>
+              <a:t>  &lt;/</a:t>
+            </a:r>
+            <a:r>
+              <a:rPr lang="de-DE" b="1" dirty="0" err="1">
+                <a:latin typeface="Courier New" panose="02070309020205020404" pitchFamily="49" charset="0"/>
+                <a:cs typeface="Courier New" panose="02070309020205020404" pitchFamily="49" charset="0"/>
+              </a:rPr>
+              <a:t>successful</a:t>
+            </a:r>
+            <a:r>
+              <a:rPr lang="de-DE" b="1" dirty="0">
+                <a:latin typeface="Courier New" panose="02070309020205020404" pitchFamily="49" charset="0"/>
+                <a:cs typeface="Courier New" panose="02070309020205020404" pitchFamily="49" charset="0"/>
+              </a:rPr>
+              <a:t>-report&gt;</a:t>
+            </a:r>
+          </a:p>
+          <a:p>
+            <a:r>
+              <a:rPr lang="de-DE" b="1" dirty="0">
+                <a:latin typeface="Courier New" panose="02070309020205020404" pitchFamily="49" charset="0"/>
+                <a:cs typeface="Courier New" panose="02070309020205020404" pitchFamily="49" charset="0"/>
+              </a:rPr>
+              <a:t>  &lt;</a:t>
+            </a:r>
+            <a:r>
+              <a:rPr lang="de-DE" b="1" dirty="0" err="1">
+                <a:latin typeface="Courier New" panose="02070309020205020404" pitchFamily="49" charset="0"/>
+                <a:cs typeface="Courier New" panose="02070309020205020404" pitchFamily="49" charset="0"/>
+              </a:rPr>
+              <a:t>fired-rule</a:t>
+            </a:r>
+            <a:r>
+              <a:rPr lang="de-DE" b="1" dirty="0">
+                <a:latin typeface="Courier New" panose="02070309020205020404" pitchFamily="49" charset="0"/>
+                <a:cs typeface="Courier New" panose="02070309020205020404" pitchFamily="49" charset="0"/>
+              </a:rPr>
+              <a:t> </a:t>
+            </a:r>
+            <a:r>
+              <a:rPr lang="de-DE" b="1" dirty="0" err="1">
+                <a:latin typeface="Courier New" panose="02070309020205020404" pitchFamily="49" charset="0"/>
+                <a:cs typeface="Courier New" panose="02070309020205020404" pitchFamily="49" charset="0"/>
+              </a:rPr>
+              <a:t>context</a:t>
+            </a:r>
+            <a:r>
+              <a:rPr lang="de-DE" b="1" dirty="0">
+                <a:latin typeface="Courier New" panose="02070309020205020404" pitchFamily="49" charset="0"/>
+                <a:cs typeface="Courier New" panose="02070309020205020404" pitchFamily="49" charset="0"/>
+              </a:rPr>
+              <a:t>="</a:t>
+            </a:r>
+            <a:r>
+              <a:rPr lang="de-DE" b="1" dirty="0" err="1">
+                <a:latin typeface="Courier New" panose="02070309020205020404" pitchFamily="49" charset="0"/>
+                <a:cs typeface="Courier New" panose="02070309020205020404" pitchFamily="49" charset="0"/>
+              </a:rPr>
+              <a:t>parcel</a:t>
+            </a:r>
+            <a:r>
+              <a:rPr lang="de-DE" b="1" dirty="0">
+                <a:latin typeface="Courier New" panose="02070309020205020404" pitchFamily="49" charset="0"/>
+                <a:cs typeface="Courier New" panose="02070309020205020404" pitchFamily="49" charset="0"/>
+              </a:rPr>
+              <a:t>"/&gt;</a:t>
+            </a:r>
+          </a:p>
+          <a:p>
+            <a:r>
+              <a:rPr lang="de-DE" b="1" dirty="0">
+                <a:latin typeface="Courier New" panose="02070309020205020404" pitchFamily="49" charset="0"/>
+                <a:cs typeface="Courier New" panose="02070309020205020404" pitchFamily="49" charset="0"/>
+              </a:rPr>
+              <a:t>&lt;/</a:t>
+            </a:r>
+            <a:r>
+              <a:rPr lang="de-DE" b="1" dirty="0" err="1">
+                <a:latin typeface="Courier New" panose="02070309020205020404" pitchFamily="49" charset="0"/>
+                <a:cs typeface="Courier New" panose="02070309020205020404" pitchFamily="49" charset="0"/>
+              </a:rPr>
+              <a:t>schematron</a:t>
+            </a:r>
+            <a:r>
+              <a:rPr lang="de-DE" b="1" dirty="0">
+                <a:latin typeface="Courier New" panose="02070309020205020404" pitchFamily="49" charset="0"/>
+                <a:cs typeface="Courier New" panose="02070309020205020404" pitchFamily="49" charset="0"/>
+              </a:rPr>
+              <a:t>-output&gt;</a:t>
+            </a:r>
           </a:p>
         </p:txBody>
       </p:sp>
     </p:spTree>
     <p:extLst>
       <p:ext uri="{BB962C8B-B14F-4D97-AF65-F5344CB8AC3E}">
-        <p14:creationId xmlns:p14="http://schemas.microsoft.com/office/powerpoint/2010/main" val="1443925408"/>
+        <p14:creationId xmlns:p14="http://schemas.microsoft.com/office/powerpoint/2010/main" val="2586284019"/>
       </p:ext>
     </p:extLst>
   </p:cSld>
@@ -6196,7 +8151,7 @@
           <p:cNvPr id="2" name="Title 1">
             <a:extLst>
               <a:ext uri="{FF2B5EF4-FFF2-40B4-BE49-F238E27FC236}">
-                <a16:creationId xmlns:a16="http://schemas.microsoft.com/office/drawing/2014/main" id="{A70F358F-267E-458C-A8D5-5959F20DB9D5}"/>
+                <a16:creationId xmlns:a16="http://schemas.microsoft.com/office/drawing/2014/main" id="{6CD9641F-2988-A812-B69A-3E16A55CC509}"/>
               </a:ext>
             </a:extLst>
           </p:cNvPr>
@@ -6209,7 +8164,7 @@
         </p:nvSpPr>
         <p:spPr>
           <a:xfrm>
-            <a:off x="1874520" y="278023"/>
+            <a:off x="139088" y="0"/>
             <a:ext cx="10515600" cy="1325563"/>
           </a:xfrm>
         </p:spPr>
@@ -6219,93 +8174,794 @@
           <a:p>
             <a:r>
               <a:rPr lang="en-US" b="1" dirty="0"/>
-              <a:t>Hands-on: Provide a better message</a:t>
-            </a:r>
-            <a:endParaRPr lang="en-NL" b="1" dirty="0"/>
+              <a:t>More meaningful messages: </a:t>
+            </a:r>
+            <a:r>
+              <a:rPr lang="en-US" b="1" dirty="0">
+                <a:latin typeface="Courier New" panose="02070309020205020404" pitchFamily="49" charset="0"/>
+                <a:cs typeface="Courier New" panose="02070309020205020404" pitchFamily="49" charset="0"/>
+              </a:rPr>
+              <a:t>&lt;value-of&gt;</a:t>
+            </a:r>
+            <a:endParaRPr lang="en-NL" b="1" dirty="0">
+              <a:latin typeface="Courier New" panose="02070309020205020404" pitchFamily="49" charset="0"/>
+              <a:cs typeface="Courier New" panose="02070309020205020404" pitchFamily="49" charset="0"/>
+            </a:endParaRPr>
           </a:p>
         </p:txBody>
       </p:sp>
       <p:sp>
         <p:nvSpPr>
-          <p:cNvPr id="3" name="Content Placeholder 2">
+          <p:cNvPr id="4" name="TextBox 3">
             <a:extLst>
               <a:ext uri="{FF2B5EF4-FFF2-40B4-BE49-F238E27FC236}">
-                <a16:creationId xmlns:a16="http://schemas.microsoft.com/office/drawing/2014/main" id="{B7E5CA6D-D83C-4F14-841A-1F3902B3B2AC}"/>
+                <a16:creationId xmlns:a16="http://schemas.microsoft.com/office/drawing/2014/main" id="{2DDD3872-B6C4-BE38-9D50-2550DAF3C49D}"/>
               </a:ext>
             </a:extLst>
           </p:cNvPr>
-          <p:cNvSpPr>
-            <a:spLocks noGrp="1"/>
-          </p:cNvSpPr>
-          <p:nvPr>
-            <p:ph idx="1"/>
-          </p:nvPr>
+          <p:cNvSpPr txBox="1"/>
+          <p:nvPr/>
         </p:nvSpPr>
         <p:spPr>
           <a:xfrm>
-            <a:off x="249766" y="1552211"/>
-            <a:ext cx="11692468" cy="4084108"/>
-          </a:xfrm>
-        </p:spPr>
-        <p:txBody>
-          <a:bodyPr>
-            <a:normAutofit/>
-          </a:bodyPr>
-          <a:lstStyle/>
-          <a:p>
-            <a:endParaRPr lang="en-GB" dirty="0"/>
-          </a:p>
-        </p:txBody>
-      </p:sp>
-      <p:pic>
-        <p:nvPicPr>
-          <p:cNvPr id="6" name="Graphic 5" descr="Right pointing backhand index ">
-            <a:extLst>
-              <a:ext uri="{FF2B5EF4-FFF2-40B4-BE49-F238E27FC236}">
-                <a16:creationId xmlns:a16="http://schemas.microsoft.com/office/drawing/2014/main" id="{BA7FB8C5-2AEE-41C3-980A-64845E036DE8}"/>
-              </a:ext>
-            </a:extLst>
-          </p:cNvPr>
-          <p:cNvPicPr>
-            <a:picLocks noChangeAspect="1"/>
-          </p:cNvPicPr>
-          <p:nvPr/>
-        </p:nvPicPr>
-        <p:blipFill>
-          <a:blip r:embed="rId3">
-            <a:extLst>
-              <a:ext uri="{28A0092B-C50C-407E-A947-70E740481C1C}">
-                <a14:useLocalDpi xmlns:a14="http://schemas.microsoft.com/office/drawing/2010/main" val="0"/>
-              </a:ext>
-              <a:ext uri="{96DAC541-7B7A-43D3-8B79-37D633B846F1}">
-                <asvg:svgBlip xmlns:asvg="http://schemas.microsoft.com/office/drawing/2016/SVG/main" r:embed="rId4"/>
-              </a:ext>
-            </a:extLst>
-          </a:blip>
-          <a:stretch>
-            <a:fillRect/>
-          </a:stretch>
-        </p:blipFill>
-        <p:spPr>
-          <a:xfrm>
-            <a:off x="838200" y="483604"/>
-            <a:ext cx="914400" cy="914400"/>
+            <a:off x="612587" y="2750647"/>
+            <a:ext cx="10739997" cy="830997"/>
           </a:xfrm>
           <a:prstGeom prst="rect">
             <a:avLst/>
           </a:prstGeom>
+          <a:solidFill>
+            <a:schemeClr val="bg1">
+              <a:lumMod val="95000"/>
+            </a:schemeClr>
+          </a:solidFill>
         </p:spPr>
-      </p:pic>
+        <p:txBody>
+          <a:bodyPr wrap="square" rtlCol="0">
+            <a:spAutoFit/>
+          </a:bodyPr>
+          <a:lstStyle/>
+          <a:p>
+            <a:r>
+              <a:rPr lang="de-DE" sz="1600" b="1" dirty="0">
+                <a:latin typeface="Courier New" panose="02070309020205020404" pitchFamily="49" charset="0"/>
+                <a:cs typeface="Courier New" panose="02070309020205020404" pitchFamily="49" charset="0"/>
+              </a:rPr>
+              <a:t>&lt;</a:t>
+            </a:r>
+            <a:r>
+              <a:rPr lang="de-DE" sz="1600" b="1" dirty="0" err="1">
+                <a:latin typeface="Courier New" panose="02070309020205020404" pitchFamily="49" charset="0"/>
+                <a:cs typeface="Courier New" panose="02070309020205020404" pitchFamily="49" charset="0"/>
+              </a:rPr>
+              <a:t>rule</a:t>
+            </a:r>
+            <a:r>
+              <a:rPr lang="de-DE" sz="1600" b="1" dirty="0">
+                <a:latin typeface="Courier New" panose="02070309020205020404" pitchFamily="49" charset="0"/>
+                <a:cs typeface="Courier New" panose="02070309020205020404" pitchFamily="49" charset="0"/>
+              </a:rPr>
+              <a:t> </a:t>
+            </a:r>
+            <a:r>
+              <a:rPr lang="de-DE" sz="1600" b="1" dirty="0" err="1">
+                <a:latin typeface="Courier New" panose="02070309020205020404" pitchFamily="49" charset="0"/>
+                <a:cs typeface="Courier New" panose="02070309020205020404" pitchFamily="49" charset="0"/>
+              </a:rPr>
+              <a:t>context</a:t>
+            </a:r>
+            <a:r>
+              <a:rPr lang="de-DE" sz="1600" b="1" dirty="0">
+                <a:latin typeface="Courier New" panose="02070309020205020404" pitchFamily="49" charset="0"/>
+                <a:cs typeface="Courier New" panose="02070309020205020404" pitchFamily="49" charset="0"/>
+              </a:rPr>
+              <a:t>="/*/*"&gt;</a:t>
+            </a:r>
+          </a:p>
+          <a:p>
+            <a:r>
+              <a:rPr lang="de-DE" sz="1600" b="1" dirty="0">
+                <a:latin typeface="Courier New" panose="02070309020205020404" pitchFamily="49" charset="0"/>
+                <a:cs typeface="Courier New" panose="02070309020205020404" pitchFamily="49" charset="0"/>
+              </a:rPr>
+              <a:t>  &lt;</a:t>
+            </a:r>
+            <a:r>
+              <a:rPr lang="de-DE" sz="1600" b="1" dirty="0" err="1">
+                <a:latin typeface="Courier New" panose="02070309020205020404" pitchFamily="49" charset="0"/>
+                <a:cs typeface="Courier New" panose="02070309020205020404" pitchFamily="49" charset="0"/>
+              </a:rPr>
+              <a:t>assert</a:t>
+            </a:r>
+            <a:r>
+              <a:rPr lang="de-DE" sz="1600" b="1" dirty="0">
+                <a:latin typeface="Courier New" panose="02070309020205020404" pitchFamily="49" charset="0"/>
+                <a:cs typeface="Courier New" panose="02070309020205020404" pitchFamily="49" charset="0"/>
+              </a:rPr>
+              <a:t> </a:t>
+            </a:r>
+            <a:r>
+              <a:rPr lang="de-DE" sz="1600" b="1" dirty="0" err="1">
+                <a:latin typeface="Courier New" panose="02070309020205020404" pitchFamily="49" charset="0"/>
+                <a:cs typeface="Courier New" panose="02070309020205020404" pitchFamily="49" charset="0"/>
+              </a:rPr>
+              <a:t>test</a:t>
+            </a:r>
+            <a:r>
+              <a:rPr lang="de-DE" sz="1600" b="1" dirty="0">
+                <a:latin typeface="Courier New" panose="02070309020205020404" pitchFamily="49" charset="0"/>
+                <a:cs typeface="Courier New" panose="02070309020205020404" pitchFamily="49" charset="0"/>
+              </a:rPr>
+              <a:t>="</a:t>
+            </a:r>
+            <a:r>
+              <a:rPr lang="de-DE" sz="1600" b="1" dirty="0" err="1">
+                <a:latin typeface="Courier New" panose="02070309020205020404" pitchFamily="49" charset="0"/>
+                <a:cs typeface="Courier New" panose="02070309020205020404" pitchFamily="49" charset="0"/>
+              </a:rPr>
+              <a:t>string-length</a:t>
+            </a:r>
+            <a:r>
+              <a:rPr lang="de-DE" sz="1600" b="1" dirty="0">
+                <a:latin typeface="Courier New" panose="02070309020205020404" pitchFamily="49" charset="0"/>
+                <a:cs typeface="Courier New" panose="02070309020205020404" pitchFamily="49" charset="0"/>
+              </a:rPr>
+              <a:t>(@code) </a:t>
+            </a:r>
+            <a:r>
+              <a:rPr lang="de-DE" sz="1600" b="1" dirty="0" err="1">
+                <a:latin typeface="Courier New" panose="02070309020205020404" pitchFamily="49" charset="0"/>
+                <a:cs typeface="Courier New" panose="02070309020205020404" pitchFamily="49" charset="0"/>
+              </a:rPr>
+              <a:t>eq</a:t>
+            </a:r>
+            <a:r>
+              <a:rPr lang="de-DE" sz="1600" b="1" dirty="0">
+                <a:latin typeface="Courier New" panose="02070309020205020404" pitchFamily="49" charset="0"/>
+                <a:cs typeface="Courier New" panose="02070309020205020404" pitchFamily="49" charset="0"/>
+              </a:rPr>
+              <a:t> 4"&gt;A code </a:t>
+            </a:r>
+            <a:r>
+              <a:rPr lang="de-DE" sz="1600" b="1" dirty="0" err="1">
+                <a:latin typeface="Courier New" panose="02070309020205020404" pitchFamily="49" charset="0"/>
+                <a:cs typeface="Courier New" panose="02070309020205020404" pitchFamily="49" charset="0"/>
+              </a:rPr>
+              <a:t>must</a:t>
+            </a:r>
+            <a:r>
+              <a:rPr lang="de-DE" sz="1600" b="1" dirty="0">
+                <a:latin typeface="Courier New" panose="02070309020205020404" pitchFamily="49" charset="0"/>
+                <a:cs typeface="Courier New" panose="02070309020205020404" pitchFamily="49" charset="0"/>
+              </a:rPr>
+              <a:t> </a:t>
+            </a:r>
+            <a:r>
+              <a:rPr lang="de-DE" sz="1600" b="1" dirty="0" err="1">
+                <a:latin typeface="Courier New" panose="02070309020205020404" pitchFamily="49" charset="0"/>
+                <a:cs typeface="Courier New" panose="02070309020205020404" pitchFamily="49" charset="0"/>
+              </a:rPr>
+              <a:t>be</a:t>
+            </a:r>
+            <a:r>
+              <a:rPr lang="de-DE" sz="1600" b="1" dirty="0">
+                <a:latin typeface="Courier New" panose="02070309020205020404" pitchFamily="49" charset="0"/>
+                <a:cs typeface="Courier New" panose="02070309020205020404" pitchFamily="49" charset="0"/>
+              </a:rPr>
+              <a:t> 4 </a:t>
+            </a:r>
+            <a:r>
+              <a:rPr lang="de-DE" sz="1600" b="1" dirty="0" err="1">
+                <a:latin typeface="Courier New" panose="02070309020205020404" pitchFamily="49" charset="0"/>
+                <a:cs typeface="Courier New" panose="02070309020205020404" pitchFamily="49" charset="0"/>
+              </a:rPr>
+              <a:t>characters</a:t>
+            </a:r>
+            <a:r>
+              <a:rPr lang="de-DE" sz="1600" b="1" dirty="0">
+                <a:latin typeface="Courier New" panose="02070309020205020404" pitchFamily="49" charset="0"/>
+                <a:cs typeface="Courier New" panose="02070309020205020404" pitchFamily="49" charset="0"/>
+              </a:rPr>
+              <a:t> </a:t>
+            </a:r>
+            <a:r>
+              <a:rPr lang="de-DE" sz="1600" b="1" dirty="0" err="1">
+                <a:latin typeface="Courier New" panose="02070309020205020404" pitchFamily="49" charset="0"/>
+                <a:cs typeface="Courier New" panose="02070309020205020404" pitchFamily="49" charset="0"/>
+              </a:rPr>
+              <a:t>long</a:t>
+            </a:r>
+            <a:r>
+              <a:rPr lang="de-DE" sz="1600" b="1" dirty="0">
+                <a:latin typeface="Courier New" panose="02070309020205020404" pitchFamily="49" charset="0"/>
+                <a:cs typeface="Courier New" panose="02070309020205020404" pitchFamily="49" charset="0"/>
+              </a:rPr>
+              <a:t>&lt;/</a:t>
+            </a:r>
+            <a:r>
+              <a:rPr lang="de-DE" sz="1600" b="1" dirty="0" err="1">
+                <a:latin typeface="Courier New" panose="02070309020205020404" pitchFamily="49" charset="0"/>
+                <a:cs typeface="Courier New" panose="02070309020205020404" pitchFamily="49" charset="0"/>
+              </a:rPr>
+              <a:t>assert</a:t>
+            </a:r>
+            <a:r>
+              <a:rPr lang="de-DE" sz="1600" b="1" dirty="0">
+                <a:latin typeface="Courier New" panose="02070309020205020404" pitchFamily="49" charset="0"/>
+                <a:cs typeface="Courier New" panose="02070309020205020404" pitchFamily="49" charset="0"/>
+              </a:rPr>
+              <a:t>&gt;</a:t>
+            </a:r>
+          </a:p>
+          <a:p>
+            <a:r>
+              <a:rPr lang="de-DE" sz="1600" b="1" dirty="0">
+                <a:latin typeface="Courier New" panose="02070309020205020404" pitchFamily="49" charset="0"/>
+                <a:cs typeface="Courier New" panose="02070309020205020404" pitchFamily="49" charset="0"/>
+              </a:rPr>
+              <a:t>&lt;/</a:t>
+            </a:r>
+            <a:r>
+              <a:rPr lang="de-DE" sz="1600" b="1" dirty="0" err="1">
+                <a:latin typeface="Courier New" panose="02070309020205020404" pitchFamily="49" charset="0"/>
+                <a:cs typeface="Courier New" panose="02070309020205020404" pitchFamily="49" charset="0"/>
+              </a:rPr>
+              <a:t>rule</a:t>
+            </a:r>
+            <a:r>
+              <a:rPr lang="de-DE" sz="1600" b="1" dirty="0">
+                <a:latin typeface="Courier New" panose="02070309020205020404" pitchFamily="49" charset="0"/>
+                <a:cs typeface="Courier New" panose="02070309020205020404" pitchFamily="49" charset="0"/>
+              </a:rPr>
+              <a:t>&gt;</a:t>
+            </a:r>
+          </a:p>
+        </p:txBody>
+      </p:sp>
+      <p:sp>
+        <p:nvSpPr>
+          <p:cNvPr id="7" name="TextBox 6">
+            <a:extLst>
+              <a:ext uri="{FF2B5EF4-FFF2-40B4-BE49-F238E27FC236}">
+                <a16:creationId xmlns:a16="http://schemas.microsoft.com/office/drawing/2014/main" id="{F4D8F3C5-9B6A-2BF4-A6CA-2CA59142BF27}"/>
+              </a:ext>
+            </a:extLst>
+          </p:cNvPr>
+          <p:cNvSpPr txBox="1"/>
+          <p:nvPr/>
+        </p:nvSpPr>
+        <p:spPr>
+          <a:xfrm>
+            <a:off x="517730" y="4951329"/>
+            <a:ext cx="10739997" cy="1323439"/>
+          </a:xfrm>
+          <a:prstGeom prst="rect">
+            <a:avLst/>
+          </a:prstGeom>
+          <a:solidFill>
+            <a:schemeClr val="bg1">
+              <a:lumMod val="95000"/>
+            </a:schemeClr>
+          </a:solidFill>
+        </p:spPr>
+        <p:txBody>
+          <a:bodyPr wrap="square" rtlCol="0">
+            <a:spAutoFit/>
+          </a:bodyPr>
+          <a:lstStyle/>
+          <a:p>
+            <a:r>
+              <a:rPr lang="de-DE" sz="1600" b="1" dirty="0">
+                <a:latin typeface="Courier New" panose="02070309020205020404" pitchFamily="49" charset="0"/>
+                <a:cs typeface="Courier New" panose="02070309020205020404" pitchFamily="49" charset="0"/>
+              </a:rPr>
+              <a:t>&lt;</a:t>
+            </a:r>
+            <a:r>
+              <a:rPr lang="de-DE" sz="1600" b="1" dirty="0" err="1">
+                <a:latin typeface="Courier New" panose="02070309020205020404" pitchFamily="49" charset="0"/>
+                <a:cs typeface="Courier New" panose="02070309020205020404" pitchFamily="49" charset="0"/>
+              </a:rPr>
+              <a:t>rule</a:t>
+            </a:r>
+            <a:r>
+              <a:rPr lang="de-DE" sz="1600" b="1" dirty="0">
+                <a:latin typeface="Courier New" panose="02070309020205020404" pitchFamily="49" charset="0"/>
+                <a:cs typeface="Courier New" panose="02070309020205020404" pitchFamily="49" charset="0"/>
+              </a:rPr>
+              <a:t> </a:t>
+            </a:r>
+            <a:r>
+              <a:rPr lang="de-DE" sz="1600" b="1" dirty="0" err="1">
+                <a:latin typeface="Courier New" panose="02070309020205020404" pitchFamily="49" charset="0"/>
+                <a:cs typeface="Courier New" panose="02070309020205020404" pitchFamily="49" charset="0"/>
+              </a:rPr>
+              <a:t>context</a:t>
+            </a:r>
+            <a:r>
+              <a:rPr lang="de-DE" sz="1600" b="1" dirty="0">
+                <a:latin typeface="Courier New" panose="02070309020205020404" pitchFamily="49" charset="0"/>
+                <a:cs typeface="Courier New" panose="02070309020205020404" pitchFamily="49" charset="0"/>
+              </a:rPr>
+              <a:t>="/*/*"&gt;</a:t>
+            </a:r>
+          </a:p>
+          <a:p>
+            <a:r>
+              <a:rPr lang="de-DE" sz="1600" b="1" dirty="0">
+                <a:latin typeface="Courier New" panose="02070309020205020404" pitchFamily="49" charset="0"/>
+                <a:cs typeface="Courier New" panose="02070309020205020404" pitchFamily="49" charset="0"/>
+              </a:rPr>
+              <a:t>  &lt;</a:t>
+            </a:r>
+            <a:r>
+              <a:rPr lang="de-DE" sz="1600" b="1" dirty="0" err="1">
+                <a:latin typeface="Courier New" panose="02070309020205020404" pitchFamily="49" charset="0"/>
+                <a:cs typeface="Courier New" panose="02070309020205020404" pitchFamily="49" charset="0"/>
+              </a:rPr>
+              <a:t>assert</a:t>
+            </a:r>
+            <a:r>
+              <a:rPr lang="de-DE" sz="1600" b="1" dirty="0">
+                <a:latin typeface="Courier New" panose="02070309020205020404" pitchFamily="49" charset="0"/>
+                <a:cs typeface="Courier New" panose="02070309020205020404" pitchFamily="49" charset="0"/>
+              </a:rPr>
+              <a:t> </a:t>
+            </a:r>
+            <a:r>
+              <a:rPr lang="de-DE" sz="1600" b="1" dirty="0" err="1">
+                <a:latin typeface="Courier New" panose="02070309020205020404" pitchFamily="49" charset="0"/>
+                <a:cs typeface="Courier New" panose="02070309020205020404" pitchFamily="49" charset="0"/>
+              </a:rPr>
+              <a:t>test</a:t>
+            </a:r>
+            <a:r>
+              <a:rPr lang="de-DE" sz="1600" b="1" dirty="0">
+                <a:latin typeface="Courier New" panose="02070309020205020404" pitchFamily="49" charset="0"/>
+                <a:cs typeface="Courier New" panose="02070309020205020404" pitchFamily="49" charset="0"/>
+              </a:rPr>
+              <a:t>="</a:t>
+            </a:r>
+            <a:r>
+              <a:rPr lang="de-DE" sz="1600" b="1" dirty="0" err="1">
+                <a:latin typeface="Courier New" panose="02070309020205020404" pitchFamily="49" charset="0"/>
+                <a:cs typeface="Courier New" panose="02070309020205020404" pitchFamily="49" charset="0"/>
+              </a:rPr>
+              <a:t>string-length</a:t>
+            </a:r>
+            <a:r>
+              <a:rPr lang="de-DE" sz="1600" b="1" dirty="0">
+                <a:latin typeface="Courier New" panose="02070309020205020404" pitchFamily="49" charset="0"/>
+                <a:cs typeface="Courier New" panose="02070309020205020404" pitchFamily="49" charset="0"/>
+              </a:rPr>
+              <a:t>(@code) </a:t>
+            </a:r>
+            <a:r>
+              <a:rPr lang="de-DE" sz="1600" b="1" dirty="0" err="1">
+                <a:latin typeface="Courier New" panose="02070309020205020404" pitchFamily="49" charset="0"/>
+                <a:cs typeface="Courier New" panose="02070309020205020404" pitchFamily="49" charset="0"/>
+              </a:rPr>
+              <a:t>eq</a:t>
+            </a:r>
+            <a:r>
+              <a:rPr lang="de-DE" sz="1600" b="1" dirty="0">
+                <a:latin typeface="Courier New" panose="02070309020205020404" pitchFamily="49" charset="0"/>
+                <a:cs typeface="Courier New" panose="02070309020205020404" pitchFamily="49" charset="0"/>
+              </a:rPr>
+              <a:t> 4"&gt;</a:t>
+            </a:r>
+          </a:p>
+          <a:p>
+            <a:r>
+              <a:rPr lang="de-DE" sz="1600" b="1" dirty="0">
+                <a:latin typeface="Courier New" panose="02070309020205020404" pitchFamily="49" charset="0"/>
+                <a:cs typeface="Courier New" panose="02070309020205020404" pitchFamily="49" charset="0"/>
+              </a:rPr>
+              <a:t>    The code </a:t>
+            </a:r>
+            <a:r>
+              <a:rPr lang="de-DE" sz="1600" b="1" dirty="0">
+                <a:highlight>
+                  <a:srgbClr val="FFFF00"/>
+                </a:highlight>
+                <a:latin typeface="Courier New" panose="02070309020205020404" pitchFamily="49" charset="0"/>
+                <a:cs typeface="Courier New" panose="02070309020205020404" pitchFamily="49" charset="0"/>
+              </a:rPr>
+              <a:t>&lt;</a:t>
+            </a:r>
+            <a:r>
+              <a:rPr lang="de-DE" sz="1600" b="1" dirty="0" err="1">
+                <a:highlight>
+                  <a:srgbClr val="FFFF00"/>
+                </a:highlight>
+                <a:latin typeface="Courier New" panose="02070309020205020404" pitchFamily="49" charset="0"/>
+                <a:cs typeface="Courier New" panose="02070309020205020404" pitchFamily="49" charset="0"/>
+              </a:rPr>
+              <a:t>value-of</a:t>
+            </a:r>
+            <a:r>
+              <a:rPr lang="de-DE" sz="1600" b="1" dirty="0">
+                <a:highlight>
+                  <a:srgbClr val="FFFF00"/>
+                </a:highlight>
+                <a:latin typeface="Courier New" panose="02070309020205020404" pitchFamily="49" charset="0"/>
+                <a:cs typeface="Courier New" panose="02070309020205020404" pitchFamily="49" charset="0"/>
+              </a:rPr>
+              <a:t> </a:t>
+            </a:r>
+            <a:r>
+              <a:rPr lang="de-DE" sz="1600" b="1" dirty="0" err="1">
+                <a:highlight>
+                  <a:srgbClr val="FFFF00"/>
+                </a:highlight>
+                <a:latin typeface="Courier New" panose="02070309020205020404" pitchFamily="49" charset="0"/>
+                <a:cs typeface="Courier New" panose="02070309020205020404" pitchFamily="49" charset="0"/>
+              </a:rPr>
+              <a:t>select</a:t>
+            </a:r>
+            <a:r>
+              <a:rPr lang="de-DE" sz="1600" b="1" dirty="0">
+                <a:highlight>
+                  <a:srgbClr val="FFFF00"/>
+                </a:highlight>
+                <a:latin typeface="Courier New" panose="02070309020205020404" pitchFamily="49" charset="0"/>
+                <a:cs typeface="Courier New" panose="02070309020205020404" pitchFamily="49" charset="0"/>
+              </a:rPr>
+              <a:t>="@code"/&gt;</a:t>
+            </a:r>
+            <a:r>
+              <a:rPr lang="de-DE" sz="1600" b="1" dirty="0">
+                <a:latin typeface="Courier New" panose="02070309020205020404" pitchFamily="49" charset="0"/>
+                <a:cs typeface="Courier New" panose="02070309020205020404" pitchFamily="49" charset="0"/>
+              </a:rPr>
+              <a:t> </a:t>
+            </a:r>
+            <a:r>
+              <a:rPr lang="de-DE" sz="1600" b="1" dirty="0" err="1">
+                <a:latin typeface="Courier New" panose="02070309020205020404" pitchFamily="49" charset="0"/>
+                <a:cs typeface="Courier New" panose="02070309020205020404" pitchFamily="49" charset="0"/>
+              </a:rPr>
+              <a:t>is</a:t>
+            </a:r>
+            <a:r>
+              <a:rPr lang="de-DE" sz="1600" b="1" dirty="0">
+                <a:latin typeface="Courier New" panose="02070309020205020404" pitchFamily="49" charset="0"/>
+                <a:cs typeface="Courier New" panose="02070309020205020404" pitchFamily="49" charset="0"/>
+              </a:rPr>
+              <a:t> invalid. </a:t>
+            </a:r>
+            <a:r>
+              <a:rPr lang="de-DE" sz="1600" b="1" dirty="0" err="1">
+                <a:latin typeface="Courier New" panose="02070309020205020404" pitchFamily="49" charset="0"/>
+                <a:cs typeface="Courier New" panose="02070309020205020404" pitchFamily="49" charset="0"/>
+              </a:rPr>
+              <a:t>It</a:t>
+            </a:r>
+            <a:r>
+              <a:rPr lang="de-DE" sz="1600" b="1" dirty="0">
+                <a:latin typeface="Courier New" panose="02070309020205020404" pitchFamily="49" charset="0"/>
+                <a:cs typeface="Courier New" panose="02070309020205020404" pitchFamily="49" charset="0"/>
+              </a:rPr>
+              <a:t> </a:t>
+            </a:r>
+            <a:r>
+              <a:rPr lang="de-DE" sz="1600" b="1" dirty="0" err="1">
+                <a:latin typeface="Courier New" panose="02070309020205020404" pitchFamily="49" charset="0"/>
+                <a:cs typeface="Courier New" panose="02070309020205020404" pitchFamily="49" charset="0"/>
+              </a:rPr>
+              <a:t>must</a:t>
+            </a:r>
+            <a:r>
+              <a:rPr lang="de-DE" sz="1600" b="1" dirty="0">
+                <a:latin typeface="Courier New" panose="02070309020205020404" pitchFamily="49" charset="0"/>
+                <a:cs typeface="Courier New" panose="02070309020205020404" pitchFamily="49" charset="0"/>
+              </a:rPr>
+              <a:t> </a:t>
+            </a:r>
+            <a:r>
+              <a:rPr lang="de-DE" sz="1600" b="1" dirty="0" err="1">
+                <a:latin typeface="Courier New" panose="02070309020205020404" pitchFamily="49" charset="0"/>
+                <a:cs typeface="Courier New" panose="02070309020205020404" pitchFamily="49" charset="0"/>
+              </a:rPr>
+              <a:t>be</a:t>
+            </a:r>
+            <a:r>
+              <a:rPr lang="de-DE" sz="1600" b="1" dirty="0">
+                <a:latin typeface="Courier New" panose="02070309020205020404" pitchFamily="49" charset="0"/>
+                <a:cs typeface="Courier New" panose="02070309020205020404" pitchFamily="49" charset="0"/>
+              </a:rPr>
+              <a:t> 4 </a:t>
+            </a:r>
+            <a:r>
+              <a:rPr lang="de-DE" sz="1600" b="1" dirty="0" err="1">
+                <a:latin typeface="Courier New" panose="02070309020205020404" pitchFamily="49" charset="0"/>
+                <a:cs typeface="Courier New" panose="02070309020205020404" pitchFamily="49" charset="0"/>
+              </a:rPr>
+              <a:t>characters</a:t>
+            </a:r>
+            <a:r>
+              <a:rPr lang="de-DE" sz="1600" b="1" dirty="0">
+                <a:latin typeface="Courier New" panose="02070309020205020404" pitchFamily="49" charset="0"/>
+                <a:cs typeface="Courier New" panose="02070309020205020404" pitchFamily="49" charset="0"/>
+              </a:rPr>
+              <a:t> </a:t>
+            </a:r>
+            <a:r>
+              <a:rPr lang="de-DE" sz="1600" b="1" dirty="0" err="1">
+                <a:latin typeface="Courier New" panose="02070309020205020404" pitchFamily="49" charset="0"/>
+                <a:cs typeface="Courier New" panose="02070309020205020404" pitchFamily="49" charset="0"/>
+              </a:rPr>
+              <a:t>long</a:t>
+            </a:r>
+            <a:r>
+              <a:rPr lang="de-DE" sz="1600" b="1" dirty="0">
+                <a:latin typeface="Courier New" panose="02070309020205020404" pitchFamily="49" charset="0"/>
+                <a:cs typeface="Courier New" panose="02070309020205020404" pitchFamily="49" charset="0"/>
+              </a:rPr>
+              <a:t>.</a:t>
+            </a:r>
+          </a:p>
+          <a:p>
+            <a:r>
+              <a:rPr lang="de-DE" sz="1600" b="1" dirty="0">
+                <a:latin typeface="Courier New" panose="02070309020205020404" pitchFamily="49" charset="0"/>
+                <a:cs typeface="Courier New" panose="02070309020205020404" pitchFamily="49" charset="0"/>
+              </a:rPr>
+              <a:t>  &lt;/</a:t>
+            </a:r>
+            <a:r>
+              <a:rPr lang="de-DE" sz="1600" b="1" dirty="0" err="1">
+                <a:latin typeface="Courier New" panose="02070309020205020404" pitchFamily="49" charset="0"/>
+                <a:cs typeface="Courier New" panose="02070309020205020404" pitchFamily="49" charset="0"/>
+              </a:rPr>
+              <a:t>assert</a:t>
+            </a:r>
+            <a:r>
+              <a:rPr lang="de-DE" sz="1600" b="1" dirty="0">
+                <a:latin typeface="Courier New" panose="02070309020205020404" pitchFamily="49" charset="0"/>
+                <a:cs typeface="Courier New" panose="02070309020205020404" pitchFamily="49" charset="0"/>
+              </a:rPr>
+              <a:t>&gt;</a:t>
+            </a:r>
+          </a:p>
+          <a:p>
+            <a:r>
+              <a:rPr lang="de-DE" sz="1600" b="1" dirty="0">
+                <a:latin typeface="Courier New" panose="02070309020205020404" pitchFamily="49" charset="0"/>
+                <a:cs typeface="Courier New" panose="02070309020205020404" pitchFamily="49" charset="0"/>
+              </a:rPr>
+              <a:t>&lt;/</a:t>
+            </a:r>
+            <a:r>
+              <a:rPr lang="de-DE" sz="1600" b="1" dirty="0" err="1">
+                <a:latin typeface="Courier New" panose="02070309020205020404" pitchFamily="49" charset="0"/>
+                <a:cs typeface="Courier New" panose="02070309020205020404" pitchFamily="49" charset="0"/>
+              </a:rPr>
+              <a:t>rule</a:t>
+            </a:r>
+            <a:r>
+              <a:rPr lang="de-DE" sz="1600" b="1" dirty="0">
+                <a:latin typeface="Courier New" panose="02070309020205020404" pitchFamily="49" charset="0"/>
+                <a:cs typeface="Courier New" panose="02070309020205020404" pitchFamily="49" charset="0"/>
+              </a:rPr>
+              <a:t>&gt;</a:t>
+            </a:r>
+          </a:p>
+        </p:txBody>
+      </p:sp>
+      <p:sp>
+        <p:nvSpPr>
+          <p:cNvPr id="8" name="Arrow: Down 7">
+            <a:extLst>
+              <a:ext uri="{FF2B5EF4-FFF2-40B4-BE49-F238E27FC236}">
+                <a16:creationId xmlns:a16="http://schemas.microsoft.com/office/drawing/2014/main" id="{D30B639E-F968-2492-1A54-6847403D1D8D}"/>
+              </a:ext>
+            </a:extLst>
+          </p:cNvPr>
+          <p:cNvSpPr/>
+          <p:nvPr/>
+        </p:nvSpPr>
+        <p:spPr>
+          <a:xfrm>
+            <a:off x="4685608" y="3747989"/>
+            <a:ext cx="832421" cy="1097279"/>
+          </a:xfrm>
+          <a:prstGeom prst="downArrow">
+            <a:avLst/>
+          </a:prstGeom>
+        </p:spPr>
+        <p:style>
+          <a:lnRef idx="2">
+            <a:schemeClr val="accent1">
+              <a:shade val="50000"/>
+            </a:schemeClr>
+          </a:lnRef>
+          <a:fillRef idx="1">
+            <a:schemeClr val="accent1"/>
+          </a:fillRef>
+          <a:effectRef idx="0">
+            <a:schemeClr val="accent1"/>
+          </a:effectRef>
+          <a:fontRef idx="minor">
+            <a:schemeClr val="lt1"/>
+          </a:fontRef>
+        </p:style>
+        <p:txBody>
+          <a:bodyPr rtlCol="0" anchor="ctr"/>
+          <a:lstStyle/>
+          <a:p>
+            <a:pPr algn="ctr"/>
+            <a:endParaRPr lang="en-NL"/>
+          </a:p>
+        </p:txBody>
+      </p:sp>
+      <p:sp>
+        <p:nvSpPr>
+          <p:cNvPr id="9" name="TextBox 8">
+            <a:extLst>
+              <a:ext uri="{FF2B5EF4-FFF2-40B4-BE49-F238E27FC236}">
+                <a16:creationId xmlns:a16="http://schemas.microsoft.com/office/drawing/2014/main" id="{7691C5DE-BE97-C4DC-CE1E-BE6C1B39EF01}"/>
+              </a:ext>
+            </a:extLst>
+          </p:cNvPr>
+          <p:cNvSpPr txBox="1"/>
+          <p:nvPr/>
+        </p:nvSpPr>
+        <p:spPr>
+          <a:xfrm>
+            <a:off x="425302" y="1325563"/>
+            <a:ext cx="11227982" cy="830997"/>
+          </a:xfrm>
+          <a:prstGeom prst="rect">
+            <a:avLst/>
+          </a:prstGeom>
+          <a:noFill/>
+        </p:spPr>
+        <p:txBody>
+          <a:bodyPr wrap="square" rtlCol="0">
+            <a:spAutoFit/>
+          </a:bodyPr>
+          <a:lstStyle/>
+          <a:p>
+            <a:r>
+              <a:rPr lang="en-US" sz="2400" dirty="0"/>
+              <a:t>The </a:t>
+            </a:r>
+            <a:r>
+              <a:rPr lang="en-US" sz="2400" b="1" dirty="0">
+                <a:latin typeface="Courier New" panose="02070309020205020404" pitchFamily="49" charset="0"/>
+                <a:cs typeface="Courier New" panose="02070309020205020404" pitchFamily="49" charset="0"/>
+              </a:rPr>
+              <a:t>&lt;value-of select="…"/&gt;</a:t>
+            </a:r>
+            <a:r>
+              <a:rPr lang="en-US" dirty="0"/>
+              <a:t> </a:t>
+            </a:r>
+            <a:r>
+              <a:rPr lang="en-US" sz="2400" dirty="0"/>
+              <a:t>element allows you to add values from the validated document to your messages </a:t>
+            </a:r>
+            <a:endParaRPr lang="en-NL" sz="2400" dirty="0"/>
+          </a:p>
+        </p:txBody>
+      </p:sp>
     </p:spTree>
     <p:extLst>
       <p:ext uri="{BB962C8B-B14F-4D97-AF65-F5344CB8AC3E}">
-        <p14:creationId xmlns:p14="http://schemas.microsoft.com/office/powerpoint/2010/main" val="3483430405"/>
+        <p14:creationId xmlns:p14="http://schemas.microsoft.com/office/powerpoint/2010/main" val="1443925408"/>
       </p:ext>
     </p:extLst>
   </p:cSld>
   <p:clrMapOvr>
     <a:masterClrMapping/>
   </p:clrMapOvr>
+  <p:timing>
+    <p:tnLst>
+      <p:par>
+        <p:cTn id="1" dur="indefinite" restart="never" nodeType="tmRoot">
+          <p:childTnLst>
+            <p:seq concurrent="1" nextAc="seek">
+              <p:cTn id="2" dur="indefinite" nodeType="mainSeq">
+                <p:childTnLst>
+                  <p:par>
+                    <p:cTn id="3" fill="hold">
+                      <p:stCondLst>
+                        <p:cond delay="indefinite"/>
+                      </p:stCondLst>
+                      <p:childTnLst>
+                        <p:par>
+                          <p:cTn id="4" fill="hold">
+                            <p:stCondLst>
+                              <p:cond delay="0"/>
+                            </p:stCondLst>
+                            <p:childTnLst>
+                              <p:par>
+                                <p:cTn id="5" presetID="1" presetClass="entr" presetSubtype="0" fill="hold" grpId="0" nodeType="clickEffect">
+                                  <p:stCondLst>
+                                    <p:cond delay="0"/>
+                                  </p:stCondLst>
+                                  <p:childTnLst>
+                                    <p:set>
+                                      <p:cBhvr>
+                                        <p:cTn id="6" dur="1" fill="hold">
+                                          <p:stCondLst>
+                                            <p:cond delay="0"/>
+                                          </p:stCondLst>
+                                        </p:cTn>
+                                        <p:tgtEl>
+                                          <p:spTgt spid="8"/>
+                                        </p:tgtEl>
+                                        <p:attrNameLst>
+                                          <p:attrName>style.visibility</p:attrName>
+                                        </p:attrNameLst>
+                                      </p:cBhvr>
+                                      <p:to>
+                                        <p:strVal val="visible"/>
+                                      </p:to>
+                                    </p:set>
+                                  </p:childTnLst>
+                                </p:cTn>
+                              </p:par>
+                              <p:par>
+                                <p:cTn id="7" presetID="1" presetClass="entr" presetSubtype="0" fill="hold" grpId="0" nodeType="withEffect">
+                                  <p:stCondLst>
+                                    <p:cond delay="0"/>
+                                  </p:stCondLst>
+                                  <p:childTnLst>
+                                    <p:set>
+                                      <p:cBhvr>
+                                        <p:cTn id="8" dur="1" fill="hold">
+                                          <p:stCondLst>
+                                            <p:cond delay="0"/>
+                                          </p:stCondLst>
+                                        </p:cTn>
+                                        <p:tgtEl>
+                                          <p:spTgt spid="7"/>
+                                        </p:tgtEl>
+                                        <p:attrNameLst>
+                                          <p:attrName>style.visibility</p:attrName>
+                                        </p:attrNameLst>
+                                      </p:cBhvr>
+                                      <p:to>
+                                        <p:strVal val="visible"/>
+                                      </p:to>
+                                    </p:set>
+                                  </p:childTnLst>
+                                </p:cTn>
+                              </p:par>
+                            </p:childTnLst>
+                          </p:cTn>
+                        </p:par>
+                      </p:childTnLst>
+                    </p:cTn>
+                  </p:par>
+                </p:childTnLst>
+              </p:cTn>
+              <p:prevCondLst>
+                <p:cond evt="onPrev" delay="0">
+                  <p:tgtEl>
+                    <p:sldTgt/>
+                  </p:tgtEl>
+                </p:cond>
+              </p:prevCondLst>
+              <p:nextCondLst>
+                <p:cond evt="onNext" delay="0">
+                  <p:tgtEl>
+                    <p:sldTgt/>
+                  </p:tgtEl>
+                </p:cond>
+              </p:nextCondLst>
+            </p:seq>
+          </p:childTnLst>
+        </p:cTn>
+      </p:par>
+    </p:tnLst>
+    <p:bldLst>
+      <p:bldP spid="7" grpId="0" animBg="1"/>
+      <p:bldP spid="8" grpId="0" animBg="1"/>
+    </p:bldLst>
+  </p:timing>
 </p:sld>
 </file>
 
@@ -6331,7 +8987,7 @@
           <p:cNvPr id="2" name="Title 1">
             <a:extLst>
               <a:ext uri="{FF2B5EF4-FFF2-40B4-BE49-F238E27FC236}">
-                <a16:creationId xmlns:a16="http://schemas.microsoft.com/office/drawing/2014/main" id="{E55C19CD-7C67-2E78-DBF3-C19E393A346A}"/>
+                <a16:creationId xmlns:a16="http://schemas.microsoft.com/office/drawing/2014/main" id="{A70F358F-267E-458C-A8D5-5959F20DB9D5}"/>
               </a:ext>
             </a:extLst>
           </p:cNvPr>
@@ -6344,7 +9000,7 @@
         </p:nvSpPr>
         <p:spPr>
           <a:xfrm>
-            <a:off x="239598" y="-73221"/>
+            <a:off x="1218674" y="-179178"/>
             <a:ext cx="10515600" cy="1325563"/>
           </a:xfrm>
         </p:spPr>
@@ -6354,19 +9010,9 @@
           <a:p>
             <a:r>
               <a:rPr lang="en-US" b="1" dirty="0"/>
-              <a:t>Variables: </a:t>
-            </a:r>
-            <a:r>
-              <a:rPr lang="en-US" b="1" dirty="0">
-                <a:latin typeface="Courier New" panose="02070309020205020404" pitchFamily="49" charset="0"/>
-                <a:cs typeface="Courier New" panose="02070309020205020404" pitchFamily="49" charset="0"/>
-              </a:rPr>
-              <a:t>&lt;let&gt;</a:t>
-            </a:r>
-            <a:endParaRPr lang="en-NL" b="1" dirty="0">
-              <a:latin typeface="Courier New" panose="02070309020205020404" pitchFamily="49" charset="0"/>
-              <a:cs typeface="Courier New" panose="02070309020205020404" pitchFamily="49" charset="0"/>
-            </a:endParaRPr>
+              <a:t>Hands-on: better messages</a:t>
+            </a:r>
+            <a:endParaRPr lang="en-NL" b="1" dirty="0"/>
           </a:p>
         </p:txBody>
       </p:sp>
@@ -6375,7 +9021,7 @@
           <p:cNvPr id="3" name="Content Placeholder 2">
             <a:extLst>
               <a:ext uri="{FF2B5EF4-FFF2-40B4-BE49-F238E27FC236}">
-                <a16:creationId xmlns:a16="http://schemas.microsoft.com/office/drawing/2014/main" id="{D0EE5797-B476-E2CE-EDAB-B49808015E58}"/>
+                <a16:creationId xmlns:a16="http://schemas.microsoft.com/office/drawing/2014/main" id="{B7E5CA6D-D83C-4F14-841A-1F3902B3B2AC}"/>
               </a:ext>
             </a:extLst>
           </p:cNvPr>
@@ -6386,19 +9032,274 @@
             <p:ph idx="1"/>
           </p:nvPr>
         </p:nvSpPr>
-        <p:spPr/>
+        <p:spPr>
+          <a:xfrm>
+            <a:off x="249766" y="1325186"/>
+            <a:ext cx="11826620" cy="4899039"/>
+          </a:xfrm>
+        </p:spPr>
         <p:txBody>
-          <a:bodyPr/>
+          <a:bodyPr>
+            <a:normAutofit fontScale="92500" lnSpcReduction="20000"/>
+          </a:bodyPr>
           <a:lstStyle/>
           <a:p>
-            <a:endParaRPr lang="en-NL" dirty="0"/>
+            <a:r>
+              <a:rPr lang="en-US" dirty="0"/>
+              <a:t>All files in:  </a:t>
+            </a:r>
+            <a:r>
+              <a:rPr lang="en-US" b="1" dirty="0">
+                <a:latin typeface="Courier New" panose="02070309020205020404" pitchFamily="49" charset="0"/>
+                <a:cs typeface="Courier New" panose="02070309020205020404" pitchFamily="49" charset="0"/>
+              </a:rPr>
+              <a:t>…/exercises</a:t>
+            </a:r>
+            <a:r>
+              <a:rPr lang="en-US" dirty="0">
+                <a:latin typeface="Courier New" panose="02070309020205020404" pitchFamily="49" charset="0"/>
+                <a:cs typeface="Courier New" panose="02070309020205020404" pitchFamily="49" charset="0"/>
+              </a:rPr>
+              <a:t>/</a:t>
+            </a:r>
+            <a:r>
+              <a:rPr lang="en-US" b="1" dirty="0">
+                <a:latin typeface="Courier New" panose="02070309020205020404" pitchFamily="49" charset="0"/>
+                <a:cs typeface="Courier New" panose="02070309020205020404" pitchFamily="49" charset="0"/>
+              </a:rPr>
+              <a:t>exercise-02-03</a:t>
+            </a:r>
+          </a:p>
+          <a:p>
+            <a:endParaRPr lang="en-US" dirty="0"/>
+          </a:p>
+          <a:p>
+            <a:r>
+              <a:rPr lang="en-US" dirty="0"/>
+              <a:t>Read the instructions in:  </a:t>
+            </a:r>
+            <a:r>
+              <a:rPr lang="en-US" b="1" dirty="0">
+                <a:latin typeface="Courier New" panose="02070309020205020404" pitchFamily="49" charset="0"/>
+                <a:cs typeface="Courier New" panose="02070309020205020404" pitchFamily="49" charset="0"/>
+              </a:rPr>
+              <a:t>instructions.pdf</a:t>
+            </a:r>
+            <a:endParaRPr lang="en-US" dirty="0"/>
+          </a:p>
+          <a:p>
+            <a:r>
+              <a:rPr lang="en-US" dirty="0"/>
+              <a:t>Open the files:</a:t>
+            </a:r>
+          </a:p>
+          <a:p>
+            <a:pPr lvl="1"/>
+            <a:r>
+              <a:rPr lang="en-US" dirty="0"/>
+              <a:t>Document to validate: </a:t>
+            </a:r>
+            <a:r>
+              <a:rPr lang="en-US" b="1" dirty="0">
+                <a:latin typeface="Courier New" panose="02070309020205020404" pitchFamily="49" charset="0"/>
+                <a:cs typeface="Courier New" panose="02070309020205020404" pitchFamily="49" charset="0"/>
+              </a:rPr>
+              <a:t>input.xml</a:t>
+            </a:r>
+          </a:p>
+          <a:p>
+            <a:pPr lvl="1"/>
+            <a:r>
+              <a:rPr lang="en-US" dirty="0"/>
+              <a:t>Template Schematron schema: </a:t>
+            </a:r>
+            <a:r>
+              <a:rPr lang="en-US" b="1" dirty="0" err="1">
+                <a:latin typeface="Courier New" panose="02070309020205020404" pitchFamily="49" charset="0"/>
+                <a:cs typeface="Courier New" panose="02070309020205020404" pitchFamily="49" charset="0"/>
+              </a:rPr>
+              <a:t>template.sch</a:t>
+            </a:r>
+            <a:endParaRPr lang="en-US" b="1" dirty="0">
+              <a:latin typeface="Courier New" panose="02070309020205020404" pitchFamily="49" charset="0"/>
+              <a:cs typeface="Courier New" panose="02070309020205020404" pitchFamily="49" charset="0"/>
+            </a:endParaRPr>
+          </a:p>
+          <a:p>
+            <a:r>
+              <a:rPr lang="en-US" dirty="0"/>
+              <a:t>Enhance </a:t>
+            </a:r>
+            <a:r>
+              <a:rPr lang="en-US" b="1" dirty="0" err="1">
+                <a:latin typeface="Courier New" panose="02070309020205020404" pitchFamily="49" charset="0"/>
+                <a:cs typeface="Courier New" panose="02070309020205020404" pitchFamily="49" charset="0"/>
+              </a:rPr>
+              <a:t>template.sch</a:t>
+            </a:r>
+            <a:r>
+              <a:rPr lang="en-US" dirty="0"/>
+              <a:t> according to the instructions </a:t>
+            </a:r>
+          </a:p>
+          <a:p>
+            <a:r>
+              <a:rPr lang="en-US" dirty="0"/>
+              <a:t>To try it out in oXygen, </a:t>
+            </a:r>
+            <a:r>
+              <a:rPr lang="en-US" b="1" dirty="0">
+                <a:latin typeface="Courier New" panose="02070309020205020404" pitchFamily="49" charset="0"/>
+                <a:cs typeface="Courier New" panose="02070309020205020404" pitchFamily="49" charset="0"/>
+              </a:rPr>
+              <a:t>input.xml</a:t>
+            </a:r>
+            <a:r>
+              <a:rPr lang="en-US" dirty="0"/>
+              <a:t> is automatically validated by </a:t>
+            </a:r>
+            <a:r>
+              <a:rPr lang="en-US" b="1" dirty="0" err="1">
+                <a:latin typeface="Courier New" panose="02070309020205020404" pitchFamily="49" charset="0"/>
+                <a:cs typeface="Courier New" panose="02070309020205020404" pitchFamily="49" charset="0"/>
+              </a:rPr>
+              <a:t>template.sch</a:t>
+            </a:r>
+            <a:endParaRPr lang="en-US" b="1" dirty="0">
+              <a:latin typeface="Courier New" panose="02070309020205020404" pitchFamily="49" charset="0"/>
+              <a:cs typeface="Courier New" panose="02070309020205020404" pitchFamily="49" charset="0"/>
+            </a:endParaRPr>
+          </a:p>
+          <a:p>
+            <a:endParaRPr lang="en-US" dirty="0"/>
+          </a:p>
+          <a:p>
+            <a:endParaRPr lang="en-US" dirty="0"/>
+          </a:p>
+          <a:p>
+            <a:pPr marL="0" indent="0">
+              <a:buNone/>
+            </a:pPr>
+            <a:r>
+              <a:rPr lang="en-US" sz="2200" dirty="0"/>
+              <a:t>Possible solution in: </a:t>
+            </a:r>
+            <a:r>
+              <a:rPr lang="en-US" sz="2200" b="1" dirty="0">
+                <a:latin typeface="Courier New" panose="02070309020205020404" pitchFamily="49" charset="0"/>
+                <a:cs typeface="Courier New" panose="02070309020205020404" pitchFamily="49" charset="0"/>
+                <a:hlinkClick r:id="rId3" action="ppaction://hlinkfile"/>
+              </a:rPr>
+              <a:t>solution/</a:t>
+            </a:r>
+            <a:r>
+              <a:rPr lang="en-US" sz="2200" b="1" dirty="0" err="1">
+                <a:latin typeface="Courier New" panose="02070309020205020404" pitchFamily="49" charset="0"/>
+                <a:cs typeface="Courier New" panose="02070309020205020404" pitchFamily="49" charset="0"/>
+                <a:hlinkClick r:id="rId3" action="ppaction://hlinkfile"/>
+              </a:rPr>
+              <a:t>solution.sch</a:t>
+            </a:r>
+            <a:r>
+              <a:rPr lang="en-US" sz="2200" dirty="0"/>
+              <a:t> (short explanation in </a:t>
+            </a:r>
+            <a:r>
+              <a:rPr lang="en-US" sz="2200" b="1" dirty="0">
+                <a:latin typeface="Courier New" panose="02070309020205020404" pitchFamily="49" charset="0"/>
+                <a:cs typeface="Courier New" panose="02070309020205020404" pitchFamily="49" charset="0"/>
+                <a:hlinkClick r:id="rId4" action="ppaction://hlinkfile"/>
+              </a:rPr>
+              <a:t>solution/explanation.pdf</a:t>
+            </a:r>
+            <a:r>
+              <a:rPr lang="en-US" sz="2200" dirty="0"/>
+              <a:t>).</a:t>
+            </a:r>
+          </a:p>
+          <a:p>
+            <a:pPr marL="0" indent="0">
+              <a:buNone/>
+            </a:pPr>
+            <a:endParaRPr lang="en-US" sz="2200" dirty="0"/>
+          </a:p>
+          <a:p>
+            <a:pPr marL="0" indent="0">
+              <a:buNone/>
+            </a:pPr>
+            <a:r>
+              <a:rPr lang="en-US" sz="2200" dirty="0"/>
+              <a:t>Solution for the additional changes in: </a:t>
+            </a:r>
+            <a:r>
+              <a:rPr lang="en-US" sz="2200" b="1" dirty="0">
+                <a:latin typeface="Courier New" panose="02070309020205020404" pitchFamily="49" charset="0"/>
+                <a:cs typeface="Courier New" panose="02070309020205020404" pitchFamily="49" charset="0"/>
+                <a:hlinkClick r:id="rId5" action="ppaction://hlinkfile"/>
+              </a:rPr>
+              <a:t>solution/solution-</a:t>
+            </a:r>
+            <a:r>
+              <a:rPr lang="en-US" sz="2200" b="1" dirty="0" err="1">
+                <a:latin typeface="Courier New" panose="02070309020205020404" pitchFamily="49" charset="0"/>
+                <a:cs typeface="Courier New" panose="02070309020205020404" pitchFamily="49" charset="0"/>
+                <a:hlinkClick r:id="rId5" action="ppaction://hlinkfile"/>
+              </a:rPr>
+              <a:t>extended.sch</a:t>
+            </a:r>
+            <a:endParaRPr lang="en-US" b="1" dirty="0">
+              <a:latin typeface="Courier New" panose="02070309020205020404" pitchFamily="49" charset="0"/>
+              <a:cs typeface="Courier New" panose="02070309020205020404" pitchFamily="49" charset="0"/>
+            </a:endParaRPr>
+          </a:p>
+          <a:p>
+            <a:endParaRPr lang="en-GB" dirty="0"/>
           </a:p>
         </p:txBody>
       </p:sp>
+      <p:pic>
+        <p:nvPicPr>
+          <p:cNvPr id="6" name="Graphic 5" descr="Right pointing backhand index ">
+            <a:extLst>
+              <a:ext uri="{FF2B5EF4-FFF2-40B4-BE49-F238E27FC236}">
+                <a16:creationId xmlns:a16="http://schemas.microsoft.com/office/drawing/2014/main" id="{BA7FB8C5-2AEE-41C3-980A-64845E036DE8}"/>
+              </a:ext>
+            </a:extLst>
+          </p:cNvPr>
+          <p:cNvPicPr>
+            <a:picLocks noChangeAspect="1"/>
+          </p:cNvPicPr>
+          <p:nvPr/>
+        </p:nvPicPr>
+        <p:blipFill>
+          <a:blip r:embed="rId6">
+            <a:extLst>
+              <a:ext uri="{28A0092B-C50C-407E-A947-70E740481C1C}">
+                <a14:useLocalDpi xmlns:a14="http://schemas.microsoft.com/office/drawing/2010/main" val="0"/>
+              </a:ext>
+              <a:ext uri="{96DAC541-7B7A-43D3-8B79-37D633B846F1}">
+                <asvg:svgBlip xmlns:asvg="http://schemas.microsoft.com/office/drawing/2016/SVG/main" r:embed="rId7"/>
+              </a:ext>
+            </a:extLst>
+          </a:blip>
+          <a:stretch>
+            <a:fillRect/>
+          </a:stretch>
+        </p:blipFill>
+        <p:spPr>
+          <a:xfrm>
+            <a:off x="249766" y="26404"/>
+            <a:ext cx="914400" cy="914400"/>
+          </a:xfrm>
+          <a:prstGeom prst="rect">
+            <a:avLst/>
+          </a:prstGeom>
+        </p:spPr>
+      </p:pic>
     </p:spTree>
     <p:extLst>
       <p:ext uri="{BB962C8B-B14F-4D97-AF65-F5344CB8AC3E}">
-        <p14:creationId xmlns:p14="http://schemas.microsoft.com/office/powerpoint/2010/main" val="3086546672"/>
+        <p14:creationId xmlns:p14="http://schemas.microsoft.com/office/powerpoint/2010/main" val="3089194481"/>
       </p:ext>
     </p:extLst>
   </p:cSld>
@@ -6430,7 +9331,7 @@
           <p:cNvPr id="2" name="Title 1">
             <a:extLst>
               <a:ext uri="{FF2B5EF4-FFF2-40B4-BE49-F238E27FC236}">
-                <a16:creationId xmlns:a16="http://schemas.microsoft.com/office/drawing/2014/main" id="{A70F358F-267E-458C-A8D5-5959F20DB9D5}"/>
+                <a16:creationId xmlns:a16="http://schemas.microsoft.com/office/drawing/2014/main" id="{E55C19CD-7C67-2E78-DBF3-C19E393A346A}"/>
               </a:ext>
             </a:extLst>
           </p:cNvPr>
@@ -6443,7 +9344,7 @@
         </p:nvSpPr>
         <p:spPr>
           <a:xfrm>
-            <a:off x="1874520" y="278023"/>
+            <a:off x="239598" y="-73221"/>
             <a:ext cx="10515600" cy="1325563"/>
           </a:xfrm>
         </p:spPr>
@@ -6453,9 +9354,19 @@
           <a:p>
             <a:r>
               <a:rPr lang="en-US" b="1" dirty="0"/>
-              <a:t>Hands-on: Variable usage</a:t>
-            </a:r>
-            <a:endParaRPr lang="en-NL" b="1" dirty="0"/>
+              <a:t>Variables: </a:t>
+            </a:r>
+            <a:r>
+              <a:rPr lang="en-US" b="1" dirty="0">
+                <a:latin typeface="Courier New" panose="02070309020205020404" pitchFamily="49" charset="0"/>
+                <a:cs typeface="Courier New" panose="02070309020205020404" pitchFamily="49" charset="0"/>
+              </a:rPr>
+              <a:t>&lt;let&gt;</a:t>
+            </a:r>
+            <a:endParaRPr lang="en-NL" b="1" dirty="0">
+              <a:latin typeface="Courier New" panose="02070309020205020404" pitchFamily="49" charset="0"/>
+              <a:cs typeface="Courier New" panose="02070309020205020404" pitchFamily="49" charset="0"/>
+            </a:endParaRPr>
           </a:p>
         </p:txBody>
       </p:sp>
@@ -6464,7 +9375,7 @@
           <p:cNvPr id="3" name="Content Placeholder 2">
             <a:extLst>
               <a:ext uri="{FF2B5EF4-FFF2-40B4-BE49-F238E27FC236}">
-                <a16:creationId xmlns:a16="http://schemas.microsoft.com/office/drawing/2014/main" id="{B7E5CA6D-D83C-4F14-841A-1F3902B3B2AC}"/>
+                <a16:creationId xmlns:a16="http://schemas.microsoft.com/office/drawing/2014/main" id="{D0EE5797-B476-E2CE-EDAB-B49808015E58}"/>
               </a:ext>
             </a:extLst>
           </p:cNvPr>
@@ -6475,65 +9386,19 @@
             <p:ph idx="1"/>
           </p:nvPr>
         </p:nvSpPr>
-        <p:spPr>
-          <a:xfrm>
-            <a:off x="249766" y="1552211"/>
-            <a:ext cx="11692468" cy="4084108"/>
-          </a:xfrm>
-        </p:spPr>
+        <p:spPr/>
         <p:txBody>
-          <a:bodyPr>
-            <a:normAutofit/>
-          </a:bodyPr>
+          <a:bodyPr/>
           <a:lstStyle/>
           <a:p>
-            <a:endParaRPr lang="en-GB" dirty="0"/>
+            <a:endParaRPr lang="en-NL" dirty="0"/>
           </a:p>
         </p:txBody>
       </p:sp>
-      <p:pic>
-        <p:nvPicPr>
-          <p:cNvPr id="6" name="Graphic 5" descr="Right pointing backhand index ">
-            <a:extLst>
-              <a:ext uri="{FF2B5EF4-FFF2-40B4-BE49-F238E27FC236}">
-                <a16:creationId xmlns:a16="http://schemas.microsoft.com/office/drawing/2014/main" id="{BA7FB8C5-2AEE-41C3-980A-64845E036DE8}"/>
-              </a:ext>
-            </a:extLst>
-          </p:cNvPr>
-          <p:cNvPicPr>
-            <a:picLocks noChangeAspect="1"/>
-          </p:cNvPicPr>
-          <p:nvPr/>
-        </p:nvPicPr>
-        <p:blipFill>
-          <a:blip r:embed="rId3">
-            <a:extLst>
-              <a:ext uri="{28A0092B-C50C-407E-A947-70E740481C1C}">
-                <a14:useLocalDpi xmlns:a14="http://schemas.microsoft.com/office/drawing/2010/main" val="0"/>
-              </a:ext>
-              <a:ext uri="{96DAC541-7B7A-43D3-8B79-37D633B846F1}">
-                <asvg:svgBlip xmlns:asvg="http://schemas.microsoft.com/office/drawing/2016/SVG/main" r:embed="rId4"/>
-              </a:ext>
-            </a:extLst>
-          </a:blip>
-          <a:stretch>
-            <a:fillRect/>
-          </a:stretch>
-        </p:blipFill>
-        <p:spPr>
-          <a:xfrm>
-            <a:off x="838200" y="483604"/>
-            <a:ext cx="914400" cy="914400"/>
-          </a:xfrm>
-          <a:prstGeom prst="rect">
-            <a:avLst/>
-          </a:prstGeom>
-        </p:spPr>
-      </p:pic>
     </p:spTree>
     <p:extLst>
       <p:ext uri="{BB962C8B-B14F-4D97-AF65-F5344CB8AC3E}">
-        <p14:creationId xmlns:p14="http://schemas.microsoft.com/office/powerpoint/2010/main" val="3805193544"/>
+        <p14:creationId xmlns:p14="http://schemas.microsoft.com/office/powerpoint/2010/main" val="3086546672"/>
       </p:ext>
     </p:extLst>
   </p:cSld>
@@ -6565,7 +9430,7 @@
           <p:cNvPr id="2" name="Title 1">
             <a:extLst>
               <a:ext uri="{FF2B5EF4-FFF2-40B4-BE49-F238E27FC236}">
-                <a16:creationId xmlns:a16="http://schemas.microsoft.com/office/drawing/2014/main" id="{56E2D828-E092-D5A3-A411-64F0CAA100B6}"/>
+                <a16:creationId xmlns:a16="http://schemas.microsoft.com/office/drawing/2014/main" id="{A70F358F-267E-458C-A8D5-5959F20DB9D5}"/>
               </a:ext>
             </a:extLst>
           </p:cNvPr>
@@ -6578,7 +9443,7 @@
         </p:nvSpPr>
         <p:spPr>
           <a:xfrm>
-            <a:off x="225458" y="-77935"/>
+            <a:off x="1874520" y="278023"/>
             <a:ext cx="10515600" cy="1325563"/>
           </a:xfrm>
         </p:spPr>
@@ -6588,19 +9453,9 @@
           <a:p>
             <a:r>
               <a:rPr lang="en-US" b="1" dirty="0"/>
-              <a:t>Declaring namespaces: </a:t>
-            </a:r>
-            <a:r>
-              <a:rPr lang="en-US" b="1" dirty="0">
-                <a:latin typeface="Courier New" panose="02070309020205020404" pitchFamily="49" charset="0"/>
-                <a:cs typeface="Courier New" panose="02070309020205020404" pitchFamily="49" charset="0"/>
-              </a:rPr>
-              <a:t>&lt;ns&gt;</a:t>
-            </a:r>
-            <a:endParaRPr lang="en-NL" b="1" dirty="0">
-              <a:latin typeface="Courier New" panose="02070309020205020404" pitchFamily="49" charset="0"/>
-              <a:cs typeface="Courier New" panose="02070309020205020404" pitchFamily="49" charset="0"/>
-            </a:endParaRPr>
+              <a:t>Hands-on: Variable usage</a:t>
+            </a:r>
+            <a:endParaRPr lang="en-NL" b="1" dirty="0"/>
           </a:p>
         </p:txBody>
       </p:sp>
@@ -6609,7 +9464,7 @@
           <p:cNvPr id="3" name="Content Placeholder 2">
             <a:extLst>
               <a:ext uri="{FF2B5EF4-FFF2-40B4-BE49-F238E27FC236}">
-                <a16:creationId xmlns:a16="http://schemas.microsoft.com/office/drawing/2014/main" id="{CE7503FB-DCB4-7B5F-AD97-D247D185A24D}"/>
+                <a16:creationId xmlns:a16="http://schemas.microsoft.com/office/drawing/2014/main" id="{B7E5CA6D-D83C-4F14-841A-1F3902B3B2AC}"/>
               </a:ext>
             </a:extLst>
           </p:cNvPr>
@@ -6620,19 +9475,65 @@
             <p:ph idx="1"/>
           </p:nvPr>
         </p:nvSpPr>
-        <p:spPr/>
+        <p:spPr>
+          <a:xfrm>
+            <a:off x="249766" y="1552211"/>
+            <a:ext cx="11692468" cy="4084108"/>
+          </a:xfrm>
+        </p:spPr>
         <p:txBody>
-          <a:bodyPr/>
+          <a:bodyPr>
+            <a:normAutofit/>
+          </a:bodyPr>
           <a:lstStyle/>
           <a:p>
-            <a:endParaRPr lang="en-NL" dirty="0"/>
+            <a:endParaRPr lang="en-GB" dirty="0"/>
           </a:p>
         </p:txBody>
       </p:sp>
+      <p:pic>
+        <p:nvPicPr>
+          <p:cNvPr id="6" name="Graphic 5" descr="Right pointing backhand index ">
+            <a:extLst>
+              <a:ext uri="{FF2B5EF4-FFF2-40B4-BE49-F238E27FC236}">
+                <a16:creationId xmlns:a16="http://schemas.microsoft.com/office/drawing/2014/main" id="{BA7FB8C5-2AEE-41C3-980A-64845E036DE8}"/>
+              </a:ext>
+            </a:extLst>
+          </p:cNvPr>
+          <p:cNvPicPr>
+            <a:picLocks noChangeAspect="1"/>
+          </p:cNvPicPr>
+          <p:nvPr/>
+        </p:nvPicPr>
+        <p:blipFill>
+          <a:blip r:embed="rId3">
+            <a:extLst>
+              <a:ext uri="{28A0092B-C50C-407E-A947-70E740481C1C}">
+                <a14:useLocalDpi xmlns:a14="http://schemas.microsoft.com/office/drawing/2010/main" val="0"/>
+              </a:ext>
+              <a:ext uri="{96DAC541-7B7A-43D3-8B79-37D633B846F1}">
+                <asvg:svgBlip xmlns:asvg="http://schemas.microsoft.com/office/drawing/2016/SVG/main" r:embed="rId4"/>
+              </a:ext>
+            </a:extLst>
+          </a:blip>
+          <a:stretch>
+            <a:fillRect/>
+          </a:stretch>
+        </p:blipFill>
+        <p:spPr>
+          <a:xfrm>
+            <a:off x="838200" y="483604"/>
+            <a:ext cx="914400" cy="914400"/>
+          </a:xfrm>
+          <a:prstGeom prst="rect">
+            <a:avLst/>
+          </a:prstGeom>
+        </p:spPr>
+      </p:pic>
     </p:spTree>
     <p:extLst>
       <p:ext uri="{BB962C8B-B14F-4D97-AF65-F5344CB8AC3E}">
-        <p14:creationId xmlns:p14="http://schemas.microsoft.com/office/powerpoint/2010/main" val="626882265"/>
+        <p14:creationId xmlns:p14="http://schemas.microsoft.com/office/powerpoint/2010/main" val="3805193544"/>
       </p:ext>
     </p:extLst>
   </p:cSld>
@@ -6903,6 +9804,105 @@
           <p:cNvPr id="2" name="Title 1">
             <a:extLst>
               <a:ext uri="{FF2B5EF4-FFF2-40B4-BE49-F238E27FC236}">
+                <a16:creationId xmlns:a16="http://schemas.microsoft.com/office/drawing/2014/main" id="{56E2D828-E092-D5A3-A411-64F0CAA100B6}"/>
+              </a:ext>
+            </a:extLst>
+          </p:cNvPr>
+          <p:cNvSpPr>
+            <a:spLocks noGrp="1"/>
+          </p:cNvSpPr>
+          <p:nvPr>
+            <p:ph type="title"/>
+          </p:nvPr>
+        </p:nvSpPr>
+        <p:spPr>
+          <a:xfrm>
+            <a:off x="225458" y="-77935"/>
+            <a:ext cx="10515600" cy="1325563"/>
+          </a:xfrm>
+        </p:spPr>
+        <p:txBody>
+          <a:bodyPr/>
+          <a:lstStyle/>
+          <a:p>
+            <a:r>
+              <a:rPr lang="en-US" b="1" dirty="0"/>
+              <a:t>Declaring namespaces: </a:t>
+            </a:r>
+            <a:r>
+              <a:rPr lang="en-US" b="1" dirty="0">
+                <a:latin typeface="Courier New" panose="02070309020205020404" pitchFamily="49" charset="0"/>
+                <a:cs typeface="Courier New" panose="02070309020205020404" pitchFamily="49" charset="0"/>
+              </a:rPr>
+              <a:t>&lt;ns&gt;</a:t>
+            </a:r>
+            <a:endParaRPr lang="en-NL" b="1" dirty="0">
+              <a:latin typeface="Courier New" panose="02070309020205020404" pitchFamily="49" charset="0"/>
+              <a:cs typeface="Courier New" panose="02070309020205020404" pitchFamily="49" charset="0"/>
+            </a:endParaRPr>
+          </a:p>
+        </p:txBody>
+      </p:sp>
+      <p:sp>
+        <p:nvSpPr>
+          <p:cNvPr id="3" name="Content Placeholder 2">
+            <a:extLst>
+              <a:ext uri="{FF2B5EF4-FFF2-40B4-BE49-F238E27FC236}">
+                <a16:creationId xmlns:a16="http://schemas.microsoft.com/office/drawing/2014/main" id="{CE7503FB-DCB4-7B5F-AD97-D247D185A24D}"/>
+              </a:ext>
+            </a:extLst>
+          </p:cNvPr>
+          <p:cNvSpPr>
+            <a:spLocks noGrp="1"/>
+          </p:cNvSpPr>
+          <p:nvPr>
+            <p:ph idx="1"/>
+          </p:nvPr>
+        </p:nvSpPr>
+        <p:spPr/>
+        <p:txBody>
+          <a:bodyPr/>
+          <a:lstStyle/>
+          <a:p>
+            <a:endParaRPr lang="en-NL" dirty="0"/>
+          </a:p>
+        </p:txBody>
+      </p:sp>
+    </p:spTree>
+    <p:extLst>
+      <p:ext uri="{BB962C8B-B14F-4D97-AF65-F5344CB8AC3E}">
+        <p14:creationId xmlns:p14="http://schemas.microsoft.com/office/powerpoint/2010/main" val="626882265"/>
+      </p:ext>
+    </p:extLst>
+  </p:cSld>
+  <p:clrMapOvr>
+    <a:masterClrMapping/>
+  </p:clrMapOvr>
+</p:sld>
+</file>
+
+<file path=ppt/slides/slide21.xml><?xml version="1.0" encoding="utf-8"?>
+<p:sld xmlns:a="http://schemas.openxmlformats.org/drawingml/2006/main" xmlns:r="http://schemas.openxmlformats.org/officeDocument/2006/relationships" xmlns:p="http://schemas.openxmlformats.org/presentationml/2006/main">
+  <p:cSld>
+    <p:spTree>
+      <p:nvGrpSpPr>
+        <p:cNvPr id="1" name=""/>
+        <p:cNvGrpSpPr/>
+        <p:nvPr/>
+      </p:nvGrpSpPr>
+      <p:grpSpPr>
+        <a:xfrm>
+          <a:off x="0" y="0"/>
+          <a:ext cx="0" cy="0"/>
+          <a:chOff x="0" y="0"/>
+          <a:chExt cx="0" cy="0"/>
+        </a:xfrm>
+      </p:grpSpPr>
+      <p:sp>
+        <p:nvSpPr>
+          <p:cNvPr id="2" name="Title 1">
+            <a:extLst>
+              <a:ext uri="{FF2B5EF4-FFF2-40B4-BE49-F238E27FC236}">
                 <a16:creationId xmlns:a16="http://schemas.microsoft.com/office/drawing/2014/main" id="{A70F358F-267E-458C-A8D5-5959F20DB9D5}"/>
               </a:ext>
             </a:extLst>
@@ -7016,7 +10016,7 @@
 </p:sld>
 </file>
 
-<file path=ppt/slides/slide21.xml><?xml version="1.0" encoding="utf-8"?>
+<file path=ppt/slides/slide22.xml><?xml version="1.0" encoding="utf-8"?>
 <p:sld xmlns:a="http://schemas.openxmlformats.org/drawingml/2006/main" xmlns:r="http://schemas.openxmlformats.org/officeDocument/2006/relationships" xmlns:p="http://schemas.openxmlformats.org/presentationml/2006/main">
   <p:cSld>
     <p:spTree>
@@ -7166,7 +10166,7 @@
 </p:sld>
 </file>
 
-<file path=ppt/slides/slide22.xml><?xml version="1.0" encoding="utf-8"?>
+<file path=ppt/slides/slide23.xml><?xml version="1.0" encoding="utf-8"?>
 <p:sld xmlns:a="http://schemas.openxmlformats.org/drawingml/2006/main" xmlns:r="http://schemas.openxmlformats.org/officeDocument/2006/relationships" xmlns:p="http://schemas.openxmlformats.org/presentationml/2006/main">
   <p:cSld>
     <p:spTree>
@@ -8246,7 +11246,7 @@
 </p:sld>
 </file>
 
-<file path=ppt/slides/slide23.xml><?xml version="1.0" encoding="utf-8"?>
+<file path=ppt/slides/slide24.xml><?xml version="1.0" encoding="utf-8"?>
 <p:sld xmlns:a="http://schemas.openxmlformats.org/drawingml/2006/main" xmlns:r="http://schemas.openxmlformats.org/officeDocument/2006/relationships" xmlns:p="http://schemas.openxmlformats.org/presentationml/2006/main">
   <p:cSld>
     <p:spTree>
@@ -8320,7 +11320,7 @@
               <a:rPr lang="en-US" b="1" dirty="0">
                 <a:latin typeface="Courier New" panose="02070309020205020404" pitchFamily="49" charset="0"/>
                 <a:cs typeface="Courier New" panose="02070309020205020404" pitchFamily="49" charset="0"/>
-                <a:hlinkClick r:id="rId2"/>
+                <a:hlinkClick r:id="rId3"/>
               </a:rPr>
               <a:t>http://purl.oclc.org/dsdl/Schematron</a:t>
             </a:r>
@@ -9213,7 +12213,7 @@
 </p:sld>
 </file>
 
-<file path=ppt/slides/slide24.xml><?xml version="1.0" encoding="utf-8"?>
+<file path=ppt/slides/slide25.xml><?xml version="1.0" encoding="utf-8"?>
 <p:sld xmlns:a="http://schemas.openxmlformats.org/drawingml/2006/main" xmlns:r="http://schemas.openxmlformats.org/officeDocument/2006/relationships" xmlns:p="http://schemas.openxmlformats.org/presentationml/2006/main">
   <p:cSld>
     <p:spTree>
@@ -9864,187 +12864,6 @@
 </p:sld>
 </file>
 
-<file path=ppt/slides/slide25.xml><?xml version="1.0" encoding="utf-8"?>
-<p:sld xmlns:a="http://schemas.openxmlformats.org/drawingml/2006/main" xmlns:r="http://schemas.openxmlformats.org/officeDocument/2006/relationships" xmlns:p="http://schemas.openxmlformats.org/presentationml/2006/main">
-  <p:cSld>
-    <p:spTree>
-      <p:nvGrpSpPr>
-        <p:cNvPr id="1" name=""/>
-        <p:cNvGrpSpPr/>
-        <p:nvPr/>
-      </p:nvGrpSpPr>
-      <p:grpSpPr>
-        <a:xfrm>
-          <a:off x="0" y="0"/>
-          <a:ext cx="0" cy="0"/>
-          <a:chOff x="0" y="0"/>
-          <a:chExt cx="0" cy="0"/>
-        </a:xfrm>
-      </p:grpSpPr>
-      <p:sp>
-        <p:nvSpPr>
-          <p:cNvPr id="2" name="Title 1">
-            <a:extLst>
-              <a:ext uri="{FF2B5EF4-FFF2-40B4-BE49-F238E27FC236}">
-                <a16:creationId xmlns:a16="http://schemas.microsoft.com/office/drawing/2014/main" id="{9952AE1A-E4D9-0F08-107C-E9F74C5D1893}"/>
-              </a:ext>
-            </a:extLst>
-          </p:cNvPr>
-          <p:cNvSpPr>
-            <a:spLocks noGrp="1"/>
-          </p:cNvSpPr>
-          <p:nvPr>
-            <p:ph type="title"/>
-          </p:nvPr>
-        </p:nvSpPr>
-        <p:spPr/>
-        <p:txBody>
-          <a:bodyPr/>
-          <a:lstStyle/>
-          <a:p>
-            <a:r>
-              <a:rPr lang="en-US" b="1" dirty="0"/>
-              <a:t>Query Language Binding in practice… </a:t>
-            </a:r>
-            <a:endParaRPr lang="en-NL" b="1" dirty="0"/>
-          </a:p>
-        </p:txBody>
-      </p:sp>
-      <p:sp>
-        <p:nvSpPr>
-          <p:cNvPr id="3" name="Content Placeholder 2">
-            <a:extLst>
-              <a:ext uri="{FF2B5EF4-FFF2-40B4-BE49-F238E27FC236}">
-                <a16:creationId xmlns:a16="http://schemas.microsoft.com/office/drawing/2014/main" id="{FC17B735-418E-6F92-DF56-EEB8E50D2181}"/>
-              </a:ext>
-            </a:extLst>
-          </p:cNvPr>
-          <p:cNvSpPr>
-            <a:spLocks noGrp="1"/>
-          </p:cNvSpPr>
-          <p:nvPr>
-            <p:ph idx="1"/>
-          </p:nvPr>
-        </p:nvSpPr>
-        <p:spPr>
-          <a:xfrm>
-            <a:off x="1272467" y="1903124"/>
-            <a:ext cx="9755752" cy="4340658"/>
-          </a:xfrm>
-        </p:spPr>
-        <p:txBody>
-          <a:bodyPr>
-            <a:normAutofit/>
-          </a:bodyPr>
-          <a:lstStyle/>
-          <a:p>
-            <a:r>
-              <a:rPr lang="en-US" sz="3600" dirty="0"/>
-              <a:t>Only for XSLT (and maybe XPath)</a:t>
-            </a:r>
-          </a:p>
-          <a:p>
-            <a:r>
-              <a:rPr lang="en-US" sz="3600" dirty="0"/>
-              <a:t>Advice: </a:t>
-            </a:r>
-          </a:p>
-          <a:p>
-            <a:pPr lvl="1"/>
-            <a:r>
-              <a:rPr lang="en-US" sz="2800" dirty="0"/>
-              <a:t>Use </a:t>
-            </a:r>
-            <a:r>
-              <a:rPr lang="en-US" b="1" dirty="0">
-                <a:latin typeface="Courier New" panose="02070309020205020404" pitchFamily="49" charset="0"/>
-                <a:cs typeface="Courier New" panose="02070309020205020404" pitchFamily="49" charset="0"/>
-              </a:rPr>
-              <a:t>xslt2</a:t>
-            </a:r>
-            <a:r>
-              <a:rPr lang="en-US" sz="2800" dirty="0"/>
-              <a:t> or </a:t>
-            </a:r>
-            <a:r>
-              <a:rPr lang="en-US" b="1" dirty="0">
-                <a:latin typeface="Courier New" panose="02070309020205020404" pitchFamily="49" charset="0"/>
-                <a:cs typeface="Courier New" panose="02070309020205020404" pitchFamily="49" charset="0"/>
-              </a:rPr>
-              <a:t>xslt3</a:t>
-            </a:r>
-          </a:p>
-          <a:p>
-            <a:pPr lvl="1"/>
-            <a:r>
-              <a:rPr lang="en-US" sz="2800" dirty="0"/>
-              <a:t>Always specify the QLB (using the </a:t>
-            </a:r>
-            <a:r>
-              <a:rPr lang="en-US" b="1" dirty="0" err="1">
-                <a:latin typeface="Courier New" panose="02070309020205020404" pitchFamily="49" charset="0"/>
-                <a:cs typeface="Courier New" panose="02070309020205020404" pitchFamily="49" charset="0"/>
-              </a:rPr>
-              <a:t>queryBinding</a:t>
-            </a:r>
-            <a:r>
-              <a:rPr lang="en-US" sz="2800" dirty="0"/>
-              <a:t> attribute)</a:t>
-            </a:r>
-          </a:p>
-          <a:p>
-            <a:pPr lvl="2"/>
-            <a:r>
-              <a:rPr lang="en-US" sz="2400" dirty="0"/>
-              <a:t>Otherwise, you get the default value: </a:t>
-            </a:r>
-            <a:r>
-              <a:rPr lang="en-US" b="1" dirty="0" err="1">
-                <a:latin typeface="Courier New" panose="02070309020205020404" pitchFamily="49" charset="0"/>
-                <a:cs typeface="Courier New" panose="02070309020205020404" pitchFamily="49" charset="0"/>
-              </a:rPr>
-              <a:t>xslt</a:t>
-            </a:r>
-            <a:endParaRPr lang="en-US" sz="2400" b="1" dirty="0">
-              <a:latin typeface="Courier New" panose="02070309020205020404" pitchFamily="49" charset="0"/>
-              <a:cs typeface="Courier New" panose="02070309020205020404" pitchFamily="49" charset="0"/>
-            </a:endParaRPr>
-          </a:p>
-          <a:p>
-            <a:pPr lvl="3"/>
-            <a:r>
-              <a:rPr lang="en-US" sz="2000" dirty="0"/>
-              <a:t>which means XPath 1.0</a:t>
-            </a:r>
-          </a:p>
-          <a:p>
-            <a:pPr lvl="4"/>
-            <a:r>
-              <a:rPr lang="en-US" sz="2000" dirty="0"/>
-              <a:t>which is rather limiting…</a:t>
-            </a:r>
-          </a:p>
-          <a:p>
-            <a:pPr marL="457200" lvl="1" indent="0">
-              <a:buNone/>
-            </a:pPr>
-            <a:endParaRPr lang="en-NL" sz="2800" dirty="0"/>
-          </a:p>
-        </p:txBody>
-      </p:sp>
-    </p:spTree>
-    <p:extLst>
-      <p:ext uri="{BB962C8B-B14F-4D97-AF65-F5344CB8AC3E}">
-        <p14:creationId xmlns:p14="http://schemas.microsoft.com/office/powerpoint/2010/main" val="3110095867"/>
-      </p:ext>
-    </p:extLst>
-  </p:cSld>
-  <p:clrMapOvr>
-    <a:masterClrMapping/>
-  </p:clrMapOvr>
-</p:sld>
-</file>
-
 <file path=ppt/slides/slide26.xml><?xml version="1.0" encoding="utf-8"?>
 <p:sld xmlns:a="http://schemas.openxmlformats.org/drawingml/2006/main" xmlns:r="http://schemas.openxmlformats.org/officeDocument/2006/relationships" xmlns:p="http://schemas.openxmlformats.org/presentationml/2006/main">
   <p:cSld>
@@ -10067,6 +12886,187 @@
           <p:cNvPr id="2" name="Title 1">
             <a:extLst>
               <a:ext uri="{FF2B5EF4-FFF2-40B4-BE49-F238E27FC236}">
+                <a16:creationId xmlns:a16="http://schemas.microsoft.com/office/drawing/2014/main" id="{9952AE1A-E4D9-0F08-107C-E9F74C5D1893}"/>
+              </a:ext>
+            </a:extLst>
+          </p:cNvPr>
+          <p:cNvSpPr>
+            <a:spLocks noGrp="1"/>
+          </p:cNvSpPr>
+          <p:nvPr>
+            <p:ph type="title"/>
+          </p:nvPr>
+        </p:nvSpPr>
+        <p:spPr/>
+        <p:txBody>
+          <a:bodyPr/>
+          <a:lstStyle/>
+          <a:p>
+            <a:r>
+              <a:rPr lang="en-US" b="1" dirty="0"/>
+              <a:t>Query Language Binding in practice… </a:t>
+            </a:r>
+            <a:endParaRPr lang="en-NL" b="1" dirty="0"/>
+          </a:p>
+        </p:txBody>
+      </p:sp>
+      <p:sp>
+        <p:nvSpPr>
+          <p:cNvPr id="3" name="Content Placeholder 2">
+            <a:extLst>
+              <a:ext uri="{FF2B5EF4-FFF2-40B4-BE49-F238E27FC236}">
+                <a16:creationId xmlns:a16="http://schemas.microsoft.com/office/drawing/2014/main" id="{FC17B735-418E-6F92-DF56-EEB8E50D2181}"/>
+              </a:ext>
+            </a:extLst>
+          </p:cNvPr>
+          <p:cNvSpPr>
+            <a:spLocks noGrp="1"/>
+          </p:cNvSpPr>
+          <p:nvPr>
+            <p:ph idx="1"/>
+          </p:nvPr>
+        </p:nvSpPr>
+        <p:spPr>
+          <a:xfrm>
+            <a:off x="1272467" y="1903124"/>
+            <a:ext cx="9755752" cy="4340658"/>
+          </a:xfrm>
+        </p:spPr>
+        <p:txBody>
+          <a:bodyPr>
+            <a:normAutofit/>
+          </a:bodyPr>
+          <a:lstStyle/>
+          <a:p>
+            <a:r>
+              <a:rPr lang="en-US" sz="3600" dirty="0"/>
+              <a:t>Only for XSLT (and maybe XPath)</a:t>
+            </a:r>
+          </a:p>
+          <a:p>
+            <a:r>
+              <a:rPr lang="en-US" sz="3600" dirty="0"/>
+              <a:t>Advice: </a:t>
+            </a:r>
+          </a:p>
+          <a:p>
+            <a:pPr lvl="1"/>
+            <a:r>
+              <a:rPr lang="en-US" sz="2800" dirty="0"/>
+              <a:t>Use </a:t>
+            </a:r>
+            <a:r>
+              <a:rPr lang="en-US" b="1" dirty="0">
+                <a:latin typeface="Courier New" panose="02070309020205020404" pitchFamily="49" charset="0"/>
+                <a:cs typeface="Courier New" panose="02070309020205020404" pitchFamily="49" charset="0"/>
+              </a:rPr>
+              <a:t>xslt2</a:t>
+            </a:r>
+            <a:r>
+              <a:rPr lang="en-US" sz="2800" dirty="0"/>
+              <a:t> or </a:t>
+            </a:r>
+            <a:r>
+              <a:rPr lang="en-US" b="1" dirty="0">
+                <a:latin typeface="Courier New" panose="02070309020205020404" pitchFamily="49" charset="0"/>
+                <a:cs typeface="Courier New" panose="02070309020205020404" pitchFamily="49" charset="0"/>
+              </a:rPr>
+              <a:t>xslt3</a:t>
+            </a:r>
+          </a:p>
+          <a:p>
+            <a:pPr lvl="1"/>
+            <a:r>
+              <a:rPr lang="en-US" sz="2800" dirty="0"/>
+              <a:t>Always specify the QLB (using the </a:t>
+            </a:r>
+            <a:r>
+              <a:rPr lang="en-US" b="1" dirty="0" err="1">
+                <a:latin typeface="Courier New" panose="02070309020205020404" pitchFamily="49" charset="0"/>
+                <a:cs typeface="Courier New" panose="02070309020205020404" pitchFamily="49" charset="0"/>
+              </a:rPr>
+              <a:t>queryBinding</a:t>
+            </a:r>
+            <a:r>
+              <a:rPr lang="en-US" sz="2800" dirty="0"/>
+              <a:t> attribute)</a:t>
+            </a:r>
+          </a:p>
+          <a:p>
+            <a:pPr lvl="2"/>
+            <a:r>
+              <a:rPr lang="en-US" sz="2400" dirty="0"/>
+              <a:t>Otherwise, you get the default value: </a:t>
+            </a:r>
+            <a:r>
+              <a:rPr lang="en-US" b="1" dirty="0" err="1">
+                <a:latin typeface="Courier New" panose="02070309020205020404" pitchFamily="49" charset="0"/>
+                <a:cs typeface="Courier New" panose="02070309020205020404" pitchFamily="49" charset="0"/>
+              </a:rPr>
+              <a:t>xslt</a:t>
+            </a:r>
+            <a:endParaRPr lang="en-US" sz="2400" b="1" dirty="0">
+              <a:latin typeface="Courier New" panose="02070309020205020404" pitchFamily="49" charset="0"/>
+              <a:cs typeface="Courier New" panose="02070309020205020404" pitchFamily="49" charset="0"/>
+            </a:endParaRPr>
+          </a:p>
+          <a:p>
+            <a:pPr lvl="3"/>
+            <a:r>
+              <a:rPr lang="en-US" sz="2000" dirty="0"/>
+              <a:t>which means XPath 1.0</a:t>
+            </a:r>
+          </a:p>
+          <a:p>
+            <a:pPr lvl="4"/>
+            <a:r>
+              <a:rPr lang="en-US" sz="2000" dirty="0"/>
+              <a:t>which is rather limiting…</a:t>
+            </a:r>
+          </a:p>
+          <a:p>
+            <a:pPr marL="457200" lvl="1" indent="0">
+              <a:buNone/>
+            </a:pPr>
+            <a:endParaRPr lang="en-NL" sz="2800" dirty="0"/>
+          </a:p>
+        </p:txBody>
+      </p:sp>
+    </p:spTree>
+    <p:extLst>
+      <p:ext uri="{BB962C8B-B14F-4D97-AF65-F5344CB8AC3E}">
+        <p14:creationId xmlns:p14="http://schemas.microsoft.com/office/powerpoint/2010/main" val="3110095867"/>
+      </p:ext>
+    </p:extLst>
+  </p:cSld>
+  <p:clrMapOvr>
+    <a:masterClrMapping/>
+  </p:clrMapOvr>
+</p:sld>
+</file>
+
+<file path=ppt/slides/slide27.xml><?xml version="1.0" encoding="utf-8"?>
+<p:sld xmlns:a="http://schemas.openxmlformats.org/drawingml/2006/main" xmlns:r="http://schemas.openxmlformats.org/officeDocument/2006/relationships" xmlns:p="http://schemas.openxmlformats.org/presentationml/2006/main">
+  <p:cSld>
+    <p:spTree>
+      <p:nvGrpSpPr>
+        <p:cNvPr id="1" name=""/>
+        <p:cNvGrpSpPr/>
+        <p:nvPr/>
+      </p:nvGrpSpPr>
+      <p:grpSpPr>
+        <a:xfrm>
+          <a:off x="0" y="0"/>
+          <a:ext cx="0" cy="0"/>
+          <a:chOff x="0" y="0"/>
+          <a:chExt cx="0" cy="0"/>
+        </a:xfrm>
+      </p:grpSpPr>
+      <p:sp>
+        <p:nvSpPr>
+          <p:cNvPr id="2" name="Title 1">
+            <a:extLst>
+              <a:ext uri="{FF2B5EF4-FFF2-40B4-BE49-F238E27FC236}">
                 <a16:creationId xmlns:a16="http://schemas.microsoft.com/office/drawing/2014/main" id="{046C22A4-179C-DEBD-00EA-4F26B72A2E04}"/>
               </a:ext>
             </a:extLst>
@@ -10269,7 +13269,7 @@
 </p:sld>
 </file>
 
-<file path=ppt/slides/slide27.xml><?xml version="1.0" encoding="utf-8"?>
+<file path=ppt/slides/slide28.xml><?xml version="1.0" encoding="utf-8"?>
 <p:sld xmlns:a="http://schemas.openxmlformats.org/drawingml/2006/main" xmlns:r="http://schemas.openxmlformats.org/officeDocument/2006/relationships" xmlns:p="http://schemas.openxmlformats.org/presentationml/2006/main">
   <p:cSld>
     <p:spTree>
@@ -11193,7 +14193,7 @@
 </p:sld>
 </file>
 
-<file path=ppt/slides/slide28.xml><?xml version="1.0" encoding="utf-8"?>
+<file path=ppt/slides/slide29.xml><?xml version="1.0" encoding="utf-8"?>
 <p:sld xmlns:a="http://schemas.openxmlformats.org/drawingml/2006/main" xmlns:r="http://schemas.openxmlformats.org/officeDocument/2006/relationships" xmlns:p="http://schemas.openxmlformats.org/presentationml/2006/main">
   <p:cSld>
     <p:spTree>
@@ -11898,7 +14898,230 @@
 </p:sld>
 </file>
 
-<file path=ppt/slides/slide29.xml><?xml version="1.0" encoding="utf-8"?>
+<file path=ppt/slides/slide3.xml><?xml version="1.0" encoding="utf-8"?>
+<p:sld xmlns:a="http://schemas.openxmlformats.org/drawingml/2006/main" xmlns:r="http://schemas.openxmlformats.org/officeDocument/2006/relationships" xmlns:p="http://schemas.openxmlformats.org/presentationml/2006/main">
+  <p:cSld>
+    <p:spTree>
+      <p:nvGrpSpPr>
+        <p:cNvPr id="1" name=""/>
+        <p:cNvGrpSpPr/>
+        <p:nvPr/>
+      </p:nvGrpSpPr>
+      <p:grpSpPr>
+        <a:xfrm>
+          <a:off x="0" y="0"/>
+          <a:ext cx="0" cy="0"/>
+          <a:chOff x="0" y="0"/>
+          <a:chExt cx="0" cy="0"/>
+        </a:xfrm>
+      </p:grpSpPr>
+      <p:sp>
+        <p:nvSpPr>
+          <p:cNvPr id="2" name="Title 1">
+            <a:extLst>
+              <a:ext uri="{FF2B5EF4-FFF2-40B4-BE49-F238E27FC236}">
+                <a16:creationId xmlns:a16="http://schemas.microsoft.com/office/drawing/2014/main" id="{DA1B0687-9FA5-4319-911B-AD25E7C55984}"/>
+              </a:ext>
+            </a:extLst>
+          </p:cNvPr>
+          <p:cNvSpPr>
+            <a:spLocks noGrp="1"/>
+          </p:cNvSpPr>
+          <p:nvPr>
+            <p:ph type="title"/>
+          </p:nvPr>
+        </p:nvSpPr>
+        <p:spPr>
+          <a:xfrm>
+            <a:off x="525050" y="155596"/>
+            <a:ext cx="10515600" cy="1325563"/>
+          </a:xfrm>
+        </p:spPr>
+        <p:txBody>
+          <a:bodyPr/>
+          <a:lstStyle/>
+          <a:p>
+            <a:r>
+              <a:rPr lang="en-US" b="1" dirty="0"/>
+              <a:t>Schematron </a:t>
+            </a:r>
+            <a:r>
+              <a:rPr lang="en-US" b="1" dirty="0">
+                <a:highlight>
+                  <a:srgbClr val="FFFF00"/>
+                </a:highlight>
+              </a:rPr>
+              <a:t>highlights</a:t>
+            </a:r>
+            <a:endParaRPr lang="en-NL" b="1" dirty="0">
+              <a:highlight>
+                <a:srgbClr val="FFFF00"/>
+              </a:highlight>
+            </a:endParaRPr>
+          </a:p>
+        </p:txBody>
+      </p:sp>
+      <p:sp>
+        <p:nvSpPr>
+          <p:cNvPr id="3" name="Content Placeholder 2">
+            <a:extLst>
+              <a:ext uri="{FF2B5EF4-FFF2-40B4-BE49-F238E27FC236}">
+                <a16:creationId xmlns:a16="http://schemas.microsoft.com/office/drawing/2014/main" id="{35759DFE-054C-462C-8123-0C8D2411A9D6}"/>
+              </a:ext>
+            </a:extLst>
+          </p:cNvPr>
+          <p:cNvSpPr>
+            <a:spLocks noGrp="1"/>
+          </p:cNvSpPr>
+          <p:nvPr>
+            <p:ph idx="1"/>
+          </p:nvPr>
+        </p:nvSpPr>
+        <p:spPr>
+          <a:xfrm>
+            <a:off x="800751" y="1601865"/>
+            <a:ext cx="10515600" cy="3761987"/>
+          </a:xfrm>
+        </p:spPr>
+        <p:txBody>
+          <a:bodyPr>
+            <a:normAutofit/>
+          </a:bodyPr>
+          <a:lstStyle/>
+          <a:p>
+            <a:r>
+              <a:rPr lang="en-US" dirty="0"/>
+              <a:t>A formal XML based schema language</a:t>
+            </a:r>
+          </a:p>
+          <a:p>
+            <a:r>
+              <a:rPr lang="en-US" dirty="0"/>
+              <a:t>Two types of rules:</a:t>
+            </a:r>
+          </a:p>
+          <a:p>
+            <a:pPr lvl="1"/>
+            <a:r>
+              <a:rPr lang="en-US" dirty="0"/>
+              <a:t>Assertions</a:t>
+            </a:r>
+          </a:p>
+          <a:p>
+            <a:pPr lvl="1"/>
+            <a:r>
+              <a:rPr lang="en-US" dirty="0"/>
+              <a:t>Reports</a:t>
+            </a:r>
+          </a:p>
+          <a:p>
+            <a:r>
+              <a:rPr lang="en-US" dirty="0"/>
+              <a:t>Messages in your own words!</a:t>
+            </a:r>
+          </a:p>
+          <a:p>
+            <a:r>
+              <a:rPr lang="en-US" dirty="0"/>
+              <a:t>XPath based expressions</a:t>
+            </a:r>
+          </a:p>
+          <a:p>
+            <a:r>
+              <a:rPr lang="en-US" dirty="0"/>
+              <a:t>Incorporate XSLT keys and functions</a:t>
+            </a:r>
+            <a:endParaRPr lang="en-NL" dirty="0"/>
+          </a:p>
+        </p:txBody>
+      </p:sp>
+      <p:sp>
+        <p:nvSpPr>
+          <p:cNvPr id="4" name="Speech Bubble: Oval 3">
+            <a:extLst>
+              <a:ext uri="{FF2B5EF4-FFF2-40B4-BE49-F238E27FC236}">
+                <a16:creationId xmlns:a16="http://schemas.microsoft.com/office/drawing/2014/main" id="{2721F1B1-1297-4F86-95C5-A246308E3BA4}"/>
+              </a:ext>
+            </a:extLst>
+          </p:cNvPr>
+          <p:cNvSpPr/>
+          <p:nvPr/>
+        </p:nvSpPr>
+        <p:spPr>
+          <a:xfrm>
+            <a:off x="7672093" y="5475822"/>
+            <a:ext cx="3368557" cy="951978"/>
+          </a:xfrm>
+          <a:prstGeom prst="wedgeEllipseCallout">
+            <a:avLst>
+              <a:gd name="adj1" fmla="val 71462"/>
+              <a:gd name="adj2" fmla="val 60972"/>
+            </a:avLst>
+          </a:prstGeom>
+        </p:spPr>
+        <p:style>
+          <a:lnRef idx="2">
+            <a:schemeClr val="accent1">
+              <a:shade val="50000"/>
+            </a:schemeClr>
+          </a:lnRef>
+          <a:fillRef idx="1">
+            <a:schemeClr val="accent1"/>
+          </a:fillRef>
+          <a:effectRef idx="0">
+            <a:schemeClr val="accent1"/>
+          </a:effectRef>
+          <a:fontRef idx="minor">
+            <a:schemeClr val="lt1"/>
+          </a:fontRef>
+        </p:style>
+        <p:txBody>
+          <a:bodyPr rtlCol="0" anchor="ctr"/>
+          <a:lstStyle/>
+          <a:p>
+            <a:pPr algn="ctr"/>
+            <a:r>
+              <a:rPr lang="en-US" dirty="0"/>
+              <a:t>I'm the </a:t>
+            </a:r>
+            <a:r>
+              <a:rPr lang="en-US" dirty="0" err="1"/>
+              <a:t>Schematroll</a:t>
+            </a:r>
+            <a:endParaRPr lang="en-US" dirty="0"/>
+          </a:p>
+          <a:p>
+            <a:pPr algn="ctr"/>
+            <a:r>
+              <a:rPr lang="en-US" dirty="0"/>
+              <a:t>I'm </a:t>
+            </a:r>
+            <a:r>
+              <a:rPr lang="en-US" dirty="0" err="1"/>
+              <a:t>Schematron's</a:t>
+            </a:r>
+            <a:r>
+              <a:rPr lang="en-US" dirty="0"/>
+              <a:t> logo!</a:t>
+            </a:r>
+            <a:endParaRPr lang="en-NL" dirty="0"/>
+          </a:p>
+        </p:txBody>
+      </p:sp>
+    </p:spTree>
+    <p:extLst>
+      <p:ext uri="{BB962C8B-B14F-4D97-AF65-F5344CB8AC3E}">
+        <p14:creationId xmlns:p14="http://schemas.microsoft.com/office/powerpoint/2010/main" val="545629648"/>
+      </p:ext>
+    </p:extLst>
+  </p:cSld>
+  <p:clrMapOvr>
+    <a:masterClrMapping/>
+  </p:clrMapOvr>
+</p:sld>
+</file>
+
+<file path=ppt/slides/slide30.xml><?xml version="1.0" encoding="utf-8"?>
 <p:sld xmlns:a="http://schemas.openxmlformats.org/drawingml/2006/main" xmlns:r="http://schemas.openxmlformats.org/officeDocument/2006/relationships" xmlns:p="http://schemas.openxmlformats.org/presentationml/2006/main">
   <p:cSld>
     <p:spTree>
@@ -12970,230 +16193,7 @@
 </p:sld>
 </file>
 
-<file path=ppt/slides/slide3.xml><?xml version="1.0" encoding="utf-8"?>
-<p:sld xmlns:a="http://schemas.openxmlformats.org/drawingml/2006/main" xmlns:r="http://schemas.openxmlformats.org/officeDocument/2006/relationships" xmlns:p="http://schemas.openxmlformats.org/presentationml/2006/main">
-  <p:cSld>
-    <p:spTree>
-      <p:nvGrpSpPr>
-        <p:cNvPr id="1" name=""/>
-        <p:cNvGrpSpPr/>
-        <p:nvPr/>
-      </p:nvGrpSpPr>
-      <p:grpSpPr>
-        <a:xfrm>
-          <a:off x="0" y="0"/>
-          <a:ext cx="0" cy="0"/>
-          <a:chOff x="0" y="0"/>
-          <a:chExt cx="0" cy="0"/>
-        </a:xfrm>
-      </p:grpSpPr>
-      <p:sp>
-        <p:nvSpPr>
-          <p:cNvPr id="2" name="Title 1">
-            <a:extLst>
-              <a:ext uri="{FF2B5EF4-FFF2-40B4-BE49-F238E27FC236}">
-                <a16:creationId xmlns:a16="http://schemas.microsoft.com/office/drawing/2014/main" id="{DA1B0687-9FA5-4319-911B-AD25E7C55984}"/>
-              </a:ext>
-            </a:extLst>
-          </p:cNvPr>
-          <p:cNvSpPr>
-            <a:spLocks noGrp="1"/>
-          </p:cNvSpPr>
-          <p:nvPr>
-            <p:ph type="title"/>
-          </p:nvPr>
-        </p:nvSpPr>
-        <p:spPr>
-          <a:xfrm>
-            <a:off x="525050" y="155596"/>
-            <a:ext cx="10515600" cy="1325563"/>
-          </a:xfrm>
-        </p:spPr>
-        <p:txBody>
-          <a:bodyPr/>
-          <a:lstStyle/>
-          <a:p>
-            <a:r>
-              <a:rPr lang="en-US" b="1" dirty="0"/>
-              <a:t>Schematron </a:t>
-            </a:r>
-            <a:r>
-              <a:rPr lang="en-US" b="1" dirty="0">
-                <a:highlight>
-                  <a:srgbClr val="FFFF00"/>
-                </a:highlight>
-              </a:rPr>
-              <a:t>highlights</a:t>
-            </a:r>
-            <a:endParaRPr lang="en-NL" b="1" dirty="0">
-              <a:highlight>
-                <a:srgbClr val="FFFF00"/>
-              </a:highlight>
-            </a:endParaRPr>
-          </a:p>
-        </p:txBody>
-      </p:sp>
-      <p:sp>
-        <p:nvSpPr>
-          <p:cNvPr id="3" name="Content Placeholder 2">
-            <a:extLst>
-              <a:ext uri="{FF2B5EF4-FFF2-40B4-BE49-F238E27FC236}">
-                <a16:creationId xmlns:a16="http://schemas.microsoft.com/office/drawing/2014/main" id="{35759DFE-054C-462C-8123-0C8D2411A9D6}"/>
-              </a:ext>
-            </a:extLst>
-          </p:cNvPr>
-          <p:cNvSpPr>
-            <a:spLocks noGrp="1"/>
-          </p:cNvSpPr>
-          <p:nvPr>
-            <p:ph idx="1"/>
-          </p:nvPr>
-        </p:nvSpPr>
-        <p:spPr>
-          <a:xfrm>
-            <a:off x="800751" y="1601865"/>
-            <a:ext cx="10515600" cy="3761987"/>
-          </a:xfrm>
-        </p:spPr>
-        <p:txBody>
-          <a:bodyPr>
-            <a:normAutofit/>
-          </a:bodyPr>
-          <a:lstStyle/>
-          <a:p>
-            <a:r>
-              <a:rPr lang="en-US" dirty="0"/>
-              <a:t>A formal XML based schema language</a:t>
-            </a:r>
-          </a:p>
-          <a:p>
-            <a:r>
-              <a:rPr lang="en-US" dirty="0"/>
-              <a:t>Two types of rules:</a:t>
-            </a:r>
-          </a:p>
-          <a:p>
-            <a:pPr lvl="1"/>
-            <a:r>
-              <a:rPr lang="en-US" dirty="0"/>
-              <a:t>Assertions</a:t>
-            </a:r>
-          </a:p>
-          <a:p>
-            <a:pPr lvl="1"/>
-            <a:r>
-              <a:rPr lang="en-US" dirty="0"/>
-              <a:t>Reports</a:t>
-            </a:r>
-          </a:p>
-          <a:p>
-            <a:r>
-              <a:rPr lang="en-US" dirty="0"/>
-              <a:t>Messages in your own words!</a:t>
-            </a:r>
-          </a:p>
-          <a:p>
-            <a:r>
-              <a:rPr lang="en-US" dirty="0"/>
-              <a:t>XPath based expressions</a:t>
-            </a:r>
-          </a:p>
-          <a:p>
-            <a:r>
-              <a:rPr lang="en-US" dirty="0"/>
-              <a:t>Incorporate XSLT keys and functions</a:t>
-            </a:r>
-            <a:endParaRPr lang="en-NL" dirty="0"/>
-          </a:p>
-        </p:txBody>
-      </p:sp>
-      <p:sp>
-        <p:nvSpPr>
-          <p:cNvPr id="4" name="Speech Bubble: Oval 3">
-            <a:extLst>
-              <a:ext uri="{FF2B5EF4-FFF2-40B4-BE49-F238E27FC236}">
-                <a16:creationId xmlns:a16="http://schemas.microsoft.com/office/drawing/2014/main" id="{2721F1B1-1297-4F86-95C5-A246308E3BA4}"/>
-              </a:ext>
-            </a:extLst>
-          </p:cNvPr>
-          <p:cNvSpPr/>
-          <p:nvPr/>
-        </p:nvSpPr>
-        <p:spPr>
-          <a:xfrm>
-            <a:off x="7672093" y="5475822"/>
-            <a:ext cx="3368557" cy="951978"/>
-          </a:xfrm>
-          <a:prstGeom prst="wedgeEllipseCallout">
-            <a:avLst>
-              <a:gd name="adj1" fmla="val 71462"/>
-              <a:gd name="adj2" fmla="val 60972"/>
-            </a:avLst>
-          </a:prstGeom>
-        </p:spPr>
-        <p:style>
-          <a:lnRef idx="2">
-            <a:schemeClr val="accent1">
-              <a:shade val="50000"/>
-            </a:schemeClr>
-          </a:lnRef>
-          <a:fillRef idx="1">
-            <a:schemeClr val="accent1"/>
-          </a:fillRef>
-          <a:effectRef idx="0">
-            <a:schemeClr val="accent1"/>
-          </a:effectRef>
-          <a:fontRef idx="minor">
-            <a:schemeClr val="lt1"/>
-          </a:fontRef>
-        </p:style>
-        <p:txBody>
-          <a:bodyPr rtlCol="0" anchor="ctr"/>
-          <a:lstStyle/>
-          <a:p>
-            <a:pPr algn="ctr"/>
-            <a:r>
-              <a:rPr lang="en-US" dirty="0"/>
-              <a:t>I'm the </a:t>
-            </a:r>
-            <a:r>
-              <a:rPr lang="en-US" dirty="0" err="1"/>
-              <a:t>Schematroll</a:t>
-            </a:r>
-            <a:endParaRPr lang="en-US" dirty="0"/>
-          </a:p>
-          <a:p>
-            <a:pPr algn="ctr"/>
-            <a:r>
-              <a:rPr lang="en-US" dirty="0"/>
-              <a:t>I'm </a:t>
-            </a:r>
-            <a:r>
-              <a:rPr lang="en-US" dirty="0" err="1"/>
-              <a:t>Schematron's</a:t>
-            </a:r>
-            <a:r>
-              <a:rPr lang="en-US" dirty="0"/>
-              <a:t> logo!</a:t>
-            </a:r>
-            <a:endParaRPr lang="en-NL" dirty="0"/>
-          </a:p>
-        </p:txBody>
-      </p:sp>
-    </p:spTree>
-    <p:extLst>
-      <p:ext uri="{BB962C8B-B14F-4D97-AF65-F5344CB8AC3E}">
-        <p14:creationId xmlns:p14="http://schemas.microsoft.com/office/powerpoint/2010/main" val="545629648"/>
-      </p:ext>
-    </p:extLst>
-  </p:cSld>
-  <p:clrMapOvr>
-    <a:masterClrMapping/>
-  </p:clrMapOvr>
-</p:sld>
-</file>
-
-<file path=ppt/slides/slide30.xml><?xml version="1.0" encoding="utf-8"?>
+<file path=ppt/slides/slide31.xml><?xml version="1.0" encoding="utf-8"?>
 <p:sld xmlns:a="http://schemas.openxmlformats.org/drawingml/2006/main" xmlns:r="http://schemas.openxmlformats.org/officeDocument/2006/relationships" xmlns:p="http://schemas.openxmlformats.org/presentationml/2006/main">
   <p:cSld>
     <p:spTree>
@@ -13839,7 +16839,7 @@
 </p:sld>
 </file>
 
-<file path=ppt/slides/slide31.xml><?xml version="1.0" encoding="utf-8"?>
+<file path=ppt/slides/slide32.xml><?xml version="1.0" encoding="utf-8"?>
 <p:sld xmlns:a="http://schemas.openxmlformats.org/drawingml/2006/main" xmlns:r="http://schemas.openxmlformats.org/officeDocument/2006/relationships" xmlns:p="http://schemas.openxmlformats.org/presentationml/2006/main">
   <p:cSld>
     <p:spTree>
@@ -14387,7 +17387,7 @@
 </p:sld>
 </file>
 
-<file path=ppt/slides/slide32.xml><?xml version="1.0" encoding="utf-8"?>
+<file path=ppt/slides/slide33.xml><?xml version="1.0" encoding="utf-8"?>
 <p:sld xmlns:a="http://schemas.openxmlformats.org/drawingml/2006/main" xmlns:r="http://schemas.openxmlformats.org/officeDocument/2006/relationships" xmlns:p="http://schemas.openxmlformats.org/presentationml/2006/main">
   <p:cSld>
     <p:spTree>
@@ -14522,7 +17522,7 @@
 </p:sld>
 </file>
 
-<file path=ppt/slides/slide33.xml><?xml version="1.0" encoding="utf-8"?>
+<file path=ppt/slides/slide34.xml><?xml version="1.0" encoding="utf-8"?>
 <p:sld xmlns:a="http://schemas.openxmlformats.org/drawingml/2006/main" xmlns:r="http://schemas.openxmlformats.org/officeDocument/2006/relationships" xmlns:p="http://schemas.openxmlformats.org/presentationml/2006/main">
   <p:cSld>
     <p:spTree>
@@ -14721,7 +17721,7 @@
 </p:sld>
 </file>
 
-<file path=ppt/slides/slide34.xml><?xml version="1.0" encoding="utf-8"?>
+<file path=ppt/slides/slide35.xml><?xml version="1.0" encoding="utf-8"?>
 <p:sld xmlns:a="http://schemas.openxmlformats.org/drawingml/2006/main" xmlns:r="http://schemas.openxmlformats.org/officeDocument/2006/relationships" xmlns:p="http://schemas.openxmlformats.org/presentationml/2006/main">
   <p:cSld>
     <p:spTree>
@@ -15006,7 +18006,7 @@
 </p:sld>
 </file>
 
-<file path=ppt/slides/slide35.xml><?xml version="1.0" encoding="utf-8"?>
+<file path=ppt/slides/slide36.xml><?xml version="1.0" encoding="utf-8"?>
 <p:sld xmlns:a="http://schemas.openxmlformats.org/drawingml/2006/main" xmlns:r="http://schemas.openxmlformats.org/officeDocument/2006/relationships" xmlns:p="http://schemas.openxmlformats.org/presentationml/2006/main">
   <p:cSld>
     <p:spTree>
@@ -15539,7 +18539,7 @@
 </p:sld>
 </file>
 
-<file path=ppt/slides/slide36.xml><?xml version="1.0" encoding="utf-8"?>
+<file path=ppt/slides/slide37.xml><?xml version="1.0" encoding="utf-8"?>
 <p:sld xmlns:a="http://schemas.openxmlformats.org/drawingml/2006/main" xmlns:r="http://schemas.openxmlformats.org/officeDocument/2006/relationships" xmlns:p="http://schemas.openxmlformats.org/presentationml/2006/main">
   <p:cSld>
     <p:spTree>
@@ -16681,26 +19681,404 @@
       </p:sp>
       <p:sp>
         <p:nvSpPr>
-          <p:cNvPr id="3" name="Content Placeholder 2">
+          <p:cNvPr id="4" name="TextBox 3">
             <a:extLst>
               <a:ext uri="{FF2B5EF4-FFF2-40B4-BE49-F238E27FC236}">
-                <a16:creationId xmlns:a16="http://schemas.microsoft.com/office/drawing/2014/main" id="{68C875DF-E717-B499-C600-B2B196794CF5}"/>
+                <a16:creationId xmlns:a16="http://schemas.microsoft.com/office/drawing/2014/main" id="{FBA444CD-D467-D809-CC00-02CA781E86D3}"/>
               </a:ext>
             </a:extLst>
           </p:cNvPr>
-          <p:cNvSpPr>
-            <a:spLocks noGrp="1"/>
-          </p:cNvSpPr>
-          <p:nvPr>
-            <p:ph idx="1"/>
-          </p:nvPr>
-        </p:nvSpPr>
-        <p:spPr/>
+          <p:cNvSpPr txBox="1"/>
+          <p:nvPr/>
+        </p:nvSpPr>
+        <p:spPr>
+          <a:xfrm>
+            <a:off x="652041" y="2451360"/>
+            <a:ext cx="10386177" cy="2031325"/>
+          </a:xfrm>
+          <a:prstGeom prst="rect">
+            <a:avLst/>
+          </a:prstGeom>
+          <a:solidFill>
+            <a:schemeClr val="bg1">
+              <a:lumMod val="95000"/>
+            </a:schemeClr>
+          </a:solidFill>
+        </p:spPr>
         <p:txBody>
-          <a:bodyPr/>
+          <a:bodyPr wrap="none" rtlCol="0">
+            <a:spAutoFit/>
+          </a:bodyPr>
           <a:lstStyle/>
           <a:p>
+            <a:r>
+              <a:rPr lang="de-DE" b="1" dirty="0">
+                <a:latin typeface="Courier New" panose="02070309020205020404" pitchFamily="49" charset="0"/>
+                <a:cs typeface="Courier New" panose="02070309020205020404" pitchFamily="49" charset="0"/>
+              </a:rPr>
+              <a:t>&lt;</a:t>
+            </a:r>
+            <a:r>
+              <a:rPr lang="de-DE" b="1" dirty="0" err="1">
+                <a:latin typeface="Courier New" panose="02070309020205020404" pitchFamily="49" charset="0"/>
+                <a:cs typeface="Courier New" panose="02070309020205020404" pitchFamily="49" charset="0"/>
+              </a:rPr>
+              <a:t>schema</a:t>
+            </a:r>
+            <a:r>
+              <a:rPr lang="de-DE" b="1" dirty="0">
+                <a:latin typeface="Courier New" panose="02070309020205020404" pitchFamily="49" charset="0"/>
+                <a:cs typeface="Courier New" panose="02070309020205020404" pitchFamily="49" charset="0"/>
+              </a:rPr>
+              <a:t> </a:t>
+            </a:r>
+            <a:r>
+              <a:rPr lang="de-DE" b="1" dirty="0" err="1">
+                <a:latin typeface="Courier New" panose="02070309020205020404" pitchFamily="49" charset="0"/>
+                <a:cs typeface="Courier New" panose="02070309020205020404" pitchFamily="49" charset="0"/>
+              </a:rPr>
+              <a:t>xmlns</a:t>
+            </a:r>
+            <a:r>
+              <a:rPr lang="de-DE" b="1" dirty="0">
+                <a:latin typeface="Courier New" panose="02070309020205020404" pitchFamily="49" charset="0"/>
+                <a:cs typeface="Courier New" panose="02070309020205020404" pitchFamily="49" charset="0"/>
+              </a:rPr>
+              <a:t>="http://purl.oclc.org/dsdl/Schematron" </a:t>
+            </a:r>
+            <a:r>
+              <a:rPr lang="de-DE" b="1" dirty="0" err="1">
+                <a:latin typeface="Courier New" panose="02070309020205020404" pitchFamily="49" charset="0"/>
+                <a:cs typeface="Courier New" panose="02070309020205020404" pitchFamily="49" charset="0"/>
+              </a:rPr>
+              <a:t>queryBinding</a:t>
+            </a:r>
+            <a:r>
+              <a:rPr lang="de-DE" b="1" dirty="0">
+                <a:latin typeface="Courier New" panose="02070309020205020404" pitchFamily="49" charset="0"/>
+                <a:cs typeface="Courier New" panose="02070309020205020404" pitchFamily="49" charset="0"/>
+              </a:rPr>
+              <a:t>="xslt3"&gt;</a:t>
+            </a:r>
+          </a:p>
+          <a:p>
+            <a:endParaRPr lang="de-DE" b="1" dirty="0">
+              <a:latin typeface="Courier New" panose="02070309020205020404" pitchFamily="49" charset="0"/>
+              <a:cs typeface="Courier New" panose="02070309020205020404" pitchFamily="49" charset="0"/>
+            </a:endParaRPr>
+          </a:p>
+          <a:p>
+            <a:r>
+              <a:rPr lang="de-DE" b="1" dirty="0">
+                <a:latin typeface="Courier New" panose="02070309020205020404" pitchFamily="49" charset="0"/>
+                <a:cs typeface="Courier New" panose="02070309020205020404" pitchFamily="49" charset="0"/>
+              </a:rPr>
+              <a:t>  &lt;</a:t>
+            </a:r>
+            <a:r>
+              <a:rPr lang="de-DE" b="1" dirty="0" err="1">
+                <a:latin typeface="Courier New" panose="02070309020205020404" pitchFamily="49" charset="0"/>
+                <a:cs typeface="Courier New" panose="02070309020205020404" pitchFamily="49" charset="0"/>
+              </a:rPr>
+              <a:t>pattern</a:t>
+            </a:r>
+            <a:r>
+              <a:rPr lang="de-DE" b="1" dirty="0">
+                <a:latin typeface="Courier New" panose="02070309020205020404" pitchFamily="49" charset="0"/>
+                <a:cs typeface="Courier New" panose="02070309020205020404" pitchFamily="49" charset="0"/>
+              </a:rPr>
+              <a:t>&gt;</a:t>
+            </a:r>
+          </a:p>
+          <a:p>
+            <a:endParaRPr lang="de-DE" b="1" dirty="0">
+              <a:latin typeface="Courier New" panose="02070309020205020404" pitchFamily="49" charset="0"/>
+              <a:cs typeface="Courier New" panose="02070309020205020404" pitchFamily="49" charset="0"/>
+            </a:endParaRPr>
+          </a:p>
+          <a:p>
+            <a:r>
+              <a:rPr lang="de-DE" b="1" dirty="0">
+                <a:latin typeface="Courier New" panose="02070309020205020404" pitchFamily="49" charset="0"/>
+                <a:cs typeface="Courier New" panose="02070309020205020404" pitchFamily="49" charset="0"/>
+              </a:rPr>
+              <a:t>  &lt;/</a:t>
+            </a:r>
+            <a:r>
+              <a:rPr lang="de-DE" b="1" dirty="0" err="1">
+                <a:latin typeface="Courier New" panose="02070309020205020404" pitchFamily="49" charset="0"/>
+                <a:cs typeface="Courier New" panose="02070309020205020404" pitchFamily="49" charset="0"/>
+              </a:rPr>
+              <a:t>pattern</a:t>
+            </a:r>
+            <a:r>
+              <a:rPr lang="de-DE" b="1" dirty="0">
+                <a:latin typeface="Courier New" panose="02070309020205020404" pitchFamily="49" charset="0"/>
+                <a:cs typeface="Courier New" panose="02070309020205020404" pitchFamily="49" charset="0"/>
+              </a:rPr>
+              <a:t>&gt;</a:t>
+            </a:r>
+          </a:p>
+          <a:p>
+            <a:endParaRPr lang="de-DE" b="1" dirty="0">
+              <a:latin typeface="Courier New" panose="02070309020205020404" pitchFamily="49" charset="0"/>
+              <a:cs typeface="Courier New" panose="02070309020205020404" pitchFamily="49" charset="0"/>
+            </a:endParaRPr>
+          </a:p>
+          <a:p>
+            <a:r>
+              <a:rPr lang="de-DE" b="1" dirty="0">
+                <a:latin typeface="Courier New" panose="02070309020205020404" pitchFamily="49" charset="0"/>
+                <a:cs typeface="Courier New" panose="02070309020205020404" pitchFamily="49" charset="0"/>
+              </a:rPr>
+              <a:t>&lt;/</a:t>
+            </a:r>
+            <a:r>
+              <a:rPr lang="de-DE" b="1" dirty="0" err="1">
+                <a:latin typeface="Courier New" panose="02070309020205020404" pitchFamily="49" charset="0"/>
+                <a:cs typeface="Courier New" panose="02070309020205020404" pitchFamily="49" charset="0"/>
+              </a:rPr>
+              <a:t>schema</a:t>
+            </a:r>
+            <a:r>
+              <a:rPr lang="de-DE" b="1" dirty="0">
+                <a:latin typeface="Courier New" panose="02070309020205020404" pitchFamily="49" charset="0"/>
+                <a:cs typeface="Courier New" panose="02070309020205020404" pitchFamily="49" charset="0"/>
+              </a:rPr>
+              <a:t>&gt;</a:t>
+            </a:r>
+          </a:p>
+        </p:txBody>
+      </p:sp>
+      <p:sp>
+        <p:nvSpPr>
+          <p:cNvPr id="7" name="Oval 6">
+            <a:extLst>
+              <a:ext uri="{FF2B5EF4-FFF2-40B4-BE49-F238E27FC236}">
+                <a16:creationId xmlns:a16="http://schemas.microsoft.com/office/drawing/2014/main" id="{B8A8808C-4F70-4B17-CA02-D05290C7ACA0}"/>
+              </a:ext>
+            </a:extLst>
+          </p:cNvPr>
+          <p:cNvSpPr/>
+          <p:nvPr/>
+        </p:nvSpPr>
+        <p:spPr>
+          <a:xfrm>
+            <a:off x="1737977" y="2286000"/>
+            <a:ext cx="6214150" cy="676655"/>
+          </a:xfrm>
+          <a:prstGeom prst="ellipse">
+            <a:avLst/>
+          </a:prstGeom>
+          <a:solidFill>
+            <a:schemeClr val="accent4">
+              <a:lumMod val="40000"/>
+              <a:lumOff val="60000"/>
+              <a:alpha val="19000"/>
+            </a:schemeClr>
+          </a:solidFill>
+          <a:ln w="38100">
+            <a:solidFill>
+              <a:srgbClr val="C00000"/>
+            </a:solidFill>
+          </a:ln>
+        </p:spPr>
+        <p:style>
+          <a:lnRef idx="2">
+            <a:schemeClr val="accent1">
+              <a:shade val="50000"/>
+            </a:schemeClr>
+          </a:lnRef>
+          <a:fillRef idx="1">
+            <a:schemeClr val="accent1"/>
+          </a:fillRef>
+          <a:effectRef idx="0">
+            <a:schemeClr val="accent1"/>
+          </a:effectRef>
+          <a:fontRef idx="minor">
+            <a:schemeClr val="lt1"/>
+          </a:fontRef>
+        </p:style>
+        <p:txBody>
+          <a:bodyPr rtlCol="0" anchor="ctr"/>
+          <a:lstStyle/>
+          <a:p>
+            <a:pPr algn="ctr"/>
             <a:endParaRPr lang="en-NL" dirty="0"/>
+          </a:p>
+        </p:txBody>
+      </p:sp>
+      <p:sp>
+        <p:nvSpPr>
+          <p:cNvPr id="8" name="Oval 7">
+            <a:extLst>
+              <a:ext uri="{FF2B5EF4-FFF2-40B4-BE49-F238E27FC236}">
+                <a16:creationId xmlns:a16="http://schemas.microsoft.com/office/drawing/2014/main" id="{B21E09EF-85F5-6814-D58B-85C6EA9FFB78}"/>
+              </a:ext>
+            </a:extLst>
+          </p:cNvPr>
+          <p:cNvSpPr/>
+          <p:nvPr/>
+        </p:nvSpPr>
+        <p:spPr>
+          <a:xfrm>
+            <a:off x="652042" y="2347698"/>
+            <a:ext cx="1085936" cy="553258"/>
+          </a:xfrm>
+          <a:prstGeom prst="ellipse">
+            <a:avLst/>
+          </a:prstGeom>
+          <a:solidFill>
+            <a:schemeClr val="accent4">
+              <a:lumMod val="40000"/>
+              <a:lumOff val="60000"/>
+              <a:alpha val="19000"/>
+            </a:schemeClr>
+          </a:solidFill>
+          <a:ln w="38100">
+            <a:solidFill>
+              <a:srgbClr val="C00000"/>
+            </a:solidFill>
+          </a:ln>
+        </p:spPr>
+        <p:style>
+          <a:lnRef idx="2">
+            <a:schemeClr val="accent1">
+              <a:shade val="50000"/>
+            </a:schemeClr>
+          </a:lnRef>
+          <a:fillRef idx="1">
+            <a:schemeClr val="accent1"/>
+          </a:fillRef>
+          <a:effectRef idx="0">
+            <a:schemeClr val="accent1"/>
+          </a:effectRef>
+          <a:fontRef idx="minor">
+            <a:schemeClr val="lt1"/>
+          </a:fontRef>
+        </p:style>
+        <p:txBody>
+          <a:bodyPr rtlCol="0" anchor="ctr"/>
+          <a:lstStyle/>
+          <a:p>
+            <a:pPr algn="ctr"/>
+            <a:endParaRPr lang="en-NL"/>
+          </a:p>
+        </p:txBody>
+      </p:sp>
+      <p:sp>
+        <p:nvSpPr>
+          <p:cNvPr id="12" name="Oval 11">
+            <a:extLst>
+              <a:ext uri="{FF2B5EF4-FFF2-40B4-BE49-F238E27FC236}">
+                <a16:creationId xmlns:a16="http://schemas.microsoft.com/office/drawing/2014/main" id="{630EF1CA-F83B-AE62-C0E8-F1126F518512}"/>
+              </a:ext>
+            </a:extLst>
+          </p:cNvPr>
+          <p:cNvSpPr/>
+          <p:nvPr/>
+        </p:nvSpPr>
+        <p:spPr>
+          <a:xfrm>
+            <a:off x="7851543" y="2347698"/>
+            <a:ext cx="3071127" cy="553258"/>
+          </a:xfrm>
+          <a:prstGeom prst="ellipse">
+            <a:avLst/>
+          </a:prstGeom>
+          <a:solidFill>
+            <a:schemeClr val="accent4">
+              <a:lumMod val="40000"/>
+              <a:lumOff val="60000"/>
+              <a:alpha val="19000"/>
+            </a:schemeClr>
+          </a:solidFill>
+          <a:ln w="38100">
+            <a:solidFill>
+              <a:srgbClr val="C00000"/>
+            </a:solidFill>
+          </a:ln>
+        </p:spPr>
+        <p:style>
+          <a:lnRef idx="2">
+            <a:schemeClr val="accent1">
+              <a:shade val="50000"/>
+            </a:schemeClr>
+          </a:lnRef>
+          <a:fillRef idx="1">
+            <a:schemeClr val="accent1"/>
+          </a:fillRef>
+          <a:effectRef idx="0">
+            <a:schemeClr val="accent1"/>
+          </a:effectRef>
+          <a:fontRef idx="minor">
+            <a:schemeClr val="lt1"/>
+          </a:fontRef>
+        </p:style>
+        <p:txBody>
+          <a:bodyPr rtlCol="0" anchor="ctr"/>
+          <a:lstStyle/>
+          <a:p>
+            <a:pPr algn="ctr"/>
+            <a:endParaRPr lang="en-NL"/>
+          </a:p>
+        </p:txBody>
+      </p:sp>
+      <p:sp>
+        <p:nvSpPr>
+          <p:cNvPr id="13" name="Oval 12">
+            <a:extLst>
+              <a:ext uri="{FF2B5EF4-FFF2-40B4-BE49-F238E27FC236}">
+                <a16:creationId xmlns:a16="http://schemas.microsoft.com/office/drawing/2014/main" id="{397425D9-5BAC-6C24-3C5D-9AAC684A7687}"/>
+              </a:ext>
+            </a:extLst>
+          </p:cNvPr>
+          <p:cNvSpPr/>
+          <p:nvPr/>
+        </p:nvSpPr>
+        <p:spPr>
+          <a:xfrm>
+            <a:off x="652040" y="2921700"/>
+            <a:ext cx="2042160" cy="1090644"/>
+          </a:xfrm>
+          <a:prstGeom prst="ellipse">
+            <a:avLst/>
+          </a:prstGeom>
+          <a:solidFill>
+            <a:schemeClr val="accent4">
+              <a:lumMod val="40000"/>
+              <a:lumOff val="60000"/>
+              <a:alpha val="19000"/>
+            </a:schemeClr>
+          </a:solidFill>
+          <a:ln w="38100">
+            <a:solidFill>
+              <a:srgbClr val="C00000"/>
+            </a:solidFill>
+          </a:ln>
+        </p:spPr>
+        <p:style>
+          <a:lnRef idx="2">
+            <a:schemeClr val="accent1">
+              <a:shade val="50000"/>
+            </a:schemeClr>
+          </a:lnRef>
+          <a:fillRef idx="1">
+            <a:schemeClr val="accent1"/>
+          </a:fillRef>
+          <a:effectRef idx="0">
+            <a:schemeClr val="accent1"/>
+          </a:effectRef>
+          <a:fontRef idx="minor">
+            <a:schemeClr val="lt1"/>
+          </a:fontRef>
+        </p:style>
+        <p:txBody>
+          <a:bodyPr rtlCol="0" anchor="ctr"/>
+          <a:lstStyle/>
+          <a:p>
+            <a:pPr algn="ctr"/>
+            <a:endParaRPr lang="en-NL"/>
           </a:p>
         </p:txBody>
       </p:sp>
@@ -16714,6 +20092,254 @@
   <p:clrMapOvr>
     <a:masterClrMapping/>
   </p:clrMapOvr>
+  <p:timing>
+    <p:tnLst>
+      <p:par>
+        <p:cTn id="1" dur="indefinite" restart="never" nodeType="tmRoot">
+          <p:childTnLst>
+            <p:seq concurrent="1" nextAc="seek">
+              <p:cTn id="2" dur="indefinite" nodeType="mainSeq">
+                <p:childTnLst>
+                  <p:par>
+                    <p:cTn id="3" fill="hold">
+                      <p:stCondLst>
+                        <p:cond delay="indefinite"/>
+                      </p:stCondLst>
+                      <p:childTnLst>
+                        <p:par>
+                          <p:cTn id="4" fill="hold">
+                            <p:stCondLst>
+                              <p:cond delay="0"/>
+                            </p:stCondLst>
+                            <p:childTnLst>
+                              <p:par>
+                                <p:cTn id="5" presetID="10" presetClass="entr" presetSubtype="0" fill="hold" grpId="0" nodeType="clickEffect">
+                                  <p:stCondLst>
+                                    <p:cond delay="0"/>
+                                  </p:stCondLst>
+                                  <p:childTnLst>
+                                    <p:set>
+                                      <p:cBhvr>
+                                        <p:cTn id="6" dur="1" fill="hold">
+                                          <p:stCondLst>
+                                            <p:cond delay="0"/>
+                                          </p:stCondLst>
+                                        </p:cTn>
+                                        <p:tgtEl>
+                                          <p:spTgt spid="8"/>
+                                        </p:tgtEl>
+                                        <p:attrNameLst>
+                                          <p:attrName>style.visibility</p:attrName>
+                                        </p:attrNameLst>
+                                      </p:cBhvr>
+                                      <p:to>
+                                        <p:strVal val="visible"/>
+                                      </p:to>
+                                    </p:set>
+                                    <p:animEffect transition="in" filter="fade">
+                                      <p:cBhvr>
+                                        <p:cTn id="7" dur="500"/>
+                                        <p:tgtEl>
+                                          <p:spTgt spid="8"/>
+                                        </p:tgtEl>
+                                      </p:cBhvr>
+                                    </p:animEffect>
+                                  </p:childTnLst>
+                                </p:cTn>
+                              </p:par>
+                            </p:childTnLst>
+                          </p:cTn>
+                        </p:par>
+                      </p:childTnLst>
+                    </p:cTn>
+                  </p:par>
+                  <p:par>
+                    <p:cTn id="8" fill="hold">
+                      <p:stCondLst>
+                        <p:cond delay="indefinite"/>
+                      </p:stCondLst>
+                      <p:childTnLst>
+                        <p:par>
+                          <p:cTn id="9" fill="hold">
+                            <p:stCondLst>
+                              <p:cond delay="0"/>
+                            </p:stCondLst>
+                            <p:childTnLst>
+                              <p:par>
+                                <p:cTn id="10" presetID="10" presetClass="entr" presetSubtype="0" fill="hold" grpId="0" nodeType="clickEffect">
+                                  <p:stCondLst>
+                                    <p:cond delay="0"/>
+                                  </p:stCondLst>
+                                  <p:childTnLst>
+                                    <p:set>
+                                      <p:cBhvr>
+                                        <p:cTn id="11" dur="1" fill="hold">
+                                          <p:stCondLst>
+                                            <p:cond delay="0"/>
+                                          </p:stCondLst>
+                                        </p:cTn>
+                                        <p:tgtEl>
+                                          <p:spTgt spid="7"/>
+                                        </p:tgtEl>
+                                        <p:attrNameLst>
+                                          <p:attrName>style.visibility</p:attrName>
+                                        </p:attrNameLst>
+                                      </p:cBhvr>
+                                      <p:to>
+                                        <p:strVal val="visible"/>
+                                      </p:to>
+                                    </p:set>
+                                    <p:animEffect transition="in" filter="fade">
+                                      <p:cBhvr>
+                                        <p:cTn id="12" dur="500"/>
+                                        <p:tgtEl>
+                                          <p:spTgt spid="7"/>
+                                        </p:tgtEl>
+                                      </p:cBhvr>
+                                    </p:animEffect>
+                                  </p:childTnLst>
+                                </p:cTn>
+                              </p:par>
+                            </p:childTnLst>
+                          </p:cTn>
+                        </p:par>
+                      </p:childTnLst>
+                    </p:cTn>
+                  </p:par>
+                  <p:par>
+                    <p:cTn id="13" fill="hold">
+                      <p:stCondLst>
+                        <p:cond delay="indefinite"/>
+                      </p:stCondLst>
+                      <p:childTnLst>
+                        <p:par>
+                          <p:cTn id="14" fill="hold">
+                            <p:stCondLst>
+                              <p:cond delay="0"/>
+                            </p:stCondLst>
+                            <p:childTnLst>
+                              <p:par>
+                                <p:cTn id="15" presetID="10" presetClass="entr" presetSubtype="0" fill="hold" grpId="0" nodeType="clickEffect">
+                                  <p:stCondLst>
+                                    <p:cond delay="0"/>
+                                  </p:stCondLst>
+                                  <p:childTnLst>
+                                    <p:set>
+                                      <p:cBhvr>
+                                        <p:cTn id="16" dur="1" fill="hold">
+                                          <p:stCondLst>
+                                            <p:cond delay="0"/>
+                                          </p:stCondLst>
+                                        </p:cTn>
+                                        <p:tgtEl>
+                                          <p:spTgt spid="12"/>
+                                        </p:tgtEl>
+                                        <p:attrNameLst>
+                                          <p:attrName>style.visibility</p:attrName>
+                                        </p:attrNameLst>
+                                      </p:cBhvr>
+                                      <p:to>
+                                        <p:strVal val="visible"/>
+                                      </p:to>
+                                    </p:set>
+                                    <p:animEffect transition="in" filter="fade">
+                                      <p:cBhvr>
+                                        <p:cTn id="17" dur="500"/>
+                                        <p:tgtEl>
+                                          <p:spTgt spid="12"/>
+                                        </p:tgtEl>
+                                      </p:cBhvr>
+                                    </p:animEffect>
+                                  </p:childTnLst>
+                                </p:cTn>
+                              </p:par>
+                            </p:childTnLst>
+                          </p:cTn>
+                        </p:par>
+                      </p:childTnLst>
+                    </p:cTn>
+                  </p:par>
+                  <p:par>
+                    <p:cTn id="18" fill="hold">
+                      <p:stCondLst>
+                        <p:cond delay="indefinite"/>
+                      </p:stCondLst>
+                      <p:childTnLst>
+                        <p:par>
+                          <p:cTn id="19" fill="hold">
+                            <p:stCondLst>
+                              <p:cond delay="0"/>
+                            </p:stCondLst>
+                            <p:childTnLst>
+                              <p:par>
+                                <p:cTn id="20" presetID="10" presetClass="entr" presetSubtype="0" fill="hold" grpId="0" nodeType="clickEffect">
+                                  <p:stCondLst>
+                                    <p:cond delay="0"/>
+                                  </p:stCondLst>
+                                  <p:childTnLst>
+                                    <p:set>
+                                      <p:cBhvr>
+                                        <p:cTn id="21" dur="1" fill="hold">
+                                          <p:stCondLst>
+                                            <p:cond delay="0"/>
+                                          </p:stCondLst>
+                                        </p:cTn>
+                                        <p:tgtEl>
+                                          <p:spTgt spid="13"/>
+                                        </p:tgtEl>
+                                        <p:attrNameLst>
+                                          <p:attrName>style.visibility</p:attrName>
+                                        </p:attrNameLst>
+                                      </p:cBhvr>
+                                      <p:to>
+                                        <p:strVal val="visible"/>
+                                      </p:to>
+                                    </p:set>
+                                    <p:animEffect transition="in" filter="fade">
+                                      <p:cBhvr>
+                                        <p:cTn id="22" dur="500"/>
+                                        <p:tgtEl>
+                                          <p:spTgt spid="13"/>
+                                        </p:tgtEl>
+                                      </p:cBhvr>
+                                    </p:animEffect>
+                                  </p:childTnLst>
+                                </p:cTn>
+                              </p:par>
+                            </p:childTnLst>
+                          </p:cTn>
+                        </p:par>
+                      </p:childTnLst>
+                    </p:cTn>
+                  </p:par>
+                </p:childTnLst>
+              </p:cTn>
+              <p:prevCondLst>
+                <p:cond evt="onPrev" delay="0">
+                  <p:tgtEl>
+                    <p:sldTgt/>
+                  </p:tgtEl>
+                </p:cond>
+              </p:prevCondLst>
+              <p:nextCondLst>
+                <p:cond evt="onNext" delay="0">
+                  <p:tgtEl>
+                    <p:sldTgt/>
+                  </p:tgtEl>
+                </p:cond>
+              </p:nextCondLst>
+            </p:seq>
+          </p:childTnLst>
+        </p:cTn>
+      </p:par>
+    </p:tnLst>
+    <p:bldLst>
+      <p:bldP spid="7" grpId="0" animBg="1"/>
+      <p:bldP spid="8" grpId="0" animBg="1"/>
+      <p:bldP spid="12" grpId="0" animBg="1"/>
+      <p:bldP spid="13" grpId="0" animBg="1"/>
+    </p:bldLst>
+  </p:timing>
 </p:sld>
 </file>
 
@@ -16739,7 +20365,7 @@
           <p:cNvPr id="2" name="Title 1">
             <a:extLst>
               <a:ext uri="{FF2B5EF4-FFF2-40B4-BE49-F238E27FC236}">
-                <a16:creationId xmlns:a16="http://schemas.microsoft.com/office/drawing/2014/main" id="{24690733-A9A9-EB68-6805-3EDCC0A90657}"/>
+                <a16:creationId xmlns:a16="http://schemas.microsoft.com/office/drawing/2014/main" id="{9EF25B1F-53DD-3D4D-C19B-BA8419EE6964}"/>
               </a:ext>
             </a:extLst>
           </p:cNvPr>
@@ -16752,8 +20378,8 @@
         </p:nvSpPr>
         <p:spPr>
           <a:xfrm>
-            <a:off x="183036" y="0"/>
-            <a:ext cx="10681355" cy="1325563"/>
+            <a:off x="88769" y="-96789"/>
+            <a:ext cx="10515600" cy="1325563"/>
           </a:xfrm>
         </p:spPr>
         <p:txBody>
@@ -16762,7 +20388,7 @@
           <a:p>
             <a:r>
               <a:rPr lang="en-US" b="1" dirty="0"/>
-              <a:t>What's the result of a Schematron validation?</a:t>
+              <a:t>Patterns and rules</a:t>
             </a:r>
             <a:endParaRPr lang="en-NL" b="1" dirty="0"/>
           </a:p>
@@ -16773,7 +20399,7 @@
           <p:cNvPr id="3" name="Content Placeholder 2">
             <a:extLst>
               <a:ext uri="{FF2B5EF4-FFF2-40B4-BE49-F238E27FC236}">
-                <a16:creationId xmlns:a16="http://schemas.microsoft.com/office/drawing/2014/main" id="{F7A8EFF8-F8CE-7C5B-359F-2FB387E6B96A}"/>
+                <a16:creationId xmlns:a16="http://schemas.microsoft.com/office/drawing/2014/main" id="{941D477D-845C-356D-D290-87BF2449A60F}"/>
               </a:ext>
             </a:extLst>
           </p:cNvPr>
@@ -16784,19 +20410,451 @@
             <p:ph idx="1"/>
           </p:nvPr>
         </p:nvSpPr>
-        <p:spPr/>
+        <p:spPr>
+          <a:xfrm>
+            <a:off x="579646" y="1228774"/>
+            <a:ext cx="10515600" cy="2349084"/>
+          </a:xfrm>
+        </p:spPr>
         <p:txBody>
-          <a:bodyPr/>
+          <a:bodyPr>
+            <a:normAutofit/>
+          </a:bodyPr>
           <a:lstStyle/>
           <a:p>
-            <a:endParaRPr lang="en-NL" dirty="0"/>
+            <a:r>
+              <a:rPr lang="en-US" dirty="0"/>
+              <a:t>A Schematron schema consists of one or more </a:t>
+            </a:r>
+            <a:r>
+              <a:rPr lang="en-US" i="1" dirty="0"/>
+              <a:t>patterns</a:t>
+            </a:r>
+            <a:r>
+              <a:rPr lang="en-US" dirty="0"/>
+              <a:t>: </a:t>
+            </a:r>
+            <a:r>
+              <a:rPr lang="en-US" b="1" dirty="0">
+                <a:latin typeface="Courier New" panose="02070309020205020404" pitchFamily="49" charset="0"/>
+                <a:cs typeface="Courier New" panose="02070309020205020404" pitchFamily="49" charset="0"/>
+              </a:rPr>
+              <a:t>&lt;pattern&gt;</a:t>
+            </a:r>
+          </a:p>
+          <a:p>
+            <a:pPr lvl="1"/>
+            <a:r>
+              <a:rPr lang="en-US" dirty="0"/>
+              <a:t>Every pattern is applied to every node in the document being validated</a:t>
+            </a:r>
+          </a:p>
+          <a:p>
+            <a:r>
+              <a:rPr lang="en-US" dirty="0"/>
+              <a:t>A </a:t>
+            </a:r>
+            <a:r>
+              <a:rPr lang="en-US" i="1" dirty="0"/>
+              <a:t>pattern</a:t>
+            </a:r>
+            <a:r>
+              <a:rPr lang="en-US" dirty="0"/>
+              <a:t> consists of zero or more </a:t>
+            </a:r>
+            <a:r>
+              <a:rPr lang="en-US" i="1" dirty="0"/>
+              <a:t>rules</a:t>
+            </a:r>
+            <a:r>
+              <a:rPr lang="en-US" dirty="0"/>
+              <a:t>: </a:t>
+            </a:r>
+            <a:r>
+              <a:rPr lang="en-US" b="1" dirty="0">
+                <a:latin typeface="Courier New" panose="02070309020205020404" pitchFamily="49" charset="0"/>
+                <a:cs typeface="Courier New" panose="02070309020205020404" pitchFamily="49" charset="0"/>
+              </a:rPr>
+              <a:t>&lt;rule context="…"&gt;</a:t>
+            </a:r>
+          </a:p>
+          <a:p>
+            <a:pPr lvl="1"/>
+            <a:r>
+              <a:rPr lang="en-US" dirty="0"/>
+              <a:t>A rule has a </a:t>
+            </a:r>
+            <a:r>
+              <a:rPr lang="en-US" b="1" dirty="0">
+                <a:latin typeface="Courier New" panose="02070309020205020404" pitchFamily="49" charset="0"/>
+                <a:cs typeface="Courier New" panose="02070309020205020404" pitchFamily="49" charset="0"/>
+              </a:rPr>
+              <a:t>context</a:t>
+            </a:r>
+            <a:r>
+              <a:rPr lang="en-US" dirty="0"/>
+              <a:t> attribute, containing an XSLT match pattern</a:t>
+            </a:r>
+          </a:p>
+          <a:p>
+            <a:pPr lvl="1"/>
+            <a:r>
+              <a:rPr lang="en-US" dirty="0"/>
+              <a:t>Only the first rule that matches in a pattern fires</a:t>
+            </a:r>
+          </a:p>
+          <a:p>
+            <a:pPr marL="457200" lvl="1" indent="0">
+              <a:buNone/>
+            </a:pPr>
+            <a:endParaRPr lang="en-US" sz="2800" b="1" dirty="0">
+              <a:latin typeface="Courier New" panose="02070309020205020404" pitchFamily="49" charset="0"/>
+              <a:cs typeface="Courier New" panose="02070309020205020404" pitchFamily="49" charset="0"/>
+            </a:endParaRPr>
+          </a:p>
+          <a:p>
+            <a:pPr lvl="1"/>
+            <a:endParaRPr lang="en-US" sz="2800" b="1" dirty="0">
+              <a:latin typeface="Courier New" panose="02070309020205020404" pitchFamily="49" charset="0"/>
+              <a:cs typeface="Courier New" panose="02070309020205020404" pitchFamily="49" charset="0"/>
+            </a:endParaRPr>
+          </a:p>
+          <a:p>
+            <a:pPr lvl="1"/>
+            <a:endParaRPr lang="en-NL" sz="2800" b="1" dirty="0">
+              <a:latin typeface="Courier New" panose="02070309020205020404" pitchFamily="49" charset="0"/>
+              <a:cs typeface="Courier New" panose="02070309020205020404" pitchFamily="49" charset="0"/>
+            </a:endParaRPr>
+          </a:p>
+        </p:txBody>
+      </p:sp>
+      <p:sp>
+        <p:nvSpPr>
+          <p:cNvPr id="4" name="TextBox 3">
+            <a:extLst>
+              <a:ext uri="{FF2B5EF4-FFF2-40B4-BE49-F238E27FC236}">
+                <a16:creationId xmlns:a16="http://schemas.microsoft.com/office/drawing/2014/main" id="{0315A3FC-95AB-0C51-AFF3-CE6502FF71AC}"/>
+              </a:ext>
+            </a:extLst>
+          </p:cNvPr>
+          <p:cNvSpPr txBox="1"/>
+          <p:nvPr/>
+        </p:nvSpPr>
+        <p:spPr>
+          <a:xfrm>
+            <a:off x="291339" y="3577858"/>
+            <a:ext cx="10110460" cy="2308324"/>
+          </a:xfrm>
+          <a:prstGeom prst="rect">
+            <a:avLst/>
+          </a:prstGeom>
+          <a:solidFill>
+            <a:schemeClr val="bg1">
+              <a:lumMod val="95000"/>
+            </a:schemeClr>
+          </a:solidFill>
+        </p:spPr>
+        <p:txBody>
+          <a:bodyPr wrap="none" rtlCol="0">
+            <a:spAutoFit/>
+          </a:bodyPr>
+          <a:lstStyle/>
+          <a:p>
+            <a:r>
+              <a:rPr lang="de-DE" b="1" dirty="0">
+                <a:latin typeface="Courier New" panose="02070309020205020404" pitchFamily="49" charset="0"/>
+                <a:cs typeface="Courier New" panose="02070309020205020404" pitchFamily="49" charset="0"/>
+              </a:rPr>
+              <a:t>&lt;</a:t>
+            </a:r>
+            <a:r>
+              <a:rPr lang="de-DE" b="1" dirty="0" err="1">
+                <a:latin typeface="Courier New" panose="02070309020205020404" pitchFamily="49" charset="0"/>
+                <a:cs typeface="Courier New" panose="02070309020205020404" pitchFamily="49" charset="0"/>
+              </a:rPr>
+              <a:t>schema</a:t>
+            </a:r>
+            <a:r>
+              <a:rPr lang="de-DE" b="1" dirty="0">
+                <a:latin typeface="Courier New" panose="02070309020205020404" pitchFamily="49" charset="0"/>
+                <a:cs typeface="Courier New" panose="02070309020205020404" pitchFamily="49" charset="0"/>
+              </a:rPr>
+              <a:t> </a:t>
+            </a:r>
+            <a:r>
+              <a:rPr lang="de-DE" b="1" dirty="0" err="1">
+                <a:latin typeface="Courier New" panose="02070309020205020404" pitchFamily="49" charset="0"/>
+                <a:cs typeface="Courier New" panose="02070309020205020404" pitchFamily="49" charset="0"/>
+              </a:rPr>
+              <a:t>xmlns</a:t>
+            </a:r>
+            <a:r>
+              <a:rPr lang="de-DE" b="1" dirty="0">
+                <a:latin typeface="Courier New" panose="02070309020205020404" pitchFamily="49" charset="0"/>
+                <a:cs typeface="Courier New" panose="02070309020205020404" pitchFamily="49" charset="0"/>
+              </a:rPr>
+              <a:t>=http://purl.oclc.org/dsdl/Schematron </a:t>
+            </a:r>
+            <a:r>
+              <a:rPr lang="de-DE" b="1" dirty="0" err="1">
+                <a:latin typeface="Courier New" panose="02070309020205020404" pitchFamily="49" charset="0"/>
+                <a:cs typeface="Courier New" panose="02070309020205020404" pitchFamily="49" charset="0"/>
+              </a:rPr>
+              <a:t>queryBinding</a:t>
+            </a:r>
+            <a:r>
+              <a:rPr lang="de-DE" b="1" dirty="0">
+                <a:latin typeface="Courier New" panose="02070309020205020404" pitchFamily="49" charset="0"/>
+                <a:cs typeface="Courier New" panose="02070309020205020404" pitchFamily="49" charset="0"/>
+              </a:rPr>
+              <a:t>="xslt3"&gt;</a:t>
+            </a:r>
+          </a:p>
+          <a:p>
+            <a:endParaRPr lang="de-DE" b="1" dirty="0">
+              <a:latin typeface="Courier New" panose="02070309020205020404" pitchFamily="49" charset="0"/>
+              <a:cs typeface="Courier New" panose="02070309020205020404" pitchFamily="49" charset="0"/>
+            </a:endParaRPr>
+          </a:p>
+          <a:p>
+            <a:r>
+              <a:rPr lang="de-DE" b="1" dirty="0">
+                <a:latin typeface="Courier New" panose="02070309020205020404" pitchFamily="49" charset="0"/>
+                <a:cs typeface="Courier New" panose="02070309020205020404" pitchFamily="49" charset="0"/>
+              </a:rPr>
+              <a:t>  &lt;</a:t>
+            </a:r>
+            <a:r>
+              <a:rPr lang="de-DE" b="1" dirty="0" err="1">
+                <a:latin typeface="Courier New" panose="02070309020205020404" pitchFamily="49" charset="0"/>
+                <a:cs typeface="Courier New" panose="02070309020205020404" pitchFamily="49" charset="0"/>
+              </a:rPr>
+              <a:t>pattern</a:t>
+            </a:r>
+            <a:r>
+              <a:rPr lang="de-DE" b="1" dirty="0">
+                <a:latin typeface="Courier New" panose="02070309020205020404" pitchFamily="49" charset="0"/>
+                <a:cs typeface="Courier New" panose="02070309020205020404" pitchFamily="49" charset="0"/>
+              </a:rPr>
+              <a:t>&gt;</a:t>
+            </a:r>
+          </a:p>
+          <a:p>
+            <a:r>
+              <a:rPr lang="de-DE" b="1" dirty="0">
+                <a:latin typeface="Courier New" panose="02070309020205020404" pitchFamily="49" charset="0"/>
+                <a:cs typeface="Courier New" panose="02070309020205020404" pitchFamily="49" charset="0"/>
+              </a:rPr>
+              <a:t>    &lt;</a:t>
+            </a:r>
+            <a:r>
+              <a:rPr lang="de-DE" b="1" dirty="0" err="1">
+                <a:latin typeface="Courier New" panose="02070309020205020404" pitchFamily="49" charset="0"/>
+                <a:cs typeface="Courier New" panose="02070309020205020404" pitchFamily="49" charset="0"/>
+              </a:rPr>
+              <a:t>rule</a:t>
+            </a:r>
+            <a:r>
+              <a:rPr lang="de-DE" b="1" dirty="0">
+                <a:latin typeface="Courier New" panose="02070309020205020404" pitchFamily="49" charset="0"/>
+                <a:cs typeface="Courier New" panose="02070309020205020404" pitchFamily="49" charset="0"/>
+              </a:rPr>
+              <a:t> </a:t>
+            </a:r>
+            <a:r>
+              <a:rPr lang="de-DE" b="1" dirty="0" err="1">
+                <a:latin typeface="Courier New" panose="02070309020205020404" pitchFamily="49" charset="0"/>
+                <a:cs typeface="Courier New" panose="02070309020205020404" pitchFamily="49" charset="0"/>
+              </a:rPr>
+              <a:t>context</a:t>
+            </a:r>
+            <a:r>
+              <a:rPr lang="de-DE" b="1" dirty="0">
+                <a:latin typeface="Courier New" panose="02070309020205020404" pitchFamily="49" charset="0"/>
+                <a:cs typeface="Courier New" panose="02070309020205020404" pitchFamily="49" charset="0"/>
+              </a:rPr>
+              <a:t>="</a:t>
+            </a:r>
+            <a:r>
+              <a:rPr lang="de-DE" b="1" dirty="0" err="1">
+                <a:latin typeface="Courier New" panose="02070309020205020404" pitchFamily="49" charset="0"/>
+                <a:cs typeface="Courier New" panose="02070309020205020404" pitchFamily="49" charset="0"/>
+              </a:rPr>
+              <a:t>thing</a:t>
+            </a:r>
+            <a:r>
+              <a:rPr lang="de-DE" b="1" dirty="0">
+                <a:latin typeface="Courier New" panose="02070309020205020404" pitchFamily="49" charset="0"/>
+                <a:cs typeface="Courier New" panose="02070309020205020404" pitchFamily="49" charset="0"/>
+              </a:rPr>
+              <a:t>[@material </a:t>
+            </a:r>
+            <a:r>
+              <a:rPr lang="de-DE" b="1" dirty="0" err="1">
+                <a:latin typeface="Courier New" panose="02070309020205020404" pitchFamily="49" charset="0"/>
+                <a:cs typeface="Courier New" panose="02070309020205020404" pitchFamily="49" charset="0"/>
+              </a:rPr>
+              <a:t>eq</a:t>
+            </a:r>
+            <a:r>
+              <a:rPr lang="de-DE" b="1" dirty="0">
+                <a:latin typeface="Courier New" panose="02070309020205020404" pitchFamily="49" charset="0"/>
+                <a:cs typeface="Courier New" panose="02070309020205020404" pitchFamily="49" charset="0"/>
+              </a:rPr>
+              <a:t> '</a:t>
+            </a:r>
+            <a:r>
+              <a:rPr lang="de-DE" b="1" dirty="0" err="1">
+                <a:latin typeface="Courier New" panose="02070309020205020404" pitchFamily="49" charset="0"/>
+                <a:cs typeface="Courier New" panose="02070309020205020404" pitchFamily="49" charset="0"/>
+              </a:rPr>
+              <a:t>wood</a:t>
+            </a:r>
+            <a:r>
+              <a:rPr lang="de-DE" b="1" dirty="0">
+                <a:latin typeface="Courier New" panose="02070309020205020404" pitchFamily="49" charset="0"/>
+                <a:cs typeface="Courier New" panose="02070309020205020404" pitchFamily="49" charset="0"/>
+              </a:rPr>
+              <a:t>']"&gt; … &lt;/</a:t>
+            </a:r>
+            <a:r>
+              <a:rPr lang="de-DE" b="1" dirty="0" err="1">
+                <a:latin typeface="Courier New" panose="02070309020205020404" pitchFamily="49" charset="0"/>
+                <a:cs typeface="Courier New" panose="02070309020205020404" pitchFamily="49" charset="0"/>
+              </a:rPr>
+              <a:t>rule</a:t>
+            </a:r>
+            <a:r>
+              <a:rPr lang="de-DE" b="1" dirty="0">
+                <a:latin typeface="Courier New" panose="02070309020205020404" pitchFamily="49" charset="0"/>
+                <a:cs typeface="Courier New" panose="02070309020205020404" pitchFamily="49" charset="0"/>
+              </a:rPr>
+              <a:t>&gt;</a:t>
+            </a:r>
+          </a:p>
+          <a:p>
+            <a:r>
+              <a:rPr lang="de-DE" b="1" dirty="0">
+                <a:latin typeface="Courier New" panose="02070309020205020404" pitchFamily="49" charset="0"/>
+                <a:cs typeface="Courier New" panose="02070309020205020404" pitchFamily="49" charset="0"/>
+              </a:rPr>
+              <a:t>    &lt;</a:t>
+            </a:r>
+            <a:r>
+              <a:rPr lang="de-DE" b="1" dirty="0" err="1">
+                <a:latin typeface="Courier New" panose="02070309020205020404" pitchFamily="49" charset="0"/>
+                <a:cs typeface="Courier New" panose="02070309020205020404" pitchFamily="49" charset="0"/>
+              </a:rPr>
+              <a:t>rule</a:t>
+            </a:r>
+            <a:r>
+              <a:rPr lang="de-DE" b="1" dirty="0">
+                <a:latin typeface="Courier New" panose="02070309020205020404" pitchFamily="49" charset="0"/>
+                <a:cs typeface="Courier New" panose="02070309020205020404" pitchFamily="49" charset="0"/>
+              </a:rPr>
+              <a:t> </a:t>
+            </a:r>
+            <a:r>
+              <a:rPr lang="de-DE" b="1" dirty="0" err="1">
+                <a:latin typeface="Courier New" panose="02070309020205020404" pitchFamily="49" charset="0"/>
+                <a:cs typeface="Courier New" panose="02070309020205020404" pitchFamily="49" charset="0"/>
+              </a:rPr>
+              <a:t>context</a:t>
+            </a:r>
+            <a:r>
+              <a:rPr lang="de-DE" b="1" dirty="0">
+                <a:latin typeface="Courier New" panose="02070309020205020404" pitchFamily="49" charset="0"/>
+                <a:cs typeface="Courier New" panose="02070309020205020404" pitchFamily="49" charset="0"/>
+              </a:rPr>
+              <a:t>="</a:t>
+            </a:r>
+            <a:r>
+              <a:rPr lang="de-DE" b="1" dirty="0" err="1">
+                <a:latin typeface="Courier New" panose="02070309020205020404" pitchFamily="49" charset="0"/>
+                <a:cs typeface="Courier New" panose="02070309020205020404" pitchFamily="49" charset="0"/>
+              </a:rPr>
+              <a:t>thing</a:t>
+            </a:r>
+            <a:r>
+              <a:rPr lang="de-DE" b="1" dirty="0">
+                <a:latin typeface="Courier New" panose="02070309020205020404" pitchFamily="49" charset="0"/>
+                <a:cs typeface="Courier New" panose="02070309020205020404" pitchFamily="49" charset="0"/>
+              </a:rPr>
+              <a:t>"&gt; … &lt;/</a:t>
+            </a:r>
+            <a:r>
+              <a:rPr lang="de-DE" b="1" dirty="0" err="1">
+                <a:latin typeface="Courier New" panose="02070309020205020404" pitchFamily="49" charset="0"/>
+                <a:cs typeface="Courier New" panose="02070309020205020404" pitchFamily="49" charset="0"/>
+              </a:rPr>
+              <a:t>rule</a:t>
+            </a:r>
+            <a:r>
+              <a:rPr lang="de-DE" b="1" dirty="0">
+                <a:latin typeface="Courier New" panose="02070309020205020404" pitchFamily="49" charset="0"/>
+                <a:cs typeface="Courier New" panose="02070309020205020404" pitchFamily="49" charset="0"/>
+              </a:rPr>
+              <a:t>&gt;</a:t>
+            </a:r>
+          </a:p>
+          <a:p>
+            <a:r>
+              <a:rPr lang="de-DE" b="1" dirty="0">
+                <a:latin typeface="Courier New" panose="02070309020205020404" pitchFamily="49" charset="0"/>
+                <a:cs typeface="Courier New" panose="02070309020205020404" pitchFamily="49" charset="0"/>
+              </a:rPr>
+              <a:t>  &lt;/</a:t>
+            </a:r>
+            <a:r>
+              <a:rPr lang="de-DE" b="1" dirty="0" err="1">
+                <a:latin typeface="Courier New" panose="02070309020205020404" pitchFamily="49" charset="0"/>
+                <a:cs typeface="Courier New" panose="02070309020205020404" pitchFamily="49" charset="0"/>
+              </a:rPr>
+              <a:t>pattern</a:t>
+            </a:r>
+            <a:r>
+              <a:rPr lang="de-DE" b="1" dirty="0">
+                <a:latin typeface="Courier New" panose="02070309020205020404" pitchFamily="49" charset="0"/>
+                <a:cs typeface="Courier New" panose="02070309020205020404" pitchFamily="49" charset="0"/>
+              </a:rPr>
+              <a:t>&gt;</a:t>
+            </a:r>
+          </a:p>
+          <a:p>
+            <a:endParaRPr lang="de-DE" b="1" dirty="0">
+              <a:latin typeface="Courier New" panose="02070309020205020404" pitchFamily="49" charset="0"/>
+              <a:cs typeface="Courier New" panose="02070309020205020404" pitchFamily="49" charset="0"/>
+            </a:endParaRPr>
+          </a:p>
+          <a:p>
+            <a:r>
+              <a:rPr lang="de-DE" b="1" dirty="0">
+                <a:latin typeface="Courier New" panose="02070309020205020404" pitchFamily="49" charset="0"/>
+                <a:cs typeface="Courier New" panose="02070309020205020404" pitchFamily="49" charset="0"/>
+              </a:rPr>
+              <a:t>&lt;/</a:t>
+            </a:r>
+            <a:r>
+              <a:rPr lang="de-DE" b="1" dirty="0" err="1">
+                <a:latin typeface="Courier New" panose="02070309020205020404" pitchFamily="49" charset="0"/>
+                <a:cs typeface="Courier New" panose="02070309020205020404" pitchFamily="49" charset="0"/>
+              </a:rPr>
+              <a:t>schema</a:t>
+            </a:r>
+            <a:r>
+              <a:rPr lang="de-DE" b="1" dirty="0">
+                <a:latin typeface="Courier New" panose="02070309020205020404" pitchFamily="49" charset="0"/>
+                <a:cs typeface="Courier New" panose="02070309020205020404" pitchFamily="49" charset="0"/>
+              </a:rPr>
+              <a:t>&gt;</a:t>
+            </a:r>
           </a:p>
         </p:txBody>
       </p:sp>
     </p:spTree>
     <p:extLst>
       <p:ext uri="{BB962C8B-B14F-4D97-AF65-F5344CB8AC3E}">
-        <p14:creationId xmlns:p14="http://schemas.microsoft.com/office/powerpoint/2010/main" val="1485681118"/>
+        <p14:creationId xmlns:p14="http://schemas.microsoft.com/office/powerpoint/2010/main" val="1087168182"/>
       </p:ext>
     </p:extLst>
   </p:cSld>

--- a/presentation/Schematron Tutorial DA 2022.pptx
+++ b/presentation/Schematron Tutorial DA 2022.pptx
@@ -5,10 +5,10 @@
     <p:sldMasterId id="2147483648" r:id="rId1"/>
   </p:sldMasterIdLst>
   <p:notesMasterIdLst>
-    <p:notesMasterId r:id="rId39"/>
+    <p:notesMasterId r:id="rId40"/>
   </p:notesMasterIdLst>
   <p:handoutMasterIdLst>
-    <p:handoutMasterId r:id="rId40"/>
+    <p:handoutMasterId r:id="rId41"/>
   </p:handoutMasterIdLst>
   <p:sldIdLst>
     <p:sldId id="256" r:id="rId2"/>
@@ -29,25 +29,26 @@
     <p:sldId id="382" r:id="rId17"/>
     <p:sldId id="395" r:id="rId18"/>
     <p:sldId id="384" r:id="rId19"/>
-    <p:sldId id="385" r:id="rId20"/>
+    <p:sldId id="396" r:id="rId20"/>
     <p:sldId id="386" r:id="rId21"/>
-    <p:sldId id="387" r:id="rId22"/>
-    <p:sldId id="389" r:id="rId23"/>
-    <p:sldId id="268" r:id="rId24"/>
-    <p:sldId id="269" r:id="rId25"/>
-    <p:sldId id="270" r:id="rId26"/>
-    <p:sldId id="272" r:id="rId27"/>
-    <p:sldId id="274" r:id="rId28"/>
-    <p:sldId id="275" r:id="rId29"/>
-    <p:sldId id="276" r:id="rId30"/>
-    <p:sldId id="278" r:id="rId31"/>
-    <p:sldId id="281" r:id="rId32"/>
-    <p:sldId id="279" r:id="rId33"/>
-    <p:sldId id="390" r:id="rId34"/>
-    <p:sldId id="277" r:id="rId35"/>
-    <p:sldId id="356" r:id="rId36"/>
-    <p:sldId id="273" r:id="rId37"/>
-    <p:sldId id="283" r:id="rId38"/>
+    <p:sldId id="397" r:id="rId22"/>
+    <p:sldId id="398" r:id="rId23"/>
+    <p:sldId id="400" r:id="rId24"/>
+    <p:sldId id="401" r:id="rId25"/>
+    <p:sldId id="389" r:id="rId26"/>
+    <p:sldId id="269" r:id="rId27"/>
+    <p:sldId id="270" r:id="rId28"/>
+    <p:sldId id="272" r:id="rId29"/>
+    <p:sldId id="274" r:id="rId30"/>
+    <p:sldId id="275" r:id="rId31"/>
+    <p:sldId id="276" r:id="rId32"/>
+    <p:sldId id="278" r:id="rId33"/>
+    <p:sldId id="279" r:id="rId34"/>
+    <p:sldId id="399" r:id="rId35"/>
+    <p:sldId id="277" r:id="rId36"/>
+    <p:sldId id="356" r:id="rId37"/>
+    <p:sldId id="273" r:id="rId38"/>
+    <p:sldId id="283" r:id="rId39"/>
   </p:sldIdLst>
   <p:sldSz cx="12192000" cy="6858000"/>
   <p:notesSz cx="6858000" cy="9144000"/>
@@ -181,19 +182,25 @@
         <p14:section name="Variables" id="{A365FFDB-3783-4755-A102-6023E69AA7FE}">
           <p14:sldIdLst>
             <p14:sldId id="384"/>
-            <p14:sldId id="385"/>
+            <p14:sldId id="396"/>
           </p14:sldIdLst>
         </p14:section>
         <p14:section name="Namespaces" id="{F7E743D7-23E2-4B7C-95A9-21205C0DA71C}">
           <p14:sldIdLst>
             <p14:sldId id="386"/>
-            <p14:sldId id="387"/>
+            <p14:sldId id="397"/>
+            <p14:sldId id="398"/>
+          </p14:sldIdLst>
+        </p14:section>
+        <p14:section name="Abstract patterns" id="{464F91F7-A206-411C-9981-FB9F6A3BBDAE}">
+          <p14:sldIdLst>
+            <p14:sldId id="400"/>
+            <p14:sldId id="401"/>
           </p14:sldIdLst>
         </p14:section>
         <p14:section name="QLB" id="{649F9382-6975-40E2-ABF7-F3BD28E8FFB6}">
           <p14:sldIdLst>
             <p14:sldId id="389"/>
-            <p14:sldId id="268"/>
             <p14:sldId id="269"/>
             <p14:sldId id="270"/>
             <p14:sldId id="272"/>
@@ -201,9 +208,8 @@
             <p14:sldId id="275"/>
             <p14:sldId id="276"/>
             <p14:sldId id="278"/>
-            <p14:sldId id="281"/>
             <p14:sldId id="279"/>
-            <p14:sldId id="390"/>
+            <p14:sldId id="399"/>
             <p14:sldId id="277"/>
           </p14:sldIdLst>
         </p14:section>
@@ -320,7 +326,7 @@
           <a:p>
             <a:fld id="{0AAE6376-87C4-4D16-82D1-D37904F930BA}" type="datetimeFigureOut">
               <a:rPr lang="en-NL" smtClean="0"/>
-              <a:t>28/09/2022</a:t>
+              <a:t>29/09/2022</a:t>
             </a:fld>
             <a:endParaRPr lang="en-NL"/>
           </a:p>
@@ -497,7 +503,7 @@
           <a:p>
             <a:fld id="{3FA52A83-AFF0-44B5-B0CB-BF1EF92BF110}" type="datetimeFigureOut">
               <a:rPr lang="en-NL" smtClean="0"/>
-              <a:t>28/09/2022</a:t>
+              <a:t>29/09/2022</a:t>
             </a:fld>
             <a:endParaRPr lang="en-NL"/>
           </a:p>
@@ -971,7 +977,7 @@
           <a:p>
             <a:fld id="{A83FDDBB-341F-4A2D-A070-8A29B8B1C9DF}" type="slidenum">
               <a:rPr lang="en-NL" smtClean="0"/>
-              <a:t>25</a:t>
+              <a:t>27</a:t>
             </a:fld>
             <a:endParaRPr lang="en-NL"/>
           </a:p>
@@ -1055,7 +1061,7 @@
           <a:p>
             <a:fld id="{210C85D1-D769-4E3C-BD67-6FCFE11EFBEA}" type="slidenum">
               <a:rPr lang="en-NL" smtClean="0"/>
-              <a:t>33</a:t>
+              <a:t>34</a:t>
             </a:fld>
             <a:endParaRPr lang="en-NL"/>
           </a:p>
@@ -1064,7 +1070,7 @@
     </p:spTree>
     <p:extLst>
       <p:ext uri="{BB962C8B-B14F-4D97-AF65-F5344CB8AC3E}">
-        <p14:creationId xmlns:p14="http://schemas.microsoft.com/office/powerpoint/2010/main" val="2403175075"/>
+        <p14:creationId xmlns:p14="http://schemas.microsoft.com/office/powerpoint/2010/main" val="3823199839"/>
       </p:ext>
     </p:extLst>
   </p:cSld>
@@ -1139,7 +1145,7 @@
           <a:p>
             <a:fld id="{A83FDDBB-341F-4A2D-A070-8A29B8B1C9DF}" type="slidenum">
               <a:rPr lang="en-NL" smtClean="0"/>
-              <a:t>37</a:t>
+              <a:t>38</a:t>
             </a:fld>
             <a:endParaRPr lang="en-NL"/>
           </a:p>
@@ -1652,7 +1658,7 @@
     </p:spTree>
     <p:extLst>
       <p:ext uri="{BB962C8B-B14F-4D97-AF65-F5344CB8AC3E}">
-        <p14:creationId xmlns:p14="http://schemas.microsoft.com/office/powerpoint/2010/main" val="4173566110"/>
+        <p14:creationId xmlns:p14="http://schemas.microsoft.com/office/powerpoint/2010/main" val="3811343420"/>
       </p:ext>
     </p:extLst>
   </p:cSld>
@@ -1736,7 +1742,7 @@
     </p:spTree>
     <p:extLst>
       <p:ext uri="{BB962C8B-B14F-4D97-AF65-F5344CB8AC3E}">
-        <p14:creationId xmlns:p14="http://schemas.microsoft.com/office/powerpoint/2010/main" val="3468940147"/>
+        <p14:creationId xmlns:p14="http://schemas.microsoft.com/office/powerpoint/2010/main" val="2670246799"/>
       </p:ext>
     </p:extLst>
   </p:cSld>
@@ -1811,7 +1817,7 @@
           <a:p>
             <a:fld id="{210C85D1-D769-4E3C-BD67-6FCFE11EFBEA}" type="slidenum">
               <a:rPr lang="en-NL" smtClean="0"/>
-              <a:t>24</a:t>
+              <a:t>26</a:t>
             </a:fld>
             <a:endParaRPr lang="en-NL"/>
           </a:p>
@@ -1987,7 +1993,7 @@
           <a:p>
             <a:fld id="{9446F294-FC6D-4658-8D72-6C175CC4BEDF}" type="datetimeFigureOut">
               <a:rPr lang="en-US" smtClean="0"/>
-              <a:t>9/28/2022</a:t>
+              <a:t>9/29/2022</a:t>
             </a:fld>
             <a:endParaRPr lang="en-US"/>
           </a:p>
@@ -2211,7 +2217,7 @@
           <a:p>
             <a:fld id="{9446F294-FC6D-4658-8D72-6C175CC4BEDF}" type="datetimeFigureOut">
               <a:rPr lang="en-US" smtClean="0"/>
-              <a:t>9/28/2022</a:t>
+              <a:t>9/29/2022</a:t>
             </a:fld>
             <a:endParaRPr lang="en-US"/>
           </a:p>
@@ -2445,7 +2451,7 @@
           <a:p>
             <a:fld id="{9446F294-FC6D-4658-8D72-6C175CC4BEDF}" type="datetimeFigureOut">
               <a:rPr lang="en-US" smtClean="0"/>
-              <a:t>9/28/2022</a:t>
+              <a:t>9/29/2022</a:t>
             </a:fld>
             <a:endParaRPr lang="en-US"/>
           </a:p>
@@ -2669,7 +2675,7 @@
           <a:p>
             <a:fld id="{9446F294-FC6D-4658-8D72-6C175CC4BEDF}" type="datetimeFigureOut">
               <a:rPr lang="en-US" smtClean="0"/>
-              <a:t>9/28/2022</a:t>
+              <a:t>9/29/2022</a:t>
             </a:fld>
             <a:endParaRPr lang="en-US"/>
           </a:p>
@@ -2969,7 +2975,7 @@
           <a:p>
             <a:fld id="{9446F294-FC6D-4658-8D72-6C175CC4BEDF}" type="datetimeFigureOut">
               <a:rPr lang="en-US" smtClean="0"/>
-              <a:t>9/28/2022</a:t>
+              <a:t>9/29/2022</a:t>
             </a:fld>
             <a:endParaRPr lang="en-US"/>
           </a:p>
@@ -3261,7 +3267,7 @@
           <a:p>
             <a:fld id="{9446F294-FC6D-4658-8D72-6C175CC4BEDF}" type="datetimeFigureOut">
               <a:rPr lang="en-US" smtClean="0"/>
-              <a:t>9/28/2022</a:t>
+              <a:t>9/29/2022</a:t>
             </a:fld>
             <a:endParaRPr lang="en-US"/>
           </a:p>
@@ -3700,7 +3706,7 @@
           <a:p>
             <a:fld id="{9446F294-FC6D-4658-8D72-6C175CC4BEDF}" type="datetimeFigureOut">
               <a:rPr lang="en-US" smtClean="0"/>
-              <a:t>9/28/2022</a:t>
+              <a:t>9/29/2022</a:t>
             </a:fld>
             <a:endParaRPr lang="en-US"/>
           </a:p>
@@ -3866,7 +3872,7 @@
           <a:p>
             <a:fld id="{9446F294-FC6D-4658-8D72-6C175CC4BEDF}" type="datetimeFigureOut">
               <a:rPr lang="en-US" smtClean="0"/>
-              <a:t>9/28/2022</a:t>
+              <a:t>9/29/2022</a:t>
             </a:fld>
             <a:endParaRPr lang="en-US"/>
           </a:p>
@@ -4003,7 +4009,7 @@
           <a:p>
             <a:fld id="{9446F294-FC6D-4658-8D72-6C175CC4BEDF}" type="datetimeFigureOut">
               <a:rPr lang="en-US" smtClean="0"/>
-              <a:t>9/28/2022</a:t>
+              <a:t>9/29/2022</a:t>
             </a:fld>
             <a:endParaRPr lang="en-US"/>
           </a:p>
@@ -4340,7 +4346,7 @@
           <a:p>
             <a:fld id="{9446F294-FC6D-4658-8D72-6C175CC4BEDF}" type="datetimeFigureOut">
               <a:rPr lang="en-US" smtClean="0"/>
-              <a:t>9/28/2022</a:t>
+              <a:t>9/29/2022</a:t>
             </a:fld>
             <a:endParaRPr lang="en-US"/>
           </a:p>
@@ -4653,7 +4659,7 @@
           <a:p>
             <a:fld id="{9446F294-FC6D-4658-8D72-6C175CC4BEDF}" type="datetimeFigureOut">
               <a:rPr lang="en-US" smtClean="0"/>
-              <a:t>9/28/2022</a:t>
+              <a:t>9/29/2022</a:t>
             </a:fld>
             <a:endParaRPr lang="en-US"/>
           </a:p>
@@ -6435,7 +6441,6 @@
               <a:rPr lang="en-US" sz="2200" b="1" dirty="0">
                 <a:latin typeface="Courier New" panose="02070309020205020404" pitchFamily="49" charset="0"/>
                 <a:cs typeface="Courier New" panose="02070309020205020404" pitchFamily="49" charset="0"/>
-                <a:hlinkClick r:id="rId3" action="ppaction://hlinkfile"/>
               </a:rPr>
               <a:t>solution/</a:t>
             </a:r>
@@ -6443,25 +6448,17 @@
               <a:rPr lang="en-US" sz="2200" b="1" dirty="0" err="1">
                 <a:latin typeface="Courier New" panose="02070309020205020404" pitchFamily="49" charset="0"/>
                 <a:cs typeface="Courier New" panose="02070309020205020404" pitchFamily="49" charset="0"/>
-                <a:hlinkClick r:id="rId3" action="ppaction://hlinkfile"/>
               </a:rPr>
               <a:t>solution.sch</a:t>
             </a:r>
             <a:r>
-              <a:rPr lang="en-US" sz="2200" dirty="0">
-                <a:hlinkClick r:id="rId3" action="ppaction://hlinkfile"/>
-              </a:rPr>
-              <a:t> </a:t>
-            </a:r>
-            <a:r>
               <a:rPr lang="en-US" sz="2200" dirty="0"/>
-              <a:t>(short explanation in </a:t>
+              <a:t> (short explanation in </a:t>
             </a:r>
             <a:r>
               <a:rPr lang="en-US" sz="2200" b="1" dirty="0">
                 <a:latin typeface="Courier New" panose="02070309020205020404" pitchFamily="49" charset="0"/>
                 <a:cs typeface="Courier New" panose="02070309020205020404" pitchFamily="49" charset="0"/>
-                <a:hlinkClick r:id="rId4" action="ppaction://hlinkfile"/>
               </a:rPr>
               <a:t>solution/explanation.pdf</a:t>
             </a:r>
@@ -6491,13 +6488,13 @@
           <p:nvPr/>
         </p:nvPicPr>
         <p:blipFill>
-          <a:blip r:embed="rId5">
+          <a:blip r:embed="rId3">
             <a:extLst>
               <a:ext uri="{28A0092B-C50C-407E-A947-70E740481C1C}">
                 <a14:useLocalDpi xmlns:a14="http://schemas.microsoft.com/office/drawing/2010/main" val="0"/>
               </a:ext>
               <a:ext uri="{96DAC541-7B7A-43D3-8B79-37D633B846F1}">
-                <asvg:svgBlip xmlns:asvg="http://schemas.microsoft.com/office/drawing/2016/SVG/main" r:embed="rId6"/>
+                <asvg:svgBlip xmlns:asvg="http://schemas.microsoft.com/office/drawing/2016/SVG/main" r:embed="rId4"/>
               </a:ext>
             </a:extLst>
           </a:blip>
@@ -7076,7 +7073,6 @@
               <a:rPr lang="en-US" sz="2200" b="1" dirty="0">
                 <a:latin typeface="Courier New" panose="02070309020205020404" pitchFamily="49" charset="0"/>
                 <a:cs typeface="Courier New" panose="02070309020205020404" pitchFamily="49" charset="0"/>
-                <a:hlinkClick r:id="rId3" action="ppaction://hlinkfile"/>
               </a:rPr>
               <a:t>solution/</a:t>
             </a:r>
@@ -7084,25 +7080,17 @@
               <a:rPr lang="en-US" sz="2200" b="1" dirty="0" err="1">
                 <a:latin typeface="Courier New" panose="02070309020205020404" pitchFamily="49" charset="0"/>
                 <a:cs typeface="Courier New" panose="02070309020205020404" pitchFamily="49" charset="0"/>
-                <a:hlinkClick r:id="rId3" action="ppaction://hlinkfile"/>
               </a:rPr>
               <a:t>solution.sch</a:t>
             </a:r>
             <a:r>
-              <a:rPr lang="en-US" sz="2200" dirty="0">
-                <a:hlinkClick r:id="rId3" action="ppaction://hlinkfile"/>
-              </a:rPr>
-              <a:t> </a:t>
-            </a:r>
-            <a:r>
               <a:rPr lang="en-US" sz="2200" dirty="0"/>
-              <a:t>(short explanation in </a:t>
+              <a:t> (short explanation in </a:t>
             </a:r>
             <a:r>
               <a:rPr lang="en-US" sz="2200" b="1" dirty="0">
                 <a:latin typeface="Courier New" panose="02070309020205020404" pitchFamily="49" charset="0"/>
                 <a:cs typeface="Courier New" panose="02070309020205020404" pitchFamily="49" charset="0"/>
-                <a:hlinkClick r:id="rId4" action="ppaction://hlinkfile"/>
               </a:rPr>
               <a:t>solution/explanation.pdf</a:t>
             </a:r>
@@ -7132,13 +7120,13 @@
           <p:nvPr/>
         </p:nvPicPr>
         <p:blipFill>
-          <a:blip r:embed="rId5">
+          <a:blip r:embed="rId3">
             <a:extLst>
               <a:ext uri="{28A0092B-C50C-407E-A947-70E740481C1C}">
                 <a14:useLocalDpi xmlns:a14="http://schemas.microsoft.com/office/drawing/2010/main" val="0"/>
               </a:ext>
               <a:ext uri="{96DAC541-7B7A-43D3-8B79-37D633B846F1}">
-                <asvg:svgBlip xmlns:asvg="http://schemas.microsoft.com/office/drawing/2016/SVG/main" r:embed="rId6"/>
+                <asvg:svgBlip xmlns:asvg="http://schemas.microsoft.com/office/drawing/2016/SVG/main" r:embed="rId4"/>
               </a:ext>
             </a:extLst>
           </a:blip>
@@ -9188,7 +9176,6 @@
               <a:rPr lang="en-US" sz="2200" b="1" dirty="0">
                 <a:latin typeface="Courier New" panose="02070309020205020404" pitchFamily="49" charset="0"/>
                 <a:cs typeface="Courier New" panose="02070309020205020404" pitchFamily="49" charset="0"/>
-                <a:hlinkClick r:id="rId3" action="ppaction://hlinkfile"/>
               </a:rPr>
               <a:t>solution/</a:t>
             </a:r>
@@ -9196,7 +9183,6 @@
               <a:rPr lang="en-US" sz="2200" b="1" dirty="0" err="1">
                 <a:latin typeface="Courier New" panose="02070309020205020404" pitchFamily="49" charset="0"/>
                 <a:cs typeface="Courier New" panose="02070309020205020404" pitchFamily="49" charset="0"/>
-                <a:hlinkClick r:id="rId3" action="ppaction://hlinkfile"/>
               </a:rPr>
               <a:t>solution.sch</a:t>
             </a:r>
@@ -9208,7 +9194,6 @@
               <a:rPr lang="en-US" sz="2200" b="1" dirty="0">
                 <a:latin typeface="Courier New" panose="02070309020205020404" pitchFamily="49" charset="0"/>
                 <a:cs typeface="Courier New" panose="02070309020205020404" pitchFamily="49" charset="0"/>
-                <a:hlinkClick r:id="rId4" action="ppaction://hlinkfile"/>
               </a:rPr>
               <a:t>solution/explanation.pdf</a:t>
             </a:r>
@@ -9235,7 +9220,6 @@
               <a:rPr lang="en-US" sz="2200" b="1" dirty="0">
                 <a:latin typeface="Courier New" panose="02070309020205020404" pitchFamily="49" charset="0"/>
                 <a:cs typeface="Courier New" panose="02070309020205020404" pitchFamily="49" charset="0"/>
-                <a:hlinkClick r:id="rId5" action="ppaction://hlinkfile"/>
               </a:rPr>
               <a:t>solution/solution-</a:t>
             </a:r>
@@ -9243,7 +9227,6 @@
               <a:rPr lang="en-US" sz="2200" b="1" dirty="0" err="1">
                 <a:latin typeface="Courier New" panose="02070309020205020404" pitchFamily="49" charset="0"/>
                 <a:cs typeface="Courier New" panose="02070309020205020404" pitchFamily="49" charset="0"/>
-                <a:hlinkClick r:id="rId5" action="ppaction://hlinkfile"/>
               </a:rPr>
               <a:t>extended.sch</a:t>
             </a:r>
@@ -9272,13 +9255,13 @@
           <p:nvPr/>
         </p:nvPicPr>
         <p:blipFill>
-          <a:blip r:embed="rId6">
+          <a:blip r:embed="rId3">
             <a:extLst>
               <a:ext uri="{28A0092B-C50C-407E-A947-70E740481C1C}">
                 <a14:useLocalDpi xmlns:a14="http://schemas.microsoft.com/office/drawing/2010/main" val="0"/>
               </a:ext>
               <a:ext uri="{96DAC541-7B7A-43D3-8B79-37D633B846F1}">
-                <asvg:svgBlip xmlns:asvg="http://schemas.microsoft.com/office/drawing/2016/SVG/main" r:embed="rId7"/>
+                <asvg:svgBlip xmlns:asvg="http://schemas.microsoft.com/office/drawing/2016/SVG/main" r:embed="rId4"/>
               </a:ext>
             </a:extLst>
           </a:blip>
@@ -9386,12 +9369,159 @@
             <p:ph idx="1"/>
           </p:nvPr>
         </p:nvSpPr>
-        <p:spPr/>
+        <p:spPr>
+          <a:xfrm>
+            <a:off x="838200" y="1021605"/>
+            <a:ext cx="10515600" cy="5073377"/>
+          </a:xfrm>
+        </p:spPr>
         <p:txBody>
-          <a:bodyPr/>
+          <a:bodyPr>
+            <a:normAutofit lnSpcReduction="10000"/>
+          </a:bodyPr>
           <a:lstStyle/>
           <a:p>
-            <a:endParaRPr lang="en-NL" dirty="0"/>
+            <a:r>
+              <a:rPr lang="en-US" dirty="0"/>
+              <a:t>Declare a variable using the </a:t>
+            </a:r>
+            <a:r>
+              <a:rPr lang="en-US" sz="2600" b="1" dirty="0">
+                <a:latin typeface="Courier New" panose="02070309020205020404" pitchFamily="49" charset="0"/>
+                <a:cs typeface="Courier New" panose="02070309020205020404" pitchFamily="49" charset="0"/>
+              </a:rPr>
+              <a:t>&lt;let&gt; </a:t>
+            </a:r>
+            <a:r>
+              <a:rPr lang="en-US" dirty="0"/>
+              <a:t>element:</a:t>
+            </a:r>
+            <a:br>
+              <a:rPr lang="en-US" dirty="0"/>
+            </a:br>
+            <a:br>
+              <a:rPr lang="en-US" dirty="0"/>
+            </a:br>
+            <a:r>
+              <a:rPr lang="en-US" sz="2600" b="1" dirty="0">
+                <a:latin typeface="Courier New" panose="02070309020205020404" pitchFamily="49" charset="0"/>
+                <a:cs typeface="Courier New" panose="02070309020205020404" pitchFamily="49" charset="0"/>
+              </a:rPr>
+              <a:t>&lt;let name="code-value" value="@code"/&gt;</a:t>
+            </a:r>
+          </a:p>
+          <a:p>
+            <a:endParaRPr lang="en-US" dirty="0"/>
+          </a:p>
+          <a:p>
+            <a:r>
+              <a:rPr lang="en-US" dirty="0"/>
+              <a:t>Allowed as children of:</a:t>
+            </a:r>
+          </a:p>
+          <a:p>
+            <a:pPr lvl="1"/>
+            <a:r>
+              <a:rPr lang="en-US" dirty="0"/>
+              <a:t> </a:t>
+            </a:r>
+            <a:r>
+              <a:rPr lang="en-US" sz="2200" b="1" dirty="0">
+                <a:latin typeface="Courier New" panose="02070309020205020404" pitchFamily="49" charset="0"/>
+                <a:cs typeface="Courier New" panose="02070309020205020404" pitchFamily="49" charset="0"/>
+              </a:rPr>
+              <a:t>&lt;schema&gt;</a:t>
+            </a:r>
+            <a:r>
+              <a:rPr lang="en-US" dirty="0"/>
+              <a:t> (context item document node)</a:t>
+            </a:r>
+            <a:endParaRPr lang="en-US" sz="2200" b="1" dirty="0">
+              <a:latin typeface="Courier New" panose="02070309020205020404" pitchFamily="49" charset="0"/>
+              <a:cs typeface="Courier New" panose="02070309020205020404" pitchFamily="49" charset="0"/>
+            </a:endParaRPr>
+          </a:p>
+          <a:p>
+            <a:pPr lvl="1"/>
+            <a:r>
+              <a:rPr lang="en-US" sz="2200" b="1" dirty="0">
+                <a:latin typeface="Courier New" panose="02070309020205020404" pitchFamily="49" charset="0"/>
+                <a:cs typeface="Courier New" panose="02070309020205020404" pitchFamily="49" charset="0"/>
+              </a:rPr>
+              <a:t>&lt;pattern&gt;</a:t>
+            </a:r>
+            <a:r>
+              <a:rPr lang="en-US" sz="2400" dirty="0"/>
+              <a:t> (context item document node)</a:t>
+            </a:r>
+            <a:endParaRPr lang="en-US" sz="2200" b="1" dirty="0">
+              <a:latin typeface="Courier New" panose="02070309020205020404" pitchFamily="49" charset="0"/>
+              <a:cs typeface="Courier New" panose="02070309020205020404" pitchFamily="49" charset="0"/>
+            </a:endParaRPr>
+          </a:p>
+          <a:p>
+            <a:pPr lvl="1"/>
+            <a:r>
+              <a:rPr lang="en-US" sz="2200" b="1" dirty="0">
+                <a:latin typeface="Courier New" panose="02070309020205020404" pitchFamily="49" charset="0"/>
+                <a:cs typeface="Courier New" panose="02070309020205020404" pitchFamily="49" charset="0"/>
+              </a:rPr>
+              <a:t>&lt;rule&gt;</a:t>
+            </a:r>
+            <a:r>
+              <a:rPr lang="en-US" sz="2400" dirty="0"/>
+              <a:t> (context item node matched upon)</a:t>
+            </a:r>
+            <a:endParaRPr lang="en-US" sz="2200" b="1" dirty="0">
+              <a:latin typeface="Courier New" panose="02070309020205020404" pitchFamily="49" charset="0"/>
+              <a:cs typeface="Courier New" panose="02070309020205020404" pitchFamily="49" charset="0"/>
+            </a:endParaRPr>
+          </a:p>
+          <a:p>
+            <a:endParaRPr lang="en-US" dirty="0"/>
+          </a:p>
+          <a:p>
+            <a:r>
+              <a:rPr lang="en-US" dirty="0"/>
+              <a:t>Reference it (like in XSLT) with a </a:t>
+            </a:r>
+            <a:r>
+              <a:rPr lang="en-US" sz="2600" b="1" dirty="0">
+                <a:latin typeface="Courier New" panose="02070309020205020404" pitchFamily="49" charset="0"/>
+                <a:cs typeface="Courier New" panose="02070309020205020404" pitchFamily="49" charset="0"/>
+              </a:rPr>
+              <a:t>$</a:t>
+            </a:r>
+            <a:r>
+              <a:rPr lang="en-US" dirty="0"/>
+              <a:t> prefix:</a:t>
+            </a:r>
+            <a:br>
+              <a:rPr lang="en-US" dirty="0"/>
+            </a:br>
+            <a:br>
+              <a:rPr lang="en-US" dirty="0"/>
+            </a:br>
+            <a:r>
+              <a:rPr lang="en-US" sz="2600" b="1" dirty="0">
+                <a:latin typeface="Courier New" panose="02070309020205020404" pitchFamily="49" charset="0"/>
+                <a:cs typeface="Courier New" panose="02070309020205020404" pitchFamily="49" charset="0"/>
+              </a:rPr>
+              <a:t>&lt;assert test="$code-value eq 'IMPORTANT'"&gt;</a:t>
+            </a:r>
+            <a:br>
+              <a:rPr lang="en-US" sz="2600" b="1" dirty="0">
+                <a:latin typeface="Courier New" panose="02070309020205020404" pitchFamily="49" charset="0"/>
+                <a:cs typeface="Courier New" panose="02070309020205020404" pitchFamily="49" charset="0"/>
+              </a:rPr>
+            </a:br>
+            <a:r>
+              <a:rPr lang="en-US" sz="2600" b="1" dirty="0">
+                <a:latin typeface="Courier New" panose="02070309020205020404" pitchFamily="49" charset="0"/>
+                <a:cs typeface="Courier New" panose="02070309020205020404" pitchFamily="49" charset="0"/>
+              </a:rPr>
+              <a:t>&lt;value-of select="$code-value"/&gt;</a:t>
+            </a:r>
           </a:p>
         </p:txBody>
       </p:sp>
@@ -9443,7 +9573,7 @@
         </p:nvSpPr>
         <p:spPr>
           <a:xfrm>
-            <a:off x="1874520" y="278023"/>
+            <a:off x="1218674" y="-179178"/>
             <a:ext cx="10515600" cy="1325563"/>
           </a:xfrm>
         </p:spPr>
@@ -9453,7 +9583,7 @@
           <a:p>
             <a:r>
               <a:rPr lang="en-US" b="1" dirty="0"/>
-              <a:t>Hands-on: Variable usage</a:t>
+              <a:t>Hands-on: variable usage</a:t>
             </a:r>
             <a:endParaRPr lang="en-NL" b="1" dirty="0"/>
           </a:p>
@@ -9477,15 +9607,192 @@
         </p:nvSpPr>
         <p:spPr>
           <a:xfrm>
-            <a:off x="249766" y="1552211"/>
-            <a:ext cx="11692468" cy="4084108"/>
+            <a:off x="249766" y="1325186"/>
+            <a:ext cx="11826620" cy="4899039"/>
           </a:xfrm>
         </p:spPr>
         <p:txBody>
           <a:bodyPr>
-            <a:normAutofit/>
+            <a:normAutofit fontScale="92500" lnSpcReduction="10000"/>
           </a:bodyPr>
           <a:lstStyle/>
+          <a:p>
+            <a:r>
+              <a:rPr lang="en-US" dirty="0"/>
+              <a:t>All files in:  </a:t>
+            </a:r>
+            <a:r>
+              <a:rPr lang="en-US" b="1" dirty="0">
+                <a:latin typeface="Courier New" panose="02070309020205020404" pitchFamily="49" charset="0"/>
+                <a:cs typeface="Courier New" panose="02070309020205020404" pitchFamily="49" charset="0"/>
+              </a:rPr>
+              <a:t>…/exercises</a:t>
+            </a:r>
+            <a:r>
+              <a:rPr lang="en-US" dirty="0">
+                <a:latin typeface="Courier New" panose="02070309020205020404" pitchFamily="49" charset="0"/>
+                <a:cs typeface="Courier New" panose="02070309020205020404" pitchFamily="49" charset="0"/>
+              </a:rPr>
+              <a:t>/</a:t>
+            </a:r>
+            <a:r>
+              <a:rPr lang="en-US" b="1" dirty="0">
+                <a:latin typeface="Courier New" panose="02070309020205020404" pitchFamily="49" charset="0"/>
+                <a:cs typeface="Courier New" panose="02070309020205020404" pitchFamily="49" charset="0"/>
+              </a:rPr>
+              <a:t>exercise-02-04</a:t>
+            </a:r>
+          </a:p>
+          <a:p>
+            <a:endParaRPr lang="en-US" dirty="0"/>
+          </a:p>
+          <a:p>
+            <a:r>
+              <a:rPr lang="en-US" dirty="0"/>
+              <a:t>Read the instructions in:  </a:t>
+            </a:r>
+            <a:r>
+              <a:rPr lang="en-US" b="1" dirty="0">
+                <a:latin typeface="Courier New" panose="02070309020205020404" pitchFamily="49" charset="0"/>
+                <a:cs typeface="Courier New" panose="02070309020205020404" pitchFamily="49" charset="0"/>
+              </a:rPr>
+              <a:t>instructions.pdf</a:t>
+            </a:r>
+            <a:endParaRPr lang="en-US" dirty="0"/>
+          </a:p>
+          <a:p>
+            <a:r>
+              <a:rPr lang="en-US" dirty="0"/>
+              <a:t>Open the files:</a:t>
+            </a:r>
+          </a:p>
+          <a:p>
+            <a:pPr lvl="1"/>
+            <a:r>
+              <a:rPr lang="en-US" dirty="0"/>
+              <a:t>Document to validate: </a:t>
+            </a:r>
+            <a:r>
+              <a:rPr lang="en-US" b="1" dirty="0">
+                <a:latin typeface="Courier New" panose="02070309020205020404" pitchFamily="49" charset="0"/>
+                <a:cs typeface="Courier New" panose="02070309020205020404" pitchFamily="49" charset="0"/>
+              </a:rPr>
+              <a:t>input.xml</a:t>
+            </a:r>
+          </a:p>
+          <a:p>
+            <a:pPr lvl="1"/>
+            <a:r>
+              <a:rPr lang="en-US" dirty="0"/>
+              <a:t>Template Schematron schema: </a:t>
+            </a:r>
+            <a:r>
+              <a:rPr lang="en-US" b="1" dirty="0" err="1">
+                <a:latin typeface="Courier New" panose="02070309020205020404" pitchFamily="49" charset="0"/>
+                <a:cs typeface="Courier New" panose="02070309020205020404" pitchFamily="49" charset="0"/>
+              </a:rPr>
+              <a:t>template.sch</a:t>
+            </a:r>
+            <a:endParaRPr lang="en-US" b="1" dirty="0">
+              <a:latin typeface="Courier New" panose="02070309020205020404" pitchFamily="49" charset="0"/>
+              <a:cs typeface="Courier New" panose="02070309020205020404" pitchFamily="49" charset="0"/>
+            </a:endParaRPr>
+          </a:p>
+          <a:p>
+            <a:r>
+              <a:rPr lang="en-US" dirty="0"/>
+              <a:t>Enhance </a:t>
+            </a:r>
+            <a:r>
+              <a:rPr lang="en-US" b="1" dirty="0" err="1">
+                <a:latin typeface="Courier New" panose="02070309020205020404" pitchFamily="49" charset="0"/>
+                <a:cs typeface="Courier New" panose="02070309020205020404" pitchFamily="49" charset="0"/>
+              </a:rPr>
+              <a:t>template.sch</a:t>
+            </a:r>
+            <a:r>
+              <a:rPr lang="en-US" dirty="0"/>
+              <a:t> according to the instructions </a:t>
+            </a:r>
+          </a:p>
+          <a:p>
+            <a:r>
+              <a:rPr lang="en-US" dirty="0"/>
+              <a:t>To try it out in oXygen, </a:t>
+            </a:r>
+            <a:r>
+              <a:rPr lang="en-US" b="1" dirty="0">
+                <a:latin typeface="Courier New" panose="02070309020205020404" pitchFamily="49" charset="0"/>
+                <a:cs typeface="Courier New" panose="02070309020205020404" pitchFamily="49" charset="0"/>
+              </a:rPr>
+              <a:t>input.xml</a:t>
+            </a:r>
+            <a:r>
+              <a:rPr lang="en-US" dirty="0"/>
+              <a:t> is automatically validated by </a:t>
+            </a:r>
+            <a:r>
+              <a:rPr lang="en-US" b="1" dirty="0" err="1">
+                <a:latin typeface="Courier New" panose="02070309020205020404" pitchFamily="49" charset="0"/>
+                <a:cs typeface="Courier New" panose="02070309020205020404" pitchFamily="49" charset="0"/>
+              </a:rPr>
+              <a:t>template.sch</a:t>
+            </a:r>
+            <a:endParaRPr lang="en-US" b="1" dirty="0">
+              <a:latin typeface="Courier New" panose="02070309020205020404" pitchFamily="49" charset="0"/>
+              <a:cs typeface="Courier New" panose="02070309020205020404" pitchFamily="49" charset="0"/>
+            </a:endParaRPr>
+          </a:p>
+          <a:p>
+            <a:endParaRPr lang="en-US" dirty="0"/>
+          </a:p>
+          <a:p>
+            <a:endParaRPr lang="en-US" dirty="0"/>
+          </a:p>
+          <a:p>
+            <a:pPr marL="0" indent="0">
+              <a:buNone/>
+            </a:pPr>
+            <a:r>
+              <a:rPr lang="en-US" sz="2200" dirty="0"/>
+              <a:t>Possible solution in: </a:t>
+            </a:r>
+            <a:r>
+              <a:rPr lang="en-US" sz="2200" b="1" dirty="0">
+                <a:latin typeface="Courier New" panose="02070309020205020404" pitchFamily="49" charset="0"/>
+                <a:cs typeface="Courier New" panose="02070309020205020404" pitchFamily="49" charset="0"/>
+              </a:rPr>
+              <a:t>solution/</a:t>
+            </a:r>
+            <a:r>
+              <a:rPr lang="en-US" sz="2200" b="1" dirty="0" err="1">
+                <a:latin typeface="Courier New" panose="02070309020205020404" pitchFamily="49" charset="0"/>
+                <a:cs typeface="Courier New" panose="02070309020205020404" pitchFamily="49" charset="0"/>
+              </a:rPr>
+              <a:t>solution.sch</a:t>
+            </a:r>
+            <a:r>
+              <a:rPr lang="en-US" sz="2200" dirty="0"/>
+              <a:t> (short explanation in </a:t>
+            </a:r>
+            <a:r>
+              <a:rPr lang="en-US" sz="2200" b="1" dirty="0">
+                <a:latin typeface="Courier New" panose="02070309020205020404" pitchFamily="49" charset="0"/>
+                <a:cs typeface="Courier New" panose="02070309020205020404" pitchFamily="49" charset="0"/>
+              </a:rPr>
+              <a:t>solution/explanation.pdf</a:t>
+            </a:r>
+            <a:r>
+              <a:rPr lang="en-US" sz="2200" dirty="0"/>
+              <a:t>).</a:t>
+            </a:r>
+          </a:p>
+          <a:p>
+            <a:pPr marL="0" indent="0">
+              <a:buNone/>
+            </a:pPr>
+            <a:endParaRPr lang="en-US" sz="2200" dirty="0"/>
+          </a:p>
           <a:p>
             <a:endParaRPr lang="en-GB" dirty="0"/>
           </a:p>
@@ -9522,7 +9829,7 @@
         </p:blipFill>
         <p:spPr>
           <a:xfrm>
-            <a:off x="838200" y="483604"/>
+            <a:off x="249766" y="26404"/>
             <a:ext cx="914400" cy="914400"/>
           </a:xfrm>
           <a:prstGeom prst="rect">
@@ -9533,7 +9840,7 @@
     </p:spTree>
     <p:extLst>
       <p:ext uri="{BB962C8B-B14F-4D97-AF65-F5344CB8AC3E}">
-        <p14:creationId xmlns:p14="http://schemas.microsoft.com/office/powerpoint/2010/main" val="3805193544"/>
+        <p14:creationId xmlns:p14="http://schemas.microsoft.com/office/powerpoint/2010/main" val="2987372482"/>
       </p:ext>
     </p:extLst>
   </p:cSld>
@@ -9859,15 +10166,268 @@
             <p:ph idx="1"/>
           </p:nvPr>
         </p:nvSpPr>
-        <p:spPr/>
+        <p:spPr>
+          <a:xfrm>
+            <a:off x="428823" y="1636438"/>
+            <a:ext cx="11559276" cy="4351338"/>
+          </a:xfrm>
+        </p:spPr>
         <p:txBody>
           <a:bodyPr/>
           <a:lstStyle/>
           <a:p>
-            <a:endParaRPr lang="en-NL" dirty="0"/>
+            <a:r>
+              <a:rPr lang="en-US" dirty="0"/>
+              <a:t>Namespaces for expressions </a:t>
+            </a:r>
+            <a:r>
+              <a:rPr lang="en-US" i="1" dirty="0"/>
+              <a:t>must</a:t>
+            </a:r>
+            <a:r>
+              <a:rPr lang="en-US" dirty="0"/>
+              <a:t> be declared with </a:t>
+            </a:r>
+            <a:r>
+              <a:rPr lang="en-US" sz="2600" b="1" dirty="0">
+                <a:latin typeface="Courier New" panose="02070309020205020404" pitchFamily="49" charset="0"/>
+                <a:cs typeface="Courier New" panose="02070309020205020404" pitchFamily="49" charset="0"/>
+              </a:rPr>
+              <a:t>&lt;ns&gt; </a:t>
+            </a:r>
+            <a:r>
+              <a:rPr lang="en-US" dirty="0"/>
+              <a:t>elements:</a:t>
+            </a:r>
+            <a:br>
+              <a:rPr lang="en-US" dirty="0"/>
+            </a:br>
+            <a:br>
+              <a:rPr lang="en-US" dirty="0"/>
+            </a:br>
+            <a:r>
+              <a:rPr lang="pt-BR" sz="2600" b="1" dirty="0">
+                <a:latin typeface="Courier New" panose="02070309020205020404" pitchFamily="49" charset="0"/>
+                <a:cs typeface="Courier New" panose="02070309020205020404" pitchFamily="49" charset="0"/>
+              </a:rPr>
+              <a:t>&lt;ns uri="http://www.w3.org/1999/xhtml" prefix="xh"/&gt;</a:t>
+            </a:r>
+          </a:p>
+          <a:p>
+            <a:endParaRPr lang="pt-BR" sz="2600" b="1" dirty="0">
+              <a:latin typeface="Courier New" panose="02070309020205020404" pitchFamily="49" charset="0"/>
+              <a:cs typeface="Courier New" panose="02070309020205020404" pitchFamily="49" charset="0"/>
+            </a:endParaRPr>
+          </a:p>
+          <a:p>
+            <a:r>
+              <a:rPr lang="pt-BR" dirty="0"/>
+              <a:t>The "normal" XML way of declaring namespaces will not work for expressions:</a:t>
+            </a:r>
+            <a:br>
+              <a:rPr lang="en-US" dirty="0"/>
+            </a:br>
+            <a:br>
+              <a:rPr lang="en-US" dirty="0"/>
+            </a:br>
+            <a:r>
+              <a:rPr lang="de-DE" sz="2600" b="1" dirty="0">
+                <a:latin typeface="Courier New" panose="02070309020205020404" pitchFamily="49" charset="0"/>
+                <a:cs typeface="Courier New" panose="02070309020205020404" pitchFamily="49" charset="0"/>
+              </a:rPr>
+              <a:t>&lt;</a:t>
+            </a:r>
+            <a:r>
+              <a:rPr lang="de-DE" sz="2600" b="1" dirty="0" err="1">
+                <a:latin typeface="Courier New" panose="02070309020205020404" pitchFamily="49" charset="0"/>
+                <a:cs typeface="Courier New" panose="02070309020205020404" pitchFamily="49" charset="0"/>
+              </a:rPr>
+              <a:t>schema</a:t>
+            </a:r>
+            <a:r>
+              <a:rPr lang="de-DE" sz="2600" b="1" dirty="0">
+                <a:latin typeface="Courier New" panose="02070309020205020404" pitchFamily="49" charset="0"/>
+                <a:cs typeface="Courier New" panose="02070309020205020404" pitchFamily="49" charset="0"/>
+              </a:rPr>
+              <a:t> … </a:t>
+            </a:r>
+            <a:r>
+              <a:rPr lang="de-DE" sz="2600" b="1" dirty="0" err="1">
+                <a:latin typeface="Courier New" panose="02070309020205020404" pitchFamily="49" charset="0"/>
+                <a:cs typeface="Courier New" panose="02070309020205020404" pitchFamily="49" charset="0"/>
+              </a:rPr>
+              <a:t>xmlns:xh</a:t>
+            </a:r>
+            <a:r>
+              <a:rPr lang="de-DE" sz="2600" b="1" dirty="0">
+                <a:latin typeface="Courier New" panose="02070309020205020404" pitchFamily="49" charset="0"/>
+                <a:cs typeface="Courier New" panose="02070309020205020404" pitchFamily="49" charset="0"/>
+              </a:rPr>
+              <a:t>="http://www.w3.org/1999/xhtml"&gt;</a:t>
+            </a:r>
+            <a:endParaRPr lang="pt-BR" sz="2600" b="1" dirty="0">
+              <a:latin typeface="Courier New" panose="02070309020205020404" pitchFamily="49" charset="0"/>
+              <a:cs typeface="Courier New" panose="02070309020205020404" pitchFamily="49" charset="0"/>
+            </a:endParaRPr>
           </a:p>
         </p:txBody>
       </p:sp>
+      <p:grpSp>
+        <p:nvGrpSpPr>
+          <p:cNvPr id="4" name="Group 3">
+            <a:extLst>
+              <a:ext uri="{FF2B5EF4-FFF2-40B4-BE49-F238E27FC236}">
+                <a16:creationId xmlns:a16="http://schemas.microsoft.com/office/drawing/2014/main" id="{663300EE-3660-03FF-269B-4D133E0EA8AE}"/>
+              </a:ext>
+            </a:extLst>
+          </p:cNvPr>
+          <p:cNvGrpSpPr/>
+          <p:nvPr/>
+        </p:nvGrpSpPr>
+        <p:grpSpPr>
+          <a:xfrm>
+            <a:off x="4860636" y="4116907"/>
+            <a:ext cx="2470727" cy="1219200"/>
+            <a:chOff x="1145309" y="2059709"/>
+            <a:chExt cx="2470727" cy="1219200"/>
+          </a:xfrm>
+        </p:grpSpPr>
+        <p:cxnSp>
+          <p:nvCxnSpPr>
+            <p:cNvPr id="5" name="Straight Connector 4">
+              <a:extLst>
+                <a:ext uri="{FF2B5EF4-FFF2-40B4-BE49-F238E27FC236}">
+                  <a16:creationId xmlns:a16="http://schemas.microsoft.com/office/drawing/2014/main" id="{BE2E4DA8-4D56-2CEC-FF05-1FC7B92CCB28}"/>
+                </a:ext>
+              </a:extLst>
+            </p:cNvPr>
+            <p:cNvCxnSpPr/>
+            <p:nvPr/>
+          </p:nvCxnSpPr>
+          <p:spPr>
+            <a:xfrm flipV="1">
+              <a:off x="1145309" y="2059709"/>
+              <a:ext cx="2470727" cy="1145309"/>
+            </a:xfrm>
+            <a:prstGeom prst="line">
+              <a:avLst/>
+            </a:prstGeom>
+            <a:ln w="63500">
+              <a:solidFill>
+                <a:srgbClr val="FF0000">
+                  <a:alpha val="80000"/>
+                </a:srgbClr>
+              </a:solidFill>
+            </a:ln>
+          </p:spPr>
+          <p:style>
+            <a:lnRef idx="1">
+              <a:schemeClr val="accent1"/>
+            </a:lnRef>
+            <a:fillRef idx="0">
+              <a:schemeClr val="accent1"/>
+            </a:fillRef>
+            <a:effectRef idx="0">
+              <a:schemeClr val="accent1"/>
+            </a:effectRef>
+            <a:fontRef idx="minor">
+              <a:schemeClr val="tx1"/>
+            </a:fontRef>
+          </p:style>
+        </p:cxnSp>
+        <p:cxnSp>
+          <p:nvCxnSpPr>
+            <p:cNvPr id="6" name="Straight Connector 5">
+              <a:extLst>
+                <a:ext uri="{FF2B5EF4-FFF2-40B4-BE49-F238E27FC236}">
+                  <a16:creationId xmlns:a16="http://schemas.microsoft.com/office/drawing/2014/main" id="{DCE7F614-3B2C-8ED1-3EDE-4F2EC965401B}"/>
+                </a:ext>
+              </a:extLst>
+            </p:cNvPr>
+            <p:cNvCxnSpPr>
+              <a:cxnSpLocks/>
+            </p:cNvCxnSpPr>
+            <p:nvPr/>
+          </p:nvCxnSpPr>
+          <p:spPr>
+            <a:xfrm flipH="1" flipV="1">
+              <a:off x="1274618" y="2212109"/>
+              <a:ext cx="1902691" cy="1066800"/>
+            </a:xfrm>
+            <a:prstGeom prst="line">
+              <a:avLst/>
+            </a:prstGeom>
+            <a:ln w="63500">
+              <a:solidFill>
+                <a:srgbClr val="FF0000">
+                  <a:alpha val="80000"/>
+                </a:srgbClr>
+              </a:solidFill>
+            </a:ln>
+          </p:spPr>
+          <p:style>
+            <a:lnRef idx="1">
+              <a:schemeClr val="accent1"/>
+            </a:lnRef>
+            <a:fillRef idx="0">
+              <a:schemeClr val="accent1"/>
+            </a:fillRef>
+            <a:effectRef idx="0">
+              <a:schemeClr val="accent1"/>
+            </a:effectRef>
+            <a:fontRef idx="minor">
+              <a:schemeClr val="tx1"/>
+            </a:fontRef>
+          </p:style>
+        </p:cxnSp>
+      </p:grpSp>
+      <p:pic>
+        <p:nvPicPr>
+          <p:cNvPr id="3074" name="Picture 2" descr="Vacancy Wrap Up - LoveHR">
+            <a:extLst>
+              <a:ext uri="{FF2B5EF4-FFF2-40B4-BE49-F238E27FC236}">
+                <a16:creationId xmlns:a16="http://schemas.microsoft.com/office/drawing/2014/main" id="{53CAC7D0-5FE5-F5E7-15E3-0BE2325F5143}"/>
+              </a:ext>
+            </a:extLst>
+          </p:cNvPr>
+          <p:cNvPicPr>
+            <a:picLocks noChangeAspect="1" noChangeArrowheads="1"/>
+          </p:cNvPicPr>
+          <p:nvPr/>
+        </p:nvPicPr>
+        <p:blipFill>
+          <a:blip r:embed="rId2">
+            <a:extLst>
+              <a:ext uri="{28A0092B-C50C-407E-A947-70E740481C1C}">
+                <a14:useLocalDpi xmlns:a14="http://schemas.microsoft.com/office/drawing/2010/main" val="0"/>
+              </a:ext>
+            </a:extLst>
+          </a:blip>
+          <a:srcRect/>
+          <a:stretch>
+            <a:fillRect/>
+          </a:stretch>
+        </p:blipFill>
+        <p:spPr bwMode="auto">
+          <a:xfrm>
+            <a:off x="9892544" y="5030086"/>
+            <a:ext cx="1561214" cy="2341821"/>
+          </a:xfrm>
+          <a:prstGeom prst="rect">
+            <a:avLst/>
+          </a:prstGeom>
+          <a:noFill/>
+          <a:extLst>
+            <a:ext uri="{909E8E84-426E-40DD-AFC4-6F175D3DCCD1}">
+              <a14:hiddenFill xmlns:a14="http://schemas.microsoft.com/office/drawing/2010/main">
+                <a:solidFill>
+                  <a:srgbClr val="FFFFFF"/>
+                </a:solidFill>
+              </a14:hiddenFill>
+            </a:ext>
+          </a:extLst>
+        </p:spPr>
+      </p:pic>
     </p:spTree>
     <p:extLst>
       <p:ext uri="{BB962C8B-B14F-4D97-AF65-F5344CB8AC3E}">
@@ -9916,7 +10476,7 @@
         </p:nvSpPr>
         <p:spPr>
           <a:xfrm>
-            <a:off x="1874520" y="278023"/>
+            <a:off x="1218674" y="-179178"/>
             <a:ext cx="10515600" cy="1325563"/>
           </a:xfrm>
         </p:spPr>
@@ -9926,7 +10486,7 @@
           <a:p>
             <a:r>
               <a:rPr lang="en-US" b="1" dirty="0"/>
-              <a:t>Hands-on: Validate XML in a namespace</a:t>
+              <a:t>Hands-on: Declaring and using a namespace</a:t>
             </a:r>
             <a:endParaRPr lang="en-NL" b="1" dirty="0"/>
           </a:p>
@@ -9950,15 +10510,192 @@
         </p:nvSpPr>
         <p:spPr>
           <a:xfrm>
-            <a:off x="249766" y="1552211"/>
-            <a:ext cx="11692468" cy="4084108"/>
+            <a:off x="249766" y="1325186"/>
+            <a:ext cx="11826620" cy="4899039"/>
           </a:xfrm>
         </p:spPr>
         <p:txBody>
           <a:bodyPr>
-            <a:normAutofit/>
+            <a:normAutofit fontScale="92500" lnSpcReduction="10000"/>
           </a:bodyPr>
           <a:lstStyle/>
+          <a:p>
+            <a:r>
+              <a:rPr lang="en-US" dirty="0"/>
+              <a:t>All files in:  </a:t>
+            </a:r>
+            <a:r>
+              <a:rPr lang="en-US" b="1" dirty="0">
+                <a:latin typeface="Courier New" panose="02070309020205020404" pitchFamily="49" charset="0"/>
+                <a:cs typeface="Courier New" panose="02070309020205020404" pitchFamily="49" charset="0"/>
+              </a:rPr>
+              <a:t>…/exercises</a:t>
+            </a:r>
+            <a:r>
+              <a:rPr lang="en-US" dirty="0">
+                <a:latin typeface="Courier New" panose="02070309020205020404" pitchFamily="49" charset="0"/>
+                <a:cs typeface="Courier New" panose="02070309020205020404" pitchFamily="49" charset="0"/>
+              </a:rPr>
+              <a:t>/</a:t>
+            </a:r>
+            <a:r>
+              <a:rPr lang="en-US" b="1" dirty="0">
+                <a:latin typeface="Courier New" panose="02070309020205020404" pitchFamily="49" charset="0"/>
+                <a:cs typeface="Courier New" panose="02070309020205020404" pitchFamily="49" charset="0"/>
+              </a:rPr>
+              <a:t>exercise-02-05</a:t>
+            </a:r>
+          </a:p>
+          <a:p>
+            <a:endParaRPr lang="en-US" dirty="0"/>
+          </a:p>
+          <a:p>
+            <a:r>
+              <a:rPr lang="en-US" dirty="0"/>
+              <a:t>Read the instructions in:  </a:t>
+            </a:r>
+            <a:r>
+              <a:rPr lang="en-US" b="1" dirty="0">
+                <a:latin typeface="Courier New" panose="02070309020205020404" pitchFamily="49" charset="0"/>
+                <a:cs typeface="Courier New" panose="02070309020205020404" pitchFamily="49" charset="0"/>
+              </a:rPr>
+              <a:t>instructions.pdf</a:t>
+            </a:r>
+            <a:endParaRPr lang="en-US" dirty="0"/>
+          </a:p>
+          <a:p>
+            <a:r>
+              <a:rPr lang="en-US" dirty="0"/>
+              <a:t>Open the files:</a:t>
+            </a:r>
+          </a:p>
+          <a:p>
+            <a:pPr lvl="1"/>
+            <a:r>
+              <a:rPr lang="en-US" dirty="0"/>
+              <a:t>Document to validate: </a:t>
+            </a:r>
+            <a:r>
+              <a:rPr lang="en-US" b="1" dirty="0">
+                <a:latin typeface="Courier New" panose="02070309020205020404" pitchFamily="49" charset="0"/>
+                <a:cs typeface="Courier New" panose="02070309020205020404" pitchFamily="49" charset="0"/>
+              </a:rPr>
+              <a:t>input.xml</a:t>
+            </a:r>
+          </a:p>
+          <a:p>
+            <a:pPr lvl="1"/>
+            <a:r>
+              <a:rPr lang="en-US" dirty="0"/>
+              <a:t>Template Schematron schema: </a:t>
+            </a:r>
+            <a:r>
+              <a:rPr lang="en-US" b="1" dirty="0" err="1">
+                <a:latin typeface="Courier New" panose="02070309020205020404" pitchFamily="49" charset="0"/>
+                <a:cs typeface="Courier New" panose="02070309020205020404" pitchFamily="49" charset="0"/>
+              </a:rPr>
+              <a:t>template.sch</a:t>
+            </a:r>
+            <a:endParaRPr lang="en-US" b="1" dirty="0">
+              <a:latin typeface="Courier New" panose="02070309020205020404" pitchFamily="49" charset="0"/>
+              <a:cs typeface="Courier New" panose="02070309020205020404" pitchFamily="49" charset="0"/>
+            </a:endParaRPr>
+          </a:p>
+          <a:p>
+            <a:r>
+              <a:rPr lang="en-US" dirty="0"/>
+              <a:t>Write </a:t>
+            </a:r>
+            <a:r>
+              <a:rPr lang="en-US" b="1" dirty="0" err="1">
+                <a:latin typeface="Courier New" panose="02070309020205020404" pitchFamily="49" charset="0"/>
+                <a:cs typeface="Courier New" panose="02070309020205020404" pitchFamily="49" charset="0"/>
+              </a:rPr>
+              <a:t>template.sch</a:t>
+            </a:r>
+            <a:r>
+              <a:rPr lang="en-US" dirty="0"/>
+              <a:t> according to the instructions </a:t>
+            </a:r>
+          </a:p>
+          <a:p>
+            <a:r>
+              <a:rPr lang="en-US" dirty="0"/>
+              <a:t>To try it out in oXygen, </a:t>
+            </a:r>
+            <a:r>
+              <a:rPr lang="en-US" b="1" dirty="0">
+                <a:latin typeface="Courier New" panose="02070309020205020404" pitchFamily="49" charset="0"/>
+                <a:cs typeface="Courier New" panose="02070309020205020404" pitchFamily="49" charset="0"/>
+              </a:rPr>
+              <a:t>input.xml</a:t>
+            </a:r>
+            <a:r>
+              <a:rPr lang="en-US" dirty="0"/>
+              <a:t> is automatically validated by </a:t>
+            </a:r>
+            <a:r>
+              <a:rPr lang="en-US" b="1" dirty="0" err="1">
+                <a:latin typeface="Courier New" panose="02070309020205020404" pitchFamily="49" charset="0"/>
+                <a:cs typeface="Courier New" panose="02070309020205020404" pitchFamily="49" charset="0"/>
+              </a:rPr>
+              <a:t>template.sch</a:t>
+            </a:r>
+            <a:endParaRPr lang="en-US" b="1" dirty="0">
+              <a:latin typeface="Courier New" panose="02070309020205020404" pitchFamily="49" charset="0"/>
+              <a:cs typeface="Courier New" panose="02070309020205020404" pitchFamily="49" charset="0"/>
+            </a:endParaRPr>
+          </a:p>
+          <a:p>
+            <a:endParaRPr lang="en-US" dirty="0"/>
+          </a:p>
+          <a:p>
+            <a:endParaRPr lang="en-US" dirty="0"/>
+          </a:p>
+          <a:p>
+            <a:pPr marL="0" indent="0">
+              <a:buNone/>
+            </a:pPr>
+            <a:r>
+              <a:rPr lang="en-US" sz="2200" dirty="0"/>
+              <a:t>Possible solution in: </a:t>
+            </a:r>
+            <a:r>
+              <a:rPr lang="en-US" sz="2200" b="1" dirty="0">
+                <a:latin typeface="Courier New" panose="02070309020205020404" pitchFamily="49" charset="0"/>
+                <a:cs typeface="Courier New" panose="02070309020205020404" pitchFamily="49" charset="0"/>
+              </a:rPr>
+              <a:t>solution/</a:t>
+            </a:r>
+            <a:r>
+              <a:rPr lang="en-US" sz="2200" b="1" dirty="0" err="1">
+                <a:latin typeface="Courier New" panose="02070309020205020404" pitchFamily="49" charset="0"/>
+                <a:cs typeface="Courier New" panose="02070309020205020404" pitchFamily="49" charset="0"/>
+              </a:rPr>
+              <a:t>solution.sch</a:t>
+            </a:r>
+            <a:r>
+              <a:rPr lang="en-US" sz="2200" dirty="0"/>
+              <a:t> (short explanation in </a:t>
+            </a:r>
+            <a:r>
+              <a:rPr lang="en-US" sz="2200" b="1" dirty="0">
+                <a:latin typeface="Courier New" panose="02070309020205020404" pitchFamily="49" charset="0"/>
+                <a:cs typeface="Courier New" panose="02070309020205020404" pitchFamily="49" charset="0"/>
+              </a:rPr>
+              <a:t>solution/explanation.pdf</a:t>
+            </a:r>
+            <a:r>
+              <a:rPr lang="en-US" sz="2200" dirty="0"/>
+              <a:t>).</a:t>
+            </a:r>
+          </a:p>
+          <a:p>
+            <a:pPr marL="0" indent="0">
+              <a:buNone/>
+            </a:pPr>
+            <a:endParaRPr lang="en-US" sz="2200" dirty="0"/>
+          </a:p>
           <a:p>
             <a:endParaRPr lang="en-GB" dirty="0"/>
           </a:p>
@@ -9995,7 +10732,7 @@
         </p:blipFill>
         <p:spPr>
           <a:xfrm>
-            <a:off x="838200" y="483604"/>
+            <a:off x="249766" y="26404"/>
             <a:ext cx="914400" cy="914400"/>
           </a:xfrm>
           <a:prstGeom prst="rect">
@@ -10006,7 +10743,7 @@
     </p:spTree>
     <p:extLst>
       <p:ext uri="{BB962C8B-B14F-4D97-AF65-F5344CB8AC3E}">
-        <p14:creationId xmlns:p14="http://schemas.microsoft.com/office/powerpoint/2010/main" val="1609972852"/>
+        <p14:creationId xmlns:p14="http://schemas.microsoft.com/office/powerpoint/2010/main" val="3691147203"/>
       </p:ext>
     </p:extLst>
   </p:cSld>
@@ -10017,6 +10754,839 @@
 </file>
 
 <file path=ppt/slides/slide22.xml><?xml version="1.0" encoding="utf-8"?>
+<p:sld xmlns:a="http://schemas.openxmlformats.org/drawingml/2006/main" xmlns:r="http://schemas.openxmlformats.org/officeDocument/2006/relationships" xmlns:p="http://schemas.openxmlformats.org/presentationml/2006/main">
+  <p:cSld>
+    <p:spTree>
+      <p:nvGrpSpPr>
+        <p:cNvPr id="1" name=""/>
+        <p:cNvGrpSpPr/>
+        <p:nvPr/>
+      </p:nvGrpSpPr>
+      <p:grpSpPr>
+        <a:xfrm>
+          <a:off x="0" y="0"/>
+          <a:ext cx="0" cy="0"/>
+          <a:chOff x="0" y="0"/>
+          <a:chExt cx="0" cy="0"/>
+        </a:xfrm>
+      </p:grpSpPr>
+      <p:sp>
+        <p:nvSpPr>
+          <p:cNvPr id="2" name="Title 1">
+            <a:extLst>
+              <a:ext uri="{FF2B5EF4-FFF2-40B4-BE49-F238E27FC236}">
+                <a16:creationId xmlns:a16="http://schemas.microsoft.com/office/drawing/2014/main" id="{7AD31D82-777E-1EFB-2DE1-30B76F26DABD}"/>
+              </a:ext>
+            </a:extLst>
+          </p:cNvPr>
+          <p:cNvSpPr>
+            <a:spLocks noGrp="1"/>
+          </p:cNvSpPr>
+          <p:nvPr>
+            <p:ph type="title"/>
+          </p:nvPr>
+        </p:nvSpPr>
+        <p:spPr>
+          <a:xfrm>
+            <a:off x="554665" y="216269"/>
+            <a:ext cx="10515600" cy="1325563"/>
+          </a:xfrm>
+        </p:spPr>
+        <p:txBody>
+          <a:bodyPr/>
+          <a:lstStyle/>
+          <a:p>
+            <a:r>
+              <a:rPr lang="en-US" b="1" dirty="0"/>
+              <a:t>Basic Schematron: Wrap-up</a:t>
+            </a:r>
+            <a:endParaRPr lang="en-NL" b="1" dirty="0"/>
+          </a:p>
+        </p:txBody>
+      </p:sp>
+      <p:sp>
+        <p:nvSpPr>
+          <p:cNvPr id="3" name="Content Placeholder 2">
+            <a:extLst>
+              <a:ext uri="{FF2B5EF4-FFF2-40B4-BE49-F238E27FC236}">
+                <a16:creationId xmlns:a16="http://schemas.microsoft.com/office/drawing/2014/main" id="{9FEC1DB9-AE42-8621-DE7C-ED29162C072A}"/>
+              </a:ext>
+            </a:extLst>
+          </p:cNvPr>
+          <p:cNvSpPr>
+            <a:spLocks noGrp="1"/>
+          </p:cNvSpPr>
+          <p:nvPr>
+            <p:ph idx="1"/>
+          </p:nvPr>
+        </p:nvSpPr>
+        <p:spPr>
+          <a:xfrm>
+            <a:off x="838200" y="1825625"/>
+            <a:ext cx="11119884" cy="4351338"/>
+          </a:xfrm>
+        </p:spPr>
+        <p:txBody>
+          <a:bodyPr>
+            <a:normAutofit/>
+          </a:bodyPr>
+          <a:lstStyle/>
+          <a:p>
+            <a:r>
+              <a:rPr lang="en-US" dirty="0"/>
+              <a:t>Root element </a:t>
+            </a:r>
+            <a:r>
+              <a:rPr lang="en-US" b="1" dirty="0">
+                <a:latin typeface="Courier New" panose="02070309020205020404" pitchFamily="49" charset="0"/>
+                <a:cs typeface="Courier New" panose="02070309020205020404" pitchFamily="49" charset="0"/>
+              </a:rPr>
+              <a:t>&lt;schema&gt; </a:t>
+            </a:r>
+            <a:r>
+              <a:rPr lang="en-US" dirty="0"/>
+              <a:t>with namespace </a:t>
+            </a:r>
+            <a:r>
+              <a:rPr lang="en-US" b="1" dirty="0">
+                <a:latin typeface="Courier New" panose="02070309020205020404" pitchFamily="49" charset="0"/>
+                <a:cs typeface="Courier New" panose="02070309020205020404" pitchFamily="49" charset="0"/>
+              </a:rPr>
+              <a:t>http://purl.oclc.org/dsdl/schematron</a:t>
+            </a:r>
+          </a:p>
+          <a:p>
+            <a:r>
+              <a:rPr lang="en-US" dirty="0"/>
+              <a:t>A Schematron schema consists of:</a:t>
+            </a:r>
+          </a:p>
+          <a:p>
+            <a:pPr lvl="1"/>
+            <a:r>
+              <a:rPr lang="en-US" sz="2000" b="1" dirty="0">
+                <a:latin typeface="Courier New" panose="02070309020205020404" pitchFamily="49" charset="0"/>
+                <a:cs typeface="Courier New" panose="02070309020205020404" pitchFamily="49" charset="0"/>
+              </a:rPr>
+              <a:t>&lt;pattern&gt; </a:t>
+            </a:r>
+            <a:r>
+              <a:rPr lang="en-US" dirty="0"/>
+              <a:t>(checked for all nodes in the document)</a:t>
+            </a:r>
+          </a:p>
+          <a:p>
+            <a:pPr lvl="2"/>
+            <a:r>
+              <a:rPr lang="en-US" b="1" dirty="0">
+                <a:latin typeface="Courier New" panose="02070309020205020404" pitchFamily="49" charset="0"/>
+                <a:cs typeface="Courier New" panose="02070309020205020404" pitchFamily="49" charset="0"/>
+              </a:rPr>
+              <a:t>&lt;rule&gt; </a:t>
+            </a:r>
+            <a:r>
+              <a:rPr lang="en-US" dirty="0"/>
+              <a:t>(only the first on that matches fires)</a:t>
+            </a:r>
+          </a:p>
+          <a:p>
+            <a:pPr lvl="3"/>
+            <a:r>
+              <a:rPr lang="en-US" sz="2000" b="1" dirty="0">
+                <a:latin typeface="Courier New" panose="02070309020205020404" pitchFamily="49" charset="0"/>
+                <a:cs typeface="Courier New" panose="02070309020205020404" pitchFamily="49" charset="0"/>
+              </a:rPr>
+              <a:t>&lt;assert test="…"&gt;</a:t>
+            </a:r>
+          </a:p>
+          <a:p>
+            <a:pPr lvl="3"/>
+            <a:r>
+              <a:rPr lang="en-US" sz="2000" b="1" dirty="0">
+                <a:latin typeface="Courier New" panose="02070309020205020404" pitchFamily="49" charset="0"/>
+                <a:cs typeface="Courier New" panose="02070309020205020404" pitchFamily="49" charset="0"/>
+              </a:rPr>
+              <a:t>&lt;report test="…"&gt;</a:t>
+            </a:r>
+          </a:p>
+          <a:p>
+            <a:r>
+              <a:rPr lang="en-US" dirty="0"/>
+              <a:t>Enhance the messages using </a:t>
+            </a:r>
+            <a:r>
+              <a:rPr lang="en-US" b="1" dirty="0">
+                <a:latin typeface="Courier New" panose="02070309020205020404" pitchFamily="49" charset="0"/>
+                <a:cs typeface="Courier New" panose="02070309020205020404" pitchFamily="49" charset="0"/>
+              </a:rPr>
+              <a:t>&lt;value-of select="…"&gt; </a:t>
+            </a:r>
+            <a:r>
+              <a:rPr lang="en-US" dirty="0"/>
+              <a:t>elements</a:t>
+            </a:r>
+          </a:p>
+          <a:p>
+            <a:r>
+              <a:rPr lang="en-US" dirty="0"/>
+              <a:t>Create variables using </a:t>
+            </a:r>
+            <a:r>
+              <a:rPr lang="en-US" b="1" dirty="0">
+                <a:latin typeface="Courier New" panose="02070309020205020404" pitchFamily="49" charset="0"/>
+                <a:cs typeface="Courier New" panose="02070309020205020404" pitchFamily="49" charset="0"/>
+              </a:rPr>
+              <a:t>&lt;let name="…" value="…"&gt; </a:t>
+            </a:r>
+            <a:r>
+              <a:rPr lang="en-US" dirty="0"/>
+              <a:t>elements</a:t>
+            </a:r>
+          </a:p>
+          <a:p>
+            <a:r>
+              <a:rPr lang="en-US" dirty="0"/>
+              <a:t>Define a namespace using </a:t>
+            </a:r>
+            <a:r>
+              <a:rPr lang="en-US" b="1" dirty="0">
+                <a:latin typeface="Courier New" panose="02070309020205020404" pitchFamily="49" charset="0"/>
+                <a:cs typeface="Courier New" panose="02070309020205020404" pitchFamily="49" charset="0"/>
+              </a:rPr>
+              <a:t>&lt;ns </a:t>
+            </a:r>
+            <a:r>
+              <a:rPr lang="en-US" b="1" dirty="0" err="1">
+                <a:latin typeface="Courier New" panose="02070309020205020404" pitchFamily="49" charset="0"/>
+                <a:cs typeface="Courier New" panose="02070309020205020404" pitchFamily="49" charset="0"/>
+              </a:rPr>
+              <a:t>uri</a:t>
+            </a:r>
+            <a:r>
+              <a:rPr lang="en-US" b="1" dirty="0">
+                <a:latin typeface="Courier New" panose="02070309020205020404" pitchFamily="49" charset="0"/>
+                <a:cs typeface="Courier New" panose="02070309020205020404" pitchFamily="49" charset="0"/>
+              </a:rPr>
+              <a:t>="…" prefix="…"&gt; </a:t>
+            </a:r>
+            <a:r>
+              <a:rPr lang="en-US" dirty="0"/>
+              <a:t>elements</a:t>
+            </a:r>
+            <a:endParaRPr lang="en-NL" dirty="0"/>
+          </a:p>
+        </p:txBody>
+      </p:sp>
+      <p:pic>
+        <p:nvPicPr>
+          <p:cNvPr id="2050" name="Picture 2" descr="wrap-up – Escaping in Paper">
+            <a:extLst>
+              <a:ext uri="{FF2B5EF4-FFF2-40B4-BE49-F238E27FC236}">
+                <a16:creationId xmlns:a16="http://schemas.microsoft.com/office/drawing/2014/main" id="{77C26278-6156-431D-2B8F-1A87D15A9921}"/>
+              </a:ext>
+            </a:extLst>
+          </p:cNvPr>
+          <p:cNvPicPr>
+            <a:picLocks noChangeAspect="1" noChangeArrowheads="1"/>
+          </p:cNvPicPr>
+          <p:nvPr/>
+        </p:nvPicPr>
+        <p:blipFill>
+          <a:blip r:embed="rId2">
+            <a:extLst>
+              <a:ext uri="{28A0092B-C50C-407E-A947-70E740481C1C}">
+                <a14:useLocalDpi xmlns:a14="http://schemas.microsoft.com/office/drawing/2010/main" val="0"/>
+              </a:ext>
+            </a:extLst>
+          </a:blip>
+          <a:srcRect/>
+          <a:stretch>
+            <a:fillRect/>
+          </a:stretch>
+        </p:blipFill>
+        <p:spPr bwMode="auto">
+          <a:xfrm rot="2299056">
+            <a:off x="8073144" y="539156"/>
+            <a:ext cx="4307663" cy="2143765"/>
+          </a:xfrm>
+          <a:prstGeom prst="rect">
+            <a:avLst/>
+          </a:prstGeom>
+          <a:noFill/>
+          <a:extLst>
+            <a:ext uri="{909E8E84-426E-40DD-AFC4-6F175D3DCCD1}">
+              <a14:hiddenFill xmlns:a14="http://schemas.microsoft.com/office/drawing/2010/main">
+                <a:solidFill>
+                  <a:srgbClr val="FFFFFF"/>
+                </a:solidFill>
+              </a14:hiddenFill>
+            </a:ext>
+          </a:extLst>
+        </p:spPr>
+      </p:pic>
+    </p:spTree>
+    <p:extLst>
+      <p:ext uri="{BB962C8B-B14F-4D97-AF65-F5344CB8AC3E}">
+        <p14:creationId xmlns:p14="http://schemas.microsoft.com/office/powerpoint/2010/main" val="1303613528"/>
+      </p:ext>
+    </p:extLst>
+  </p:cSld>
+  <p:clrMapOvr>
+    <a:masterClrMapping/>
+  </p:clrMapOvr>
+</p:sld>
+</file>
+
+<file path=ppt/slides/slide23.xml><?xml version="1.0" encoding="utf-8"?>
+<p:sld xmlns:a="http://schemas.openxmlformats.org/drawingml/2006/main" xmlns:r="http://schemas.openxmlformats.org/officeDocument/2006/relationships" xmlns:p="http://schemas.openxmlformats.org/presentationml/2006/main">
+  <p:cSld>
+    <p:spTree>
+      <p:nvGrpSpPr>
+        <p:cNvPr id="1" name=""/>
+        <p:cNvGrpSpPr/>
+        <p:nvPr/>
+      </p:nvGrpSpPr>
+      <p:grpSpPr>
+        <a:xfrm>
+          <a:off x="0" y="0"/>
+          <a:ext cx="0" cy="0"/>
+          <a:chOff x="0" y="0"/>
+          <a:chExt cx="0" cy="0"/>
+        </a:xfrm>
+      </p:grpSpPr>
+      <p:pic>
+        <p:nvPicPr>
+          <p:cNvPr id="4098" name="Picture 2" descr="Multi colored papers">
+            <a:extLst>
+              <a:ext uri="{FF2B5EF4-FFF2-40B4-BE49-F238E27FC236}">
+                <a16:creationId xmlns:a16="http://schemas.microsoft.com/office/drawing/2014/main" id="{E1F4AEFC-A4FF-9BD5-AD7A-CDCC3BB22C4F}"/>
+              </a:ext>
+            </a:extLst>
+          </p:cNvPr>
+          <p:cNvPicPr>
+            <a:picLocks noChangeAspect="1" noChangeArrowheads="1"/>
+          </p:cNvPicPr>
+          <p:nvPr/>
+        </p:nvPicPr>
+        <p:blipFill>
+          <a:blip r:embed="rId2">
+            <a:extLst>
+              <a:ext uri="{28A0092B-C50C-407E-A947-70E740481C1C}">
+                <a14:useLocalDpi xmlns:a14="http://schemas.microsoft.com/office/drawing/2010/main" val="0"/>
+              </a:ext>
+            </a:extLst>
+          </a:blip>
+          <a:srcRect/>
+          <a:stretch/>
+        </p:blipFill>
+        <p:spPr bwMode="auto">
+          <a:xfrm>
+            <a:off x="-307428" y="-252247"/>
+            <a:ext cx="12675476" cy="7169660"/>
+          </a:xfrm>
+          <a:prstGeom prst="rect">
+            <a:avLst/>
+          </a:prstGeom>
+          <a:noFill/>
+          <a:extLst>
+            <a:ext uri="{909E8E84-426E-40DD-AFC4-6F175D3DCCD1}">
+              <a14:hiddenFill xmlns:a14="http://schemas.microsoft.com/office/drawing/2010/main">
+                <a:solidFill>
+                  <a:srgbClr val="FFFFFF"/>
+                </a:solidFill>
+              </a14:hiddenFill>
+            </a:ext>
+          </a:extLst>
+        </p:spPr>
+      </p:pic>
+      <p:sp>
+        <p:nvSpPr>
+          <p:cNvPr id="2" name="Title 1">
+            <a:extLst>
+              <a:ext uri="{FF2B5EF4-FFF2-40B4-BE49-F238E27FC236}">
+                <a16:creationId xmlns:a16="http://schemas.microsoft.com/office/drawing/2014/main" id="{0CD49B7C-CAF1-4E91-0DDE-2F695C57FBDF}"/>
+              </a:ext>
+            </a:extLst>
+          </p:cNvPr>
+          <p:cNvSpPr>
+            <a:spLocks noGrp="1"/>
+          </p:cNvSpPr>
+          <p:nvPr>
+            <p:ph type="title"/>
+          </p:nvPr>
+        </p:nvSpPr>
+        <p:spPr>
+          <a:xfrm>
+            <a:off x="157709" y="366823"/>
+            <a:ext cx="4934553" cy="946869"/>
+          </a:xfrm>
+          <a:solidFill>
+            <a:schemeClr val="bg1"/>
+          </a:solidFill>
+        </p:spPr>
+        <p:txBody>
+          <a:bodyPr>
+            <a:normAutofit/>
+          </a:bodyPr>
+          <a:lstStyle/>
+          <a:p>
+            <a:r>
+              <a:rPr lang="en-US" sz="5400" b="1" dirty="0"/>
+              <a:t>Abstract patterns</a:t>
+            </a:r>
+            <a:endParaRPr lang="en-NL" sz="5400" b="1" dirty="0"/>
+          </a:p>
+        </p:txBody>
+      </p:sp>
+    </p:spTree>
+    <p:extLst>
+      <p:ext uri="{BB962C8B-B14F-4D97-AF65-F5344CB8AC3E}">
+        <p14:creationId xmlns:p14="http://schemas.microsoft.com/office/powerpoint/2010/main" val="1990055066"/>
+      </p:ext>
+    </p:extLst>
+  </p:cSld>
+  <p:clrMapOvr>
+    <a:masterClrMapping/>
+  </p:clrMapOvr>
+</p:sld>
+</file>
+
+<file path=ppt/slides/slide24.xml><?xml version="1.0" encoding="utf-8"?>
+<p:sld xmlns:a="http://schemas.openxmlformats.org/drawingml/2006/main" xmlns:r="http://schemas.openxmlformats.org/officeDocument/2006/relationships" xmlns:p="http://schemas.openxmlformats.org/presentationml/2006/main">
+  <p:cSld>
+    <p:spTree>
+      <p:nvGrpSpPr>
+        <p:cNvPr id="1" name=""/>
+        <p:cNvGrpSpPr/>
+        <p:nvPr/>
+      </p:nvGrpSpPr>
+      <p:grpSpPr>
+        <a:xfrm>
+          <a:off x="0" y="0"/>
+          <a:ext cx="0" cy="0"/>
+          <a:chOff x="0" y="0"/>
+          <a:chExt cx="0" cy="0"/>
+        </a:xfrm>
+      </p:grpSpPr>
+      <p:sp>
+        <p:nvSpPr>
+          <p:cNvPr id="2" name="Title 1">
+            <a:extLst>
+              <a:ext uri="{FF2B5EF4-FFF2-40B4-BE49-F238E27FC236}">
+                <a16:creationId xmlns:a16="http://schemas.microsoft.com/office/drawing/2014/main" id="{143F979C-CA86-AE0D-1B71-C61F31ADE85A}"/>
+              </a:ext>
+            </a:extLst>
+          </p:cNvPr>
+          <p:cNvSpPr>
+            <a:spLocks noGrp="1"/>
+          </p:cNvSpPr>
+          <p:nvPr>
+            <p:ph type="title"/>
+          </p:nvPr>
+        </p:nvSpPr>
+        <p:spPr>
+          <a:xfrm>
+            <a:off x="396765" y="80552"/>
+            <a:ext cx="10515600" cy="1082922"/>
+          </a:xfrm>
+        </p:spPr>
+        <p:txBody>
+          <a:bodyPr/>
+          <a:lstStyle/>
+          <a:p>
+            <a:r>
+              <a:rPr lang="en-US" b="1" dirty="0"/>
+              <a:t>Abstract pattern fundamentals</a:t>
+            </a:r>
+            <a:endParaRPr lang="en-NL" b="1" dirty="0"/>
+          </a:p>
+        </p:txBody>
+      </p:sp>
+      <p:sp>
+        <p:nvSpPr>
+          <p:cNvPr id="3" name="Content Placeholder 2">
+            <a:extLst>
+              <a:ext uri="{FF2B5EF4-FFF2-40B4-BE49-F238E27FC236}">
+                <a16:creationId xmlns:a16="http://schemas.microsoft.com/office/drawing/2014/main" id="{1E1B3B90-3318-C079-0296-4EB7F92BBE04}"/>
+              </a:ext>
+            </a:extLst>
+          </p:cNvPr>
+          <p:cNvSpPr>
+            <a:spLocks noGrp="1"/>
+          </p:cNvSpPr>
+          <p:nvPr>
+            <p:ph idx="1"/>
+          </p:nvPr>
+        </p:nvSpPr>
+        <p:spPr>
+          <a:xfrm>
+            <a:off x="672662" y="1163473"/>
+            <a:ext cx="10515600" cy="1232885"/>
+          </a:xfrm>
+        </p:spPr>
+        <p:txBody>
+          <a:bodyPr/>
+          <a:lstStyle/>
+          <a:p>
+            <a:r>
+              <a:rPr lang="en-US"/>
+              <a:t>Abstract patterns are </a:t>
+            </a:r>
+            <a:r>
+              <a:rPr lang="en-US" dirty="0">
+                <a:highlight>
+                  <a:srgbClr val="FFFF00"/>
+                </a:highlight>
+              </a:rPr>
+              <a:t>macros</a:t>
+            </a:r>
+          </a:p>
+          <a:p>
+            <a:r>
+              <a:rPr lang="en-US" dirty="0"/>
+              <a:t>Parameters alter their instantiations</a:t>
+            </a:r>
+            <a:endParaRPr lang="en-NL" dirty="0"/>
+          </a:p>
+        </p:txBody>
+      </p:sp>
+      <p:sp>
+        <p:nvSpPr>
+          <p:cNvPr id="4" name="TextBox 3">
+            <a:extLst>
+              <a:ext uri="{FF2B5EF4-FFF2-40B4-BE49-F238E27FC236}">
+                <a16:creationId xmlns:a16="http://schemas.microsoft.com/office/drawing/2014/main" id="{0B792318-938D-97E5-71E9-48F246A27C07}"/>
+              </a:ext>
+            </a:extLst>
+          </p:cNvPr>
+          <p:cNvSpPr txBox="1"/>
+          <p:nvPr/>
+        </p:nvSpPr>
+        <p:spPr>
+          <a:xfrm>
+            <a:off x="396765" y="2930293"/>
+            <a:ext cx="11598167" cy="3046988"/>
+          </a:xfrm>
+          <a:prstGeom prst="rect">
+            <a:avLst/>
+          </a:prstGeom>
+          <a:solidFill>
+            <a:schemeClr val="bg1">
+              <a:lumMod val="95000"/>
+            </a:schemeClr>
+          </a:solidFill>
+        </p:spPr>
+        <p:txBody>
+          <a:bodyPr wrap="square" rtlCol="0">
+            <a:spAutoFit/>
+          </a:bodyPr>
+          <a:lstStyle/>
+          <a:p>
+            <a:r>
+              <a:rPr lang="de-DE" sz="2400" b="1" dirty="0">
+                <a:latin typeface="Courier New" panose="02070309020205020404" pitchFamily="49" charset="0"/>
+                <a:cs typeface="Courier New" panose="02070309020205020404" pitchFamily="49" charset="0"/>
+              </a:rPr>
+              <a:t>&lt;</a:t>
+            </a:r>
+            <a:r>
+              <a:rPr lang="de-DE" sz="2400" b="1" dirty="0" err="1">
+                <a:latin typeface="Courier New" panose="02070309020205020404" pitchFamily="49" charset="0"/>
+                <a:cs typeface="Courier New" panose="02070309020205020404" pitchFamily="49" charset="0"/>
+              </a:rPr>
+              <a:t>pattern</a:t>
+            </a:r>
+            <a:r>
+              <a:rPr lang="de-DE" sz="2400" b="1" dirty="0">
+                <a:latin typeface="Courier New" panose="02070309020205020404" pitchFamily="49" charset="0"/>
+                <a:cs typeface="Courier New" panose="02070309020205020404" pitchFamily="49" charset="0"/>
+              </a:rPr>
+              <a:t> </a:t>
+            </a:r>
+            <a:r>
+              <a:rPr lang="de-DE" sz="2400" b="1" dirty="0" err="1">
+                <a:latin typeface="Courier New" panose="02070309020205020404" pitchFamily="49" charset="0"/>
+                <a:cs typeface="Courier New" panose="02070309020205020404" pitchFamily="49" charset="0"/>
+              </a:rPr>
+              <a:t>abstract</a:t>
+            </a:r>
+            <a:r>
+              <a:rPr lang="de-DE" sz="2400" b="1" dirty="0">
+                <a:latin typeface="Courier New" panose="02070309020205020404" pitchFamily="49" charset="0"/>
+                <a:cs typeface="Courier New" panose="02070309020205020404" pitchFamily="49" charset="0"/>
+              </a:rPr>
+              <a:t>="</a:t>
+            </a:r>
+            <a:r>
+              <a:rPr lang="de-DE" sz="2400" b="1" dirty="0" err="1">
+                <a:latin typeface="Courier New" panose="02070309020205020404" pitchFamily="49" charset="0"/>
+                <a:cs typeface="Courier New" panose="02070309020205020404" pitchFamily="49" charset="0"/>
+              </a:rPr>
+              <a:t>true</a:t>
+            </a:r>
+            <a:r>
+              <a:rPr lang="de-DE" sz="2400" b="1" dirty="0">
+                <a:latin typeface="Courier New" panose="02070309020205020404" pitchFamily="49" charset="0"/>
+                <a:cs typeface="Courier New" panose="02070309020205020404" pitchFamily="49" charset="0"/>
+              </a:rPr>
+              <a:t>" </a:t>
+            </a:r>
+            <a:r>
+              <a:rPr lang="de-DE" sz="2400" b="1" dirty="0" err="1">
+                <a:latin typeface="Courier New" panose="02070309020205020404" pitchFamily="49" charset="0"/>
+                <a:cs typeface="Courier New" panose="02070309020205020404" pitchFamily="49" charset="0"/>
+              </a:rPr>
+              <a:t>id</a:t>
+            </a:r>
+            <a:r>
+              <a:rPr lang="de-DE" sz="2400" b="1" dirty="0">
+                <a:latin typeface="Courier New" panose="02070309020205020404" pitchFamily="49" charset="0"/>
+                <a:cs typeface="Courier New" panose="02070309020205020404" pitchFamily="49" charset="0"/>
+              </a:rPr>
+              <a:t>="</a:t>
+            </a:r>
+            <a:r>
+              <a:rPr lang="de-DE" sz="2400" b="1" dirty="0" err="1">
+                <a:latin typeface="Courier New" panose="02070309020205020404" pitchFamily="49" charset="0"/>
+                <a:cs typeface="Courier New" panose="02070309020205020404" pitchFamily="49" charset="0"/>
+              </a:rPr>
+              <a:t>id</a:t>
+            </a:r>
+            <a:r>
+              <a:rPr lang="de-DE" sz="2400" b="1" dirty="0">
+                <a:latin typeface="Courier New" panose="02070309020205020404" pitchFamily="49" charset="0"/>
+                <a:cs typeface="Courier New" panose="02070309020205020404" pitchFamily="49" charset="0"/>
+              </a:rPr>
+              <a:t>-</a:t>
+            </a:r>
+            <a:r>
+              <a:rPr lang="de-DE" sz="2400" b="1" dirty="0" err="1">
+                <a:latin typeface="Courier New" panose="02070309020205020404" pitchFamily="49" charset="0"/>
+                <a:cs typeface="Courier New" panose="02070309020205020404" pitchFamily="49" charset="0"/>
+              </a:rPr>
+              <a:t>of</a:t>
+            </a:r>
+            <a:r>
+              <a:rPr lang="de-DE" sz="2400" b="1" dirty="0">
+                <a:latin typeface="Courier New" panose="02070309020205020404" pitchFamily="49" charset="0"/>
+                <a:cs typeface="Courier New" panose="02070309020205020404" pitchFamily="49" charset="0"/>
+              </a:rPr>
+              <a:t>-abstract-pattern"&gt;</a:t>
+            </a:r>
+          </a:p>
+          <a:p>
+            <a:r>
+              <a:rPr lang="de-DE" sz="2400" b="1" dirty="0">
+                <a:latin typeface="Courier New" panose="02070309020205020404" pitchFamily="49" charset="0"/>
+                <a:cs typeface="Courier New" panose="02070309020205020404" pitchFamily="49" charset="0"/>
+              </a:rPr>
+              <a:t>  … </a:t>
+            </a:r>
+          </a:p>
+          <a:p>
+            <a:r>
+              <a:rPr lang="de-DE" sz="2400" b="1" dirty="0">
+                <a:latin typeface="Courier New" panose="02070309020205020404" pitchFamily="49" charset="0"/>
+                <a:cs typeface="Courier New" panose="02070309020205020404" pitchFamily="49" charset="0"/>
+              </a:rPr>
+              <a:t>&lt;/</a:t>
+            </a:r>
+            <a:r>
+              <a:rPr lang="de-DE" sz="2400" b="1" dirty="0" err="1">
+                <a:latin typeface="Courier New" panose="02070309020205020404" pitchFamily="49" charset="0"/>
+                <a:cs typeface="Courier New" panose="02070309020205020404" pitchFamily="49" charset="0"/>
+              </a:rPr>
+              <a:t>pattern</a:t>
+            </a:r>
+            <a:r>
+              <a:rPr lang="de-DE" sz="2400" b="1" dirty="0">
+                <a:latin typeface="Courier New" panose="02070309020205020404" pitchFamily="49" charset="0"/>
+                <a:cs typeface="Courier New" panose="02070309020205020404" pitchFamily="49" charset="0"/>
+              </a:rPr>
+              <a:t>&gt;</a:t>
+            </a:r>
+          </a:p>
+          <a:p>
+            <a:endParaRPr lang="de-DE" sz="2400" b="1" dirty="0">
+              <a:latin typeface="Courier New" panose="02070309020205020404" pitchFamily="49" charset="0"/>
+              <a:cs typeface="Courier New" panose="02070309020205020404" pitchFamily="49" charset="0"/>
+            </a:endParaRPr>
+          </a:p>
+          <a:p>
+            <a:endParaRPr lang="de-DE" sz="2400" b="1" dirty="0">
+              <a:latin typeface="Courier New" panose="02070309020205020404" pitchFamily="49" charset="0"/>
+              <a:cs typeface="Courier New" panose="02070309020205020404" pitchFamily="49" charset="0"/>
+            </a:endParaRPr>
+          </a:p>
+          <a:p>
+            <a:r>
+              <a:rPr lang="de-DE" sz="2400" b="1" dirty="0">
+                <a:latin typeface="Courier New" panose="02070309020205020404" pitchFamily="49" charset="0"/>
+                <a:cs typeface="Courier New" panose="02070309020205020404" pitchFamily="49" charset="0"/>
+              </a:rPr>
+              <a:t>&lt;</a:t>
+            </a:r>
+            <a:r>
+              <a:rPr lang="de-DE" sz="2400" b="1" dirty="0" err="1">
+                <a:latin typeface="Courier New" panose="02070309020205020404" pitchFamily="49" charset="0"/>
+                <a:cs typeface="Courier New" panose="02070309020205020404" pitchFamily="49" charset="0"/>
+              </a:rPr>
+              <a:t>pattern</a:t>
+            </a:r>
+            <a:r>
+              <a:rPr lang="de-DE" sz="2400" b="1" dirty="0">
+                <a:latin typeface="Courier New" panose="02070309020205020404" pitchFamily="49" charset="0"/>
+                <a:cs typeface="Courier New" panose="02070309020205020404" pitchFamily="49" charset="0"/>
+              </a:rPr>
+              <a:t> </a:t>
+            </a:r>
+            <a:r>
+              <a:rPr lang="de-DE" sz="2400" b="1" dirty="0" err="1">
+                <a:latin typeface="Courier New" panose="02070309020205020404" pitchFamily="49" charset="0"/>
+                <a:cs typeface="Courier New" panose="02070309020205020404" pitchFamily="49" charset="0"/>
+              </a:rPr>
+              <a:t>is</a:t>
+            </a:r>
+            <a:r>
+              <a:rPr lang="de-DE" sz="2400" b="1" dirty="0">
+                <a:latin typeface="Courier New" panose="02070309020205020404" pitchFamily="49" charset="0"/>
+                <a:cs typeface="Courier New" panose="02070309020205020404" pitchFamily="49" charset="0"/>
+              </a:rPr>
+              <a:t>-a=""&gt;</a:t>
+            </a:r>
+          </a:p>
+          <a:p>
+            <a:r>
+              <a:rPr lang="de-DE" sz="2400" b="1" dirty="0">
+                <a:latin typeface="Courier New" panose="02070309020205020404" pitchFamily="49" charset="0"/>
+                <a:cs typeface="Courier New" panose="02070309020205020404" pitchFamily="49" charset="0"/>
+              </a:rPr>
+              <a:t>  &lt;</a:t>
+            </a:r>
+            <a:r>
+              <a:rPr lang="de-DE" sz="2400" b="1" dirty="0" err="1">
+                <a:latin typeface="Courier New" panose="02070309020205020404" pitchFamily="49" charset="0"/>
+                <a:cs typeface="Courier New" panose="02070309020205020404" pitchFamily="49" charset="0"/>
+              </a:rPr>
+              <a:t>param</a:t>
+            </a:r>
+            <a:r>
+              <a:rPr lang="de-DE" sz="2400" b="1" dirty="0">
+                <a:latin typeface="Courier New" panose="02070309020205020404" pitchFamily="49" charset="0"/>
+                <a:cs typeface="Courier New" panose="02070309020205020404" pitchFamily="49" charset="0"/>
+              </a:rPr>
+              <a:t> </a:t>
+            </a:r>
+            <a:r>
+              <a:rPr lang="de-DE" sz="2400" b="1" dirty="0" err="1">
+                <a:latin typeface="Courier New" panose="02070309020205020404" pitchFamily="49" charset="0"/>
+                <a:cs typeface="Courier New" panose="02070309020205020404" pitchFamily="49" charset="0"/>
+              </a:rPr>
+              <a:t>name</a:t>
+            </a:r>
+            <a:r>
+              <a:rPr lang="de-DE" sz="2400" b="1" dirty="0">
+                <a:latin typeface="Courier New" panose="02070309020205020404" pitchFamily="49" charset="0"/>
+                <a:cs typeface="Courier New" panose="02070309020205020404" pitchFamily="49" charset="0"/>
+              </a:rPr>
+              <a:t>="</a:t>
+            </a:r>
+            <a:r>
+              <a:rPr lang="de-DE" sz="2400" b="1" dirty="0" err="1">
+                <a:latin typeface="Courier New" panose="02070309020205020404" pitchFamily="49" charset="0"/>
+                <a:cs typeface="Courier New" panose="02070309020205020404" pitchFamily="49" charset="0"/>
+              </a:rPr>
+              <a:t>some</a:t>
+            </a:r>
+            <a:r>
+              <a:rPr lang="de-DE" sz="2400" b="1" dirty="0">
+                <a:latin typeface="Courier New" panose="02070309020205020404" pitchFamily="49" charset="0"/>
+                <a:cs typeface="Courier New" panose="02070309020205020404" pitchFamily="49" charset="0"/>
+              </a:rPr>
+              <a:t>-parameter" </a:t>
+            </a:r>
+            <a:r>
+              <a:rPr lang="de-DE" sz="2400" b="1" dirty="0" err="1">
+                <a:latin typeface="Courier New" panose="02070309020205020404" pitchFamily="49" charset="0"/>
+                <a:cs typeface="Courier New" panose="02070309020205020404" pitchFamily="49" charset="0"/>
+              </a:rPr>
+              <a:t>value</a:t>
+            </a:r>
+            <a:r>
+              <a:rPr lang="de-DE" sz="2400" b="1" dirty="0">
+                <a:latin typeface="Courier New" panose="02070309020205020404" pitchFamily="49" charset="0"/>
+                <a:cs typeface="Courier New" panose="02070309020205020404" pitchFamily="49" charset="0"/>
+              </a:rPr>
+              <a:t>="</a:t>
+            </a:r>
+            <a:r>
+              <a:rPr lang="de-DE" sz="2400" b="1" dirty="0" err="1">
+                <a:latin typeface="Courier New" panose="02070309020205020404" pitchFamily="49" charset="0"/>
+                <a:cs typeface="Courier New" panose="02070309020205020404" pitchFamily="49" charset="0"/>
+              </a:rPr>
+              <a:t>some</a:t>
+            </a:r>
+            <a:r>
+              <a:rPr lang="de-DE" sz="2400" b="1" dirty="0">
+                <a:latin typeface="Courier New" panose="02070309020205020404" pitchFamily="49" charset="0"/>
+                <a:cs typeface="Courier New" panose="02070309020205020404" pitchFamily="49" charset="0"/>
+              </a:rPr>
+              <a:t> </a:t>
+            </a:r>
+            <a:r>
+              <a:rPr lang="de-DE" sz="2400" b="1" dirty="0" err="1">
+                <a:latin typeface="Courier New" panose="02070309020205020404" pitchFamily="49" charset="0"/>
+                <a:cs typeface="Courier New" panose="02070309020205020404" pitchFamily="49" charset="0"/>
+              </a:rPr>
+              <a:t>text</a:t>
+            </a:r>
+            <a:r>
+              <a:rPr lang="de-DE" sz="2400" b="1" dirty="0">
+                <a:latin typeface="Courier New" panose="02070309020205020404" pitchFamily="49" charset="0"/>
+                <a:cs typeface="Courier New" panose="02070309020205020404" pitchFamily="49" charset="0"/>
+              </a:rPr>
+              <a:t>"/&gt;</a:t>
+            </a:r>
+          </a:p>
+          <a:p>
+            <a:r>
+              <a:rPr lang="de-DE" sz="2400" b="1" dirty="0">
+                <a:latin typeface="Courier New" panose="02070309020205020404" pitchFamily="49" charset="0"/>
+                <a:cs typeface="Courier New" panose="02070309020205020404" pitchFamily="49" charset="0"/>
+              </a:rPr>
+              <a:t>&lt;/</a:t>
+            </a:r>
+            <a:r>
+              <a:rPr lang="de-DE" sz="2400" b="1" dirty="0" err="1">
+                <a:latin typeface="Courier New" panose="02070309020205020404" pitchFamily="49" charset="0"/>
+                <a:cs typeface="Courier New" panose="02070309020205020404" pitchFamily="49" charset="0"/>
+              </a:rPr>
+              <a:t>pattern</a:t>
+            </a:r>
+            <a:r>
+              <a:rPr lang="de-DE" sz="2400" b="1" dirty="0">
+                <a:latin typeface="Courier New" panose="02070309020205020404" pitchFamily="49" charset="0"/>
+                <a:cs typeface="Courier New" panose="02070309020205020404" pitchFamily="49" charset="0"/>
+              </a:rPr>
+              <a:t>&gt;</a:t>
+            </a:r>
+          </a:p>
+        </p:txBody>
+      </p:sp>
+    </p:spTree>
+    <p:extLst>
+      <p:ext uri="{BB962C8B-B14F-4D97-AF65-F5344CB8AC3E}">
+        <p14:creationId xmlns:p14="http://schemas.microsoft.com/office/powerpoint/2010/main" val="1158699687"/>
+      </p:ext>
+    </p:extLst>
+  </p:cSld>
+  <p:clrMapOvr>
+    <a:masterClrMapping/>
+  </p:clrMapOvr>
+</p:sld>
+</file>
+
+<file path=ppt/slides/slide25.xml><?xml version="1.0" encoding="utf-8"?>
 <p:sld xmlns:a="http://schemas.openxmlformats.org/drawingml/2006/main" xmlns:r="http://schemas.openxmlformats.org/officeDocument/2006/relationships" xmlns:p="http://schemas.openxmlformats.org/presentationml/2006/main">
   <p:cSld>
     <p:spTree>
@@ -10166,1087 +11736,7 @@
 </p:sld>
 </file>
 
-<file path=ppt/slides/slide23.xml><?xml version="1.0" encoding="utf-8"?>
-<p:sld xmlns:a="http://schemas.openxmlformats.org/drawingml/2006/main" xmlns:r="http://schemas.openxmlformats.org/officeDocument/2006/relationships" xmlns:p="http://schemas.openxmlformats.org/presentationml/2006/main">
-  <p:cSld>
-    <p:spTree>
-      <p:nvGrpSpPr>
-        <p:cNvPr id="1" name=""/>
-        <p:cNvGrpSpPr/>
-        <p:nvPr/>
-      </p:nvGrpSpPr>
-      <p:grpSpPr>
-        <a:xfrm>
-          <a:off x="0" y="0"/>
-          <a:ext cx="0" cy="0"/>
-          <a:chOff x="0" y="0"/>
-          <a:chExt cx="0" cy="0"/>
-        </a:xfrm>
-      </p:grpSpPr>
-      <p:sp>
-        <p:nvSpPr>
-          <p:cNvPr id="4" name="TextBox 3">
-            <a:extLst>
-              <a:ext uri="{FF2B5EF4-FFF2-40B4-BE49-F238E27FC236}">
-                <a16:creationId xmlns:a16="http://schemas.microsoft.com/office/drawing/2014/main" id="{8383DE2E-4568-92B2-889D-52140D84AF6F}"/>
-              </a:ext>
-            </a:extLst>
-          </p:cNvPr>
-          <p:cNvSpPr txBox="1"/>
-          <p:nvPr/>
-        </p:nvSpPr>
-        <p:spPr>
-          <a:xfrm>
-            <a:off x="364497" y="861088"/>
-            <a:ext cx="6306535" cy="2246769"/>
-          </a:xfrm>
-          <a:prstGeom prst="rect">
-            <a:avLst/>
-          </a:prstGeom>
-          <a:solidFill>
-            <a:schemeClr val="bg1">
-              <a:lumMod val="95000"/>
-            </a:schemeClr>
-          </a:solidFill>
-        </p:spPr>
-        <p:txBody>
-          <a:bodyPr wrap="none" rtlCol="0">
-            <a:spAutoFit/>
-          </a:bodyPr>
-          <a:lstStyle/>
-          <a:p>
-            <a:r>
-              <a:rPr lang="nl-NL" sz="1400" b="1" dirty="0">
-                <a:latin typeface="Courier New" panose="02070309020205020404" pitchFamily="49" charset="0"/>
-                <a:cs typeface="Courier New" panose="02070309020205020404" pitchFamily="49" charset="0"/>
-              </a:rPr>
-              <a:t>&lt;</a:t>
-            </a:r>
-            <a:r>
-              <a:rPr lang="nl-NL" sz="1400" b="1" dirty="0" err="1">
-                <a:latin typeface="Courier New" panose="02070309020205020404" pitchFamily="49" charset="0"/>
-                <a:cs typeface="Courier New" panose="02070309020205020404" pitchFamily="49" charset="0"/>
-              </a:rPr>
-              <a:t>inventory</a:t>
-            </a:r>
-            <a:r>
-              <a:rPr lang="nl-NL" sz="1400" b="1" dirty="0">
-                <a:latin typeface="Courier New" panose="02070309020205020404" pitchFamily="49" charset="0"/>
-                <a:cs typeface="Courier New" panose="02070309020205020404" pitchFamily="49" charset="0"/>
-              </a:rPr>
-              <a:t>-list </a:t>
-            </a:r>
-            <a:r>
-              <a:rPr lang="nl-NL" sz="1400" b="1" dirty="0" err="1">
-                <a:latin typeface="Courier New" panose="02070309020205020404" pitchFamily="49" charset="0"/>
-                <a:cs typeface="Courier New" panose="02070309020205020404" pitchFamily="49" charset="0"/>
-              </a:rPr>
-              <a:t>depcode</a:t>
-            </a:r>
-            <a:r>
-              <a:rPr lang="nl-NL" sz="1400" b="1" dirty="0">
-                <a:latin typeface="Courier New" panose="02070309020205020404" pitchFamily="49" charset="0"/>
-                <a:cs typeface="Courier New" panose="02070309020205020404" pitchFamily="49" charset="0"/>
-              </a:rPr>
-              <a:t>="IMP"&gt;</a:t>
-            </a:r>
-          </a:p>
-          <a:p>
-            <a:r>
-              <a:rPr lang="nl-NL" sz="1400" b="1" dirty="0">
-                <a:latin typeface="Courier New" panose="02070309020205020404" pitchFamily="49" charset="0"/>
-                <a:cs typeface="Courier New" panose="02070309020205020404" pitchFamily="49" charset="0"/>
-              </a:rPr>
-              <a:t>  &lt;</a:t>
-            </a:r>
-            <a:r>
-              <a:rPr lang="nl-NL" sz="1400" b="1" dirty="0" err="1">
-                <a:latin typeface="Courier New" panose="02070309020205020404" pitchFamily="49" charset="0"/>
-                <a:cs typeface="Courier New" panose="02070309020205020404" pitchFamily="49" charset="0"/>
-              </a:rPr>
-              <a:t>article</a:t>
-            </a:r>
-            <a:r>
-              <a:rPr lang="nl-NL" sz="1400" b="1" dirty="0">
-                <a:latin typeface="Courier New" panose="02070309020205020404" pitchFamily="49" charset="0"/>
-                <a:cs typeface="Courier New" panose="02070309020205020404" pitchFamily="49" charset="0"/>
-              </a:rPr>
-              <a:t> code="IMP0001"&gt;</a:t>
-            </a:r>
-          </a:p>
-          <a:p>
-            <a:r>
-              <a:rPr lang="nl-NL" sz="1400" b="1" dirty="0">
-                <a:latin typeface="Courier New" panose="02070309020205020404" pitchFamily="49" charset="0"/>
-                <a:cs typeface="Courier New" panose="02070309020205020404" pitchFamily="49" charset="0"/>
-              </a:rPr>
-              <a:t>    &lt;name&gt;Bolts&lt;/name&gt;</a:t>
-            </a:r>
-          </a:p>
-          <a:p>
-            <a:r>
-              <a:rPr lang="nl-NL" sz="1400" b="1" dirty="0">
-                <a:latin typeface="Courier New" panose="02070309020205020404" pitchFamily="49" charset="0"/>
-                <a:cs typeface="Courier New" panose="02070309020205020404" pitchFamily="49" charset="0"/>
-              </a:rPr>
-              <a:t>    &lt;</a:t>
-            </a:r>
-            <a:r>
-              <a:rPr lang="nl-NL" sz="1400" b="1" dirty="0" err="1">
-                <a:latin typeface="Courier New" panose="02070309020205020404" pitchFamily="49" charset="0"/>
-                <a:cs typeface="Courier New" panose="02070309020205020404" pitchFamily="49" charset="0"/>
-              </a:rPr>
-              <a:t>description</a:t>
-            </a:r>
-            <a:r>
-              <a:rPr lang="nl-NL" sz="1400" b="1" dirty="0">
-                <a:latin typeface="Courier New" panose="02070309020205020404" pitchFamily="49" charset="0"/>
-                <a:cs typeface="Courier New" panose="02070309020205020404" pitchFamily="49" charset="0"/>
-              </a:rPr>
-              <a:t>&gt;Nuts </a:t>
-            </a:r>
-            <a:r>
-              <a:rPr lang="nl-NL" sz="1400" b="1" dirty="0" err="1">
-                <a:latin typeface="Courier New" panose="02070309020205020404" pitchFamily="49" charset="0"/>
-                <a:cs typeface="Courier New" panose="02070309020205020404" pitchFamily="49" charset="0"/>
-              </a:rPr>
-              <a:t>to</a:t>
-            </a:r>
-            <a:r>
-              <a:rPr lang="nl-NL" sz="1400" b="1" dirty="0">
-                <a:latin typeface="Courier New" panose="02070309020205020404" pitchFamily="49" charset="0"/>
-                <a:cs typeface="Courier New" panose="02070309020205020404" pitchFamily="49" charset="0"/>
-              </a:rPr>
-              <a:t> secure </a:t>
-            </a:r>
-            <a:r>
-              <a:rPr lang="nl-NL" sz="1400" b="1" dirty="0" err="1">
-                <a:latin typeface="Courier New" panose="02070309020205020404" pitchFamily="49" charset="0"/>
-                <a:cs typeface="Courier New" panose="02070309020205020404" pitchFamily="49" charset="0"/>
-              </a:rPr>
-              <a:t>things</a:t>
-            </a:r>
-            <a:r>
-              <a:rPr lang="nl-NL" sz="1400" b="1" dirty="0">
-                <a:latin typeface="Courier New" panose="02070309020205020404" pitchFamily="49" charset="0"/>
-                <a:cs typeface="Courier New" panose="02070309020205020404" pitchFamily="49" charset="0"/>
-              </a:rPr>
-              <a:t> </a:t>
-            </a:r>
-            <a:r>
-              <a:rPr lang="nl-NL" sz="1400" b="1" dirty="0" err="1">
-                <a:latin typeface="Courier New" panose="02070309020205020404" pitchFamily="49" charset="0"/>
-                <a:cs typeface="Courier New" panose="02070309020205020404" pitchFamily="49" charset="0"/>
-              </a:rPr>
-              <a:t>with</a:t>
-            </a:r>
-            <a:r>
-              <a:rPr lang="nl-NL" sz="1400" b="1" dirty="0">
-                <a:latin typeface="Courier New" panose="02070309020205020404" pitchFamily="49" charset="0"/>
-                <a:cs typeface="Courier New" panose="02070309020205020404" pitchFamily="49" charset="0"/>
-              </a:rPr>
-              <a:t>&lt;/</a:t>
-            </a:r>
-            <a:r>
-              <a:rPr lang="nl-NL" sz="1400" b="1" dirty="0" err="1">
-                <a:latin typeface="Courier New" panose="02070309020205020404" pitchFamily="49" charset="0"/>
-                <a:cs typeface="Courier New" panose="02070309020205020404" pitchFamily="49" charset="0"/>
-              </a:rPr>
-              <a:t>description</a:t>
-            </a:r>
-            <a:r>
-              <a:rPr lang="nl-NL" sz="1400" b="1" dirty="0">
-                <a:latin typeface="Courier New" panose="02070309020205020404" pitchFamily="49" charset="0"/>
-                <a:cs typeface="Courier New" panose="02070309020205020404" pitchFamily="49" charset="0"/>
-              </a:rPr>
-              <a:t>&gt;</a:t>
-            </a:r>
-          </a:p>
-          <a:p>
-            <a:r>
-              <a:rPr lang="nl-NL" sz="1400" b="1" dirty="0">
-                <a:latin typeface="Courier New" panose="02070309020205020404" pitchFamily="49" charset="0"/>
-                <a:cs typeface="Courier New" panose="02070309020205020404" pitchFamily="49" charset="0"/>
-              </a:rPr>
-              <a:t>  &lt;/</a:t>
-            </a:r>
-            <a:r>
-              <a:rPr lang="nl-NL" sz="1400" b="1" dirty="0" err="1">
-                <a:latin typeface="Courier New" panose="02070309020205020404" pitchFamily="49" charset="0"/>
-                <a:cs typeface="Courier New" panose="02070309020205020404" pitchFamily="49" charset="0"/>
-              </a:rPr>
-              <a:t>article</a:t>
-            </a:r>
-            <a:r>
-              <a:rPr lang="nl-NL" sz="1400" b="1" dirty="0">
-                <a:latin typeface="Courier New" panose="02070309020205020404" pitchFamily="49" charset="0"/>
-                <a:cs typeface="Courier New" panose="02070309020205020404" pitchFamily="49" charset="0"/>
-              </a:rPr>
-              <a:t>&gt;</a:t>
-            </a:r>
-          </a:p>
-          <a:p>
-            <a:r>
-              <a:rPr lang="nl-NL" sz="1400" b="1" dirty="0">
-                <a:latin typeface="Courier New" panose="02070309020205020404" pitchFamily="49" charset="0"/>
-                <a:cs typeface="Courier New" panose="02070309020205020404" pitchFamily="49" charset="0"/>
-              </a:rPr>
-              <a:t>  &lt;</a:t>
-            </a:r>
-            <a:r>
-              <a:rPr lang="nl-NL" sz="1400" b="1" dirty="0" err="1">
-                <a:latin typeface="Courier New" panose="02070309020205020404" pitchFamily="49" charset="0"/>
-                <a:cs typeface="Courier New" panose="02070309020205020404" pitchFamily="49" charset="0"/>
-              </a:rPr>
-              <a:t>article</a:t>
-            </a:r>
-            <a:r>
-              <a:rPr lang="nl-NL" sz="1400" b="1" dirty="0">
-                <a:latin typeface="Courier New" panose="02070309020205020404" pitchFamily="49" charset="0"/>
-                <a:cs typeface="Courier New" panose="02070309020205020404" pitchFamily="49" charset="0"/>
-              </a:rPr>
-              <a:t> code="EXP0234"&gt;</a:t>
-            </a:r>
-          </a:p>
-          <a:p>
-            <a:r>
-              <a:rPr lang="nl-NL" sz="1400" b="1" dirty="0">
-                <a:latin typeface="Courier New" panose="02070309020205020404" pitchFamily="49" charset="0"/>
-                <a:cs typeface="Courier New" panose="02070309020205020404" pitchFamily="49" charset="0"/>
-              </a:rPr>
-              <a:t>    &lt;name&gt;</a:t>
-            </a:r>
-            <a:r>
-              <a:rPr lang="nl-NL" sz="1400" b="1" dirty="0" err="1">
-                <a:latin typeface="Courier New" panose="02070309020205020404" pitchFamily="49" charset="0"/>
-                <a:cs typeface="Courier New" panose="02070309020205020404" pitchFamily="49" charset="0"/>
-              </a:rPr>
-              <a:t>Bananas</a:t>
-            </a:r>
-            <a:r>
-              <a:rPr lang="nl-NL" sz="1400" b="1" dirty="0">
-                <a:latin typeface="Courier New" panose="02070309020205020404" pitchFamily="49" charset="0"/>
-                <a:cs typeface="Courier New" panose="02070309020205020404" pitchFamily="49" charset="0"/>
-              </a:rPr>
-              <a:t>&lt;/name&gt;</a:t>
-            </a:r>
-          </a:p>
-          <a:p>
-            <a:r>
-              <a:rPr lang="nl-NL" sz="1400" b="1" dirty="0">
-                <a:latin typeface="Courier New" panose="02070309020205020404" pitchFamily="49" charset="0"/>
-                <a:cs typeface="Courier New" panose="02070309020205020404" pitchFamily="49" charset="0"/>
-              </a:rPr>
-              <a:t>    &lt;</a:t>
-            </a:r>
-            <a:r>
-              <a:rPr lang="nl-NL" sz="1400" b="1" dirty="0" err="1">
-                <a:latin typeface="Courier New" panose="02070309020205020404" pitchFamily="49" charset="0"/>
-                <a:cs typeface="Courier New" panose="02070309020205020404" pitchFamily="49" charset="0"/>
-              </a:rPr>
-              <a:t>description</a:t>
-            </a:r>
-            <a:r>
-              <a:rPr lang="nl-NL" sz="1400" b="1" dirty="0">
-                <a:latin typeface="Courier New" panose="02070309020205020404" pitchFamily="49" charset="0"/>
-                <a:cs typeface="Courier New" panose="02070309020205020404" pitchFamily="49" charset="0"/>
-              </a:rPr>
-              <a:t>&gt;</a:t>
-            </a:r>
-            <a:r>
-              <a:rPr lang="nl-NL" sz="1400" b="1" dirty="0" err="1">
-                <a:latin typeface="Courier New" panose="02070309020205020404" pitchFamily="49" charset="0"/>
-                <a:cs typeface="Courier New" panose="02070309020205020404" pitchFamily="49" charset="0"/>
-              </a:rPr>
-              <a:t>Delicious</a:t>
-            </a:r>
-            <a:r>
-              <a:rPr lang="nl-NL" sz="1400" b="1" dirty="0">
-                <a:latin typeface="Courier New" panose="02070309020205020404" pitchFamily="49" charset="0"/>
-                <a:cs typeface="Courier New" panose="02070309020205020404" pitchFamily="49" charset="0"/>
-              </a:rPr>
-              <a:t> </a:t>
-            </a:r>
-            <a:r>
-              <a:rPr lang="nl-NL" sz="1400" b="1" dirty="0" err="1">
-                <a:latin typeface="Courier New" panose="02070309020205020404" pitchFamily="49" charset="0"/>
-                <a:cs typeface="Courier New" panose="02070309020205020404" pitchFamily="49" charset="0"/>
-              </a:rPr>
-              <a:t>ripe</a:t>
-            </a:r>
-            <a:r>
-              <a:rPr lang="nl-NL" sz="1400" b="1" dirty="0">
-                <a:latin typeface="Courier New" panose="02070309020205020404" pitchFamily="49" charset="0"/>
-                <a:cs typeface="Courier New" panose="02070309020205020404" pitchFamily="49" charset="0"/>
-              </a:rPr>
-              <a:t> </a:t>
-            </a:r>
-            <a:r>
-              <a:rPr lang="nl-NL" sz="1400" b="1" dirty="0" err="1">
-                <a:latin typeface="Courier New" panose="02070309020205020404" pitchFamily="49" charset="0"/>
-                <a:cs typeface="Courier New" panose="02070309020205020404" pitchFamily="49" charset="0"/>
-              </a:rPr>
-              <a:t>bananas</a:t>
-            </a:r>
-            <a:r>
-              <a:rPr lang="nl-NL" sz="1400" b="1" dirty="0">
-                <a:latin typeface="Courier New" panose="02070309020205020404" pitchFamily="49" charset="0"/>
-                <a:cs typeface="Courier New" panose="02070309020205020404" pitchFamily="49" charset="0"/>
-              </a:rPr>
-              <a:t>&lt;/</a:t>
-            </a:r>
-            <a:r>
-              <a:rPr lang="nl-NL" sz="1400" b="1" dirty="0" err="1">
-                <a:latin typeface="Courier New" panose="02070309020205020404" pitchFamily="49" charset="0"/>
-                <a:cs typeface="Courier New" panose="02070309020205020404" pitchFamily="49" charset="0"/>
-              </a:rPr>
-              <a:t>description</a:t>
-            </a:r>
-            <a:r>
-              <a:rPr lang="nl-NL" sz="1400" b="1" dirty="0">
-                <a:latin typeface="Courier New" panose="02070309020205020404" pitchFamily="49" charset="0"/>
-                <a:cs typeface="Courier New" panose="02070309020205020404" pitchFamily="49" charset="0"/>
-              </a:rPr>
-              <a:t>&gt;</a:t>
-            </a:r>
-          </a:p>
-          <a:p>
-            <a:r>
-              <a:rPr lang="nl-NL" sz="1400" b="1" dirty="0">
-                <a:latin typeface="Courier New" panose="02070309020205020404" pitchFamily="49" charset="0"/>
-                <a:cs typeface="Courier New" panose="02070309020205020404" pitchFamily="49" charset="0"/>
-              </a:rPr>
-              <a:t>  &lt;/</a:t>
-            </a:r>
-            <a:r>
-              <a:rPr lang="nl-NL" sz="1400" b="1" dirty="0" err="1">
-                <a:latin typeface="Courier New" panose="02070309020205020404" pitchFamily="49" charset="0"/>
-                <a:cs typeface="Courier New" panose="02070309020205020404" pitchFamily="49" charset="0"/>
-              </a:rPr>
-              <a:t>article</a:t>
-            </a:r>
-            <a:r>
-              <a:rPr lang="nl-NL" sz="1400" b="1" dirty="0">
-                <a:latin typeface="Courier New" panose="02070309020205020404" pitchFamily="49" charset="0"/>
-                <a:cs typeface="Courier New" panose="02070309020205020404" pitchFamily="49" charset="0"/>
-              </a:rPr>
-              <a:t>&gt;</a:t>
-            </a:r>
-          </a:p>
-          <a:p>
-            <a:r>
-              <a:rPr lang="nl-NL" sz="1400" b="1" dirty="0">
-                <a:latin typeface="Courier New" panose="02070309020205020404" pitchFamily="49" charset="0"/>
-                <a:cs typeface="Courier New" panose="02070309020205020404" pitchFamily="49" charset="0"/>
-              </a:rPr>
-              <a:t>&lt;/</a:t>
-            </a:r>
-            <a:r>
-              <a:rPr lang="nl-NL" sz="1400" b="1" dirty="0" err="1">
-                <a:latin typeface="Courier New" panose="02070309020205020404" pitchFamily="49" charset="0"/>
-                <a:cs typeface="Courier New" panose="02070309020205020404" pitchFamily="49" charset="0"/>
-              </a:rPr>
-              <a:t>inventory</a:t>
-            </a:r>
-            <a:r>
-              <a:rPr lang="nl-NL" sz="1400" b="1" dirty="0">
-                <a:latin typeface="Courier New" panose="02070309020205020404" pitchFamily="49" charset="0"/>
-                <a:cs typeface="Courier New" panose="02070309020205020404" pitchFamily="49" charset="0"/>
-              </a:rPr>
-              <a:t>-list&gt;</a:t>
-            </a:r>
-            <a:endParaRPr lang="en-NL" sz="1400" b="1" dirty="0">
-              <a:latin typeface="Courier New" panose="02070309020205020404" pitchFamily="49" charset="0"/>
-              <a:cs typeface="Courier New" panose="02070309020205020404" pitchFamily="49" charset="0"/>
-            </a:endParaRPr>
-          </a:p>
-        </p:txBody>
-      </p:sp>
-      <p:sp>
-        <p:nvSpPr>
-          <p:cNvPr id="5" name="TextBox 4">
-            <a:extLst>
-              <a:ext uri="{FF2B5EF4-FFF2-40B4-BE49-F238E27FC236}">
-                <a16:creationId xmlns:a16="http://schemas.microsoft.com/office/drawing/2014/main" id="{7940DB4C-3120-1D59-67D4-487ECF579D82}"/>
-              </a:ext>
-            </a:extLst>
-          </p:cNvPr>
-          <p:cNvSpPr txBox="1"/>
-          <p:nvPr/>
-        </p:nvSpPr>
-        <p:spPr>
-          <a:xfrm>
-            <a:off x="1951749" y="3338855"/>
-            <a:ext cx="9206366" cy="2462213"/>
-          </a:xfrm>
-          <a:prstGeom prst="rect">
-            <a:avLst/>
-          </a:prstGeom>
-          <a:solidFill>
-            <a:schemeClr val="bg1">
-              <a:lumMod val="95000"/>
-            </a:schemeClr>
-          </a:solidFill>
-        </p:spPr>
-        <p:txBody>
-          <a:bodyPr wrap="none" rtlCol="0">
-            <a:spAutoFit/>
-          </a:bodyPr>
-          <a:lstStyle/>
-          <a:p>
-            <a:r>
-              <a:rPr lang="en-US" sz="1400" b="1" dirty="0">
-                <a:latin typeface="Courier New" panose="02070309020205020404" pitchFamily="49" charset="0"/>
-                <a:cs typeface="Courier New" panose="02070309020205020404" pitchFamily="49" charset="0"/>
-              </a:rPr>
-              <a:t>&lt;schema </a:t>
-            </a:r>
-            <a:r>
-              <a:rPr lang="en-US" sz="1400" b="1" dirty="0" err="1">
-                <a:latin typeface="Courier New" panose="02070309020205020404" pitchFamily="49" charset="0"/>
-                <a:cs typeface="Courier New" panose="02070309020205020404" pitchFamily="49" charset="0"/>
-              </a:rPr>
-              <a:t>xmlns</a:t>
-            </a:r>
-            <a:r>
-              <a:rPr lang="en-US" sz="1400" b="1" dirty="0">
-                <a:latin typeface="Courier New" panose="02070309020205020404" pitchFamily="49" charset="0"/>
-                <a:cs typeface="Courier New" panose="02070309020205020404" pitchFamily="49" charset="0"/>
-              </a:rPr>
-              <a:t>=</a:t>
-            </a:r>
-            <a:r>
-              <a:rPr lang="en-US" sz="1400" b="1" dirty="0">
-                <a:latin typeface="Courier New" panose="02070309020205020404" pitchFamily="49" charset="0"/>
-                <a:cs typeface="Courier New" panose="02070309020205020404" pitchFamily="49" charset="0"/>
-                <a:hlinkClick r:id="rId2"/>
-              </a:rPr>
-              <a:t>http://purl.oclc.org/dsdl/Schematron</a:t>
-            </a:r>
-            <a:r>
-              <a:rPr lang="en-US" sz="1400" b="1" dirty="0">
-                <a:latin typeface="Courier New" panose="02070309020205020404" pitchFamily="49" charset="0"/>
-                <a:cs typeface="Courier New" panose="02070309020205020404" pitchFamily="49" charset="0"/>
-              </a:rPr>
-              <a:t> </a:t>
-            </a:r>
-            <a:r>
-              <a:rPr lang="en-US" sz="1400" b="1" dirty="0" err="1">
-                <a:latin typeface="Courier New" panose="02070309020205020404" pitchFamily="49" charset="0"/>
-                <a:cs typeface="Courier New" panose="02070309020205020404" pitchFamily="49" charset="0"/>
-              </a:rPr>
-              <a:t>queryBinding</a:t>
-            </a:r>
-            <a:r>
-              <a:rPr lang="en-US" sz="1400" b="1" dirty="0">
-                <a:latin typeface="Courier New" panose="02070309020205020404" pitchFamily="49" charset="0"/>
-                <a:cs typeface="Courier New" panose="02070309020205020404" pitchFamily="49" charset="0"/>
-              </a:rPr>
-              <a:t>="xslt3"&gt;</a:t>
-            </a:r>
-          </a:p>
-          <a:p>
-            <a:r>
-              <a:rPr lang="en-US" sz="1400" b="1" dirty="0">
-                <a:latin typeface="Courier New" panose="02070309020205020404" pitchFamily="49" charset="0"/>
-                <a:cs typeface="Courier New" panose="02070309020205020404" pitchFamily="49" charset="0"/>
-              </a:rPr>
-              <a:t>  &lt;let name="department-code" value="/inventory-list/@depcode"/&gt;</a:t>
-            </a:r>
-          </a:p>
-          <a:p>
-            <a:r>
-              <a:rPr lang="en-US" sz="1400" b="1" dirty="0">
-                <a:latin typeface="Courier New" panose="02070309020205020404" pitchFamily="49" charset="0"/>
-                <a:cs typeface="Courier New" panose="02070309020205020404" pitchFamily="49" charset="0"/>
-              </a:rPr>
-              <a:t>  &lt;pattern&gt;</a:t>
-            </a:r>
-          </a:p>
-          <a:p>
-            <a:r>
-              <a:rPr lang="en-US" sz="1400" b="1" dirty="0">
-                <a:latin typeface="Courier New" panose="02070309020205020404" pitchFamily="49" charset="0"/>
-                <a:cs typeface="Courier New" panose="02070309020205020404" pitchFamily="49" charset="0"/>
-              </a:rPr>
-              <a:t>    &lt;rule context="article"&gt;</a:t>
-            </a:r>
-          </a:p>
-          <a:p>
-            <a:r>
-              <a:rPr lang="en-US" sz="1400" b="1" dirty="0">
-                <a:latin typeface="Courier New" panose="02070309020205020404" pitchFamily="49" charset="0"/>
-                <a:cs typeface="Courier New" panose="02070309020205020404" pitchFamily="49" charset="0"/>
-              </a:rPr>
-              <a:t>      &lt;assert test="starts-with(@code, $department-code)"&gt;</a:t>
-            </a:r>
-          </a:p>
-          <a:p>
-            <a:r>
-              <a:rPr lang="en-US" sz="1400" b="1" dirty="0">
-                <a:latin typeface="Courier New" panose="02070309020205020404" pitchFamily="49" charset="0"/>
-                <a:cs typeface="Courier New" panose="02070309020205020404" pitchFamily="49" charset="0"/>
-              </a:rPr>
-              <a:t>        The article code (&lt;value-of select="@code"/&gt;) must start with the right </a:t>
-            </a:r>
-          </a:p>
-          <a:p>
-            <a:r>
-              <a:rPr lang="en-US" sz="1400" b="1" dirty="0">
-                <a:latin typeface="Courier New" panose="02070309020205020404" pitchFamily="49" charset="0"/>
-                <a:cs typeface="Courier New" panose="02070309020205020404" pitchFamily="49" charset="0"/>
-              </a:rPr>
-              <a:t>        prefix (&lt;value-of select="$department-code"/&gt;) for &lt;value-of select="name"/&gt;</a:t>
-            </a:r>
-          </a:p>
-          <a:p>
-            <a:r>
-              <a:rPr lang="en-US" sz="1400" b="1" dirty="0">
-                <a:latin typeface="Courier New" panose="02070309020205020404" pitchFamily="49" charset="0"/>
-                <a:cs typeface="Courier New" panose="02070309020205020404" pitchFamily="49" charset="0"/>
-              </a:rPr>
-              <a:t>      &lt;/assert&gt;</a:t>
-            </a:r>
-          </a:p>
-          <a:p>
-            <a:r>
-              <a:rPr lang="en-US" sz="1400" b="1" dirty="0">
-                <a:latin typeface="Courier New" panose="02070309020205020404" pitchFamily="49" charset="0"/>
-                <a:cs typeface="Courier New" panose="02070309020205020404" pitchFamily="49" charset="0"/>
-              </a:rPr>
-              <a:t>    &lt;/rule&gt;</a:t>
-            </a:r>
-          </a:p>
-          <a:p>
-            <a:r>
-              <a:rPr lang="en-US" sz="1400" b="1" dirty="0">
-                <a:latin typeface="Courier New" panose="02070309020205020404" pitchFamily="49" charset="0"/>
-                <a:cs typeface="Courier New" panose="02070309020205020404" pitchFamily="49" charset="0"/>
-              </a:rPr>
-              <a:t>  &lt;/pattern&gt;</a:t>
-            </a:r>
-          </a:p>
-          <a:p>
-            <a:r>
-              <a:rPr lang="en-US" sz="1400" b="1" dirty="0">
-                <a:latin typeface="Courier New" panose="02070309020205020404" pitchFamily="49" charset="0"/>
-                <a:cs typeface="Courier New" panose="02070309020205020404" pitchFamily="49" charset="0"/>
-              </a:rPr>
-              <a:t>&lt;/schema&gt;</a:t>
-            </a:r>
-            <a:endParaRPr lang="en-NL" sz="1400" b="1" dirty="0">
-              <a:latin typeface="Courier New" panose="02070309020205020404" pitchFamily="49" charset="0"/>
-              <a:cs typeface="Courier New" panose="02070309020205020404" pitchFamily="49" charset="0"/>
-            </a:endParaRPr>
-          </a:p>
-        </p:txBody>
-      </p:sp>
-      <p:sp>
-        <p:nvSpPr>
-          <p:cNvPr id="9" name="TextBox 8">
-            <a:extLst>
-              <a:ext uri="{FF2B5EF4-FFF2-40B4-BE49-F238E27FC236}">
-                <a16:creationId xmlns:a16="http://schemas.microsoft.com/office/drawing/2014/main" id="{BF2E6191-389D-B72A-4F2F-FC2CC87ABD92}"/>
-              </a:ext>
-            </a:extLst>
-          </p:cNvPr>
-          <p:cNvSpPr txBox="1"/>
-          <p:nvPr/>
-        </p:nvSpPr>
-        <p:spPr>
-          <a:xfrm>
-            <a:off x="4052523" y="102381"/>
-            <a:ext cx="2534771" cy="646331"/>
-          </a:xfrm>
-          <a:prstGeom prst="rect">
-            <a:avLst/>
-          </a:prstGeom>
-          <a:solidFill>
-            <a:schemeClr val="accent2">
-              <a:lumMod val="60000"/>
-              <a:lumOff val="40000"/>
-            </a:schemeClr>
-          </a:solidFill>
-        </p:spPr>
-        <p:txBody>
-          <a:bodyPr wrap="square" rtlCol="0">
-            <a:spAutoFit/>
-          </a:bodyPr>
-          <a:lstStyle/>
-          <a:p>
-            <a:r>
-              <a:rPr lang="en-US" dirty="0"/>
-              <a:t>Codes must start with the department code</a:t>
-            </a:r>
-            <a:endParaRPr lang="en-NL" dirty="0"/>
-          </a:p>
-        </p:txBody>
-      </p:sp>
-      <p:cxnSp>
-        <p:nvCxnSpPr>
-          <p:cNvPr id="11" name="Straight Arrow Connector 10">
-            <a:extLst>
-              <a:ext uri="{FF2B5EF4-FFF2-40B4-BE49-F238E27FC236}">
-                <a16:creationId xmlns:a16="http://schemas.microsoft.com/office/drawing/2014/main" id="{5EB1B220-CE75-42AB-9645-92624786AA38}"/>
-              </a:ext>
-            </a:extLst>
-          </p:cNvPr>
-          <p:cNvCxnSpPr>
-            <a:cxnSpLocks/>
-          </p:cNvCxnSpPr>
-          <p:nvPr/>
-        </p:nvCxnSpPr>
-        <p:spPr>
-          <a:xfrm flipH="1">
-            <a:off x="3321424" y="636337"/>
-            <a:ext cx="1721223" cy="224751"/>
-          </a:xfrm>
-          <a:prstGeom prst="straightConnector1">
-            <a:avLst/>
-          </a:prstGeom>
-          <a:ln w="28575">
-            <a:solidFill>
-              <a:schemeClr val="tx1"/>
-            </a:solidFill>
-            <a:tailEnd type="triangle"/>
-          </a:ln>
-        </p:spPr>
-        <p:style>
-          <a:lnRef idx="1">
-            <a:schemeClr val="accent1"/>
-          </a:lnRef>
-          <a:fillRef idx="0">
-            <a:schemeClr val="accent1"/>
-          </a:fillRef>
-          <a:effectRef idx="0">
-            <a:schemeClr val="accent1"/>
-          </a:effectRef>
-          <a:fontRef idx="minor">
-            <a:schemeClr val="tx1"/>
-          </a:fontRef>
-        </p:style>
-      </p:cxnSp>
-      <p:sp>
-        <p:nvSpPr>
-          <p:cNvPr id="12" name="Arrow: Bent 11">
-            <a:extLst>
-              <a:ext uri="{FF2B5EF4-FFF2-40B4-BE49-F238E27FC236}">
-                <a16:creationId xmlns:a16="http://schemas.microsoft.com/office/drawing/2014/main" id="{D8310094-E96D-3552-0137-2FEAA67DF21F}"/>
-              </a:ext>
-            </a:extLst>
-          </p:cNvPr>
-          <p:cNvSpPr/>
-          <p:nvPr/>
-        </p:nvSpPr>
-        <p:spPr>
-          <a:xfrm flipV="1">
-            <a:off x="1035424" y="3220233"/>
-            <a:ext cx="1062317" cy="1545572"/>
-          </a:xfrm>
-          <a:prstGeom prst="bentArrow">
-            <a:avLst/>
-          </a:prstGeom>
-        </p:spPr>
-        <p:style>
-          <a:lnRef idx="2">
-            <a:schemeClr val="accent1">
-              <a:shade val="50000"/>
-            </a:schemeClr>
-          </a:lnRef>
-          <a:fillRef idx="1">
-            <a:schemeClr val="accent1"/>
-          </a:fillRef>
-          <a:effectRef idx="0">
-            <a:schemeClr val="accent1"/>
-          </a:effectRef>
-          <a:fontRef idx="minor">
-            <a:schemeClr val="lt1"/>
-          </a:fontRef>
-        </p:style>
-        <p:txBody>
-          <a:bodyPr rtlCol="0" anchor="ctr"/>
-          <a:lstStyle/>
-          <a:p>
-            <a:pPr algn="ctr"/>
-            <a:endParaRPr lang="en-NL">
-              <a:solidFill>
-                <a:schemeClr val="tx1"/>
-              </a:solidFill>
-            </a:endParaRPr>
-          </a:p>
-        </p:txBody>
-      </p:sp>
-      <p:sp>
-        <p:nvSpPr>
-          <p:cNvPr id="13" name="TextBox 12">
-            <a:extLst>
-              <a:ext uri="{FF2B5EF4-FFF2-40B4-BE49-F238E27FC236}">
-                <a16:creationId xmlns:a16="http://schemas.microsoft.com/office/drawing/2014/main" id="{3944AA99-3707-21B4-BA55-A845239E361F}"/>
-              </a:ext>
-            </a:extLst>
-          </p:cNvPr>
-          <p:cNvSpPr txBox="1"/>
-          <p:nvPr/>
-        </p:nvSpPr>
-        <p:spPr>
-          <a:xfrm>
-            <a:off x="1035424" y="6032066"/>
-            <a:ext cx="9399494" cy="400110"/>
-          </a:xfrm>
-          <a:prstGeom prst="rect">
-            <a:avLst/>
-          </a:prstGeom>
-          <a:solidFill>
-            <a:schemeClr val="tx2">
-              <a:lumMod val="20000"/>
-              <a:lumOff val="80000"/>
-            </a:schemeClr>
-          </a:solidFill>
-        </p:spPr>
-        <p:txBody>
-          <a:bodyPr wrap="square" rtlCol="0">
-            <a:spAutoFit/>
-            <a:scene3d>
-              <a:camera prst="orthographicFront"/>
-              <a:lightRig rig="threePt" dir="t"/>
-            </a:scene3d>
-            <a:sp3d prstMaterial="dkEdge"/>
-          </a:bodyPr>
-          <a:lstStyle/>
-          <a:p>
-            <a:r>
-              <a:rPr lang="en-US" sz="2000" b="1" dirty="0">
-                <a:solidFill>
-                  <a:srgbClr val="FF0000"/>
-                </a:solidFill>
-              </a:rPr>
-              <a:t>The article code (EXP0234) must start with the right prefix (IMP) for Bananas</a:t>
-            </a:r>
-            <a:endParaRPr lang="en-NL" sz="2000" b="1" dirty="0">
-              <a:solidFill>
-                <a:srgbClr val="FF0000"/>
-              </a:solidFill>
-            </a:endParaRPr>
-          </a:p>
-        </p:txBody>
-      </p:sp>
-      <p:sp>
-        <p:nvSpPr>
-          <p:cNvPr id="14" name="Arrow: Bent 13">
-            <a:extLst>
-              <a:ext uri="{FF2B5EF4-FFF2-40B4-BE49-F238E27FC236}">
-                <a16:creationId xmlns:a16="http://schemas.microsoft.com/office/drawing/2014/main" id="{C8461C3E-5221-34A9-93E2-AF7CC9EB579F}"/>
-              </a:ext>
-            </a:extLst>
-          </p:cNvPr>
-          <p:cNvSpPr/>
-          <p:nvPr/>
-        </p:nvSpPr>
-        <p:spPr>
-          <a:xfrm flipH="1" flipV="1">
-            <a:off x="9399495" y="4982134"/>
-            <a:ext cx="723900" cy="1450041"/>
-          </a:xfrm>
-          <a:prstGeom prst="bentArrow">
-            <a:avLst/>
-          </a:prstGeom>
-        </p:spPr>
-        <p:style>
-          <a:lnRef idx="2">
-            <a:schemeClr val="accent1">
-              <a:shade val="50000"/>
-            </a:schemeClr>
-          </a:lnRef>
-          <a:fillRef idx="1">
-            <a:schemeClr val="accent1"/>
-          </a:fillRef>
-          <a:effectRef idx="0">
-            <a:schemeClr val="accent1"/>
-          </a:effectRef>
-          <a:fontRef idx="minor">
-            <a:schemeClr val="lt1"/>
-          </a:fontRef>
-        </p:style>
-        <p:txBody>
-          <a:bodyPr rtlCol="0" anchor="ctr"/>
-          <a:lstStyle/>
-          <a:p>
-            <a:pPr algn="ctr"/>
-            <a:endParaRPr lang="en-NL">
-              <a:solidFill>
-                <a:schemeClr val="tx1"/>
-              </a:solidFill>
-            </a:endParaRPr>
-          </a:p>
-        </p:txBody>
-      </p:sp>
-    </p:spTree>
-    <p:extLst>
-      <p:ext uri="{BB962C8B-B14F-4D97-AF65-F5344CB8AC3E}">
-        <p14:creationId xmlns:p14="http://schemas.microsoft.com/office/powerpoint/2010/main" val="3550923539"/>
-      </p:ext>
-    </p:extLst>
-  </p:cSld>
-  <p:clrMapOvr>
-    <a:masterClrMapping/>
-  </p:clrMapOvr>
-  <p:timing>
-    <p:tnLst>
-      <p:par>
-        <p:cTn id="1" dur="indefinite" restart="never" nodeType="tmRoot">
-          <p:childTnLst>
-            <p:seq concurrent="1" nextAc="seek">
-              <p:cTn id="2" dur="indefinite" nodeType="mainSeq">
-                <p:childTnLst>
-                  <p:par>
-                    <p:cTn id="3" fill="hold">
-                      <p:stCondLst>
-                        <p:cond delay="indefinite"/>
-                      </p:stCondLst>
-                      <p:childTnLst>
-                        <p:par>
-                          <p:cTn id="4" fill="hold">
-                            <p:stCondLst>
-                              <p:cond delay="0"/>
-                            </p:stCondLst>
-                            <p:childTnLst>
-                              <p:par>
-                                <p:cTn id="5" presetID="1" presetClass="entr" presetSubtype="0" fill="hold" grpId="0" nodeType="clickEffect">
-                                  <p:stCondLst>
-                                    <p:cond delay="0"/>
-                                  </p:stCondLst>
-                                  <p:childTnLst>
-                                    <p:set>
-                                      <p:cBhvr>
-                                        <p:cTn id="6" dur="1" fill="hold">
-                                          <p:stCondLst>
-                                            <p:cond delay="0"/>
-                                          </p:stCondLst>
-                                        </p:cTn>
-                                        <p:tgtEl>
-                                          <p:spTgt spid="9"/>
-                                        </p:tgtEl>
-                                        <p:attrNameLst>
-                                          <p:attrName>style.visibility</p:attrName>
-                                        </p:attrNameLst>
-                                      </p:cBhvr>
-                                      <p:to>
-                                        <p:strVal val="visible"/>
-                                      </p:to>
-                                    </p:set>
-                                  </p:childTnLst>
-                                </p:cTn>
-                              </p:par>
-                              <p:par>
-                                <p:cTn id="7" presetID="1" presetClass="entr" presetSubtype="0" fill="hold" nodeType="withEffect">
-                                  <p:stCondLst>
-                                    <p:cond delay="0"/>
-                                  </p:stCondLst>
-                                  <p:childTnLst>
-                                    <p:set>
-                                      <p:cBhvr>
-                                        <p:cTn id="8" dur="1" fill="hold">
-                                          <p:stCondLst>
-                                            <p:cond delay="0"/>
-                                          </p:stCondLst>
-                                        </p:cTn>
-                                        <p:tgtEl>
-                                          <p:spTgt spid="11"/>
-                                        </p:tgtEl>
-                                        <p:attrNameLst>
-                                          <p:attrName>style.visibility</p:attrName>
-                                        </p:attrNameLst>
-                                      </p:cBhvr>
-                                      <p:to>
-                                        <p:strVal val="visible"/>
-                                      </p:to>
-                                    </p:set>
-                                  </p:childTnLst>
-                                </p:cTn>
-                              </p:par>
-                            </p:childTnLst>
-                          </p:cTn>
-                        </p:par>
-                      </p:childTnLst>
-                    </p:cTn>
-                  </p:par>
-                  <p:par>
-                    <p:cTn id="9" fill="hold">
-                      <p:stCondLst>
-                        <p:cond delay="indefinite"/>
-                      </p:stCondLst>
-                      <p:childTnLst>
-                        <p:par>
-                          <p:cTn id="10" fill="hold">
-                            <p:stCondLst>
-                              <p:cond delay="0"/>
-                            </p:stCondLst>
-                            <p:childTnLst>
-                              <p:par>
-                                <p:cTn id="11" presetID="1" presetClass="entr" presetSubtype="0" fill="hold" grpId="0" nodeType="clickEffect">
-                                  <p:stCondLst>
-                                    <p:cond delay="0"/>
-                                  </p:stCondLst>
-                                  <p:childTnLst>
-                                    <p:set>
-                                      <p:cBhvr>
-                                        <p:cTn id="12" dur="1" fill="hold">
-                                          <p:stCondLst>
-                                            <p:cond delay="0"/>
-                                          </p:stCondLst>
-                                        </p:cTn>
-                                        <p:tgtEl>
-                                          <p:spTgt spid="12"/>
-                                        </p:tgtEl>
-                                        <p:attrNameLst>
-                                          <p:attrName>style.visibility</p:attrName>
-                                        </p:attrNameLst>
-                                      </p:cBhvr>
-                                      <p:to>
-                                        <p:strVal val="visible"/>
-                                      </p:to>
-                                    </p:set>
-                                  </p:childTnLst>
-                                </p:cTn>
-                              </p:par>
-                              <p:par>
-                                <p:cTn id="13" presetID="1" presetClass="entr" presetSubtype="0" fill="hold" grpId="0" nodeType="withEffect">
-                                  <p:stCondLst>
-                                    <p:cond delay="0"/>
-                                  </p:stCondLst>
-                                  <p:childTnLst>
-                                    <p:set>
-                                      <p:cBhvr>
-                                        <p:cTn id="14" dur="1" fill="hold">
-                                          <p:stCondLst>
-                                            <p:cond delay="0"/>
-                                          </p:stCondLst>
-                                        </p:cTn>
-                                        <p:tgtEl>
-                                          <p:spTgt spid="5"/>
-                                        </p:tgtEl>
-                                        <p:attrNameLst>
-                                          <p:attrName>style.visibility</p:attrName>
-                                        </p:attrNameLst>
-                                      </p:cBhvr>
-                                      <p:to>
-                                        <p:strVal val="visible"/>
-                                      </p:to>
-                                    </p:set>
-                                  </p:childTnLst>
-                                </p:cTn>
-                              </p:par>
-                            </p:childTnLst>
-                          </p:cTn>
-                        </p:par>
-                      </p:childTnLst>
-                    </p:cTn>
-                  </p:par>
-                  <p:par>
-                    <p:cTn id="15" fill="hold">
-                      <p:stCondLst>
-                        <p:cond delay="indefinite"/>
-                      </p:stCondLst>
-                      <p:childTnLst>
-                        <p:par>
-                          <p:cTn id="16" fill="hold">
-                            <p:stCondLst>
-                              <p:cond delay="0"/>
-                            </p:stCondLst>
-                            <p:childTnLst>
-                              <p:par>
-                                <p:cTn id="17" presetID="1" presetClass="entr" presetSubtype="0" fill="hold" grpId="0" nodeType="clickEffect">
-                                  <p:stCondLst>
-                                    <p:cond delay="0"/>
-                                  </p:stCondLst>
-                                  <p:childTnLst>
-                                    <p:set>
-                                      <p:cBhvr>
-                                        <p:cTn id="18" dur="1" fill="hold">
-                                          <p:stCondLst>
-                                            <p:cond delay="0"/>
-                                          </p:stCondLst>
-                                        </p:cTn>
-                                        <p:tgtEl>
-                                          <p:spTgt spid="14"/>
-                                        </p:tgtEl>
-                                        <p:attrNameLst>
-                                          <p:attrName>style.visibility</p:attrName>
-                                        </p:attrNameLst>
-                                      </p:cBhvr>
-                                      <p:to>
-                                        <p:strVal val="visible"/>
-                                      </p:to>
-                                    </p:set>
-                                  </p:childTnLst>
-                                </p:cTn>
-                              </p:par>
-                              <p:par>
-                                <p:cTn id="19" presetID="1" presetClass="entr" presetSubtype="0" fill="hold" grpId="0" nodeType="withEffect">
-                                  <p:stCondLst>
-                                    <p:cond delay="0"/>
-                                  </p:stCondLst>
-                                  <p:childTnLst>
-                                    <p:set>
-                                      <p:cBhvr>
-                                        <p:cTn id="20" dur="1" fill="hold">
-                                          <p:stCondLst>
-                                            <p:cond delay="0"/>
-                                          </p:stCondLst>
-                                        </p:cTn>
-                                        <p:tgtEl>
-                                          <p:spTgt spid="13"/>
-                                        </p:tgtEl>
-                                        <p:attrNameLst>
-                                          <p:attrName>style.visibility</p:attrName>
-                                        </p:attrNameLst>
-                                      </p:cBhvr>
-                                      <p:to>
-                                        <p:strVal val="visible"/>
-                                      </p:to>
-                                    </p:set>
-                                  </p:childTnLst>
-                                </p:cTn>
-                              </p:par>
-                            </p:childTnLst>
-                          </p:cTn>
-                        </p:par>
-                      </p:childTnLst>
-                    </p:cTn>
-                  </p:par>
-                </p:childTnLst>
-              </p:cTn>
-              <p:prevCondLst>
-                <p:cond evt="onPrev" delay="0">
-                  <p:tgtEl>
-                    <p:sldTgt/>
-                  </p:tgtEl>
-                </p:cond>
-              </p:prevCondLst>
-              <p:nextCondLst>
-                <p:cond evt="onNext" delay="0">
-                  <p:tgtEl>
-                    <p:sldTgt/>
-                  </p:tgtEl>
-                </p:cond>
-              </p:nextCondLst>
-            </p:seq>
-          </p:childTnLst>
-        </p:cTn>
-      </p:par>
-    </p:tnLst>
-    <p:bldLst>
-      <p:bldP spid="5" grpId="0" animBg="1"/>
-      <p:bldP spid="9" grpId="0" animBg="1"/>
-      <p:bldP spid="12" grpId="0" animBg="1"/>
-      <p:bldP spid="13" grpId="0" animBg="1"/>
-      <p:bldP spid="14" grpId="0" animBg="1"/>
-    </p:bldLst>
-  </p:timing>
-</p:sld>
-</file>
-
-<file path=ppt/slides/slide24.xml><?xml version="1.0" encoding="utf-8"?>
+<file path=ppt/slides/slide26.xml><?xml version="1.0" encoding="utf-8"?>
 <p:sld xmlns:a="http://schemas.openxmlformats.org/drawingml/2006/main" xmlns:r="http://schemas.openxmlformats.org/officeDocument/2006/relationships" xmlns:p="http://schemas.openxmlformats.org/presentationml/2006/main">
   <p:cSld>
     <p:spTree>
@@ -11512,7 +12002,7 @@
         <p:spPr>
           <a:xfrm>
             <a:off x="4278206" y="5391458"/>
-            <a:ext cx="8897470" cy="523220"/>
+            <a:ext cx="8897470" cy="646331"/>
           </a:xfrm>
           <a:prstGeom prst="rect">
             <a:avLst/>
@@ -11526,7 +12016,7 @@
           <a:lstStyle/>
           <a:p>
             <a:r>
-              <a:rPr lang="en-US" sz="2800" b="1" dirty="0"/>
+              <a:rPr lang="en-US" sz="3600" b="1" dirty="0"/>
               <a:t>Query Language Binding or QLB</a:t>
             </a:r>
           </a:p>
@@ -12213,7 +12703,7 @@
 </p:sld>
 </file>
 
-<file path=ppt/slides/slide25.xml><?xml version="1.0" encoding="utf-8"?>
+<file path=ppt/slides/slide27.xml><?xml version="1.0" encoding="utf-8"?>
 <p:sld xmlns:a="http://schemas.openxmlformats.org/drawingml/2006/main" xmlns:r="http://schemas.openxmlformats.org/officeDocument/2006/relationships" xmlns:p="http://schemas.openxmlformats.org/presentationml/2006/main">
   <p:cSld>
     <p:spTree>
@@ -12864,7 +13354,7 @@
 </p:sld>
 </file>
 
-<file path=ppt/slides/slide26.xml><?xml version="1.0" encoding="utf-8"?>
+<file path=ppt/slides/slide28.xml><?xml version="1.0" encoding="utf-8"?>
 <p:sld xmlns:a="http://schemas.openxmlformats.org/drawingml/2006/main" xmlns:r="http://schemas.openxmlformats.org/officeDocument/2006/relationships" xmlns:p="http://schemas.openxmlformats.org/presentationml/2006/main">
   <p:cSld>
     <p:spTree>
@@ -13045,7 +13535,7 @@
 </p:sld>
 </file>
 
-<file path=ppt/slides/slide27.xml><?xml version="1.0" encoding="utf-8"?>
+<file path=ppt/slides/slide29.xml><?xml version="1.0" encoding="utf-8"?>
 <p:sld xmlns:a="http://schemas.openxmlformats.org/drawingml/2006/main" xmlns:r="http://schemas.openxmlformats.org/officeDocument/2006/relationships" xmlns:p="http://schemas.openxmlformats.org/presentationml/2006/main">
   <p:cSld>
     <p:spTree>
@@ -13269,7 +13759,241 @@
 </p:sld>
 </file>
 
-<file path=ppt/slides/slide28.xml><?xml version="1.0" encoding="utf-8"?>
+<file path=ppt/slides/slide3.xml><?xml version="1.0" encoding="utf-8"?>
+<p:sld xmlns:a="http://schemas.openxmlformats.org/drawingml/2006/main" xmlns:r="http://schemas.openxmlformats.org/officeDocument/2006/relationships" xmlns:p="http://schemas.openxmlformats.org/presentationml/2006/main">
+  <p:cSld>
+    <p:spTree>
+      <p:nvGrpSpPr>
+        <p:cNvPr id="1" name=""/>
+        <p:cNvGrpSpPr/>
+        <p:nvPr/>
+      </p:nvGrpSpPr>
+      <p:grpSpPr>
+        <a:xfrm>
+          <a:off x="0" y="0"/>
+          <a:ext cx="0" cy="0"/>
+          <a:chOff x="0" y="0"/>
+          <a:chExt cx="0" cy="0"/>
+        </a:xfrm>
+      </p:grpSpPr>
+      <p:sp>
+        <p:nvSpPr>
+          <p:cNvPr id="2" name="Title 1">
+            <a:extLst>
+              <a:ext uri="{FF2B5EF4-FFF2-40B4-BE49-F238E27FC236}">
+                <a16:creationId xmlns:a16="http://schemas.microsoft.com/office/drawing/2014/main" id="{DA1B0687-9FA5-4319-911B-AD25E7C55984}"/>
+              </a:ext>
+            </a:extLst>
+          </p:cNvPr>
+          <p:cNvSpPr>
+            <a:spLocks noGrp="1"/>
+          </p:cNvSpPr>
+          <p:nvPr>
+            <p:ph type="title"/>
+          </p:nvPr>
+        </p:nvSpPr>
+        <p:spPr>
+          <a:xfrm>
+            <a:off x="525050" y="155596"/>
+            <a:ext cx="10515600" cy="1325563"/>
+          </a:xfrm>
+        </p:spPr>
+        <p:txBody>
+          <a:bodyPr/>
+          <a:lstStyle/>
+          <a:p>
+            <a:r>
+              <a:rPr lang="en-US" b="1" dirty="0"/>
+              <a:t>Schematron </a:t>
+            </a:r>
+            <a:r>
+              <a:rPr lang="en-US" b="1" dirty="0">
+                <a:highlight>
+                  <a:srgbClr val="FFFF00"/>
+                </a:highlight>
+              </a:rPr>
+              <a:t>highlights</a:t>
+            </a:r>
+            <a:endParaRPr lang="en-NL" b="1" dirty="0">
+              <a:highlight>
+                <a:srgbClr val="FFFF00"/>
+              </a:highlight>
+            </a:endParaRPr>
+          </a:p>
+        </p:txBody>
+      </p:sp>
+      <p:sp>
+        <p:nvSpPr>
+          <p:cNvPr id="3" name="Content Placeholder 2">
+            <a:extLst>
+              <a:ext uri="{FF2B5EF4-FFF2-40B4-BE49-F238E27FC236}">
+                <a16:creationId xmlns:a16="http://schemas.microsoft.com/office/drawing/2014/main" id="{35759DFE-054C-462C-8123-0C8D2411A9D6}"/>
+              </a:ext>
+            </a:extLst>
+          </p:cNvPr>
+          <p:cNvSpPr>
+            <a:spLocks noGrp="1"/>
+          </p:cNvSpPr>
+          <p:nvPr>
+            <p:ph idx="1"/>
+          </p:nvPr>
+        </p:nvSpPr>
+        <p:spPr>
+          <a:xfrm>
+            <a:off x="800751" y="1601865"/>
+            <a:ext cx="10515600" cy="3761987"/>
+          </a:xfrm>
+        </p:spPr>
+        <p:txBody>
+          <a:bodyPr>
+            <a:normAutofit fontScale="92500" lnSpcReduction="10000"/>
+          </a:bodyPr>
+          <a:lstStyle/>
+          <a:p>
+            <a:r>
+              <a:rPr lang="en-US" dirty="0"/>
+              <a:t>Simple but powerful</a:t>
+            </a:r>
+          </a:p>
+          <a:p>
+            <a:r>
+              <a:rPr lang="en-US" dirty="0"/>
+              <a:t>A formal XML based schema language</a:t>
+            </a:r>
+          </a:p>
+          <a:p>
+            <a:r>
+              <a:rPr lang="en-US" dirty="0"/>
+              <a:t>Two types of rules:</a:t>
+            </a:r>
+          </a:p>
+          <a:p>
+            <a:pPr lvl="1"/>
+            <a:r>
+              <a:rPr lang="en-US" dirty="0"/>
+              <a:t>Assertions</a:t>
+            </a:r>
+          </a:p>
+          <a:p>
+            <a:pPr lvl="1"/>
+            <a:r>
+              <a:rPr lang="en-US" dirty="0"/>
+              <a:t>Reports</a:t>
+            </a:r>
+          </a:p>
+          <a:p>
+            <a:r>
+              <a:rPr lang="en-US" dirty="0"/>
+              <a:t>Messages in your own words!</a:t>
+            </a:r>
+          </a:p>
+          <a:p>
+            <a:r>
+              <a:rPr lang="en-US" dirty="0"/>
+              <a:t>XPath based expressions</a:t>
+            </a:r>
+          </a:p>
+          <a:p>
+            <a:r>
+              <a:rPr lang="en-US" dirty="0"/>
+              <a:t>Incorporate XSLT keys and functions</a:t>
+            </a:r>
+          </a:p>
+          <a:p>
+            <a:r>
+              <a:rPr lang="en-US" dirty="0"/>
+              <a:t>Can go way beyond the "classic" validation languages</a:t>
+            </a:r>
+          </a:p>
+        </p:txBody>
+      </p:sp>
+      <p:sp>
+        <p:nvSpPr>
+          <p:cNvPr id="4" name="Speech Bubble: Oval 3">
+            <a:extLst>
+              <a:ext uri="{FF2B5EF4-FFF2-40B4-BE49-F238E27FC236}">
+                <a16:creationId xmlns:a16="http://schemas.microsoft.com/office/drawing/2014/main" id="{2721F1B1-1297-4F86-95C5-A246308E3BA4}"/>
+              </a:ext>
+            </a:extLst>
+          </p:cNvPr>
+          <p:cNvSpPr/>
+          <p:nvPr/>
+        </p:nvSpPr>
+        <p:spPr>
+          <a:xfrm>
+            <a:off x="7672093" y="5475822"/>
+            <a:ext cx="3368557" cy="951978"/>
+          </a:xfrm>
+          <a:prstGeom prst="wedgeEllipseCallout">
+            <a:avLst>
+              <a:gd name="adj1" fmla="val 71462"/>
+              <a:gd name="adj2" fmla="val 60972"/>
+            </a:avLst>
+          </a:prstGeom>
+        </p:spPr>
+        <p:style>
+          <a:lnRef idx="2">
+            <a:schemeClr val="accent1">
+              <a:shade val="50000"/>
+            </a:schemeClr>
+          </a:lnRef>
+          <a:fillRef idx="1">
+            <a:schemeClr val="accent1"/>
+          </a:fillRef>
+          <a:effectRef idx="0">
+            <a:schemeClr val="accent1"/>
+          </a:effectRef>
+          <a:fontRef idx="minor">
+            <a:schemeClr val="lt1"/>
+          </a:fontRef>
+        </p:style>
+        <p:txBody>
+          <a:bodyPr rtlCol="0" anchor="ctr"/>
+          <a:lstStyle/>
+          <a:p>
+            <a:pPr algn="ctr"/>
+            <a:r>
+              <a:rPr lang="en-US" dirty="0"/>
+              <a:t>I'm the </a:t>
+            </a:r>
+            <a:r>
+              <a:rPr lang="en-US" dirty="0" err="1"/>
+              <a:t>Schematroll</a:t>
+            </a:r>
+            <a:endParaRPr lang="en-US" dirty="0"/>
+          </a:p>
+          <a:p>
+            <a:pPr algn="ctr"/>
+            <a:r>
+              <a:rPr lang="en-US" dirty="0"/>
+              <a:t>I'm </a:t>
+            </a:r>
+            <a:r>
+              <a:rPr lang="en-US" dirty="0" err="1"/>
+              <a:t>Schematron's</a:t>
+            </a:r>
+            <a:r>
+              <a:rPr lang="en-US" dirty="0"/>
+              <a:t> logo!</a:t>
+            </a:r>
+            <a:endParaRPr lang="en-NL" dirty="0"/>
+          </a:p>
+        </p:txBody>
+      </p:sp>
+    </p:spTree>
+    <p:extLst>
+      <p:ext uri="{BB962C8B-B14F-4D97-AF65-F5344CB8AC3E}">
+        <p14:creationId xmlns:p14="http://schemas.microsoft.com/office/powerpoint/2010/main" val="545629648"/>
+      </p:ext>
+    </p:extLst>
+  </p:cSld>
+  <p:clrMapOvr>
+    <a:masterClrMapping/>
+  </p:clrMapOvr>
+</p:sld>
+</file>
+
+<file path=ppt/slides/slide30.xml><?xml version="1.0" encoding="utf-8"?>
 <p:sld xmlns:a="http://schemas.openxmlformats.org/drawingml/2006/main" xmlns:r="http://schemas.openxmlformats.org/officeDocument/2006/relationships" xmlns:p="http://schemas.openxmlformats.org/presentationml/2006/main">
   <p:cSld>
     <p:spTree>
@@ -14193,7 +14917,7 @@
 </p:sld>
 </file>
 
-<file path=ppt/slides/slide29.xml><?xml version="1.0" encoding="utf-8"?>
+<file path=ppt/slides/slide31.xml><?xml version="1.0" encoding="utf-8"?>
 <p:sld xmlns:a="http://schemas.openxmlformats.org/drawingml/2006/main" xmlns:r="http://schemas.openxmlformats.org/officeDocument/2006/relationships" xmlns:p="http://schemas.openxmlformats.org/presentationml/2006/main">
   <p:cSld>
     <p:spTree>
@@ -14898,230 +15622,7 @@
 </p:sld>
 </file>
 
-<file path=ppt/slides/slide3.xml><?xml version="1.0" encoding="utf-8"?>
-<p:sld xmlns:a="http://schemas.openxmlformats.org/drawingml/2006/main" xmlns:r="http://schemas.openxmlformats.org/officeDocument/2006/relationships" xmlns:p="http://schemas.openxmlformats.org/presentationml/2006/main">
-  <p:cSld>
-    <p:spTree>
-      <p:nvGrpSpPr>
-        <p:cNvPr id="1" name=""/>
-        <p:cNvGrpSpPr/>
-        <p:nvPr/>
-      </p:nvGrpSpPr>
-      <p:grpSpPr>
-        <a:xfrm>
-          <a:off x="0" y="0"/>
-          <a:ext cx="0" cy="0"/>
-          <a:chOff x="0" y="0"/>
-          <a:chExt cx="0" cy="0"/>
-        </a:xfrm>
-      </p:grpSpPr>
-      <p:sp>
-        <p:nvSpPr>
-          <p:cNvPr id="2" name="Title 1">
-            <a:extLst>
-              <a:ext uri="{FF2B5EF4-FFF2-40B4-BE49-F238E27FC236}">
-                <a16:creationId xmlns:a16="http://schemas.microsoft.com/office/drawing/2014/main" id="{DA1B0687-9FA5-4319-911B-AD25E7C55984}"/>
-              </a:ext>
-            </a:extLst>
-          </p:cNvPr>
-          <p:cNvSpPr>
-            <a:spLocks noGrp="1"/>
-          </p:cNvSpPr>
-          <p:nvPr>
-            <p:ph type="title"/>
-          </p:nvPr>
-        </p:nvSpPr>
-        <p:spPr>
-          <a:xfrm>
-            <a:off x="525050" y="155596"/>
-            <a:ext cx="10515600" cy="1325563"/>
-          </a:xfrm>
-        </p:spPr>
-        <p:txBody>
-          <a:bodyPr/>
-          <a:lstStyle/>
-          <a:p>
-            <a:r>
-              <a:rPr lang="en-US" b="1" dirty="0"/>
-              <a:t>Schematron </a:t>
-            </a:r>
-            <a:r>
-              <a:rPr lang="en-US" b="1" dirty="0">
-                <a:highlight>
-                  <a:srgbClr val="FFFF00"/>
-                </a:highlight>
-              </a:rPr>
-              <a:t>highlights</a:t>
-            </a:r>
-            <a:endParaRPr lang="en-NL" b="1" dirty="0">
-              <a:highlight>
-                <a:srgbClr val="FFFF00"/>
-              </a:highlight>
-            </a:endParaRPr>
-          </a:p>
-        </p:txBody>
-      </p:sp>
-      <p:sp>
-        <p:nvSpPr>
-          <p:cNvPr id="3" name="Content Placeholder 2">
-            <a:extLst>
-              <a:ext uri="{FF2B5EF4-FFF2-40B4-BE49-F238E27FC236}">
-                <a16:creationId xmlns:a16="http://schemas.microsoft.com/office/drawing/2014/main" id="{35759DFE-054C-462C-8123-0C8D2411A9D6}"/>
-              </a:ext>
-            </a:extLst>
-          </p:cNvPr>
-          <p:cNvSpPr>
-            <a:spLocks noGrp="1"/>
-          </p:cNvSpPr>
-          <p:nvPr>
-            <p:ph idx="1"/>
-          </p:nvPr>
-        </p:nvSpPr>
-        <p:spPr>
-          <a:xfrm>
-            <a:off x="800751" y="1601865"/>
-            <a:ext cx="10515600" cy="3761987"/>
-          </a:xfrm>
-        </p:spPr>
-        <p:txBody>
-          <a:bodyPr>
-            <a:normAutofit/>
-          </a:bodyPr>
-          <a:lstStyle/>
-          <a:p>
-            <a:r>
-              <a:rPr lang="en-US" dirty="0"/>
-              <a:t>A formal XML based schema language</a:t>
-            </a:r>
-          </a:p>
-          <a:p>
-            <a:r>
-              <a:rPr lang="en-US" dirty="0"/>
-              <a:t>Two types of rules:</a:t>
-            </a:r>
-          </a:p>
-          <a:p>
-            <a:pPr lvl="1"/>
-            <a:r>
-              <a:rPr lang="en-US" dirty="0"/>
-              <a:t>Assertions</a:t>
-            </a:r>
-          </a:p>
-          <a:p>
-            <a:pPr lvl="1"/>
-            <a:r>
-              <a:rPr lang="en-US" dirty="0"/>
-              <a:t>Reports</a:t>
-            </a:r>
-          </a:p>
-          <a:p>
-            <a:r>
-              <a:rPr lang="en-US" dirty="0"/>
-              <a:t>Messages in your own words!</a:t>
-            </a:r>
-          </a:p>
-          <a:p>
-            <a:r>
-              <a:rPr lang="en-US" dirty="0"/>
-              <a:t>XPath based expressions</a:t>
-            </a:r>
-          </a:p>
-          <a:p>
-            <a:r>
-              <a:rPr lang="en-US" dirty="0"/>
-              <a:t>Incorporate XSLT keys and functions</a:t>
-            </a:r>
-            <a:endParaRPr lang="en-NL" dirty="0"/>
-          </a:p>
-        </p:txBody>
-      </p:sp>
-      <p:sp>
-        <p:nvSpPr>
-          <p:cNvPr id="4" name="Speech Bubble: Oval 3">
-            <a:extLst>
-              <a:ext uri="{FF2B5EF4-FFF2-40B4-BE49-F238E27FC236}">
-                <a16:creationId xmlns:a16="http://schemas.microsoft.com/office/drawing/2014/main" id="{2721F1B1-1297-4F86-95C5-A246308E3BA4}"/>
-              </a:ext>
-            </a:extLst>
-          </p:cNvPr>
-          <p:cNvSpPr/>
-          <p:nvPr/>
-        </p:nvSpPr>
-        <p:spPr>
-          <a:xfrm>
-            <a:off x="7672093" y="5475822"/>
-            <a:ext cx="3368557" cy="951978"/>
-          </a:xfrm>
-          <a:prstGeom prst="wedgeEllipseCallout">
-            <a:avLst>
-              <a:gd name="adj1" fmla="val 71462"/>
-              <a:gd name="adj2" fmla="val 60972"/>
-            </a:avLst>
-          </a:prstGeom>
-        </p:spPr>
-        <p:style>
-          <a:lnRef idx="2">
-            <a:schemeClr val="accent1">
-              <a:shade val="50000"/>
-            </a:schemeClr>
-          </a:lnRef>
-          <a:fillRef idx="1">
-            <a:schemeClr val="accent1"/>
-          </a:fillRef>
-          <a:effectRef idx="0">
-            <a:schemeClr val="accent1"/>
-          </a:effectRef>
-          <a:fontRef idx="minor">
-            <a:schemeClr val="lt1"/>
-          </a:fontRef>
-        </p:style>
-        <p:txBody>
-          <a:bodyPr rtlCol="0" anchor="ctr"/>
-          <a:lstStyle/>
-          <a:p>
-            <a:pPr algn="ctr"/>
-            <a:r>
-              <a:rPr lang="en-US" dirty="0"/>
-              <a:t>I'm the </a:t>
-            </a:r>
-            <a:r>
-              <a:rPr lang="en-US" dirty="0" err="1"/>
-              <a:t>Schematroll</a:t>
-            </a:r>
-            <a:endParaRPr lang="en-US" dirty="0"/>
-          </a:p>
-          <a:p>
-            <a:pPr algn="ctr"/>
-            <a:r>
-              <a:rPr lang="en-US" dirty="0"/>
-              <a:t>I'm </a:t>
-            </a:r>
-            <a:r>
-              <a:rPr lang="en-US" dirty="0" err="1"/>
-              <a:t>Schematron's</a:t>
-            </a:r>
-            <a:r>
-              <a:rPr lang="en-US" dirty="0"/>
-              <a:t> logo!</a:t>
-            </a:r>
-            <a:endParaRPr lang="en-NL" dirty="0"/>
-          </a:p>
-        </p:txBody>
-      </p:sp>
-    </p:spTree>
-    <p:extLst>
-      <p:ext uri="{BB962C8B-B14F-4D97-AF65-F5344CB8AC3E}">
-        <p14:creationId xmlns:p14="http://schemas.microsoft.com/office/powerpoint/2010/main" val="545629648"/>
-      </p:ext>
-    </p:extLst>
-  </p:cSld>
-  <p:clrMapOvr>
-    <a:masterClrMapping/>
-  </p:clrMapOvr>
-</p:sld>
-</file>
-
-<file path=ppt/slides/slide30.xml><?xml version="1.0" encoding="utf-8"?>
+<file path=ppt/slides/slide32.xml><?xml version="1.0" encoding="utf-8"?>
 <p:sld xmlns:a="http://schemas.openxmlformats.org/drawingml/2006/main" xmlns:r="http://schemas.openxmlformats.org/officeDocument/2006/relationships" xmlns:p="http://schemas.openxmlformats.org/presentationml/2006/main">
   <p:cSld>
     <p:spTree>
@@ -16193,653 +16694,7 @@
 </p:sld>
 </file>
 
-<file path=ppt/slides/slide31.xml><?xml version="1.0" encoding="utf-8"?>
-<p:sld xmlns:a="http://schemas.openxmlformats.org/drawingml/2006/main" xmlns:r="http://schemas.openxmlformats.org/officeDocument/2006/relationships" xmlns:p="http://schemas.openxmlformats.org/presentationml/2006/main">
-  <p:cSld>
-    <p:spTree>
-      <p:nvGrpSpPr>
-        <p:cNvPr id="1" name=""/>
-        <p:cNvGrpSpPr/>
-        <p:nvPr/>
-      </p:nvGrpSpPr>
-      <p:grpSpPr>
-        <a:xfrm>
-          <a:off x="0" y="0"/>
-          <a:ext cx="0" cy="0"/>
-          <a:chOff x="0" y="0"/>
-          <a:chExt cx="0" cy="0"/>
-        </a:xfrm>
-      </p:grpSpPr>
-      <p:sp>
-        <p:nvSpPr>
-          <p:cNvPr id="5" name="TextBox 4">
-            <a:extLst>
-              <a:ext uri="{FF2B5EF4-FFF2-40B4-BE49-F238E27FC236}">
-                <a16:creationId xmlns:a16="http://schemas.microsoft.com/office/drawing/2014/main" id="{1E18C11D-B737-55E0-D2CD-26CFE35E3D63}"/>
-              </a:ext>
-            </a:extLst>
-          </p:cNvPr>
-          <p:cNvSpPr txBox="1"/>
-          <p:nvPr/>
-        </p:nvSpPr>
-        <p:spPr>
-          <a:xfrm>
-            <a:off x="857640" y="2006236"/>
-            <a:ext cx="9972602" cy="2862322"/>
-          </a:xfrm>
-          <a:prstGeom prst="rect">
-            <a:avLst/>
-          </a:prstGeom>
-          <a:solidFill>
-            <a:schemeClr val="bg1">
-              <a:lumMod val="95000"/>
-            </a:schemeClr>
-          </a:solidFill>
-        </p:spPr>
-        <p:txBody>
-          <a:bodyPr wrap="none" rtlCol="0">
-            <a:spAutoFit/>
-          </a:bodyPr>
-          <a:lstStyle/>
-          <a:p>
-            <a:r>
-              <a:rPr lang="en-US" b="1" dirty="0">
-                <a:latin typeface="Courier New" panose="02070309020205020404" pitchFamily="49" charset="0"/>
-                <a:cs typeface="Courier New" panose="02070309020205020404" pitchFamily="49" charset="0"/>
-              </a:rPr>
-              <a:t>&lt;schema </a:t>
-            </a:r>
-            <a:r>
-              <a:rPr lang="en-US" b="1" dirty="0" err="1">
-                <a:latin typeface="Courier New" panose="02070309020205020404" pitchFamily="49" charset="0"/>
-                <a:cs typeface="Courier New" panose="02070309020205020404" pitchFamily="49" charset="0"/>
-              </a:rPr>
-              <a:t>xmlns</a:t>
-            </a:r>
-            <a:r>
-              <a:rPr lang="en-US" b="1" dirty="0">
-                <a:latin typeface="Courier New" panose="02070309020205020404" pitchFamily="49" charset="0"/>
-                <a:cs typeface="Courier New" panose="02070309020205020404" pitchFamily="49" charset="0"/>
-              </a:rPr>
-              <a:t>="http://purl.oclc.org/</a:t>
-            </a:r>
-            <a:r>
-              <a:rPr lang="en-US" b="1" dirty="0" err="1">
-                <a:latin typeface="Courier New" panose="02070309020205020404" pitchFamily="49" charset="0"/>
-                <a:cs typeface="Courier New" panose="02070309020205020404" pitchFamily="49" charset="0"/>
-              </a:rPr>
-              <a:t>dsdl</a:t>
-            </a:r>
-            <a:r>
-              <a:rPr lang="en-US" b="1" dirty="0">
-                <a:latin typeface="Courier New" panose="02070309020205020404" pitchFamily="49" charset="0"/>
-                <a:cs typeface="Courier New" panose="02070309020205020404" pitchFamily="49" charset="0"/>
-              </a:rPr>
-              <a:t>/</a:t>
-            </a:r>
-            <a:r>
-              <a:rPr lang="en-US" b="1" dirty="0" err="1">
-                <a:latin typeface="Courier New" panose="02070309020205020404" pitchFamily="49" charset="0"/>
-                <a:cs typeface="Courier New" panose="02070309020205020404" pitchFamily="49" charset="0"/>
-              </a:rPr>
-              <a:t>schematron</a:t>
-            </a:r>
-            <a:r>
-              <a:rPr lang="en-US" b="1" dirty="0">
-                <a:latin typeface="Courier New" panose="02070309020205020404" pitchFamily="49" charset="0"/>
-                <a:cs typeface="Courier New" panose="02070309020205020404" pitchFamily="49" charset="0"/>
-              </a:rPr>
-              <a:t>"</a:t>
-            </a:r>
-          </a:p>
-          <a:p>
-            <a:r>
-              <a:rPr lang="en-US" b="1" dirty="0">
-                <a:latin typeface="Courier New" panose="02070309020205020404" pitchFamily="49" charset="0"/>
-                <a:cs typeface="Courier New" panose="02070309020205020404" pitchFamily="49" charset="0"/>
-              </a:rPr>
-              <a:t>  </a:t>
-            </a:r>
-            <a:r>
-              <a:rPr lang="en-US" b="1" dirty="0" err="1">
-                <a:latin typeface="Courier New" panose="02070309020205020404" pitchFamily="49" charset="0"/>
-                <a:cs typeface="Courier New" panose="02070309020205020404" pitchFamily="49" charset="0"/>
-              </a:rPr>
-              <a:t>xmlns:xsl</a:t>
-            </a:r>
-            <a:r>
-              <a:rPr lang="en-US" b="1" dirty="0">
-                <a:latin typeface="Courier New" panose="02070309020205020404" pitchFamily="49" charset="0"/>
-                <a:cs typeface="Courier New" panose="02070309020205020404" pitchFamily="49" charset="0"/>
-              </a:rPr>
-              <a:t>="http://www.w3.org/1999/XSL/Transform" </a:t>
-            </a:r>
-            <a:r>
-              <a:rPr lang="en-US" b="1" dirty="0" err="1">
-                <a:latin typeface="Courier New" panose="02070309020205020404" pitchFamily="49" charset="0"/>
-                <a:cs typeface="Courier New" panose="02070309020205020404" pitchFamily="49" charset="0"/>
-              </a:rPr>
-              <a:t>queryBinding</a:t>
-            </a:r>
-            <a:r>
-              <a:rPr lang="en-US" b="1" dirty="0">
-                <a:latin typeface="Courier New" panose="02070309020205020404" pitchFamily="49" charset="0"/>
-                <a:cs typeface="Courier New" panose="02070309020205020404" pitchFamily="49" charset="0"/>
-              </a:rPr>
-              <a:t>="xslt3"</a:t>
-            </a:r>
-          </a:p>
-          <a:p>
-            <a:r>
-              <a:rPr lang="en-US" b="1" dirty="0">
-                <a:latin typeface="Courier New" panose="02070309020205020404" pitchFamily="49" charset="0"/>
-                <a:cs typeface="Courier New" panose="02070309020205020404" pitchFamily="49" charset="0"/>
-              </a:rPr>
-              <a:t>  </a:t>
-            </a:r>
-            <a:r>
-              <a:rPr lang="en-US" b="1" dirty="0" err="1">
-                <a:latin typeface="Courier New" panose="02070309020205020404" pitchFamily="49" charset="0"/>
-                <a:cs typeface="Courier New" panose="02070309020205020404" pitchFamily="49" charset="0"/>
-              </a:rPr>
-              <a:t>xmlns:f</a:t>
-            </a:r>
-            <a:r>
-              <a:rPr lang="en-US" b="1" dirty="0">
-                <a:latin typeface="Courier New" panose="02070309020205020404" pitchFamily="49" charset="0"/>
-                <a:cs typeface="Courier New" panose="02070309020205020404" pitchFamily="49" charset="0"/>
-              </a:rPr>
-              <a:t>="#functions"</a:t>
-            </a:r>
-          </a:p>
-          <a:p>
-            <a:r>
-              <a:rPr lang="en-US" b="1" dirty="0">
-                <a:latin typeface="Courier New" panose="02070309020205020404" pitchFamily="49" charset="0"/>
-                <a:cs typeface="Courier New" panose="02070309020205020404" pitchFamily="49" charset="0"/>
-              </a:rPr>
-              <a:t>&gt;</a:t>
-            </a:r>
-          </a:p>
-          <a:p>
-            <a:endParaRPr lang="en-US" b="1" dirty="0">
-              <a:latin typeface="Courier New" panose="02070309020205020404" pitchFamily="49" charset="0"/>
-              <a:cs typeface="Courier New" panose="02070309020205020404" pitchFamily="49" charset="0"/>
-            </a:endParaRPr>
-          </a:p>
-          <a:p>
-            <a:r>
-              <a:rPr lang="en-US" b="1" dirty="0">
-                <a:latin typeface="Courier New" panose="02070309020205020404" pitchFamily="49" charset="0"/>
-                <a:cs typeface="Courier New" panose="02070309020205020404" pitchFamily="49" charset="0"/>
-              </a:rPr>
-              <a:t>  &lt;</a:t>
-            </a:r>
-            <a:r>
-              <a:rPr lang="en-US" b="1" dirty="0" err="1">
-                <a:latin typeface="Courier New" panose="02070309020205020404" pitchFamily="49" charset="0"/>
-                <a:cs typeface="Courier New" panose="02070309020205020404" pitchFamily="49" charset="0"/>
-              </a:rPr>
-              <a:t>xsl:function</a:t>
-            </a:r>
-            <a:r>
-              <a:rPr lang="en-US" b="1" dirty="0">
-                <a:latin typeface="Courier New" panose="02070309020205020404" pitchFamily="49" charset="0"/>
-                <a:cs typeface="Courier New" panose="02070309020205020404" pitchFamily="49" charset="0"/>
-              </a:rPr>
-              <a:t> name="f:get-price" as="</a:t>
-            </a:r>
-            <a:r>
-              <a:rPr lang="en-US" b="1" dirty="0" err="1">
-                <a:latin typeface="Courier New" panose="02070309020205020404" pitchFamily="49" charset="0"/>
-                <a:cs typeface="Courier New" panose="02070309020205020404" pitchFamily="49" charset="0"/>
-              </a:rPr>
-              <a:t>xs:double</a:t>
-            </a:r>
-            <a:r>
-              <a:rPr lang="en-US" b="1" dirty="0">
-                <a:latin typeface="Courier New" panose="02070309020205020404" pitchFamily="49" charset="0"/>
-                <a:cs typeface="Courier New" panose="02070309020205020404" pitchFamily="49" charset="0"/>
-              </a:rPr>
-              <a:t>"&gt;</a:t>
-            </a:r>
-          </a:p>
-          <a:p>
-            <a:r>
-              <a:rPr lang="en-US" b="1" dirty="0">
-                <a:latin typeface="Courier New" panose="02070309020205020404" pitchFamily="49" charset="0"/>
-                <a:cs typeface="Courier New" panose="02070309020205020404" pitchFamily="49" charset="0"/>
-              </a:rPr>
-              <a:t>    …</a:t>
-            </a:r>
-          </a:p>
-          <a:p>
-            <a:r>
-              <a:rPr lang="en-US" b="1" dirty="0">
-                <a:latin typeface="Courier New" panose="02070309020205020404" pitchFamily="49" charset="0"/>
-                <a:cs typeface="Courier New" panose="02070309020205020404" pitchFamily="49" charset="0"/>
-              </a:rPr>
-              <a:t>  &lt;/</a:t>
-            </a:r>
-            <a:r>
-              <a:rPr lang="en-US" b="1" dirty="0" err="1">
-                <a:latin typeface="Courier New" panose="02070309020205020404" pitchFamily="49" charset="0"/>
-                <a:cs typeface="Courier New" panose="02070309020205020404" pitchFamily="49" charset="0"/>
-              </a:rPr>
-              <a:t>xsl:function</a:t>
-            </a:r>
-            <a:r>
-              <a:rPr lang="en-US" b="1" dirty="0">
-                <a:latin typeface="Courier New" panose="02070309020205020404" pitchFamily="49" charset="0"/>
-                <a:cs typeface="Courier New" panose="02070309020205020404" pitchFamily="49" charset="0"/>
-              </a:rPr>
-              <a:t>&gt;</a:t>
-            </a:r>
-          </a:p>
-          <a:p>
-            <a:endParaRPr lang="en-US" b="1" dirty="0">
-              <a:latin typeface="Courier New" panose="02070309020205020404" pitchFamily="49" charset="0"/>
-              <a:cs typeface="Courier New" panose="02070309020205020404" pitchFamily="49" charset="0"/>
-            </a:endParaRPr>
-          </a:p>
-          <a:p>
-            <a:r>
-              <a:rPr lang="en-US" b="1" dirty="0">
-                <a:latin typeface="Courier New" panose="02070309020205020404" pitchFamily="49" charset="0"/>
-                <a:cs typeface="Courier New" panose="02070309020205020404" pitchFamily="49" charset="0"/>
-              </a:rPr>
-              <a:t>  </a:t>
-            </a:r>
-            <a:endParaRPr lang="en-NL" b="1" dirty="0">
-              <a:latin typeface="Courier New" panose="02070309020205020404" pitchFamily="49" charset="0"/>
-              <a:cs typeface="Courier New" panose="02070309020205020404" pitchFamily="49" charset="0"/>
-            </a:endParaRPr>
-          </a:p>
-        </p:txBody>
-      </p:sp>
-      <p:sp>
-        <p:nvSpPr>
-          <p:cNvPr id="2" name="Title 1">
-            <a:extLst>
-              <a:ext uri="{FF2B5EF4-FFF2-40B4-BE49-F238E27FC236}">
-                <a16:creationId xmlns:a16="http://schemas.microsoft.com/office/drawing/2014/main" id="{373CE3C7-6632-42B9-39F9-E8856E7D7F08}"/>
-              </a:ext>
-            </a:extLst>
-          </p:cNvPr>
-          <p:cNvSpPr>
-            <a:spLocks noGrp="1"/>
-          </p:cNvSpPr>
-          <p:nvPr>
-            <p:ph type="title"/>
-          </p:nvPr>
-        </p:nvSpPr>
-        <p:spPr>
-          <a:xfrm>
-            <a:off x="577243" y="-200427"/>
-            <a:ext cx="11602214" cy="1325563"/>
-          </a:xfrm>
-        </p:spPr>
-        <p:txBody>
-          <a:bodyPr>
-            <a:normAutofit/>
-          </a:bodyPr>
-          <a:lstStyle/>
-          <a:p>
-            <a:pPr algn="r"/>
-            <a:r>
-              <a:rPr lang="en-US" sz="4000" b="1"/>
-              <a:t>Aside: </a:t>
-            </a:r>
-            <a:r>
-              <a:rPr lang="en-US" sz="4000" b="1" dirty="0"/>
-              <a:t>Namespaces for expressions in Schematron</a:t>
-            </a:r>
-            <a:endParaRPr lang="en-NL" sz="4000" b="1" dirty="0"/>
-          </a:p>
-        </p:txBody>
-      </p:sp>
-      <p:sp>
-        <p:nvSpPr>
-          <p:cNvPr id="8" name="Oval 7">
-            <a:extLst>
-              <a:ext uri="{FF2B5EF4-FFF2-40B4-BE49-F238E27FC236}">
-                <a16:creationId xmlns:a16="http://schemas.microsoft.com/office/drawing/2014/main" id="{1959E590-B05F-E36E-FBDA-8BE71D273C92}"/>
-              </a:ext>
-            </a:extLst>
-          </p:cNvPr>
-          <p:cNvSpPr/>
-          <p:nvPr/>
-        </p:nvSpPr>
-        <p:spPr>
-          <a:xfrm>
-            <a:off x="577243" y="2415309"/>
-            <a:ext cx="3939339" cy="553258"/>
-          </a:xfrm>
-          <a:prstGeom prst="ellipse">
-            <a:avLst/>
-          </a:prstGeom>
-          <a:solidFill>
-            <a:schemeClr val="accent4">
-              <a:lumMod val="40000"/>
-              <a:lumOff val="60000"/>
-              <a:alpha val="19000"/>
-            </a:schemeClr>
-          </a:solidFill>
-          <a:ln w="38100">
-            <a:solidFill>
-              <a:srgbClr val="C00000"/>
-            </a:solidFill>
-          </a:ln>
-        </p:spPr>
-        <p:style>
-          <a:lnRef idx="2">
-            <a:schemeClr val="accent1">
-              <a:shade val="50000"/>
-            </a:schemeClr>
-          </a:lnRef>
-          <a:fillRef idx="1">
-            <a:schemeClr val="accent1"/>
-          </a:fillRef>
-          <a:effectRef idx="0">
-            <a:schemeClr val="accent1"/>
-          </a:effectRef>
-          <a:fontRef idx="minor">
-            <a:schemeClr val="lt1"/>
-          </a:fontRef>
-        </p:style>
-        <p:txBody>
-          <a:bodyPr rtlCol="0" anchor="ctr"/>
-          <a:lstStyle/>
-          <a:p>
-            <a:pPr algn="ctr"/>
-            <a:endParaRPr lang="en-NL"/>
-          </a:p>
-        </p:txBody>
-      </p:sp>
-      <p:grpSp>
-        <p:nvGrpSpPr>
-          <p:cNvPr id="15" name="Group 14">
-            <a:extLst>
-              <a:ext uri="{FF2B5EF4-FFF2-40B4-BE49-F238E27FC236}">
-                <a16:creationId xmlns:a16="http://schemas.microsoft.com/office/drawing/2014/main" id="{D4323CC3-54A6-7717-F12E-936AB8B8CD99}"/>
-              </a:ext>
-            </a:extLst>
-          </p:cNvPr>
-          <p:cNvGrpSpPr/>
-          <p:nvPr/>
-        </p:nvGrpSpPr>
-        <p:grpSpPr>
-          <a:xfrm>
-            <a:off x="1145309" y="2059709"/>
-            <a:ext cx="2470727" cy="1219200"/>
-            <a:chOff x="1145309" y="2059709"/>
-            <a:chExt cx="2470727" cy="1219200"/>
-          </a:xfrm>
-        </p:grpSpPr>
-        <p:cxnSp>
-          <p:nvCxnSpPr>
-            <p:cNvPr id="6" name="Straight Connector 5">
-              <a:extLst>
-                <a:ext uri="{FF2B5EF4-FFF2-40B4-BE49-F238E27FC236}">
-                  <a16:creationId xmlns:a16="http://schemas.microsoft.com/office/drawing/2014/main" id="{48C7C131-A7F7-E03F-898C-D168B4366C05}"/>
-                </a:ext>
-              </a:extLst>
-            </p:cNvPr>
-            <p:cNvCxnSpPr/>
-            <p:nvPr/>
-          </p:nvCxnSpPr>
-          <p:spPr>
-            <a:xfrm flipV="1">
-              <a:off x="1145309" y="2059709"/>
-              <a:ext cx="2470727" cy="1145309"/>
-            </a:xfrm>
-            <a:prstGeom prst="line">
-              <a:avLst/>
-            </a:prstGeom>
-            <a:ln w="63500">
-              <a:solidFill>
-                <a:srgbClr val="FF0000">
-                  <a:alpha val="80000"/>
-                </a:srgbClr>
-              </a:solidFill>
-            </a:ln>
-          </p:spPr>
-          <p:style>
-            <a:lnRef idx="1">
-              <a:schemeClr val="accent1"/>
-            </a:lnRef>
-            <a:fillRef idx="0">
-              <a:schemeClr val="accent1"/>
-            </a:fillRef>
-            <a:effectRef idx="0">
-              <a:schemeClr val="accent1"/>
-            </a:effectRef>
-            <a:fontRef idx="minor">
-              <a:schemeClr val="tx1"/>
-            </a:fontRef>
-          </p:style>
-        </p:cxnSp>
-        <p:cxnSp>
-          <p:nvCxnSpPr>
-            <p:cNvPr id="13" name="Straight Connector 12">
-              <a:extLst>
-                <a:ext uri="{FF2B5EF4-FFF2-40B4-BE49-F238E27FC236}">
-                  <a16:creationId xmlns:a16="http://schemas.microsoft.com/office/drawing/2014/main" id="{E3C94FB9-3CBE-034D-DF53-C1B005BB66E1}"/>
-                </a:ext>
-              </a:extLst>
-            </p:cNvPr>
-            <p:cNvCxnSpPr>
-              <a:cxnSpLocks/>
-            </p:cNvCxnSpPr>
-            <p:nvPr/>
-          </p:nvCxnSpPr>
-          <p:spPr>
-            <a:xfrm flipH="1" flipV="1">
-              <a:off x="1274618" y="2212109"/>
-              <a:ext cx="1902691" cy="1066800"/>
-            </a:xfrm>
-            <a:prstGeom prst="line">
-              <a:avLst/>
-            </a:prstGeom>
-            <a:ln w="63500">
-              <a:solidFill>
-                <a:srgbClr val="FF0000">
-                  <a:alpha val="80000"/>
-                </a:srgbClr>
-              </a:solidFill>
-            </a:ln>
-          </p:spPr>
-          <p:style>
-            <a:lnRef idx="1">
-              <a:schemeClr val="accent1"/>
-            </a:lnRef>
-            <a:fillRef idx="0">
-              <a:schemeClr val="accent1"/>
-            </a:fillRef>
-            <a:effectRef idx="0">
-              <a:schemeClr val="accent1"/>
-            </a:effectRef>
-            <a:fontRef idx="minor">
-              <a:schemeClr val="tx1"/>
-            </a:fontRef>
-          </p:style>
-        </p:cxnSp>
-      </p:grpSp>
-      <p:pic>
-        <p:nvPicPr>
-          <p:cNvPr id="17" name="Picture 16">
-            <a:extLst>
-              <a:ext uri="{FF2B5EF4-FFF2-40B4-BE49-F238E27FC236}">
-                <a16:creationId xmlns:a16="http://schemas.microsoft.com/office/drawing/2014/main" id="{4BD06E5A-E1B9-DDB3-5120-12EBE45AF69E}"/>
-              </a:ext>
-            </a:extLst>
-          </p:cNvPr>
-          <p:cNvPicPr>
-            <a:picLocks noChangeAspect="1"/>
-          </p:cNvPicPr>
-          <p:nvPr/>
-        </p:nvPicPr>
-        <p:blipFill>
-          <a:blip r:embed="rId2"/>
-          <a:stretch>
-            <a:fillRect/>
-          </a:stretch>
-        </p:blipFill>
-        <p:spPr>
-          <a:xfrm>
-            <a:off x="8431260" y="3768436"/>
-            <a:ext cx="3479031" cy="2609273"/>
-          </a:xfrm>
-          <a:prstGeom prst="rect">
-            <a:avLst/>
-          </a:prstGeom>
-        </p:spPr>
-      </p:pic>
-    </p:spTree>
-    <p:extLst>
-      <p:ext uri="{BB962C8B-B14F-4D97-AF65-F5344CB8AC3E}">
-        <p14:creationId xmlns:p14="http://schemas.microsoft.com/office/powerpoint/2010/main" val="795334099"/>
-      </p:ext>
-    </p:extLst>
-  </p:cSld>
-  <p:clrMapOvr>
-    <a:masterClrMapping/>
-  </p:clrMapOvr>
-  <p:timing>
-    <p:tnLst>
-      <p:par>
-        <p:cTn id="1" dur="indefinite" restart="never" nodeType="tmRoot">
-          <p:childTnLst>
-            <p:seq concurrent="1" nextAc="seek">
-              <p:cTn id="2" dur="indefinite" nodeType="mainSeq">
-                <p:childTnLst>
-                  <p:par>
-                    <p:cTn id="3" fill="hold">
-                      <p:stCondLst>
-                        <p:cond delay="indefinite"/>
-                      </p:stCondLst>
-                      <p:childTnLst>
-                        <p:par>
-                          <p:cTn id="4" fill="hold">
-                            <p:stCondLst>
-                              <p:cond delay="0"/>
-                            </p:stCondLst>
-                            <p:childTnLst>
-                              <p:par>
-                                <p:cTn id="5" presetID="1" presetClass="entr" presetSubtype="0" fill="hold" grpId="0" nodeType="clickEffect">
-                                  <p:stCondLst>
-                                    <p:cond delay="0"/>
-                                  </p:stCondLst>
-                                  <p:childTnLst>
-                                    <p:set>
-                                      <p:cBhvr>
-                                        <p:cTn id="6" dur="1" fill="hold">
-                                          <p:stCondLst>
-                                            <p:cond delay="0"/>
-                                          </p:stCondLst>
-                                        </p:cTn>
-                                        <p:tgtEl>
-                                          <p:spTgt spid="8"/>
-                                        </p:tgtEl>
-                                        <p:attrNameLst>
-                                          <p:attrName>style.visibility</p:attrName>
-                                        </p:attrNameLst>
-                                      </p:cBhvr>
-                                      <p:to>
-                                        <p:strVal val="visible"/>
-                                      </p:to>
-                                    </p:set>
-                                  </p:childTnLst>
-                                </p:cTn>
-                              </p:par>
-                            </p:childTnLst>
-                          </p:cTn>
-                        </p:par>
-                      </p:childTnLst>
-                    </p:cTn>
-                  </p:par>
-                  <p:par>
-                    <p:cTn id="7" fill="hold">
-                      <p:stCondLst>
-                        <p:cond delay="indefinite"/>
-                      </p:stCondLst>
-                      <p:childTnLst>
-                        <p:par>
-                          <p:cTn id="8" fill="hold">
-                            <p:stCondLst>
-                              <p:cond delay="0"/>
-                            </p:stCondLst>
-                            <p:childTnLst>
-                              <p:par>
-                                <p:cTn id="9" presetID="10" presetClass="entr" presetSubtype="0" fill="hold" nodeType="clickEffect">
-                                  <p:stCondLst>
-                                    <p:cond delay="0"/>
-                                  </p:stCondLst>
-                                  <p:childTnLst>
-                                    <p:set>
-                                      <p:cBhvr>
-                                        <p:cTn id="10" dur="1" fill="hold">
-                                          <p:stCondLst>
-                                            <p:cond delay="0"/>
-                                          </p:stCondLst>
-                                        </p:cTn>
-                                        <p:tgtEl>
-                                          <p:spTgt spid="15"/>
-                                        </p:tgtEl>
-                                        <p:attrNameLst>
-                                          <p:attrName>style.visibility</p:attrName>
-                                        </p:attrNameLst>
-                                      </p:cBhvr>
-                                      <p:to>
-                                        <p:strVal val="visible"/>
-                                      </p:to>
-                                    </p:set>
-                                    <p:animEffect transition="in" filter="fade">
-                                      <p:cBhvr>
-                                        <p:cTn id="11" dur="500"/>
-                                        <p:tgtEl>
-                                          <p:spTgt spid="15"/>
-                                        </p:tgtEl>
-                                      </p:cBhvr>
-                                    </p:animEffect>
-                                  </p:childTnLst>
-                                </p:cTn>
-                              </p:par>
-                            </p:childTnLst>
-                          </p:cTn>
-                        </p:par>
-                      </p:childTnLst>
-                    </p:cTn>
-                  </p:par>
-                </p:childTnLst>
-              </p:cTn>
-              <p:prevCondLst>
-                <p:cond evt="onPrev" delay="0">
-                  <p:tgtEl>
-                    <p:sldTgt/>
-                  </p:tgtEl>
-                </p:cond>
-              </p:prevCondLst>
-              <p:nextCondLst>
-                <p:cond evt="onNext" delay="0">
-                  <p:tgtEl>
-                    <p:sldTgt/>
-                  </p:tgtEl>
-                </p:cond>
-              </p:nextCondLst>
-            </p:seq>
-          </p:childTnLst>
-        </p:cTn>
-      </p:par>
-    </p:tnLst>
-    <p:bldLst>
-      <p:bldP spid="8" grpId="0" animBg="1"/>
-    </p:bldLst>
-  </p:timing>
-</p:sld>
-</file>
-
-<file path=ppt/slides/slide32.xml><?xml version="1.0" encoding="utf-8"?>
+<file path=ppt/slides/slide33.xml><?xml version="1.0" encoding="utf-8"?>
 <p:sld xmlns:a="http://schemas.openxmlformats.org/drawingml/2006/main" xmlns:r="http://schemas.openxmlformats.org/officeDocument/2006/relationships" xmlns:p="http://schemas.openxmlformats.org/presentationml/2006/main">
   <p:cSld>
     <p:spTree>
@@ -17387,141 +17242,6 @@
 </p:sld>
 </file>
 
-<file path=ppt/slides/slide33.xml><?xml version="1.0" encoding="utf-8"?>
-<p:sld xmlns:a="http://schemas.openxmlformats.org/drawingml/2006/main" xmlns:r="http://schemas.openxmlformats.org/officeDocument/2006/relationships" xmlns:p="http://schemas.openxmlformats.org/presentationml/2006/main">
-  <p:cSld>
-    <p:spTree>
-      <p:nvGrpSpPr>
-        <p:cNvPr id="1" name=""/>
-        <p:cNvGrpSpPr/>
-        <p:nvPr/>
-      </p:nvGrpSpPr>
-      <p:grpSpPr>
-        <a:xfrm>
-          <a:off x="0" y="0"/>
-          <a:ext cx="0" cy="0"/>
-          <a:chOff x="0" y="0"/>
-          <a:chExt cx="0" cy="0"/>
-        </a:xfrm>
-      </p:grpSpPr>
-      <p:sp>
-        <p:nvSpPr>
-          <p:cNvPr id="2" name="Title 1">
-            <a:extLst>
-              <a:ext uri="{FF2B5EF4-FFF2-40B4-BE49-F238E27FC236}">
-                <a16:creationId xmlns:a16="http://schemas.microsoft.com/office/drawing/2014/main" id="{A70F358F-267E-458C-A8D5-5959F20DB9D5}"/>
-              </a:ext>
-            </a:extLst>
-          </p:cNvPr>
-          <p:cNvSpPr>
-            <a:spLocks noGrp="1"/>
-          </p:cNvSpPr>
-          <p:nvPr>
-            <p:ph type="title"/>
-          </p:nvPr>
-        </p:nvSpPr>
-        <p:spPr>
-          <a:xfrm>
-            <a:off x="1874520" y="278023"/>
-            <a:ext cx="10515600" cy="1325563"/>
-          </a:xfrm>
-        </p:spPr>
-        <p:txBody>
-          <a:bodyPr/>
-          <a:lstStyle/>
-          <a:p>
-            <a:r>
-              <a:rPr lang="en-US" b="1" dirty="0"/>
-              <a:t>Hands-on: Using an XSLT function</a:t>
-            </a:r>
-            <a:endParaRPr lang="en-NL" b="1" dirty="0"/>
-          </a:p>
-        </p:txBody>
-      </p:sp>
-      <p:sp>
-        <p:nvSpPr>
-          <p:cNvPr id="3" name="Content Placeholder 2">
-            <a:extLst>
-              <a:ext uri="{FF2B5EF4-FFF2-40B4-BE49-F238E27FC236}">
-                <a16:creationId xmlns:a16="http://schemas.microsoft.com/office/drawing/2014/main" id="{B7E5CA6D-D83C-4F14-841A-1F3902B3B2AC}"/>
-              </a:ext>
-            </a:extLst>
-          </p:cNvPr>
-          <p:cNvSpPr>
-            <a:spLocks noGrp="1"/>
-          </p:cNvSpPr>
-          <p:nvPr>
-            <p:ph idx="1"/>
-          </p:nvPr>
-        </p:nvSpPr>
-        <p:spPr>
-          <a:xfrm>
-            <a:off x="249766" y="1552211"/>
-            <a:ext cx="11692468" cy="4084108"/>
-          </a:xfrm>
-        </p:spPr>
-        <p:txBody>
-          <a:bodyPr>
-            <a:normAutofit/>
-          </a:bodyPr>
-          <a:lstStyle/>
-          <a:p>
-            <a:endParaRPr lang="en-GB" dirty="0"/>
-          </a:p>
-        </p:txBody>
-      </p:sp>
-      <p:pic>
-        <p:nvPicPr>
-          <p:cNvPr id="6" name="Graphic 5" descr="Right pointing backhand index ">
-            <a:extLst>
-              <a:ext uri="{FF2B5EF4-FFF2-40B4-BE49-F238E27FC236}">
-                <a16:creationId xmlns:a16="http://schemas.microsoft.com/office/drawing/2014/main" id="{BA7FB8C5-2AEE-41C3-980A-64845E036DE8}"/>
-              </a:ext>
-            </a:extLst>
-          </p:cNvPr>
-          <p:cNvPicPr>
-            <a:picLocks noChangeAspect="1"/>
-          </p:cNvPicPr>
-          <p:nvPr/>
-        </p:nvPicPr>
-        <p:blipFill>
-          <a:blip r:embed="rId3">
-            <a:extLst>
-              <a:ext uri="{28A0092B-C50C-407E-A947-70E740481C1C}">
-                <a14:useLocalDpi xmlns:a14="http://schemas.microsoft.com/office/drawing/2010/main" val="0"/>
-              </a:ext>
-              <a:ext uri="{96DAC541-7B7A-43D3-8B79-37D633B846F1}">
-                <asvg:svgBlip xmlns:asvg="http://schemas.microsoft.com/office/drawing/2016/SVG/main" r:embed="rId4"/>
-              </a:ext>
-            </a:extLst>
-          </a:blip>
-          <a:stretch>
-            <a:fillRect/>
-          </a:stretch>
-        </p:blipFill>
-        <p:spPr>
-          <a:xfrm>
-            <a:off x="838200" y="483604"/>
-            <a:ext cx="914400" cy="914400"/>
-          </a:xfrm>
-          <a:prstGeom prst="rect">
-            <a:avLst/>
-          </a:prstGeom>
-        </p:spPr>
-      </p:pic>
-    </p:spTree>
-    <p:extLst>
-      <p:ext uri="{BB962C8B-B14F-4D97-AF65-F5344CB8AC3E}">
-        <p14:creationId xmlns:p14="http://schemas.microsoft.com/office/powerpoint/2010/main" val="1257590034"/>
-      </p:ext>
-    </p:extLst>
-  </p:cSld>
-  <p:clrMapOvr>
-    <a:masterClrMapping/>
-  </p:clrMapOvr>
-</p:sld>
-</file>
-
 <file path=ppt/slides/slide34.xml><?xml version="1.0" encoding="utf-8"?>
 <p:sld xmlns:a="http://schemas.openxmlformats.org/drawingml/2006/main" xmlns:r="http://schemas.openxmlformats.org/officeDocument/2006/relationships" xmlns:p="http://schemas.openxmlformats.org/presentationml/2006/main">
   <p:cSld>
@@ -17544,6 +17264,318 @@
           <p:cNvPr id="2" name="Title 1">
             <a:extLst>
               <a:ext uri="{FF2B5EF4-FFF2-40B4-BE49-F238E27FC236}">
+                <a16:creationId xmlns:a16="http://schemas.microsoft.com/office/drawing/2014/main" id="{A70F358F-267E-458C-A8D5-5959F20DB9D5}"/>
+              </a:ext>
+            </a:extLst>
+          </p:cNvPr>
+          <p:cNvSpPr>
+            <a:spLocks noGrp="1"/>
+          </p:cNvSpPr>
+          <p:nvPr>
+            <p:ph type="title"/>
+          </p:nvPr>
+        </p:nvSpPr>
+        <p:spPr>
+          <a:xfrm>
+            <a:off x="1218674" y="-179178"/>
+            <a:ext cx="10515600" cy="1325563"/>
+          </a:xfrm>
+        </p:spPr>
+        <p:txBody>
+          <a:bodyPr/>
+          <a:lstStyle/>
+          <a:p>
+            <a:r>
+              <a:rPr lang="en-US" b="1" dirty="0"/>
+              <a:t>Hands-on: Using XSLT functions</a:t>
+            </a:r>
+            <a:endParaRPr lang="en-NL" b="1" dirty="0"/>
+          </a:p>
+        </p:txBody>
+      </p:sp>
+      <p:sp>
+        <p:nvSpPr>
+          <p:cNvPr id="3" name="Content Placeholder 2">
+            <a:extLst>
+              <a:ext uri="{FF2B5EF4-FFF2-40B4-BE49-F238E27FC236}">
+                <a16:creationId xmlns:a16="http://schemas.microsoft.com/office/drawing/2014/main" id="{B7E5CA6D-D83C-4F14-841A-1F3902B3B2AC}"/>
+              </a:ext>
+            </a:extLst>
+          </p:cNvPr>
+          <p:cNvSpPr>
+            <a:spLocks noGrp="1"/>
+          </p:cNvSpPr>
+          <p:nvPr>
+            <p:ph idx="1"/>
+          </p:nvPr>
+        </p:nvSpPr>
+        <p:spPr>
+          <a:xfrm>
+            <a:off x="249766" y="1325186"/>
+            <a:ext cx="11826620" cy="4899039"/>
+          </a:xfrm>
+        </p:spPr>
+        <p:txBody>
+          <a:bodyPr>
+            <a:normAutofit fontScale="92500" lnSpcReduction="10000"/>
+          </a:bodyPr>
+          <a:lstStyle/>
+          <a:p>
+            <a:r>
+              <a:rPr lang="en-US" dirty="0"/>
+              <a:t>All files in:  </a:t>
+            </a:r>
+            <a:r>
+              <a:rPr lang="en-US" b="1" dirty="0">
+                <a:latin typeface="Courier New" panose="02070309020205020404" pitchFamily="49" charset="0"/>
+                <a:cs typeface="Courier New" panose="02070309020205020404" pitchFamily="49" charset="0"/>
+              </a:rPr>
+              <a:t>…/exercises</a:t>
+            </a:r>
+            <a:r>
+              <a:rPr lang="en-US" dirty="0">
+                <a:latin typeface="Courier New" panose="02070309020205020404" pitchFamily="49" charset="0"/>
+                <a:cs typeface="Courier New" panose="02070309020205020404" pitchFamily="49" charset="0"/>
+              </a:rPr>
+              <a:t>/</a:t>
+            </a:r>
+            <a:r>
+              <a:rPr lang="en-US" b="1" dirty="0">
+                <a:latin typeface="Courier New" panose="02070309020205020404" pitchFamily="49" charset="0"/>
+                <a:cs typeface="Courier New" panose="02070309020205020404" pitchFamily="49" charset="0"/>
+              </a:rPr>
+              <a:t>exercise-04-01</a:t>
+            </a:r>
+          </a:p>
+          <a:p>
+            <a:endParaRPr lang="en-US" dirty="0"/>
+          </a:p>
+          <a:p>
+            <a:r>
+              <a:rPr lang="en-US" dirty="0"/>
+              <a:t>Read the instructions in:  </a:t>
+            </a:r>
+            <a:r>
+              <a:rPr lang="en-US" b="1" dirty="0">
+                <a:latin typeface="Courier New" panose="02070309020205020404" pitchFamily="49" charset="0"/>
+                <a:cs typeface="Courier New" panose="02070309020205020404" pitchFamily="49" charset="0"/>
+              </a:rPr>
+              <a:t>instructions.pdf</a:t>
+            </a:r>
+            <a:endParaRPr lang="en-US" dirty="0"/>
+          </a:p>
+          <a:p>
+            <a:r>
+              <a:rPr lang="en-US" dirty="0"/>
+              <a:t>Open the files:</a:t>
+            </a:r>
+          </a:p>
+          <a:p>
+            <a:pPr lvl="1"/>
+            <a:r>
+              <a:rPr lang="en-US" dirty="0"/>
+              <a:t>Document to validate: </a:t>
+            </a:r>
+            <a:r>
+              <a:rPr lang="en-US" b="1" dirty="0">
+                <a:latin typeface="Courier New" panose="02070309020205020404" pitchFamily="49" charset="0"/>
+                <a:cs typeface="Courier New" panose="02070309020205020404" pitchFamily="49" charset="0"/>
+              </a:rPr>
+              <a:t>input.xml</a:t>
+            </a:r>
+          </a:p>
+          <a:p>
+            <a:pPr lvl="1"/>
+            <a:r>
+              <a:rPr lang="en-US" dirty="0"/>
+              <a:t>Template Schematron schema: </a:t>
+            </a:r>
+            <a:r>
+              <a:rPr lang="en-US" b="1" dirty="0" err="1">
+                <a:latin typeface="Courier New" panose="02070309020205020404" pitchFamily="49" charset="0"/>
+                <a:cs typeface="Courier New" panose="02070309020205020404" pitchFamily="49" charset="0"/>
+              </a:rPr>
+              <a:t>template.sch</a:t>
+            </a:r>
+            <a:endParaRPr lang="en-US" b="1" dirty="0">
+              <a:latin typeface="Courier New" panose="02070309020205020404" pitchFamily="49" charset="0"/>
+              <a:cs typeface="Courier New" panose="02070309020205020404" pitchFamily="49" charset="0"/>
+            </a:endParaRPr>
+          </a:p>
+          <a:p>
+            <a:r>
+              <a:rPr lang="en-US" dirty="0"/>
+              <a:t>Enhance </a:t>
+            </a:r>
+            <a:r>
+              <a:rPr lang="en-US" b="1" dirty="0" err="1">
+                <a:latin typeface="Courier New" panose="02070309020205020404" pitchFamily="49" charset="0"/>
+                <a:cs typeface="Courier New" panose="02070309020205020404" pitchFamily="49" charset="0"/>
+              </a:rPr>
+              <a:t>template.sch</a:t>
+            </a:r>
+            <a:r>
+              <a:rPr lang="en-US" dirty="0"/>
+              <a:t> according to the instructions </a:t>
+            </a:r>
+          </a:p>
+          <a:p>
+            <a:r>
+              <a:rPr lang="en-US" dirty="0"/>
+              <a:t>To try it out in oXygen, </a:t>
+            </a:r>
+            <a:r>
+              <a:rPr lang="en-US" b="1" dirty="0">
+                <a:latin typeface="Courier New" panose="02070309020205020404" pitchFamily="49" charset="0"/>
+                <a:cs typeface="Courier New" panose="02070309020205020404" pitchFamily="49" charset="0"/>
+              </a:rPr>
+              <a:t>input.xml</a:t>
+            </a:r>
+            <a:r>
+              <a:rPr lang="en-US" dirty="0"/>
+              <a:t> is automatically validated by </a:t>
+            </a:r>
+            <a:r>
+              <a:rPr lang="en-US" b="1" dirty="0" err="1">
+                <a:latin typeface="Courier New" panose="02070309020205020404" pitchFamily="49" charset="0"/>
+                <a:cs typeface="Courier New" panose="02070309020205020404" pitchFamily="49" charset="0"/>
+              </a:rPr>
+              <a:t>template.sch</a:t>
+            </a:r>
+            <a:endParaRPr lang="en-US" b="1" dirty="0">
+              <a:latin typeface="Courier New" panose="02070309020205020404" pitchFamily="49" charset="0"/>
+              <a:cs typeface="Courier New" panose="02070309020205020404" pitchFamily="49" charset="0"/>
+            </a:endParaRPr>
+          </a:p>
+          <a:p>
+            <a:endParaRPr lang="en-US" dirty="0"/>
+          </a:p>
+          <a:p>
+            <a:endParaRPr lang="en-US" dirty="0"/>
+          </a:p>
+          <a:p>
+            <a:pPr marL="0" indent="0">
+              <a:buNone/>
+            </a:pPr>
+            <a:r>
+              <a:rPr lang="en-US" sz="2200" dirty="0"/>
+              <a:t>Possible solution in: </a:t>
+            </a:r>
+            <a:r>
+              <a:rPr lang="en-US" sz="2200" b="1" dirty="0">
+                <a:latin typeface="Courier New" panose="02070309020205020404" pitchFamily="49" charset="0"/>
+                <a:cs typeface="Courier New" panose="02070309020205020404" pitchFamily="49" charset="0"/>
+              </a:rPr>
+              <a:t>solution/</a:t>
+            </a:r>
+            <a:r>
+              <a:rPr lang="en-US" sz="2200" b="1" dirty="0" err="1">
+                <a:latin typeface="Courier New" panose="02070309020205020404" pitchFamily="49" charset="0"/>
+                <a:cs typeface="Courier New" panose="02070309020205020404" pitchFamily="49" charset="0"/>
+              </a:rPr>
+              <a:t>solution.sch</a:t>
+            </a:r>
+            <a:r>
+              <a:rPr lang="en-US" sz="2200" dirty="0"/>
+              <a:t> (short explanation in </a:t>
+            </a:r>
+            <a:r>
+              <a:rPr lang="en-US" sz="2200" b="1" dirty="0">
+                <a:latin typeface="Courier New" panose="02070309020205020404" pitchFamily="49" charset="0"/>
+                <a:cs typeface="Courier New" panose="02070309020205020404" pitchFamily="49" charset="0"/>
+              </a:rPr>
+              <a:t>solution/explanation.pdf</a:t>
+            </a:r>
+            <a:r>
+              <a:rPr lang="en-US" sz="2200" dirty="0"/>
+              <a:t>).</a:t>
+            </a:r>
+          </a:p>
+          <a:p>
+            <a:pPr marL="0" indent="0">
+              <a:buNone/>
+            </a:pPr>
+            <a:endParaRPr lang="en-US" sz="2200" dirty="0"/>
+          </a:p>
+          <a:p>
+            <a:endParaRPr lang="en-GB" dirty="0"/>
+          </a:p>
+        </p:txBody>
+      </p:sp>
+      <p:pic>
+        <p:nvPicPr>
+          <p:cNvPr id="6" name="Graphic 5" descr="Right pointing backhand index ">
+            <a:extLst>
+              <a:ext uri="{FF2B5EF4-FFF2-40B4-BE49-F238E27FC236}">
+                <a16:creationId xmlns:a16="http://schemas.microsoft.com/office/drawing/2014/main" id="{BA7FB8C5-2AEE-41C3-980A-64845E036DE8}"/>
+              </a:ext>
+            </a:extLst>
+          </p:cNvPr>
+          <p:cNvPicPr>
+            <a:picLocks noChangeAspect="1"/>
+          </p:cNvPicPr>
+          <p:nvPr/>
+        </p:nvPicPr>
+        <p:blipFill>
+          <a:blip r:embed="rId3">
+            <a:extLst>
+              <a:ext uri="{28A0092B-C50C-407E-A947-70E740481C1C}">
+                <a14:useLocalDpi xmlns:a14="http://schemas.microsoft.com/office/drawing/2010/main" val="0"/>
+              </a:ext>
+              <a:ext uri="{96DAC541-7B7A-43D3-8B79-37D633B846F1}">
+                <asvg:svgBlip xmlns:asvg="http://schemas.microsoft.com/office/drawing/2016/SVG/main" r:embed="rId4"/>
+              </a:ext>
+            </a:extLst>
+          </a:blip>
+          <a:stretch>
+            <a:fillRect/>
+          </a:stretch>
+        </p:blipFill>
+        <p:spPr>
+          <a:xfrm>
+            <a:off x="249766" y="26404"/>
+            <a:ext cx="914400" cy="914400"/>
+          </a:xfrm>
+          <a:prstGeom prst="rect">
+            <a:avLst/>
+          </a:prstGeom>
+        </p:spPr>
+      </p:pic>
+    </p:spTree>
+    <p:extLst>
+      <p:ext uri="{BB962C8B-B14F-4D97-AF65-F5344CB8AC3E}">
+        <p14:creationId xmlns:p14="http://schemas.microsoft.com/office/powerpoint/2010/main" val="2319688931"/>
+      </p:ext>
+    </p:extLst>
+  </p:cSld>
+  <p:clrMapOvr>
+    <a:masterClrMapping/>
+  </p:clrMapOvr>
+</p:sld>
+</file>
+
+<file path=ppt/slides/slide35.xml><?xml version="1.0" encoding="utf-8"?>
+<p:sld xmlns:a="http://schemas.openxmlformats.org/drawingml/2006/main" xmlns:r="http://schemas.openxmlformats.org/officeDocument/2006/relationships" xmlns:p="http://schemas.openxmlformats.org/presentationml/2006/main">
+  <p:cSld>
+    <p:spTree>
+      <p:nvGrpSpPr>
+        <p:cNvPr id="1" name=""/>
+        <p:cNvGrpSpPr/>
+        <p:nvPr/>
+      </p:nvGrpSpPr>
+      <p:grpSpPr>
+        <a:xfrm>
+          <a:off x="0" y="0"/>
+          <a:ext cx="0" cy="0"/>
+          <a:chOff x="0" y="0"/>
+          <a:chExt cx="0" cy="0"/>
+        </a:xfrm>
+      </p:grpSpPr>
+      <p:sp>
+        <p:nvSpPr>
+          <p:cNvPr id="2" name="Title 1">
+            <a:extLst>
+              <a:ext uri="{FF2B5EF4-FFF2-40B4-BE49-F238E27FC236}">
                 <a16:creationId xmlns:a16="http://schemas.microsoft.com/office/drawing/2014/main" id="{F0C815C8-BE18-DEF3-FFBC-5298E1DF0EBB}"/>
               </a:ext>
             </a:extLst>
@@ -17721,7 +17753,7 @@
 </p:sld>
 </file>
 
-<file path=ppt/slides/slide35.xml><?xml version="1.0" encoding="utf-8"?>
+<file path=ppt/slides/slide36.xml><?xml version="1.0" encoding="utf-8"?>
 <p:sld xmlns:a="http://schemas.openxmlformats.org/drawingml/2006/main" xmlns:r="http://schemas.openxmlformats.org/officeDocument/2006/relationships" xmlns:p="http://schemas.openxmlformats.org/presentationml/2006/main">
   <p:cSld>
     <p:spTree>
@@ -18006,7 +18038,7 @@
 </p:sld>
 </file>
 
-<file path=ppt/slides/slide36.xml><?xml version="1.0" encoding="utf-8"?>
+<file path=ppt/slides/slide37.xml><?xml version="1.0" encoding="utf-8"?>
 <p:sld xmlns:a="http://schemas.openxmlformats.org/drawingml/2006/main" xmlns:r="http://schemas.openxmlformats.org/officeDocument/2006/relationships" xmlns:p="http://schemas.openxmlformats.org/presentationml/2006/main">
   <p:cSld>
     <p:spTree>
@@ -18539,7 +18571,7 @@
 </p:sld>
 </file>
 
-<file path=ppt/slides/slide37.xml><?xml version="1.0" encoding="utf-8"?>
+<file path=ppt/slides/slide38.xml><?xml version="1.0" encoding="utf-8"?>
 <p:sld xmlns:a="http://schemas.openxmlformats.org/drawingml/2006/main" xmlns:r="http://schemas.openxmlformats.org/officeDocument/2006/relationships" xmlns:p="http://schemas.openxmlformats.org/presentationml/2006/main">
   <p:cSld>
     <p:spTree>

--- a/presentation/Schematron Tutorial DA 2022.pptx
+++ b/presentation/Schematron Tutorial DA 2022.pptx
@@ -5,50 +5,55 @@
     <p:sldMasterId id="2147483648" r:id="rId1"/>
   </p:sldMasterIdLst>
   <p:notesMasterIdLst>
-    <p:notesMasterId r:id="rId40"/>
+    <p:notesMasterId r:id="rId45"/>
   </p:notesMasterIdLst>
   <p:handoutMasterIdLst>
-    <p:handoutMasterId r:id="rId41"/>
+    <p:handoutMasterId r:id="rId46"/>
   </p:handoutMasterIdLst>
   <p:sldIdLst>
     <p:sldId id="256" r:id="rId2"/>
     <p:sldId id="292" r:id="rId3"/>
-    <p:sldId id="290" r:id="rId4"/>
-    <p:sldId id="375" r:id="rId5"/>
-    <p:sldId id="294" r:id="rId6"/>
-    <p:sldId id="376" r:id="rId7"/>
-    <p:sldId id="260" r:id="rId8"/>
-    <p:sldId id="377" r:id="rId9"/>
-    <p:sldId id="378" r:id="rId10"/>
-    <p:sldId id="379" r:id="rId11"/>
-    <p:sldId id="334" r:id="rId12"/>
-    <p:sldId id="380" r:id="rId13"/>
-    <p:sldId id="392" r:id="rId14"/>
-    <p:sldId id="388" r:id="rId15"/>
-    <p:sldId id="394" r:id="rId16"/>
-    <p:sldId id="382" r:id="rId17"/>
-    <p:sldId id="395" r:id="rId18"/>
-    <p:sldId id="384" r:id="rId19"/>
-    <p:sldId id="396" r:id="rId20"/>
-    <p:sldId id="386" r:id="rId21"/>
-    <p:sldId id="397" r:id="rId22"/>
-    <p:sldId id="398" r:id="rId23"/>
-    <p:sldId id="400" r:id="rId24"/>
-    <p:sldId id="401" r:id="rId25"/>
-    <p:sldId id="389" r:id="rId26"/>
-    <p:sldId id="269" r:id="rId27"/>
-    <p:sldId id="270" r:id="rId28"/>
-    <p:sldId id="272" r:id="rId29"/>
-    <p:sldId id="274" r:id="rId30"/>
-    <p:sldId id="275" r:id="rId31"/>
-    <p:sldId id="276" r:id="rId32"/>
-    <p:sldId id="278" r:id="rId33"/>
-    <p:sldId id="279" r:id="rId34"/>
-    <p:sldId id="399" r:id="rId35"/>
-    <p:sldId id="277" r:id="rId36"/>
-    <p:sldId id="356" r:id="rId37"/>
-    <p:sldId id="273" r:id="rId38"/>
-    <p:sldId id="283" r:id="rId39"/>
+    <p:sldId id="406" r:id="rId4"/>
+    <p:sldId id="290" r:id="rId5"/>
+    <p:sldId id="375" r:id="rId6"/>
+    <p:sldId id="294" r:id="rId7"/>
+    <p:sldId id="376" r:id="rId8"/>
+    <p:sldId id="260" r:id="rId9"/>
+    <p:sldId id="377" r:id="rId10"/>
+    <p:sldId id="378" r:id="rId11"/>
+    <p:sldId id="379" r:id="rId12"/>
+    <p:sldId id="334" r:id="rId13"/>
+    <p:sldId id="380" r:id="rId14"/>
+    <p:sldId id="392" r:id="rId15"/>
+    <p:sldId id="388" r:id="rId16"/>
+    <p:sldId id="394" r:id="rId17"/>
+    <p:sldId id="382" r:id="rId18"/>
+    <p:sldId id="395" r:id="rId19"/>
+    <p:sldId id="384" r:id="rId20"/>
+    <p:sldId id="396" r:id="rId21"/>
+    <p:sldId id="386" r:id="rId22"/>
+    <p:sldId id="397" r:id="rId23"/>
+    <p:sldId id="398" r:id="rId24"/>
+    <p:sldId id="400" r:id="rId25"/>
+    <p:sldId id="401" r:id="rId26"/>
+    <p:sldId id="402" r:id="rId27"/>
+    <p:sldId id="403" r:id="rId28"/>
+    <p:sldId id="404" r:id="rId29"/>
+    <p:sldId id="405" r:id="rId30"/>
+    <p:sldId id="389" r:id="rId31"/>
+    <p:sldId id="269" r:id="rId32"/>
+    <p:sldId id="270" r:id="rId33"/>
+    <p:sldId id="272" r:id="rId34"/>
+    <p:sldId id="274" r:id="rId35"/>
+    <p:sldId id="275" r:id="rId36"/>
+    <p:sldId id="276" r:id="rId37"/>
+    <p:sldId id="278" r:id="rId38"/>
+    <p:sldId id="279" r:id="rId39"/>
+    <p:sldId id="399" r:id="rId40"/>
+    <p:sldId id="277" r:id="rId41"/>
+    <p:sldId id="356" r:id="rId42"/>
+    <p:sldId id="273" r:id="rId43"/>
+    <p:sldId id="283" r:id="rId44"/>
   </p:sldIdLst>
   <p:sldSz cx="12192000" cy="6858000"/>
   <p:notesSz cx="6858000" cy="9144000"/>
@@ -154,6 +159,7 @@
           <p14:sldIdLst>
             <p14:sldId id="256"/>
             <p14:sldId id="292"/>
+            <p14:sldId id="406"/>
             <p14:sldId id="290"/>
             <p14:sldId id="375"/>
             <p14:sldId id="294"/>
@@ -196,6 +202,10 @@
           <p14:sldIdLst>
             <p14:sldId id="400"/>
             <p14:sldId id="401"/>
+            <p14:sldId id="402"/>
+            <p14:sldId id="403"/>
+            <p14:sldId id="404"/>
+            <p14:sldId id="405"/>
           </p14:sldIdLst>
         </p14:section>
         <p14:section name="QLB" id="{649F9382-6975-40E2-ABF7-F3BD28E8FFB6}">
@@ -326,7 +336,7 @@
           <a:p>
             <a:fld id="{0AAE6376-87C4-4D16-82D1-D37904F930BA}" type="datetimeFigureOut">
               <a:rPr lang="en-NL" smtClean="0"/>
-              <a:t>29/09/2022</a:t>
+              <a:t>25/10/2022</a:t>
             </a:fld>
             <a:endParaRPr lang="en-NL"/>
           </a:p>
@@ -503,7 +513,7 @@
           <a:p>
             <a:fld id="{3FA52A83-AFF0-44B5-B0CB-BF1EF92BF110}" type="datetimeFigureOut">
               <a:rPr lang="en-NL" smtClean="0"/>
-              <a:t>29/09/2022</a:t>
+              <a:t>25/10/2022</a:t>
             </a:fld>
             <a:endParaRPr lang="en-NL"/>
           </a:p>
@@ -899,63 +909,6 @@
           <a:bodyPr/>
           <a:lstStyle/>
           <a:p>
-            <a:r>
-              <a:rPr lang="en-US" dirty="0"/>
-              <a:t>Some are outdated:</a:t>
-            </a:r>
-          </a:p>
-          <a:p>
-            <a:pPr marL="171450" indent="-171450">
-              <a:buFont typeface="Arial" panose="020B0604020202020204" pitchFamily="34" charset="0"/>
-              <a:buChar char="•"/>
-            </a:pPr>
-            <a:r>
-              <a:rPr lang="en-US" dirty="0" err="1"/>
-              <a:t>exslt</a:t>
-            </a:r>
-            <a:r>
-              <a:rPr lang="en-US" dirty="0"/>
-              <a:t>: Allow </a:t>
-            </a:r>
-            <a:r>
-              <a:rPr lang="en-US" dirty="0" err="1"/>
-              <a:t>exslt</a:t>
-            </a:r>
-            <a:r>
-              <a:rPr lang="en-US" dirty="0"/>
-              <a:t> extension function from exslt.org (last updated: 2003)</a:t>
-            </a:r>
-          </a:p>
-          <a:p>
-            <a:pPr marL="171450" indent="-171450">
-              <a:buFont typeface="Arial" panose="020B0604020202020204" pitchFamily="34" charset="0"/>
-              <a:buChar char="•"/>
-            </a:pPr>
-            <a:r>
-              <a:rPr lang="en-US" dirty="0" err="1"/>
-              <a:t>stx</a:t>
-            </a:r>
-            <a:r>
-              <a:rPr lang="en-US" dirty="0"/>
-              <a:t> (Streaming Transformations for XML) an XML based language for transforming XML documents without building a tree in memory (last update: 2007)</a:t>
-            </a:r>
-          </a:p>
-          <a:p>
-            <a:pPr marL="171450" indent="-171450">
-              <a:buFont typeface="Arial" panose="020B0604020202020204" pitchFamily="34" charset="0"/>
-              <a:buChar char="•"/>
-            </a:pPr>
-            <a:endParaRPr lang="en-US" dirty="0"/>
-          </a:p>
-          <a:p>
-            <a:pPr marL="0" indent="0">
-              <a:buFont typeface="Arial" panose="020B0604020202020204" pitchFamily="34" charset="0"/>
-              <a:buNone/>
-            </a:pPr>
-            <a:r>
-              <a:rPr lang="en-US" dirty="0"/>
-              <a:t>Contrary to what you might expect: not case-sensitive </a:t>
-            </a:r>
             <a:endParaRPr lang="en-NL" dirty="0"/>
           </a:p>
         </p:txBody>
@@ -975,9 +928,9 @@
           <a:bodyPr/>
           <a:lstStyle/>
           <a:p>
-            <a:fld id="{A83FDDBB-341F-4A2D-A070-8A29B8B1C9DF}" type="slidenum">
+            <a:fld id="{210C85D1-D769-4E3C-BD67-6FCFE11EFBEA}" type="slidenum">
               <a:rPr lang="en-NL" smtClean="0"/>
-              <a:t>27</a:t>
+              <a:t>31</a:t>
             </a:fld>
             <a:endParaRPr lang="en-NL"/>
           </a:p>
@@ -986,7 +939,7 @@
     </p:spTree>
     <p:extLst>
       <p:ext uri="{BB962C8B-B14F-4D97-AF65-F5344CB8AC3E}">
-        <p14:creationId xmlns:p14="http://schemas.microsoft.com/office/powerpoint/2010/main" val="1888077813"/>
+        <p14:creationId xmlns:p14="http://schemas.microsoft.com/office/powerpoint/2010/main" val="890139119"/>
       </p:ext>
     </p:extLst>
   </p:cSld>
@@ -1040,6 +993,63 @@
           <a:bodyPr/>
           <a:lstStyle/>
           <a:p>
+            <a:r>
+              <a:rPr lang="en-US" dirty="0"/>
+              <a:t>Some are outdated:</a:t>
+            </a:r>
+          </a:p>
+          <a:p>
+            <a:pPr marL="171450" indent="-171450">
+              <a:buFont typeface="Arial" panose="020B0604020202020204" pitchFamily="34" charset="0"/>
+              <a:buChar char="•"/>
+            </a:pPr>
+            <a:r>
+              <a:rPr lang="en-US" dirty="0" err="1"/>
+              <a:t>exslt</a:t>
+            </a:r>
+            <a:r>
+              <a:rPr lang="en-US" dirty="0"/>
+              <a:t>: Allow </a:t>
+            </a:r>
+            <a:r>
+              <a:rPr lang="en-US" dirty="0" err="1"/>
+              <a:t>exslt</a:t>
+            </a:r>
+            <a:r>
+              <a:rPr lang="en-US" dirty="0"/>
+              <a:t> extension function from exslt.org (last updated: 2003)</a:t>
+            </a:r>
+          </a:p>
+          <a:p>
+            <a:pPr marL="171450" indent="-171450">
+              <a:buFont typeface="Arial" panose="020B0604020202020204" pitchFamily="34" charset="0"/>
+              <a:buChar char="•"/>
+            </a:pPr>
+            <a:r>
+              <a:rPr lang="en-US" dirty="0" err="1"/>
+              <a:t>stx</a:t>
+            </a:r>
+            <a:r>
+              <a:rPr lang="en-US" dirty="0"/>
+              <a:t> (Streaming Transformations for XML) an XML based language for transforming XML documents without building a tree in memory (last update: 2007)</a:t>
+            </a:r>
+          </a:p>
+          <a:p>
+            <a:pPr marL="171450" indent="-171450">
+              <a:buFont typeface="Arial" panose="020B0604020202020204" pitchFamily="34" charset="0"/>
+              <a:buChar char="•"/>
+            </a:pPr>
+            <a:endParaRPr lang="en-US" dirty="0"/>
+          </a:p>
+          <a:p>
+            <a:pPr marL="0" indent="0">
+              <a:buFont typeface="Arial" panose="020B0604020202020204" pitchFamily="34" charset="0"/>
+              <a:buNone/>
+            </a:pPr>
+            <a:r>
+              <a:rPr lang="en-US" dirty="0"/>
+              <a:t>Contrary to what you might expect: not case-sensitive </a:t>
+            </a:r>
             <a:endParaRPr lang="en-NL" dirty="0"/>
           </a:p>
         </p:txBody>
@@ -1059,9 +1069,9 @@
           <a:bodyPr/>
           <a:lstStyle/>
           <a:p>
-            <a:fld id="{210C85D1-D769-4E3C-BD67-6FCFE11EFBEA}" type="slidenum">
+            <a:fld id="{A83FDDBB-341F-4A2D-A070-8A29B8B1C9DF}" type="slidenum">
               <a:rPr lang="en-NL" smtClean="0"/>
-              <a:t>34</a:t>
+              <a:t>32</a:t>
             </a:fld>
             <a:endParaRPr lang="en-NL"/>
           </a:p>
@@ -1070,7 +1080,7 @@
     </p:spTree>
     <p:extLst>
       <p:ext uri="{BB962C8B-B14F-4D97-AF65-F5344CB8AC3E}">
-        <p14:creationId xmlns:p14="http://schemas.microsoft.com/office/powerpoint/2010/main" val="3823199839"/>
+        <p14:creationId xmlns:p14="http://schemas.microsoft.com/office/powerpoint/2010/main" val="1888077813"/>
       </p:ext>
     </p:extLst>
   </p:cSld>
@@ -1143,9 +1153,93 @@
           <a:bodyPr/>
           <a:lstStyle/>
           <a:p>
+            <a:fld id="{210C85D1-D769-4E3C-BD67-6FCFE11EFBEA}" type="slidenum">
+              <a:rPr lang="en-NL" smtClean="0"/>
+              <a:t>39</a:t>
+            </a:fld>
+            <a:endParaRPr lang="en-NL"/>
+          </a:p>
+        </p:txBody>
+      </p:sp>
+    </p:spTree>
+    <p:extLst>
+      <p:ext uri="{BB962C8B-B14F-4D97-AF65-F5344CB8AC3E}">
+        <p14:creationId xmlns:p14="http://schemas.microsoft.com/office/powerpoint/2010/main" val="3823199839"/>
+      </p:ext>
+    </p:extLst>
+  </p:cSld>
+  <p:clrMapOvr>
+    <a:masterClrMapping/>
+  </p:clrMapOvr>
+</p:notes>
+</file>
+
+<file path=ppt/notesSlides/notesSlide13.xml><?xml version="1.0" encoding="utf-8"?>
+<p:notes xmlns:a="http://schemas.openxmlformats.org/drawingml/2006/main" xmlns:r="http://schemas.openxmlformats.org/officeDocument/2006/relationships" xmlns:p="http://schemas.openxmlformats.org/presentationml/2006/main">
+  <p:cSld>
+    <p:spTree>
+      <p:nvGrpSpPr>
+        <p:cNvPr id="1" name=""/>
+        <p:cNvGrpSpPr/>
+        <p:nvPr/>
+      </p:nvGrpSpPr>
+      <p:grpSpPr>
+        <a:xfrm>
+          <a:off x="0" y="0"/>
+          <a:ext cx="0" cy="0"/>
+          <a:chOff x="0" y="0"/>
+          <a:chExt cx="0" cy="0"/>
+        </a:xfrm>
+      </p:grpSpPr>
+      <p:sp>
+        <p:nvSpPr>
+          <p:cNvPr id="2" name="Slide Image Placeholder 1"/>
+          <p:cNvSpPr>
+            <a:spLocks noGrp="1" noRot="1" noChangeAspect="1"/>
+          </p:cNvSpPr>
+          <p:nvPr>
+            <p:ph type="sldImg"/>
+          </p:nvPr>
+        </p:nvSpPr>
+        <p:spPr/>
+      </p:sp>
+      <p:sp>
+        <p:nvSpPr>
+          <p:cNvPr id="3" name="Notes Placeholder 2"/>
+          <p:cNvSpPr>
+            <a:spLocks noGrp="1"/>
+          </p:cNvSpPr>
+          <p:nvPr>
+            <p:ph type="body" idx="1"/>
+          </p:nvPr>
+        </p:nvSpPr>
+        <p:spPr/>
+        <p:txBody>
+          <a:bodyPr/>
+          <a:lstStyle/>
+          <a:p>
+            <a:endParaRPr lang="en-NL" dirty="0"/>
+          </a:p>
+        </p:txBody>
+      </p:sp>
+      <p:sp>
+        <p:nvSpPr>
+          <p:cNvPr id="4" name="Slide Number Placeholder 3"/>
+          <p:cNvSpPr>
+            <a:spLocks noGrp="1"/>
+          </p:cNvSpPr>
+          <p:nvPr>
+            <p:ph type="sldNum" sz="quarter" idx="5"/>
+          </p:nvPr>
+        </p:nvSpPr>
+        <p:spPr/>
+        <p:txBody>
+          <a:bodyPr/>
+          <a:lstStyle/>
+          <a:p>
             <a:fld id="{A83FDDBB-341F-4A2D-A070-8A29B8B1C9DF}" type="slidenum">
               <a:rPr lang="en-NL" smtClean="0"/>
-              <a:t>38</a:t>
+              <a:t>43</a:t>
             </a:fld>
             <a:endParaRPr lang="en-NL"/>
           </a:p>
@@ -1229,7 +1323,7 @@
           <a:p>
             <a:fld id="{210C85D1-D769-4E3C-BD67-6FCFE11EFBEA}" type="slidenum">
               <a:rPr lang="en-NL" smtClean="0"/>
-              <a:t>5</a:t>
+              <a:t>6</a:t>
             </a:fld>
             <a:endParaRPr lang="en-NL"/>
           </a:p>
@@ -1313,7 +1407,7 @@
           <a:p>
             <a:fld id="{210C85D1-D769-4E3C-BD67-6FCFE11EFBEA}" type="slidenum">
               <a:rPr lang="en-NL" smtClean="0"/>
-              <a:t>6</a:t>
+              <a:t>7</a:t>
             </a:fld>
             <a:endParaRPr lang="en-NL"/>
           </a:p>
@@ -1397,7 +1491,7 @@
           <a:p>
             <a:fld id="{210C85D1-D769-4E3C-BD67-6FCFE11EFBEA}" type="slidenum">
               <a:rPr lang="en-NL" smtClean="0"/>
-              <a:t>11</a:t>
+              <a:t>12</a:t>
             </a:fld>
             <a:endParaRPr lang="en-NL"/>
           </a:p>
@@ -1481,7 +1575,7 @@
           <a:p>
             <a:fld id="{210C85D1-D769-4E3C-BD67-6FCFE11EFBEA}" type="slidenum">
               <a:rPr lang="en-NL" smtClean="0"/>
-              <a:t>13</a:t>
+              <a:t>14</a:t>
             </a:fld>
             <a:endParaRPr lang="en-NL"/>
           </a:p>
@@ -1565,7 +1659,7 @@
           <a:p>
             <a:fld id="{210C85D1-D769-4E3C-BD67-6FCFE11EFBEA}" type="slidenum">
               <a:rPr lang="en-NL" smtClean="0"/>
-              <a:t>17</a:t>
+              <a:t>18</a:t>
             </a:fld>
             <a:endParaRPr lang="en-NL"/>
           </a:p>
@@ -1649,7 +1743,7 @@
           <a:p>
             <a:fld id="{210C85D1-D769-4E3C-BD67-6FCFE11EFBEA}" type="slidenum">
               <a:rPr lang="en-NL" smtClean="0"/>
-              <a:t>19</a:t>
+              <a:t>20</a:t>
             </a:fld>
             <a:endParaRPr lang="en-NL"/>
           </a:p>
@@ -1733,7 +1827,7 @@
           <a:p>
             <a:fld id="{210C85D1-D769-4E3C-BD67-6FCFE11EFBEA}" type="slidenum">
               <a:rPr lang="en-NL" smtClean="0"/>
-              <a:t>21</a:t>
+              <a:t>22</a:t>
             </a:fld>
             <a:endParaRPr lang="en-NL"/>
           </a:p>
@@ -1817,7 +1911,7 @@
           <a:p>
             <a:fld id="{210C85D1-D769-4E3C-BD67-6FCFE11EFBEA}" type="slidenum">
               <a:rPr lang="en-NL" smtClean="0"/>
-              <a:t>26</a:t>
+              <a:t>29</a:t>
             </a:fld>
             <a:endParaRPr lang="en-NL"/>
           </a:p>
@@ -1826,7 +1920,7 @@
     </p:spTree>
     <p:extLst>
       <p:ext uri="{BB962C8B-B14F-4D97-AF65-F5344CB8AC3E}">
-        <p14:creationId xmlns:p14="http://schemas.microsoft.com/office/powerpoint/2010/main" val="890139119"/>
+        <p14:creationId xmlns:p14="http://schemas.microsoft.com/office/powerpoint/2010/main" val="1126151552"/>
       </p:ext>
     </p:extLst>
   </p:cSld>
@@ -1993,7 +2087,7 @@
           <a:p>
             <a:fld id="{9446F294-FC6D-4658-8D72-6C175CC4BEDF}" type="datetimeFigureOut">
               <a:rPr lang="en-US" smtClean="0"/>
-              <a:t>9/29/2022</a:t>
+              <a:t>10/25/2022</a:t>
             </a:fld>
             <a:endParaRPr lang="en-US"/>
           </a:p>
@@ -2217,7 +2311,7 @@
           <a:p>
             <a:fld id="{9446F294-FC6D-4658-8D72-6C175CC4BEDF}" type="datetimeFigureOut">
               <a:rPr lang="en-US" smtClean="0"/>
-              <a:t>9/29/2022</a:t>
+              <a:t>10/25/2022</a:t>
             </a:fld>
             <a:endParaRPr lang="en-US"/>
           </a:p>
@@ -2451,7 +2545,7 @@
           <a:p>
             <a:fld id="{9446F294-FC6D-4658-8D72-6C175CC4BEDF}" type="datetimeFigureOut">
               <a:rPr lang="en-US" smtClean="0"/>
-              <a:t>9/29/2022</a:t>
+              <a:t>10/25/2022</a:t>
             </a:fld>
             <a:endParaRPr lang="en-US"/>
           </a:p>
@@ -2675,7 +2769,7 @@
           <a:p>
             <a:fld id="{9446F294-FC6D-4658-8D72-6C175CC4BEDF}" type="datetimeFigureOut">
               <a:rPr lang="en-US" smtClean="0"/>
-              <a:t>9/29/2022</a:t>
+              <a:t>10/25/2022</a:t>
             </a:fld>
             <a:endParaRPr lang="en-US"/>
           </a:p>
@@ -2975,7 +3069,7 @@
           <a:p>
             <a:fld id="{9446F294-FC6D-4658-8D72-6C175CC4BEDF}" type="datetimeFigureOut">
               <a:rPr lang="en-US" smtClean="0"/>
-              <a:t>9/29/2022</a:t>
+              <a:t>10/25/2022</a:t>
             </a:fld>
             <a:endParaRPr lang="en-US"/>
           </a:p>
@@ -3267,7 +3361,7 @@
           <a:p>
             <a:fld id="{9446F294-FC6D-4658-8D72-6C175CC4BEDF}" type="datetimeFigureOut">
               <a:rPr lang="en-US" smtClean="0"/>
-              <a:t>9/29/2022</a:t>
+              <a:t>10/25/2022</a:t>
             </a:fld>
             <a:endParaRPr lang="en-US"/>
           </a:p>
@@ -3706,7 +3800,7 @@
           <a:p>
             <a:fld id="{9446F294-FC6D-4658-8D72-6C175CC4BEDF}" type="datetimeFigureOut">
               <a:rPr lang="en-US" smtClean="0"/>
-              <a:t>9/29/2022</a:t>
+              <a:t>10/25/2022</a:t>
             </a:fld>
             <a:endParaRPr lang="en-US"/>
           </a:p>
@@ -3872,7 +3966,7 @@
           <a:p>
             <a:fld id="{9446F294-FC6D-4658-8D72-6C175CC4BEDF}" type="datetimeFigureOut">
               <a:rPr lang="en-US" smtClean="0"/>
-              <a:t>9/29/2022</a:t>
+              <a:t>10/25/2022</a:t>
             </a:fld>
             <a:endParaRPr lang="en-US"/>
           </a:p>
@@ -4009,7 +4103,7 @@
           <a:p>
             <a:fld id="{9446F294-FC6D-4658-8D72-6C175CC4BEDF}" type="datetimeFigureOut">
               <a:rPr lang="en-US" smtClean="0"/>
-              <a:t>9/29/2022</a:t>
+              <a:t>10/25/2022</a:t>
             </a:fld>
             <a:endParaRPr lang="en-US"/>
           </a:p>
@@ -4346,7 +4440,7 @@
           <a:p>
             <a:fld id="{9446F294-FC6D-4658-8D72-6C175CC4BEDF}" type="datetimeFigureOut">
               <a:rPr lang="en-US" smtClean="0"/>
-              <a:t>9/29/2022</a:t>
+              <a:t>10/25/2022</a:t>
             </a:fld>
             <a:endParaRPr lang="en-US"/>
           </a:p>
@@ -4659,7 +4753,7 @@
           <a:p>
             <a:fld id="{9446F294-FC6D-4658-8D72-6C175CC4BEDF}" type="datetimeFigureOut">
               <a:rPr lang="en-US" smtClean="0"/>
-              <a:t>9/29/2022</a:t>
+              <a:t>10/25/2022</a:t>
             </a:fld>
             <a:endParaRPr lang="en-US"/>
           </a:p>
@@ -5652,6 +5746,527 @@
           <p:cNvPr id="2" name="Title 1">
             <a:extLst>
               <a:ext uri="{FF2B5EF4-FFF2-40B4-BE49-F238E27FC236}">
+                <a16:creationId xmlns:a16="http://schemas.microsoft.com/office/drawing/2014/main" id="{9EF25B1F-53DD-3D4D-C19B-BA8419EE6964}"/>
+              </a:ext>
+            </a:extLst>
+          </p:cNvPr>
+          <p:cNvSpPr>
+            <a:spLocks noGrp="1"/>
+          </p:cNvSpPr>
+          <p:nvPr>
+            <p:ph type="title"/>
+          </p:nvPr>
+        </p:nvSpPr>
+        <p:spPr>
+          <a:xfrm>
+            <a:off x="88769" y="-96789"/>
+            <a:ext cx="10515600" cy="1325563"/>
+          </a:xfrm>
+        </p:spPr>
+        <p:txBody>
+          <a:bodyPr/>
+          <a:lstStyle/>
+          <a:p>
+            <a:r>
+              <a:rPr lang="en-US" b="1" dirty="0"/>
+              <a:t>Patterns and rules</a:t>
+            </a:r>
+            <a:endParaRPr lang="en-NL" b="1" dirty="0"/>
+          </a:p>
+        </p:txBody>
+      </p:sp>
+      <p:sp>
+        <p:nvSpPr>
+          <p:cNvPr id="3" name="Content Placeholder 2">
+            <a:extLst>
+              <a:ext uri="{FF2B5EF4-FFF2-40B4-BE49-F238E27FC236}">
+                <a16:creationId xmlns:a16="http://schemas.microsoft.com/office/drawing/2014/main" id="{941D477D-845C-356D-D290-87BF2449A60F}"/>
+              </a:ext>
+            </a:extLst>
+          </p:cNvPr>
+          <p:cNvSpPr>
+            <a:spLocks noGrp="1"/>
+          </p:cNvSpPr>
+          <p:nvPr>
+            <p:ph idx="1"/>
+          </p:nvPr>
+        </p:nvSpPr>
+        <p:spPr>
+          <a:xfrm>
+            <a:off x="579646" y="1228774"/>
+            <a:ext cx="10515600" cy="2349084"/>
+          </a:xfrm>
+        </p:spPr>
+        <p:txBody>
+          <a:bodyPr>
+            <a:normAutofit/>
+          </a:bodyPr>
+          <a:lstStyle/>
+          <a:p>
+            <a:r>
+              <a:rPr lang="en-US" dirty="0"/>
+              <a:t>A Schematron schema consists of one or more </a:t>
+            </a:r>
+            <a:r>
+              <a:rPr lang="en-US" i="1" dirty="0"/>
+              <a:t>patterns</a:t>
+            </a:r>
+            <a:r>
+              <a:rPr lang="en-US" dirty="0"/>
+              <a:t>: </a:t>
+            </a:r>
+            <a:r>
+              <a:rPr lang="en-US" b="1" dirty="0">
+                <a:latin typeface="Courier New" panose="02070309020205020404" pitchFamily="49" charset="0"/>
+                <a:cs typeface="Courier New" panose="02070309020205020404" pitchFamily="49" charset="0"/>
+              </a:rPr>
+              <a:t>&lt;pattern&gt;</a:t>
+            </a:r>
+          </a:p>
+          <a:p>
+            <a:pPr lvl="1"/>
+            <a:r>
+              <a:rPr lang="en-US" dirty="0"/>
+              <a:t>Every pattern is applied to every node in the document being validated</a:t>
+            </a:r>
+          </a:p>
+          <a:p>
+            <a:r>
+              <a:rPr lang="en-US" dirty="0"/>
+              <a:t>A </a:t>
+            </a:r>
+            <a:r>
+              <a:rPr lang="en-US" i="1" dirty="0"/>
+              <a:t>pattern</a:t>
+            </a:r>
+            <a:r>
+              <a:rPr lang="en-US" dirty="0"/>
+              <a:t> consists of zero or more </a:t>
+            </a:r>
+            <a:r>
+              <a:rPr lang="en-US" i="1" dirty="0"/>
+              <a:t>rules</a:t>
+            </a:r>
+            <a:r>
+              <a:rPr lang="en-US" dirty="0"/>
+              <a:t>: </a:t>
+            </a:r>
+            <a:r>
+              <a:rPr lang="en-US" b="1" dirty="0">
+                <a:latin typeface="Courier New" panose="02070309020205020404" pitchFamily="49" charset="0"/>
+                <a:cs typeface="Courier New" panose="02070309020205020404" pitchFamily="49" charset="0"/>
+              </a:rPr>
+              <a:t>&lt;rule context="…"&gt;</a:t>
+            </a:r>
+          </a:p>
+          <a:p>
+            <a:pPr lvl="1"/>
+            <a:r>
+              <a:rPr lang="en-US" dirty="0"/>
+              <a:t>A rule has a </a:t>
+            </a:r>
+            <a:r>
+              <a:rPr lang="en-US" b="1" dirty="0">
+                <a:latin typeface="Courier New" panose="02070309020205020404" pitchFamily="49" charset="0"/>
+                <a:cs typeface="Courier New" panose="02070309020205020404" pitchFamily="49" charset="0"/>
+              </a:rPr>
+              <a:t>context</a:t>
+            </a:r>
+            <a:r>
+              <a:rPr lang="en-US" dirty="0"/>
+              <a:t> attribute, containing an XSLT match pattern</a:t>
+            </a:r>
+          </a:p>
+          <a:p>
+            <a:pPr lvl="1"/>
+            <a:r>
+              <a:rPr lang="en-US" dirty="0"/>
+              <a:t>Only the first rule that matches in a pattern fires</a:t>
+            </a:r>
+          </a:p>
+          <a:p>
+            <a:pPr marL="457200" lvl="1" indent="0">
+              <a:buNone/>
+            </a:pPr>
+            <a:endParaRPr lang="en-US" sz="2800" b="1" dirty="0">
+              <a:latin typeface="Courier New" panose="02070309020205020404" pitchFamily="49" charset="0"/>
+              <a:cs typeface="Courier New" panose="02070309020205020404" pitchFamily="49" charset="0"/>
+            </a:endParaRPr>
+          </a:p>
+          <a:p>
+            <a:pPr lvl="1"/>
+            <a:endParaRPr lang="en-US" sz="2800" b="1" dirty="0">
+              <a:latin typeface="Courier New" panose="02070309020205020404" pitchFamily="49" charset="0"/>
+              <a:cs typeface="Courier New" panose="02070309020205020404" pitchFamily="49" charset="0"/>
+            </a:endParaRPr>
+          </a:p>
+          <a:p>
+            <a:pPr lvl="1"/>
+            <a:endParaRPr lang="en-NL" sz="2800" b="1" dirty="0">
+              <a:latin typeface="Courier New" panose="02070309020205020404" pitchFamily="49" charset="0"/>
+              <a:cs typeface="Courier New" panose="02070309020205020404" pitchFamily="49" charset="0"/>
+            </a:endParaRPr>
+          </a:p>
+        </p:txBody>
+      </p:sp>
+      <p:sp>
+        <p:nvSpPr>
+          <p:cNvPr id="4" name="TextBox 3">
+            <a:extLst>
+              <a:ext uri="{FF2B5EF4-FFF2-40B4-BE49-F238E27FC236}">
+                <a16:creationId xmlns:a16="http://schemas.microsoft.com/office/drawing/2014/main" id="{0315A3FC-95AB-0C51-AFF3-CE6502FF71AC}"/>
+              </a:ext>
+            </a:extLst>
+          </p:cNvPr>
+          <p:cNvSpPr txBox="1"/>
+          <p:nvPr/>
+        </p:nvSpPr>
+        <p:spPr>
+          <a:xfrm>
+            <a:off x="291339" y="3577858"/>
+            <a:ext cx="10110460" cy="2308324"/>
+          </a:xfrm>
+          <a:prstGeom prst="rect">
+            <a:avLst/>
+          </a:prstGeom>
+          <a:solidFill>
+            <a:schemeClr val="bg1">
+              <a:lumMod val="95000"/>
+            </a:schemeClr>
+          </a:solidFill>
+        </p:spPr>
+        <p:txBody>
+          <a:bodyPr wrap="none" rtlCol="0">
+            <a:spAutoFit/>
+          </a:bodyPr>
+          <a:lstStyle/>
+          <a:p>
+            <a:r>
+              <a:rPr lang="de-DE" b="1" dirty="0">
+                <a:latin typeface="Courier New" panose="02070309020205020404" pitchFamily="49" charset="0"/>
+                <a:cs typeface="Courier New" panose="02070309020205020404" pitchFamily="49" charset="0"/>
+              </a:rPr>
+              <a:t>&lt;</a:t>
+            </a:r>
+            <a:r>
+              <a:rPr lang="de-DE" b="1" dirty="0" err="1">
+                <a:latin typeface="Courier New" panose="02070309020205020404" pitchFamily="49" charset="0"/>
+                <a:cs typeface="Courier New" panose="02070309020205020404" pitchFamily="49" charset="0"/>
+              </a:rPr>
+              <a:t>schema</a:t>
+            </a:r>
+            <a:r>
+              <a:rPr lang="de-DE" b="1" dirty="0">
+                <a:latin typeface="Courier New" panose="02070309020205020404" pitchFamily="49" charset="0"/>
+                <a:cs typeface="Courier New" panose="02070309020205020404" pitchFamily="49" charset="0"/>
+              </a:rPr>
+              <a:t> </a:t>
+            </a:r>
+            <a:r>
+              <a:rPr lang="de-DE" b="1" dirty="0" err="1">
+                <a:latin typeface="Courier New" panose="02070309020205020404" pitchFamily="49" charset="0"/>
+                <a:cs typeface="Courier New" panose="02070309020205020404" pitchFamily="49" charset="0"/>
+              </a:rPr>
+              <a:t>xmlns</a:t>
+            </a:r>
+            <a:r>
+              <a:rPr lang="de-DE" b="1" dirty="0">
+                <a:latin typeface="Courier New" panose="02070309020205020404" pitchFamily="49" charset="0"/>
+                <a:cs typeface="Courier New" panose="02070309020205020404" pitchFamily="49" charset="0"/>
+              </a:rPr>
+              <a:t>=http://purl.oclc.org/dsdl/Schematron </a:t>
+            </a:r>
+            <a:r>
+              <a:rPr lang="de-DE" b="1" dirty="0" err="1">
+                <a:latin typeface="Courier New" panose="02070309020205020404" pitchFamily="49" charset="0"/>
+                <a:cs typeface="Courier New" panose="02070309020205020404" pitchFamily="49" charset="0"/>
+              </a:rPr>
+              <a:t>queryBinding</a:t>
+            </a:r>
+            <a:r>
+              <a:rPr lang="de-DE" b="1" dirty="0">
+                <a:latin typeface="Courier New" panose="02070309020205020404" pitchFamily="49" charset="0"/>
+                <a:cs typeface="Courier New" panose="02070309020205020404" pitchFamily="49" charset="0"/>
+              </a:rPr>
+              <a:t>="xslt3"&gt;</a:t>
+            </a:r>
+          </a:p>
+          <a:p>
+            <a:endParaRPr lang="de-DE" b="1" dirty="0">
+              <a:latin typeface="Courier New" panose="02070309020205020404" pitchFamily="49" charset="0"/>
+              <a:cs typeface="Courier New" panose="02070309020205020404" pitchFamily="49" charset="0"/>
+            </a:endParaRPr>
+          </a:p>
+          <a:p>
+            <a:r>
+              <a:rPr lang="de-DE" b="1" dirty="0">
+                <a:latin typeface="Courier New" panose="02070309020205020404" pitchFamily="49" charset="0"/>
+                <a:cs typeface="Courier New" panose="02070309020205020404" pitchFamily="49" charset="0"/>
+              </a:rPr>
+              <a:t>  &lt;</a:t>
+            </a:r>
+            <a:r>
+              <a:rPr lang="de-DE" b="1" dirty="0" err="1">
+                <a:latin typeface="Courier New" panose="02070309020205020404" pitchFamily="49" charset="0"/>
+                <a:cs typeface="Courier New" panose="02070309020205020404" pitchFamily="49" charset="0"/>
+              </a:rPr>
+              <a:t>pattern</a:t>
+            </a:r>
+            <a:r>
+              <a:rPr lang="de-DE" b="1" dirty="0">
+                <a:latin typeface="Courier New" panose="02070309020205020404" pitchFamily="49" charset="0"/>
+                <a:cs typeface="Courier New" panose="02070309020205020404" pitchFamily="49" charset="0"/>
+              </a:rPr>
+              <a:t>&gt;</a:t>
+            </a:r>
+          </a:p>
+          <a:p>
+            <a:r>
+              <a:rPr lang="de-DE" b="1" dirty="0">
+                <a:latin typeface="Courier New" panose="02070309020205020404" pitchFamily="49" charset="0"/>
+                <a:cs typeface="Courier New" panose="02070309020205020404" pitchFamily="49" charset="0"/>
+              </a:rPr>
+              <a:t>    &lt;</a:t>
+            </a:r>
+            <a:r>
+              <a:rPr lang="de-DE" b="1" dirty="0" err="1">
+                <a:latin typeface="Courier New" panose="02070309020205020404" pitchFamily="49" charset="0"/>
+                <a:cs typeface="Courier New" panose="02070309020205020404" pitchFamily="49" charset="0"/>
+              </a:rPr>
+              <a:t>rule</a:t>
+            </a:r>
+            <a:r>
+              <a:rPr lang="de-DE" b="1" dirty="0">
+                <a:latin typeface="Courier New" panose="02070309020205020404" pitchFamily="49" charset="0"/>
+                <a:cs typeface="Courier New" panose="02070309020205020404" pitchFamily="49" charset="0"/>
+              </a:rPr>
+              <a:t> </a:t>
+            </a:r>
+            <a:r>
+              <a:rPr lang="de-DE" b="1" dirty="0" err="1">
+                <a:latin typeface="Courier New" panose="02070309020205020404" pitchFamily="49" charset="0"/>
+                <a:cs typeface="Courier New" panose="02070309020205020404" pitchFamily="49" charset="0"/>
+              </a:rPr>
+              <a:t>context</a:t>
+            </a:r>
+            <a:r>
+              <a:rPr lang="de-DE" b="1" dirty="0">
+                <a:latin typeface="Courier New" panose="02070309020205020404" pitchFamily="49" charset="0"/>
+                <a:cs typeface="Courier New" panose="02070309020205020404" pitchFamily="49" charset="0"/>
+              </a:rPr>
+              <a:t>="</a:t>
+            </a:r>
+            <a:r>
+              <a:rPr lang="de-DE" b="1" dirty="0" err="1">
+                <a:latin typeface="Courier New" panose="02070309020205020404" pitchFamily="49" charset="0"/>
+                <a:cs typeface="Courier New" panose="02070309020205020404" pitchFamily="49" charset="0"/>
+              </a:rPr>
+              <a:t>thing</a:t>
+            </a:r>
+            <a:r>
+              <a:rPr lang="de-DE" b="1" dirty="0">
+                <a:latin typeface="Courier New" panose="02070309020205020404" pitchFamily="49" charset="0"/>
+                <a:cs typeface="Courier New" panose="02070309020205020404" pitchFamily="49" charset="0"/>
+              </a:rPr>
+              <a:t>[@material </a:t>
+            </a:r>
+            <a:r>
+              <a:rPr lang="de-DE" b="1" dirty="0" err="1">
+                <a:latin typeface="Courier New" panose="02070309020205020404" pitchFamily="49" charset="0"/>
+                <a:cs typeface="Courier New" panose="02070309020205020404" pitchFamily="49" charset="0"/>
+              </a:rPr>
+              <a:t>eq</a:t>
+            </a:r>
+            <a:r>
+              <a:rPr lang="de-DE" b="1" dirty="0">
+                <a:latin typeface="Courier New" panose="02070309020205020404" pitchFamily="49" charset="0"/>
+                <a:cs typeface="Courier New" panose="02070309020205020404" pitchFamily="49" charset="0"/>
+              </a:rPr>
+              <a:t> '</a:t>
+            </a:r>
+            <a:r>
+              <a:rPr lang="de-DE" b="1" dirty="0" err="1">
+                <a:latin typeface="Courier New" panose="02070309020205020404" pitchFamily="49" charset="0"/>
+                <a:cs typeface="Courier New" panose="02070309020205020404" pitchFamily="49" charset="0"/>
+              </a:rPr>
+              <a:t>wood</a:t>
+            </a:r>
+            <a:r>
+              <a:rPr lang="de-DE" b="1" dirty="0">
+                <a:latin typeface="Courier New" panose="02070309020205020404" pitchFamily="49" charset="0"/>
+                <a:cs typeface="Courier New" panose="02070309020205020404" pitchFamily="49" charset="0"/>
+              </a:rPr>
+              <a:t>']"&gt; … &lt;/</a:t>
+            </a:r>
+            <a:r>
+              <a:rPr lang="de-DE" b="1" dirty="0" err="1">
+                <a:latin typeface="Courier New" panose="02070309020205020404" pitchFamily="49" charset="0"/>
+                <a:cs typeface="Courier New" panose="02070309020205020404" pitchFamily="49" charset="0"/>
+              </a:rPr>
+              <a:t>rule</a:t>
+            </a:r>
+            <a:r>
+              <a:rPr lang="de-DE" b="1" dirty="0">
+                <a:latin typeface="Courier New" panose="02070309020205020404" pitchFamily="49" charset="0"/>
+                <a:cs typeface="Courier New" panose="02070309020205020404" pitchFamily="49" charset="0"/>
+              </a:rPr>
+              <a:t>&gt;</a:t>
+            </a:r>
+          </a:p>
+          <a:p>
+            <a:r>
+              <a:rPr lang="de-DE" b="1" dirty="0">
+                <a:latin typeface="Courier New" panose="02070309020205020404" pitchFamily="49" charset="0"/>
+                <a:cs typeface="Courier New" panose="02070309020205020404" pitchFamily="49" charset="0"/>
+              </a:rPr>
+              <a:t>    &lt;</a:t>
+            </a:r>
+            <a:r>
+              <a:rPr lang="de-DE" b="1" dirty="0" err="1">
+                <a:latin typeface="Courier New" panose="02070309020205020404" pitchFamily="49" charset="0"/>
+                <a:cs typeface="Courier New" panose="02070309020205020404" pitchFamily="49" charset="0"/>
+              </a:rPr>
+              <a:t>rule</a:t>
+            </a:r>
+            <a:r>
+              <a:rPr lang="de-DE" b="1" dirty="0">
+                <a:latin typeface="Courier New" panose="02070309020205020404" pitchFamily="49" charset="0"/>
+                <a:cs typeface="Courier New" panose="02070309020205020404" pitchFamily="49" charset="0"/>
+              </a:rPr>
+              <a:t> </a:t>
+            </a:r>
+            <a:r>
+              <a:rPr lang="de-DE" b="1" dirty="0" err="1">
+                <a:latin typeface="Courier New" panose="02070309020205020404" pitchFamily="49" charset="0"/>
+                <a:cs typeface="Courier New" panose="02070309020205020404" pitchFamily="49" charset="0"/>
+              </a:rPr>
+              <a:t>context</a:t>
+            </a:r>
+            <a:r>
+              <a:rPr lang="de-DE" b="1" dirty="0">
+                <a:latin typeface="Courier New" panose="02070309020205020404" pitchFamily="49" charset="0"/>
+                <a:cs typeface="Courier New" panose="02070309020205020404" pitchFamily="49" charset="0"/>
+              </a:rPr>
+              <a:t>="</a:t>
+            </a:r>
+            <a:r>
+              <a:rPr lang="de-DE" b="1" dirty="0" err="1">
+                <a:latin typeface="Courier New" panose="02070309020205020404" pitchFamily="49" charset="0"/>
+                <a:cs typeface="Courier New" panose="02070309020205020404" pitchFamily="49" charset="0"/>
+              </a:rPr>
+              <a:t>thing</a:t>
+            </a:r>
+            <a:r>
+              <a:rPr lang="de-DE" b="1" dirty="0">
+                <a:latin typeface="Courier New" panose="02070309020205020404" pitchFamily="49" charset="0"/>
+                <a:cs typeface="Courier New" panose="02070309020205020404" pitchFamily="49" charset="0"/>
+              </a:rPr>
+              <a:t>"&gt; … &lt;/</a:t>
+            </a:r>
+            <a:r>
+              <a:rPr lang="de-DE" b="1" dirty="0" err="1">
+                <a:latin typeface="Courier New" panose="02070309020205020404" pitchFamily="49" charset="0"/>
+                <a:cs typeface="Courier New" panose="02070309020205020404" pitchFamily="49" charset="0"/>
+              </a:rPr>
+              <a:t>rule</a:t>
+            </a:r>
+            <a:r>
+              <a:rPr lang="de-DE" b="1" dirty="0">
+                <a:latin typeface="Courier New" panose="02070309020205020404" pitchFamily="49" charset="0"/>
+                <a:cs typeface="Courier New" panose="02070309020205020404" pitchFamily="49" charset="0"/>
+              </a:rPr>
+              <a:t>&gt;</a:t>
+            </a:r>
+          </a:p>
+          <a:p>
+            <a:r>
+              <a:rPr lang="de-DE" b="1" dirty="0">
+                <a:latin typeface="Courier New" panose="02070309020205020404" pitchFamily="49" charset="0"/>
+                <a:cs typeface="Courier New" panose="02070309020205020404" pitchFamily="49" charset="0"/>
+              </a:rPr>
+              <a:t>  &lt;/</a:t>
+            </a:r>
+            <a:r>
+              <a:rPr lang="de-DE" b="1" dirty="0" err="1">
+                <a:latin typeface="Courier New" panose="02070309020205020404" pitchFamily="49" charset="0"/>
+                <a:cs typeface="Courier New" panose="02070309020205020404" pitchFamily="49" charset="0"/>
+              </a:rPr>
+              <a:t>pattern</a:t>
+            </a:r>
+            <a:r>
+              <a:rPr lang="de-DE" b="1" dirty="0">
+                <a:latin typeface="Courier New" panose="02070309020205020404" pitchFamily="49" charset="0"/>
+                <a:cs typeface="Courier New" panose="02070309020205020404" pitchFamily="49" charset="0"/>
+              </a:rPr>
+              <a:t>&gt;</a:t>
+            </a:r>
+          </a:p>
+          <a:p>
+            <a:endParaRPr lang="de-DE" b="1" dirty="0">
+              <a:latin typeface="Courier New" panose="02070309020205020404" pitchFamily="49" charset="0"/>
+              <a:cs typeface="Courier New" panose="02070309020205020404" pitchFamily="49" charset="0"/>
+            </a:endParaRPr>
+          </a:p>
+          <a:p>
+            <a:r>
+              <a:rPr lang="de-DE" b="1" dirty="0">
+                <a:latin typeface="Courier New" panose="02070309020205020404" pitchFamily="49" charset="0"/>
+                <a:cs typeface="Courier New" panose="02070309020205020404" pitchFamily="49" charset="0"/>
+              </a:rPr>
+              <a:t>&lt;/</a:t>
+            </a:r>
+            <a:r>
+              <a:rPr lang="de-DE" b="1" dirty="0" err="1">
+                <a:latin typeface="Courier New" panose="02070309020205020404" pitchFamily="49" charset="0"/>
+                <a:cs typeface="Courier New" panose="02070309020205020404" pitchFamily="49" charset="0"/>
+              </a:rPr>
+              <a:t>schema</a:t>
+            </a:r>
+            <a:r>
+              <a:rPr lang="de-DE" b="1" dirty="0">
+                <a:latin typeface="Courier New" panose="02070309020205020404" pitchFamily="49" charset="0"/>
+                <a:cs typeface="Courier New" panose="02070309020205020404" pitchFamily="49" charset="0"/>
+              </a:rPr>
+              <a:t>&gt;</a:t>
+            </a:r>
+          </a:p>
+        </p:txBody>
+      </p:sp>
+    </p:spTree>
+    <p:extLst>
+      <p:ext uri="{BB962C8B-B14F-4D97-AF65-F5344CB8AC3E}">
+        <p14:creationId xmlns:p14="http://schemas.microsoft.com/office/powerpoint/2010/main" val="1087168182"/>
+      </p:ext>
+    </p:extLst>
+  </p:cSld>
+  <p:clrMapOvr>
+    <a:masterClrMapping/>
+  </p:clrMapOvr>
+</p:sld>
+</file>
+
+<file path=ppt/slides/slide11.xml><?xml version="1.0" encoding="utf-8"?>
+<p:sld xmlns:a="http://schemas.openxmlformats.org/drawingml/2006/main" xmlns:r="http://schemas.openxmlformats.org/officeDocument/2006/relationships" xmlns:p="http://schemas.openxmlformats.org/presentationml/2006/main">
+  <p:cSld>
+    <p:spTree>
+      <p:nvGrpSpPr>
+        <p:cNvPr id="1" name=""/>
+        <p:cNvGrpSpPr/>
+        <p:nvPr/>
+      </p:nvGrpSpPr>
+      <p:grpSpPr>
+        <a:xfrm>
+          <a:off x="0" y="0"/>
+          <a:ext cx="0" cy="0"/>
+          <a:chOff x="0" y="0"/>
+          <a:chExt cx="0" cy="0"/>
+        </a:xfrm>
+      </p:grpSpPr>
+      <p:sp>
+        <p:nvSpPr>
+          <p:cNvPr id="2" name="Title 1">
+            <a:extLst>
+              <a:ext uri="{FF2B5EF4-FFF2-40B4-BE49-F238E27FC236}">
                 <a16:creationId xmlns:a16="http://schemas.microsoft.com/office/drawing/2014/main" id="{3115B792-3B71-7992-1FD1-80E4B7E4E362}"/>
               </a:ext>
             </a:extLst>
@@ -5705,7 +6320,7 @@
         </p:spPr>
         <p:txBody>
           <a:bodyPr>
-            <a:normAutofit lnSpcReduction="10000"/>
+            <a:normAutofit fontScale="92500"/>
           </a:bodyPr>
           <a:lstStyle/>
           <a:p>
@@ -5724,14 +6339,36 @@
             <a:pPr lvl="1"/>
             <a:r>
               <a:rPr lang="en-US" dirty="0"/>
-              <a:t>asserts: &lt;assert test="…"&gt; - Activated when the test expression is false</a:t>
+              <a:t>asserts: </a:t>
+            </a:r>
+            <a:r>
+              <a:rPr lang="en-US" b="1" dirty="0">
+                <a:latin typeface="Courier New" panose="02070309020205020404" pitchFamily="49" charset="0"/>
+                <a:cs typeface="Courier New" panose="02070309020205020404" pitchFamily="49" charset="0"/>
+              </a:rPr>
+              <a:t>&lt;assert test="…"&gt; </a:t>
+            </a:r>
+            <a:r>
+              <a:rPr lang="en-US" dirty="0"/>
+              <a:t>- Activated when the test expression is false</a:t>
             </a:r>
           </a:p>
           <a:p>
             <a:pPr lvl="1"/>
             <a:r>
               <a:rPr lang="en-US" dirty="0"/>
-              <a:t>reports &lt;report test="…"&gt; - Activated when the test expression is true</a:t>
+              <a:t>reports </a:t>
+            </a:r>
+            <a:r>
+              <a:rPr lang="en-US" sz="2200" b="1" dirty="0">
+                <a:latin typeface="Courier New" panose="02070309020205020404" pitchFamily="49" charset="0"/>
+                <a:cs typeface="Courier New" panose="02070309020205020404" pitchFamily="49" charset="0"/>
+              </a:rPr>
+              <a:t>&lt;report test="…"&gt; </a:t>
+            </a:r>
+            <a:r>
+              <a:rPr lang="en-US" dirty="0"/>
+              <a:t>- Activated when the test expression is true</a:t>
             </a:r>
           </a:p>
           <a:p>
@@ -5759,8 +6396,8 @@
         </p:nvSpPr>
         <p:spPr>
           <a:xfrm>
-            <a:off x="379626" y="3937312"/>
-            <a:ext cx="10524035" cy="2031325"/>
+            <a:off x="443286" y="3891013"/>
+            <a:ext cx="10524035" cy="2123658"/>
           </a:xfrm>
           <a:prstGeom prst="rect">
             <a:avLst/>
@@ -5842,7 +6479,7 @@
             </a:endParaRPr>
           </a:p>
           <a:p>
-            <a:endParaRPr lang="de-DE" b="1" dirty="0">
+            <a:endParaRPr lang="de-DE" sz="2400" b="1" dirty="0">
               <a:latin typeface="Courier New" panose="02070309020205020404" pitchFamily="49" charset="0"/>
               <a:cs typeface="Courier New" panose="02070309020205020404" pitchFamily="49" charset="0"/>
             </a:endParaRPr>
@@ -6218,7 +6855,7 @@
 </p:sld>
 </file>
 
-<file path=ppt/slides/slide11.xml><?xml version="1.0" encoding="utf-8"?>
+<file path=ppt/slides/slide12.xml><?xml version="1.0" encoding="utf-8"?>
 <p:sld xmlns:a="http://schemas.openxmlformats.org/drawingml/2006/main" xmlns:r="http://schemas.openxmlformats.org/officeDocument/2006/relationships" xmlns:p="http://schemas.openxmlformats.org/presentationml/2006/main">
   <p:cSld>
     <p:spTree>
@@ -6525,7 +7162,7 @@
 </p:sld>
 </file>
 
-<file path=ppt/slides/slide12.xml><?xml version="1.0" encoding="utf-8"?>
+<file path=ppt/slides/slide13.xml><?xml version="1.0" encoding="utf-8"?>
 <p:sld xmlns:a="http://schemas.openxmlformats.org/drawingml/2006/main" xmlns:r="http://schemas.openxmlformats.org/officeDocument/2006/relationships" xmlns:p="http://schemas.openxmlformats.org/presentationml/2006/main">
   <p:cSld>
     <p:spTree>
@@ -6850,313 +7487,6 @@
 </p:sld>
 </file>
 
-<file path=ppt/slides/slide13.xml><?xml version="1.0" encoding="utf-8"?>
-<p:sld xmlns:a="http://schemas.openxmlformats.org/drawingml/2006/main" xmlns:r="http://schemas.openxmlformats.org/officeDocument/2006/relationships" xmlns:p="http://schemas.openxmlformats.org/presentationml/2006/main">
-  <p:cSld>
-    <p:spTree>
-      <p:nvGrpSpPr>
-        <p:cNvPr id="1" name=""/>
-        <p:cNvGrpSpPr/>
-        <p:nvPr/>
-      </p:nvGrpSpPr>
-      <p:grpSpPr>
-        <a:xfrm>
-          <a:off x="0" y="0"/>
-          <a:ext cx="0" cy="0"/>
-          <a:chOff x="0" y="0"/>
-          <a:chExt cx="0" cy="0"/>
-        </a:xfrm>
-      </p:grpSpPr>
-      <p:sp>
-        <p:nvSpPr>
-          <p:cNvPr id="2" name="Title 1">
-            <a:extLst>
-              <a:ext uri="{FF2B5EF4-FFF2-40B4-BE49-F238E27FC236}">
-                <a16:creationId xmlns:a16="http://schemas.microsoft.com/office/drawing/2014/main" id="{A70F358F-267E-458C-A8D5-5959F20DB9D5}"/>
-              </a:ext>
-            </a:extLst>
-          </p:cNvPr>
-          <p:cNvSpPr>
-            <a:spLocks noGrp="1"/>
-          </p:cNvSpPr>
-          <p:nvPr>
-            <p:ph type="title"/>
-          </p:nvPr>
-        </p:nvSpPr>
-        <p:spPr>
-          <a:xfrm>
-            <a:off x="1218674" y="-179178"/>
-            <a:ext cx="10515600" cy="1325563"/>
-          </a:xfrm>
-        </p:spPr>
-        <p:txBody>
-          <a:bodyPr/>
-          <a:lstStyle/>
-          <a:p>
-            <a:r>
-              <a:rPr lang="en-US" b="1" dirty="0"/>
-              <a:t>Hands-on: rule processing</a:t>
-            </a:r>
-            <a:endParaRPr lang="en-NL" b="1" dirty="0"/>
-          </a:p>
-        </p:txBody>
-      </p:sp>
-      <p:sp>
-        <p:nvSpPr>
-          <p:cNvPr id="3" name="Content Placeholder 2">
-            <a:extLst>
-              <a:ext uri="{FF2B5EF4-FFF2-40B4-BE49-F238E27FC236}">
-                <a16:creationId xmlns:a16="http://schemas.microsoft.com/office/drawing/2014/main" id="{B7E5CA6D-D83C-4F14-841A-1F3902B3B2AC}"/>
-              </a:ext>
-            </a:extLst>
-          </p:cNvPr>
-          <p:cNvSpPr>
-            <a:spLocks noGrp="1"/>
-          </p:cNvSpPr>
-          <p:nvPr>
-            <p:ph idx="1"/>
-          </p:nvPr>
-        </p:nvSpPr>
-        <p:spPr>
-          <a:xfrm>
-            <a:off x="249766" y="1325186"/>
-            <a:ext cx="11826620" cy="4899039"/>
-          </a:xfrm>
-        </p:spPr>
-        <p:txBody>
-          <a:bodyPr>
-            <a:normAutofit fontScale="92500" lnSpcReduction="10000"/>
-          </a:bodyPr>
-          <a:lstStyle/>
-          <a:p>
-            <a:r>
-              <a:rPr lang="en-US" dirty="0"/>
-              <a:t>All files in:  </a:t>
-            </a:r>
-            <a:r>
-              <a:rPr lang="en-US" b="1" dirty="0">
-                <a:latin typeface="Courier New" panose="02070309020205020404" pitchFamily="49" charset="0"/>
-                <a:cs typeface="Courier New" panose="02070309020205020404" pitchFamily="49" charset="0"/>
-              </a:rPr>
-              <a:t>…/exercises</a:t>
-            </a:r>
-            <a:r>
-              <a:rPr lang="en-US" dirty="0">
-                <a:latin typeface="Courier New" panose="02070309020205020404" pitchFamily="49" charset="0"/>
-                <a:cs typeface="Courier New" panose="02070309020205020404" pitchFamily="49" charset="0"/>
-              </a:rPr>
-              <a:t>/</a:t>
-            </a:r>
-            <a:r>
-              <a:rPr lang="en-US" b="1" dirty="0">
-                <a:latin typeface="Courier New" panose="02070309020205020404" pitchFamily="49" charset="0"/>
-                <a:cs typeface="Courier New" panose="02070309020205020404" pitchFamily="49" charset="0"/>
-              </a:rPr>
-              <a:t>exercise-02-02</a:t>
-            </a:r>
-          </a:p>
-          <a:p>
-            <a:endParaRPr lang="en-US" dirty="0"/>
-          </a:p>
-          <a:p>
-            <a:r>
-              <a:rPr lang="en-US" dirty="0"/>
-              <a:t>Read the instructions in:  </a:t>
-            </a:r>
-            <a:r>
-              <a:rPr lang="en-US" b="1" dirty="0">
-                <a:latin typeface="Courier New" panose="02070309020205020404" pitchFamily="49" charset="0"/>
-                <a:cs typeface="Courier New" panose="02070309020205020404" pitchFamily="49" charset="0"/>
-              </a:rPr>
-              <a:t>instructions.pdf</a:t>
-            </a:r>
-            <a:endParaRPr lang="en-US" dirty="0"/>
-          </a:p>
-          <a:p>
-            <a:r>
-              <a:rPr lang="en-US" dirty="0"/>
-              <a:t>Open the files:</a:t>
-            </a:r>
-          </a:p>
-          <a:p>
-            <a:pPr lvl="1"/>
-            <a:r>
-              <a:rPr lang="en-US" dirty="0"/>
-              <a:t>Document to validate: </a:t>
-            </a:r>
-            <a:r>
-              <a:rPr lang="en-US" b="1" dirty="0">
-                <a:latin typeface="Courier New" panose="02070309020205020404" pitchFamily="49" charset="0"/>
-                <a:cs typeface="Courier New" panose="02070309020205020404" pitchFamily="49" charset="0"/>
-              </a:rPr>
-              <a:t>input.xml</a:t>
-            </a:r>
-          </a:p>
-          <a:p>
-            <a:pPr lvl="1"/>
-            <a:r>
-              <a:rPr lang="en-US" dirty="0"/>
-              <a:t>Template Schematron schema: </a:t>
-            </a:r>
-            <a:r>
-              <a:rPr lang="en-US" b="1" dirty="0" err="1">
-                <a:latin typeface="Courier New" panose="02070309020205020404" pitchFamily="49" charset="0"/>
-                <a:cs typeface="Courier New" panose="02070309020205020404" pitchFamily="49" charset="0"/>
-              </a:rPr>
-              <a:t>template.sch</a:t>
-            </a:r>
-            <a:endParaRPr lang="en-US" b="1" dirty="0">
-              <a:latin typeface="Courier New" panose="02070309020205020404" pitchFamily="49" charset="0"/>
-              <a:cs typeface="Courier New" panose="02070309020205020404" pitchFamily="49" charset="0"/>
-            </a:endParaRPr>
-          </a:p>
-          <a:p>
-            <a:r>
-              <a:rPr lang="en-US" dirty="0"/>
-              <a:t>Improve in </a:t>
-            </a:r>
-            <a:r>
-              <a:rPr lang="en-US" b="1" dirty="0" err="1">
-                <a:latin typeface="Courier New" panose="02070309020205020404" pitchFamily="49" charset="0"/>
-                <a:cs typeface="Courier New" panose="02070309020205020404" pitchFamily="49" charset="0"/>
-              </a:rPr>
-              <a:t>template.sch</a:t>
-            </a:r>
-            <a:r>
-              <a:rPr lang="en-US" dirty="0"/>
-              <a:t> according to the instructions </a:t>
-            </a:r>
-          </a:p>
-          <a:p>
-            <a:r>
-              <a:rPr lang="en-US" dirty="0"/>
-              <a:t>To try it out in oXygen, </a:t>
-            </a:r>
-            <a:r>
-              <a:rPr lang="en-US" b="1" dirty="0">
-                <a:latin typeface="Courier New" panose="02070309020205020404" pitchFamily="49" charset="0"/>
-                <a:cs typeface="Courier New" panose="02070309020205020404" pitchFamily="49" charset="0"/>
-              </a:rPr>
-              <a:t>input.xml</a:t>
-            </a:r>
-            <a:r>
-              <a:rPr lang="en-US" dirty="0"/>
-              <a:t> is automatically validated by </a:t>
-            </a:r>
-            <a:r>
-              <a:rPr lang="en-US" b="1" dirty="0" err="1">
-                <a:latin typeface="Courier New" panose="02070309020205020404" pitchFamily="49" charset="0"/>
-                <a:cs typeface="Courier New" panose="02070309020205020404" pitchFamily="49" charset="0"/>
-              </a:rPr>
-              <a:t>template.sch</a:t>
-            </a:r>
-            <a:endParaRPr lang="en-US" b="1" dirty="0">
-              <a:latin typeface="Courier New" panose="02070309020205020404" pitchFamily="49" charset="0"/>
-              <a:cs typeface="Courier New" panose="02070309020205020404" pitchFamily="49" charset="0"/>
-            </a:endParaRPr>
-          </a:p>
-          <a:p>
-            <a:endParaRPr lang="en-US" dirty="0"/>
-          </a:p>
-          <a:p>
-            <a:endParaRPr lang="en-US" dirty="0"/>
-          </a:p>
-          <a:p>
-            <a:pPr marL="0" indent="0">
-              <a:buNone/>
-            </a:pPr>
-            <a:r>
-              <a:rPr lang="en-US" sz="2200" dirty="0"/>
-              <a:t>Possible solution in: </a:t>
-            </a:r>
-            <a:r>
-              <a:rPr lang="en-US" sz="2200" b="1" dirty="0">
-                <a:latin typeface="Courier New" panose="02070309020205020404" pitchFamily="49" charset="0"/>
-                <a:cs typeface="Courier New" panose="02070309020205020404" pitchFamily="49" charset="0"/>
-              </a:rPr>
-              <a:t>solution/</a:t>
-            </a:r>
-            <a:r>
-              <a:rPr lang="en-US" sz="2200" b="1" dirty="0" err="1">
-                <a:latin typeface="Courier New" panose="02070309020205020404" pitchFamily="49" charset="0"/>
-                <a:cs typeface="Courier New" panose="02070309020205020404" pitchFamily="49" charset="0"/>
-              </a:rPr>
-              <a:t>solution.sch</a:t>
-            </a:r>
-            <a:r>
-              <a:rPr lang="en-US" sz="2200" dirty="0"/>
-              <a:t> (short explanation in </a:t>
-            </a:r>
-            <a:r>
-              <a:rPr lang="en-US" sz="2200" b="1" dirty="0">
-                <a:latin typeface="Courier New" panose="02070309020205020404" pitchFamily="49" charset="0"/>
-                <a:cs typeface="Courier New" panose="02070309020205020404" pitchFamily="49" charset="0"/>
-              </a:rPr>
-              <a:t>solution/explanation.pdf</a:t>
-            </a:r>
-            <a:r>
-              <a:rPr lang="en-US" sz="2200" dirty="0"/>
-              <a:t>).</a:t>
-            </a:r>
-            <a:endParaRPr lang="en-US" dirty="0"/>
-          </a:p>
-          <a:p>
-            <a:endParaRPr lang="en-GB" dirty="0"/>
-          </a:p>
-        </p:txBody>
-      </p:sp>
-      <p:pic>
-        <p:nvPicPr>
-          <p:cNvPr id="6" name="Graphic 5" descr="Right pointing backhand index ">
-            <a:extLst>
-              <a:ext uri="{FF2B5EF4-FFF2-40B4-BE49-F238E27FC236}">
-                <a16:creationId xmlns:a16="http://schemas.microsoft.com/office/drawing/2014/main" id="{BA7FB8C5-2AEE-41C3-980A-64845E036DE8}"/>
-              </a:ext>
-            </a:extLst>
-          </p:cNvPr>
-          <p:cNvPicPr>
-            <a:picLocks noChangeAspect="1"/>
-          </p:cNvPicPr>
-          <p:nvPr/>
-        </p:nvPicPr>
-        <p:blipFill>
-          <a:blip r:embed="rId3">
-            <a:extLst>
-              <a:ext uri="{28A0092B-C50C-407E-A947-70E740481C1C}">
-                <a14:useLocalDpi xmlns:a14="http://schemas.microsoft.com/office/drawing/2010/main" val="0"/>
-              </a:ext>
-              <a:ext uri="{96DAC541-7B7A-43D3-8B79-37D633B846F1}">
-                <asvg:svgBlip xmlns:asvg="http://schemas.microsoft.com/office/drawing/2016/SVG/main" r:embed="rId4"/>
-              </a:ext>
-            </a:extLst>
-          </a:blip>
-          <a:stretch>
-            <a:fillRect/>
-          </a:stretch>
-        </p:blipFill>
-        <p:spPr>
-          <a:xfrm>
-            <a:off x="249766" y="26404"/>
-            <a:ext cx="914400" cy="914400"/>
-          </a:xfrm>
-          <a:prstGeom prst="rect">
-            <a:avLst/>
-          </a:prstGeom>
-        </p:spPr>
-      </p:pic>
-    </p:spTree>
-    <p:extLst>
-      <p:ext uri="{BB962C8B-B14F-4D97-AF65-F5344CB8AC3E}">
-        <p14:creationId xmlns:p14="http://schemas.microsoft.com/office/powerpoint/2010/main" val="3545398536"/>
-      </p:ext>
-    </p:extLst>
-  </p:cSld>
-  <p:clrMapOvr>
-    <a:masterClrMapping/>
-  </p:clrMapOvr>
-</p:sld>
-</file>
-
 <file path=ppt/slides/slide14.xml><?xml version="1.0" encoding="utf-8"?>
 <p:sld xmlns:a="http://schemas.openxmlformats.org/drawingml/2006/main" xmlns:r="http://schemas.openxmlformats.org/officeDocument/2006/relationships" xmlns:p="http://schemas.openxmlformats.org/presentationml/2006/main">
   <p:cSld>
@@ -7179,7 +7509,7 @@
           <p:cNvPr id="2" name="Title 1">
             <a:extLst>
               <a:ext uri="{FF2B5EF4-FFF2-40B4-BE49-F238E27FC236}">
-                <a16:creationId xmlns:a16="http://schemas.microsoft.com/office/drawing/2014/main" id="{24690733-A9A9-EB68-6805-3EDCC0A90657}"/>
+                <a16:creationId xmlns:a16="http://schemas.microsoft.com/office/drawing/2014/main" id="{A70F358F-267E-458C-A8D5-5959F20DB9D5}"/>
               </a:ext>
             </a:extLst>
           </p:cNvPr>
@@ -7192,8 +7522,8 @@
         </p:nvSpPr>
         <p:spPr>
           <a:xfrm>
-            <a:off x="183036" y="0"/>
-            <a:ext cx="10681355" cy="1325563"/>
+            <a:off x="1218674" y="-179178"/>
+            <a:ext cx="10515600" cy="1325563"/>
           </a:xfrm>
         </p:spPr>
         <p:txBody>
@@ -7202,7 +7532,7 @@
           <a:p>
             <a:r>
               <a:rPr lang="en-US" b="1" dirty="0"/>
-              <a:t>What's the result of a Schematron validation?</a:t>
+              <a:t>Hands-on: rule processing</a:t>
             </a:r>
             <a:endParaRPr lang="en-NL" b="1" dirty="0"/>
           </a:p>
@@ -7213,7 +7543,7 @@
           <p:cNvPr id="3" name="Content Placeholder 2">
             <a:extLst>
               <a:ext uri="{FF2B5EF4-FFF2-40B4-BE49-F238E27FC236}">
-                <a16:creationId xmlns:a16="http://schemas.microsoft.com/office/drawing/2014/main" id="{F7A8EFF8-F8CE-7C5B-359F-2FB387E6B96A}"/>
+                <a16:creationId xmlns:a16="http://schemas.microsoft.com/office/drawing/2014/main" id="{B7E5CA6D-D83C-4F14-841A-1F3902B3B2AC}"/>
               </a:ext>
             </a:extLst>
           </p:cNvPr>
@@ -7226,58 +7556,235 @@
         </p:nvSpPr>
         <p:spPr>
           <a:xfrm>
-            <a:off x="636401" y="1956183"/>
-            <a:ext cx="10515600" cy="3341030"/>
+            <a:off x="249766" y="1325186"/>
+            <a:ext cx="11826620" cy="4899039"/>
           </a:xfrm>
         </p:spPr>
         <p:txBody>
-          <a:bodyPr/>
+          <a:bodyPr>
+            <a:normAutofit fontScale="92500" lnSpcReduction="10000"/>
+          </a:bodyPr>
           <a:lstStyle/>
           <a:p>
             <a:r>
               <a:rPr lang="en-US" dirty="0"/>
-              <a:t>Schematron has an XML reporting language called SVRL: </a:t>
-            </a:r>
-            <a:br>
+              <a:t>All files in:  </a:t>
+            </a:r>
+            <a:r>
+              <a:rPr lang="en-US" b="1" dirty="0">
+                <a:latin typeface="Courier New" panose="02070309020205020404" pitchFamily="49" charset="0"/>
+                <a:cs typeface="Courier New" panose="02070309020205020404" pitchFamily="49" charset="0"/>
+              </a:rPr>
+              <a:t>…/exercises</a:t>
+            </a:r>
+            <a:r>
+              <a:rPr lang="en-US" dirty="0">
+                <a:latin typeface="Courier New" panose="02070309020205020404" pitchFamily="49" charset="0"/>
+                <a:cs typeface="Courier New" panose="02070309020205020404" pitchFamily="49" charset="0"/>
+              </a:rPr>
+              <a:t>/</a:t>
+            </a:r>
+            <a:r>
+              <a:rPr lang="en-US" b="1" dirty="0">
+                <a:latin typeface="Courier New" panose="02070309020205020404" pitchFamily="49" charset="0"/>
+                <a:cs typeface="Courier New" panose="02070309020205020404" pitchFamily="49" charset="0"/>
+              </a:rPr>
+              <a:t>exercise-02-02</a:t>
+            </a:r>
+          </a:p>
+          <a:p>
+            <a:endParaRPr lang="en-US" dirty="0"/>
+          </a:p>
+          <a:p>
+            <a:r>
               <a:rPr lang="en-US" dirty="0"/>
-            </a:br>
-            <a:r>
-              <a:rPr lang="en-US" i="1" dirty="0"/>
-              <a:t>Schematron Validation Reporting Language</a:t>
-            </a:r>
+              <a:t>Read the instructions in:  </a:t>
+            </a:r>
+            <a:r>
+              <a:rPr lang="en-US" b="1" dirty="0">
+                <a:latin typeface="Courier New" panose="02070309020205020404" pitchFamily="49" charset="0"/>
+                <a:cs typeface="Courier New" panose="02070309020205020404" pitchFamily="49" charset="0"/>
+              </a:rPr>
+              <a:t>instructions.pdf</a:t>
+            </a:r>
+            <a:endParaRPr lang="en-US" dirty="0"/>
           </a:p>
           <a:p>
             <a:r>
               <a:rPr lang="en-US" dirty="0"/>
-              <a:t>In an IDE like oXygen, you don't see it</a:t>
-            </a:r>
-          </a:p>
-          <a:p>
+              <a:t>Open the files:</a:t>
+            </a:r>
+          </a:p>
+          <a:p>
+            <a:pPr lvl="1"/>
             <a:r>
               <a:rPr lang="en-US" dirty="0"/>
-              <a:t>Using the command line, you will</a:t>
-            </a:r>
-          </a:p>
-          <a:p>
+              <a:t>Document to validate: </a:t>
+            </a:r>
+            <a:r>
+              <a:rPr lang="en-US" b="1" dirty="0">
+                <a:latin typeface="Courier New" panose="02070309020205020404" pitchFamily="49" charset="0"/>
+                <a:cs typeface="Courier New" panose="02070309020205020404" pitchFamily="49" charset="0"/>
+              </a:rPr>
+              <a:t>input.xml</a:t>
+            </a:r>
+          </a:p>
+          <a:p>
+            <a:pPr lvl="1"/>
             <a:r>
               <a:rPr lang="en-US" dirty="0"/>
-              <a:t>Useful in toolchains and automated processing</a:t>
-            </a:r>
-          </a:p>
-          <a:p>
-            <a:pPr lvl="1"/>
+              <a:t>Template Schematron schema: </a:t>
+            </a:r>
+            <a:r>
+              <a:rPr lang="en-US" b="1" dirty="0" err="1">
+                <a:latin typeface="Courier New" panose="02070309020205020404" pitchFamily="49" charset="0"/>
+                <a:cs typeface="Courier New" panose="02070309020205020404" pitchFamily="49" charset="0"/>
+              </a:rPr>
+              <a:t>template.sch</a:t>
+            </a:r>
+            <a:endParaRPr lang="en-US" b="1" dirty="0">
+              <a:latin typeface="Courier New" panose="02070309020205020404" pitchFamily="49" charset="0"/>
+              <a:cs typeface="Courier New" panose="02070309020205020404" pitchFamily="49" charset="0"/>
+            </a:endParaRPr>
+          </a:p>
+          <a:p>
             <a:r>
               <a:rPr lang="en-US" dirty="0"/>
-              <a:t>For instance, create a custom report</a:t>
-            </a:r>
-            <a:endParaRPr lang="en-NL" dirty="0"/>
+              <a:t>Improve in </a:t>
+            </a:r>
+            <a:r>
+              <a:rPr lang="en-US" b="1" dirty="0" err="1">
+                <a:latin typeface="Courier New" panose="02070309020205020404" pitchFamily="49" charset="0"/>
+                <a:cs typeface="Courier New" panose="02070309020205020404" pitchFamily="49" charset="0"/>
+              </a:rPr>
+              <a:t>template.sch</a:t>
+            </a:r>
+            <a:r>
+              <a:rPr lang="en-US" dirty="0"/>
+              <a:t> according to the instructions </a:t>
+            </a:r>
+          </a:p>
+          <a:p>
+            <a:r>
+              <a:rPr lang="en-US" dirty="0"/>
+              <a:t>To try it out in oXygen, </a:t>
+            </a:r>
+            <a:r>
+              <a:rPr lang="en-US" b="1" dirty="0">
+                <a:latin typeface="Courier New" panose="02070309020205020404" pitchFamily="49" charset="0"/>
+                <a:cs typeface="Courier New" panose="02070309020205020404" pitchFamily="49" charset="0"/>
+              </a:rPr>
+              <a:t>input.xml</a:t>
+            </a:r>
+            <a:r>
+              <a:rPr lang="en-US" dirty="0"/>
+              <a:t> is automatically validated by </a:t>
+            </a:r>
+            <a:r>
+              <a:rPr lang="en-US" b="1" dirty="0" err="1">
+                <a:latin typeface="Courier New" panose="02070309020205020404" pitchFamily="49" charset="0"/>
+                <a:cs typeface="Courier New" panose="02070309020205020404" pitchFamily="49" charset="0"/>
+              </a:rPr>
+              <a:t>template.sch</a:t>
+            </a:r>
+            <a:endParaRPr lang="en-US" b="1" dirty="0">
+              <a:latin typeface="Courier New" panose="02070309020205020404" pitchFamily="49" charset="0"/>
+              <a:cs typeface="Courier New" panose="02070309020205020404" pitchFamily="49" charset="0"/>
+            </a:endParaRPr>
+          </a:p>
+          <a:p>
+            <a:endParaRPr lang="en-US" dirty="0"/>
+          </a:p>
+          <a:p>
+            <a:endParaRPr lang="en-US" dirty="0"/>
+          </a:p>
+          <a:p>
+            <a:pPr marL="0" indent="0">
+              <a:buNone/>
+            </a:pPr>
+            <a:r>
+              <a:rPr lang="en-US" sz="2200" dirty="0"/>
+              <a:t>Possible solution in: </a:t>
+            </a:r>
+            <a:r>
+              <a:rPr lang="en-US" sz="2200" b="1" dirty="0">
+                <a:latin typeface="Courier New" panose="02070309020205020404" pitchFamily="49" charset="0"/>
+                <a:cs typeface="Courier New" panose="02070309020205020404" pitchFamily="49" charset="0"/>
+              </a:rPr>
+              <a:t>solution/</a:t>
+            </a:r>
+            <a:r>
+              <a:rPr lang="en-US" sz="2200" b="1" dirty="0" err="1">
+                <a:latin typeface="Courier New" panose="02070309020205020404" pitchFamily="49" charset="0"/>
+                <a:cs typeface="Courier New" panose="02070309020205020404" pitchFamily="49" charset="0"/>
+              </a:rPr>
+              <a:t>solution.sch</a:t>
+            </a:r>
+            <a:r>
+              <a:rPr lang="en-US" sz="2200" dirty="0"/>
+              <a:t> (short explanation in </a:t>
+            </a:r>
+            <a:r>
+              <a:rPr lang="en-US" sz="2200" b="1" dirty="0">
+                <a:latin typeface="Courier New" panose="02070309020205020404" pitchFamily="49" charset="0"/>
+                <a:cs typeface="Courier New" panose="02070309020205020404" pitchFamily="49" charset="0"/>
+              </a:rPr>
+              <a:t>solution/explanation.pdf</a:t>
+            </a:r>
+            <a:r>
+              <a:rPr lang="en-US" sz="2200" dirty="0"/>
+              <a:t>).</a:t>
+            </a:r>
+            <a:endParaRPr lang="en-US" dirty="0"/>
+          </a:p>
+          <a:p>
+            <a:endParaRPr lang="en-GB" dirty="0"/>
           </a:p>
         </p:txBody>
       </p:sp>
+      <p:pic>
+        <p:nvPicPr>
+          <p:cNvPr id="6" name="Graphic 5" descr="Right pointing backhand index ">
+            <a:extLst>
+              <a:ext uri="{FF2B5EF4-FFF2-40B4-BE49-F238E27FC236}">
+                <a16:creationId xmlns:a16="http://schemas.microsoft.com/office/drawing/2014/main" id="{BA7FB8C5-2AEE-41C3-980A-64845E036DE8}"/>
+              </a:ext>
+            </a:extLst>
+          </p:cNvPr>
+          <p:cNvPicPr>
+            <a:picLocks noChangeAspect="1"/>
+          </p:cNvPicPr>
+          <p:nvPr/>
+        </p:nvPicPr>
+        <p:blipFill>
+          <a:blip r:embed="rId3">
+            <a:extLst>
+              <a:ext uri="{28A0092B-C50C-407E-A947-70E740481C1C}">
+                <a14:useLocalDpi xmlns:a14="http://schemas.microsoft.com/office/drawing/2010/main" val="0"/>
+              </a:ext>
+              <a:ext uri="{96DAC541-7B7A-43D3-8B79-37D633B846F1}">
+                <asvg:svgBlip xmlns:asvg="http://schemas.microsoft.com/office/drawing/2016/SVG/main" r:embed="rId4"/>
+              </a:ext>
+            </a:extLst>
+          </a:blip>
+          <a:stretch>
+            <a:fillRect/>
+          </a:stretch>
+        </p:blipFill>
+        <p:spPr>
+          <a:xfrm>
+            <a:off x="249766" y="26404"/>
+            <a:ext cx="914400" cy="914400"/>
+          </a:xfrm>
+          <a:prstGeom prst="rect">
+            <a:avLst/>
+          </a:prstGeom>
+        </p:spPr>
+      </p:pic>
     </p:spTree>
     <p:extLst>
       <p:ext uri="{BB962C8B-B14F-4D97-AF65-F5344CB8AC3E}">
-        <p14:creationId xmlns:p14="http://schemas.microsoft.com/office/powerpoint/2010/main" val="1485681118"/>
+        <p14:creationId xmlns:p14="http://schemas.microsoft.com/office/powerpoint/2010/main" val="3545398536"/>
       </p:ext>
     </p:extLst>
   </p:cSld>
@@ -7309,6 +7816,136 @@
           <p:cNvPr id="2" name="Title 1">
             <a:extLst>
               <a:ext uri="{FF2B5EF4-FFF2-40B4-BE49-F238E27FC236}">
+                <a16:creationId xmlns:a16="http://schemas.microsoft.com/office/drawing/2014/main" id="{24690733-A9A9-EB68-6805-3EDCC0A90657}"/>
+              </a:ext>
+            </a:extLst>
+          </p:cNvPr>
+          <p:cNvSpPr>
+            <a:spLocks noGrp="1"/>
+          </p:cNvSpPr>
+          <p:nvPr>
+            <p:ph type="title"/>
+          </p:nvPr>
+        </p:nvSpPr>
+        <p:spPr>
+          <a:xfrm>
+            <a:off x="183036" y="0"/>
+            <a:ext cx="10681355" cy="1325563"/>
+          </a:xfrm>
+        </p:spPr>
+        <p:txBody>
+          <a:bodyPr/>
+          <a:lstStyle/>
+          <a:p>
+            <a:r>
+              <a:rPr lang="en-US" b="1" dirty="0"/>
+              <a:t>What's the result of a Schematron validation?</a:t>
+            </a:r>
+            <a:endParaRPr lang="en-NL" b="1" dirty="0"/>
+          </a:p>
+        </p:txBody>
+      </p:sp>
+      <p:sp>
+        <p:nvSpPr>
+          <p:cNvPr id="3" name="Content Placeholder 2">
+            <a:extLst>
+              <a:ext uri="{FF2B5EF4-FFF2-40B4-BE49-F238E27FC236}">
+                <a16:creationId xmlns:a16="http://schemas.microsoft.com/office/drawing/2014/main" id="{F7A8EFF8-F8CE-7C5B-359F-2FB387E6B96A}"/>
+              </a:ext>
+            </a:extLst>
+          </p:cNvPr>
+          <p:cNvSpPr>
+            <a:spLocks noGrp="1"/>
+          </p:cNvSpPr>
+          <p:nvPr>
+            <p:ph idx="1"/>
+          </p:nvPr>
+        </p:nvSpPr>
+        <p:spPr>
+          <a:xfrm>
+            <a:off x="636401" y="1956183"/>
+            <a:ext cx="10515600" cy="3341030"/>
+          </a:xfrm>
+        </p:spPr>
+        <p:txBody>
+          <a:bodyPr/>
+          <a:lstStyle/>
+          <a:p>
+            <a:r>
+              <a:rPr lang="en-US" dirty="0"/>
+              <a:t>Schematron has an XML reporting language called SVRL: </a:t>
+            </a:r>
+            <a:br>
+              <a:rPr lang="en-US" dirty="0"/>
+            </a:br>
+            <a:r>
+              <a:rPr lang="en-US" i="1" dirty="0"/>
+              <a:t>Schematron Validation Reporting Language</a:t>
+            </a:r>
+          </a:p>
+          <a:p>
+            <a:r>
+              <a:rPr lang="en-US" dirty="0"/>
+              <a:t>In an IDE like oXygen, you don't see it</a:t>
+            </a:r>
+          </a:p>
+          <a:p>
+            <a:r>
+              <a:rPr lang="en-US" dirty="0"/>
+              <a:t>Using the command line, you will</a:t>
+            </a:r>
+          </a:p>
+          <a:p>
+            <a:r>
+              <a:rPr lang="en-US" dirty="0"/>
+              <a:t>Useful in toolchains and automated processing</a:t>
+            </a:r>
+          </a:p>
+          <a:p>
+            <a:pPr lvl="1"/>
+            <a:r>
+              <a:rPr lang="en-US" dirty="0"/>
+              <a:t>For instance, create a custom report</a:t>
+            </a:r>
+            <a:endParaRPr lang="en-NL" dirty="0"/>
+          </a:p>
+        </p:txBody>
+      </p:sp>
+    </p:spTree>
+    <p:extLst>
+      <p:ext uri="{BB962C8B-B14F-4D97-AF65-F5344CB8AC3E}">
+        <p14:creationId xmlns:p14="http://schemas.microsoft.com/office/powerpoint/2010/main" val="1485681118"/>
+      </p:ext>
+    </p:extLst>
+  </p:cSld>
+  <p:clrMapOvr>
+    <a:masterClrMapping/>
+  </p:clrMapOvr>
+</p:sld>
+</file>
+
+<file path=ppt/slides/slide16.xml><?xml version="1.0" encoding="utf-8"?>
+<p:sld xmlns:a="http://schemas.openxmlformats.org/drawingml/2006/main" xmlns:r="http://schemas.openxmlformats.org/officeDocument/2006/relationships" xmlns:p="http://schemas.openxmlformats.org/presentationml/2006/main">
+  <p:cSld>
+    <p:spTree>
+      <p:nvGrpSpPr>
+        <p:cNvPr id="1" name=""/>
+        <p:cNvGrpSpPr/>
+        <p:nvPr/>
+      </p:nvGrpSpPr>
+      <p:grpSpPr>
+        <a:xfrm>
+          <a:off x="0" y="0"/>
+          <a:ext cx="0" cy="0"/>
+          <a:chOff x="0" y="0"/>
+          <a:chExt cx="0" cy="0"/>
+        </a:xfrm>
+      </p:grpSpPr>
+      <p:sp>
+        <p:nvSpPr>
+          <p:cNvPr id="2" name="Title 1">
+            <a:extLst>
+              <a:ext uri="{FF2B5EF4-FFF2-40B4-BE49-F238E27FC236}">
                 <a16:creationId xmlns:a16="http://schemas.microsoft.com/office/drawing/2014/main" id="{E735BEC6-293D-1209-33EF-B84BD09E7F02}"/>
               </a:ext>
             </a:extLst>
@@ -8117,7 +8754,7 @@
 </p:sld>
 </file>
 
-<file path=ppt/slides/slide16.xml><?xml version="1.0" encoding="utf-8"?>
+<file path=ppt/slides/slide17.xml><?xml version="1.0" encoding="utf-8"?>
 <p:sld xmlns:a="http://schemas.openxmlformats.org/drawingml/2006/main" xmlns:r="http://schemas.openxmlformats.org/officeDocument/2006/relationships" xmlns:p="http://schemas.openxmlformats.org/presentationml/2006/main">
   <p:cSld>
     <p:spTree>
@@ -8953,345 +9590,6 @@
 </p:sld>
 </file>
 
-<file path=ppt/slides/slide17.xml><?xml version="1.0" encoding="utf-8"?>
-<p:sld xmlns:a="http://schemas.openxmlformats.org/drawingml/2006/main" xmlns:r="http://schemas.openxmlformats.org/officeDocument/2006/relationships" xmlns:p="http://schemas.openxmlformats.org/presentationml/2006/main">
-  <p:cSld>
-    <p:spTree>
-      <p:nvGrpSpPr>
-        <p:cNvPr id="1" name=""/>
-        <p:cNvGrpSpPr/>
-        <p:nvPr/>
-      </p:nvGrpSpPr>
-      <p:grpSpPr>
-        <a:xfrm>
-          <a:off x="0" y="0"/>
-          <a:ext cx="0" cy="0"/>
-          <a:chOff x="0" y="0"/>
-          <a:chExt cx="0" cy="0"/>
-        </a:xfrm>
-      </p:grpSpPr>
-      <p:sp>
-        <p:nvSpPr>
-          <p:cNvPr id="2" name="Title 1">
-            <a:extLst>
-              <a:ext uri="{FF2B5EF4-FFF2-40B4-BE49-F238E27FC236}">
-                <a16:creationId xmlns:a16="http://schemas.microsoft.com/office/drawing/2014/main" id="{A70F358F-267E-458C-A8D5-5959F20DB9D5}"/>
-              </a:ext>
-            </a:extLst>
-          </p:cNvPr>
-          <p:cNvSpPr>
-            <a:spLocks noGrp="1"/>
-          </p:cNvSpPr>
-          <p:nvPr>
-            <p:ph type="title"/>
-          </p:nvPr>
-        </p:nvSpPr>
-        <p:spPr>
-          <a:xfrm>
-            <a:off x="1218674" y="-179178"/>
-            <a:ext cx="10515600" cy="1325563"/>
-          </a:xfrm>
-        </p:spPr>
-        <p:txBody>
-          <a:bodyPr/>
-          <a:lstStyle/>
-          <a:p>
-            <a:r>
-              <a:rPr lang="en-US" b="1" dirty="0"/>
-              <a:t>Hands-on: better messages</a:t>
-            </a:r>
-            <a:endParaRPr lang="en-NL" b="1" dirty="0"/>
-          </a:p>
-        </p:txBody>
-      </p:sp>
-      <p:sp>
-        <p:nvSpPr>
-          <p:cNvPr id="3" name="Content Placeholder 2">
-            <a:extLst>
-              <a:ext uri="{FF2B5EF4-FFF2-40B4-BE49-F238E27FC236}">
-                <a16:creationId xmlns:a16="http://schemas.microsoft.com/office/drawing/2014/main" id="{B7E5CA6D-D83C-4F14-841A-1F3902B3B2AC}"/>
-              </a:ext>
-            </a:extLst>
-          </p:cNvPr>
-          <p:cNvSpPr>
-            <a:spLocks noGrp="1"/>
-          </p:cNvSpPr>
-          <p:nvPr>
-            <p:ph idx="1"/>
-          </p:nvPr>
-        </p:nvSpPr>
-        <p:spPr>
-          <a:xfrm>
-            <a:off x="249766" y="1325186"/>
-            <a:ext cx="11826620" cy="4899039"/>
-          </a:xfrm>
-        </p:spPr>
-        <p:txBody>
-          <a:bodyPr>
-            <a:normAutofit fontScale="92500" lnSpcReduction="20000"/>
-          </a:bodyPr>
-          <a:lstStyle/>
-          <a:p>
-            <a:r>
-              <a:rPr lang="en-US" dirty="0"/>
-              <a:t>All files in:  </a:t>
-            </a:r>
-            <a:r>
-              <a:rPr lang="en-US" b="1" dirty="0">
-                <a:latin typeface="Courier New" panose="02070309020205020404" pitchFamily="49" charset="0"/>
-                <a:cs typeface="Courier New" panose="02070309020205020404" pitchFamily="49" charset="0"/>
-              </a:rPr>
-              <a:t>…/exercises</a:t>
-            </a:r>
-            <a:r>
-              <a:rPr lang="en-US" dirty="0">
-                <a:latin typeface="Courier New" panose="02070309020205020404" pitchFamily="49" charset="0"/>
-                <a:cs typeface="Courier New" panose="02070309020205020404" pitchFamily="49" charset="0"/>
-              </a:rPr>
-              <a:t>/</a:t>
-            </a:r>
-            <a:r>
-              <a:rPr lang="en-US" b="1" dirty="0">
-                <a:latin typeface="Courier New" panose="02070309020205020404" pitchFamily="49" charset="0"/>
-                <a:cs typeface="Courier New" panose="02070309020205020404" pitchFamily="49" charset="0"/>
-              </a:rPr>
-              <a:t>exercise-02-03</a:t>
-            </a:r>
-          </a:p>
-          <a:p>
-            <a:endParaRPr lang="en-US" dirty="0"/>
-          </a:p>
-          <a:p>
-            <a:r>
-              <a:rPr lang="en-US" dirty="0"/>
-              <a:t>Read the instructions in:  </a:t>
-            </a:r>
-            <a:r>
-              <a:rPr lang="en-US" b="1" dirty="0">
-                <a:latin typeface="Courier New" panose="02070309020205020404" pitchFamily="49" charset="0"/>
-                <a:cs typeface="Courier New" panose="02070309020205020404" pitchFamily="49" charset="0"/>
-              </a:rPr>
-              <a:t>instructions.pdf</a:t>
-            </a:r>
-            <a:endParaRPr lang="en-US" dirty="0"/>
-          </a:p>
-          <a:p>
-            <a:r>
-              <a:rPr lang="en-US" dirty="0"/>
-              <a:t>Open the files:</a:t>
-            </a:r>
-          </a:p>
-          <a:p>
-            <a:pPr lvl="1"/>
-            <a:r>
-              <a:rPr lang="en-US" dirty="0"/>
-              <a:t>Document to validate: </a:t>
-            </a:r>
-            <a:r>
-              <a:rPr lang="en-US" b="1" dirty="0">
-                <a:latin typeface="Courier New" panose="02070309020205020404" pitchFamily="49" charset="0"/>
-                <a:cs typeface="Courier New" panose="02070309020205020404" pitchFamily="49" charset="0"/>
-              </a:rPr>
-              <a:t>input.xml</a:t>
-            </a:r>
-          </a:p>
-          <a:p>
-            <a:pPr lvl="1"/>
-            <a:r>
-              <a:rPr lang="en-US" dirty="0"/>
-              <a:t>Template Schematron schema: </a:t>
-            </a:r>
-            <a:r>
-              <a:rPr lang="en-US" b="1" dirty="0" err="1">
-                <a:latin typeface="Courier New" panose="02070309020205020404" pitchFamily="49" charset="0"/>
-                <a:cs typeface="Courier New" panose="02070309020205020404" pitchFamily="49" charset="0"/>
-              </a:rPr>
-              <a:t>template.sch</a:t>
-            </a:r>
-            <a:endParaRPr lang="en-US" b="1" dirty="0">
-              <a:latin typeface="Courier New" panose="02070309020205020404" pitchFamily="49" charset="0"/>
-              <a:cs typeface="Courier New" panose="02070309020205020404" pitchFamily="49" charset="0"/>
-            </a:endParaRPr>
-          </a:p>
-          <a:p>
-            <a:r>
-              <a:rPr lang="en-US" dirty="0"/>
-              <a:t>Enhance </a:t>
-            </a:r>
-            <a:r>
-              <a:rPr lang="en-US" b="1" dirty="0" err="1">
-                <a:latin typeface="Courier New" panose="02070309020205020404" pitchFamily="49" charset="0"/>
-                <a:cs typeface="Courier New" panose="02070309020205020404" pitchFamily="49" charset="0"/>
-              </a:rPr>
-              <a:t>template.sch</a:t>
-            </a:r>
-            <a:r>
-              <a:rPr lang="en-US" dirty="0"/>
-              <a:t> according to the instructions </a:t>
-            </a:r>
-          </a:p>
-          <a:p>
-            <a:r>
-              <a:rPr lang="en-US" dirty="0"/>
-              <a:t>To try it out in oXygen, </a:t>
-            </a:r>
-            <a:r>
-              <a:rPr lang="en-US" b="1" dirty="0">
-                <a:latin typeface="Courier New" panose="02070309020205020404" pitchFamily="49" charset="0"/>
-                <a:cs typeface="Courier New" panose="02070309020205020404" pitchFamily="49" charset="0"/>
-              </a:rPr>
-              <a:t>input.xml</a:t>
-            </a:r>
-            <a:r>
-              <a:rPr lang="en-US" dirty="0"/>
-              <a:t> is automatically validated by </a:t>
-            </a:r>
-            <a:r>
-              <a:rPr lang="en-US" b="1" dirty="0" err="1">
-                <a:latin typeface="Courier New" panose="02070309020205020404" pitchFamily="49" charset="0"/>
-                <a:cs typeface="Courier New" panose="02070309020205020404" pitchFamily="49" charset="0"/>
-              </a:rPr>
-              <a:t>template.sch</a:t>
-            </a:r>
-            <a:endParaRPr lang="en-US" b="1" dirty="0">
-              <a:latin typeface="Courier New" panose="02070309020205020404" pitchFamily="49" charset="0"/>
-              <a:cs typeface="Courier New" panose="02070309020205020404" pitchFamily="49" charset="0"/>
-            </a:endParaRPr>
-          </a:p>
-          <a:p>
-            <a:endParaRPr lang="en-US" dirty="0"/>
-          </a:p>
-          <a:p>
-            <a:endParaRPr lang="en-US" dirty="0"/>
-          </a:p>
-          <a:p>
-            <a:pPr marL="0" indent="0">
-              <a:buNone/>
-            </a:pPr>
-            <a:r>
-              <a:rPr lang="en-US" sz="2200" dirty="0"/>
-              <a:t>Possible solution in: </a:t>
-            </a:r>
-            <a:r>
-              <a:rPr lang="en-US" sz="2200" b="1" dirty="0">
-                <a:latin typeface="Courier New" panose="02070309020205020404" pitchFamily="49" charset="0"/>
-                <a:cs typeface="Courier New" panose="02070309020205020404" pitchFamily="49" charset="0"/>
-              </a:rPr>
-              <a:t>solution/</a:t>
-            </a:r>
-            <a:r>
-              <a:rPr lang="en-US" sz="2200" b="1" dirty="0" err="1">
-                <a:latin typeface="Courier New" panose="02070309020205020404" pitchFamily="49" charset="0"/>
-                <a:cs typeface="Courier New" panose="02070309020205020404" pitchFamily="49" charset="0"/>
-              </a:rPr>
-              <a:t>solution.sch</a:t>
-            </a:r>
-            <a:r>
-              <a:rPr lang="en-US" sz="2200" dirty="0"/>
-              <a:t> (short explanation in </a:t>
-            </a:r>
-            <a:r>
-              <a:rPr lang="en-US" sz="2200" b="1" dirty="0">
-                <a:latin typeface="Courier New" panose="02070309020205020404" pitchFamily="49" charset="0"/>
-                <a:cs typeface="Courier New" panose="02070309020205020404" pitchFamily="49" charset="0"/>
-              </a:rPr>
-              <a:t>solution/explanation.pdf</a:t>
-            </a:r>
-            <a:r>
-              <a:rPr lang="en-US" sz="2200" dirty="0"/>
-              <a:t>).</a:t>
-            </a:r>
-          </a:p>
-          <a:p>
-            <a:pPr marL="0" indent="0">
-              <a:buNone/>
-            </a:pPr>
-            <a:endParaRPr lang="en-US" sz="2200" dirty="0"/>
-          </a:p>
-          <a:p>
-            <a:pPr marL="0" indent="0">
-              <a:buNone/>
-            </a:pPr>
-            <a:r>
-              <a:rPr lang="en-US" sz="2200" dirty="0"/>
-              <a:t>Solution for the additional changes in: </a:t>
-            </a:r>
-            <a:r>
-              <a:rPr lang="en-US" sz="2200" b="1" dirty="0">
-                <a:latin typeface="Courier New" panose="02070309020205020404" pitchFamily="49" charset="0"/>
-                <a:cs typeface="Courier New" panose="02070309020205020404" pitchFamily="49" charset="0"/>
-              </a:rPr>
-              <a:t>solution/solution-</a:t>
-            </a:r>
-            <a:r>
-              <a:rPr lang="en-US" sz="2200" b="1" dirty="0" err="1">
-                <a:latin typeface="Courier New" panose="02070309020205020404" pitchFamily="49" charset="0"/>
-                <a:cs typeface="Courier New" panose="02070309020205020404" pitchFamily="49" charset="0"/>
-              </a:rPr>
-              <a:t>extended.sch</a:t>
-            </a:r>
-            <a:endParaRPr lang="en-US" b="1" dirty="0">
-              <a:latin typeface="Courier New" panose="02070309020205020404" pitchFamily="49" charset="0"/>
-              <a:cs typeface="Courier New" panose="02070309020205020404" pitchFamily="49" charset="0"/>
-            </a:endParaRPr>
-          </a:p>
-          <a:p>
-            <a:endParaRPr lang="en-GB" dirty="0"/>
-          </a:p>
-        </p:txBody>
-      </p:sp>
-      <p:pic>
-        <p:nvPicPr>
-          <p:cNvPr id="6" name="Graphic 5" descr="Right pointing backhand index ">
-            <a:extLst>
-              <a:ext uri="{FF2B5EF4-FFF2-40B4-BE49-F238E27FC236}">
-                <a16:creationId xmlns:a16="http://schemas.microsoft.com/office/drawing/2014/main" id="{BA7FB8C5-2AEE-41C3-980A-64845E036DE8}"/>
-              </a:ext>
-            </a:extLst>
-          </p:cNvPr>
-          <p:cNvPicPr>
-            <a:picLocks noChangeAspect="1"/>
-          </p:cNvPicPr>
-          <p:nvPr/>
-        </p:nvPicPr>
-        <p:blipFill>
-          <a:blip r:embed="rId3">
-            <a:extLst>
-              <a:ext uri="{28A0092B-C50C-407E-A947-70E740481C1C}">
-                <a14:useLocalDpi xmlns:a14="http://schemas.microsoft.com/office/drawing/2010/main" val="0"/>
-              </a:ext>
-              <a:ext uri="{96DAC541-7B7A-43D3-8B79-37D633B846F1}">
-                <asvg:svgBlip xmlns:asvg="http://schemas.microsoft.com/office/drawing/2016/SVG/main" r:embed="rId4"/>
-              </a:ext>
-            </a:extLst>
-          </a:blip>
-          <a:stretch>
-            <a:fillRect/>
-          </a:stretch>
-        </p:blipFill>
-        <p:spPr>
-          <a:xfrm>
-            <a:off x="249766" y="26404"/>
-            <a:ext cx="914400" cy="914400"/>
-          </a:xfrm>
-          <a:prstGeom prst="rect">
-            <a:avLst/>
-          </a:prstGeom>
-        </p:spPr>
-      </p:pic>
-    </p:spTree>
-    <p:extLst>
-      <p:ext uri="{BB962C8B-B14F-4D97-AF65-F5344CB8AC3E}">
-        <p14:creationId xmlns:p14="http://schemas.microsoft.com/office/powerpoint/2010/main" val="3089194481"/>
-      </p:ext>
-    </p:extLst>
-  </p:cSld>
-  <p:clrMapOvr>
-    <a:masterClrMapping/>
-  </p:clrMapOvr>
-</p:sld>
-</file>
-
 <file path=ppt/slides/slide18.xml><?xml version="1.0" encoding="utf-8"?>
 <p:sld xmlns:a="http://schemas.openxmlformats.org/drawingml/2006/main" xmlns:r="http://schemas.openxmlformats.org/officeDocument/2006/relationships" xmlns:p="http://schemas.openxmlformats.org/presentationml/2006/main">
   <p:cSld>
@@ -9314,7 +9612,7 @@
           <p:cNvPr id="2" name="Title 1">
             <a:extLst>
               <a:ext uri="{FF2B5EF4-FFF2-40B4-BE49-F238E27FC236}">
-                <a16:creationId xmlns:a16="http://schemas.microsoft.com/office/drawing/2014/main" id="{E55C19CD-7C67-2E78-DBF3-C19E393A346A}"/>
+                <a16:creationId xmlns:a16="http://schemas.microsoft.com/office/drawing/2014/main" id="{A70F358F-267E-458C-A8D5-5959F20DB9D5}"/>
               </a:ext>
             </a:extLst>
           </p:cNvPr>
@@ -9327,7 +9625,7 @@
         </p:nvSpPr>
         <p:spPr>
           <a:xfrm>
-            <a:off x="239598" y="-73221"/>
+            <a:off x="1218674" y="-179178"/>
             <a:ext cx="10515600" cy="1325563"/>
           </a:xfrm>
         </p:spPr>
@@ -9337,19 +9635,9 @@
           <a:p>
             <a:r>
               <a:rPr lang="en-US" b="1" dirty="0"/>
-              <a:t>Variables: </a:t>
-            </a:r>
-            <a:r>
-              <a:rPr lang="en-US" b="1" dirty="0">
-                <a:latin typeface="Courier New" panose="02070309020205020404" pitchFamily="49" charset="0"/>
-                <a:cs typeface="Courier New" panose="02070309020205020404" pitchFamily="49" charset="0"/>
-              </a:rPr>
-              <a:t>&lt;let&gt;</a:t>
-            </a:r>
-            <a:endParaRPr lang="en-NL" b="1" dirty="0">
-              <a:latin typeface="Courier New" panose="02070309020205020404" pitchFamily="49" charset="0"/>
-              <a:cs typeface="Courier New" panose="02070309020205020404" pitchFamily="49" charset="0"/>
-            </a:endParaRPr>
+              <a:t>Hands-on: better messages</a:t>
+            </a:r>
+            <a:endParaRPr lang="en-NL" b="1" dirty="0"/>
           </a:p>
         </p:txBody>
       </p:sp>
@@ -9358,7 +9646,7 @@
           <p:cNvPr id="3" name="Content Placeholder 2">
             <a:extLst>
               <a:ext uri="{FF2B5EF4-FFF2-40B4-BE49-F238E27FC236}">
-                <a16:creationId xmlns:a16="http://schemas.microsoft.com/office/drawing/2014/main" id="{D0EE5797-B476-E2CE-EDAB-B49808015E58}"/>
+                <a16:creationId xmlns:a16="http://schemas.microsoft.com/office/drawing/2014/main" id="{B7E5CA6D-D83C-4F14-841A-1F3902B3B2AC}"/>
               </a:ext>
             </a:extLst>
           </p:cNvPr>
@@ -9371,164 +9659,267 @@
         </p:nvSpPr>
         <p:spPr>
           <a:xfrm>
-            <a:off x="838200" y="1021605"/>
-            <a:ext cx="10515600" cy="5073377"/>
+            <a:off x="249766" y="1325186"/>
+            <a:ext cx="11826620" cy="4899039"/>
           </a:xfrm>
         </p:spPr>
         <p:txBody>
           <a:bodyPr>
-            <a:normAutofit lnSpcReduction="10000"/>
+            <a:normAutofit fontScale="92500" lnSpcReduction="20000"/>
           </a:bodyPr>
           <a:lstStyle/>
           <a:p>
             <a:r>
               <a:rPr lang="en-US" dirty="0"/>
-              <a:t>Declare a variable using the </a:t>
-            </a:r>
-            <a:r>
-              <a:rPr lang="en-US" sz="2600" b="1" dirty="0">
-                <a:latin typeface="Courier New" panose="02070309020205020404" pitchFamily="49" charset="0"/>
-                <a:cs typeface="Courier New" panose="02070309020205020404" pitchFamily="49" charset="0"/>
-              </a:rPr>
-              <a:t>&lt;let&gt; </a:t>
-            </a:r>
+              <a:t>All files in:  </a:t>
+            </a:r>
+            <a:r>
+              <a:rPr lang="en-US" b="1" dirty="0">
+                <a:latin typeface="Courier New" panose="02070309020205020404" pitchFamily="49" charset="0"/>
+                <a:cs typeface="Courier New" panose="02070309020205020404" pitchFamily="49" charset="0"/>
+              </a:rPr>
+              <a:t>…/exercises</a:t>
+            </a:r>
+            <a:r>
+              <a:rPr lang="en-US" dirty="0">
+                <a:latin typeface="Courier New" panose="02070309020205020404" pitchFamily="49" charset="0"/>
+                <a:cs typeface="Courier New" panose="02070309020205020404" pitchFamily="49" charset="0"/>
+              </a:rPr>
+              <a:t>/</a:t>
+            </a:r>
+            <a:r>
+              <a:rPr lang="en-US" b="1" dirty="0">
+                <a:latin typeface="Courier New" panose="02070309020205020404" pitchFamily="49" charset="0"/>
+                <a:cs typeface="Courier New" panose="02070309020205020404" pitchFamily="49" charset="0"/>
+              </a:rPr>
+              <a:t>exercise-02-03</a:t>
+            </a:r>
+          </a:p>
+          <a:p>
+            <a:endParaRPr lang="en-US" dirty="0"/>
+          </a:p>
+          <a:p>
             <a:r>
               <a:rPr lang="en-US" dirty="0"/>
-              <a:t>element:</a:t>
-            </a:r>
-            <a:br>
+              <a:t>Read the instructions in:  </a:t>
+            </a:r>
+            <a:r>
+              <a:rPr lang="en-US" b="1" dirty="0">
+                <a:latin typeface="Courier New" panose="02070309020205020404" pitchFamily="49" charset="0"/>
+                <a:cs typeface="Courier New" panose="02070309020205020404" pitchFamily="49" charset="0"/>
+              </a:rPr>
+              <a:t>instructions.pdf</a:t>
+            </a:r>
+            <a:endParaRPr lang="en-US" dirty="0"/>
+          </a:p>
+          <a:p>
+            <a:r>
               <a:rPr lang="en-US" dirty="0"/>
-            </a:br>
-            <a:br>
+              <a:t>Open the files:</a:t>
+            </a:r>
+          </a:p>
+          <a:p>
+            <a:pPr lvl="1"/>
+            <a:r>
               <a:rPr lang="en-US" dirty="0"/>
-            </a:br>
-            <a:r>
-              <a:rPr lang="en-US" sz="2600" b="1" dirty="0">
-                <a:latin typeface="Courier New" panose="02070309020205020404" pitchFamily="49" charset="0"/>
-                <a:cs typeface="Courier New" panose="02070309020205020404" pitchFamily="49" charset="0"/>
-              </a:rPr>
-              <a:t>&lt;let name="code-value" value="@code"/&gt;</a:t>
-            </a:r>
-          </a:p>
-          <a:p>
-            <a:endParaRPr lang="en-US" dirty="0"/>
-          </a:p>
-          <a:p>
+              <a:t>Document to validate: </a:t>
+            </a:r>
+            <a:r>
+              <a:rPr lang="en-US" b="1" dirty="0">
+                <a:latin typeface="Courier New" panose="02070309020205020404" pitchFamily="49" charset="0"/>
+                <a:cs typeface="Courier New" panose="02070309020205020404" pitchFamily="49" charset="0"/>
+              </a:rPr>
+              <a:t>input.xml</a:t>
+            </a:r>
+          </a:p>
+          <a:p>
+            <a:pPr lvl="1"/>
             <a:r>
               <a:rPr lang="en-US" dirty="0"/>
-              <a:t>Allowed as children of:</a:t>
-            </a:r>
-          </a:p>
-          <a:p>
-            <a:pPr lvl="1"/>
-            <a:r>
-              <a:rPr lang="en-US" dirty="0"/>
-              <a:t> </a:t>
-            </a:r>
-            <a:r>
-              <a:rPr lang="en-US" sz="2200" b="1" dirty="0">
-                <a:latin typeface="Courier New" panose="02070309020205020404" pitchFamily="49" charset="0"/>
-                <a:cs typeface="Courier New" panose="02070309020205020404" pitchFamily="49" charset="0"/>
-              </a:rPr>
-              <a:t>&lt;schema&gt;</a:t>
-            </a:r>
-            <a:r>
-              <a:rPr lang="en-US" dirty="0"/>
-              <a:t> (context item document node)</a:t>
-            </a:r>
-            <a:endParaRPr lang="en-US" sz="2200" b="1" dirty="0">
+              <a:t>Template Schematron schema: </a:t>
+            </a:r>
+            <a:r>
+              <a:rPr lang="en-US" b="1" dirty="0" err="1">
+                <a:latin typeface="Courier New" panose="02070309020205020404" pitchFamily="49" charset="0"/>
+                <a:cs typeface="Courier New" panose="02070309020205020404" pitchFamily="49" charset="0"/>
+              </a:rPr>
+              <a:t>template.sch</a:t>
+            </a:r>
+            <a:endParaRPr lang="en-US" b="1" dirty="0">
               <a:latin typeface="Courier New" panose="02070309020205020404" pitchFamily="49" charset="0"/>
               <a:cs typeface="Courier New" panose="02070309020205020404" pitchFamily="49" charset="0"/>
             </a:endParaRPr>
           </a:p>
           <a:p>
-            <a:pPr lvl="1"/>
-            <a:r>
-              <a:rPr lang="en-US" sz="2200" b="1" dirty="0">
-                <a:latin typeface="Courier New" panose="02070309020205020404" pitchFamily="49" charset="0"/>
-                <a:cs typeface="Courier New" panose="02070309020205020404" pitchFamily="49" charset="0"/>
-              </a:rPr>
-              <a:t>&lt;pattern&gt;</a:t>
-            </a:r>
-            <a:r>
-              <a:rPr lang="en-US" sz="2400" dirty="0"/>
-              <a:t> (context item document node)</a:t>
-            </a:r>
-            <a:endParaRPr lang="en-US" sz="2200" b="1" dirty="0">
+            <a:r>
+              <a:rPr lang="en-US" dirty="0"/>
+              <a:t>Enhance </a:t>
+            </a:r>
+            <a:r>
+              <a:rPr lang="en-US" b="1" dirty="0" err="1">
+                <a:latin typeface="Courier New" panose="02070309020205020404" pitchFamily="49" charset="0"/>
+                <a:cs typeface="Courier New" panose="02070309020205020404" pitchFamily="49" charset="0"/>
+              </a:rPr>
+              <a:t>template.sch</a:t>
+            </a:r>
+            <a:r>
+              <a:rPr lang="en-US" dirty="0"/>
+              <a:t> according to the instructions </a:t>
+            </a:r>
+          </a:p>
+          <a:p>
+            <a:r>
+              <a:rPr lang="en-US" dirty="0"/>
+              <a:t>To try it out in oXygen, </a:t>
+            </a:r>
+            <a:r>
+              <a:rPr lang="en-US" b="1" dirty="0">
+                <a:latin typeface="Courier New" panose="02070309020205020404" pitchFamily="49" charset="0"/>
+                <a:cs typeface="Courier New" panose="02070309020205020404" pitchFamily="49" charset="0"/>
+              </a:rPr>
+              <a:t>input.xml</a:t>
+            </a:r>
+            <a:r>
+              <a:rPr lang="en-US" dirty="0"/>
+              <a:t> is automatically validated by </a:t>
+            </a:r>
+            <a:r>
+              <a:rPr lang="en-US" b="1" dirty="0" err="1">
+                <a:latin typeface="Courier New" panose="02070309020205020404" pitchFamily="49" charset="0"/>
+                <a:cs typeface="Courier New" panose="02070309020205020404" pitchFamily="49" charset="0"/>
+              </a:rPr>
+              <a:t>template.sch</a:t>
+            </a:r>
+            <a:endParaRPr lang="en-US" b="1" dirty="0">
               <a:latin typeface="Courier New" panose="02070309020205020404" pitchFamily="49" charset="0"/>
               <a:cs typeface="Courier New" panose="02070309020205020404" pitchFamily="49" charset="0"/>
             </a:endParaRPr>
           </a:p>
           <a:p>
-            <a:pPr lvl="1"/>
+            <a:endParaRPr lang="en-US" dirty="0"/>
+          </a:p>
+          <a:p>
+            <a:endParaRPr lang="en-US" dirty="0"/>
+          </a:p>
+          <a:p>
+            <a:pPr marL="0" indent="0">
+              <a:buNone/>
+            </a:pPr>
+            <a:r>
+              <a:rPr lang="en-US" sz="2200" dirty="0"/>
+              <a:t>Possible solution in: </a:t>
+            </a:r>
             <a:r>
               <a:rPr lang="en-US" sz="2200" b="1" dirty="0">
                 <a:latin typeface="Courier New" panose="02070309020205020404" pitchFamily="49" charset="0"/>
                 <a:cs typeface="Courier New" panose="02070309020205020404" pitchFamily="49" charset="0"/>
               </a:rPr>
-              <a:t>&lt;rule&gt;</a:t>
-            </a:r>
-            <a:r>
-              <a:rPr lang="en-US" sz="2400" dirty="0"/>
-              <a:t> (context item node matched upon)</a:t>
-            </a:r>
-            <a:endParaRPr lang="en-US" sz="2200" b="1" dirty="0">
+              <a:t>solution/</a:t>
+            </a:r>
+            <a:r>
+              <a:rPr lang="en-US" sz="2200" b="1" dirty="0" err="1">
+                <a:latin typeface="Courier New" panose="02070309020205020404" pitchFamily="49" charset="0"/>
+                <a:cs typeface="Courier New" panose="02070309020205020404" pitchFamily="49" charset="0"/>
+              </a:rPr>
+              <a:t>solution.sch</a:t>
+            </a:r>
+            <a:r>
+              <a:rPr lang="en-US" sz="2200" dirty="0"/>
+              <a:t> (short explanation in </a:t>
+            </a:r>
+            <a:r>
+              <a:rPr lang="en-US" sz="2200" b="1" dirty="0">
+                <a:latin typeface="Courier New" panose="02070309020205020404" pitchFamily="49" charset="0"/>
+                <a:cs typeface="Courier New" panose="02070309020205020404" pitchFamily="49" charset="0"/>
+              </a:rPr>
+              <a:t>solution/explanation.pdf</a:t>
+            </a:r>
+            <a:r>
+              <a:rPr lang="en-US" sz="2200" dirty="0"/>
+              <a:t>).</a:t>
+            </a:r>
+          </a:p>
+          <a:p>
+            <a:pPr marL="0" indent="0">
+              <a:buNone/>
+            </a:pPr>
+            <a:endParaRPr lang="en-US" sz="2200" dirty="0"/>
+          </a:p>
+          <a:p>
+            <a:pPr marL="0" indent="0">
+              <a:buNone/>
+            </a:pPr>
+            <a:r>
+              <a:rPr lang="en-US" sz="2200" dirty="0"/>
+              <a:t>Solution for the additional changes in: </a:t>
+            </a:r>
+            <a:r>
+              <a:rPr lang="en-US" sz="2200" b="1" dirty="0">
+                <a:latin typeface="Courier New" panose="02070309020205020404" pitchFamily="49" charset="0"/>
+                <a:cs typeface="Courier New" panose="02070309020205020404" pitchFamily="49" charset="0"/>
+              </a:rPr>
+              <a:t>solution/solution-</a:t>
+            </a:r>
+            <a:r>
+              <a:rPr lang="en-US" sz="2200" b="1" dirty="0" err="1">
+                <a:latin typeface="Courier New" panose="02070309020205020404" pitchFamily="49" charset="0"/>
+                <a:cs typeface="Courier New" panose="02070309020205020404" pitchFamily="49" charset="0"/>
+              </a:rPr>
+              <a:t>extended.sch</a:t>
+            </a:r>
+            <a:endParaRPr lang="en-US" b="1" dirty="0">
               <a:latin typeface="Courier New" panose="02070309020205020404" pitchFamily="49" charset="0"/>
               <a:cs typeface="Courier New" panose="02070309020205020404" pitchFamily="49" charset="0"/>
             </a:endParaRPr>
           </a:p>
           <a:p>
-            <a:endParaRPr lang="en-US" dirty="0"/>
-          </a:p>
-          <a:p>
-            <a:r>
-              <a:rPr lang="en-US" dirty="0"/>
-              <a:t>Reference it (like in XSLT) with a </a:t>
-            </a:r>
-            <a:r>
-              <a:rPr lang="en-US" sz="2600" b="1" dirty="0">
-                <a:latin typeface="Courier New" panose="02070309020205020404" pitchFamily="49" charset="0"/>
-                <a:cs typeface="Courier New" panose="02070309020205020404" pitchFamily="49" charset="0"/>
-              </a:rPr>
-              <a:t>$</a:t>
-            </a:r>
-            <a:r>
-              <a:rPr lang="en-US" dirty="0"/>
-              <a:t> prefix:</a:t>
-            </a:r>
-            <a:br>
-              <a:rPr lang="en-US" dirty="0"/>
-            </a:br>
-            <a:br>
-              <a:rPr lang="en-US" dirty="0"/>
-            </a:br>
-            <a:r>
-              <a:rPr lang="en-US" sz="2600" b="1" dirty="0">
-                <a:latin typeface="Courier New" panose="02070309020205020404" pitchFamily="49" charset="0"/>
-                <a:cs typeface="Courier New" panose="02070309020205020404" pitchFamily="49" charset="0"/>
-              </a:rPr>
-              <a:t>&lt;assert test="$code-value eq 'IMPORTANT'"&gt;</a:t>
-            </a:r>
-            <a:br>
-              <a:rPr lang="en-US" sz="2600" b="1" dirty="0">
-                <a:latin typeface="Courier New" panose="02070309020205020404" pitchFamily="49" charset="0"/>
-                <a:cs typeface="Courier New" panose="02070309020205020404" pitchFamily="49" charset="0"/>
-              </a:rPr>
-            </a:br>
-            <a:r>
-              <a:rPr lang="en-US" sz="2600" b="1" dirty="0">
-                <a:latin typeface="Courier New" panose="02070309020205020404" pitchFamily="49" charset="0"/>
-                <a:cs typeface="Courier New" panose="02070309020205020404" pitchFamily="49" charset="0"/>
-              </a:rPr>
-              <a:t>&lt;value-of select="$code-value"/&gt;</a:t>
-            </a:r>
+            <a:endParaRPr lang="en-GB" dirty="0"/>
           </a:p>
         </p:txBody>
       </p:sp>
+      <p:pic>
+        <p:nvPicPr>
+          <p:cNvPr id="6" name="Graphic 5" descr="Right pointing backhand index ">
+            <a:extLst>
+              <a:ext uri="{FF2B5EF4-FFF2-40B4-BE49-F238E27FC236}">
+                <a16:creationId xmlns:a16="http://schemas.microsoft.com/office/drawing/2014/main" id="{BA7FB8C5-2AEE-41C3-980A-64845E036DE8}"/>
+              </a:ext>
+            </a:extLst>
+          </p:cNvPr>
+          <p:cNvPicPr>
+            <a:picLocks noChangeAspect="1"/>
+          </p:cNvPicPr>
+          <p:nvPr/>
+        </p:nvPicPr>
+        <p:blipFill>
+          <a:blip r:embed="rId3">
+            <a:extLst>
+              <a:ext uri="{28A0092B-C50C-407E-A947-70E740481C1C}">
+                <a14:useLocalDpi xmlns:a14="http://schemas.microsoft.com/office/drawing/2010/main" val="0"/>
+              </a:ext>
+              <a:ext uri="{96DAC541-7B7A-43D3-8B79-37D633B846F1}">
+                <asvg:svgBlip xmlns:asvg="http://schemas.microsoft.com/office/drawing/2016/SVG/main" r:embed="rId4"/>
+              </a:ext>
+            </a:extLst>
+          </a:blip>
+          <a:stretch>
+            <a:fillRect/>
+          </a:stretch>
+        </p:blipFill>
+        <p:spPr>
+          <a:xfrm>
+            <a:off x="249766" y="26404"/>
+            <a:ext cx="914400" cy="914400"/>
+          </a:xfrm>
+          <a:prstGeom prst="rect">
+            <a:avLst/>
+          </a:prstGeom>
+        </p:spPr>
+      </p:pic>
     </p:spTree>
     <p:extLst>
       <p:ext uri="{BB962C8B-B14F-4D97-AF65-F5344CB8AC3E}">
-        <p14:creationId xmlns:p14="http://schemas.microsoft.com/office/powerpoint/2010/main" val="3086546672"/>
+        <p14:creationId xmlns:p14="http://schemas.microsoft.com/office/powerpoint/2010/main" val="3089194481"/>
       </p:ext>
     </p:extLst>
   </p:cSld>
@@ -9560,7 +9951,7 @@
           <p:cNvPr id="2" name="Title 1">
             <a:extLst>
               <a:ext uri="{FF2B5EF4-FFF2-40B4-BE49-F238E27FC236}">
-                <a16:creationId xmlns:a16="http://schemas.microsoft.com/office/drawing/2014/main" id="{A70F358F-267E-458C-A8D5-5959F20DB9D5}"/>
+                <a16:creationId xmlns:a16="http://schemas.microsoft.com/office/drawing/2014/main" id="{E55C19CD-7C67-2E78-DBF3-C19E393A346A}"/>
               </a:ext>
             </a:extLst>
           </p:cNvPr>
@@ -9573,7 +9964,7 @@
         </p:nvSpPr>
         <p:spPr>
           <a:xfrm>
-            <a:off x="1218674" y="-179178"/>
+            <a:off x="239598" y="-73221"/>
             <a:ext cx="10515600" cy="1325563"/>
           </a:xfrm>
         </p:spPr>
@@ -9583,9 +9974,19 @@
           <a:p>
             <a:r>
               <a:rPr lang="en-US" b="1" dirty="0"/>
-              <a:t>Hands-on: variable usage</a:t>
-            </a:r>
-            <a:endParaRPr lang="en-NL" b="1" dirty="0"/>
+              <a:t>Variables: </a:t>
+            </a:r>
+            <a:r>
+              <a:rPr lang="en-US" b="1" dirty="0">
+                <a:latin typeface="Courier New" panose="02070309020205020404" pitchFamily="49" charset="0"/>
+                <a:cs typeface="Courier New" panose="02070309020205020404" pitchFamily="49" charset="0"/>
+              </a:rPr>
+              <a:t>&lt;let&gt;</a:t>
+            </a:r>
+            <a:endParaRPr lang="en-NL" b="1" dirty="0">
+              <a:latin typeface="Courier New" panose="02070309020205020404" pitchFamily="49" charset="0"/>
+              <a:cs typeface="Courier New" panose="02070309020205020404" pitchFamily="49" charset="0"/>
+            </a:endParaRPr>
           </a:p>
         </p:txBody>
       </p:sp>
@@ -9594,7 +9995,7 @@
           <p:cNvPr id="3" name="Content Placeholder 2">
             <a:extLst>
               <a:ext uri="{FF2B5EF4-FFF2-40B4-BE49-F238E27FC236}">
-                <a16:creationId xmlns:a16="http://schemas.microsoft.com/office/drawing/2014/main" id="{B7E5CA6D-D83C-4F14-841A-1F3902B3B2AC}"/>
+                <a16:creationId xmlns:a16="http://schemas.microsoft.com/office/drawing/2014/main" id="{D0EE5797-B476-E2CE-EDAB-B49808015E58}"/>
               </a:ext>
             </a:extLst>
           </p:cNvPr>
@@ -9607,40 +10008,43 @@
         </p:nvSpPr>
         <p:spPr>
           <a:xfrm>
-            <a:off x="249766" y="1325186"/>
-            <a:ext cx="11826620" cy="4899039"/>
+            <a:off x="838200" y="1021605"/>
+            <a:ext cx="10515600" cy="5073377"/>
           </a:xfrm>
         </p:spPr>
         <p:txBody>
           <a:bodyPr>
-            <a:normAutofit fontScale="92500" lnSpcReduction="10000"/>
+            <a:normAutofit lnSpcReduction="10000"/>
           </a:bodyPr>
           <a:lstStyle/>
           <a:p>
             <a:r>
               <a:rPr lang="en-US" dirty="0"/>
-              <a:t>All files in:  </a:t>
-            </a:r>
-            <a:r>
-              <a:rPr lang="en-US" b="1" dirty="0">
-                <a:latin typeface="Courier New" panose="02070309020205020404" pitchFamily="49" charset="0"/>
-                <a:cs typeface="Courier New" panose="02070309020205020404" pitchFamily="49" charset="0"/>
-              </a:rPr>
-              <a:t>…/exercises</a:t>
-            </a:r>
-            <a:r>
-              <a:rPr lang="en-US" dirty="0">
-                <a:latin typeface="Courier New" panose="02070309020205020404" pitchFamily="49" charset="0"/>
-                <a:cs typeface="Courier New" panose="02070309020205020404" pitchFamily="49" charset="0"/>
-              </a:rPr>
-              <a:t>/</a:t>
-            </a:r>
-            <a:r>
-              <a:rPr lang="en-US" b="1" dirty="0">
-                <a:latin typeface="Courier New" panose="02070309020205020404" pitchFamily="49" charset="0"/>
-                <a:cs typeface="Courier New" panose="02070309020205020404" pitchFamily="49" charset="0"/>
-              </a:rPr>
-              <a:t>exercise-02-04</a:t>
+              <a:t>Declare a variable using the </a:t>
+            </a:r>
+            <a:r>
+              <a:rPr lang="en-US" sz="2600" b="1" dirty="0">
+                <a:latin typeface="Courier New" panose="02070309020205020404" pitchFamily="49" charset="0"/>
+                <a:cs typeface="Courier New" panose="02070309020205020404" pitchFamily="49" charset="0"/>
+              </a:rPr>
+              <a:t>&lt;let&gt; </a:t>
+            </a:r>
+            <a:r>
+              <a:rPr lang="en-US" dirty="0"/>
+              <a:t>element:</a:t>
+            </a:r>
+            <a:br>
+              <a:rPr lang="en-US" dirty="0"/>
+            </a:br>
+            <a:br>
+              <a:rPr lang="en-US" dirty="0"/>
+            </a:br>
+            <a:r>
+              <a:rPr lang="en-US" sz="2600" b="1" dirty="0">
+                <a:latin typeface="Courier New" panose="02070309020205020404" pitchFamily="49" charset="0"/>
+                <a:cs typeface="Courier New" panose="02070309020205020404" pitchFamily="49" charset="0"/>
+              </a:rPr>
+              <a:t>&lt;let name="code-value" value="@code"/&gt;</a:t>
             </a:r>
           </a:p>
           <a:p>
@@ -9649,198 +10053,119 @@
           <a:p>
             <a:r>
               <a:rPr lang="en-US" dirty="0"/>
-              <a:t>Read the instructions in:  </a:t>
-            </a:r>
-            <a:r>
-              <a:rPr lang="en-US" b="1" dirty="0">
-                <a:latin typeface="Courier New" panose="02070309020205020404" pitchFamily="49" charset="0"/>
-                <a:cs typeface="Courier New" panose="02070309020205020404" pitchFamily="49" charset="0"/>
-              </a:rPr>
-              <a:t>instructions.pdf</a:t>
-            </a:r>
-            <a:endParaRPr lang="en-US" dirty="0"/>
-          </a:p>
-          <a:p>
+              <a:t>Allowed as children of:</a:t>
+            </a:r>
+          </a:p>
+          <a:p>
+            <a:pPr lvl="1"/>
             <a:r>
               <a:rPr lang="en-US" dirty="0"/>
-              <a:t>Open the files:</a:t>
-            </a:r>
-          </a:p>
-          <a:p>
-            <a:pPr lvl="1"/>
+              <a:t> </a:t>
+            </a:r>
+            <a:r>
+              <a:rPr lang="en-US" sz="2200" b="1" dirty="0">
+                <a:latin typeface="Courier New" panose="02070309020205020404" pitchFamily="49" charset="0"/>
+                <a:cs typeface="Courier New" panose="02070309020205020404" pitchFamily="49" charset="0"/>
+              </a:rPr>
+              <a:t>&lt;schema&gt;</a:t>
+            </a:r>
             <a:r>
               <a:rPr lang="en-US" dirty="0"/>
-              <a:t>Document to validate: </a:t>
-            </a:r>
-            <a:r>
-              <a:rPr lang="en-US" b="1" dirty="0">
-                <a:latin typeface="Courier New" panose="02070309020205020404" pitchFamily="49" charset="0"/>
-                <a:cs typeface="Courier New" panose="02070309020205020404" pitchFamily="49" charset="0"/>
-              </a:rPr>
-              <a:t>input.xml</a:t>
-            </a:r>
-          </a:p>
-          <a:p>
-            <a:pPr lvl="1"/>
-            <a:r>
-              <a:rPr lang="en-US" dirty="0"/>
-              <a:t>Template Schematron schema: </a:t>
-            </a:r>
-            <a:r>
-              <a:rPr lang="en-US" b="1" dirty="0" err="1">
-                <a:latin typeface="Courier New" panose="02070309020205020404" pitchFamily="49" charset="0"/>
-                <a:cs typeface="Courier New" panose="02070309020205020404" pitchFamily="49" charset="0"/>
-              </a:rPr>
-              <a:t>template.sch</a:t>
-            </a:r>
-            <a:endParaRPr lang="en-US" b="1" dirty="0">
+              <a:t> (context item document node)</a:t>
+            </a:r>
+            <a:endParaRPr lang="en-US" sz="2200" b="1" dirty="0">
               <a:latin typeface="Courier New" panose="02070309020205020404" pitchFamily="49" charset="0"/>
               <a:cs typeface="Courier New" panose="02070309020205020404" pitchFamily="49" charset="0"/>
             </a:endParaRPr>
           </a:p>
           <a:p>
-            <a:r>
-              <a:rPr lang="en-US" dirty="0"/>
-              <a:t>Enhance </a:t>
-            </a:r>
-            <a:r>
-              <a:rPr lang="en-US" b="1" dirty="0" err="1">
-                <a:latin typeface="Courier New" panose="02070309020205020404" pitchFamily="49" charset="0"/>
-                <a:cs typeface="Courier New" panose="02070309020205020404" pitchFamily="49" charset="0"/>
-              </a:rPr>
-              <a:t>template.sch</a:t>
-            </a:r>
-            <a:r>
-              <a:rPr lang="en-US" dirty="0"/>
-              <a:t> according to the instructions </a:t>
-            </a:r>
-          </a:p>
-          <a:p>
-            <a:r>
-              <a:rPr lang="en-US" dirty="0"/>
-              <a:t>To try it out in oXygen, </a:t>
-            </a:r>
-            <a:r>
-              <a:rPr lang="en-US" b="1" dirty="0">
-                <a:latin typeface="Courier New" panose="02070309020205020404" pitchFamily="49" charset="0"/>
-                <a:cs typeface="Courier New" panose="02070309020205020404" pitchFamily="49" charset="0"/>
-              </a:rPr>
-              <a:t>input.xml</a:t>
-            </a:r>
-            <a:r>
-              <a:rPr lang="en-US" dirty="0"/>
-              <a:t> is automatically validated by </a:t>
-            </a:r>
-            <a:r>
-              <a:rPr lang="en-US" b="1" dirty="0" err="1">
-                <a:latin typeface="Courier New" panose="02070309020205020404" pitchFamily="49" charset="0"/>
-                <a:cs typeface="Courier New" panose="02070309020205020404" pitchFamily="49" charset="0"/>
-              </a:rPr>
-              <a:t>template.sch</a:t>
-            </a:r>
-            <a:endParaRPr lang="en-US" b="1" dirty="0">
+            <a:pPr lvl="1"/>
+            <a:r>
+              <a:rPr lang="en-US" sz="2200" b="1" dirty="0">
+                <a:latin typeface="Courier New" panose="02070309020205020404" pitchFamily="49" charset="0"/>
+                <a:cs typeface="Courier New" panose="02070309020205020404" pitchFamily="49" charset="0"/>
+              </a:rPr>
+              <a:t>&lt;pattern&gt;</a:t>
+            </a:r>
+            <a:r>
+              <a:rPr lang="en-US" sz="2400" dirty="0"/>
+              <a:t> (context item document node)</a:t>
+            </a:r>
+            <a:endParaRPr lang="en-US" sz="2200" b="1" dirty="0">
               <a:latin typeface="Courier New" panose="02070309020205020404" pitchFamily="49" charset="0"/>
               <a:cs typeface="Courier New" panose="02070309020205020404" pitchFamily="49" charset="0"/>
             </a:endParaRPr>
           </a:p>
           <a:p>
+            <a:pPr lvl="1"/>
+            <a:r>
+              <a:rPr lang="en-US" sz="2200" b="1" dirty="0">
+                <a:latin typeface="Courier New" panose="02070309020205020404" pitchFamily="49" charset="0"/>
+                <a:cs typeface="Courier New" panose="02070309020205020404" pitchFamily="49" charset="0"/>
+              </a:rPr>
+              <a:t>&lt;rule&gt;</a:t>
+            </a:r>
+            <a:r>
+              <a:rPr lang="en-US" sz="2400" dirty="0"/>
+              <a:t> (context item node matched upon)</a:t>
+            </a:r>
+            <a:endParaRPr lang="en-US" sz="2200" b="1" dirty="0">
+              <a:latin typeface="Courier New" panose="02070309020205020404" pitchFamily="49" charset="0"/>
+              <a:cs typeface="Courier New" panose="02070309020205020404" pitchFamily="49" charset="0"/>
+            </a:endParaRPr>
+          </a:p>
+          <a:p>
             <a:endParaRPr lang="en-US" dirty="0"/>
           </a:p>
           <a:p>
-            <a:endParaRPr lang="en-US" dirty="0"/>
-          </a:p>
-          <a:p>
-            <a:pPr marL="0" indent="0">
-              <a:buNone/>
-            </a:pPr>
-            <a:r>
-              <a:rPr lang="en-US" sz="2200" dirty="0"/>
-              <a:t>Possible solution in: </a:t>
-            </a:r>
-            <a:r>
-              <a:rPr lang="en-US" sz="2200" b="1" dirty="0">
-                <a:latin typeface="Courier New" panose="02070309020205020404" pitchFamily="49" charset="0"/>
-                <a:cs typeface="Courier New" panose="02070309020205020404" pitchFamily="49" charset="0"/>
-              </a:rPr>
-              <a:t>solution/</a:t>
-            </a:r>
-            <a:r>
-              <a:rPr lang="en-US" sz="2200" b="1" dirty="0" err="1">
-                <a:latin typeface="Courier New" panose="02070309020205020404" pitchFamily="49" charset="0"/>
-                <a:cs typeface="Courier New" panose="02070309020205020404" pitchFamily="49" charset="0"/>
-              </a:rPr>
-              <a:t>solution.sch</a:t>
-            </a:r>
-            <a:r>
-              <a:rPr lang="en-US" sz="2200" dirty="0"/>
-              <a:t> (short explanation in </a:t>
-            </a:r>
-            <a:r>
-              <a:rPr lang="en-US" sz="2200" b="1" dirty="0">
-                <a:latin typeface="Courier New" panose="02070309020205020404" pitchFamily="49" charset="0"/>
-                <a:cs typeface="Courier New" panose="02070309020205020404" pitchFamily="49" charset="0"/>
-              </a:rPr>
-              <a:t>solution/explanation.pdf</a:t>
-            </a:r>
-            <a:r>
-              <a:rPr lang="en-US" sz="2200" dirty="0"/>
-              <a:t>).</a:t>
-            </a:r>
-          </a:p>
-          <a:p>
-            <a:pPr marL="0" indent="0">
-              <a:buNone/>
-            </a:pPr>
-            <a:endParaRPr lang="en-US" sz="2200" dirty="0"/>
-          </a:p>
-          <a:p>
-            <a:endParaRPr lang="en-GB" dirty="0"/>
+            <a:r>
+              <a:rPr lang="en-US" dirty="0"/>
+              <a:t>Reference it (like in XSLT) with a </a:t>
+            </a:r>
+            <a:r>
+              <a:rPr lang="en-US" sz="2600" b="1" dirty="0">
+                <a:latin typeface="Courier New" panose="02070309020205020404" pitchFamily="49" charset="0"/>
+                <a:cs typeface="Courier New" panose="02070309020205020404" pitchFamily="49" charset="0"/>
+              </a:rPr>
+              <a:t>$</a:t>
+            </a:r>
+            <a:r>
+              <a:rPr lang="en-US" dirty="0"/>
+              <a:t> prefix:</a:t>
+            </a:r>
+            <a:br>
+              <a:rPr lang="en-US" dirty="0"/>
+            </a:br>
+            <a:br>
+              <a:rPr lang="en-US" dirty="0"/>
+            </a:br>
+            <a:r>
+              <a:rPr lang="en-US" sz="2600" b="1" dirty="0">
+                <a:latin typeface="Courier New" panose="02070309020205020404" pitchFamily="49" charset="0"/>
+                <a:cs typeface="Courier New" panose="02070309020205020404" pitchFamily="49" charset="0"/>
+              </a:rPr>
+              <a:t>&lt;assert test="$code-value eq 'IMPORTANT'"&gt;</a:t>
+            </a:r>
+            <a:br>
+              <a:rPr lang="en-US" sz="2600" b="1" dirty="0">
+                <a:latin typeface="Courier New" panose="02070309020205020404" pitchFamily="49" charset="0"/>
+                <a:cs typeface="Courier New" panose="02070309020205020404" pitchFamily="49" charset="0"/>
+              </a:rPr>
+            </a:br>
+            <a:r>
+              <a:rPr lang="en-US" sz="2600" b="1" dirty="0">
+                <a:latin typeface="Courier New" panose="02070309020205020404" pitchFamily="49" charset="0"/>
+                <a:cs typeface="Courier New" panose="02070309020205020404" pitchFamily="49" charset="0"/>
+              </a:rPr>
+              <a:t>&lt;value-of select="$code-value"/&gt;</a:t>
+            </a:r>
           </a:p>
         </p:txBody>
       </p:sp>
-      <p:pic>
-        <p:nvPicPr>
-          <p:cNvPr id="6" name="Graphic 5" descr="Right pointing backhand index ">
-            <a:extLst>
-              <a:ext uri="{FF2B5EF4-FFF2-40B4-BE49-F238E27FC236}">
-                <a16:creationId xmlns:a16="http://schemas.microsoft.com/office/drawing/2014/main" id="{BA7FB8C5-2AEE-41C3-980A-64845E036DE8}"/>
-              </a:ext>
-            </a:extLst>
-          </p:cNvPr>
-          <p:cNvPicPr>
-            <a:picLocks noChangeAspect="1"/>
-          </p:cNvPicPr>
-          <p:nvPr/>
-        </p:nvPicPr>
-        <p:blipFill>
-          <a:blip r:embed="rId3">
-            <a:extLst>
-              <a:ext uri="{28A0092B-C50C-407E-A947-70E740481C1C}">
-                <a14:useLocalDpi xmlns:a14="http://schemas.microsoft.com/office/drawing/2010/main" val="0"/>
-              </a:ext>
-              <a:ext uri="{96DAC541-7B7A-43D3-8B79-37D633B846F1}">
-                <asvg:svgBlip xmlns:asvg="http://schemas.microsoft.com/office/drawing/2016/SVG/main" r:embed="rId4"/>
-              </a:ext>
-            </a:extLst>
-          </a:blip>
-          <a:stretch>
-            <a:fillRect/>
-          </a:stretch>
-        </p:blipFill>
-        <p:spPr>
-          <a:xfrm>
-            <a:off x="249766" y="26404"/>
-            <a:ext cx="914400" cy="914400"/>
-          </a:xfrm>
-          <a:prstGeom prst="rect">
-            <a:avLst/>
-          </a:prstGeom>
-        </p:spPr>
-      </p:pic>
     </p:spTree>
     <p:extLst>
       <p:ext uri="{BB962C8B-B14F-4D97-AF65-F5344CB8AC3E}">
-        <p14:creationId xmlns:p14="http://schemas.microsoft.com/office/powerpoint/2010/main" val="2987372482"/>
+        <p14:creationId xmlns:p14="http://schemas.microsoft.com/office/powerpoint/2010/main" val="3086546672"/>
       </p:ext>
     </p:extLst>
   </p:cSld>
@@ -10090,6 +10415,318 @@
 </file>
 
 <file path=ppt/slides/slide20.xml><?xml version="1.0" encoding="utf-8"?>
+<p:sld xmlns:a="http://schemas.openxmlformats.org/drawingml/2006/main" xmlns:r="http://schemas.openxmlformats.org/officeDocument/2006/relationships" xmlns:p="http://schemas.openxmlformats.org/presentationml/2006/main">
+  <p:cSld>
+    <p:spTree>
+      <p:nvGrpSpPr>
+        <p:cNvPr id="1" name=""/>
+        <p:cNvGrpSpPr/>
+        <p:nvPr/>
+      </p:nvGrpSpPr>
+      <p:grpSpPr>
+        <a:xfrm>
+          <a:off x="0" y="0"/>
+          <a:ext cx="0" cy="0"/>
+          <a:chOff x="0" y="0"/>
+          <a:chExt cx="0" cy="0"/>
+        </a:xfrm>
+      </p:grpSpPr>
+      <p:sp>
+        <p:nvSpPr>
+          <p:cNvPr id="2" name="Title 1">
+            <a:extLst>
+              <a:ext uri="{FF2B5EF4-FFF2-40B4-BE49-F238E27FC236}">
+                <a16:creationId xmlns:a16="http://schemas.microsoft.com/office/drawing/2014/main" id="{A70F358F-267E-458C-A8D5-5959F20DB9D5}"/>
+              </a:ext>
+            </a:extLst>
+          </p:cNvPr>
+          <p:cNvSpPr>
+            <a:spLocks noGrp="1"/>
+          </p:cNvSpPr>
+          <p:nvPr>
+            <p:ph type="title"/>
+          </p:nvPr>
+        </p:nvSpPr>
+        <p:spPr>
+          <a:xfrm>
+            <a:off x="1218674" y="-179178"/>
+            <a:ext cx="10515600" cy="1325563"/>
+          </a:xfrm>
+        </p:spPr>
+        <p:txBody>
+          <a:bodyPr/>
+          <a:lstStyle/>
+          <a:p>
+            <a:r>
+              <a:rPr lang="en-US" b="1" dirty="0"/>
+              <a:t>Hands-on: variable usage</a:t>
+            </a:r>
+            <a:endParaRPr lang="en-NL" b="1" dirty="0"/>
+          </a:p>
+        </p:txBody>
+      </p:sp>
+      <p:sp>
+        <p:nvSpPr>
+          <p:cNvPr id="3" name="Content Placeholder 2">
+            <a:extLst>
+              <a:ext uri="{FF2B5EF4-FFF2-40B4-BE49-F238E27FC236}">
+                <a16:creationId xmlns:a16="http://schemas.microsoft.com/office/drawing/2014/main" id="{B7E5CA6D-D83C-4F14-841A-1F3902B3B2AC}"/>
+              </a:ext>
+            </a:extLst>
+          </p:cNvPr>
+          <p:cNvSpPr>
+            <a:spLocks noGrp="1"/>
+          </p:cNvSpPr>
+          <p:nvPr>
+            <p:ph idx="1"/>
+          </p:nvPr>
+        </p:nvSpPr>
+        <p:spPr>
+          <a:xfrm>
+            <a:off x="249766" y="1325186"/>
+            <a:ext cx="11826620" cy="4899039"/>
+          </a:xfrm>
+        </p:spPr>
+        <p:txBody>
+          <a:bodyPr>
+            <a:normAutofit fontScale="92500" lnSpcReduction="10000"/>
+          </a:bodyPr>
+          <a:lstStyle/>
+          <a:p>
+            <a:r>
+              <a:rPr lang="en-US" dirty="0"/>
+              <a:t>All files in:  </a:t>
+            </a:r>
+            <a:r>
+              <a:rPr lang="en-US" b="1" dirty="0">
+                <a:latin typeface="Courier New" panose="02070309020205020404" pitchFamily="49" charset="0"/>
+                <a:cs typeface="Courier New" panose="02070309020205020404" pitchFamily="49" charset="0"/>
+              </a:rPr>
+              <a:t>…/exercises</a:t>
+            </a:r>
+            <a:r>
+              <a:rPr lang="en-US" dirty="0">
+                <a:latin typeface="Courier New" panose="02070309020205020404" pitchFamily="49" charset="0"/>
+                <a:cs typeface="Courier New" panose="02070309020205020404" pitchFamily="49" charset="0"/>
+              </a:rPr>
+              <a:t>/</a:t>
+            </a:r>
+            <a:r>
+              <a:rPr lang="en-US" b="1" dirty="0">
+                <a:latin typeface="Courier New" panose="02070309020205020404" pitchFamily="49" charset="0"/>
+                <a:cs typeface="Courier New" panose="02070309020205020404" pitchFamily="49" charset="0"/>
+              </a:rPr>
+              <a:t>exercise-02-04</a:t>
+            </a:r>
+          </a:p>
+          <a:p>
+            <a:endParaRPr lang="en-US" dirty="0"/>
+          </a:p>
+          <a:p>
+            <a:r>
+              <a:rPr lang="en-US" dirty="0"/>
+              <a:t>Read the instructions in:  </a:t>
+            </a:r>
+            <a:r>
+              <a:rPr lang="en-US" b="1" dirty="0">
+                <a:latin typeface="Courier New" panose="02070309020205020404" pitchFamily="49" charset="0"/>
+                <a:cs typeface="Courier New" panose="02070309020205020404" pitchFamily="49" charset="0"/>
+              </a:rPr>
+              <a:t>instructions.pdf</a:t>
+            </a:r>
+            <a:endParaRPr lang="en-US" dirty="0"/>
+          </a:p>
+          <a:p>
+            <a:r>
+              <a:rPr lang="en-US" dirty="0"/>
+              <a:t>Open the files:</a:t>
+            </a:r>
+          </a:p>
+          <a:p>
+            <a:pPr lvl="1"/>
+            <a:r>
+              <a:rPr lang="en-US" dirty="0"/>
+              <a:t>Document to validate: </a:t>
+            </a:r>
+            <a:r>
+              <a:rPr lang="en-US" b="1" dirty="0">
+                <a:latin typeface="Courier New" panose="02070309020205020404" pitchFamily="49" charset="0"/>
+                <a:cs typeface="Courier New" panose="02070309020205020404" pitchFamily="49" charset="0"/>
+              </a:rPr>
+              <a:t>input.xml</a:t>
+            </a:r>
+          </a:p>
+          <a:p>
+            <a:pPr lvl="1"/>
+            <a:r>
+              <a:rPr lang="en-US" dirty="0"/>
+              <a:t>Template Schematron schema: </a:t>
+            </a:r>
+            <a:r>
+              <a:rPr lang="en-US" b="1" dirty="0" err="1">
+                <a:latin typeface="Courier New" panose="02070309020205020404" pitchFamily="49" charset="0"/>
+                <a:cs typeface="Courier New" panose="02070309020205020404" pitchFamily="49" charset="0"/>
+              </a:rPr>
+              <a:t>template.sch</a:t>
+            </a:r>
+            <a:endParaRPr lang="en-US" b="1" dirty="0">
+              <a:latin typeface="Courier New" panose="02070309020205020404" pitchFamily="49" charset="0"/>
+              <a:cs typeface="Courier New" panose="02070309020205020404" pitchFamily="49" charset="0"/>
+            </a:endParaRPr>
+          </a:p>
+          <a:p>
+            <a:r>
+              <a:rPr lang="en-US" dirty="0"/>
+              <a:t>Enhance </a:t>
+            </a:r>
+            <a:r>
+              <a:rPr lang="en-US" b="1" dirty="0" err="1">
+                <a:latin typeface="Courier New" panose="02070309020205020404" pitchFamily="49" charset="0"/>
+                <a:cs typeface="Courier New" panose="02070309020205020404" pitchFamily="49" charset="0"/>
+              </a:rPr>
+              <a:t>template.sch</a:t>
+            </a:r>
+            <a:r>
+              <a:rPr lang="en-US" dirty="0"/>
+              <a:t> according to the instructions </a:t>
+            </a:r>
+          </a:p>
+          <a:p>
+            <a:r>
+              <a:rPr lang="en-US" dirty="0"/>
+              <a:t>To try it out in oXygen, </a:t>
+            </a:r>
+            <a:r>
+              <a:rPr lang="en-US" b="1" dirty="0">
+                <a:latin typeface="Courier New" panose="02070309020205020404" pitchFamily="49" charset="0"/>
+                <a:cs typeface="Courier New" panose="02070309020205020404" pitchFamily="49" charset="0"/>
+              </a:rPr>
+              <a:t>input.xml</a:t>
+            </a:r>
+            <a:r>
+              <a:rPr lang="en-US" dirty="0"/>
+              <a:t> is automatically validated by </a:t>
+            </a:r>
+            <a:r>
+              <a:rPr lang="en-US" b="1" dirty="0" err="1">
+                <a:latin typeface="Courier New" panose="02070309020205020404" pitchFamily="49" charset="0"/>
+                <a:cs typeface="Courier New" panose="02070309020205020404" pitchFamily="49" charset="0"/>
+              </a:rPr>
+              <a:t>template.sch</a:t>
+            </a:r>
+            <a:endParaRPr lang="en-US" b="1" dirty="0">
+              <a:latin typeface="Courier New" panose="02070309020205020404" pitchFamily="49" charset="0"/>
+              <a:cs typeface="Courier New" panose="02070309020205020404" pitchFamily="49" charset="0"/>
+            </a:endParaRPr>
+          </a:p>
+          <a:p>
+            <a:endParaRPr lang="en-US" dirty="0"/>
+          </a:p>
+          <a:p>
+            <a:endParaRPr lang="en-US" dirty="0"/>
+          </a:p>
+          <a:p>
+            <a:pPr marL="0" indent="0">
+              <a:buNone/>
+            </a:pPr>
+            <a:r>
+              <a:rPr lang="en-US" sz="2200" dirty="0"/>
+              <a:t>Possible solution in: </a:t>
+            </a:r>
+            <a:r>
+              <a:rPr lang="en-US" sz="2200" b="1" dirty="0">
+                <a:latin typeface="Courier New" panose="02070309020205020404" pitchFamily="49" charset="0"/>
+                <a:cs typeface="Courier New" panose="02070309020205020404" pitchFamily="49" charset="0"/>
+              </a:rPr>
+              <a:t>solution/</a:t>
+            </a:r>
+            <a:r>
+              <a:rPr lang="en-US" sz="2200" b="1" dirty="0" err="1">
+                <a:latin typeface="Courier New" panose="02070309020205020404" pitchFamily="49" charset="0"/>
+                <a:cs typeface="Courier New" panose="02070309020205020404" pitchFamily="49" charset="0"/>
+              </a:rPr>
+              <a:t>solution.sch</a:t>
+            </a:r>
+            <a:r>
+              <a:rPr lang="en-US" sz="2200" dirty="0"/>
+              <a:t> (short explanation in </a:t>
+            </a:r>
+            <a:r>
+              <a:rPr lang="en-US" sz="2200" b="1" dirty="0">
+                <a:latin typeface="Courier New" panose="02070309020205020404" pitchFamily="49" charset="0"/>
+                <a:cs typeface="Courier New" panose="02070309020205020404" pitchFamily="49" charset="0"/>
+              </a:rPr>
+              <a:t>solution/explanation.pdf</a:t>
+            </a:r>
+            <a:r>
+              <a:rPr lang="en-US" sz="2200" dirty="0"/>
+              <a:t>).</a:t>
+            </a:r>
+          </a:p>
+          <a:p>
+            <a:pPr marL="0" indent="0">
+              <a:buNone/>
+            </a:pPr>
+            <a:endParaRPr lang="en-US" sz="2200" dirty="0"/>
+          </a:p>
+          <a:p>
+            <a:endParaRPr lang="en-GB" dirty="0"/>
+          </a:p>
+        </p:txBody>
+      </p:sp>
+      <p:pic>
+        <p:nvPicPr>
+          <p:cNvPr id="6" name="Graphic 5" descr="Right pointing backhand index ">
+            <a:extLst>
+              <a:ext uri="{FF2B5EF4-FFF2-40B4-BE49-F238E27FC236}">
+                <a16:creationId xmlns:a16="http://schemas.microsoft.com/office/drawing/2014/main" id="{BA7FB8C5-2AEE-41C3-980A-64845E036DE8}"/>
+              </a:ext>
+            </a:extLst>
+          </p:cNvPr>
+          <p:cNvPicPr>
+            <a:picLocks noChangeAspect="1"/>
+          </p:cNvPicPr>
+          <p:nvPr/>
+        </p:nvPicPr>
+        <p:blipFill>
+          <a:blip r:embed="rId3">
+            <a:extLst>
+              <a:ext uri="{28A0092B-C50C-407E-A947-70E740481C1C}">
+                <a14:useLocalDpi xmlns:a14="http://schemas.microsoft.com/office/drawing/2010/main" val="0"/>
+              </a:ext>
+              <a:ext uri="{96DAC541-7B7A-43D3-8B79-37D633B846F1}">
+                <asvg:svgBlip xmlns:asvg="http://schemas.microsoft.com/office/drawing/2016/SVG/main" r:embed="rId4"/>
+              </a:ext>
+            </a:extLst>
+          </a:blip>
+          <a:stretch>
+            <a:fillRect/>
+          </a:stretch>
+        </p:blipFill>
+        <p:spPr>
+          <a:xfrm>
+            <a:off x="249766" y="26404"/>
+            <a:ext cx="914400" cy="914400"/>
+          </a:xfrm>
+          <a:prstGeom prst="rect">
+            <a:avLst/>
+          </a:prstGeom>
+        </p:spPr>
+      </p:pic>
+    </p:spTree>
+    <p:extLst>
+      <p:ext uri="{BB962C8B-B14F-4D97-AF65-F5344CB8AC3E}">
+        <p14:creationId xmlns:p14="http://schemas.microsoft.com/office/powerpoint/2010/main" val="2987372482"/>
+      </p:ext>
+    </p:extLst>
+  </p:cSld>
+  <p:clrMapOvr>
+    <a:masterClrMapping/>
+  </p:clrMapOvr>
+</p:sld>
+</file>
+
+<file path=ppt/slides/slide21.xml><?xml version="1.0" encoding="utf-8"?>
 <p:sld xmlns:a="http://schemas.openxmlformats.org/drawingml/2006/main" xmlns:r="http://schemas.openxmlformats.org/officeDocument/2006/relationships" xmlns:p="http://schemas.openxmlformats.org/presentationml/2006/main">
   <p:cSld>
     <p:spTree>
@@ -10441,7 +11078,7 @@
 </p:sld>
 </file>
 
-<file path=ppt/slides/slide21.xml><?xml version="1.0" encoding="utf-8"?>
+<file path=ppt/slides/slide22.xml><?xml version="1.0" encoding="utf-8"?>
 <p:sld xmlns:a="http://schemas.openxmlformats.org/drawingml/2006/main" xmlns:r="http://schemas.openxmlformats.org/officeDocument/2006/relationships" xmlns:p="http://schemas.openxmlformats.org/presentationml/2006/main">
   <p:cSld>
     <p:spTree>
@@ -10753,7 +11390,7 @@
 </p:sld>
 </file>
 
-<file path=ppt/slides/slide22.xml><?xml version="1.0" encoding="utf-8"?>
+<file path=ppt/slides/slide23.xml><?xml version="1.0" encoding="utf-8"?>
 <p:sld xmlns:a="http://schemas.openxmlformats.org/drawingml/2006/main" xmlns:r="http://schemas.openxmlformats.org/officeDocument/2006/relationships" xmlns:p="http://schemas.openxmlformats.org/presentationml/2006/main">
   <p:cSld>
     <p:spTree>
@@ -11037,7 +11674,7 @@
 </p:sld>
 </file>
 
-<file path=ppt/slides/slide23.xml><?xml version="1.0" encoding="utf-8"?>
+<file path=ppt/slides/slide24.xml><?xml version="1.0" encoding="utf-8"?>
 <p:sld xmlns:a="http://schemas.openxmlformats.org/drawingml/2006/main" xmlns:r="http://schemas.openxmlformats.org/officeDocument/2006/relationships" xmlns:p="http://schemas.openxmlformats.org/presentationml/2006/main">
   <p:cSld>
     <p:spTree>
@@ -11151,7 +11788,7 @@
 </p:sld>
 </file>
 
-<file path=ppt/slides/slide24.xml><?xml version="1.0" encoding="utf-8"?>
+<file path=ppt/slides/slide25.xml><?xml version="1.0" encoding="utf-8"?>
 <p:sld xmlns:a="http://schemas.openxmlformats.org/drawingml/2006/main" xmlns:r="http://schemas.openxmlformats.org/officeDocument/2006/relationships" xmlns:p="http://schemas.openxmlformats.org/presentationml/2006/main">
   <p:cSld>
     <p:spTree>
@@ -11452,7 +12089,35 @@
                 <a:latin typeface="Courier New" panose="02070309020205020404" pitchFamily="49" charset="0"/>
                 <a:cs typeface="Courier New" panose="02070309020205020404" pitchFamily="49" charset="0"/>
               </a:rPr>
-              <a:t>-a=""&gt;</a:t>
+              <a:t>-a="</a:t>
+            </a:r>
+            <a:r>
+              <a:rPr lang="de-DE" sz="2400" b="1" dirty="0" err="1">
+                <a:latin typeface="Courier New" panose="02070309020205020404" pitchFamily="49" charset="0"/>
+                <a:cs typeface="Courier New" panose="02070309020205020404" pitchFamily="49" charset="0"/>
+              </a:rPr>
+              <a:t>id</a:t>
+            </a:r>
+            <a:r>
+              <a:rPr lang="de-DE" sz="2400" b="1" dirty="0">
+                <a:latin typeface="Courier New" panose="02070309020205020404" pitchFamily="49" charset="0"/>
+                <a:cs typeface="Courier New" panose="02070309020205020404" pitchFamily="49" charset="0"/>
+              </a:rPr>
+              <a:t>-</a:t>
+            </a:r>
+            <a:r>
+              <a:rPr lang="de-DE" sz="2400" b="1" dirty="0" err="1">
+                <a:latin typeface="Courier New" panose="02070309020205020404" pitchFamily="49" charset="0"/>
+                <a:cs typeface="Courier New" panose="02070309020205020404" pitchFamily="49" charset="0"/>
+              </a:rPr>
+              <a:t>of</a:t>
+            </a:r>
+            <a:r>
+              <a:rPr lang="de-DE" sz="2400" b="1" dirty="0">
+                <a:latin typeface="Courier New" panose="02070309020205020404" pitchFamily="49" charset="0"/>
+                <a:cs typeface="Courier New" panose="02070309020205020404" pitchFamily="49" charset="0"/>
+              </a:rPr>
+              <a:t>-abstract-pattern"&gt;</a:t>
             </a:r>
           </a:p>
           <a:p>
@@ -11586,7 +12251,2676 @@
 </p:sld>
 </file>
 
-<file path=ppt/slides/slide25.xml><?xml version="1.0" encoding="utf-8"?>
+<file path=ppt/slides/slide26.xml><?xml version="1.0" encoding="utf-8"?>
+<p:sld xmlns:a="http://schemas.openxmlformats.org/drawingml/2006/main" xmlns:r="http://schemas.openxmlformats.org/officeDocument/2006/relationships" xmlns:p="http://schemas.openxmlformats.org/presentationml/2006/main">
+  <p:cSld>
+    <p:spTree>
+      <p:nvGrpSpPr>
+        <p:cNvPr id="1" name=""/>
+        <p:cNvGrpSpPr/>
+        <p:nvPr/>
+      </p:nvGrpSpPr>
+      <p:grpSpPr>
+        <a:xfrm>
+          <a:off x="0" y="0"/>
+          <a:ext cx="0" cy="0"/>
+          <a:chOff x="0" y="0"/>
+          <a:chExt cx="0" cy="0"/>
+        </a:xfrm>
+      </p:grpSpPr>
+      <p:sp>
+        <p:nvSpPr>
+          <p:cNvPr id="2" name="Title 1">
+            <a:extLst>
+              <a:ext uri="{FF2B5EF4-FFF2-40B4-BE49-F238E27FC236}">
+                <a16:creationId xmlns:a16="http://schemas.microsoft.com/office/drawing/2014/main" id="{143F979C-CA86-AE0D-1B71-C61F31ADE85A}"/>
+              </a:ext>
+            </a:extLst>
+          </p:cNvPr>
+          <p:cNvSpPr>
+            <a:spLocks noGrp="1"/>
+          </p:cNvSpPr>
+          <p:nvPr>
+            <p:ph type="title"/>
+          </p:nvPr>
+        </p:nvSpPr>
+        <p:spPr>
+          <a:xfrm>
+            <a:off x="396765" y="80552"/>
+            <a:ext cx="10515600" cy="1082922"/>
+          </a:xfrm>
+        </p:spPr>
+        <p:txBody>
+          <a:bodyPr/>
+          <a:lstStyle/>
+          <a:p>
+            <a:r>
+              <a:rPr lang="en-US" b="1" dirty="0"/>
+              <a:t>Abstract pattern input example</a:t>
+            </a:r>
+            <a:endParaRPr lang="en-NL" b="1" dirty="0"/>
+          </a:p>
+        </p:txBody>
+      </p:sp>
+      <p:sp>
+        <p:nvSpPr>
+          <p:cNvPr id="4" name="TextBox 3">
+            <a:extLst>
+              <a:ext uri="{FF2B5EF4-FFF2-40B4-BE49-F238E27FC236}">
+                <a16:creationId xmlns:a16="http://schemas.microsoft.com/office/drawing/2014/main" id="{0B792318-938D-97E5-71E9-48F246A27C07}"/>
+              </a:ext>
+            </a:extLst>
+          </p:cNvPr>
+          <p:cNvSpPr txBox="1"/>
+          <p:nvPr/>
+        </p:nvSpPr>
+        <p:spPr>
+          <a:xfrm>
+            <a:off x="4634538" y="1013208"/>
+            <a:ext cx="5940971" cy="5632311"/>
+          </a:xfrm>
+          <a:prstGeom prst="rect">
+            <a:avLst/>
+          </a:prstGeom>
+          <a:solidFill>
+            <a:schemeClr val="bg1">
+              <a:lumMod val="95000"/>
+            </a:schemeClr>
+          </a:solidFill>
+        </p:spPr>
+        <p:txBody>
+          <a:bodyPr wrap="square" rtlCol="0">
+            <a:spAutoFit/>
+          </a:bodyPr>
+          <a:lstStyle/>
+          <a:p>
+            <a:r>
+              <a:rPr lang="en-US" b="1" dirty="0">
+                <a:latin typeface="Courier New" panose="02070309020205020404" pitchFamily="49" charset="0"/>
+                <a:cs typeface="Courier New" panose="02070309020205020404" pitchFamily="49" charset="0"/>
+              </a:rPr>
+              <a:t>&lt;tables&gt;</a:t>
+            </a:r>
+          </a:p>
+          <a:p>
+            <a:endParaRPr lang="en-US" b="1" dirty="0">
+              <a:latin typeface="Courier New" panose="02070309020205020404" pitchFamily="49" charset="0"/>
+              <a:cs typeface="Courier New" panose="02070309020205020404" pitchFamily="49" charset="0"/>
+            </a:endParaRPr>
+          </a:p>
+          <a:p>
+            <a:r>
+              <a:rPr lang="en-US" b="1" dirty="0">
+                <a:latin typeface="Courier New" panose="02070309020205020404" pitchFamily="49" charset="0"/>
+                <a:cs typeface="Courier New" panose="02070309020205020404" pitchFamily="49" charset="0"/>
+              </a:rPr>
+              <a:t>  &lt;!-- HTML table: --&gt;</a:t>
+            </a:r>
+          </a:p>
+          <a:p>
+            <a:r>
+              <a:rPr lang="en-US" b="1" dirty="0">
+                <a:latin typeface="Courier New" panose="02070309020205020404" pitchFamily="49" charset="0"/>
+                <a:cs typeface="Courier New" panose="02070309020205020404" pitchFamily="49" charset="0"/>
+              </a:rPr>
+              <a:t>  &lt;table&gt;</a:t>
+            </a:r>
+          </a:p>
+          <a:p>
+            <a:r>
+              <a:rPr lang="en-US" b="1" dirty="0">
+                <a:latin typeface="Courier New" panose="02070309020205020404" pitchFamily="49" charset="0"/>
+                <a:cs typeface="Courier New" panose="02070309020205020404" pitchFamily="49" charset="0"/>
+              </a:rPr>
+              <a:t>    &lt;tr&gt;</a:t>
+            </a:r>
+          </a:p>
+          <a:p>
+            <a:r>
+              <a:rPr lang="en-US" b="1" dirty="0">
+                <a:latin typeface="Courier New" panose="02070309020205020404" pitchFamily="49" charset="0"/>
+                <a:cs typeface="Courier New" panose="02070309020205020404" pitchFamily="49" charset="0"/>
+              </a:rPr>
+              <a:t>      &lt;td&gt;Yes!&lt;/td&gt;</a:t>
+            </a:r>
+          </a:p>
+          <a:p>
+            <a:r>
+              <a:rPr lang="en-US" b="1" dirty="0">
+                <a:latin typeface="Courier New" panose="02070309020205020404" pitchFamily="49" charset="0"/>
+                <a:cs typeface="Courier New" panose="02070309020205020404" pitchFamily="49" charset="0"/>
+              </a:rPr>
+              <a:t>      &lt;td&gt;No!&lt;/td&gt;</a:t>
+            </a:r>
+          </a:p>
+          <a:p>
+            <a:r>
+              <a:rPr lang="en-US" b="1" dirty="0">
+                <a:latin typeface="Courier New" panose="02070309020205020404" pitchFamily="49" charset="0"/>
+                <a:cs typeface="Courier New" panose="02070309020205020404" pitchFamily="49" charset="0"/>
+              </a:rPr>
+              <a:t>    &lt;/tr&gt;</a:t>
+            </a:r>
+          </a:p>
+          <a:p>
+            <a:r>
+              <a:rPr lang="en-US" b="1" dirty="0">
+                <a:latin typeface="Courier New" panose="02070309020205020404" pitchFamily="49" charset="0"/>
+                <a:cs typeface="Courier New" panose="02070309020205020404" pitchFamily="49" charset="0"/>
+              </a:rPr>
+              <a:t>  &lt;/table&gt;</a:t>
+            </a:r>
+          </a:p>
+          <a:p>
+            <a:endParaRPr lang="en-US" b="1" dirty="0">
+              <a:latin typeface="Courier New" panose="02070309020205020404" pitchFamily="49" charset="0"/>
+              <a:cs typeface="Courier New" panose="02070309020205020404" pitchFamily="49" charset="0"/>
+            </a:endParaRPr>
+          </a:p>
+          <a:p>
+            <a:r>
+              <a:rPr lang="en-US" b="1" dirty="0">
+                <a:latin typeface="Courier New" panose="02070309020205020404" pitchFamily="49" charset="0"/>
+                <a:cs typeface="Courier New" panose="02070309020205020404" pitchFamily="49" charset="0"/>
+              </a:rPr>
+              <a:t>  &lt;!-- Calendar table-like structure: --&gt;</a:t>
+            </a:r>
+          </a:p>
+          <a:p>
+            <a:r>
+              <a:rPr lang="en-US" b="1" dirty="0">
+                <a:latin typeface="Courier New" panose="02070309020205020404" pitchFamily="49" charset="0"/>
+                <a:cs typeface="Courier New" panose="02070309020205020404" pitchFamily="49" charset="0"/>
+              </a:rPr>
+              <a:t>  &lt;year&gt;</a:t>
+            </a:r>
+          </a:p>
+          <a:p>
+            <a:r>
+              <a:rPr lang="en-US" b="1" dirty="0">
+                <a:latin typeface="Courier New" panose="02070309020205020404" pitchFamily="49" charset="0"/>
+                <a:cs typeface="Courier New" panose="02070309020205020404" pitchFamily="49" charset="0"/>
+              </a:rPr>
+              <a:t>    &lt;week&gt;</a:t>
+            </a:r>
+          </a:p>
+          <a:p>
+            <a:r>
+              <a:rPr lang="en-US" b="1" dirty="0">
+                <a:latin typeface="Courier New" panose="02070309020205020404" pitchFamily="49" charset="0"/>
+                <a:cs typeface="Courier New" panose="02070309020205020404" pitchFamily="49" charset="0"/>
+              </a:rPr>
+              <a:t>      &lt;day&gt;Monday&lt;/day&gt;</a:t>
+            </a:r>
+          </a:p>
+          <a:p>
+            <a:r>
+              <a:rPr lang="en-US" b="1" dirty="0">
+                <a:latin typeface="Courier New" panose="02070309020205020404" pitchFamily="49" charset="0"/>
+                <a:cs typeface="Courier New" panose="02070309020205020404" pitchFamily="49" charset="0"/>
+              </a:rPr>
+              <a:t>      &lt;day&gt;Tuesday&lt;/day&gt;</a:t>
+            </a:r>
+          </a:p>
+          <a:p>
+            <a:r>
+              <a:rPr lang="en-US" b="1" dirty="0">
+                <a:latin typeface="Courier New" panose="02070309020205020404" pitchFamily="49" charset="0"/>
+                <a:cs typeface="Courier New" panose="02070309020205020404" pitchFamily="49" charset="0"/>
+              </a:rPr>
+              <a:t>      &lt;!-- Etc. --&gt;</a:t>
+            </a:r>
+          </a:p>
+          <a:p>
+            <a:r>
+              <a:rPr lang="en-US" b="1" dirty="0">
+                <a:latin typeface="Courier New" panose="02070309020205020404" pitchFamily="49" charset="0"/>
+                <a:cs typeface="Courier New" panose="02070309020205020404" pitchFamily="49" charset="0"/>
+              </a:rPr>
+              <a:t>    &lt;/week&gt;</a:t>
+            </a:r>
+          </a:p>
+          <a:p>
+            <a:r>
+              <a:rPr lang="en-US" b="1" dirty="0">
+                <a:latin typeface="Courier New" panose="02070309020205020404" pitchFamily="49" charset="0"/>
+                <a:cs typeface="Courier New" panose="02070309020205020404" pitchFamily="49" charset="0"/>
+              </a:rPr>
+              <a:t>  &lt;/year&gt;</a:t>
+            </a:r>
+          </a:p>
+          <a:p>
+            <a:endParaRPr lang="en-US" b="1" dirty="0">
+              <a:latin typeface="Courier New" panose="02070309020205020404" pitchFamily="49" charset="0"/>
+              <a:cs typeface="Courier New" panose="02070309020205020404" pitchFamily="49" charset="0"/>
+            </a:endParaRPr>
+          </a:p>
+          <a:p>
+            <a:r>
+              <a:rPr lang="en-US" b="1" dirty="0">
+                <a:latin typeface="Courier New" panose="02070309020205020404" pitchFamily="49" charset="0"/>
+                <a:cs typeface="Courier New" panose="02070309020205020404" pitchFamily="49" charset="0"/>
+              </a:rPr>
+              <a:t>&lt;/tables&gt;</a:t>
+            </a:r>
+            <a:endParaRPr lang="de-DE" b="1" dirty="0">
+              <a:latin typeface="Courier New" panose="02070309020205020404" pitchFamily="49" charset="0"/>
+              <a:cs typeface="Courier New" panose="02070309020205020404" pitchFamily="49" charset="0"/>
+            </a:endParaRPr>
+          </a:p>
+        </p:txBody>
+      </p:sp>
+    </p:spTree>
+    <p:extLst>
+      <p:ext uri="{BB962C8B-B14F-4D97-AF65-F5344CB8AC3E}">
+        <p14:creationId xmlns:p14="http://schemas.microsoft.com/office/powerpoint/2010/main" val="3137801468"/>
+      </p:ext>
+    </p:extLst>
+  </p:cSld>
+  <p:clrMapOvr>
+    <a:masterClrMapping/>
+  </p:clrMapOvr>
+</p:sld>
+</file>
+
+<file path=ppt/slides/slide27.xml><?xml version="1.0" encoding="utf-8"?>
+<p:sld xmlns:a="http://schemas.openxmlformats.org/drawingml/2006/main" xmlns:r="http://schemas.openxmlformats.org/officeDocument/2006/relationships" xmlns:p="http://schemas.openxmlformats.org/presentationml/2006/main">
+  <p:cSld>
+    <p:spTree>
+      <p:nvGrpSpPr>
+        <p:cNvPr id="1" name=""/>
+        <p:cNvGrpSpPr/>
+        <p:nvPr/>
+      </p:nvGrpSpPr>
+      <p:grpSpPr>
+        <a:xfrm>
+          <a:off x="0" y="0"/>
+          <a:ext cx="0" cy="0"/>
+          <a:chOff x="0" y="0"/>
+          <a:chExt cx="0" cy="0"/>
+        </a:xfrm>
+      </p:grpSpPr>
+      <p:sp>
+        <p:nvSpPr>
+          <p:cNvPr id="2" name="Title 1">
+            <a:extLst>
+              <a:ext uri="{FF2B5EF4-FFF2-40B4-BE49-F238E27FC236}">
+                <a16:creationId xmlns:a16="http://schemas.microsoft.com/office/drawing/2014/main" id="{143F979C-CA86-AE0D-1B71-C61F31ADE85A}"/>
+              </a:ext>
+            </a:extLst>
+          </p:cNvPr>
+          <p:cNvSpPr>
+            <a:spLocks noGrp="1"/>
+          </p:cNvSpPr>
+          <p:nvPr>
+            <p:ph type="title"/>
+          </p:nvPr>
+        </p:nvSpPr>
+        <p:spPr>
+          <a:xfrm>
+            <a:off x="396765" y="80552"/>
+            <a:ext cx="10515600" cy="1082922"/>
+          </a:xfrm>
+        </p:spPr>
+        <p:txBody>
+          <a:bodyPr/>
+          <a:lstStyle/>
+          <a:p>
+            <a:r>
+              <a:rPr lang="en-US" b="1" dirty="0"/>
+              <a:t>Abstract pattern example</a:t>
+            </a:r>
+            <a:endParaRPr lang="en-NL" b="1" dirty="0"/>
+          </a:p>
+        </p:txBody>
+      </p:sp>
+      <p:sp>
+        <p:nvSpPr>
+          <p:cNvPr id="4" name="TextBox 3">
+            <a:extLst>
+              <a:ext uri="{FF2B5EF4-FFF2-40B4-BE49-F238E27FC236}">
+                <a16:creationId xmlns:a16="http://schemas.microsoft.com/office/drawing/2014/main" id="{0B792318-938D-97E5-71E9-48F246A27C07}"/>
+              </a:ext>
+            </a:extLst>
+          </p:cNvPr>
+          <p:cNvSpPr txBox="1"/>
+          <p:nvPr/>
+        </p:nvSpPr>
+        <p:spPr>
+          <a:xfrm>
+            <a:off x="1116039" y="1044514"/>
+            <a:ext cx="10515601" cy="3970318"/>
+          </a:xfrm>
+          <a:prstGeom prst="rect">
+            <a:avLst/>
+          </a:prstGeom>
+          <a:solidFill>
+            <a:schemeClr val="bg1">
+              <a:lumMod val="95000"/>
+            </a:schemeClr>
+          </a:solidFill>
+        </p:spPr>
+        <p:txBody>
+          <a:bodyPr wrap="square" rtlCol="0">
+            <a:spAutoFit/>
+          </a:bodyPr>
+          <a:lstStyle/>
+          <a:p>
+            <a:r>
+              <a:rPr lang="en-US" b="1" dirty="0">
+                <a:latin typeface="Courier New" panose="02070309020205020404" pitchFamily="49" charset="0"/>
+                <a:cs typeface="Courier New" panose="02070309020205020404" pitchFamily="49" charset="0"/>
+              </a:rPr>
+              <a:t> &lt;pattern abstract="true" id="table-pattern"&gt;</a:t>
+            </a:r>
+          </a:p>
+          <a:p>
+            <a:r>
+              <a:rPr lang="en-US" b="1" dirty="0">
+                <a:latin typeface="Courier New" panose="02070309020205020404" pitchFamily="49" charset="0"/>
+                <a:cs typeface="Courier New" panose="02070309020205020404" pitchFamily="49" charset="0"/>
+              </a:rPr>
+              <a:t>    &lt;rule context="$table"&gt;</a:t>
+            </a:r>
+          </a:p>
+          <a:p>
+            <a:r>
+              <a:rPr lang="en-US" b="1" dirty="0">
+                <a:latin typeface="Courier New" panose="02070309020205020404" pitchFamily="49" charset="0"/>
+                <a:cs typeface="Courier New" panose="02070309020205020404" pitchFamily="49" charset="0"/>
+              </a:rPr>
+              <a:t>      &lt;assert test="$row"&gt;</a:t>
+            </a:r>
+          </a:p>
+          <a:p>
+            <a:r>
+              <a:rPr lang="en-US" b="1" dirty="0">
+                <a:latin typeface="Courier New" panose="02070309020205020404" pitchFamily="49" charset="0"/>
+                <a:cs typeface="Courier New" panose="02070309020205020404" pitchFamily="49" charset="0"/>
+              </a:rPr>
+              <a:t>        The element &lt;value-of select="local-name()"/&gt; is a table structure. </a:t>
+            </a:r>
+          </a:p>
+          <a:p>
+            <a:r>
+              <a:rPr lang="en-US" b="1" dirty="0">
+                <a:latin typeface="Courier New" panose="02070309020205020404" pitchFamily="49" charset="0"/>
+                <a:cs typeface="Courier New" panose="02070309020205020404" pitchFamily="49" charset="0"/>
+              </a:rPr>
+              <a:t>        Tables must contain the correct row elements.</a:t>
+            </a:r>
+          </a:p>
+          <a:p>
+            <a:r>
+              <a:rPr lang="en-US" b="1" dirty="0">
+                <a:latin typeface="Courier New" panose="02070309020205020404" pitchFamily="49" charset="0"/>
+                <a:cs typeface="Courier New" panose="02070309020205020404" pitchFamily="49" charset="0"/>
+              </a:rPr>
+              <a:t>      &lt;/assert&gt;</a:t>
+            </a:r>
+          </a:p>
+          <a:p>
+            <a:r>
+              <a:rPr lang="en-US" b="1" dirty="0">
+                <a:latin typeface="Courier New" panose="02070309020205020404" pitchFamily="49" charset="0"/>
+                <a:cs typeface="Courier New" panose="02070309020205020404" pitchFamily="49" charset="0"/>
+              </a:rPr>
+              <a:t>    &lt;/rule&gt;</a:t>
+            </a:r>
+          </a:p>
+          <a:p>
+            <a:r>
+              <a:rPr lang="en-US" b="1" dirty="0">
+                <a:latin typeface="Courier New" panose="02070309020205020404" pitchFamily="49" charset="0"/>
+                <a:cs typeface="Courier New" panose="02070309020205020404" pitchFamily="49" charset="0"/>
+              </a:rPr>
+              <a:t>    &lt;rule context="$table/$row"&gt;</a:t>
+            </a:r>
+          </a:p>
+          <a:p>
+            <a:r>
+              <a:rPr lang="en-US" b="1" dirty="0">
+                <a:latin typeface="Courier New" panose="02070309020205020404" pitchFamily="49" charset="0"/>
+                <a:cs typeface="Courier New" panose="02070309020205020404" pitchFamily="49" charset="0"/>
+              </a:rPr>
+              <a:t>      &lt;assert test="$entry"&gt;</a:t>
+            </a:r>
+          </a:p>
+          <a:p>
+            <a:r>
+              <a:rPr lang="en-US" b="1" dirty="0">
+                <a:latin typeface="Courier New" panose="02070309020205020404" pitchFamily="49" charset="0"/>
+                <a:cs typeface="Courier New" panose="02070309020205020404" pitchFamily="49" charset="0"/>
+              </a:rPr>
+              <a:t>        The element &lt;value-of select="local-name()"/&gt; is a table row. </a:t>
+            </a:r>
+          </a:p>
+          <a:p>
+            <a:r>
+              <a:rPr lang="en-US" b="1" dirty="0">
+                <a:latin typeface="Courier New" panose="02070309020205020404" pitchFamily="49" charset="0"/>
+                <a:cs typeface="Courier New" panose="02070309020205020404" pitchFamily="49" charset="0"/>
+              </a:rPr>
+              <a:t>        Rows must contain the correct cell elements.</a:t>
+            </a:r>
+          </a:p>
+          <a:p>
+            <a:r>
+              <a:rPr lang="en-US" b="1" dirty="0">
+                <a:latin typeface="Courier New" panose="02070309020205020404" pitchFamily="49" charset="0"/>
+                <a:cs typeface="Courier New" panose="02070309020205020404" pitchFamily="49" charset="0"/>
+              </a:rPr>
+              <a:t>      &lt;/assert&gt;</a:t>
+            </a:r>
+          </a:p>
+          <a:p>
+            <a:r>
+              <a:rPr lang="en-US" b="1" dirty="0">
+                <a:latin typeface="Courier New" panose="02070309020205020404" pitchFamily="49" charset="0"/>
+                <a:cs typeface="Courier New" panose="02070309020205020404" pitchFamily="49" charset="0"/>
+              </a:rPr>
+              <a:t>    &lt;/rule&gt;</a:t>
+            </a:r>
+          </a:p>
+          <a:p>
+            <a:r>
+              <a:rPr lang="en-US" b="1" dirty="0">
+                <a:latin typeface="Courier New" panose="02070309020205020404" pitchFamily="49" charset="0"/>
+                <a:cs typeface="Courier New" panose="02070309020205020404" pitchFamily="49" charset="0"/>
+              </a:rPr>
+              <a:t>  &lt;/pattern&gt;</a:t>
+            </a:r>
+            <a:endParaRPr lang="de-DE" b="1" dirty="0">
+              <a:latin typeface="Courier New" panose="02070309020205020404" pitchFamily="49" charset="0"/>
+              <a:cs typeface="Courier New" panose="02070309020205020404" pitchFamily="49" charset="0"/>
+            </a:endParaRPr>
+          </a:p>
+        </p:txBody>
+      </p:sp>
+      <p:sp>
+        <p:nvSpPr>
+          <p:cNvPr id="3" name="Oval 2">
+            <a:extLst>
+              <a:ext uri="{FF2B5EF4-FFF2-40B4-BE49-F238E27FC236}">
+                <a16:creationId xmlns:a16="http://schemas.microsoft.com/office/drawing/2014/main" id="{094368DD-2460-E31F-BD38-6BB13891AEBD}"/>
+              </a:ext>
+            </a:extLst>
+          </p:cNvPr>
+          <p:cNvSpPr/>
+          <p:nvPr/>
+        </p:nvSpPr>
+        <p:spPr>
+          <a:xfrm>
+            <a:off x="3691475" y="1314091"/>
+            <a:ext cx="1085936" cy="380345"/>
+          </a:xfrm>
+          <a:prstGeom prst="ellipse">
+            <a:avLst/>
+          </a:prstGeom>
+          <a:solidFill>
+            <a:schemeClr val="accent4">
+              <a:lumMod val="40000"/>
+              <a:lumOff val="60000"/>
+              <a:alpha val="19000"/>
+            </a:schemeClr>
+          </a:solidFill>
+          <a:ln w="38100">
+            <a:solidFill>
+              <a:srgbClr val="C00000"/>
+            </a:solidFill>
+          </a:ln>
+        </p:spPr>
+        <p:style>
+          <a:lnRef idx="2">
+            <a:schemeClr val="accent1">
+              <a:shade val="50000"/>
+            </a:schemeClr>
+          </a:lnRef>
+          <a:fillRef idx="1">
+            <a:schemeClr val="accent1"/>
+          </a:fillRef>
+          <a:effectRef idx="0">
+            <a:schemeClr val="accent1"/>
+          </a:effectRef>
+          <a:fontRef idx="minor">
+            <a:schemeClr val="lt1"/>
+          </a:fontRef>
+        </p:style>
+        <p:txBody>
+          <a:bodyPr rtlCol="0" anchor="ctr"/>
+          <a:lstStyle/>
+          <a:p>
+            <a:pPr algn="ctr"/>
+            <a:endParaRPr lang="en-NL"/>
+          </a:p>
+        </p:txBody>
+      </p:sp>
+      <p:sp>
+        <p:nvSpPr>
+          <p:cNvPr id="5" name="Oval 4">
+            <a:extLst>
+              <a:ext uri="{FF2B5EF4-FFF2-40B4-BE49-F238E27FC236}">
+                <a16:creationId xmlns:a16="http://schemas.microsoft.com/office/drawing/2014/main" id="{CF5046AB-B701-9406-E47C-0CA6F5116170}"/>
+              </a:ext>
+            </a:extLst>
+          </p:cNvPr>
+          <p:cNvSpPr/>
+          <p:nvPr/>
+        </p:nvSpPr>
+        <p:spPr>
+          <a:xfrm>
+            <a:off x="3804986" y="1594458"/>
+            <a:ext cx="1085936" cy="380344"/>
+          </a:xfrm>
+          <a:prstGeom prst="ellipse">
+            <a:avLst/>
+          </a:prstGeom>
+          <a:solidFill>
+            <a:schemeClr val="accent4">
+              <a:lumMod val="40000"/>
+              <a:lumOff val="60000"/>
+              <a:alpha val="19000"/>
+            </a:schemeClr>
+          </a:solidFill>
+          <a:ln w="38100">
+            <a:solidFill>
+              <a:srgbClr val="C00000"/>
+            </a:solidFill>
+          </a:ln>
+        </p:spPr>
+        <p:style>
+          <a:lnRef idx="2">
+            <a:schemeClr val="accent1">
+              <a:shade val="50000"/>
+            </a:schemeClr>
+          </a:lnRef>
+          <a:fillRef idx="1">
+            <a:schemeClr val="accent1"/>
+          </a:fillRef>
+          <a:effectRef idx="0">
+            <a:schemeClr val="accent1"/>
+          </a:effectRef>
+          <a:fontRef idx="minor">
+            <a:schemeClr val="lt1"/>
+          </a:fontRef>
+        </p:style>
+        <p:txBody>
+          <a:bodyPr rtlCol="0" anchor="ctr"/>
+          <a:lstStyle/>
+          <a:p>
+            <a:pPr algn="ctr"/>
+            <a:endParaRPr lang="en-NL"/>
+          </a:p>
+        </p:txBody>
+      </p:sp>
+      <p:sp>
+        <p:nvSpPr>
+          <p:cNvPr id="6" name="Oval 5">
+            <a:extLst>
+              <a:ext uri="{FF2B5EF4-FFF2-40B4-BE49-F238E27FC236}">
+                <a16:creationId xmlns:a16="http://schemas.microsoft.com/office/drawing/2014/main" id="{195A06F2-8504-B2D1-A8B8-FA387F9229DE}"/>
+              </a:ext>
+            </a:extLst>
+          </p:cNvPr>
+          <p:cNvSpPr/>
+          <p:nvPr/>
+        </p:nvSpPr>
+        <p:spPr>
+          <a:xfrm>
+            <a:off x="3623157" y="2924301"/>
+            <a:ext cx="1085936" cy="380344"/>
+          </a:xfrm>
+          <a:prstGeom prst="ellipse">
+            <a:avLst/>
+          </a:prstGeom>
+          <a:solidFill>
+            <a:schemeClr val="accent4">
+              <a:lumMod val="40000"/>
+              <a:lumOff val="60000"/>
+              <a:alpha val="19000"/>
+            </a:schemeClr>
+          </a:solidFill>
+          <a:ln w="38100">
+            <a:solidFill>
+              <a:srgbClr val="C00000"/>
+            </a:solidFill>
+          </a:ln>
+        </p:spPr>
+        <p:style>
+          <a:lnRef idx="2">
+            <a:schemeClr val="accent1">
+              <a:shade val="50000"/>
+            </a:schemeClr>
+          </a:lnRef>
+          <a:fillRef idx="1">
+            <a:schemeClr val="accent1"/>
+          </a:fillRef>
+          <a:effectRef idx="0">
+            <a:schemeClr val="accent1"/>
+          </a:effectRef>
+          <a:fontRef idx="minor">
+            <a:schemeClr val="lt1"/>
+          </a:fontRef>
+        </p:style>
+        <p:txBody>
+          <a:bodyPr rtlCol="0" anchor="ctr"/>
+          <a:lstStyle/>
+          <a:p>
+            <a:pPr algn="ctr"/>
+            <a:endParaRPr lang="en-NL"/>
+          </a:p>
+        </p:txBody>
+      </p:sp>
+      <p:sp>
+        <p:nvSpPr>
+          <p:cNvPr id="7" name="Oval 6">
+            <a:extLst>
+              <a:ext uri="{FF2B5EF4-FFF2-40B4-BE49-F238E27FC236}">
+                <a16:creationId xmlns:a16="http://schemas.microsoft.com/office/drawing/2014/main" id="{CA4320F6-0D6A-096C-690E-8A8FED5A97EA}"/>
+              </a:ext>
+            </a:extLst>
+          </p:cNvPr>
+          <p:cNvSpPr/>
+          <p:nvPr/>
+        </p:nvSpPr>
+        <p:spPr>
+          <a:xfrm>
+            <a:off x="4575394" y="2924301"/>
+            <a:ext cx="1085936" cy="380344"/>
+          </a:xfrm>
+          <a:prstGeom prst="ellipse">
+            <a:avLst/>
+          </a:prstGeom>
+          <a:solidFill>
+            <a:schemeClr val="accent4">
+              <a:lumMod val="40000"/>
+              <a:lumOff val="60000"/>
+              <a:alpha val="19000"/>
+            </a:schemeClr>
+          </a:solidFill>
+          <a:ln w="38100">
+            <a:solidFill>
+              <a:srgbClr val="C00000"/>
+            </a:solidFill>
+          </a:ln>
+        </p:spPr>
+        <p:style>
+          <a:lnRef idx="2">
+            <a:schemeClr val="accent1">
+              <a:shade val="50000"/>
+            </a:schemeClr>
+          </a:lnRef>
+          <a:fillRef idx="1">
+            <a:schemeClr val="accent1"/>
+          </a:fillRef>
+          <a:effectRef idx="0">
+            <a:schemeClr val="accent1"/>
+          </a:effectRef>
+          <a:fontRef idx="minor">
+            <a:schemeClr val="lt1"/>
+          </a:fontRef>
+        </p:style>
+        <p:txBody>
+          <a:bodyPr rtlCol="0" anchor="ctr"/>
+          <a:lstStyle/>
+          <a:p>
+            <a:pPr algn="ctr"/>
+            <a:endParaRPr lang="en-NL"/>
+          </a:p>
+        </p:txBody>
+      </p:sp>
+      <p:sp>
+        <p:nvSpPr>
+          <p:cNvPr id="8" name="Oval 7">
+            <a:extLst>
+              <a:ext uri="{FF2B5EF4-FFF2-40B4-BE49-F238E27FC236}">
+                <a16:creationId xmlns:a16="http://schemas.microsoft.com/office/drawing/2014/main" id="{69BC9770-E1ED-2B7E-4695-AE2A32E428A4}"/>
+              </a:ext>
+            </a:extLst>
+          </p:cNvPr>
+          <p:cNvSpPr/>
+          <p:nvPr/>
+        </p:nvSpPr>
+        <p:spPr>
+          <a:xfrm>
+            <a:off x="3804986" y="3221450"/>
+            <a:ext cx="1085936" cy="380344"/>
+          </a:xfrm>
+          <a:prstGeom prst="ellipse">
+            <a:avLst/>
+          </a:prstGeom>
+          <a:solidFill>
+            <a:schemeClr val="accent4">
+              <a:lumMod val="40000"/>
+              <a:lumOff val="60000"/>
+              <a:alpha val="19000"/>
+            </a:schemeClr>
+          </a:solidFill>
+          <a:ln w="38100">
+            <a:solidFill>
+              <a:srgbClr val="C00000"/>
+            </a:solidFill>
+          </a:ln>
+        </p:spPr>
+        <p:style>
+          <a:lnRef idx="2">
+            <a:schemeClr val="accent1">
+              <a:shade val="50000"/>
+            </a:schemeClr>
+          </a:lnRef>
+          <a:fillRef idx="1">
+            <a:schemeClr val="accent1"/>
+          </a:fillRef>
+          <a:effectRef idx="0">
+            <a:schemeClr val="accent1"/>
+          </a:effectRef>
+          <a:fontRef idx="minor">
+            <a:schemeClr val="lt1"/>
+          </a:fontRef>
+        </p:style>
+        <p:txBody>
+          <a:bodyPr rtlCol="0" anchor="ctr"/>
+          <a:lstStyle/>
+          <a:p>
+            <a:pPr algn="ctr"/>
+            <a:endParaRPr lang="en-NL"/>
+          </a:p>
+        </p:txBody>
+      </p:sp>
+      <p:sp>
+        <p:nvSpPr>
+          <p:cNvPr id="9" name="TextBox 8">
+            <a:extLst>
+              <a:ext uri="{FF2B5EF4-FFF2-40B4-BE49-F238E27FC236}">
+                <a16:creationId xmlns:a16="http://schemas.microsoft.com/office/drawing/2014/main" id="{AD59EFB8-9693-9839-CFC6-A80F4A0EA863}"/>
+              </a:ext>
+            </a:extLst>
+          </p:cNvPr>
+          <p:cNvSpPr txBox="1"/>
+          <p:nvPr/>
+        </p:nvSpPr>
+        <p:spPr>
+          <a:xfrm>
+            <a:off x="2314937" y="5330142"/>
+            <a:ext cx="7708739" cy="1015663"/>
+          </a:xfrm>
+          <a:prstGeom prst="rect">
+            <a:avLst/>
+          </a:prstGeom>
+          <a:noFill/>
+        </p:spPr>
+        <p:txBody>
+          <a:bodyPr wrap="square" rtlCol="0">
+            <a:spAutoFit/>
+          </a:bodyPr>
+          <a:lstStyle/>
+          <a:p>
+            <a:pPr marL="285750" indent="-285750">
+              <a:buFont typeface="Arial" panose="020B0604020202020204" pitchFamily="34" charset="0"/>
+              <a:buChar char="•"/>
+            </a:pPr>
+            <a:r>
+              <a:rPr lang="en-US" sz="2000" dirty="0"/>
+              <a:t>Abstract pattern parameters share the $... syntax with variables</a:t>
+            </a:r>
+          </a:p>
+          <a:p>
+            <a:pPr marL="285750" indent="-285750">
+              <a:buFont typeface="Arial" panose="020B0604020202020204" pitchFamily="34" charset="0"/>
+              <a:buChar char="•"/>
+            </a:pPr>
+            <a:r>
+              <a:rPr lang="en-US" sz="2000" dirty="0"/>
+              <a:t>Will be replaced with </a:t>
+            </a:r>
+            <a:r>
+              <a:rPr lang="en-US" sz="2000" i="1" dirty="0"/>
+              <a:t>text</a:t>
+            </a:r>
+          </a:p>
+          <a:p>
+            <a:pPr marL="285750" indent="-285750">
+              <a:buFont typeface="Arial" panose="020B0604020202020204" pitchFamily="34" charset="0"/>
+              <a:buChar char="•"/>
+            </a:pPr>
+            <a:r>
+              <a:rPr lang="en-US" sz="2000" dirty="0"/>
+              <a:t>Abstract pattern parameters are not declared in any way</a:t>
+            </a:r>
+            <a:endParaRPr lang="en-NL" sz="2000" dirty="0"/>
+          </a:p>
+        </p:txBody>
+      </p:sp>
+    </p:spTree>
+    <p:extLst>
+      <p:ext uri="{BB962C8B-B14F-4D97-AF65-F5344CB8AC3E}">
+        <p14:creationId xmlns:p14="http://schemas.microsoft.com/office/powerpoint/2010/main" val="2263270211"/>
+      </p:ext>
+    </p:extLst>
+  </p:cSld>
+  <p:clrMapOvr>
+    <a:masterClrMapping/>
+  </p:clrMapOvr>
+  <p:timing>
+    <p:tnLst>
+      <p:par>
+        <p:cTn id="1" dur="indefinite" restart="never" nodeType="tmRoot">
+          <p:childTnLst>
+            <p:seq concurrent="1" nextAc="seek">
+              <p:cTn id="2" dur="indefinite" nodeType="mainSeq">
+                <p:childTnLst>
+                  <p:par>
+                    <p:cTn id="3" fill="hold">
+                      <p:stCondLst>
+                        <p:cond delay="indefinite"/>
+                      </p:stCondLst>
+                      <p:childTnLst>
+                        <p:par>
+                          <p:cTn id="4" fill="hold">
+                            <p:stCondLst>
+                              <p:cond delay="0"/>
+                            </p:stCondLst>
+                            <p:childTnLst>
+                              <p:par>
+                                <p:cTn id="5" presetID="10" presetClass="entr" presetSubtype="0" fill="hold" grpId="0" nodeType="clickEffect">
+                                  <p:stCondLst>
+                                    <p:cond delay="0"/>
+                                  </p:stCondLst>
+                                  <p:childTnLst>
+                                    <p:set>
+                                      <p:cBhvr>
+                                        <p:cTn id="6" dur="1" fill="hold">
+                                          <p:stCondLst>
+                                            <p:cond delay="0"/>
+                                          </p:stCondLst>
+                                        </p:cTn>
+                                        <p:tgtEl>
+                                          <p:spTgt spid="3"/>
+                                        </p:tgtEl>
+                                        <p:attrNameLst>
+                                          <p:attrName>style.visibility</p:attrName>
+                                        </p:attrNameLst>
+                                      </p:cBhvr>
+                                      <p:to>
+                                        <p:strVal val="visible"/>
+                                      </p:to>
+                                    </p:set>
+                                    <p:animEffect transition="in" filter="fade">
+                                      <p:cBhvr>
+                                        <p:cTn id="7" dur="500"/>
+                                        <p:tgtEl>
+                                          <p:spTgt spid="3"/>
+                                        </p:tgtEl>
+                                      </p:cBhvr>
+                                    </p:animEffect>
+                                  </p:childTnLst>
+                                </p:cTn>
+                              </p:par>
+                              <p:par>
+                                <p:cTn id="8" presetID="10" presetClass="entr" presetSubtype="0" fill="hold" grpId="0" nodeType="withEffect">
+                                  <p:stCondLst>
+                                    <p:cond delay="0"/>
+                                  </p:stCondLst>
+                                  <p:childTnLst>
+                                    <p:set>
+                                      <p:cBhvr>
+                                        <p:cTn id="9" dur="1" fill="hold">
+                                          <p:stCondLst>
+                                            <p:cond delay="0"/>
+                                          </p:stCondLst>
+                                        </p:cTn>
+                                        <p:tgtEl>
+                                          <p:spTgt spid="5"/>
+                                        </p:tgtEl>
+                                        <p:attrNameLst>
+                                          <p:attrName>style.visibility</p:attrName>
+                                        </p:attrNameLst>
+                                      </p:cBhvr>
+                                      <p:to>
+                                        <p:strVal val="visible"/>
+                                      </p:to>
+                                    </p:set>
+                                    <p:animEffect transition="in" filter="fade">
+                                      <p:cBhvr>
+                                        <p:cTn id="10" dur="500"/>
+                                        <p:tgtEl>
+                                          <p:spTgt spid="5"/>
+                                        </p:tgtEl>
+                                      </p:cBhvr>
+                                    </p:animEffect>
+                                  </p:childTnLst>
+                                </p:cTn>
+                              </p:par>
+                              <p:par>
+                                <p:cTn id="11" presetID="10" presetClass="entr" presetSubtype="0" fill="hold" grpId="0" nodeType="withEffect">
+                                  <p:stCondLst>
+                                    <p:cond delay="0"/>
+                                  </p:stCondLst>
+                                  <p:childTnLst>
+                                    <p:set>
+                                      <p:cBhvr>
+                                        <p:cTn id="12" dur="1" fill="hold">
+                                          <p:stCondLst>
+                                            <p:cond delay="0"/>
+                                          </p:stCondLst>
+                                        </p:cTn>
+                                        <p:tgtEl>
+                                          <p:spTgt spid="6"/>
+                                        </p:tgtEl>
+                                        <p:attrNameLst>
+                                          <p:attrName>style.visibility</p:attrName>
+                                        </p:attrNameLst>
+                                      </p:cBhvr>
+                                      <p:to>
+                                        <p:strVal val="visible"/>
+                                      </p:to>
+                                    </p:set>
+                                    <p:animEffect transition="in" filter="fade">
+                                      <p:cBhvr>
+                                        <p:cTn id="13" dur="500"/>
+                                        <p:tgtEl>
+                                          <p:spTgt spid="6"/>
+                                        </p:tgtEl>
+                                      </p:cBhvr>
+                                    </p:animEffect>
+                                  </p:childTnLst>
+                                </p:cTn>
+                              </p:par>
+                              <p:par>
+                                <p:cTn id="14" presetID="10" presetClass="entr" presetSubtype="0" fill="hold" grpId="0" nodeType="withEffect">
+                                  <p:stCondLst>
+                                    <p:cond delay="0"/>
+                                  </p:stCondLst>
+                                  <p:childTnLst>
+                                    <p:set>
+                                      <p:cBhvr>
+                                        <p:cTn id="15" dur="1" fill="hold">
+                                          <p:stCondLst>
+                                            <p:cond delay="0"/>
+                                          </p:stCondLst>
+                                        </p:cTn>
+                                        <p:tgtEl>
+                                          <p:spTgt spid="7"/>
+                                        </p:tgtEl>
+                                        <p:attrNameLst>
+                                          <p:attrName>style.visibility</p:attrName>
+                                        </p:attrNameLst>
+                                      </p:cBhvr>
+                                      <p:to>
+                                        <p:strVal val="visible"/>
+                                      </p:to>
+                                    </p:set>
+                                    <p:animEffect transition="in" filter="fade">
+                                      <p:cBhvr>
+                                        <p:cTn id="16" dur="500"/>
+                                        <p:tgtEl>
+                                          <p:spTgt spid="7"/>
+                                        </p:tgtEl>
+                                      </p:cBhvr>
+                                    </p:animEffect>
+                                  </p:childTnLst>
+                                </p:cTn>
+                              </p:par>
+                              <p:par>
+                                <p:cTn id="17" presetID="10" presetClass="entr" presetSubtype="0" fill="hold" grpId="0" nodeType="withEffect">
+                                  <p:stCondLst>
+                                    <p:cond delay="0"/>
+                                  </p:stCondLst>
+                                  <p:childTnLst>
+                                    <p:set>
+                                      <p:cBhvr>
+                                        <p:cTn id="18" dur="1" fill="hold">
+                                          <p:stCondLst>
+                                            <p:cond delay="0"/>
+                                          </p:stCondLst>
+                                        </p:cTn>
+                                        <p:tgtEl>
+                                          <p:spTgt spid="8"/>
+                                        </p:tgtEl>
+                                        <p:attrNameLst>
+                                          <p:attrName>style.visibility</p:attrName>
+                                        </p:attrNameLst>
+                                      </p:cBhvr>
+                                      <p:to>
+                                        <p:strVal val="visible"/>
+                                      </p:to>
+                                    </p:set>
+                                    <p:animEffect transition="in" filter="fade">
+                                      <p:cBhvr>
+                                        <p:cTn id="19" dur="500"/>
+                                        <p:tgtEl>
+                                          <p:spTgt spid="8"/>
+                                        </p:tgtEl>
+                                      </p:cBhvr>
+                                    </p:animEffect>
+                                  </p:childTnLst>
+                                </p:cTn>
+                              </p:par>
+                            </p:childTnLst>
+                          </p:cTn>
+                        </p:par>
+                      </p:childTnLst>
+                    </p:cTn>
+                  </p:par>
+                  <p:par>
+                    <p:cTn id="20" fill="hold">
+                      <p:stCondLst>
+                        <p:cond delay="indefinite"/>
+                      </p:stCondLst>
+                      <p:childTnLst>
+                        <p:par>
+                          <p:cTn id="21" fill="hold">
+                            <p:stCondLst>
+                              <p:cond delay="0"/>
+                            </p:stCondLst>
+                            <p:childTnLst>
+                              <p:par>
+                                <p:cTn id="22" presetID="1" presetClass="entr" presetSubtype="0" fill="hold" grpId="0" nodeType="clickEffect">
+                                  <p:stCondLst>
+                                    <p:cond delay="0"/>
+                                  </p:stCondLst>
+                                  <p:childTnLst>
+                                    <p:set>
+                                      <p:cBhvr>
+                                        <p:cTn id="23" dur="1" fill="hold">
+                                          <p:stCondLst>
+                                            <p:cond delay="0"/>
+                                          </p:stCondLst>
+                                        </p:cTn>
+                                        <p:tgtEl>
+                                          <p:spTgt spid="9"/>
+                                        </p:tgtEl>
+                                        <p:attrNameLst>
+                                          <p:attrName>style.visibility</p:attrName>
+                                        </p:attrNameLst>
+                                      </p:cBhvr>
+                                      <p:to>
+                                        <p:strVal val="visible"/>
+                                      </p:to>
+                                    </p:set>
+                                  </p:childTnLst>
+                                </p:cTn>
+                              </p:par>
+                            </p:childTnLst>
+                          </p:cTn>
+                        </p:par>
+                      </p:childTnLst>
+                    </p:cTn>
+                  </p:par>
+                </p:childTnLst>
+              </p:cTn>
+              <p:prevCondLst>
+                <p:cond evt="onPrev" delay="0">
+                  <p:tgtEl>
+                    <p:sldTgt/>
+                  </p:tgtEl>
+                </p:cond>
+              </p:prevCondLst>
+              <p:nextCondLst>
+                <p:cond evt="onNext" delay="0">
+                  <p:tgtEl>
+                    <p:sldTgt/>
+                  </p:tgtEl>
+                </p:cond>
+              </p:nextCondLst>
+            </p:seq>
+          </p:childTnLst>
+        </p:cTn>
+      </p:par>
+    </p:tnLst>
+    <p:bldLst>
+      <p:bldP spid="3" grpId="0" animBg="1"/>
+      <p:bldP spid="5" grpId="0" animBg="1"/>
+      <p:bldP spid="6" grpId="0" animBg="1"/>
+      <p:bldP spid="7" grpId="0" animBg="1"/>
+      <p:bldP spid="8" grpId="0" animBg="1"/>
+      <p:bldP spid="9" grpId="0"/>
+    </p:bldLst>
+  </p:timing>
+</p:sld>
+</file>
+
+<file path=ppt/slides/slide28.xml><?xml version="1.0" encoding="utf-8"?>
+<p:sld xmlns:a="http://schemas.openxmlformats.org/drawingml/2006/main" xmlns:r="http://schemas.openxmlformats.org/officeDocument/2006/relationships" xmlns:p="http://schemas.openxmlformats.org/presentationml/2006/main">
+  <p:cSld>
+    <p:spTree>
+      <p:nvGrpSpPr>
+        <p:cNvPr id="1" name=""/>
+        <p:cNvGrpSpPr/>
+        <p:nvPr/>
+      </p:nvGrpSpPr>
+      <p:grpSpPr>
+        <a:xfrm>
+          <a:off x="0" y="0"/>
+          <a:ext cx="0" cy="0"/>
+          <a:chOff x="0" y="0"/>
+          <a:chExt cx="0" cy="0"/>
+        </a:xfrm>
+      </p:grpSpPr>
+      <p:sp>
+        <p:nvSpPr>
+          <p:cNvPr id="2" name="Title 1">
+            <a:extLst>
+              <a:ext uri="{FF2B5EF4-FFF2-40B4-BE49-F238E27FC236}">
+                <a16:creationId xmlns:a16="http://schemas.microsoft.com/office/drawing/2014/main" id="{143F979C-CA86-AE0D-1B71-C61F31ADE85A}"/>
+              </a:ext>
+            </a:extLst>
+          </p:cNvPr>
+          <p:cNvSpPr>
+            <a:spLocks noGrp="1"/>
+          </p:cNvSpPr>
+          <p:nvPr>
+            <p:ph type="title"/>
+          </p:nvPr>
+        </p:nvSpPr>
+        <p:spPr>
+          <a:xfrm>
+            <a:off x="396765" y="80552"/>
+            <a:ext cx="10515600" cy="1082922"/>
+          </a:xfrm>
+        </p:spPr>
+        <p:txBody>
+          <a:bodyPr/>
+          <a:lstStyle/>
+          <a:p>
+            <a:r>
+              <a:rPr lang="en-US" b="1" dirty="0"/>
+              <a:t>Abstract pattern instantiation example</a:t>
+            </a:r>
+            <a:endParaRPr lang="en-NL" b="1" dirty="0"/>
+          </a:p>
+        </p:txBody>
+      </p:sp>
+      <p:sp>
+        <p:nvSpPr>
+          <p:cNvPr id="4" name="TextBox 3">
+            <a:extLst>
+              <a:ext uri="{FF2B5EF4-FFF2-40B4-BE49-F238E27FC236}">
+                <a16:creationId xmlns:a16="http://schemas.microsoft.com/office/drawing/2014/main" id="{0B792318-938D-97E5-71E9-48F246A27C07}"/>
+              </a:ext>
+            </a:extLst>
+          </p:cNvPr>
+          <p:cNvSpPr txBox="1"/>
+          <p:nvPr/>
+        </p:nvSpPr>
+        <p:spPr>
+          <a:xfrm>
+            <a:off x="1162338" y="1526404"/>
+            <a:ext cx="7779105" cy="3693319"/>
+          </a:xfrm>
+          <a:prstGeom prst="rect">
+            <a:avLst/>
+          </a:prstGeom>
+          <a:solidFill>
+            <a:schemeClr val="bg1">
+              <a:lumMod val="95000"/>
+            </a:schemeClr>
+          </a:solidFill>
+        </p:spPr>
+        <p:txBody>
+          <a:bodyPr wrap="square" rtlCol="0">
+            <a:spAutoFit/>
+          </a:bodyPr>
+          <a:lstStyle/>
+          <a:p>
+            <a:r>
+              <a:rPr lang="de-DE" b="1" dirty="0">
+                <a:latin typeface="Courier New" panose="02070309020205020404" pitchFamily="49" charset="0"/>
+                <a:cs typeface="Courier New" panose="02070309020205020404" pitchFamily="49" charset="0"/>
+              </a:rPr>
+              <a:t>  &lt;!-- Pattern </a:t>
+            </a:r>
+            <a:r>
+              <a:rPr lang="de-DE" b="1" dirty="0" err="1">
+                <a:latin typeface="Courier New" panose="02070309020205020404" pitchFamily="49" charset="0"/>
+                <a:cs typeface="Courier New" panose="02070309020205020404" pitchFamily="49" charset="0"/>
+              </a:rPr>
+              <a:t>for</a:t>
+            </a:r>
+            <a:r>
+              <a:rPr lang="de-DE" b="1" dirty="0">
+                <a:latin typeface="Courier New" panose="02070309020205020404" pitchFamily="49" charset="0"/>
+                <a:cs typeface="Courier New" panose="02070309020205020404" pitchFamily="49" charset="0"/>
+              </a:rPr>
+              <a:t> HTML </a:t>
+            </a:r>
+            <a:r>
+              <a:rPr lang="de-DE" b="1" dirty="0" err="1">
+                <a:latin typeface="Courier New" panose="02070309020205020404" pitchFamily="49" charset="0"/>
+                <a:cs typeface="Courier New" panose="02070309020205020404" pitchFamily="49" charset="0"/>
+              </a:rPr>
+              <a:t>tables</a:t>
+            </a:r>
+            <a:r>
+              <a:rPr lang="de-DE" b="1" dirty="0">
+                <a:latin typeface="Courier New" panose="02070309020205020404" pitchFamily="49" charset="0"/>
+                <a:cs typeface="Courier New" panose="02070309020205020404" pitchFamily="49" charset="0"/>
+              </a:rPr>
+              <a:t>: --&gt;</a:t>
+            </a:r>
+          </a:p>
+          <a:p>
+            <a:r>
+              <a:rPr lang="de-DE" b="1" dirty="0">
+                <a:latin typeface="Courier New" panose="02070309020205020404" pitchFamily="49" charset="0"/>
+                <a:cs typeface="Courier New" panose="02070309020205020404" pitchFamily="49" charset="0"/>
+              </a:rPr>
+              <a:t>  &lt;</a:t>
+            </a:r>
+            <a:r>
+              <a:rPr lang="de-DE" b="1" dirty="0" err="1">
+                <a:latin typeface="Courier New" panose="02070309020205020404" pitchFamily="49" charset="0"/>
+                <a:cs typeface="Courier New" panose="02070309020205020404" pitchFamily="49" charset="0"/>
+              </a:rPr>
+              <a:t>pattern</a:t>
+            </a:r>
+            <a:r>
+              <a:rPr lang="de-DE" b="1" dirty="0">
+                <a:latin typeface="Courier New" panose="02070309020205020404" pitchFamily="49" charset="0"/>
+                <a:cs typeface="Courier New" panose="02070309020205020404" pitchFamily="49" charset="0"/>
+              </a:rPr>
+              <a:t> </a:t>
+            </a:r>
+            <a:r>
+              <a:rPr lang="de-DE" b="1" dirty="0" err="1">
+                <a:latin typeface="Courier New" panose="02070309020205020404" pitchFamily="49" charset="0"/>
+                <a:cs typeface="Courier New" panose="02070309020205020404" pitchFamily="49" charset="0"/>
+              </a:rPr>
+              <a:t>is</a:t>
+            </a:r>
+            <a:r>
+              <a:rPr lang="de-DE" b="1" dirty="0">
+                <a:latin typeface="Courier New" panose="02070309020205020404" pitchFamily="49" charset="0"/>
+                <a:cs typeface="Courier New" panose="02070309020205020404" pitchFamily="49" charset="0"/>
+              </a:rPr>
+              <a:t>-a="</a:t>
+            </a:r>
+            <a:r>
+              <a:rPr lang="de-DE" b="1" dirty="0" err="1">
+                <a:latin typeface="Courier New" panose="02070309020205020404" pitchFamily="49" charset="0"/>
+                <a:cs typeface="Courier New" panose="02070309020205020404" pitchFamily="49" charset="0"/>
+              </a:rPr>
+              <a:t>table</a:t>
+            </a:r>
+            <a:r>
+              <a:rPr lang="de-DE" b="1" dirty="0">
+                <a:latin typeface="Courier New" panose="02070309020205020404" pitchFamily="49" charset="0"/>
+                <a:cs typeface="Courier New" panose="02070309020205020404" pitchFamily="49" charset="0"/>
+              </a:rPr>
+              <a:t>-pattern" &gt;</a:t>
+            </a:r>
+          </a:p>
+          <a:p>
+            <a:r>
+              <a:rPr lang="de-DE" b="1" dirty="0">
+                <a:latin typeface="Courier New" panose="02070309020205020404" pitchFamily="49" charset="0"/>
+                <a:cs typeface="Courier New" panose="02070309020205020404" pitchFamily="49" charset="0"/>
+              </a:rPr>
+              <a:t>    &lt;</a:t>
+            </a:r>
+            <a:r>
+              <a:rPr lang="de-DE" b="1" dirty="0" err="1">
+                <a:latin typeface="Courier New" panose="02070309020205020404" pitchFamily="49" charset="0"/>
+                <a:cs typeface="Courier New" panose="02070309020205020404" pitchFamily="49" charset="0"/>
+              </a:rPr>
+              <a:t>param</a:t>
+            </a:r>
+            <a:r>
+              <a:rPr lang="de-DE" b="1" dirty="0">
+                <a:latin typeface="Courier New" panose="02070309020205020404" pitchFamily="49" charset="0"/>
+                <a:cs typeface="Courier New" panose="02070309020205020404" pitchFamily="49" charset="0"/>
+              </a:rPr>
+              <a:t> </a:t>
+            </a:r>
+            <a:r>
+              <a:rPr lang="de-DE" b="1" dirty="0" err="1">
+                <a:latin typeface="Courier New" panose="02070309020205020404" pitchFamily="49" charset="0"/>
+                <a:cs typeface="Courier New" panose="02070309020205020404" pitchFamily="49" charset="0"/>
+              </a:rPr>
+              <a:t>name</a:t>
+            </a:r>
+            <a:r>
+              <a:rPr lang="de-DE" b="1" dirty="0">
+                <a:latin typeface="Courier New" panose="02070309020205020404" pitchFamily="49" charset="0"/>
+                <a:cs typeface="Courier New" panose="02070309020205020404" pitchFamily="49" charset="0"/>
+              </a:rPr>
+              <a:t>="</a:t>
+            </a:r>
+            <a:r>
+              <a:rPr lang="de-DE" b="1" dirty="0" err="1">
+                <a:latin typeface="Courier New" panose="02070309020205020404" pitchFamily="49" charset="0"/>
+                <a:cs typeface="Courier New" panose="02070309020205020404" pitchFamily="49" charset="0"/>
+              </a:rPr>
+              <a:t>table</a:t>
+            </a:r>
+            <a:r>
+              <a:rPr lang="de-DE" b="1" dirty="0">
+                <a:latin typeface="Courier New" panose="02070309020205020404" pitchFamily="49" charset="0"/>
+                <a:cs typeface="Courier New" panose="02070309020205020404" pitchFamily="49" charset="0"/>
+              </a:rPr>
+              <a:t>" </a:t>
+            </a:r>
+            <a:r>
+              <a:rPr lang="de-DE" b="1" dirty="0" err="1">
+                <a:latin typeface="Courier New" panose="02070309020205020404" pitchFamily="49" charset="0"/>
+                <a:cs typeface="Courier New" panose="02070309020205020404" pitchFamily="49" charset="0"/>
+              </a:rPr>
+              <a:t>value</a:t>
+            </a:r>
+            <a:r>
+              <a:rPr lang="de-DE" b="1" dirty="0">
+                <a:latin typeface="Courier New" panose="02070309020205020404" pitchFamily="49" charset="0"/>
+                <a:cs typeface="Courier New" panose="02070309020205020404" pitchFamily="49" charset="0"/>
+              </a:rPr>
+              <a:t>="</a:t>
+            </a:r>
+            <a:r>
+              <a:rPr lang="de-DE" b="1" dirty="0" err="1">
+                <a:latin typeface="Courier New" panose="02070309020205020404" pitchFamily="49" charset="0"/>
+                <a:cs typeface="Courier New" panose="02070309020205020404" pitchFamily="49" charset="0"/>
+              </a:rPr>
+              <a:t>table</a:t>
+            </a:r>
+            <a:r>
+              <a:rPr lang="de-DE" b="1" dirty="0">
+                <a:latin typeface="Courier New" panose="02070309020205020404" pitchFamily="49" charset="0"/>
+                <a:cs typeface="Courier New" panose="02070309020205020404" pitchFamily="49" charset="0"/>
+              </a:rPr>
+              <a:t>"/&gt;</a:t>
+            </a:r>
+          </a:p>
+          <a:p>
+            <a:r>
+              <a:rPr lang="de-DE" b="1" dirty="0">
+                <a:latin typeface="Courier New" panose="02070309020205020404" pitchFamily="49" charset="0"/>
+                <a:cs typeface="Courier New" panose="02070309020205020404" pitchFamily="49" charset="0"/>
+              </a:rPr>
+              <a:t>    &lt;</a:t>
+            </a:r>
+            <a:r>
+              <a:rPr lang="de-DE" b="1" dirty="0" err="1">
+                <a:latin typeface="Courier New" panose="02070309020205020404" pitchFamily="49" charset="0"/>
+                <a:cs typeface="Courier New" panose="02070309020205020404" pitchFamily="49" charset="0"/>
+              </a:rPr>
+              <a:t>param</a:t>
+            </a:r>
+            <a:r>
+              <a:rPr lang="de-DE" b="1" dirty="0">
+                <a:latin typeface="Courier New" panose="02070309020205020404" pitchFamily="49" charset="0"/>
+                <a:cs typeface="Courier New" panose="02070309020205020404" pitchFamily="49" charset="0"/>
+              </a:rPr>
+              <a:t> </a:t>
+            </a:r>
+            <a:r>
+              <a:rPr lang="de-DE" b="1" dirty="0" err="1">
+                <a:latin typeface="Courier New" panose="02070309020205020404" pitchFamily="49" charset="0"/>
+                <a:cs typeface="Courier New" panose="02070309020205020404" pitchFamily="49" charset="0"/>
+              </a:rPr>
+              <a:t>name</a:t>
+            </a:r>
+            <a:r>
+              <a:rPr lang="de-DE" b="1" dirty="0">
+                <a:latin typeface="Courier New" panose="02070309020205020404" pitchFamily="49" charset="0"/>
+                <a:cs typeface="Courier New" panose="02070309020205020404" pitchFamily="49" charset="0"/>
+              </a:rPr>
+              <a:t>="</a:t>
+            </a:r>
+            <a:r>
+              <a:rPr lang="de-DE" b="1" dirty="0" err="1">
+                <a:latin typeface="Courier New" panose="02070309020205020404" pitchFamily="49" charset="0"/>
+                <a:cs typeface="Courier New" panose="02070309020205020404" pitchFamily="49" charset="0"/>
+              </a:rPr>
+              <a:t>row</a:t>
+            </a:r>
+            <a:r>
+              <a:rPr lang="de-DE" b="1" dirty="0">
+                <a:latin typeface="Courier New" panose="02070309020205020404" pitchFamily="49" charset="0"/>
+                <a:cs typeface="Courier New" panose="02070309020205020404" pitchFamily="49" charset="0"/>
+              </a:rPr>
+              <a:t>" </a:t>
+            </a:r>
+            <a:r>
+              <a:rPr lang="de-DE" b="1" dirty="0" err="1">
+                <a:latin typeface="Courier New" panose="02070309020205020404" pitchFamily="49" charset="0"/>
+                <a:cs typeface="Courier New" panose="02070309020205020404" pitchFamily="49" charset="0"/>
+              </a:rPr>
+              <a:t>value</a:t>
+            </a:r>
+            <a:r>
+              <a:rPr lang="de-DE" b="1" dirty="0">
+                <a:latin typeface="Courier New" panose="02070309020205020404" pitchFamily="49" charset="0"/>
+                <a:cs typeface="Courier New" panose="02070309020205020404" pitchFamily="49" charset="0"/>
+              </a:rPr>
+              <a:t>="</a:t>
+            </a:r>
+            <a:r>
+              <a:rPr lang="de-DE" b="1" dirty="0" err="1">
+                <a:latin typeface="Courier New" panose="02070309020205020404" pitchFamily="49" charset="0"/>
+                <a:cs typeface="Courier New" panose="02070309020205020404" pitchFamily="49" charset="0"/>
+              </a:rPr>
+              <a:t>tr</a:t>
+            </a:r>
+            <a:r>
+              <a:rPr lang="de-DE" b="1" dirty="0">
+                <a:latin typeface="Courier New" panose="02070309020205020404" pitchFamily="49" charset="0"/>
+                <a:cs typeface="Courier New" panose="02070309020205020404" pitchFamily="49" charset="0"/>
+              </a:rPr>
+              <a:t>"/&gt;</a:t>
+            </a:r>
+          </a:p>
+          <a:p>
+            <a:r>
+              <a:rPr lang="de-DE" b="1" dirty="0">
+                <a:latin typeface="Courier New" panose="02070309020205020404" pitchFamily="49" charset="0"/>
+                <a:cs typeface="Courier New" panose="02070309020205020404" pitchFamily="49" charset="0"/>
+              </a:rPr>
+              <a:t>    &lt;</a:t>
+            </a:r>
+            <a:r>
+              <a:rPr lang="de-DE" b="1" dirty="0" err="1">
+                <a:latin typeface="Courier New" panose="02070309020205020404" pitchFamily="49" charset="0"/>
+                <a:cs typeface="Courier New" panose="02070309020205020404" pitchFamily="49" charset="0"/>
+              </a:rPr>
+              <a:t>param</a:t>
+            </a:r>
+            <a:r>
+              <a:rPr lang="de-DE" b="1" dirty="0">
+                <a:latin typeface="Courier New" panose="02070309020205020404" pitchFamily="49" charset="0"/>
+                <a:cs typeface="Courier New" panose="02070309020205020404" pitchFamily="49" charset="0"/>
+              </a:rPr>
+              <a:t> </a:t>
+            </a:r>
+            <a:r>
+              <a:rPr lang="de-DE" b="1" dirty="0" err="1">
+                <a:latin typeface="Courier New" panose="02070309020205020404" pitchFamily="49" charset="0"/>
+                <a:cs typeface="Courier New" panose="02070309020205020404" pitchFamily="49" charset="0"/>
+              </a:rPr>
+              <a:t>name</a:t>
+            </a:r>
+            <a:r>
+              <a:rPr lang="de-DE" b="1" dirty="0">
+                <a:latin typeface="Courier New" panose="02070309020205020404" pitchFamily="49" charset="0"/>
+                <a:cs typeface="Courier New" panose="02070309020205020404" pitchFamily="49" charset="0"/>
+              </a:rPr>
+              <a:t>="</a:t>
+            </a:r>
+            <a:r>
+              <a:rPr lang="de-DE" b="1" dirty="0" err="1">
+                <a:latin typeface="Courier New" panose="02070309020205020404" pitchFamily="49" charset="0"/>
+                <a:cs typeface="Courier New" panose="02070309020205020404" pitchFamily="49" charset="0"/>
+              </a:rPr>
+              <a:t>entry</a:t>
+            </a:r>
+            <a:r>
+              <a:rPr lang="de-DE" b="1" dirty="0">
+                <a:latin typeface="Courier New" panose="02070309020205020404" pitchFamily="49" charset="0"/>
+                <a:cs typeface="Courier New" panose="02070309020205020404" pitchFamily="49" charset="0"/>
+              </a:rPr>
+              <a:t>" </a:t>
+            </a:r>
+            <a:r>
+              <a:rPr lang="de-DE" b="1" dirty="0" err="1">
+                <a:latin typeface="Courier New" panose="02070309020205020404" pitchFamily="49" charset="0"/>
+                <a:cs typeface="Courier New" panose="02070309020205020404" pitchFamily="49" charset="0"/>
+              </a:rPr>
+              <a:t>value</a:t>
+            </a:r>
+            <a:r>
+              <a:rPr lang="de-DE" b="1" dirty="0">
+                <a:latin typeface="Courier New" panose="02070309020205020404" pitchFamily="49" charset="0"/>
+                <a:cs typeface="Courier New" panose="02070309020205020404" pitchFamily="49" charset="0"/>
+              </a:rPr>
+              <a:t>="</a:t>
+            </a:r>
+            <a:r>
+              <a:rPr lang="de-DE" b="1" dirty="0" err="1">
+                <a:latin typeface="Courier New" panose="02070309020205020404" pitchFamily="49" charset="0"/>
+                <a:cs typeface="Courier New" panose="02070309020205020404" pitchFamily="49" charset="0"/>
+              </a:rPr>
+              <a:t>td</a:t>
+            </a:r>
+            <a:r>
+              <a:rPr lang="de-DE" b="1" dirty="0">
+                <a:latin typeface="Courier New" panose="02070309020205020404" pitchFamily="49" charset="0"/>
+                <a:cs typeface="Courier New" panose="02070309020205020404" pitchFamily="49" charset="0"/>
+              </a:rPr>
+              <a:t>"/&gt;</a:t>
+            </a:r>
+          </a:p>
+          <a:p>
+            <a:r>
+              <a:rPr lang="de-DE" b="1" dirty="0">
+                <a:latin typeface="Courier New" panose="02070309020205020404" pitchFamily="49" charset="0"/>
+                <a:cs typeface="Courier New" panose="02070309020205020404" pitchFamily="49" charset="0"/>
+              </a:rPr>
+              <a:t>  &lt;/</a:t>
+            </a:r>
+            <a:r>
+              <a:rPr lang="de-DE" b="1" dirty="0" err="1">
+                <a:latin typeface="Courier New" panose="02070309020205020404" pitchFamily="49" charset="0"/>
+                <a:cs typeface="Courier New" panose="02070309020205020404" pitchFamily="49" charset="0"/>
+              </a:rPr>
+              <a:t>pattern</a:t>
+            </a:r>
+            <a:r>
+              <a:rPr lang="de-DE" b="1" dirty="0">
+                <a:latin typeface="Courier New" panose="02070309020205020404" pitchFamily="49" charset="0"/>
+                <a:cs typeface="Courier New" panose="02070309020205020404" pitchFamily="49" charset="0"/>
+              </a:rPr>
+              <a:t>&gt;</a:t>
+            </a:r>
+          </a:p>
+          <a:p>
+            <a:r>
+              <a:rPr lang="de-DE" b="1" dirty="0">
+                <a:latin typeface="Courier New" panose="02070309020205020404" pitchFamily="49" charset="0"/>
+                <a:cs typeface="Courier New" panose="02070309020205020404" pitchFamily="49" charset="0"/>
+              </a:rPr>
+              <a:t>  </a:t>
+            </a:r>
+          </a:p>
+          <a:p>
+            <a:r>
+              <a:rPr lang="de-DE" b="1" dirty="0">
+                <a:latin typeface="Courier New" panose="02070309020205020404" pitchFamily="49" charset="0"/>
+                <a:cs typeface="Courier New" panose="02070309020205020404" pitchFamily="49" charset="0"/>
+              </a:rPr>
+              <a:t>  &lt;!-- Pattern </a:t>
+            </a:r>
+            <a:r>
+              <a:rPr lang="de-DE" b="1" dirty="0" err="1">
+                <a:latin typeface="Courier New" panose="02070309020205020404" pitchFamily="49" charset="0"/>
+                <a:cs typeface="Courier New" panose="02070309020205020404" pitchFamily="49" charset="0"/>
+              </a:rPr>
+              <a:t>for</a:t>
+            </a:r>
+            <a:r>
+              <a:rPr lang="de-DE" b="1" dirty="0">
+                <a:latin typeface="Courier New" panose="02070309020205020404" pitchFamily="49" charset="0"/>
+                <a:cs typeface="Courier New" panose="02070309020205020404" pitchFamily="49" charset="0"/>
+              </a:rPr>
+              <a:t> a </a:t>
+            </a:r>
+            <a:r>
+              <a:rPr lang="de-DE" b="1" dirty="0" err="1">
+                <a:latin typeface="Courier New" panose="02070309020205020404" pitchFamily="49" charset="0"/>
+                <a:cs typeface="Courier New" panose="02070309020205020404" pitchFamily="49" charset="0"/>
+              </a:rPr>
+              <a:t>calendar</a:t>
+            </a:r>
+            <a:r>
+              <a:rPr lang="de-DE" b="1" dirty="0">
+                <a:latin typeface="Courier New" panose="02070309020205020404" pitchFamily="49" charset="0"/>
+                <a:cs typeface="Courier New" panose="02070309020205020404" pitchFamily="49" charset="0"/>
+              </a:rPr>
+              <a:t> </a:t>
+            </a:r>
+            <a:r>
+              <a:rPr lang="de-DE" b="1" dirty="0" err="1">
+                <a:latin typeface="Courier New" panose="02070309020205020404" pitchFamily="49" charset="0"/>
+                <a:cs typeface="Courier New" panose="02070309020205020404" pitchFamily="49" charset="0"/>
+              </a:rPr>
+              <a:t>table</a:t>
+            </a:r>
+            <a:r>
+              <a:rPr lang="de-DE" b="1" dirty="0">
+                <a:latin typeface="Courier New" panose="02070309020205020404" pitchFamily="49" charset="0"/>
+                <a:cs typeface="Courier New" panose="02070309020205020404" pitchFamily="49" charset="0"/>
+              </a:rPr>
+              <a:t>-like </a:t>
+            </a:r>
+            <a:r>
+              <a:rPr lang="de-DE" b="1" dirty="0" err="1">
+                <a:latin typeface="Courier New" panose="02070309020205020404" pitchFamily="49" charset="0"/>
+                <a:cs typeface="Courier New" panose="02070309020205020404" pitchFamily="49" charset="0"/>
+              </a:rPr>
+              <a:t>structure</a:t>
+            </a:r>
+            <a:r>
+              <a:rPr lang="de-DE" b="1" dirty="0">
+                <a:latin typeface="Courier New" panose="02070309020205020404" pitchFamily="49" charset="0"/>
+                <a:cs typeface="Courier New" panose="02070309020205020404" pitchFamily="49" charset="0"/>
+              </a:rPr>
+              <a:t>: --&gt;</a:t>
+            </a:r>
+          </a:p>
+          <a:p>
+            <a:r>
+              <a:rPr lang="de-DE" b="1" dirty="0">
+                <a:latin typeface="Courier New" panose="02070309020205020404" pitchFamily="49" charset="0"/>
+                <a:cs typeface="Courier New" panose="02070309020205020404" pitchFamily="49" charset="0"/>
+              </a:rPr>
+              <a:t>  &lt;</a:t>
+            </a:r>
+            <a:r>
+              <a:rPr lang="de-DE" b="1" dirty="0" err="1">
+                <a:latin typeface="Courier New" panose="02070309020205020404" pitchFamily="49" charset="0"/>
+                <a:cs typeface="Courier New" panose="02070309020205020404" pitchFamily="49" charset="0"/>
+              </a:rPr>
+              <a:t>pattern</a:t>
+            </a:r>
+            <a:r>
+              <a:rPr lang="de-DE" b="1" dirty="0">
+                <a:latin typeface="Courier New" panose="02070309020205020404" pitchFamily="49" charset="0"/>
+                <a:cs typeface="Courier New" panose="02070309020205020404" pitchFamily="49" charset="0"/>
+              </a:rPr>
+              <a:t> </a:t>
+            </a:r>
+            <a:r>
+              <a:rPr lang="de-DE" b="1" dirty="0" err="1">
+                <a:latin typeface="Courier New" panose="02070309020205020404" pitchFamily="49" charset="0"/>
+                <a:cs typeface="Courier New" panose="02070309020205020404" pitchFamily="49" charset="0"/>
+              </a:rPr>
+              <a:t>is</a:t>
+            </a:r>
+            <a:r>
+              <a:rPr lang="de-DE" b="1" dirty="0">
+                <a:latin typeface="Courier New" panose="02070309020205020404" pitchFamily="49" charset="0"/>
+                <a:cs typeface="Courier New" panose="02070309020205020404" pitchFamily="49" charset="0"/>
+              </a:rPr>
+              <a:t>-a="</a:t>
+            </a:r>
+            <a:r>
+              <a:rPr lang="de-DE" b="1" dirty="0" err="1">
+                <a:latin typeface="Courier New" panose="02070309020205020404" pitchFamily="49" charset="0"/>
+                <a:cs typeface="Courier New" panose="02070309020205020404" pitchFamily="49" charset="0"/>
+              </a:rPr>
+              <a:t>table</a:t>
+            </a:r>
+            <a:r>
+              <a:rPr lang="de-DE" b="1" dirty="0">
+                <a:latin typeface="Courier New" panose="02070309020205020404" pitchFamily="49" charset="0"/>
+                <a:cs typeface="Courier New" panose="02070309020205020404" pitchFamily="49" charset="0"/>
+              </a:rPr>
+              <a:t>-pattern"&gt;</a:t>
+            </a:r>
+          </a:p>
+          <a:p>
+            <a:r>
+              <a:rPr lang="de-DE" b="1" dirty="0">
+                <a:latin typeface="Courier New" panose="02070309020205020404" pitchFamily="49" charset="0"/>
+                <a:cs typeface="Courier New" panose="02070309020205020404" pitchFamily="49" charset="0"/>
+              </a:rPr>
+              <a:t>    &lt;</a:t>
+            </a:r>
+            <a:r>
+              <a:rPr lang="de-DE" b="1" dirty="0" err="1">
+                <a:latin typeface="Courier New" panose="02070309020205020404" pitchFamily="49" charset="0"/>
+                <a:cs typeface="Courier New" panose="02070309020205020404" pitchFamily="49" charset="0"/>
+              </a:rPr>
+              <a:t>param</a:t>
+            </a:r>
+            <a:r>
+              <a:rPr lang="de-DE" b="1" dirty="0">
+                <a:latin typeface="Courier New" panose="02070309020205020404" pitchFamily="49" charset="0"/>
+                <a:cs typeface="Courier New" panose="02070309020205020404" pitchFamily="49" charset="0"/>
+              </a:rPr>
+              <a:t> </a:t>
+            </a:r>
+            <a:r>
+              <a:rPr lang="de-DE" b="1" dirty="0" err="1">
+                <a:latin typeface="Courier New" panose="02070309020205020404" pitchFamily="49" charset="0"/>
+                <a:cs typeface="Courier New" panose="02070309020205020404" pitchFamily="49" charset="0"/>
+              </a:rPr>
+              <a:t>name</a:t>
+            </a:r>
+            <a:r>
+              <a:rPr lang="de-DE" b="1" dirty="0">
+                <a:latin typeface="Courier New" panose="02070309020205020404" pitchFamily="49" charset="0"/>
+                <a:cs typeface="Courier New" panose="02070309020205020404" pitchFamily="49" charset="0"/>
+              </a:rPr>
+              <a:t>="</a:t>
+            </a:r>
+            <a:r>
+              <a:rPr lang="de-DE" b="1" dirty="0" err="1">
+                <a:latin typeface="Courier New" panose="02070309020205020404" pitchFamily="49" charset="0"/>
+                <a:cs typeface="Courier New" panose="02070309020205020404" pitchFamily="49" charset="0"/>
+              </a:rPr>
+              <a:t>table</a:t>
+            </a:r>
+            <a:r>
+              <a:rPr lang="de-DE" b="1" dirty="0">
+                <a:latin typeface="Courier New" panose="02070309020205020404" pitchFamily="49" charset="0"/>
+                <a:cs typeface="Courier New" panose="02070309020205020404" pitchFamily="49" charset="0"/>
+              </a:rPr>
+              <a:t>" </a:t>
+            </a:r>
+            <a:r>
+              <a:rPr lang="de-DE" b="1" dirty="0" err="1">
+                <a:latin typeface="Courier New" panose="02070309020205020404" pitchFamily="49" charset="0"/>
+                <a:cs typeface="Courier New" panose="02070309020205020404" pitchFamily="49" charset="0"/>
+              </a:rPr>
+              <a:t>value</a:t>
+            </a:r>
+            <a:r>
+              <a:rPr lang="de-DE" b="1" dirty="0">
+                <a:latin typeface="Courier New" panose="02070309020205020404" pitchFamily="49" charset="0"/>
+                <a:cs typeface="Courier New" panose="02070309020205020404" pitchFamily="49" charset="0"/>
+              </a:rPr>
+              <a:t>="</a:t>
+            </a:r>
+            <a:r>
+              <a:rPr lang="de-DE" b="1" dirty="0" err="1">
+                <a:latin typeface="Courier New" panose="02070309020205020404" pitchFamily="49" charset="0"/>
+                <a:cs typeface="Courier New" panose="02070309020205020404" pitchFamily="49" charset="0"/>
+              </a:rPr>
+              <a:t>year</a:t>
+            </a:r>
+            <a:r>
+              <a:rPr lang="de-DE" b="1" dirty="0">
+                <a:latin typeface="Courier New" panose="02070309020205020404" pitchFamily="49" charset="0"/>
+                <a:cs typeface="Courier New" panose="02070309020205020404" pitchFamily="49" charset="0"/>
+              </a:rPr>
+              <a:t>"/&gt;</a:t>
+            </a:r>
+          </a:p>
+          <a:p>
+            <a:r>
+              <a:rPr lang="de-DE" b="1" dirty="0">
+                <a:latin typeface="Courier New" panose="02070309020205020404" pitchFamily="49" charset="0"/>
+                <a:cs typeface="Courier New" panose="02070309020205020404" pitchFamily="49" charset="0"/>
+              </a:rPr>
+              <a:t>    &lt;</a:t>
+            </a:r>
+            <a:r>
+              <a:rPr lang="de-DE" b="1" dirty="0" err="1">
+                <a:latin typeface="Courier New" panose="02070309020205020404" pitchFamily="49" charset="0"/>
+                <a:cs typeface="Courier New" panose="02070309020205020404" pitchFamily="49" charset="0"/>
+              </a:rPr>
+              <a:t>param</a:t>
+            </a:r>
+            <a:r>
+              <a:rPr lang="de-DE" b="1" dirty="0">
+                <a:latin typeface="Courier New" panose="02070309020205020404" pitchFamily="49" charset="0"/>
+                <a:cs typeface="Courier New" panose="02070309020205020404" pitchFamily="49" charset="0"/>
+              </a:rPr>
+              <a:t> </a:t>
+            </a:r>
+            <a:r>
+              <a:rPr lang="de-DE" b="1" dirty="0" err="1">
+                <a:latin typeface="Courier New" panose="02070309020205020404" pitchFamily="49" charset="0"/>
+                <a:cs typeface="Courier New" panose="02070309020205020404" pitchFamily="49" charset="0"/>
+              </a:rPr>
+              <a:t>name</a:t>
+            </a:r>
+            <a:r>
+              <a:rPr lang="de-DE" b="1" dirty="0">
+                <a:latin typeface="Courier New" panose="02070309020205020404" pitchFamily="49" charset="0"/>
+                <a:cs typeface="Courier New" panose="02070309020205020404" pitchFamily="49" charset="0"/>
+              </a:rPr>
+              <a:t>="</a:t>
+            </a:r>
+            <a:r>
+              <a:rPr lang="de-DE" b="1" dirty="0" err="1">
+                <a:latin typeface="Courier New" panose="02070309020205020404" pitchFamily="49" charset="0"/>
+                <a:cs typeface="Courier New" panose="02070309020205020404" pitchFamily="49" charset="0"/>
+              </a:rPr>
+              <a:t>row</a:t>
+            </a:r>
+            <a:r>
+              <a:rPr lang="de-DE" b="1" dirty="0">
+                <a:latin typeface="Courier New" panose="02070309020205020404" pitchFamily="49" charset="0"/>
+                <a:cs typeface="Courier New" panose="02070309020205020404" pitchFamily="49" charset="0"/>
+              </a:rPr>
+              <a:t>" </a:t>
+            </a:r>
+            <a:r>
+              <a:rPr lang="de-DE" b="1" dirty="0" err="1">
+                <a:latin typeface="Courier New" panose="02070309020205020404" pitchFamily="49" charset="0"/>
+                <a:cs typeface="Courier New" panose="02070309020205020404" pitchFamily="49" charset="0"/>
+              </a:rPr>
+              <a:t>value</a:t>
+            </a:r>
+            <a:r>
+              <a:rPr lang="de-DE" b="1" dirty="0">
+                <a:latin typeface="Courier New" panose="02070309020205020404" pitchFamily="49" charset="0"/>
+                <a:cs typeface="Courier New" panose="02070309020205020404" pitchFamily="49" charset="0"/>
+              </a:rPr>
+              <a:t>="</a:t>
+            </a:r>
+            <a:r>
+              <a:rPr lang="de-DE" b="1" dirty="0" err="1">
+                <a:latin typeface="Courier New" panose="02070309020205020404" pitchFamily="49" charset="0"/>
+                <a:cs typeface="Courier New" panose="02070309020205020404" pitchFamily="49" charset="0"/>
+              </a:rPr>
+              <a:t>week</a:t>
+            </a:r>
+            <a:r>
+              <a:rPr lang="de-DE" b="1" dirty="0">
+                <a:latin typeface="Courier New" panose="02070309020205020404" pitchFamily="49" charset="0"/>
+                <a:cs typeface="Courier New" panose="02070309020205020404" pitchFamily="49" charset="0"/>
+              </a:rPr>
+              <a:t>"/&gt;</a:t>
+            </a:r>
+          </a:p>
+          <a:p>
+            <a:r>
+              <a:rPr lang="de-DE" b="1" dirty="0">
+                <a:latin typeface="Courier New" panose="02070309020205020404" pitchFamily="49" charset="0"/>
+                <a:cs typeface="Courier New" panose="02070309020205020404" pitchFamily="49" charset="0"/>
+              </a:rPr>
+              <a:t>    &lt;</a:t>
+            </a:r>
+            <a:r>
+              <a:rPr lang="de-DE" b="1" dirty="0" err="1">
+                <a:latin typeface="Courier New" panose="02070309020205020404" pitchFamily="49" charset="0"/>
+                <a:cs typeface="Courier New" panose="02070309020205020404" pitchFamily="49" charset="0"/>
+              </a:rPr>
+              <a:t>param</a:t>
+            </a:r>
+            <a:r>
+              <a:rPr lang="de-DE" b="1" dirty="0">
+                <a:latin typeface="Courier New" panose="02070309020205020404" pitchFamily="49" charset="0"/>
+                <a:cs typeface="Courier New" panose="02070309020205020404" pitchFamily="49" charset="0"/>
+              </a:rPr>
+              <a:t> </a:t>
+            </a:r>
+            <a:r>
+              <a:rPr lang="de-DE" b="1" dirty="0" err="1">
+                <a:latin typeface="Courier New" panose="02070309020205020404" pitchFamily="49" charset="0"/>
+                <a:cs typeface="Courier New" panose="02070309020205020404" pitchFamily="49" charset="0"/>
+              </a:rPr>
+              <a:t>name</a:t>
+            </a:r>
+            <a:r>
+              <a:rPr lang="de-DE" b="1" dirty="0">
+                <a:latin typeface="Courier New" panose="02070309020205020404" pitchFamily="49" charset="0"/>
+                <a:cs typeface="Courier New" panose="02070309020205020404" pitchFamily="49" charset="0"/>
+              </a:rPr>
+              <a:t>="</a:t>
+            </a:r>
+            <a:r>
+              <a:rPr lang="de-DE" b="1" dirty="0" err="1">
+                <a:latin typeface="Courier New" panose="02070309020205020404" pitchFamily="49" charset="0"/>
+                <a:cs typeface="Courier New" panose="02070309020205020404" pitchFamily="49" charset="0"/>
+              </a:rPr>
+              <a:t>entry</a:t>
+            </a:r>
+            <a:r>
+              <a:rPr lang="de-DE" b="1" dirty="0">
+                <a:latin typeface="Courier New" panose="02070309020205020404" pitchFamily="49" charset="0"/>
+                <a:cs typeface="Courier New" panose="02070309020205020404" pitchFamily="49" charset="0"/>
+              </a:rPr>
+              <a:t>" </a:t>
+            </a:r>
+            <a:r>
+              <a:rPr lang="de-DE" b="1" dirty="0" err="1">
+                <a:latin typeface="Courier New" panose="02070309020205020404" pitchFamily="49" charset="0"/>
+                <a:cs typeface="Courier New" panose="02070309020205020404" pitchFamily="49" charset="0"/>
+              </a:rPr>
+              <a:t>value</a:t>
+            </a:r>
+            <a:r>
+              <a:rPr lang="de-DE" b="1" dirty="0">
+                <a:latin typeface="Courier New" panose="02070309020205020404" pitchFamily="49" charset="0"/>
+                <a:cs typeface="Courier New" panose="02070309020205020404" pitchFamily="49" charset="0"/>
+              </a:rPr>
+              <a:t>="</a:t>
+            </a:r>
+            <a:r>
+              <a:rPr lang="de-DE" b="1" dirty="0" err="1">
+                <a:latin typeface="Courier New" panose="02070309020205020404" pitchFamily="49" charset="0"/>
+                <a:cs typeface="Courier New" panose="02070309020205020404" pitchFamily="49" charset="0"/>
+              </a:rPr>
+              <a:t>day</a:t>
+            </a:r>
+            <a:r>
+              <a:rPr lang="de-DE" b="1" dirty="0">
+                <a:latin typeface="Courier New" panose="02070309020205020404" pitchFamily="49" charset="0"/>
+                <a:cs typeface="Courier New" panose="02070309020205020404" pitchFamily="49" charset="0"/>
+              </a:rPr>
+              <a:t>"/&gt;</a:t>
+            </a:r>
+          </a:p>
+          <a:p>
+            <a:r>
+              <a:rPr lang="de-DE" b="1" dirty="0">
+                <a:latin typeface="Courier New" panose="02070309020205020404" pitchFamily="49" charset="0"/>
+                <a:cs typeface="Courier New" panose="02070309020205020404" pitchFamily="49" charset="0"/>
+              </a:rPr>
+              <a:t>  &lt;/</a:t>
+            </a:r>
+            <a:r>
+              <a:rPr lang="de-DE" b="1" dirty="0" err="1">
+                <a:latin typeface="Courier New" panose="02070309020205020404" pitchFamily="49" charset="0"/>
+                <a:cs typeface="Courier New" panose="02070309020205020404" pitchFamily="49" charset="0"/>
+              </a:rPr>
+              <a:t>pattern</a:t>
+            </a:r>
+            <a:r>
+              <a:rPr lang="de-DE" b="1" dirty="0">
+                <a:latin typeface="Courier New" panose="02070309020205020404" pitchFamily="49" charset="0"/>
+                <a:cs typeface="Courier New" panose="02070309020205020404" pitchFamily="49" charset="0"/>
+              </a:rPr>
+              <a:t>&gt;</a:t>
+            </a:r>
+          </a:p>
+        </p:txBody>
+      </p:sp>
+      <p:sp>
+        <p:nvSpPr>
+          <p:cNvPr id="9" name="TextBox 8">
+            <a:extLst>
+              <a:ext uri="{FF2B5EF4-FFF2-40B4-BE49-F238E27FC236}">
+                <a16:creationId xmlns:a16="http://schemas.microsoft.com/office/drawing/2014/main" id="{AD59EFB8-9693-9839-CFC6-A80F4A0EA863}"/>
+              </a:ext>
+            </a:extLst>
+          </p:cNvPr>
+          <p:cNvSpPr txBox="1"/>
+          <p:nvPr/>
+        </p:nvSpPr>
+        <p:spPr>
+          <a:xfrm>
+            <a:off x="1527858" y="5582653"/>
+            <a:ext cx="7708739" cy="461665"/>
+          </a:xfrm>
+          <a:prstGeom prst="rect">
+            <a:avLst/>
+          </a:prstGeom>
+          <a:noFill/>
+        </p:spPr>
+        <p:txBody>
+          <a:bodyPr wrap="square" rtlCol="0">
+            <a:spAutoFit/>
+          </a:bodyPr>
+          <a:lstStyle/>
+          <a:p>
+            <a:r>
+              <a:rPr lang="en-US" sz="2400" dirty="0">
+                <a:highlight>
+                  <a:srgbClr val="FFFF00"/>
+                </a:highlight>
+              </a:rPr>
+              <a:t>The </a:t>
+            </a:r>
+            <a:r>
+              <a:rPr lang="en-US" sz="2000" b="1" dirty="0">
+                <a:highlight>
+                  <a:srgbClr val="FFFF00"/>
+                </a:highlight>
+                <a:latin typeface="Courier New" panose="02070309020205020404" pitchFamily="49" charset="0"/>
+                <a:cs typeface="Courier New" panose="02070309020205020404" pitchFamily="49" charset="0"/>
+              </a:rPr>
+              <a:t>value</a:t>
+            </a:r>
+            <a:r>
+              <a:rPr lang="en-US" sz="2400" dirty="0">
+                <a:highlight>
+                  <a:srgbClr val="FFFF00"/>
+                </a:highlight>
+              </a:rPr>
+              <a:t> attribute is </a:t>
+            </a:r>
+            <a:r>
+              <a:rPr lang="en-US" sz="2400" i="1" dirty="0">
+                <a:highlight>
+                  <a:srgbClr val="FFFF00"/>
+                </a:highlight>
+              </a:rPr>
+              <a:t>not</a:t>
+            </a:r>
+            <a:r>
+              <a:rPr lang="en-US" sz="2400" dirty="0">
+                <a:highlight>
+                  <a:srgbClr val="FFFF00"/>
+                </a:highlight>
+              </a:rPr>
+              <a:t> an XPath expression, just text!</a:t>
+            </a:r>
+            <a:endParaRPr lang="en-NL" sz="2400" dirty="0">
+              <a:highlight>
+                <a:srgbClr val="FFFF00"/>
+              </a:highlight>
+            </a:endParaRPr>
+          </a:p>
+        </p:txBody>
+      </p:sp>
+    </p:spTree>
+    <p:extLst>
+      <p:ext uri="{BB962C8B-B14F-4D97-AF65-F5344CB8AC3E}">
+        <p14:creationId xmlns:p14="http://schemas.microsoft.com/office/powerpoint/2010/main" val="4119007189"/>
+      </p:ext>
+    </p:extLst>
+  </p:cSld>
+  <p:clrMapOvr>
+    <a:masterClrMapping/>
+  </p:clrMapOvr>
+</p:sld>
+</file>
+
+<file path=ppt/slides/slide29.xml><?xml version="1.0" encoding="utf-8"?>
+<p:sld xmlns:a="http://schemas.openxmlformats.org/drawingml/2006/main" xmlns:r="http://schemas.openxmlformats.org/officeDocument/2006/relationships" xmlns:p="http://schemas.openxmlformats.org/presentationml/2006/main">
+  <p:cSld>
+    <p:spTree>
+      <p:nvGrpSpPr>
+        <p:cNvPr id="1" name=""/>
+        <p:cNvGrpSpPr/>
+        <p:nvPr/>
+      </p:nvGrpSpPr>
+      <p:grpSpPr>
+        <a:xfrm>
+          <a:off x="0" y="0"/>
+          <a:ext cx="0" cy="0"/>
+          <a:chOff x="0" y="0"/>
+          <a:chExt cx="0" cy="0"/>
+        </a:xfrm>
+      </p:grpSpPr>
+      <p:sp>
+        <p:nvSpPr>
+          <p:cNvPr id="2" name="Title 1">
+            <a:extLst>
+              <a:ext uri="{FF2B5EF4-FFF2-40B4-BE49-F238E27FC236}">
+                <a16:creationId xmlns:a16="http://schemas.microsoft.com/office/drawing/2014/main" id="{A70F358F-267E-458C-A8D5-5959F20DB9D5}"/>
+              </a:ext>
+            </a:extLst>
+          </p:cNvPr>
+          <p:cNvSpPr>
+            <a:spLocks noGrp="1"/>
+          </p:cNvSpPr>
+          <p:nvPr>
+            <p:ph type="title"/>
+          </p:nvPr>
+        </p:nvSpPr>
+        <p:spPr>
+          <a:xfrm>
+            <a:off x="1218674" y="-179178"/>
+            <a:ext cx="10515600" cy="1325563"/>
+          </a:xfrm>
+        </p:spPr>
+        <p:txBody>
+          <a:bodyPr/>
+          <a:lstStyle/>
+          <a:p>
+            <a:r>
+              <a:rPr lang="en-US" b="1" dirty="0"/>
+              <a:t>Hands-on: Using an abstract pattern</a:t>
+            </a:r>
+            <a:endParaRPr lang="en-NL" b="1" dirty="0"/>
+          </a:p>
+        </p:txBody>
+      </p:sp>
+      <p:sp>
+        <p:nvSpPr>
+          <p:cNvPr id="3" name="Content Placeholder 2">
+            <a:extLst>
+              <a:ext uri="{FF2B5EF4-FFF2-40B4-BE49-F238E27FC236}">
+                <a16:creationId xmlns:a16="http://schemas.microsoft.com/office/drawing/2014/main" id="{B7E5CA6D-D83C-4F14-841A-1F3902B3B2AC}"/>
+              </a:ext>
+            </a:extLst>
+          </p:cNvPr>
+          <p:cNvSpPr>
+            <a:spLocks noGrp="1"/>
+          </p:cNvSpPr>
+          <p:nvPr>
+            <p:ph idx="1"/>
+          </p:nvPr>
+        </p:nvSpPr>
+        <p:spPr>
+          <a:xfrm>
+            <a:off x="249766" y="1325186"/>
+            <a:ext cx="11826620" cy="4899039"/>
+          </a:xfrm>
+        </p:spPr>
+        <p:txBody>
+          <a:bodyPr>
+            <a:normAutofit fontScale="92500" lnSpcReduction="10000"/>
+          </a:bodyPr>
+          <a:lstStyle/>
+          <a:p>
+            <a:r>
+              <a:rPr lang="en-US" dirty="0"/>
+              <a:t>All files in:  </a:t>
+            </a:r>
+            <a:r>
+              <a:rPr lang="en-US" b="1" dirty="0">
+                <a:latin typeface="Courier New" panose="02070309020205020404" pitchFamily="49" charset="0"/>
+                <a:cs typeface="Courier New" panose="02070309020205020404" pitchFamily="49" charset="0"/>
+              </a:rPr>
+              <a:t>…/exercises</a:t>
+            </a:r>
+            <a:r>
+              <a:rPr lang="en-US" dirty="0">
+                <a:latin typeface="Courier New" panose="02070309020205020404" pitchFamily="49" charset="0"/>
+                <a:cs typeface="Courier New" panose="02070309020205020404" pitchFamily="49" charset="0"/>
+              </a:rPr>
+              <a:t>/</a:t>
+            </a:r>
+            <a:r>
+              <a:rPr lang="en-US" b="1" dirty="0">
+                <a:latin typeface="Courier New" panose="02070309020205020404" pitchFamily="49" charset="0"/>
+                <a:cs typeface="Courier New" panose="02070309020205020404" pitchFamily="49" charset="0"/>
+              </a:rPr>
+              <a:t>exercise-03-01</a:t>
+            </a:r>
+          </a:p>
+          <a:p>
+            <a:endParaRPr lang="en-US" dirty="0"/>
+          </a:p>
+          <a:p>
+            <a:r>
+              <a:rPr lang="en-US" dirty="0"/>
+              <a:t>Read the instructions in:  </a:t>
+            </a:r>
+            <a:r>
+              <a:rPr lang="en-US" b="1" dirty="0">
+                <a:latin typeface="Courier New" panose="02070309020205020404" pitchFamily="49" charset="0"/>
+                <a:cs typeface="Courier New" panose="02070309020205020404" pitchFamily="49" charset="0"/>
+              </a:rPr>
+              <a:t>instructions.pdf</a:t>
+            </a:r>
+            <a:endParaRPr lang="en-US" dirty="0"/>
+          </a:p>
+          <a:p>
+            <a:r>
+              <a:rPr lang="en-US" dirty="0"/>
+              <a:t>Open the files:</a:t>
+            </a:r>
+          </a:p>
+          <a:p>
+            <a:pPr lvl="1"/>
+            <a:r>
+              <a:rPr lang="en-US" dirty="0"/>
+              <a:t>Document to validate: </a:t>
+            </a:r>
+            <a:r>
+              <a:rPr lang="en-US" b="1" dirty="0">
+                <a:latin typeface="Courier New" panose="02070309020205020404" pitchFamily="49" charset="0"/>
+                <a:cs typeface="Courier New" panose="02070309020205020404" pitchFamily="49" charset="0"/>
+              </a:rPr>
+              <a:t>input.xml</a:t>
+            </a:r>
+          </a:p>
+          <a:p>
+            <a:pPr lvl="1"/>
+            <a:r>
+              <a:rPr lang="en-US" dirty="0"/>
+              <a:t>Template Schematron schema: </a:t>
+            </a:r>
+            <a:r>
+              <a:rPr lang="en-US" b="1" dirty="0" err="1">
+                <a:latin typeface="Courier New" panose="02070309020205020404" pitchFamily="49" charset="0"/>
+                <a:cs typeface="Courier New" panose="02070309020205020404" pitchFamily="49" charset="0"/>
+              </a:rPr>
+              <a:t>template.sch</a:t>
+            </a:r>
+            <a:endParaRPr lang="en-US" b="1" dirty="0">
+              <a:latin typeface="Courier New" panose="02070309020205020404" pitchFamily="49" charset="0"/>
+              <a:cs typeface="Courier New" panose="02070309020205020404" pitchFamily="49" charset="0"/>
+            </a:endParaRPr>
+          </a:p>
+          <a:p>
+            <a:r>
+              <a:rPr lang="en-US" dirty="0"/>
+              <a:t>Enhance </a:t>
+            </a:r>
+            <a:r>
+              <a:rPr lang="en-US" b="1" dirty="0" err="1">
+                <a:latin typeface="Courier New" panose="02070309020205020404" pitchFamily="49" charset="0"/>
+                <a:cs typeface="Courier New" panose="02070309020205020404" pitchFamily="49" charset="0"/>
+              </a:rPr>
+              <a:t>template.sch</a:t>
+            </a:r>
+            <a:r>
+              <a:rPr lang="en-US" dirty="0"/>
+              <a:t> according to the instructions </a:t>
+            </a:r>
+          </a:p>
+          <a:p>
+            <a:r>
+              <a:rPr lang="en-US" dirty="0"/>
+              <a:t>To try it out in oXygen, </a:t>
+            </a:r>
+            <a:r>
+              <a:rPr lang="en-US" b="1" dirty="0">
+                <a:latin typeface="Courier New" panose="02070309020205020404" pitchFamily="49" charset="0"/>
+                <a:cs typeface="Courier New" panose="02070309020205020404" pitchFamily="49" charset="0"/>
+              </a:rPr>
+              <a:t>input.xml</a:t>
+            </a:r>
+            <a:r>
+              <a:rPr lang="en-US" dirty="0"/>
+              <a:t> is automatically validated by </a:t>
+            </a:r>
+            <a:r>
+              <a:rPr lang="en-US" b="1" dirty="0" err="1">
+                <a:latin typeface="Courier New" panose="02070309020205020404" pitchFamily="49" charset="0"/>
+                <a:cs typeface="Courier New" panose="02070309020205020404" pitchFamily="49" charset="0"/>
+              </a:rPr>
+              <a:t>template.sch</a:t>
+            </a:r>
+            <a:endParaRPr lang="en-US" b="1" dirty="0">
+              <a:latin typeface="Courier New" panose="02070309020205020404" pitchFamily="49" charset="0"/>
+              <a:cs typeface="Courier New" panose="02070309020205020404" pitchFamily="49" charset="0"/>
+            </a:endParaRPr>
+          </a:p>
+          <a:p>
+            <a:endParaRPr lang="en-US" dirty="0"/>
+          </a:p>
+          <a:p>
+            <a:endParaRPr lang="en-US" dirty="0"/>
+          </a:p>
+          <a:p>
+            <a:pPr marL="0" indent="0">
+              <a:buNone/>
+            </a:pPr>
+            <a:r>
+              <a:rPr lang="en-US" sz="2200" dirty="0"/>
+              <a:t>Possible solution in: </a:t>
+            </a:r>
+            <a:r>
+              <a:rPr lang="en-US" sz="2200" b="1" dirty="0">
+                <a:latin typeface="Courier New" panose="02070309020205020404" pitchFamily="49" charset="0"/>
+                <a:cs typeface="Courier New" panose="02070309020205020404" pitchFamily="49" charset="0"/>
+              </a:rPr>
+              <a:t>solution/</a:t>
+            </a:r>
+            <a:r>
+              <a:rPr lang="en-US" sz="2200" b="1" dirty="0" err="1">
+                <a:latin typeface="Courier New" panose="02070309020205020404" pitchFamily="49" charset="0"/>
+                <a:cs typeface="Courier New" panose="02070309020205020404" pitchFamily="49" charset="0"/>
+              </a:rPr>
+              <a:t>solution.sch</a:t>
+            </a:r>
+            <a:r>
+              <a:rPr lang="en-US" sz="2200" dirty="0"/>
+              <a:t> (short explanation in </a:t>
+            </a:r>
+            <a:r>
+              <a:rPr lang="en-US" sz="2200" b="1" dirty="0">
+                <a:latin typeface="Courier New" panose="02070309020205020404" pitchFamily="49" charset="0"/>
+                <a:cs typeface="Courier New" panose="02070309020205020404" pitchFamily="49" charset="0"/>
+              </a:rPr>
+              <a:t>solution/explanation.pdf</a:t>
+            </a:r>
+            <a:r>
+              <a:rPr lang="en-US" sz="2200" dirty="0"/>
+              <a:t>).</a:t>
+            </a:r>
+          </a:p>
+          <a:p>
+            <a:pPr marL="0" indent="0">
+              <a:buNone/>
+            </a:pPr>
+            <a:endParaRPr lang="en-US" sz="2200" dirty="0"/>
+          </a:p>
+          <a:p>
+            <a:endParaRPr lang="en-GB" dirty="0"/>
+          </a:p>
+        </p:txBody>
+      </p:sp>
+      <p:pic>
+        <p:nvPicPr>
+          <p:cNvPr id="6" name="Graphic 5" descr="Right pointing backhand index ">
+            <a:extLst>
+              <a:ext uri="{FF2B5EF4-FFF2-40B4-BE49-F238E27FC236}">
+                <a16:creationId xmlns:a16="http://schemas.microsoft.com/office/drawing/2014/main" id="{BA7FB8C5-2AEE-41C3-980A-64845E036DE8}"/>
+              </a:ext>
+            </a:extLst>
+          </p:cNvPr>
+          <p:cNvPicPr>
+            <a:picLocks noChangeAspect="1"/>
+          </p:cNvPicPr>
+          <p:nvPr/>
+        </p:nvPicPr>
+        <p:blipFill>
+          <a:blip r:embed="rId3">
+            <a:extLst>
+              <a:ext uri="{28A0092B-C50C-407E-A947-70E740481C1C}">
+                <a14:useLocalDpi xmlns:a14="http://schemas.microsoft.com/office/drawing/2010/main" val="0"/>
+              </a:ext>
+              <a:ext uri="{96DAC541-7B7A-43D3-8B79-37D633B846F1}">
+                <asvg:svgBlip xmlns:asvg="http://schemas.microsoft.com/office/drawing/2016/SVG/main" r:embed="rId4"/>
+              </a:ext>
+            </a:extLst>
+          </a:blip>
+          <a:stretch>
+            <a:fillRect/>
+          </a:stretch>
+        </p:blipFill>
+        <p:spPr>
+          <a:xfrm>
+            <a:off x="249766" y="26404"/>
+            <a:ext cx="914400" cy="914400"/>
+          </a:xfrm>
+          <a:prstGeom prst="rect">
+            <a:avLst/>
+          </a:prstGeom>
+        </p:spPr>
+      </p:pic>
+    </p:spTree>
+    <p:extLst>
+      <p:ext uri="{BB962C8B-B14F-4D97-AF65-F5344CB8AC3E}">
+        <p14:creationId xmlns:p14="http://schemas.microsoft.com/office/powerpoint/2010/main" val="753736499"/>
+      </p:ext>
+    </p:extLst>
+  </p:cSld>
+  <p:clrMapOvr>
+    <a:masterClrMapping/>
+  </p:clrMapOvr>
+</p:sld>
+</file>
+
+<file path=ppt/slides/slide3.xml><?xml version="1.0" encoding="utf-8"?>
+<p:sld xmlns:a="http://schemas.openxmlformats.org/drawingml/2006/main" xmlns:r="http://schemas.openxmlformats.org/officeDocument/2006/relationships" xmlns:p="http://schemas.openxmlformats.org/presentationml/2006/main">
+  <p:cSld>
+    <p:spTree>
+      <p:nvGrpSpPr>
+        <p:cNvPr id="1" name=""/>
+        <p:cNvGrpSpPr/>
+        <p:nvPr/>
+      </p:nvGrpSpPr>
+      <p:grpSpPr>
+        <a:xfrm>
+          <a:off x="0" y="0"/>
+          <a:ext cx="0" cy="0"/>
+          <a:chOff x="0" y="0"/>
+          <a:chExt cx="0" cy="0"/>
+        </a:xfrm>
+      </p:grpSpPr>
+      <p:pic>
+        <p:nvPicPr>
+          <p:cNvPr id="7" name="Picture 6">
+            <a:extLst>
+              <a:ext uri="{FF2B5EF4-FFF2-40B4-BE49-F238E27FC236}">
+                <a16:creationId xmlns:a16="http://schemas.microsoft.com/office/drawing/2014/main" id="{4A50B2B3-B5D3-A677-5D50-2C4D09181C8C}"/>
+              </a:ext>
+            </a:extLst>
+          </p:cNvPr>
+          <p:cNvPicPr>
+            <a:picLocks noChangeAspect="1"/>
+          </p:cNvPicPr>
+          <p:nvPr/>
+        </p:nvPicPr>
+        <p:blipFill>
+          <a:blip r:embed="rId2"/>
+          <a:stretch>
+            <a:fillRect/>
+          </a:stretch>
+        </p:blipFill>
+        <p:spPr>
+          <a:xfrm rot="20677698">
+            <a:off x="9802575" y="4345867"/>
+            <a:ext cx="2180380" cy="1626243"/>
+          </a:xfrm>
+          <a:prstGeom prst="rect">
+            <a:avLst/>
+          </a:prstGeom>
+        </p:spPr>
+      </p:pic>
+      <p:sp>
+        <p:nvSpPr>
+          <p:cNvPr id="9" name="Arrow: Bent 8">
+            <a:extLst>
+              <a:ext uri="{FF2B5EF4-FFF2-40B4-BE49-F238E27FC236}">
+                <a16:creationId xmlns:a16="http://schemas.microsoft.com/office/drawing/2014/main" id="{9A8E8328-BDAB-46B1-568C-F4B31C583FB2}"/>
+              </a:ext>
+            </a:extLst>
+          </p:cNvPr>
+          <p:cNvSpPr/>
+          <p:nvPr/>
+        </p:nvSpPr>
+        <p:spPr>
+          <a:xfrm flipV="1">
+            <a:off x="7101068" y="3639642"/>
+            <a:ext cx="2675728" cy="2077178"/>
+          </a:xfrm>
+          <a:prstGeom prst="bentArrow">
+            <a:avLst>
+              <a:gd name="adj1" fmla="val 8563"/>
+              <a:gd name="adj2" fmla="val 9197"/>
+              <a:gd name="adj3" fmla="val 28859"/>
+              <a:gd name="adj4" fmla="val 37408"/>
+            </a:avLst>
+          </a:prstGeom>
+        </p:spPr>
+        <p:style>
+          <a:lnRef idx="2">
+            <a:schemeClr val="accent1">
+              <a:shade val="50000"/>
+            </a:schemeClr>
+          </a:lnRef>
+          <a:fillRef idx="1">
+            <a:schemeClr val="accent1"/>
+          </a:fillRef>
+          <a:effectRef idx="0">
+            <a:schemeClr val="accent1"/>
+          </a:effectRef>
+          <a:fontRef idx="minor">
+            <a:schemeClr val="lt1"/>
+          </a:fontRef>
+        </p:style>
+        <p:txBody>
+          <a:bodyPr rtlCol="0" anchor="ctr"/>
+          <a:lstStyle/>
+          <a:p>
+            <a:pPr algn="ctr"/>
+            <a:endParaRPr lang="en-NL">
+              <a:solidFill>
+                <a:schemeClr val="tx1"/>
+              </a:solidFill>
+            </a:endParaRPr>
+          </a:p>
+        </p:txBody>
+      </p:sp>
+      <p:sp>
+        <p:nvSpPr>
+          <p:cNvPr id="2" name="Title 1">
+            <a:extLst>
+              <a:ext uri="{FF2B5EF4-FFF2-40B4-BE49-F238E27FC236}">
+                <a16:creationId xmlns:a16="http://schemas.microsoft.com/office/drawing/2014/main" id="{E146E960-A49E-7763-47BB-A1D405C5DA9B}"/>
+              </a:ext>
+            </a:extLst>
+          </p:cNvPr>
+          <p:cNvSpPr>
+            <a:spLocks noGrp="1"/>
+          </p:cNvSpPr>
+          <p:nvPr>
+            <p:ph type="title"/>
+          </p:nvPr>
+        </p:nvSpPr>
+        <p:spPr/>
+        <p:txBody>
+          <a:bodyPr/>
+          <a:lstStyle/>
+          <a:p>
+            <a:r>
+              <a:rPr lang="en-US" b="1" dirty="0"/>
+              <a:t>Tutorial format</a:t>
+            </a:r>
+            <a:endParaRPr lang="en-NL" b="1" dirty="0"/>
+          </a:p>
+        </p:txBody>
+      </p:sp>
+      <p:sp>
+        <p:nvSpPr>
+          <p:cNvPr id="3" name="Content Placeholder 2">
+            <a:extLst>
+              <a:ext uri="{FF2B5EF4-FFF2-40B4-BE49-F238E27FC236}">
+                <a16:creationId xmlns:a16="http://schemas.microsoft.com/office/drawing/2014/main" id="{6A0FAA7E-CE4E-904F-0AFF-A4BD0955683D}"/>
+              </a:ext>
+            </a:extLst>
+          </p:cNvPr>
+          <p:cNvSpPr>
+            <a:spLocks noGrp="1"/>
+          </p:cNvSpPr>
+          <p:nvPr>
+            <p:ph idx="1"/>
+          </p:nvPr>
+        </p:nvSpPr>
+        <p:spPr>
+          <a:xfrm>
+            <a:off x="244997" y="1825625"/>
+            <a:ext cx="11702005" cy="4351338"/>
+          </a:xfrm>
+        </p:spPr>
+        <p:txBody>
+          <a:bodyPr/>
+          <a:lstStyle/>
+          <a:p>
+            <a:r>
+              <a:rPr lang="en-US" dirty="0"/>
+              <a:t>Bit of theory</a:t>
+            </a:r>
+          </a:p>
+          <a:p>
+            <a:r>
+              <a:rPr lang="en-US" dirty="0"/>
+              <a:t>Exercise!</a:t>
+            </a:r>
+          </a:p>
+          <a:p>
+            <a:pPr lvl="1"/>
+            <a:r>
+              <a:rPr lang="en-US" dirty="0"/>
+              <a:t>Basic instructions at: </a:t>
+            </a:r>
+            <a:r>
+              <a:rPr lang="en-US" dirty="0">
+                <a:hlinkClick r:id="rId3"/>
+              </a:rPr>
+              <a:t>http://da.xatapult.com/</a:t>
+            </a:r>
+            <a:endParaRPr lang="en-US" dirty="0"/>
+          </a:p>
+          <a:p>
+            <a:pPr lvl="1"/>
+            <a:r>
+              <a:rPr lang="en-US" dirty="0"/>
+              <a:t>Presentation, code and instructions are in: </a:t>
+            </a:r>
+            <a:r>
+              <a:rPr lang="en-US" dirty="0">
+                <a:hlinkClick r:id="rId4"/>
+              </a:rPr>
+              <a:t>https://github.com/xatapult/da-2021-xproc</a:t>
+            </a:r>
+            <a:r>
+              <a:rPr lang="en-US" dirty="0"/>
+              <a:t> </a:t>
+            </a:r>
+          </a:p>
+          <a:p>
+            <a:pPr lvl="1"/>
+            <a:r>
+              <a:rPr lang="en-US" dirty="0"/>
+              <a:t>Easiest to follow using oXygen, all prepared</a:t>
+            </a:r>
+          </a:p>
+          <a:p>
+            <a:r>
+              <a:rPr lang="en-US" dirty="0"/>
+              <a:t>Repeat</a:t>
+            </a:r>
+          </a:p>
+          <a:p>
+            <a:pPr lvl="1"/>
+            <a:endParaRPr lang="en-US" dirty="0"/>
+          </a:p>
+          <a:p>
+            <a:pPr lvl="1"/>
+            <a:endParaRPr lang="en-NL" dirty="0"/>
+          </a:p>
+        </p:txBody>
+      </p:sp>
+      <p:pic>
+        <p:nvPicPr>
+          <p:cNvPr id="5" name="Picture 4">
+            <a:extLst>
+              <a:ext uri="{FF2B5EF4-FFF2-40B4-BE49-F238E27FC236}">
+                <a16:creationId xmlns:a16="http://schemas.microsoft.com/office/drawing/2014/main" id="{D6BA09F6-D52C-6A03-A812-B54925910816}"/>
+              </a:ext>
+            </a:extLst>
+          </p:cNvPr>
+          <p:cNvPicPr>
+            <a:picLocks noChangeAspect="1"/>
+          </p:cNvPicPr>
+          <p:nvPr/>
+        </p:nvPicPr>
+        <p:blipFill>
+          <a:blip r:embed="rId5"/>
+          <a:stretch>
+            <a:fillRect/>
+          </a:stretch>
+        </p:blipFill>
+        <p:spPr>
+          <a:xfrm rot="1247341">
+            <a:off x="7964181" y="673152"/>
+            <a:ext cx="3075220" cy="1330005"/>
+          </a:xfrm>
+          <a:prstGeom prst="rect">
+            <a:avLst/>
+          </a:prstGeom>
+        </p:spPr>
+      </p:pic>
+      <p:sp>
+        <p:nvSpPr>
+          <p:cNvPr id="8" name="Arrow: Bent 7">
+            <a:extLst>
+              <a:ext uri="{FF2B5EF4-FFF2-40B4-BE49-F238E27FC236}">
+                <a16:creationId xmlns:a16="http://schemas.microsoft.com/office/drawing/2014/main" id="{66C599B8-A119-2A1A-BA06-42019E0B211A}"/>
+              </a:ext>
+            </a:extLst>
+          </p:cNvPr>
+          <p:cNvSpPr/>
+          <p:nvPr/>
+        </p:nvSpPr>
+        <p:spPr>
+          <a:xfrm>
+            <a:off x="5646470" y="1141179"/>
+            <a:ext cx="3347060" cy="1642531"/>
+          </a:xfrm>
+          <a:prstGeom prst="bentArrow">
+            <a:avLst>
+              <a:gd name="adj1" fmla="val 13373"/>
+              <a:gd name="adj2" fmla="val 13021"/>
+              <a:gd name="adj3" fmla="val 27466"/>
+              <a:gd name="adj4" fmla="val 37408"/>
+            </a:avLst>
+          </a:prstGeom>
+        </p:spPr>
+        <p:style>
+          <a:lnRef idx="2">
+            <a:schemeClr val="accent1">
+              <a:shade val="50000"/>
+            </a:schemeClr>
+          </a:lnRef>
+          <a:fillRef idx="1">
+            <a:schemeClr val="accent1"/>
+          </a:fillRef>
+          <a:effectRef idx="0">
+            <a:schemeClr val="accent1"/>
+          </a:effectRef>
+          <a:fontRef idx="minor">
+            <a:schemeClr val="lt1"/>
+          </a:fontRef>
+        </p:style>
+        <p:txBody>
+          <a:bodyPr rtlCol="0" anchor="ctr"/>
+          <a:lstStyle/>
+          <a:p>
+            <a:pPr algn="ctr"/>
+            <a:endParaRPr lang="en-NL">
+              <a:solidFill>
+                <a:schemeClr val="tx1"/>
+              </a:solidFill>
+            </a:endParaRPr>
+          </a:p>
+        </p:txBody>
+      </p:sp>
+    </p:spTree>
+    <p:extLst>
+      <p:ext uri="{BB962C8B-B14F-4D97-AF65-F5344CB8AC3E}">
+        <p14:creationId xmlns:p14="http://schemas.microsoft.com/office/powerpoint/2010/main" val="3199084273"/>
+      </p:ext>
+    </p:extLst>
+  </p:cSld>
+  <p:clrMapOvr>
+    <a:masterClrMapping/>
+  </p:clrMapOvr>
+</p:sld>
+</file>
+
+<file path=ppt/slides/slide30.xml><?xml version="1.0" encoding="utf-8"?>
 <p:sld xmlns:a="http://schemas.openxmlformats.org/drawingml/2006/main" xmlns:r="http://schemas.openxmlformats.org/officeDocument/2006/relationships" xmlns:p="http://schemas.openxmlformats.org/presentationml/2006/main">
   <p:cSld>
     <p:spTree>
@@ -11736,7 +15070,7 @@
 </p:sld>
 </file>
 
-<file path=ppt/slides/slide26.xml><?xml version="1.0" encoding="utf-8"?>
+<file path=ppt/slides/slide31.xml><?xml version="1.0" encoding="utf-8"?>
 <p:sld xmlns:a="http://schemas.openxmlformats.org/drawingml/2006/main" xmlns:r="http://schemas.openxmlformats.org/officeDocument/2006/relationships" xmlns:p="http://schemas.openxmlformats.org/presentationml/2006/main">
   <p:cSld>
     <p:spTree>
@@ -12703,7 +16037,7 @@
 </p:sld>
 </file>
 
-<file path=ppt/slides/slide27.xml><?xml version="1.0" encoding="utf-8"?>
+<file path=ppt/slides/slide32.xml><?xml version="1.0" encoding="utf-8"?>
 <p:sld xmlns:a="http://schemas.openxmlformats.org/drawingml/2006/main" xmlns:r="http://schemas.openxmlformats.org/officeDocument/2006/relationships" xmlns:p="http://schemas.openxmlformats.org/presentationml/2006/main">
   <p:cSld>
     <p:spTree>
@@ -13354,7 +16688,7 @@
 </p:sld>
 </file>
 
-<file path=ppt/slides/slide28.xml><?xml version="1.0" encoding="utf-8"?>
+<file path=ppt/slides/slide33.xml><?xml version="1.0" encoding="utf-8"?>
 <p:sld xmlns:a="http://schemas.openxmlformats.org/drawingml/2006/main" xmlns:r="http://schemas.openxmlformats.org/officeDocument/2006/relationships" xmlns:p="http://schemas.openxmlformats.org/presentationml/2006/main">
   <p:cSld>
     <p:spTree>
@@ -13535,7 +16869,7 @@
 </p:sld>
 </file>
 
-<file path=ppt/slides/slide29.xml><?xml version="1.0" encoding="utf-8"?>
+<file path=ppt/slides/slide34.xml><?xml version="1.0" encoding="utf-8"?>
 <p:sld xmlns:a="http://schemas.openxmlformats.org/drawingml/2006/main" xmlns:r="http://schemas.openxmlformats.org/officeDocument/2006/relationships" xmlns:p="http://schemas.openxmlformats.org/presentationml/2006/main">
   <p:cSld>
     <p:spTree>
@@ -13759,241 +17093,7 @@
 </p:sld>
 </file>
 
-<file path=ppt/slides/slide3.xml><?xml version="1.0" encoding="utf-8"?>
-<p:sld xmlns:a="http://schemas.openxmlformats.org/drawingml/2006/main" xmlns:r="http://schemas.openxmlformats.org/officeDocument/2006/relationships" xmlns:p="http://schemas.openxmlformats.org/presentationml/2006/main">
-  <p:cSld>
-    <p:spTree>
-      <p:nvGrpSpPr>
-        <p:cNvPr id="1" name=""/>
-        <p:cNvGrpSpPr/>
-        <p:nvPr/>
-      </p:nvGrpSpPr>
-      <p:grpSpPr>
-        <a:xfrm>
-          <a:off x="0" y="0"/>
-          <a:ext cx="0" cy="0"/>
-          <a:chOff x="0" y="0"/>
-          <a:chExt cx="0" cy="0"/>
-        </a:xfrm>
-      </p:grpSpPr>
-      <p:sp>
-        <p:nvSpPr>
-          <p:cNvPr id="2" name="Title 1">
-            <a:extLst>
-              <a:ext uri="{FF2B5EF4-FFF2-40B4-BE49-F238E27FC236}">
-                <a16:creationId xmlns:a16="http://schemas.microsoft.com/office/drawing/2014/main" id="{DA1B0687-9FA5-4319-911B-AD25E7C55984}"/>
-              </a:ext>
-            </a:extLst>
-          </p:cNvPr>
-          <p:cNvSpPr>
-            <a:spLocks noGrp="1"/>
-          </p:cNvSpPr>
-          <p:nvPr>
-            <p:ph type="title"/>
-          </p:nvPr>
-        </p:nvSpPr>
-        <p:spPr>
-          <a:xfrm>
-            <a:off x="525050" y="155596"/>
-            <a:ext cx="10515600" cy="1325563"/>
-          </a:xfrm>
-        </p:spPr>
-        <p:txBody>
-          <a:bodyPr/>
-          <a:lstStyle/>
-          <a:p>
-            <a:r>
-              <a:rPr lang="en-US" b="1" dirty="0"/>
-              <a:t>Schematron </a:t>
-            </a:r>
-            <a:r>
-              <a:rPr lang="en-US" b="1" dirty="0">
-                <a:highlight>
-                  <a:srgbClr val="FFFF00"/>
-                </a:highlight>
-              </a:rPr>
-              <a:t>highlights</a:t>
-            </a:r>
-            <a:endParaRPr lang="en-NL" b="1" dirty="0">
-              <a:highlight>
-                <a:srgbClr val="FFFF00"/>
-              </a:highlight>
-            </a:endParaRPr>
-          </a:p>
-        </p:txBody>
-      </p:sp>
-      <p:sp>
-        <p:nvSpPr>
-          <p:cNvPr id="3" name="Content Placeholder 2">
-            <a:extLst>
-              <a:ext uri="{FF2B5EF4-FFF2-40B4-BE49-F238E27FC236}">
-                <a16:creationId xmlns:a16="http://schemas.microsoft.com/office/drawing/2014/main" id="{35759DFE-054C-462C-8123-0C8D2411A9D6}"/>
-              </a:ext>
-            </a:extLst>
-          </p:cNvPr>
-          <p:cNvSpPr>
-            <a:spLocks noGrp="1"/>
-          </p:cNvSpPr>
-          <p:nvPr>
-            <p:ph idx="1"/>
-          </p:nvPr>
-        </p:nvSpPr>
-        <p:spPr>
-          <a:xfrm>
-            <a:off x="800751" y="1601865"/>
-            <a:ext cx="10515600" cy="3761987"/>
-          </a:xfrm>
-        </p:spPr>
-        <p:txBody>
-          <a:bodyPr>
-            <a:normAutofit fontScale="92500" lnSpcReduction="10000"/>
-          </a:bodyPr>
-          <a:lstStyle/>
-          <a:p>
-            <a:r>
-              <a:rPr lang="en-US" dirty="0"/>
-              <a:t>Simple but powerful</a:t>
-            </a:r>
-          </a:p>
-          <a:p>
-            <a:r>
-              <a:rPr lang="en-US" dirty="0"/>
-              <a:t>A formal XML based schema language</a:t>
-            </a:r>
-          </a:p>
-          <a:p>
-            <a:r>
-              <a:rPr lang="en-US" dirty="0"/>
-              <a:t>Two types of rules:</a:t>
-            </a:r>
-          </a:p>
-          <a:p>
-            <a:pPr lvl="1"/>
-            <a:r>
-              <a:rPr lang="en-US" dirty="0"/>
-              <a:t>Assertions</a:t>
-            </a:r>
-          </a:p>
-          <a:p>
-            <a:pPr lvl="1"/>
-            <a:r>
-              <a:rPr lang="en-US" dirty="0"/>
-              <a:t>Reports</a:t>
-            </a:r>
-          </a:p>
-          <a:p>
-            <a:r>
-              <a:rPr lang="en-US" dirty="0"/>
-              <a:t>Messages in your own words!</a:t>
-            </a:r>
-          </a:p>
-          <a:p>
-            <a:r>
-              <a:rPr lang="en-US" dirty="0"/>
-              <a:t>XPath based expressions</a:t>
-            </a:r>
-          </a:p>
-          <a:p>
-            <a:r>
-              <a:rPr lang="en-US" dirty="0"/>
-              <a:t>Incorporate XSLT keys and functions</a:t>
-            </a:r>
-          </a:p>
-          <a:p>
-            <a:r>
-              <a:rPr lang="en-US" dirty="0"/>
-              <a:t>Can go way beyond the "classic" validation languages</a:t>
-            </a:r>
-          </a:p>
-        </p:txBody>
-      </p:sp>
-      <p:sp>
-        <p:nvSpPr>
-          <p:cNvPr id="4" name="Speech Bubble: Oval 3">
-            <a:extLst>
-              <a:ext uri="{FF2B5EF4-FFF2-40B4-BE49-F238E27FC236}">
-                <a16:creationId xmlns:a16="http://schemas.microsoft.com/office/drawing/2014/main" id="{2721F1B1-1297-4F86-95C5-A246308E3BA4}"/>
-              </a:ext>
-            </a:extLst>
-          </p:cNvPr>
-          <p:cNvSpPr/>
-          <p:nvPr/>
-        </p:nvSpPr>
-        <p:spPr>
-          <a:xfrm>
-            <a:off x="7672093" y="5475822"/>
-            <a:ext cx="3368557" cy="951978"/>
-          </a:xfrm>
-          <a:prstGeom prst="wedgeEllipseCallout">
-            <a:avLst>
-              <a:gd name="adj1" fmla="val 71462"/>
-              <a:gd name="adj2" fmla="val 60972"/>
-            </a:avLst>
-          </a:prstGeom>
-        </p:spPr>
-        <p:style>
-          <a:lnRef idx="2">
-            <a:schemeClr val="accent1">
-              <a:shade val="50000"/>
-            </a:schemeClr>
-          </a:lnRef>
-          <a:fillRef idx="1">
-            <a:schemeClr val="accent1"/>
-          </a:fillRef>
-          <a:effectRef idx="0">
-            <a:schemeClr val="accent1"/>
-          </a:effectRef>
-          <a:fontRef idx="minor">
-            <a:schemeClr val="lt1"/>
-          </a:fontRef>
-        </p:style>
-        <p:txBody>
-          <a:bodyPr rtlCol="0" anchor="ctr"/>
-          <a:lstStyle/>
-          <a:p>
-            <a:pPr algn="ctr"/>
-            <a:r>
-              <a:rPr lang="en-US" dirty="0"/>
-              <a:t>I'm the </a:t>
-            </a:r>
-            <a:r>
-              <a:rPr lang="en-US" dirty="0" err="1"/>
-              <a:t>Schematroll</a:t>
-            </a:r>
-            <a:endParaRPr lang="en-US" dirty="0"/>
-          </a:p>
-          <a:p>
-            <a:pPr algn="ctr"/>
-            <a:r>
-              <a:rPr lang="en-US" dirty="0"/>
-              <a:t>I'm </a:t>
-            </a:r>
-            <a:r>
-              <a:rPr lang="en-US" dirty="0" err="1"/>
-              <a:t>Schematron's</a:t>
-            </a:r>
-            <a:r>
-              <a:rPr lang="en-US" dirty="0"/>
-              <a:t> logo!</a:t>
-            </a:r>
-            <a:endParaRPr lang="en-NL" dirty="0"/>
-          </a:p>
-        </p:txBody>
-      </p:sp>
-    </p:spTree>
-    <p:extLst>
-      <p:ext uri="{BB962C8B-B14F-4D97-AF65-F5344CB8AC3E}">
-        <p14:creationId xmlns:p14="http://schemas.microsoft.com/office/powerpoint/2010/main" val="545629648"/>
-      </p:ext>
-    </p:extLst>
-  </p:cSld>
-  <p:clrMapOvr>
-    <a:masterClrMapping/>
-  </p:clrMapOvr>
-</p:sld>
-</file>
-
-<file path=ppt/slides/slide30.xml><?xml version="1.0" encoding="utf-8"?>
+<file path=ppt/slides/slide35.xml><?xml version="1.0" encoding="utf-8"?>
 <p:sld xmlns:a="http://schemas.openxmlformats.org/drawingml/2006/main" xmlns:r="http://schemas.openxmlformats.org/officeDocument/2006/relationships" xmlns:p="http://schemas.openxmlformats.org/presentationml/2006/main">
   <p:cSld>
     <p:spTree>
@@ -14917,7 +18017,7 @@
 </p:sld>
 </file>
 
-<file path=ppt/slides/slide31.xml><?xml version="1.0" encoding="utf-8"?>
+<file path=ppt/slides/slide36.xml><?xml version="1.0" encoding="utf-8"?>
 <p:sld xmlns:a="http://schemas.openxmlformats.org/drawingml/2006/main" xmlns:r="http://schemas.openxmlformats.org/officeDocument/2006/relationships" xmlns:p="http://schemas.openxmlformats.org/presentationml/2006/main">
   <p:cSld>
     <p:spTree>
@@ -15622,7 +18722,7 @@
 </p:sld>
 </file>
 
-<file path=ppt/slides/slide32.xml><?xml version="1.0" encoding="utf-8"?>
+<file path=ppt/slides/slide37.xml><?xml version="1.0" encoding="utf-8"?>
 <p:sld xmlns:a="http://schemas.openxmlformats.org/drawingml/2006/main" xmlns:r="http://schemas.openxmlformats.org/officeDocument/2006/relationships" xmlns:p="http://schemas.openxmlformats.org/presentationml/2006/main">
   <p:cSld>
     <p:spTree>
@@ -16694,7 +19794,7 @@
 </p:sld>
 </file>
 
-<file path=ppt/slides/slide33.xml><?xml version="1.0" encoding="utf-8"?>
+<file path=ppt/slides/slide38.xml><?xml version="1.0" encoding="utf-8"?>
 <p:sld xmlns:a="http://schemas.openxmlformats.org/drawingml/2006/main" xmlns:r="http://schemas.openxmlformats.org/officeDocument/2006/relationships" xmlns:p="http://schemas.openxmlformats.org/presentationml/2006/main">
   <p:cSld>
     <p:spTree>
@@ -17242,7 +20342,7 @@
 </p:sld>
 </file>
 
-<file path=ppt/slides/slide34.xml><?xml version="1.0" encoding="utf-8"?>
+<file path=ppt/slides/slide39.xml><?xml version="1.0" encoding="utf-8"?>
 <p:sld xmlns:a="http://schemas.openxmlformats.org/drawingml/2006/main" xmlns:r="http://schemas.openxmlformats.org/officeDocument/2006/relationships" xmlns:p="http://schemas.openxmlformats.org/presentationml/2006/main">
   <p:cSld>
     <p:spTree>
@@ -17554,7 +20654,7 @@
 </p:sld>
 </file>
 
-<file path=ppt/slides/slide35.xml><?xml version="1.0" encoding="utf-8"?>
+<file path=ppt/slides/slide4.xml><?xml version="1.0" encoding="utf-8"?>
 <p:sld xmlns:a="http://schemas.openxmlformats.org/drawingml/2006/main" xmlns:r="http://schemas.openxmlformats.org/officeDocument/2006/relationships" xmlns:p="http://schemas.openxmlformats.org/presentationml/2006/main">
   <p:cSld>
     <p:spTree>
@@ -17576,6 +20676,281 @@
           <p:cNvPr id="2" name="Title 1">
             <a:extLst>
               <a:ext uri="{FF2B5EF4-FFF2-40B4-BE49-F238E27FC236}">
+                <a16:creationId xmlns:a16="http://schemas.microsoft.com/office/drawing/2014/main" id="{DA1B0687-9FA5-4319-911B-AD25E7C55984}"/>
+              </a:ext>
+            </a:extLst>
+          </p:cNvPr>
+          <p:cNvSpPr>
+            <a:spLocks noGrp="1"/>
+          </p:cNvSpPr>
+          <p:nvPr>
+            <p:ph type="title"/>
+          </p:nvPr>
+        </p:nvSpPr>
+        <p:spPr>
+          <a:xfrm>
+            <a:off x="114149" y="14123"/>
+            <a:ext cx="10515600" cy="1325563"/>
+          </a:xfrm>
+        </p:spPr>
+        <p:txBody>
+          <a:bodyPr/>
+          <a:lstStyle/>
+          <a:p>
+            <a:r>
+              <a:rPr lang="en-US" b="1" dirty="0"/>
+              <a:t>Schematron highlights</a:t>
+            </a:r>
+            <a:endParaRPr lang="en-NL" b="1" dirty="0"/>
+          </a:p>
+        </p:txBody>
+      </p:sp>
+      <p:sp>
+        <p:nvSpPr>
+          <p:cNvPr id="3" name="Content Placeholder 2">
+            <a:extLst>
+              <a:ext uri="{FF2B5EF4-FFF2-40B4-BE49-F238E27FC236}">
+                <a16:creationId xmlns:a16="http://schemas.microsoft.com/office/drawing/2014/main" id="{35759DFE-054C-462C-8123-0C8D2411A9D6}"/>
+              </a:ext>
+            </a:extLst>
+          </p:cNvPr>
+          <p:cNvSpPr>
+            <a:spLocks noGrp="1"/>
+          </p:cNvSpPr>
+          <p:nvPr>
+            <p:ph idx="1"/>
+          </p:nvPr>
+        </p:nvSpPr>
+        <p:spPr>
+          <a:xfrm>
+            <a:off x="800751" y="1601865"/>
+            <a:ext cx="10515600" cy="3761987"/>
+          </a:xfrm>
+        </p:spPr>
+        <p:txBody>
+          <a:bodyPr>
+            <a:normAutofit fontScale="85000" lnSpcReduction="20000"/>
+          </a:bodyPr>
+          <a:lstStyle/>
+          <a:p>
+            <a:r>
+              <a:rPr lang="en-US" dirty="0"/>
+              <a:t>Simple but powerful</a:t>
+            </a:r>
+          </a:p>
+          <a:p>
+            <a:r>
+              <a:rPr lang="en-US" dirty="0"/>
+              <a:t>A formal XML based schema language</a:t>
+            </a:r>
+          </a:p>
+          <a:p>
+            <a:r>
+              <a:rPr lang="en-US" dirty="0"/>
+              <a:t>Two types of rules:</a:t>
+            </a:r>
+          </a:p>
+          <a:p>
+            <a:pPr lvl="1"/>
+            <a:r>
+              <a:rPr lang="en-US" dirty="0"/>
+              <a:t>Assertions</a:t>
+            </a:r>
+          </a:p>
+          <a:p>
+            <a:pPr lvl="1"/>
+            <a:r>
+              <a:rPr lang="en-US" dirty="0"/>
+              <a:t>Reports</a:t>
+            </a:r>
+          </a:p>
+          <a:p>
+            <a:r>
+              <a:rPr lang="en-US" dirty="0"/>
+              <a:t>Messages in your own words!</a:t>
+            </a:r>
+          </a:p>
+          <a:p>
+            <a:r>
+              <a:rPr lang="en-US" dirty="0"/>
+              <a:t>XPath based expressions</a:t>
+            </a:r>
+          </a:p>
+          <a:p>
+            <a:r>
+              <a:rPr lang="en-US" dirty="0"/>
+              <a:t>Incorporate XSLT keys and functions</a:t>
+            </a:r>
+          </a:p>
+          <a:p>
+            <a:r>
+              <a:rPr lang="en-US" dirty="0"/>
+              <a:t>Can go way beyond the "classic" validation languages</a:t>
+            </a:r>
+          </a:p>
+          <a:p>
+            <a:r>
+              <a:rPr lang="en-US" dirty="0"/>
+              <a:t>Has a predefined XML based output format (SVRL)</a:t>
+            </a:r>
+          </a:p>
+        </p:txBody>
+      </p:sp>
+      <p:sp>
+        <p:nvSpPr>
+          <p:cNvPr id="4" name="Speech Bubble: Oval 3">
+            <a:extLst>
+              <a:ext uri="{FF2B5EF4-FFF2-40B4-BE49-F238E27FC236}">
+                <a16:creationId xmlns:a16="http://schemas.microsoft.com/office/drawing/2014/main" id="{2721F1B1-1297-4F86-95C5-A246308E3BA4}"/>
+              </a:ext>
+            </a:extLst>
+          </p:cNvPr>
+          <p:cNvSpPr/>
+          <p:nvPr/>
+        </p:nvSpPr>
+        <p:spPr>
+          <a:xfrm>
+            <a:off x="7672093" y="5475822"/>
+            <a:ext cx="3368557" cy="951978"/>
+          </a:xfrm>
+          <a:prstGeom prst="wedgeEllipseCallout">
+            <a:avLst>
+              <a:gd name="adj1" fmla="val 71462"/>
+              <a:gd name="adj2" fmla="val 60972"/>
+            </a:avLst>
+          </a:prstGeom>
+        </p:spPr>
+        <p:style>
+          <a:lnRef idx="2">
+            <a:schemeClr val="accent1">
+              <a:shade val="50000"/>
+            </a:schemeClr>
+          </a:lnRef>
+          <a:fillRef idx="1">
+            <a:schemeClr val="accent1"/>
+          </a:fillRef>
+          <a:effectRef idx="0">
+            <a:schemeClr val="accent1"/>
+          </a:effectRef>
+          <a:fontRef idx="minor">
+            <a:schemeClr val="lt1"/>
+          </a:fontRef>
+        </p:style>
+        <p:txBody>
+          <a:bodyPr rtlCol="0" anchor="ctr"/>
+          <a:lstStyle/>
+          <a:p>
+            <a:pPr algn="ctr"/>
+            <a:r>
+              <a:rPr lang="en-US" dirty="0"/>
+              <a:t>I'm the </a:t>
+            </a:r>
+            <a:r>
+              <a:rPr lang="en-US" dirty="0" err="1"/>
+              <a:t>Schematroll</a:t>
+            </a:r>
+            <a:endParaRPr lang="en-US" dirty="0"/>
+          </a:p>
+          <a:p>
+            <a:pPr algn="ctr"/>
+            <a:r>
+              <a:rPr lang="en-US" dirty="0"/>
+              <a:t>I'm </a:t>
+            </a:r>
+            <a:r>
+              <a:rPr lang="en-US" dirty="0" err="1"/>
+              <a:t>Schematron's</a:t>
+            </a:r>
+            <a:r>
+              <a:rPr lang="en-US" dirty="0"/>
+              <a:t> logo!</a:t>
+            </a:r>
+            <a:endParaRPr lang="en-NL" dirty="0"/>
+          </a:p>
+        </p:txBody>
+      </p:sp>
+      <p:pic>
+        <p:nvPicPr>
+          <p:cNvPr id="2050" name="Picture 2" descr="Schematron | Schematron">
+            <a:extLst>
+              <a:ext uri="{FF2B5EF4-FFF2-40B4-BE49-F238E27FC236}">
+                <a16:creationId xmlns:a16="http://schemas.microsoft.com/office/drawing/2014/main" id="{89AEA9ED-0CB1-C07D-F2A8-3C4341491028}"/>
+              </a:ext>
+            </a:extLst>
+          </p:cNvPr>
+          <p:cNvPicPr>
+            <a:picLocks noChangeAspect="1" noChangeArrowheads="1"/>
+          </p:cNvPicPr>
+          <p:nvPr/>
+        </p:nvPicPr>
+        <p:blipFill>
+          <a:blip r:embed="rId2">
+            <a:extLst>
+              <a:ext uri="{28A0092B-C50C-407E-A947-70E740481C1C}">
+                <a14:useLocalDpi xmlns:a14="http://schemas.microsoft.com/office/drawing/2010/main" val="0"/>
+              </a:ext>
+            </a:extLst>
+          </a:blip>
+          <a:srcRect/>
+          <a:stretch>
+            <a:fillRect/>
+          </a:stretch>
+        </p:blipFill>
+        <p:spPr bwMode="auto">
+          <a:xfrm rot="1489992">
+            <a:off x="5808579" y="1739640"/>
+            <a:ext cx="6581775" cy="1571625"/>
+          </a:xfrm>
+          <a:prstGeom prst="rect">
+            <a:avLst/>
+          </a:prstGeom>
+          <a:noFill/>
+          <a:extLst>
+            <a:ext uri="{909E8E84-426E-40DD-AFC4-6F175D3DCCD1}">
+              <a14:hiddenFill xmlns:a14="http://schemas.microsoft.com/office/drawing/2010/main">
+                <a:solidFill>
+                  <a:srgbClr val="FFFFFF"/>
+                </a:solidFill>
+              </a14:hiddenFill>
+            </a:ext>
+          </a:extLst>
+        </p:spPr>
+      </p:pic>
+    </p:spTree>
+    <p:extLst>
+      <p:ext uri="{BB962C8B-B14F-4D97-AF65-F5344CB8AC3E}">
+        <p14:creationId xmlns:p14="http://schemas.microsoft.com/office/powerpoint/2010/main" val="545629648"/>
+      </p:ext>
+    </p:extLst>
+  </p:cSld>
+  <p:clrMapOvr>
+    <a:masterClrMapping/>
+  </p:clrMapOvr>
+</p:sld>
+</file>
+
+<file path=ppt/slides/slide40.xml><?xml version="1.0" encoding="utf-8"?>
+<p:sld xmlns:a="http://schemas.openxmlformats.org/drawingml/2006/main" xmlns:r="http://schemas.openxmlformats.org/officeDocument/2006/relationships" xmlns:p="http://schemas.openxmlformats.org/presentationml/2006/main">
+  <p:cSld>
+    <p:spTree>
+      <p:nvGrpSpPr>
+        <p:cNvPr id="1" name=""/>
+        <p:cNvGrpSpPr/>
+        <p:nvPr/>
+      </p:nvGrpSpPr>
+      <p:grpSpPr>
+        <a:xfrm>
+          <a:off x="0" y="0"/>
+          <a:ext cx="0" cy="0"/>
+          <a:chOff x="0" y="0"/>
+          <a:chExt cx="0" cy="0"/>
+        </a:xfrm>
+      </p:grpSpPr>
+      <p:sp>
+        <p:nvSpPr>
+          <p:cNvPr id="2" name="Title 1">
+            <a:extLst>
+              <a:ext uri="{FF2B5EF4-FFF2-40B4-BE49-F238E27FC236}">
                 <a16:creationId xmlns:a16="http://schemas.microsoft.com/office/drawing/2014/main" id="{F0C815C8-BE18-DEF3-FFBC-5298E1DF0EBB}"/>
               </a:ext>
             </a:extLst>
@@ -17753,7 +21128,7 @@
 </p:sld>
 </file>
 
-<file path=ppt/slides/slide36.xml><?xml version="1.0" encoding="utf-8"?>
+<file path=ppt/slides/slide41.xml><?xml version="1.0" encoding="utf-8"?>
 <p:sld xmlns:a="http://schemas.openxmlformats.org/drawingml/2006/main" xmlns:r="http://schemas.openxmlformats.org/officeDocument/2006/relationships" xmlns:p="http://schemas.openxmlformats.org/presentationml/2006/main">
   <p:cSld>
     <p:spTree>
@@ -17799,8 +21174,8 @@
         </p:blipFill>
         <p:spPr bwMode="auto">
           <a:xfrm>
-            <a:off x="8766973" y="221359"/>
-            <a:ext cx="3064386" cy="2594513"/>
+            <a:off x="9774821" y="76676"/>
+            <a:ext cx="2340118" cy="1981300"/>
           </a:xfrm>
           <a:prstGeom prst="rect">
             <a:avLst/>
@@ -17835,7 +21210,7 @@
         </p:nvSpPr>
         <p:spPr>
           <a:xfrm>
-            <a:off x="224813" y="221359"/>
+            <a:off x="317410" y="158462"/>
             <a:ext cx="10515600" cy="691263"/>
           </a:xfrm>
         </p:spPr>
@@ -17846,10 +21221,10 @@
           <a:lstStyle/>
           <a:p>
             <a:r>
-              <a:rPr lang="en-US" dirty="0"/>
+              <a:rPr lang="en-US" b="1" dirty="0"/>
               <a:t>Wrap up</a:t>
             </a:r>
-            <a:endParaRPr lang="en-GB" dirty="0"/>
+            <a:endParaRPr lang="en-GB" b="1" dirty="0"/>
           </a:p>
         </p:txBody>
       </p:sp>
@@ -17878,6 +21253,43 @@
         <p:txBody>
           <a:bodyPr/>
           <a:lstStyle/>
+          <a:p>
+            <a:r>
+              <a:rPr lang="en-GB" dirty="0"/>
+              <a:t>Schematron is a simple but powerful XML based </a:t>
+            </a:r>
+            <a:br>
+              <a:rPr lang="en-GB" dirty="0"/>
+            </a:br>
+            <a:r>
+              <a:rPr lang="en-GB" dirty="0"/>
+              <a:t>validation language</a:t>
+            </a:r>
+          </a:p>
+          <a:p>
+            <a:r>
+              <a:rPr lang="en-GB" dirty="0"/>
+              <a:t>It consists mainly of patterns, rules, asserts and reports</a:t>
+            </a:r>
+          </a:p>
+          <a:p>
+            <a:r>
+              <a:rPr lang="en-GB" dirty="0"/>
+              <a:t>Messages can be tailored to your (or the user's) needs</a:t>
+            </a:r>
+          </a:p>
+          <a:p>
+            <a:r>
+              <a:rPr lang="en-GB" dirty="0"/>
+              <a:t>It has mechanisms for re-use of code, among which abstract patterns</a:t>
+            </a:r>
+          </a:p>
+          <a:p>
+            <a:r>
+              <a:rPr lang="en-GB" dirty="0"/>
+              <a:t>It can incorporate XSLT keys and functions (and, unofficially, more)</a:t>
+            </a:r>
+          </a:p>
           <a:p>
             <a:endParaRPr lang="en-GB" dirty="0"/>
           </a:p>
@@ -18038,7 +21450,7 @@
 </p:sld>
 </file>
 
-<file path=ppt/slides/slide37.xml><?xml version="1.0" encoding="utf-8"?>
+<file path=ppt/slides/slide42.xml><?xml version="1.0" encoding="utf-8"?>
 <p:sld xmlns:a="http://schemas.openxmlformats.org/drawingml/2006/main" xmlns:r="http://schemas.openxmlformats.org/officeDocument/2006/relationships" xmlns:p="http://schemas.openxmlformats.org/presentationml/2006/main">
   <p:cSld>
     <p:spTree>
@@ -18558,6 +21970,44 @@
           </a:p>
         </p:txBody>
       </p:sp>
+      <p:sp>
+        <p:nvSpPr>
+          <p:cNvPr id="2" name="TextBox 1">
+            <a:extLst>
+              <a:ext uri="{FF2B5EF4-FFF2-40B4-BE49-F238E27FC236}">
+                <a16:creationId xmlns:a16="http://schemas.microsoft.com/office/drawing/2014/main" id="{C14C10C4-0737-2F89-93CE-80C07C03EDDD}"/>
+              </a:ext>
+            </a:extLst>
+          </p:cNvPr>
+          <p:cNvSpPr txBox="1"/>
+          <p:nvPr/>
+        </p:nvSpPr>
+        <p:spPr>
+          <a:xfrm>
+            <a:off x="5764192" y="5994399"/>
+            <a:ext cx="5243820" cy="400110"/>
+          </a:xfrm>
+          <a:prstGeom prst="rect">
+            <a:avLst/>
+          </a:prstGeom>
+          <a:noFill/>
+        </p:spPr>
+        <p:txBody>
+          <a:bodyPr wrap="square" rtlCol="0">
+            <a:spAutoFit/>
+          </a:bodyPr>
+          <a:lstStyle/>
+          <a:p>
+            <a:r>
+              <a:rPr lang="nl-NL" sz="2000" b="1" dirty="0">
+                <a:hlinkClick r:id="rId5"/>
+              </a:rPr>
+              <a:t>https://xmlpress.net/publications/schematron/</a:t>
+            </a:r>
+            <a:endParaRPr lang="en-NL" sz="2000" b="1" dirty="0"/>
+          </a:p>
+        </p:txBody>
+      </p:sp>
     </p:spTree>
     <p:extLst>
       <p:ext uri="{BB962C8B-B14F-4D97-AF65-F5344CB8AC3E}">
@@ -18571,7 +22021,7 @@
 </p:sld>
 </file>
 
-<file path=ppt/slides/slide38.xml><?xml version="1.0" encoding="utf-8"?>
+<file path=ppt/slides/slide43.xml><?xml version="1.0" encoding="utf-8"?>
 <p:sld xmlns:a="http://schemas.openxmlformats.org/drawingml/2006/main" xmlns:r="http://schemas.openxmlformats.org/officeDocument/2006/relationships" xmlns:p="http://schemas.openxmlformats.org/presentationml/2006/main">
   <p:cSld>
     <p:spTree>
@@ -18811,7 +22261,7 @@
 </p:sld>
 </file>
 
-<file path=ppt/slides/slide4.xml><?xml version="1.0" encoding="utf-8"?>
+<file path=ppt/slides/slide5.xml><?xml version="1.0" encoding="utf-8"?>
 <p:sld xmlns:a="http://schemas.openxmlformats.org/drawingml/2006/main" xmlns:r="http://schemas.openxmlformats.org/officeDocument/2006/relationships" xmlns:p="http://schemas.openxmlformats.org/presentationml/2006/main">
   <p:cSld>
     <p:spTree>
@@ -18905,7 +22355,7 @@
 </p:sld>
 </file>
 
-<file path=ppt/slides/slide5.xml><?xml version="1.0" encoding="utf-8"?>
+<file path=ppt/slides/slide6.xml><?xml version="1.0" encoding="utf-8"?>
 <p:sld xmlns:a="http://schemas.openxmlformats.org/drawingml/2006/main" xmlns:r="http://schemas.openxmlformats.org/officeDocument/2006/relationships" xmlns:p="http://schemas.openxmlformats.org/presentationml/2006/main">
   <p:cSld>
     <p:spTree>
@@ -19185,7 +22635,7 @@
 </p:sld>
 </file>
 
-<file path=ppt/slides/slide6.xml><?xml version="1.0" encoding="utf-8"?>
+<file path=ppt/slides/slide7.xml><?xml version="1.0" encoding="utf-8"?>
 <p:sld xmlns:a="http://schemas.openxmlformats.org/drawingml/2006/main" xmlns:r="http://schemas.openxmlformats.org/officeDocument/2006/relationships" xmlns:p="http://schemas.openxmlformats.org/presentationml/2006/main">
   <p:cSld>
     <p:spTree>
@@ -19255,12 +22705,12 @@
         <p:spPr>
           <a:xfrm>
             <a:off x="188537" y="1059984"/>
-            <a:ext cx="12075736" cy="5299252"/>
+            <a:ext cx="12075736" cy="5468138"/>
           </a:xfrm>
         </p:spPr>
         <p:txBody>
           <a:bodyPr>
-            <a:normAutofit lnSpcReduction="10000"/>
+            <a:normAutofit fontScale="92500" lnSpcReduction="10000"/>
           </a:bodyPr>
           <a:lstStyle/>
           <a:p>
@@ -19332,6 +22782,10 @@
               <a:rPr lang="en-US" dirty="0"/>
               <a:t>You should see:</a:t>
             </a:r>
+          </a:p>
+          <a:p>
+            <a:pPr lvl="1"/>
+            <a:endParaRPr lang="en-US" dirty="0"/>
           </a:p>
           <a:p>
             <a:pPr lvl="1"/>
@@ -19532,7 +22986,7 @@
         </p:blipFill>
         <p:spPr>
           <a:xfrm>
-            <a:off x="4170702" y="4020267"/>
+            <a:off x="2816464" y="4086160"/>
             <a:ext cx="6096851" cy="1409897"/>
           </a:xfrm>
           <a:prstGeom prst="rect">
@@ -19553,7 +23007,7 @@
 </p:sld>
 </file>
 
-<file path=ppt/slides/slide7.xml><?xml version="1.0" encoding="utf-8"?>
+<file path=ppt/slides/slide8.xml><?xml version="1.0" encoding="utf-8"?>
 <p:sld xmlns:a="http://schemas.openxmlformats.org/drawingml/2006/main" xmlns:r="http://schemas.openxmlformats.org/officeDocument/2006/relationships" xmlns:p="http://schemas.openxmlformats.org/presentationml/2006/main">
   <p:cSld>
     <p:spTree>
@@ -19660,7 +23114,7 @@
 </p:sld>
 </file>
 
-<file path=ppt/slides/slide8.xml><?xml version="1.0" encoding="utf-8"?>
+<file path=ppt/slides/slide9.xml><?xml version="1.0" encoding="utf-8"?>
 <p:sld xmlns:a="http://schemas.openxmlformats.org/drawingml/2006/main" xmlns:r="http://schemas.openxmlformats.org/officeDocument/2006/relationships" xmlns:p="http://schemas.openxmlformats.org/presentationml/2006/main">
   <p:cSld>
     <p:spTree>
@@ -20372,527 +23826,6 @@
       <p:bldP spid="13" grpId="0" animBg="1"/>
     </p:bldLst>
   </p:timing>
-</p:sld>
-</file>
-
-<file path=ppt/slides/slide9.xml><?xml version="1.0" encoding="utf-8"?>
-<p:sld xmlns:a="http://schemas.openxmlformats.org/drawingml/2006/main" xmlns:r="http://schemas.openxmlformats.org/officeDocument/2006/relationships" xmlns:p="http://schemas.openxmlformats.org/presentationml/2006/main">
-  <p:cSld>
-    <p:spTree>
-      <p:nvGrpSpPr>
-        <p:cNvPr id="1" name=""/>
-        <p:cNvGrpSpPr/>
-        <p:nvPr/>
-      </p:nvGrpSpPr>
-      <p:grpSpPr>
-        <a:xfrm>
-          <a:off x="0" y="0"/>
-          <a:ext cx="0" cy="0"/>
-          <a:chOff x="0" y="0"/>
-          <a:chExt cx="0" cy="0"/>
-        </a:xfrm>
-      </p:grpSpPr>
-      <p:sp>
-        <p:nvSpPr>
-          <p:cNvPr id="2" name="Title 1">
-            <a:extLst>
-              <a:ext uri="{FF2B5EF4-FFF2-40B4-BE49-F238E27FC236}">
-                <a16:creationId xmlns:a16="http://schemas.microsoft.com/office/drawing/2014/main" id="{9EF25B1F-53DD-3D4D-C19B-BA8419EE6964}"/>
-              </a:ext>
-            </a:extLst>
-          </p:cNvPr>
-          <p:cNvSpPr>
-            <a:spLocks noGrp="1"/>
-          </p:cNvSpPr>
-          <p:nvPr>
-            <p:ph type="title"/>
-          </p:nvPr>
-        </p:nvSpPr>
-        <p:spPr>
-          <a:xfrm>
-            <a:off x="88769" y="-96789"/>
-            <a:ext cx="10515600" cy="1325563"/>
-          </a:xfrm>
-        </p:spPr>
-        <p:txBody>
-          <a:bodyPr/>
-          <a:lstStyle/>
-          <a:p>
-            <a:r>
-              <a:rPr lang="en-US" b="1" dirty="0"/>
-              <a:t>Patterns and rules</a:t>
-            </a:r>
-            <a:endParaRPr lang="en-NL" b="1" dirty="0"/>
-          </a:p>
-        </p:txBody>
-      </p:sp>
-      <p:sp>
-        <p:nvSpPr>
-          <p:cNvPr id="3" name="Content Placeholder 2">
-            <a:extLst>
-              <a:ext uri="{FF2B5EF4-FFF2-40B4-BE49-F238E27FC236}">
-                <a16:creationId xmlns:a16="http://schemas.microsoft.com/office/drawing/2014/main" id="{941D477D-845C-356D-D290-87BF2449A60F}"/>
-              </a:ext>
-            </a:extLst>
-          </p:cNvPr>
-          <p:cNvSpPr>
-            <a:spLocks noGrp="1"/>
-          </p:cNvSpPr>
-          <p:nvPr>
-            <p:ph idx="1"/>
-          </p:nvPr>
-        </p:nvSpPr>
-        <p:spPr>
-          <a:xfrm>
-            <a:off x="579646" y="1228774"/>
-            <a:ext cx="10515600" cy="2349084"/>
-          </a:xfrm>
-        </p:spPr>
-        <p:txBody>
-          <a:bodyPr>
-            <a:normAutofit/>
-          </a:bodyPr>
-          <a:lstStyle/>
-          <a:p>
-            <a:r>
-              <a:rPr lang="en-US" dirty="0"/>
-              <a:t>A Schematron schema consists of one or more </a:t>
-            </a:r>
-            <a:r>
-              <a:rPr lang="en-US" i="1" dirty="0"/>
-              <a:t>patterns</a:t>
-            </a:r>
-            <a:r>
-              <a:rPr lang="en-US" dirty="0"/>
-              <a:t>: </a:t>
-            </a:r>
-            <a:r>
-              <a:rPr lang="en-US" b="1" dirty="0">
-                <a:latin typeface="Courier New" panose="02070309020205020404" pitchFamily="49" charset="0"/>
-                <a:cs typeface="Courier New" panose="02070309020205020404" pitchFamily="49" charset="0"/>
-              </a:rPr>
-              <a:t>&lt;pattern&gt;</a:t>
-            </a:r>
-          </a:p>
-          <a:p>
-            <a:pPr lvl="1"/>
-            <a:r>
-              <a:rPr lang="en-US" dirty="0"/>
-              <a:t>Every pattern is applied to every node in the document being validated</a:t>
-            </a:r>
-          </a:p>
-          <a:p>
-            <a:r>
-              <a:rPr lang="en-US" dirty="0"/>
-              <a:t>A </a:t>
-            </a:r>
-            <a:r>
-              <a:rPr lang="en-US" i="1" dirty="0"/>
-              <a:t>pattern</a:t>
-            </a:r>
-            <a:r>
-              <a:rPr lang="en-US" dirty="0"/>
-              <a:t> consists of zero or more </a:t>
-            </a:r>
-            <a:r>
-              <a:rPr lang="en-US" i="1" dirty="0"/>
-              <a:t>rules</a:t>
-            </a:r>
-            <a:r>
-              <a:rPr lang="en-US" dirty="0"/>
-              <a:t>: </a:t>
-            </a:r>
-            <a:r>
-              <a:rPr lang="en-US" b="1" dirty="0">
-                <a:latin typeface="Courier New" panose="02070309020205020404" pitchFamily="49" charset="0"/>
-                <a:cs typeface="Courier New" panose="02070309020205020404" pitchFamily="49" charset="0"/>
-              </a:rPr>
-              <a:t>&lt;rule context="…"&gt;</a:t>
-            </a:r>
-          </a:p>
-          <a:p>
-            <a:pPr lvl="1"/>
-            <a:r>
-              <a:rPr lang="en-US" dirty="0"/>
-              <a:t>A rule has a </a:t>
-            </a:r>
-            <a:r>
-              <a:rPr lang="en-US" b="1" dirty="0">
-                <a:latin typeface="Courier New" panose="02070309020205020404" pitchFamily="49" charset="0"/>
-                <a:cs typeface="Courier New" panose="02070309020205020404" pitchFamily="49" charset="0"/>
-              </a:rPr>
-              <a:t>context</a:t>
-            </a:r>
-            <a:r>
-              <a:rPr lang="en-US" dirty="0"/>
-              <a:t> attribute, containing an XSLT match pattern</a:t>
-            </a:r>
-          </a:p>
-          <a:p>
-            <a:pPr lvl="1"/>
-            <a:r>
-              <a:rPr lang="en-US" dirty="0"/>
-              <a:t>Only the first rule that matches in a pattern fires</a:t>
-            </a:r>
-          </a:p>
-          <a:p>
-            <a:pPr marL="457200" lvl="1" indent="0">
-              <a:buNone/>
-            </a:pPr>
-            <a:endParaRPr lang="en-US" sz="2800" b="1" dirty="0">
-              <a:latin typeface="Courier New" panose="02070309020205020404" pitchFamily="49" charset="0"/>
-              <a:cs typeface="Courier New" panose="02070309020205020404" pitchFamily="49" charset="0"/>
-            </a:endParaRPr>
-          </a:p>
-          <a:p>
-            <a:pPr lvl="1"/>
-            <a:endParaRPr lang="en-US" sz="2800" b="1" dirty="0">
-              <a:latin typeface="Courier New" panose="02070309020205020404" pitchFamily="49" charset="0"/>
-              <a:cs typeface="Courier New" panose="02070309020205020404" pitchFamily="49" charset="0"/>
-            </a:endParaRPr>
-          </a:p>
-          <a:p>
-            <a:pPr lvl="1"/>
-            <a:endParaRPr lang="en-NL" sz="2800" b="1" dirty="0">
-              <a:latin typeface="Courier New" panose="02070309020205020404" pitchFamily="49" charset="0"/>
-              <a:cs typeface="Courier New" panose="02070309020205020404" pitchFamily="49" charset="0"/>
-            </a:endParaRPr>
-          </a:p>
-        </p:txBody>
-      </p:sp>
-      <p:sp>
-        <p:nvSpPr>
-          <p:cNvPr id="4" name="TextBox 3">
-            <a:extLst>
-              <a:ext uri="{FF2B5EF4-FFF2-40B4-BE49-F238E27FC236}">
-                <a16:creationId xmlns:a16="http://schemas.microsoft.com/office/drawing/2014/main" id="{0315A3FC-95AB-0C51-AFF3-CE6502FF71AC}"/>
-              </a:ext>
-            </a:extLst>
-          </p:cNvPr>
-          <p:cNvSpPr txBox="1"/>
-          <p:nvPr/>
-        </p:nvSpPr>
-        <p:spPr>
-          <a:xfrm>
-            <a:off x="291339" y="3577858"/>
-            <a:ext cx="10110460" cy="2308324"/>
-          </a:xfrm>
-          <a:prstGeom prst="rect">
-            <a:avLst/>
-          </a:prstGeom>
-          <a:solidFill>
-            <a:schemeClr val="bg1">
-              <a:lumMod val="95000"/>
-            </a:schemeClr>
-          </a:solidFill>
-        </p:spPr>
-        <p:txBody>
-          <a:bodyPr wrap="none" rtlCol="0">
-            <a:spAutoFit/>
-          </a:bodyPr>
-          <a:lstStyle/>
-          <a:p>
-            <a:r>
-              <a:rPr lang="de-DE" b="1" dirty="0">
-                <a:latin typeface="Courier New" panose="02070309020205020404" pitchFamily="49" charset="0"/>
-                <a:cs typeface="Courier New" panose="02070309020205020404" pitchFamily="49" charset="0"/>
-              </a:rPr>
-              <a:t>&lt;</a:t>
-            </a:r>
-            <a:r>
-              <a:rPr lang="de-DE" b="1" dirty="0" err="1">
-                <a:latin typeface="Courier New" panose="02070309020205020404" pitchFamily="49" charset="0"/>
-                <a:cs typeface="Courier New" panose="02070309020205020404" pitchFamily="49" charset="0"/>
-              </a:rPr>
-              <a:t>schema</a:t>
-            </a:r>
-            <a:r>
-              <a:rPr lang="de-DE" b="1" dirty="0">
-                <a:latin typeface="Courier New" panose="02070309020205020404" pitchFamily="49" charset="0"/>
-                <a:cs typeface="Courier New" panose="02070309020205020404" pitchFamily="49" charset="0"/>
-              </a:rPr>
-              <a:t> </a:t>
-            </a:r>
-            <a:r>
-              <a:rPr lang="de-DE" b="1" dirty="0" err="1">
-                <a:latin typeface="Courier New" panose="02070309020205020404" pitchFamily="49" charset="0"/>
-                <a:cs typeface="Courier New" panose="02070309020205020404" pitchFamily="49" charset="0"/>
-              </a:rPr>
-              <a:t>xmlns</a:t>
-            </a:r>
-            <a:r>
-              <a:rPr lang="de-DE" b="1" dirty="0">
-                <a:latin typeface="Courier New" panose="02070309020205020404" pitchFamily="49" charset="0"/>
-                <a:cs typeface="Courier New" panose="02070309020205020404" pitchFamily="49" charset="0"/>
-              </a:rPr>
-              <a:t>=http://purl.oclc.org/dsdl/Schematron </a:t>
-            </a:r>
-            <a:r>
-              <a:rPr lang="de-DE" b="1" dirty="0" err="1">
-                <a:latin typeface="Courier New" panose="02070309020205020404" pitchFamily="49" charset="0"/>
-                <a:cs typeface="Courier New" panose="02070309020205020404" pitchFamily="49" charset="0"/>
-              </a:rPr>
-              <a:t>queryBinding</a:t>
-            </a:r>
-            <a:r>
-              <a:rPr lang="de-DE" b="1" dirty="0">
-                <a:latin typeface="Courier New" panose="02070309020205020404" pitchFamily="49" charset="0"/>
-                <a:cs typeface="Courier New" panose="02070309020205020404" pitchFamily="49" charset="0"/>
-              </a:rPr>
-              <a:t>="xslt3"&gt;</a:t>
-            </a:r>
-          </a:p>
-          <a:p>
-            <a:endParaRPr lang="de-DE" b="1" dirty="0">
-              <a:latin typeface="Courier New" panose="02070309020205020404" pitchFamily="49" charset="0"/>
-              <a:cs typeface="Courier New" panose="02070309020205020404" pitchFamily="49" charset="0"/>
-            </a:endParaRPr>
-          </a:p>
-          <a:p>
-            <a:r>
-              <a:rPr lang="de-DE" b="1" dirty="0">
-                <a:latin typeface="Courier New" panose="02070309020205020404" pitchFamily="49" charset="0"/>
-                <a:cs typeface="Courier New" panose="02070309020205020404" pitchFamily="49" charset="0"/>
-              </a:rPr>
-              <a:t>  &lt;</a:t>
-            </a:r>
-            <a:r>
-              <a:rPr lang="de-DE" b="1" dirty="0" err="1">
-                <a:latin typeface="Courier New" panose="02070309020205020404" pitchFamily="49" charset="0"/>
-                <a:cs typeface="Courier New" panose="02070309020205020404" pitchFamily="49" charset="0"/>
-              </a:rPr>
-              <a:t>pattern</a:t>
-            </a:r>
-            <a:r>
-              <a:rPr lang="de-DE" b="1" dirty="0">
-                <a:latin typeface="Courier New" panose="02070309020205020404" pitchFamily="49" charset="0"/>
-                <a:cs typeface="Courier New" panose="02070309020205020404" pitchFamily="49" charset="0"/>
-              </a:rPr>
-              <a:t>&gt;</a:t>
-            </a:r>
-          </a:p>
-          <a:p>
-            <a:r>
-              <a:rPr lang="de-DE" b="1" dirty="0">
-                <a:latin typeface="Courier New" panose="02070309020205020404" pitchFamily="49" charset="0"/>
-                <a:cs typeface="Courier New" panose="02070309020205020404" pitchFamily="49" charset="0"/>
-              </a:rPr>
-              <a:t>    &lt;</a:t>
-            </a:r>
-            <a:r>
-              <a:rPr lang="de-DE" b="1" dirty="0" err="1">
-                <a:latin typeface="Courier New" panose="02070309020205020404" pitchFamily="49" charset="0"/>
-                <a:cs typeface="Courier New" panose="02070309020205020404" pitchFamily="49" charset="0"/>
-              </a:rPr>
-              <a:t>rule</a:t>
-            </a:r>
-            <a:r>
-              <a:rPr lang="de-DE" b="1" dirty="0">
-                <a:latin typeface="Courier New" panose="02070309020205020404" pitchFamily="49" charset="0"/>
-                <a:cs typeface="Courier New" panose="02070309020205020404" pitchFamily="49" charset="0"/>
-              </a:rPr>
-              <a:t> </a:t>
-            </a:r>
-            <a:r>
-              <a:rPr lang="de-DE" b="1" dirty="0" err="1">
-                <a:latin typeface="Courier New" panose="02070309020205020404" pitchFamily="49" charset="0"/>
-                <a:cs typeface="Courier New" panose="02070309020205020404" pitchFamily="49" charset="0"/>
-              </a:rPr>
-              <a:t>context</a:t>
-            </a:r>
-            <a:r>
-              <a:rPr lang="de-DE" b="1" dirty="0">
-                <a:latin typeface="Courier New" panose="02070309020205020404" pitchFamily="49" charset="0"/>
-                <a:cs typeface="Courier New" panose="02070309020205020404" pitchFamily="49" charset="0"/>
-              </a:rPr>
-              <a:t>="</a:t>
-            </a:r>
-            <a:r>
-              <a:rPr lang="de-DE" b="1" dirty="0" err="1">
-                <a:latin typeface="Courier New" panose="02070309020205020404" pitchFamily="49" charset="0"/>
-                <a:cs typeface="Courier New" panose="02070309020205020404" pitchFamily="49" charset="0"/>
-              </a:rPr>
-              <a:t>thing</a:t>
-            </a:r>
-            <a:r>
-              <a:rPr lang="de-DE" b="1" dirty="0">
-                <a:latin typeface="Courier New" panose="02070309020205020404" pitchFamily="49" charset="0"/>
-                <a:cs typeface="Courier New" panose="02070309020205020404" pitchFamily="49" charset="0"/>
-              </a:rPr>
-              <a:t>[@material </a:t>
-            </a:r>
-            <a:r>
-              <a:rPr lang="de-DE" b="1" dirty="0" err="1">
-                <a:latin typeface="Courier New" panose="02070309020205020404" pitchFamily="49" charset="0"/>
-                <a:cs typeface="Courier New" panose="02070309020205020404" pitchFamily="49" charset="0"/>
-              </a:rPr>
-              <a:t>eq</a:t>
-            </a:r>
-            <a:r>
-              <a:rPr lang="de-DE" b="1" dirty="0">
-                <a:latin typeface="Courier New" panose="02070309020205020404" pitchFamily="49" charset="0"/>
-                <a:cs typeface="Courier New" panose="02070309020205020404" pitchFamily="49" charset="0"/>
-              </a:rPr>
-              <a:t> '</a:t>
-            </a:r>
-            <a:r>
-              <a:rPr lang="de-DE" b="1" dirty="0" err="1">
-                <a:latin typeface="Courier New" panose="02070309020205020404" pitchFamily="49" charset="0"/>
-                <a:cs typeface="Courier New" panose="02070309020205020404" pitchFamily="49" charset="0"/>
-              </a:rPr>
-              <a:t>wood</a:t>
-            </a:r>
-            <a:r>
-              <a:rPr lang="de-DE" b="1" dirty="0">
-                <a:latin typeface="Courier New" panose="02070309020205020404" pitchFamily="49" charset="0"/>
-                <a:cs typeface="Courier New" panose="02070309020205020404" pitchFamily="49" charset="0"/>
-              </a:rPr>
-              <a:t>']"&gt; … &lt;/</a:t>
-            </a:r>
-            <a:r>
-              <a:rPr lang="de-DE" b="1" dirty="0" err="1">
-                <a:latin typeface="Courier New" panose="02070309020205020404" pitchFamily="49" charset="0"/>
-                <a:cs typeface="Courier New" panose="02070309020205020404" pitchFamily="49" charset="0"/>
-              </a:rPr>
-              <a:t>rule</a:t>
-            </a:r>
-            <a:r>
-              <a:rPr lang="de-DE" b="1" dirty="0">
-                <a:latin typeface="Courier New" panose="02070309020205020404" pitchFamily="49" charset="0"/>
-                <a:cs typeface="Courier New" panose="02070309020205020404" pitchFamily="49" charset="0"/>
-              </a:rPr>
-              <a:t>&gt;</a:t>
-            </a:r>
-          </a:p>
-          <a:p>
-            <a:r>
-              <a:rPr lang="de-DE" b="1" dirty="0">
-                <a:latin typeface="Courier New" panose="02070309020205020404" pitchFamily="49" charset="0"/>
-                <a:cs typeface="Courier New" panose="02070309020205020404" pitchFamily="49" charset="0"/>
-              </a:rPr>
-              <a:t>    &lt;</a:t>
-            </a:r>
-            <a:r>
-              <a:rPr lang="de-DE" b="1" dirty="0" err="1">
-                <a:latin typeface="Courier New" panose="02070309020205020404" pitchFamily="49" charset="0"/>
-                <a:cs typeface="Courier New" panose="02070309020205020404" pitchFamily="49" charset="0"/>
-              </a:rPr>
-              <a:t>rule</a:t>
-            </a:r>
-            <a:r>
-              <a:rPr lang="de-DE" b="1" dirty="0">
-                <a:latin typeface="Courier New" panose="02070309020205020404" pitchFamily="49" charset="0"/>
-                <a:cs typeface="Courier New" panose="02070309020205020404" pitchFamily="49" charset="0"/>
-              </a:rPr>
-              <a:t> </a:t>
-            </a:r>
-            <a:r>
-              <a:rPr lang="de-DE" b="1" dirty="0" err="1">
-                <a:latin typeface="Courier New" panose="02070309020205020404" pitchFamily="49" charset="0"/>
-                <a:cs typeface="Courier New" panose="02070309020205020404" pitchFamily="49" charset="0"/>
-              </a:rPr>
-              <a:t>context</a:t>
-            </a:r>
-            <a:r>
-              <a:rPr lang="de-DE" b="1" dirty="0">
-                <a:latin typeface="Courier New" panose="02070309020205020404" pitchFamily="49" charset="0"/>
-                <a:cs typeface="Courier New" panose="02070309020205020404" pitchFamily="49" charset="0"/>
-              </a:rPr>
-              <a:t>="</a:t>
-            </a:r>
-            <a:r>
-              <a:rPr lang="de-DE" b="1" dirty="0" err="1">
-                <a:latin typeface="Courier New" panose="02070309020205020404" pitchFamily="49" charset="0"/>
-                <a:cs typeface="Courier New" panose="02070309020205020404" pitchFamily="49" charset="0"/>
-              </a:rPr>
-              <a:t>thing</a:t>
-            </a:r>
-            <a:r>
-              <a:rPr lang="de-DE" b="1" dirty="0">
-                <a:latin typeface="Courier New" panose="02070309020205020404" pitchFamily="49" charset="0"/>
-                <a:cs typeface="Courier New" panose="02070309020205020404" pitchFamily="49" charset="0"/>
-              </a:rPr>
-              <a:t>"&gt; … &lt;/</a:t>
-            </a:r>
-            <a:r>
-              <a:rPr lang="de-DE" b="1" dirty="0" err="1">
-                <a:latin typeface="Courier New" panose="02070309020205020404" pitchFamily="49" charset="0"/>
-                <a:cs typeface="Courier New" panose="02070309020205020404" pitchFamily="49" charset="0"/>
-              </a:rPr>
-              <a:t>rule</a:t>
-            </a:r>
-            <a:r>
-              <a:rPr lang="de-DE" b="1" dirty="0">
-                <a:latin typeface="Courier New" panose="02070309020205020404" pitchFamily="49" charset="0"/>
-                <a:cs typeface="Courier New" panose="02070309020205020404" pitchFamily="49" charset="0"/>
-              </a:rPr>
-              <a:t>&gt;</a:t>
-            </a:r>
-          </a:p>
-          <a:p>
-            <a:r>
-              <a:rPr lang="de-DE" b="1" dirty="0">
-                <a:latin typeface="Courier New" panose="02070309020205020404" pitchFamily="49" charset="0"/>
-                <a:cs typeface="Courier New" panose="02070309020205020404" pitchFamily="49" charset="0"/>
-              </a:rPr>
-              <a:t>  &lt;/</a:t>
-            </a:r>
-            <a:r>
-              <a:rPr lang="de-DE" b="1" dirty="0" err="1">
-                <a:latin typeface="Courier New" panose="02070309020205020404" pitchFamily="49" charset="0"/>
-                <a:cs typeface="Courier New" panose="02070309020205020404" pitchFamily="49" charset="0"/>
-              </a:rPr>
-              <a:t>pattern</a:t>
-            </a:r>
-            <a:r>
-              <a:rPr lang="de-DE" b="1" dirty="0">
-                <a:latin typeface="Courier New" panose="02070309020205020404" pitchFamily="49" charset="0"/>
-                <a:cs typeface="Courier New" panose="02070309020205020404" pitchFamily="49" charset="0"/>
-              </a:rPr>
-              <a:t>&gt;</a:t>
-            </a:r>
-          </a:p>
-          <a:p>
-            <a:endParaRPr lang="de-DE" b="1" dirty="0">
-              <a:latin typeface="Courier New" panose="02070309020205020404" pitchFamily="49" charset="0"/>
-              <a:cs typeface="Courier New" panose="02070309020205020404" pitchFamily="49" charset="0"/>
-            </a:endParaRPr>
-          </a:p>
-          <a:p>
-            <a:r>
-              <a:rPr lang="de-DE" b="1" dirty="0">
-                <a:latin typeface="Courier New" panose="02070309020205020404" pitchFamily="49" charset="0"/>
-                <a:cs typeface="Courier New" panose="02070309020205020404" pitchFamily="49" charset="0"/>
-              </a:rPr>
-              <a:t>&lt;/</a:t>
-            </a:r>
-            <a:r>
-              <a:rPr lang="de-DE" b="1" dirty="0" err="1">
-                <a:latin typeface="Courier New" panose="02070309020205020404" pitchFamily="49" charset="0"/>
-                <a:cs typeface="Courier New" panose="02070309020205020404" pitchFamily="49" charset="0"/>
-              </a:rPr>
-              <a:t>schema</a:t>
-            </a:r>
-            <a:r>
-              <a:rPr lang="de-DE" b="1" dirty="0">
-                <a:latin typeface="Courier New" panose="02070309020205020404" pitchFamily="49" charset="0"/>
-                <a:cs typeface="Courier New" panose="02070309020205020404" pitchFamily="49" charset="0"/>
-              </a:rPr>
-              <a:t>&gt;</a:t>
-            </a:r>
-          </a:p>
-        </p:txBody>
-      </p:sp>
-    </p:spTree>
-    <p:extLst>
-      <p:ext uri="{BB962C8B-B14F-4D97-AF65-F5344CB8AC3E}">
-        <p14:creationId xmlns:p14="http://schemas.microsoft.com/office/powerpoint/2010/main" val="1087168182"/>
-      </p:ext>
-    </p:extLst>
-  </p:cSld>
-  <p:clrMapOvr>
-    <a:masterClrMapping/>
-  </p:clrMapOvr>
 </p:sld>
 </file>
 

--- a/presentation/Schematron Tutorial DA 2022.pptx
+++ b/presentation/Schematron Tutorial DA 2022.pptx
@@ -5,10 +5,10 @@
     <p:sldMasterId id="2147483648" r:id="rId1"/>
   </p:sldMasterIdLst>
   <p:notesMasterIdLst>
-    <p:notesMasterId r:id="rId45"/>
+    <p:notesMasterId r:id="rId50"/>
   </p:notesMasterIdLst>
   <p:handoutMasterIdLst>
-    <p:handoutMasterId r:id="rId46"/>
+    <p:handoutMasterId r:id="rId51"/>
   </p:handoutMasterIdLst>
   <p:sldIdLst>
     <p:sldId id="256" r:id="rId2"/>
@@ -40,20 +40,25 @@
     <p:sldId id="403" r:id="rId28"/>
     <p:sldId id="404" r:id="rId29"/>
     <p:sldId id="405" r:id="rId30"/>
-    <p:sldId id="389" r:id="rId31"/>
-    <p:sldId id="269" r:id="rId32"/>
-    <p:sldId id="270" r:id="rId33"/>
-    <p:sldId id="272" r:id="rId34"/>
-    <p:sldId id="274" r:id="rId35"/>
-    <p:sldId id="275" r:id="rId36"/>
-    <p:sldId id="276" r:id="rId37"/>
-    <p:sldId id="278" r:id="rId38"/>
-    <p:sldId id="279" r:id="rId39"/>
-    <p:sldId id="399" r:id="rId40"/>
-    <p:sldId id="277" r:id="rId41"/>
-    <p:sldId id="356" r:id="rId42"/>
-    <p:sldId id="273" r:id="rId43"/>
-    <p:sldId id="283" r:id="rId44"/>
+    <p:sldId id="407" r:id="rId31"/>
+    <p:sldId id="408" r:id="rId32"/>
+    <p:sldId id="409" r:id="rId33"/>
+    <p:sldId id="410" r:id="rId34"/>
+    <p:sldId id="411" r:id="rId35"/>
+    <p:sldId id="389" r:id="rId36"/>
+    <p:sldId id="269" r:id="rId37"/>
+    <p:sldId id="270" r:id="rId38"/>
+    <p:sldId id="272" r:id="rId39"/>
+    <p:sldId id="274" r:id="rId40"/>
+    <p:sldId id="275" r:id="rId41"/>
+    <p:sldId id="276" r:id="rId42"/>
+    <p:sldId id="278" r:id="rId43"/>
+    <p:sldId id="279" r:id="rId44"/>
+    <p:sldId id="399" r:id="rId45"/>
+    <p:sldId id="277" r:id="rId46"/>
+    <p:sldId id="356" r:id="rId47"/>
+    <p:sldId id="273" r:id="rId48"/>
+    <p:sldId id="283" r:id="rId49"/>
   </p:sldIdLst>
   <p:sldSz cx="12192000" cy="6858000"/>
   <p:notesSz cx="6858000" cy="9144000"/>
@@ -206,6 +211,11 @@
             <p14:sldId id="403"/>
             <p14:sldId id="404"/>
             <p14:sldId id="405"/>
+            <p14:sldId id="407"/>
+            <p14:sldId id="408"/>
+            <p14:sldId id="409"/>
+            <p14:sldId id="410"/>
+            <p14:sldId id="411"/>
           </p14:sldIdLst>
         </p14:section>
         <p14:section name="QLB" id="{649F9382-6975-40E2-ABF7-F3BD28E8FFB6}">
@@ -336,7 +346,7 @@
           <a:p>
             <a:fld id="{0AAE6376-87C4-4D16-82D1-D37904F930BA}" type="datetimeFigureOut">
               <a:rPr lang="en-NL" smtClean="0"/>
-              <a:t>25/10/2022</a:t>
+              <a:t>03/11/2022</a:t>
             </a:fld>
             <a:endParaRPr lang="en-NL"/>
           </a:p>
@@ -513,7 +523,7 @@
           <a:p>
             <a:fld id="{3FA52A83-AFF0-44B5-B0CB-BF1EF92BF110}" type="datetimeFigureOut">
               <a:rPr lang="en-NL" smtClean="0"/>
-              <a:t>25/10/2022</a:t>
+              <a:t>03/11/2022</a:t>
             </a:fld>
             <a:endParaRPr lang="en-NL"/>
           </a:p>
@@ -930,7 +940,7 @@
           <a:p>
             <a:fld id="{210C85D1-D769-4E3C-BD67-6FCFE11EFBEA}" type="slidenum">
               <a:rPr lang="en-NL" smtClean="0"/>
-              <a:t>31</a:t>
+              <a:t>32</a:t>
             </a:fld>
             <a:endParaRPr lang="en-NL"/>
           </a:p>
@@ -939,7 +949,7 @@
     </p:spTree>
     <p:extLst>
       <p:ext uri="{BB962C8B-B14F-4D97-AF65-F5344CB8AC3E}">
-        <p14:creationId xmlns:p14="http://schemas.microsoft.com/office/powerpoint/2010/main" val="890139119"/>
+        <p14:creationId xmlns:p14="http://schemas.microsoft.com/office/powerpoint/2010/main" val="915402421"/>
       </p:ext>
     </p:extLst>
   </p:cSld>
@@ -993,63 +1003,6 @@
           <a:bodyPr/>
           <a:lstStyle/>
           <a:p>
-            <a:r>
-              <a:rPr lang="en-US" dirty="0"/>
-              <a:t>Some are outdated:</a:t>
-            </a:r>
-          </a:p>
-          <a:p>
-            <a:pPr marL="171450" indent="-171450">
-              <a:buFont typeface="Arial" panose="020B0604020202020204" pitchFamily="34" charset="0"/>
-              <a:buChar char="•"/>
-            </a:pPr>
-            <a:r>
-              <a:rPr lang="en-US" dirty="0" err="1"/>
-              <a:t>exslt</a:t>
-            </a:r>
-            <a:r>
-              <a:rPr lang="en-US" dirty="0"/>
-              <a:t>: Allow </a:t>
-            </a:r>
-            <a:r>
-              <a:rPr lang="en-US" dirty="0" err="1"/>
-              <a:t>exslt</a:t>
-            </a:r>
-            <a:r>
-              <a:rPr lang="en-US" dirty="0"/>
-              <a:t> extension function from exslt.org (last updated: 2003)</a:t>
-            </a:r>
-          </a:p>
-          <a:p>
-            <a:pPr marL="171450" indent="-171450">
-              <a:buFont typeface="Arial" panose="020B0604020202020204" pitchFamily="34" charset="0"/>
-              <a:buChar char="•"/>
-            </a:pPr>
-            <a:r>
-              <a:rPr lang="en-US" dirty="0" err="1"/>
-              <a:t>stx</a:t>
-            </a:r>
-            <a:r>
-              <a:rPr lang="en-US" dirty="0"/>
-              <a:t> (Streaming Transformations for XML) an XML based language for transforming XML documents without building a tree in memory (last update: 2007)</a:t>
-            </a:r>
-          </a:p>
-          <a:p>
-            <a:pPr marL="171450" indent="-171450">
-              <a:buFont typeface="Arial" panose="020B0604020202020204" pitchFamily="34" charset="0"/>
-              <a:buChar char="•"/>
-            </a:pPr>
-            <a:endParaRPr lang="en-US" dirty="0"/>
-          </a:p>
-          <a:p>
-            <a:pPr marL="0" indent="0">
-              <a:buFont typeface="Arial" panose="020B0604020202020204" pitchFamily="34" charset="0"/>
-              <a:buNone/>
-            </a:pPr>
-            <a:r>
-              <a:rPr lang="en-US" dirty="0"/>
-              <a:t>Contrary to what you might expect: not case-sensitive </a:t>
-            </a:r>
             <a:endParaRPr lang="en-NL" dirty="0"/>
           </a:p>
         </p:txBody>
@@ -1069,9 +1022,9 @@
           <a:bodyPr/>
           <a:lstStyle/>
           <a:p>
-            <a:fld id="{A83FDDBB-341F-4A2D-A070-8A29B8B1C9DF}" type="slidenum">
+            <a:fld id="{210C85D1-D769-4E3C-BD67-6FCFE11EFBEA}" type="slidenum">
               <a:rPr lang="en-NL" smtClean="0"/>
-              <a:t>32</a:t>
+              <a:t>34</a:t>
             </a:fld>
             <a:endParaRPr lang="en-NL"/>
           </a:p>
@@ -1080,7 +1033,7 @@
     </p:spTree>
     <p:extLst>
       <p:ext uri="{BB962C8B-B14F-4D97-AF65-F5344CB8AC3E}">
-        <p14:creationId xmlns:p14="http://schemas.microsoft.com/office/powerpoint/2010/main" val="1888077813"/>
+        <p14:creationId xmlns:p14="http://schemas.microsoft.com/office/powerpoint/2010/main" val="4183750142"/>
       </p:ext>
     </p:extLst>
   </p:cSld>
@@ -1155,7 +1108,7 @@
           <a:p>
             <a:fld id="{210C85D1-D769-4E3C-BD67-6FCFE11EFBEA}" type="slidenum">
               <a:rPr lang="en-NL" smtClean="0"/>
-              <a:t>39</a:t>
+              <a:t>36</a:t>
             </a:fld>
             <a:endParaRPr lang="en-NL"/>
           </a:p>
@@ -1164,7 +1117,7 @@
     </p:spTree>
     <p:extLst>
       <p:ext uri="{BB962C8B-B14F-4D97-AF65-F5344CB8AC3E}">
-        <p14:creationId xmlns:p14="http://schemas.microsoft.com/office/powerpoint/2010/main" val="3823199839"/>
+        <p14:creationId xmlns:p14="http://schemas.microsoft.com/office/powerpoint/2010/main" val="890139119"/>
       </p:ext>
     </p:extLst>
   </p:cSld>
@@ -1218,6 +1171,63 @@
           <a:bodyPr/>
           <a:lstStyle/>
           <a:p>
+            <a:r>
+              <a:rPr lang="en-US" dirty="0"/>
+              <a:t>Some are outdated:</a:t>
+            </a:r>
+          </a:p>
+          <a:p>
+            <a:pPr marL="171450" indent="-171450">
+              <a:buFont typeface="Arial" panose="020B0604020202020204" pitchFamily="34" charset="0"/>
+              <a:buChar char="•"/>
+            </a:pPr>
+            <a:r>
+              <a:rPr lang="en-US" dirty="0" err="1"/>
+              <a:t>exslt</a:t>
+            </a:r>
+            <a:r>
+              <a:rPr lang="en-US" dirty="0"/>
+              <a:t>: Allow </a:t>
+            </a:r>
+            <a:r>
+              <a:rPr lang="en-US" dirty="0" err="1"/>
+              <a:t>exslt</a:t>
+            </a:r>
+            <a:r>
+              <a:rPr lang="en-US" dirty="0"/>
+              <a:t> extension function from exslt.org (last updated: 2003)</a:t>
+            </a:r>
+          </a:p>
+          <a:p>
+            <a:pPr marL="171450" indent="-171450">
+              <a:buFont typeface="Arial" panose="020B0604020202020204" pitchFamily="34" charset="0"/>
+              <a:buChar char="•"/>
+            </a:pPr>
+            <a:r>
+              <a:rPr lang="en-US" dirty="0" err="1"/>
+              <a:t>stx</a:t>
+            </a:r>
+            <a:r>
+              <a:rPr lang="en-US" dirty="0"/>
+              <a:t> (Streaming Transformations for XML) an XML based language for transforming XML documents without building a tree in memory (last update: 2007)</a:t>
+            </a:r>
+          </a:p>
+          <a:p>
+            <a:pPr marL="171450" indent="-171450">
+              <a:buFont typeface="Arial" panose="020B0604020202020204" pitchFamily="34" charset="0"/>
+              <a:buChar char="•"/>
+            </a:pPr>
+            <a:endParaRPr lang="en-US" dirty="0"/>
+          </a:p>
+          <a:p>
+            <a:pPr marL="0" indent="0">
+              <a:buFont typeface="Arial" panose="020B0604020202020204" pitchFamily="34" charset="0"/>
+              <a:buNone/>
+            </a:pPr>
+            <a:r>
+              <a:rPr lang="en-US" dirty="0"/>
+              <a:t>Contrary to what you might expect: not case-sensitive </a:t>
+            </a:r>
             <a:endParaRPr lang="en-NL" dirty="0"/>
           </a:p>
         </p:txBody>
@@ -1239,7 +1249,175 @@
           <a:p>
             <a:fld id="{A83FDDBB-341F-4A2D-A070-8A29B8B1C9DF}" type="slidenum">
               <a:rPr lang="en-NL" smtClean="0"/>
-              <a:t>43</a:t>
+              <a:t>37</a:t>
+            </a:fld>
+            <a:endParaRPr lang="en-NL"/>
+          </a:p>
+        </p:txBody>
+      </p:sp>
+    </p:spTree>
+    <p:extLst>
+      <p:ext uri="{BB962C8B-B14F-4D97-AF65-F5344CB8AC3E}">
+        <p14:creationId xmlns:p14="http://schemas.microsoft.com/office/powerpoint/2010/main" val="1888077813"/>
+      </p:ext>
+    </p:extLst>
+  </p:cSld>
+  <p:clrMapOvr>
+    <a:masterClrMapping/>
+  </p:clrMapOvr>
+</p:notes>
+</file>
+
+<file path=ppt/notesSlides/notesSlide14.xml><?xml version="1.0" encoding="utf-8"?>
+<p:notes xmlns:a="http://schemas.openxmlformats.org/drawingml/2006/main" xmlns:r="http://schemas.openxmlformats.org/officeDocument/2006/relationships" xmlns:p="http://schemas.openxmlformats.org/presentationml/2006/main">
+  <p:cSld>
+    <p:spTree>
+      <p:nvGrpSpPr>
+        <p:cNvPr id="1" name=""/>
+        <p:cNvGrpSpPr/>
+        <p:nvPr/>
+      </p:nvGrpSpPr>
+      <p:grpSpPr>
+        <a:xfrm>
+          <a:off x="0" y="0"/>
+          <a:ext cx="0" cy="0"/>
+          <a:chOff x="0" y="0"/>
+          <a:chExt cx="0" cy="0"/>
+        </a:xfrm>
+      </p:grpSpPr>
+      <p:sp>
+        <p:nvSpPr>
+          <p:cNvPr id="2" name="Slide Image Placeholder 1"/>
+          <p:cNvSpPr>
+            <a:spLocks noGrp="1" noRot="1" noChangeAspect="1"/>
+          </p:cNvSpPr>
+          <p:nvPr>
+            <p:ph type="sldImg"/>
+          </p:nvPr>
+        </p:nvSpPr>
+        <p:spPr/>
+      </p:sp>
+      <p:sp>
+        <p:nvSpPr>
+          <p:cNvPr id="3" name="Notes Placeholder 2"/>
+          <p:cNvSpPr>
+            <a:spLocks noGrp="1"/>
+          </p:cNvSpPr>
+          <p:nvPr>
+            <p:ph type="body" idx="1"/>
+          </p:nvPr>
+        </p:nvSpPr>
+        <p:spPr/>
+        <p:txBody>
+          <a:bodyPr/>
+          <a:lstStyle/>
+          <a:p>
+            <a:endParaRPr lang="en-NL" dirty="0"/>
+          </a:p>
+        </p:txBody>
+      </p:sp>
+      <p:sp>
+        <p:nvSpPr>
+          <p:cNvPr id="4" name="Slide Number Placeholder 3"/>
+          <p:cNvSpPr>
+            <a:spLocks noGrp="1"/>
+          </p:cNvSpPr>
+          <p:nvPr>
+            <p:ph type="sldNum" sz="quarter" idx="5"/>
+          </p:nvPr>
+        </p:nvSpPr>
+        <p:spPr/>
+        <p:txBody>
+          <a:bodyPr/>
+          <a:lstStyle/>
+          <a:p>
+            <a:fld id="{210C85D1-D769-4E3C-BD67-6FCFE11EFBEA}" type="slidenum">
+              <a:rPr lang="en-NL" smtClean="0"/>
+              <a:t>44</a:t>
+            </a:fld>
+            <a:endParaRPr lang="en-NL"/>
+          </a:p>
+        </p:txBody>
+      </p:sp>
+    </p:spTree>
+    <p:extLst>
+      <p:ext uri="{BB962C8B-B14F-4D97-AF65-F5344CB8AC3E}">
+        <p14:creationId xmlns:p14="http://schemas.microsoft.com/office/powerpoint/2010/main" val="3823199839"/>
+      </p:ext>
+    </p:extLst>
+  </p:cSld>
+  <p:clrMapOvr>
+    <a:masterClrMapping/>
+  </p:clrMapOvr>
+</p:notes>
+</file>
+
+<file path=ppt/notesSlides/notesSlide15.xml><?xml version="1.0" encoding="utf-8"?>
+<p:notes xmlns:a="http://schemas.openxmlformats.org/drawingml/2006/main" xmlns:r="http://schemas.openxmlformats.org/officeDocument/2006/relationships" xmlns:p="http://schemas.openxmlformats.org/presentationml/2006/main">
+  <p:cSld>
+    <p:spTree>
+      <p:nvGrpSpPr>
+        <p:cNvPr id="1" name=""/>
+        <p:cNvGrpSpPr/>
+        <p:nvPr/>
+      </p:nvGrpSpPr>
+      <p:grpSpPr>
+        <a:xfrm>
+          <a:off x="0" y="0"/>
+          <a:ext cx="0" cy="0"/>
+          <a:chOff x="0" y="0"/>
+          <a:chExt cx="0" cy="0"/>
+        </a:xfrm>
+      </p:grpSpPr>
+      <p:sp>
+        <p:nvSpPr>
+          <p:cNvPr id="2" name="Slide Image Placeholder 1"/>
+          <p:cNvSpPr>
+            <a:spLocks noGrp="1" noRot="1" noChangeAspect="1"/>
+          </p:cNvSpPr>
+          <p:nvPr>
+            <p:ph type="sldImg"/>
+          </p:nvPr>
+        </p:nvSpPr>
+        <p:spPr/>
+      </p:sp>
+      <p:sp>
+        <p:nvSpPr>
+          <p:cNvPr id="3" name="Notes Placeholder 2"/>
+          <p:cNvSpPr>
+            <a:spLocks noGrp="1"/>
+          </p:cNvSpPr>
+          <p:nvPr>
+            <p:ph type="body" idx="1"/>
+          </p:nvPr>
+        </p:nvSpPr>
+        <p:spPr/>
+        <p:txBody>
+          <a:bodyPr/>
+          <a:lstStyle/>
+          <a:p>
+            <a:endParaRPr lang="en-NL" dirty="0"/>
+          </a:p>
+        </p:txBody>
+      </p:sp>
+      <p:sp>
+        <p:nvSpPr>
+          <p:cNvPr id="4" name="Slide Number Placeholder 3"/>
+          <p:cNvSpPr>
+            <a:spLocks noGrp="1"/>
+          </p:cNvSpPr>
+          <p:nvPr>
+            <p:ph type="sldNum" sz="quarter" idx="5"/>
+          </p:nvPr>
+        </p:nvSpPr>
+        <p:spPr/>
+        <p:txBody>
+          <a:bodyPr/>
+          <a:lstStyle/>
+          <a:p>
+            <a:fld id="{A83FDDBB-341F-4A2D-A070-8A29B8B1C9DF}" type="slidenum">
+              <a:rPr lang="en-NL" smtClean="0"/>
+              <a:t>48</a:t>
             </a:fld>
             <a:endParaRPr lang="en-NL"/>
           </a:p>
@@ -2087,7 +2265,7 @@
           <a:p>
             <a:fld id="{9446F294-FC6D-4658-8D72-6C175CC4BEDF}" type="datetimeFigureOut">
               <a:rPr lang="en-US" smtClean="0"/>
-              <a:t>10/25/2022</a:t>
+              <a:t>11/3/2022</a:t>
             </a:fld>
             <a:endParaRPr lang="en-US"/>
           </a:p>
@@ -2311,7 +2489,7 @@
           <a:p>
             <a:fld id="{9446F294-FC6D-4658-8D72-6C175CC4BEDF}" type="datetimeFigureOut">
               <a:rPr lang="en-US" smtClean="0"/>
-              <a:t>10/25/2022</a:t>
+              <a:t>11/3/2022</a:t>
             </a:fld>
             <a:endParaRPr lang="en-US"/>
           </a:p>
@@ -2545,7 +2723,7 @@
           <a:p>
             <a:fld id="{9446F294-FC6D-4658-8D72-6C175CC4BEDF}" type="datetimeFigureOut">
               <a:rPr lang="en-US" smtClean="0"/>
-              <a:t>10/25/2022</a:t>
+              <a:t>11/3/2022</a:t>
             </a:fld>
             <a:endParaRPr lang="en-US"/>
           </a:p>
@@ -2769,7 +2947,7 @@
           <a:p>
             <a:fld id="{9446F294-FC6D-4658-8D72-6C175CC4BEDF}" type="datetimeFigureOut">
               <a:rPr lang="en-US" smtClean="0"/>
-              <a:t>10/25/2022</a:t>
+              <a:t>11/3/2022</a:t>
             </a:fld>
             <a:endParaRPr lang="en-US"/>
           </a:p>
@@ -3069,7 +3247,7 @@
           <a:p>
             <a:fld id="{9446F294-FC6D-4658-8D72-6C175CC4BEDF}" type="datetimeFigureOut">
               <a:rPr lang="en-US" smtClean="0"/>
-              <a:t>10/25/2022</a:t>
+              <a:t>11/3/2022</a:t>
             </a:fld>
             <a:endParaRPr lang="en-US"/>
           </a:p>
@@ -3361,7 +3539,7 @@
           <a:p>
             <a:fld id="{9446F294-FC6D-4658-8D72-6C175CC4BEDF}" type="datetimeFigureOut">
               <a:rPr lang="en-US" smtClean="0"/>
-              <a:t>10/25/2022</a:t>
+              <a:t>11/3/2022</a:t>
             </a:fld>
             <a:endParaRPr lang="en-US"/>
           </a:p>
@@ -3800,7 +3978,7 @@
           <a:p>
             <a:fld id="{9446F294-FC6D-4658-8D72-6C175CC4BEDF}" type="datetimeFigureOut">
               <a:rPr lang="en-US" smtClean="0"/>
-              <a:t>10/25/2022</a:t>
+              <a:t>11/3/2022</a:t>
             </a:fld>
             <a:endParaRPr lang="en-US"/>
           </a:p>
@@ -3966,7 +4144,7 @@
           <a:p>
             <a:fld id="{9446F294-FC6D-4658-8D72-6C175CC4BEDF}" type="datetimeFigureOut">
               <a:rPr lang="en-US" smtClean="0"/>
-              <a:t>10/25/2022</a:t>
+              <a:t>11/3/2022</a:t>
             </a:fld>
             <a:endParaRPr lang="en-US"/>
           </a:p>
@@ -4103,7 +4281,7 @@
           <a:p>
             <a:fld id="{9446F294-FC6D-4658-8D72-6C175CC4BEDF}" type="datetimeFigureOut">
               <a:rPr lang="en-US" smtClean="0"/>
-              <a:t>10/25/2022</a:t>
+              <a:t>11/3/2022</a:t>
             </a:fld>
             <a:endParaRPr lang="en-US"/>
           </a:p>
@@ -4440,7 +4618,7 @@
           <a:p>
             <a:fld id="{9446F294-FC6D-4658-8D72-6C175CC4BEDF}" type="datetimeFigureOut">
               <a:rPr lang="en-US" smtClean="0"/>
-              <a:t>10/25/2022</a:t>
+              <a:t>11/3/2022</a:t>
             </a:fld>
             <a:endParaRPr lang="en-US"/>
           </a:p>
@@ -4753,7 +4931,7 @@
           <a:p>
             <a:fld id="{9446F294-FC6D-4658-8D72-6C175CC4BEDF}" type="datetimeFigureOut">
               <a:rPr lang="en-US" smtClean="0"/>
-              <a:t>10/25/2022</a:t>
+              <a:t>11/3/2022</a:t>
             </a:fld>
             <a:endParaRPr lang="en-US"/>
           </a:p>
@@ -6360,7 +6538,7 @@
               <a:t>reports </a:t>
             </a:r>
             <a:r>
-              <a:rPr lang="en-US" sz="2200" b="1" dirty="0">
+              <a:rPr lang="en-US" b="1" dirty="0">
                 <a:latin typeface="Courier New" panose="02070309020205020404" pitchFamily="49" charset="0"/>
                 <a:cs typeface="Courier New" panose="02070309020205020404" pitchFamily="49" charset="0"/>
               </a:rPr>
@@ -10059,19 +10237,15 @@
           <a:p>
             <a:pPr lvl="1"/>
             <a:r>
+              <a:rPr lang="en-US" sz="2200" b="1" dirty="0">
+                <a:latin typeface="Courier New" panose="02070309020205020404" pitchFamily="49" charset="0"/>
+                <a:cs typeface="Courier New" panose="02070309020205020404" pitchFamily="49" charset="0"/>
+              </a:rPr>
+              <a:t>&lt;schema&gt;</a:t>
+            </a:r>
+            <a:r>
               <a:rPr lang="en-US" dirty="0"/>
-              <a:t> </a:t>
-            </a:r>
-            <a:r>
-              <a:rPr lang="en-US" sz="2200" b="1" dirty="0">
-                <a:latin typeface="Courier New" panose="02070309020205020404" pitchFamily="49" charset="0"/>
-                <a:cs typeface="Courier New" panose="02070309020205020404" pitchFamily="49" charset="0"/>
-              </a:rPr>
-              <a:t>&lt;schema&gt;</a:t>
-            </a:r>
-            <a:r>
-              <a:rPr lang="en-US" dirty="0"/>
-              <a:t> (context item document node)</a:t>
+              <a:t> 	(context item document node)</a:t>
             </a:r>
             <a:endParaRPr lang="en-US" sz="2200" b="1" dirty="0">
               <a:latin typeface="Courier New" panose="02070309020205020404" pitchFamily="49" charset="0"/>
@@ -10089,7 +10263,7 @@
             </a:r>
             <a:r>
               <a:rPr lang="en-US" sz="2400" dirty="0"/>
-              <a:t> (context item document node)</a:t>
+              <a:t> 	(context item document node)</a:t>
             </a:r>
             <a:endParaRPr lang="en-US" sz="2200" b="1" dirty="0">
               <a:latin typeface="Courier New" panose="02070309020205020404" pitchFamily="49" charset="0"/>
@@ -10107,7 +10281,7 @@
             </a:r>
             <a:r>
               <a:rPr lang="en-US" sz="2400" dirty="0"/>
-              <a:t> (context item node matched upon)</a:t>
+              <a:t> 		(context item node matched upon)</a:t>
             </a:r>
             <a:endParaRPr lang="en-US" sz="2200" b="1" dirty="0">
               <a:latin typeface="Courier New" panose="02070309020205020404" pitchFamily="49" charset="0"/>
@@ -11775,6 +11949,122 @@
           </a:p>
         </p:txBody>
       </p:sp>
+      <p:sp>
+        <p:nvSpPr>
+          <p:cNvPr id="3" name="Title 1">
+            <a:extLst>
+              <a:ext uri="{FF2B5EF4-FFF2-40B4-BE49-F238E27FC236}">
+                <a16:creationId xmlns:a16="http://schemas.microsoft.com/office/drawing/2014/main" id="{17AAC709-DC04-CD0A-F03D-9A4BA600D327}"/>
+              </a:ext>
+            </a:extLst>
+          </p:cNvPr>
+          <p:cNvSpPr txBox="1">
+            <a:spLocks/>
+          </p:cNvSpPr>
+          <p:nvPr/>
+        </p:nvSpPr>
+        <p:spPr>
+          <a:xfrm>
+            <a:off x="5388742" y="2052869"/>
+            <a:ext cx="2192678" cy="946869"/>
+          </a:xfrm>
+          <a:prstGeom prst="rect">
+            <a:avLst/>
+          </a:prstGeom>
+          <a:solidFill>
+            <a:schemeClr val="bg1"/>
+          </a:solidFill>
+        </p:spPr>
+        <p:txBody>
+          <a:bodyPr vert="horz" lIns="91440" tIns="45720" rIns="91440" bIns="45720" rtlCol="0" anchor="ctr">
+            <a:normAutofit/>
+          </a:bodyPr>
+          <a:lstStyle>
+            <a:lvl1pPr algn="l" defTabSz="914400" rtl="0" eaLnBrk="1" latinLnBrk="0" hangingPunct="1">
+              <a:lnSpc>
+                <a:spcPct val="90000"/>
+              </a:lnSpc>
+              <a:spcBef>
+                <a:spcPct val="0"/>
+              </a:spcBef>
+              <a:buNone/>
+              <a:defRPr sz="4400" kern="1200">
+                <a:solidFill>
+                  <a:schemeClr val="tx1"/>
+                </a:solidFill>
+                <a:latin typeface="+mj-lt"/>
+                <a:ea typeface="+mj-ea"/>
+                <a:cs typeface="+mj-cs"/>
+              </a:defRPr>
+            </a:lvl1pPr>
+          </a:lstStyle>
+          <a:p>
+            <a:r>
+              <a:rPr lang="en-US" sz="5400" b="1" dirty="0"/>
+              <a:t>Phases</a:t>
+            </a:r>
+            <a:endParaRPr lang="en-NL" sz="5400" b="1" dirty="0"/>
+          </a:p>
+        </p:txBody>
+      </p:sp>
+      <p:sp>
+        <p:nvSpPr>
+          <p:cNvPr id="4" name="Title 1">
+            <a:extLst>
+              <a:ext uri="{FF2B5EF4-FFF2-40B4-BE49-F238E27FC236}">
+                <a16:creationId xmlns:a16="http://schemas.microsoft.com/office/drawing/2014/main" id="{2E5448E6-273B-CD55-2C14-AF3706687AA5}"/>
+              </a:ext>
+            </a:extLst>
+          </p:cNvPr>
+          <p:cNvSpPr txBox="1">
+            <a:spLocks/>
+          </p:cNvSpPr>
+          <p:nvPr/>
+        </p:nvSpPr>
+        <p:spPr>
+          <a:xfrm>
+            <a:off x="7219469" y="3953047"/>
+            <a:ext cx="3301917" cy="946869"/>
+          </a:xfrm>
+          <a:prstGeom prst="rect">
+            <a:avLst/>
+          </a:prstGeom>
+          <a:solidFill>
+            <a:schemeClr val="bg1"/>
+          </a:solidFill>
+        </p:spPr>
+        <p:txBody>
+          <a:bodyPr vert="horz" lIns="91440" tIns="45720" rIns="91440" bIns="45720" rtlCol="0" anchor="ctr">
+            <a:noAutofit/>
+          </a:bodyPr>
+          <a:lstStyle>
+            <a:lvl1pPr algn="l" defTabSz="914400" rtl="0" eaLnBrk="1" latinLnBrk="0" hangingPunct="1">
+              <a:lnSpc>
+                <a:spcPct val="90000"/>
+              </a:lnSpc>
+              <a:spcBef>
+                <a:spcPct val="0"/>
+              </a:spcBef>
+              <a:buNone/>
+              <a:defRPr sz="4400" kern="1200">
+                <a:solidFill>
+                  <a:schemeClr val="tx1"/>
+                </a:solidFill>
+                <a:latin typeface="+mj-lt"/>
+                <a:ea typeface="+mj-ea"/>
+                <a:cs typeface="+mj-cs"/>
+              </a:defRPr>
+            </a:lvl1pPr>
+          </a:lstStyle>
+          <a:p>
+            <a:r>
+              <a:rPr lang="en-US" sz="5400" b="1" dirty="0"/>
+              <a:t>Diagnostics</a:t>
+            </a:r>
+            <a:endParaRPr lang="en-NL" sz="5400" b="1" dirty="0"/>
+          </a:p>
+        </p:txBody>
+      </p:sp>
     </p:spTree>
     <p:extLst>
       <p:ext uri="{BB962C8B-B14F-4D97-AF65-F5344CB8AC3E}">
@@ -12868,7 +13158,7 @@
         <p:spPr>
           <a:xfrm>
             <a:off x="3623157" y="2924301"/>
-            <a:ext cx="1085936" cy="380344"/>
+            <a:ext cx="1011906" cy="380344"/>
           </a:xfrm>
           <a:prstGeom prst="ellipse">
             <a:avLst/>
@@ -12925,8 +13215,8 @@
         </p:nvSpPr>
         <p:spPr>
           <a:xfrm>
-            <a:off x="4575394" y="2924301"/>
-            <a:ext cx="1085936" cy="380344"/>
+            <a:off x="4777410" y="2924301"/>
+            <a:ext cx="883919" cy="380344"/>
           </a:xfrm>
           <a:prstGeom prst="ellipse">
             <a:avLst/>
@@ -14661,14 +14951,14 @@
         </p:nvSpPr>
         <p:spPr>
           <a:xfrm flipV="1">
-            <a:off x="7101068" y="3639642"/>
-            <a:ext cx="2675728" cy="2077178"/>
+            <a:off x="8565930" y="3429000"/>
+            <a:ext cx="1210865" cy="2287820"/>
           </a:xfrm>
           <a:prstGeom prst="bentArrow">
             <a:avLst>
               <a:gd name="adj1" fmla="val 8563"/>
-              <a:gd name="adj2" fmla="val 9197"/>
-              <a:gd name="adj3" fmla="val 28859"/>
+              <a:gd name="adj2" fmla="val 15056"/>
+              <a:gd name="adj3" fmla="val 26689"/>
               <a:gd name="adj4" fmla="val 37408"/>
             </a:avLst>
           </a:prstGeom>
@@ -14749,12 +15039,14 @@
         </p:nvSpPr>
         <p:spPr>
           <a:xfrm>
-            <a:off x="244997" y="1825625"/>
-            <a:ext cx="11702005" cy="4351338"/>
+            <a:off x="281783" y="1690688"/>
+            <a:ext cx="11702005" cy="3576692"/>
           </a:xfrm>
         </p:spPr>
         <p:txBody>
-          <a:bodyPr/>
+          <a:bodyPr>
+            <a:normAutofit/>
+          </a:bodyPr>
           <a:lstStyle/>
           <a:p>
             <a:r>
@@ -14772,13 +15064,13 @@
             <a:pPr lvl="1"/>
             <a:r>
               <a:rPr lang="en-US" dirty="0"/>
-              <a:t>Basic instructions at: </a:t>
+              <a:t>Basic instructions: </a:t>
             </a:r>
             <a:r>
               <a:rPr lang="en-US" dirty="0">
                 <a:hlinkClick r:id="rId3"/>
               </a:rPr>
-              <a:t>http://da.xatapult.com/</a:t>
+              <a:t>http://da2022.xatapul t.com/</a:t>
             </a:r>
             <a:endParaRPr lang="en-US" dirty="0"/>
           </a:p>
@@ -14786,13 +15078,13 @@
             <a:pPr lvl="1"/>
             <a:r>
               <a:rPr lang="en-US" dirty="0"/>
-              <a:t>Presentation, code and instructions are in: </a:t>
+              <a:t>Presentation, code and instructions: </a:t>
             </a:r>
             <a:r>
               <a:rPr lang="en-US" dirty="0">
                 <a:hlinkClick r:id="rId4"/>
               </a:rPr>
-              <a:t>https://github.com/xatapult/da-2021-xproc</a:t>
+              <a:t>https://github.com/xatapult/da-2022-schematron</a:t>
             </a:r>
             <a:r>
               <a:rPr lang="en-US" dirty="0"/>
@@ -14807,18 +15099,46 @@
             </a:r>
           </a:p>
           <a:p>
+            <a:pPr lvl="1"/>
+            <a:r>
+              <a:rPr lang="en-US" dirty="0"/>
+              <a:t>All exercises contain instructions in </a:t>
+            </a:r>
+            <a:r>
+              <a:rPr lang="en-US" sz="2000" b="1" dirty="0">
+                <a:latin typeface="Courier New" panose="02070309020205020404" pitchFamily="49" charset="0"/>
+                <a:cs typeface="Courier New" panose="02070309020205020404" pitchFamily="49" charset="0"/>
+              </a:rPr>
+              <a:t>instructions.pdf </a:t>
+            </a:r>
+            <a:endParaRPr lang="en-US" b="1" dirty="0">
+              <a:latin typeface="Courier New" panose="02070309020205020404" pitchFamily="49" charset="0"/>
+              <a:cs typeface="Courier New" panose="02070309020205020404" pitchFamily="49" charset="0"/>
+            </a:endParaRPr>
+          </a:p>
+          <a:p>
+            <a:pPr lvl="1"/>
+            <a:r>
+              <a:rPr lang="en-US" dirty="0"/>
+              <a:t>Solution and explanations in </a:t>
+            </a:r>
+            <a:r>
+              <a:rPr lang="en-US" sz="2000" b="1" dirty="0">
+                <a:latin typeface="Courier New" panose="02070309020205020404" pitchFamily="49" charset="0"/>
+                <a:cs typeface="Courier New" panose="02070309020205020404" pitchFamily="49" charset="0"/>
+              </a:rPr>
+              <a:t>solution/</a:t>
+            </a:r>
+            <a:r>
+              <a:rPr lang="en-US" dirty="0"/>
+              <a:t> subfolder</a:t>
+            </a:r>
+          </a:p>
+          <a:p>
             <a:r>
               <a:rPr lang="en-US" dirty="0"/>
               <a:t>Repeat</a:t>
             </a:r>
-          </a:p>
-          <a:p>
-            <a:pPr lvl="1"/>
-            <a:endParaRPr lang="en-US" dirty="0"/>
-          </a:p>
-          <a:p>
-            <a:pPr lvl="1"/>
-            <a:endParaRPr lang="en-NL" dirty="0"/>
           </a:p>
         </p:txBody>
       </p:sp>
@@ -14867,7 +15187,7 @@
         <p:spPr>
           <a:xfrm>
             <a:off x="5646470" y="1141179"/>
-            <a:ext cx="3347060" cy="1642531"/>
+            <a:ext cx="3347060" cy="1472907"/>
           </a:xfrm>
           <a:prstGeom prst="bentArrow">
             <a:avLst>
@@ -14903,6 +15223,52 @@
               <a:solidFill>
                 <a:schemeClr val="tx1"/>
               </a:solidFill>
+            </a:endParaRPr>
+          </a:p>
+        </p:txBody>
+      </p:sp>
+      <p:sp>
+        <p:nvSpPr>
+          <p:cNvPr id="4" name="TextBox 3">
+            <a:extLst>
+              <a:ext uri="{FF2B5EF4-FFF2-40B4-BE49-F238E27FC236}">
+                <a16:creationId xmlns:a16="http://schemas.microsoft.com/office/drawing/2014/main" id="{7870C712-B235-0C17-5FD7-59DFBF1963FA}"/>
+              </a:ext>
+            </a:extLst>
+          </p:cNvPr>
+          <p:cNvSpPr txBox="1"/>
+          <p:nvPr/>
+        </p:nvSpPr>
+        <p:spPr>
+          <a:xfrm>
+            <a:off x="627992" y="5616834"/>
+            <a:ext cx="8615855" cy="400110"/>
+          </a:xfrm>
+          <a:prstGeom prst="rect">
+            <a:avLst/>
+          </a:prstGeom>
+          <a:noFill/>
+        </p:spPr>
+        <p:txBody>
+          <a:bodyPr wrap="square" rtlCol="0">
+            <a:spAutoFit/>
+          </a:bodyPr>
+          <a:lstStyle/>
+          <a:p>
+            <a:r>
+              <a:rPr lang="en-US" sz="2000" dirty="0"/>
+              <a:t>All instructions and explanations are collected in </a:t>
+            </a:r>
+            <a:r>
+              <a:rPr lang="en-US" b="1" dirty="0">
+                <a:latin typeface="Courier New" panose="02070309020205020404" pitchFamily="49" charset="0"/>
+                <a:cs typeface="Courier New" panose="02070309020205020404" pitchFamily="49" charset="0"/>
+              </a:rPr>
+              <a:t>exercises/syllabus.pdf</a:t>
+            </a:r>
+            <a:endParaRPr lang="en-NL" sz="2000" b="1" dirty="0">
+              <a:latin typeface="Courier New" panose="02070309020205020404" pitchFamily="49" charset="0"/>
+              <a:cs typeface="Courier New" panose="02070309020205020404" pitchFamily="49" charset="0"/>
             </a:endParaRPr>
           </a:p>
         </p:txBody>
@@ -14937,6 +15303,1907 @@
           <a:chExt cx="0" cy="0"/>
         </a:xfrm>
       </p:grpSpPr>
+      <p:sp>
+        <p:nvSpPr>
+          <p:cNvPr id="2" name="Title 1">
+            <a:extLst>
+              <a:ext uri="{FF2B5EF4-FFF2-40B4-BE49-F238E27FC236}">
+                <a16:creationId xmlns:a16="http://schemas.microsoft.com/office/drawing/2014/main" id="{143F979C-CA86-AE0D-1B71-C61F31ADE85A}"/>
+              </a:ext>
+            </a:extLst>
+          </p:cNvPr>
+          <p:cNvSpPr>
+            <a:spLocks noGrp="1"/>
+          </p:cNvSpPr>
+          <p:nvPr>
+            <p:ph type="title"/>
+          </p:nvPr>
+        </p:nvSpPr>
+        <p:spPr>
+          <a:xfrm>
+            <a:off x="396765" y="80552"/>
+            <a:ext cx="10515600" cy="1082922"/>
+          </a:xfrm>
+        </p:spPr>
+        <p:txBody>
+          <a:bodyPr/>
+          <a:lstStyle/>
+          <a:p>
+            <a:r>
+              <a:rPr lang="en-US" b="1" dirty="0"/>
+              <a:t>Selecting active patterns: phases</a:t>
+            </a:r>
+            <a:endParaRPr lang="en-NL" b="1" dirty="0"/>
+          </a:p>
+        </p:txBody>
+      </p:sp>
+      <p:sp>
+        <p:nvSpPr>
+          <p:cNvPr id="4" name="TextBox 3">
+            <a:extLst>
+              <a:ext uri="{FF2B5EF4-FFF2-40B4-BE49-F238E27FC236}">
+                <a16:creationId xmlns:a16="http://schemas.microsoft.com/office/drawing/2014/main" id="{0B792318-938D-97E5-71E9-48F246A27C07}"/>
+              </a:ext>
+            </a:extLst>
+          </p:cNvPr>
+          <p:cNvSpPr txBox="1"/>
+          <p:nvPr/>
+        </p:nvSpPr>
+        <p:spPr>
+          <a:xfrm>
+            <a:off x="703794" y="1361882"/>
+            <a:ext cx="9406694" cy="4524315"/>
+          </a:xfrm>
+          <a:prstGeom prst="rect">
+            <a:avLst/>
+          </a:prstGeom>
+          <a:solidFill>
+            <a:schemeClr val="bg1">
+              <a:lumMod val="95000"/>
+            </a:schemeClr>
+          </a:solidFill>
+        </p:spPr>
+        <p:txBody>
+          <a:bodyPr wrap="square" rtlCol="0">
+            <a:spAutoFit/>
+          </a:bodyPr>
+          <a:lstStyle/>
+          <a:p>
+            <a:r>
+              <a:rPr lang="de-DE" sz="2400" b="1" dirty="0">
+                <a:latin typeface="Courier New" panose="02070309020205020404" pitchFamily="49" charset="0"/>
+                <a:cs typeface="Courier New" panose="02070309020205020404" pitchFamily="49" charset="0"/>
+              </a:rPr>
+              <a:t>&lt;</a:t>
+            </a:r>
+            <a:r>
+              <a:rPr lang="de-DE" sz="2400" b="1" dirty="0" err="1">
+                <a:latin typeface="Courier New" panose="02070309020205020404" pitchFamily="49" charset="0"/>
+                <a:cs typeface="Courier New" panose="02070309020205020404" pitchFamily="49" charset="0"/>
+              </a:rPr>
+              <a:t>phase</a:t>
+            </a:r>
+            <a:r>
+              <a:rPr lang="de-DE" sz="2400" b="1" dirty="0">
+                <a:latin typeface="Courier New" panose="02070309020205020404" pitchFamily="49" charset="0"/>
+                <a:cs typeface="Courier New" panose="02070309020205020404" pitchFamily="49" charset="0"/>
+              </a:rPr>
+              <a:t> </a:t>
+            </a:r>
+            <a:r>
+              <a:rPr lang="de-DE" sz="2400" b="1" dirty="0" err="1">
+                <a:latin typeface="Courier New" panose="02070309020205020404" pitchFamily="49" charset="0"/>
+                <a:cs typeface="Courier New" panose="02070309020205020404" pitchFamily="49" charset="0"/>
+              </a:rPr>
+              <a:t>id</a:t>
+            </a:r>
+            <a:r>
+              <a:rPr lang="de-DE" sz="2400" b="1" dirty="0">
+                <a:latin typeface="Courier New" panose="02070309020205020404" pitchFamily="49" charset="0"/>
+                <a:cs typeface="Courier New" panose="02070309020205020404" pitchFamily="49" charset="0"/>
+              </a:rPr>
+              <a:t>="normal-</a:t>
+            </a:r>
+            <a:r>
+              <a:rPr lang="de-DE" sz="2400" b="1" dirty="0" err="1">
+                <a:latin typeface="Courier New" panose="02070309020205020404" pitchFamily="49" charset="0"/>
+                <a:cs typeface="Courier New" panose="02070309020205020404" pitchFamily="49" charset="0"/>
+              </a:rPr>
+              <a:t>only</a:t>
+            </a:r>
+            <a:r>
+              <a:rPr lang="de-DE" sz="2400" b="1" dirty="0">
+                <a:latin typeface="Courier New" panose="02070309020205020404" pitchFamily="49" charset="0"/>
+                <a:cs typeface="Courier New" panose="02070309020205020404" pitchFamily="49" charset="0"/>
+              </a:rPr>
+              <a:t>"&gt;</a:t>
+            </a:r>
+          </a:p>
+          <a:p>
+            <a:r>
+              <a:rPr lang="de-DE" sz="2400" b="1" dirty="0">
+                <a:latin typeface="Courier New" panose="02070309020205020404" pitchFamily="49" charset="0"/>
+                <a:cs typeface="Courier New" panose="02070309020205020404" pitchFamily="49" charset="0"/>
+              </a:rPr>
+              <a:t>  &lt;</a:t>
+            </a:r>
+            <a:r>
+              <a:rPr lang="de-DE" sz="2400" b="1" dirty="0" err="1">
+                <a:latin typeface="Courier New" panose="02070309020205020404" pitchFamily="49" charset="0"/>
+                <a:cs typeface="Courier New" panose="02070309020205020404" pitchFamily="49" charset="0"/>
+              </a:rPr>
+              <a:t>active</a:t>
+            </a:r>
+            <a:r>
+              <a:rPr lang="de-DE" sz="2400" b="1" dirty="0">
+                <a:latin typeface="Courier New" panose="02070309020205020404" pitchFamily="49" charset="0"/>
+                <a:cs typeface="Courier New" panose="02070309020205020404" pitchFamily="49" charset="0"/>
+              </a:rPr>
+              <a:t> </a:t>
+            </a:r>
+            <a:r>
+              <a:rPr lang="de-DE" sz="2400" b="1" dirty="0" err="1">
+                <a:latin typeface="Courier New" panose="02070309020205020404" pitchFamily="49" charset="0"/>
+                <a:cs typeface="Courier New" panose="02070309020205020404" pitchFamily="49" charset="0"/>
+              </a:rPr>
+              <a:t>pattern</a:t>
+            </a:r>
+            <a:r>
+              <a:rPr lang="de-DE" sz="2400" b="1" dirty="0">
+                <a:latin typeface="Courier New" panose="02070309020205020404" pitchFamily="49" charset="0"/>
+                <a:cs typeface="Courier New" panose="02070309020205020404" pitchFamily="49" charset="0"/>
+              </a:rPr>
+              <a:t>="normal-</a:t>
+            </a:r>
+            <a:r>
+              <a:rPr lang="de-DE" sz="2400" b="1" dirty="0" err="1">
+                <a:latin typeface="Courier New" panose="02070309020205020404" pitchFamily="49" charset="0"/>
+                <a:cs typeface="Courier New" panose="02070309020205020404" pitchFamily="49" charset="0"/>
+              </a:rPr>
+              <a:t>rules</a:t>
+            </a:r>
+            <a:r>
+              <a:rPr lang="de-DE" sz="2400" b="1" dirty="0">
+                <a:latin typeface="Courier New" panose="02070309020205020404" pitchFamily="49" charset="0"/>
+                <a:cs typeface="Courier New" panose="02070309020205020404" pitchFamily="49" charset="0"/>
+              </a:rPr>
+              <a:t>"/&gt;</a:t>
+            </a:r>
+          </a:p>
+          <a:p>
+            <a:r>
+              <a:rPr lang="de-DE" sz="2400" b="1" dirty="0">
+                <a:latin typeface="Courier New" panose="02070309020205020404" pitchFamily="49" charset="0"/>
+                <a:cs typeface="Courier New" panose="02070309020205020404" pitchFamily="49" charset="0"/>
+              </a:rPr>
+              <a:t>&lt;/</a:t>
+            </a:r>
+            <a:r>
+              <a:rPr lang="de-DE" sz="2400" b="1" dirty="0" err="1">
+                <a:latin typeface="Courier New" panose="02070309020205020404" pitchFamily="49" charset="0"/>
+                <a:cs typeface="Courier New" panose="02070309020205020404" pitchFamily="49" charset="0"/>
+              </a:rPr>
+              <a:t>phase</a:t>
+            </a:r>
+            <a:r>
+              <a:rPr lang="de-DE" sz="2400" b="1" dirty="0">
+                <a:latin typeface="Courier New" panose="02070309020205020404" pitchFamily="49" charset="0"/>
+                <a:cs typeface="Courier New" panose="02070309020205020404" pitchFamily="49" charset="0"/>
+              </a:rPr>
+              <a:t>&gt;</a:t>
+            </a:r>
+          </a:p>
+          <a:p>
+            <a:endParaRPr lang="de-DE" sz="2400" b="1" dirty="0">
+              <a:latin typeface="Courier New" panose="02070309020205020404" pitchFamily="49" charset="0"/>
+              <a:cs typeface="Courier New" panose="02070309020205020404" pitchFamily="49" charset="0"/>
+            </a:endParaRPr>
+          </a:p>
+          <a:p>
+            <a:r>
+              <a:rPr lang="de-DE" sz="2400" b="1" dirty="0">
+                <a:latin typeface="Courier New" panose="02070309020205020404" pitchFamily="49" charset="0"/>
+                <a:cs typeface="Courier New" panose="02070309020205020404" pitchFamily="49" charset="0"/>
+              </a:rPr>
+              <a:t>&lt;</a:t>
+            </a:r>
+            <a:r>
+              <a:rPr lang="de-DE" sz="2400" b="1" dirty="0" err="1">
+                <a:latin typeface="Courier New" panose="02070309020205020404" pitchFamily="49" charset="0"/>
+                <a:cs typeface="Courier New" panose="02070309020205020404" pitchFamily="49" charset="0"/>
+              </a:rPr>
+              <a:t>phase</a:t>
+            </a:r>
+            <a:r>
+              <a:rPr lang="de-DE" sz="2400" b="1" dirty="0">
+                <a:latin typeface="Courier New" panose="02070309020205020404" pitchFamily="49" charset="0"/>
+                <a:cs typeface="Courier New" panose="02070309020205020404" pitchFamily="49" charset="0"/>
+              </a:rPr>
+              <a:t> </a:t>
+            </a:r>
+            <a:r>
+              <a:rPr lang="de-DE" sz="2400" b="1" dirty="0" err="1">
+                <a:latin typeface="Courier New" panose="02070309020205020404" pitchFamily="49" charset="0"/>
+                <a:cs typeface="Courier New" panose="02070309020205020404" pitchFamily="49" charset="0"/>
+              </a:rPr>
+              <a:t>id</a:t>
+            </a:r>
+            <a:r>
+              <a:rPr lang="de-DE" sz="2400" b="1" dirty="0">
+                <a:latin typeface="Courier New" panose="02070309020205020404" pitchFamily="49" charset="0"/>
+                <a:cs typeface="Courier New" panose="02070309020205020404" pitchFamily="49" charset="0"/>
+              </a:rPr>
+              <a:t>="normal-and-special"&gt;</a:t>
+            </a:r>
+          </a:p>
+          <a:p>
+            <a:r>
+              <a:rPr lang="de-DE" sz="2400" b="1" dirty="0">
+                <a:latin typeface="Courier New" panose="02070309020205020404" pitchFamily="49" charset="0"/>
+                <a:cs typeface="Courier New" panose="02070309020205020404" pitchFamily="49" charset="0"/>
+              </a:rPr>
+              <a:t>  &lt;</a:t>
+            </a:r>
+            <a:r>
+              <a:rPr lang="de-DE" sz="2400" b="1" dirty="0" err="1">
+                <a:latin typeface="Courier New" panose="02070309020205020404" pitchFamily="49" charset="0"/>
+                <a:cs typeface="Courier New" panose="02070309020205020404" pitchFamily="49" charset="0"/>
+              </a:rPr>
+              <a:t>active</a:t>
+            </a:r>
+            <a:r>
+              <a:rPr lang="de-DE" sz="2400" b="1" dirty="0">
+                <a:latin typeface="Courier New" panose="02070309020205020404" pitchFamily="49" charset="0"/>
+                <a:cs typeface="Courier New" panose="02070309020205020404" pitchFamily="49" charset="0"/>
+              </a:rPr>
+              <a:t> </a:t>
+            </a:r>
+            <a:r>
+              <a:rPr lang="de-DE" sz="2400" b="1" dirty="0" err="1">
+                <a:latin typeface="Courier New" panose="02070309020205020404" pitchFamily="49" charset="0"/>
+                <a:cs typeface="Courier New" panose="02070309020205020404" pitchFamily="49" charset="0"/>
+              </a:rPr>
+              <a:t>pattern</a:t>
+            </a:r>
+            <a:r>
+              <a:rPr lang="de-DE" sz="2400" b="1" dirty="0">
+                <a:latin typeface="Courier New" panose="02070309020205020404" pitchFamily="49" charset="0"/>
+                <a:cs typeface="Courier New" panose="02070309020205020404" pitchFamily="49" charset="0"/>
+              </a:rPr>
+              <a:t>="normal-</a:t>
+            </a:r>
+            <a:r>
+              <a:rPr lang="de-DE" sz="2400" b="1" dirty="0" err="1">
+                <a:latin typeface="Courier New" panose="02070309020205020404" pitchFamily="49" charset="0"/>
+                <a:cs typeface="Courier New" panose="02070309020205020404" pitchFamily="49" charset="0"/>
+              </a:rPr>
+              <a:t>rules</a:t>
+            </a:r>
+            <a:r>
+              <a:rPr lang="de-DE" sz="2400" b="1" dirty="0">
+                <a:latin typeface="Courier New" panose="02070309020205020404" pitchFamily="49" charset="0"/>
+                <a:cs typeface="Courier New" panose="02070309020205020404" pitchFamily="49" charset="0"/>
+              </a:rPr>
+              <a:t>"/&gt;</a:t>
+            </a:r>
+          </a:p>
+          <a:p>
+            <a:r>
+              <a:rPr lang="de-DE" sz="2400" b="1" dirty="0">
+                <a:latin typeface="Courier New" panose="02070309020205020404" pitchFamily="49" charset="0"/>
+                <a:cs typeface="Courier New" panose="02070309020205020404" pitchFamily="49" charset="0"/>
+              </a:rPr>
+              <a:t>  &lt;</a:t>
+            </a:r>
+            <a:r>
+              <a:rPr lang="de-DE" sz="2400" b="1" dirty="0" err="1">
+                <a:latin typeface="Courier New" panose="02070309020205020404" pitchFamily="49" charset="0"/>
+                <a:cs typeface="Courier New" panose="02070309020205020404" pitchFamily="49" charset="0"/>
+              </a:rPr>
+              <a:t>active</a:t>
+            </a:r>
+            <a:r>
+              <a:rPr lang="de-DE" sz="2400" b="1" dirty="0">
+                <a:latin typeface="Courier New" panose="02070309020205020404" pitchFamily="49" charset="0"/>
+                <a:cs typeface="Courier New" panose="02070309020205020404" pitchFamily="49" charset="0"/>
+              </a:rPr>
+              <a:t> </a:t>
+            </a:r>
+            <a:r>
+              <a:rPr lang="de-DE" sz="2400" b="1" dirty="0" err="1">
+                <a:latin typeface="Courier New" panose="02070309020205020404" pitchFamily="49" charset="0"/>
+                <a:cs typeface="Courier New" panose="02070309020205020404" pitchFamily="49" charset="0"/>
+              </a:rPr>
+              <a:t>pattern</a:t>
+            </a:r>
+            <a:r>
+              <a:rPr lang="de-DE" sz="2400" b="1" dirty="0">
+                <a:latin typeface="Courier New" panose="02070309020205020404" pitchFamily="49" charset="0"/>
+                <a:cs typeface="Courier New" panose="02070309020205020404" pitchFamily="49" charset="0"/>
+              </a:rPr>
+              <a:t>="special-</a:t>
+            </a:r>
+            <a:r>
+              <a:rPr lang="de-DE" sz="2400" b="1" dirty="0" err="1">
+                <a:latin typeface="Courier New" panose="02070309020205020404" pitchFamily="49" charset="0"/>
+                <a:cs typeface="Courier New" panose="02070309020205020404" pitchFamily="49" charset="0"/>
+              </a:rPr>
+              <a:t>rules</a:t>
+            </a:r>
+            <a:r>
+              <a:rPr lang="de-DE" sz="2400" b="1" dirty="0">
+                <a:latin typeface="Courier New" panose="02070309020205020404" pitchFamily="49" charset="0"/>
+                <a:cs typeface="Courier New" panose="02070309020205020404" pitchFamily="49" charset="0"/>
+              </a:rPr>
+              <a:t>"/&gt;</a:t>
+            </a:r>
+          </a:p>
+          <a:p>
+            <a:r>
+              <a:rPr lang="de-DE" sz="2400" b="1" dirty="0">
+                <a:latin typeface="Courier New" panose="02070309020205020404" pitchFamily="49" charset="0"/>
+                <a:cs typeface="Courier New" panose="02070309020205020404" pitchFamily="49" charset="0"/>
+              </a:rPr>
+              <a:t>&lt;/</a:t>
+            </a:r>
+            <a:r>
+              <a:rPr lang="de-DE" sz="2400" b="1" dirty="0" err="1">
+                <a:latin typeface="Courier New" panose="02070309020205020404" pitchFamily="49" charset="0"/>
+                <a:cs typeface="Courier New" panose="02070309020205020404" pitchFamily="49" charset="0"/>
+              </a:rPr>
+              <a:t>phase</a:t>
+            </a:r>
+            <a:r>
+              <a:rPr lang="de-DE" sz="2400" b="1" dirty="0">
+                <a:latin typeface="Courier New" panose="02070309020205020404" pitchFamily="49" charset="0"/>
+                <a:cs typeface="Courier New" panose="02070309020205020404" pitchFamily="49" charset="0"/>
+              </a:rPr>
+              <a:t>&gt;</a:t>
+            </a:r>
+          </a:p>
+          <a:p>
+            <a:endParaRPr lang="de-DE" sz="2400" b="1" dirty="0">
+              <a:latin typeface="Courier New" panose="02070309020205020404" pitchFamily="49" charset="0"/>
+              <a:cs typeface="Courier New" panose="02070309020205020404" pitchFamily="49" charset="0"/>
+            </a:endParaRPr>
+          </a:p>
+          <a:p>
+            <a:r>
+              <a:rPr lang="de-DE" sz="2400" b="1" dirty="0">
+                <a:latin typeface="Courier New" panose="02070309020205020404" pitchFamily="49" charset="0"/>
+                <a:cs typeface="Courier New" panose="02070309020205020404" pitchFamily="49" charset="0"/>
+              </a:rPr>
+              <a:t>&lt;</a:t>
+            </a:r>
+            <a:r>
+              <a:rPr lang="de-DE" sz="2400" b="1" dirty="0" err="1">
+                <a:latin typeface="Courier New" panose="02070309020205020404" pitchFamily="49" charset="0"/>
+                <a:cs typeface="Courier New" panose="02070309020205020404" pitchFamily="49" charset="0"/>
+              </a:rPr>
+              <a:t>pattern</a:t>
+            </a:r>
+            <a:r>
+              <a:rPr lang="de-DE" sz="2400" b="1" dirty="0">
+                <a:latin typeface="Courier New" panose="02070309020205020404" pitchFamily="49" charset="0"/>
+                <a:cs typeface="Courier New" panose="02070309020205020404" pitchFamily="49" charset="0"/>
+              </a:rPr>
+              <a:t> </a:t>
+            </a:r>
+            <a:r>
+              <a:rPr lang="de-DE" sz="2400" b="1" dirty="0" err="1">
+                <a:latin typeface="Courier New" panose="02070309020205020404" pitchFamily="49" charset="0"/>
+                <a:cs typeface="Courier New" panose="02070309020205020404" pitchFamily="49" charset="0"/>
+              </a:rPr>
+              <a:t>id</a:t>
+            </a:r>
+            <a:r>
+              <a:rPr lang="de-DE" sz="2400" b="1" dirty="0">
+                <a:latin typeface="Courier New" panose="02070309020205020404" pitchFamily="49" charset="0"/>
+                <a:cs typeface="Courier New" panose="02070309020205020404" pitchFamily="49" charset="0"/>
+              </a:rPr>
+              <a:t>="normal-</a:t>
+            </a:r>
+            <a:r>
+              <a:rPr lang="de-DE" sz="2400" b="1" dirty="0" err="1">
+                <a:latin typeface="Courier New" panose="02070309020205020404" pitchFamily="49" charset="0"/>
+                <a:cs typeface="Courier New" panose="02070309020205020404" pitchFamily="49" charset="0"/>
+              </a:rPr>
+              <a:t>rules</a:t>
+            </a:r>
+            <a:r>
+              <a:rPr lang="de-DE" sz="2400" b="1" dirty="0">
+                <a:latin typeface="Courier New" panose="02070309020205020404" pitchFamily="49" charset="0"/>
+                <a:cs typeface="Courier New" panose="02070309020205020404" pitchFamily="49" charset="0"/>
+              </a:rPr>
+              <a:t>"&gt;…&lt;/</a:t>
+            </a:r>
+            <a:r>
+              <a:rPr lang="de-DE" sz="2400" b="1" dirty="0" err="1">
+                <a:latin typeface="Courier New" panose="02070309020205020404" pitchFamily="49" charset="0"/>
+                <a:cs typeface="Courier New" panose="02070309020205020404" pitchFamily="49" charset="0"/>
+              </a:rPr>
+              <a:t>pattern</a:t>
+            </a:r>
+            <a:r>
+              <a:rPr lang="de-DE" sz="2400" b="1" dirty="0">
+                <a:latin typeface="Courier New" panose="02070309020205020404" pitchFamily="49" charset="0"/>
+                <a:cs typeface="Courier New" panose="02070309020205020404" pitchFamily="49" charset="0"/>
+              </a:rPr>
+              <a:t>&gt;</a:t>
+            </a:r>
+          </a:p>
+          <a:p>
+            <a:r>
+              <a:rPr lang="de-DE" sz="2400" b="1" dirty="0">
+                <a:latin typeface="Courier New" panose="02070309020205020404" pitchFamily="49" charset="0"/>
+                <a:cs typeface="Courier New" panose="02070309020205020404" pitchFamily="49" charset="0"/>
+              </a:rPr>
+              <a:t>&lt;</a:t>
+            </a:r>
+            <a:r>
+              <a:rPr lang="de-DE" sz="2400" b="1" dirty="0" err="1">
+                <a:latin typeface="Courier New" panose="02070309020205020404" pitchFamily="49" charset="0"/>
+                <a:cs typeface="Courier New" panose="02070309020205020404" pitchFamily="49" charset="0"/>
+              </a:rPr>
+              <a:t>pattern</a:t>
+            </a:r>
+            <a:r>
+              <a:rPr lang="de-DE" sz="2400" b="1" dirty="0">
+                <a:latin typeface="Courier New" panose="02070309020205020404" pitchFamily="49" charset="0"/>
+                <a:cs typeface="Courier New" panose="02070309020205020404" pitchFamily="49" charset="0"/>
+              </a:rPr>
+              <a:t> </a:t>
+            </a:r>
+            <a:r>
+              <a:rPr lang="de-DE" sz="2400" b="1" dirty="0" err="1">
+                <a:latin typeface="Courier New" panose="02070309020205020404" pitchFamily="49" charset="0"/>
+                <a:cs typeface="Courier New" panose="02070309020205020404" pitchFamily="49" charset="0"/>
+              </a:rPr>
+              <a:t>id</a:t>
+            </a:r>
+            <a:r>
+              <a:rPr lang="de-DE" sz="2400" b="1" dirty="0">
+                <a:latin typeface="Courier New" panose="02070309020205020404" pitchFamily="49" charset="0"/>
+                <a:cs typeface="Courier New" panose="02070309020205020404" pitchFamily="49" charset="0"/>
+              </a:rPr>
+              <a:t>="special-</a:t>
+            </a:r>
+            <a:r>
+              <a:rPr lang="de-DE" sz="2400" b="1" dirty="0" err="1">
+                <a:latin typeface="Courier New" panose="02070309020205020404" pitchFamily="49" charset="0"/>
+                <a:cs typeface="Courier New" panose="02070309020205020404" pitchFamily="49" charset="0"/>
+              </a:rPr>
+              <a:t>rules</a:t>
+            </a:r>
+            <a:r>
+              <a:rPr lang="de-DE" sz="2400" b="1" dirty="0">
+                <a:latin typeface="Courier New" panose="02070309020205020404" pitchFamily="49" charset="0"/>
+                <a:cs typeface="Courier New" panose="02070309020205020404" pitchFamily="49" charset="0"/>
+              </a:rPr>
+              <a:t>"&gt;…&lt;/</a:t>
+            </a:r>
+            <a:r>
+              <a:rPr lang="de-DE" sz="2400" b="1" dirty="0" err="1">
+                <a:latin typeface="Courier New" panose="02070309020205020404" pitchFamily="49" charset="0"/>
+                <a:cs typeface="Courier New" panose="02070309020205020404" pitchFamily="49" charset="0"/>
+              </a:rPr>
+              <a:t>pattern</a:t>
+            </a:r>
+            <a:r>
+              <a:rPr lang="de-DE" sz="2400" b="1" dirty="0">
+                <a:latin typeface="Courier New" panose="02070309020205020404" pitchFamily="49" charset="0"/>
+                <a:cs typeface="Courier New" panose="02070309020205020404" pitchFamily="49" charset="0"/>
+              </a:rPr>
+              <a:t>&gt;</a:t>
+            </a:r>
+          </a:p>
+          <a:p>
+            <a:r>
+              <a:rPr lang="de-DE" sz="2400" b="1" dirty="0">
+                <a:latin typeface="Courier New" panose="02070309020205020404" pitchFamily="49" charset="0"/>
+                <a:cs typeface="Courier New" panose="02070309020205020404" pitchFamily="49" charset="0"/>
+              </a:rPr>
+              <a:t>&lt;</a:t>
+            </a:r>
+            <a:r>
+              <a:rPr lang="de-DE" sz="2400" b="1" dirty="0" err="1">
+                <a:latin typeface="Courier New" panose="02070309020205020404" pitchFamily="49" charset="0"/>
+                <a:cs typeface="Courier New" panose="02070309020205020404" pitchFamily="49" charset="0"/>
+              </a:rPr>
+              <a:t>pattern</a:t>
+            </a:r>
+            <a:r>
+              <a:rPr lang="de-DE" sz="2400" b="1" dirty="0">
+                <a:latin typeface="Courier New" panose="02070309020205020404" pitchFamily="49" charset="0"/>
+                <a:cs typeface="Courier New" panose="02070309020205020404" pitchFamily="49" charset="0"/>
+              </a:rPr>
+              <a:t> </a:t>
+            </a:r>
+            <a:r>
+              <a:rPr lang="de-DE" sz="2400" b="1" dirty="0" err="1">
+                <a:latin typeface="Courier New" panose="02070309020205020404" pitchFamily="49" charset="0"/>
+                <a:cs typeface="Courier New" panose="02070309020205020404" pitchFamily="49" charset="0"/>
+              </a:rPr>
+              <a:t>id</a:t>
+            </a:r>
+            <a:r>
+              <a:rPr lang="de-DE" sz="2400" b="1" dirty="0">
+                <a:latin typeface="Courier New" panose="02070309020205020404" pitchFamily="49" charset="0"/>
+                <a:cs typeface="Courier New" panose="02070309020205020404" pitchFamily="49" charset="0"/>
+              </a:rPr>
+              <a:t>="</a:t>
+            </a:r>
+            <a:r>
+              <a:rPr lang="de-DE" sz="2400" b="1" dirty="0" err="1">
+                <a:latin typeface="Courier New" panose="02070309020205020404" pitchFamily="49" charset="0"/>
+                <a:cs typeface="Courier New" panose="02070309020205020404" pitchFamily="49" charset="0"/>
+              </a:rPr>
+              <a:t>very</a:t>
+            </a:r>
+            <a:r>
+              <a:rPr lang="de-DE" sz="2400" b="1" dirty="0">
+                <a:latin typeface="Courier New" panose="02070309020205020404" pitchFamily="49" charset="0"/>
+                <a:cs typeface="Courier New" panose="02070309020205020404" pitchFamily="49" charset="0"/>
+              </a:rPr>
+              <a:t>-special-</a:t>
+            </a:r>
+            <a:r>
+              <a:rPr lang="de-DE" sz="2400" b="1" dirty="0" err="1">
+                <a:latin typeface="Courier New" panose="02070309020205020404" pitchFamily="49" charset="0"/>
+                <a:cs typeface="Courier New" panose="02070309020205020404" pitchFamily="49" charset="0"/>
+              </a:rPr>
+              <a:t>rules</a:t>
+            </a:r>
+            <a:r>
+              <a:rPr lang="de-DE" sz="2400" b="1" dirty="0">
+                <a:latin typeface="Courier New" panose="02070309020205020404" pitchFamily="49" charset="0"/>
+                <a:cs typeface="Courier New" panose="02070309020205020404" pitchFamily="49" charset="0"/>
+              </a:rPr>
+              <a:t>"&gt;…&lt;/</a:t>
+            </a:r>
+            <a:r>
+              <a:rPr lang="de-DE" sz="2400" b="1" dirty="0" err="1">
+                <a:latin typeface="Courier New" panose="02070309020205020404" pitchFamily="49" charset="0"/>
+                <a:cs typeface="Courier New" panose="02070309020205020404" pitchFamily="49" charset="0"/>
+              </a:rPr>
+              <a:t>pattern</a:t>
+            </a:r>
+            <a:r>
+              <a:rPr lang="de-DE" sz="2400" b="1" dirty="0">
+                <a:latin typeface="Courier New" panose="02070309020205020404" pitchFamily="49" charset="0"/>
+                <a:cs typeface="Courier New" panose="02070309020205020404" pitchFamily="49" charset="0"/>
+              </a:rPr>
+              <a:t>&gt;</a:t>
+            </a:r>
+          </a:p>
+        </p:txBody>
+      </p:sp>
+    </p:spTree>
+    <p:extLst>
+      <p:ext uri="{BB962C8B-B14F-4D97-AF65-F5344CB8AC3E}">
+        <p14:creationId xmlns:p14="http://schemas.microsoft.com/office/powerpoint/2010/main" val="3396282915"/>
+      </p:ext>
+    </p:extLst>
+  </p:cSld>
+  <p:clrMapOvr>
+    <a:masterClrMapping/>
+  </p:clrMapOvr>
+</p:sld>
+</file>
+
+<file path=ppt/slides/slide31.xml><?xml version="1.0" encoding="utf-8"?>
+<p:sld xmlns:a="http://schemas.openxmlformats.org/drawingml/2006/main" xmlns:r="http://schemas.openxmlformats.org/officeDocument/2006/relationships" xmlns:p="http://schemas.openxmlformats.org/presentationml/2006/main">
+  <p:cSld>
+    <p:spTree>
+      <p:nvGrpSpPr>
+        <p:cNvPr id="1" name=""/>
+        <p:cNvGrpSpPr/>
+        <p:nvPr/>
+      </p:nvGrpSpPr>
+      <p:grpSpPr>
+        <a:xfrm>
+          <a:off x="0" y="0"/>
+          <a:ext cx="0" cy="0"/>
+          <a:chOff x="0" y="0"/>
+          <a:chExt cx="0" cy="0"/>
+        </a:xfrm>
+      </p:grpSpPr>
+      <p:sp>
+        <p:nvSpPr>
+          <p:cNvPr id="2" name="Title 1">
+            <a:extLst>
+              <a:ext uri="{FF2B5EF4-FFF2-40B4-BE49-F238E27FC236}">
+                <a16:creationId xmlns:a16="http://schemas.microsoft.com/office/drawing/2014/main" id="{023873CD-D3EB-2247-2B07-5FFA135B3C0D}"/>
+              </a:ext>
+            </a:extLst>
+          </p:cNvPr>
+          <p:cNvSpPr>
+            <a:spLocks noGrp="1"/>
+          </p:cNvSpPr>
+          <p:nvPr>
+            <p:ph type="title"/>
+          </p:nvPr>
+        </p:nvSpPr>
+        <p:spPr>
+          <a:xfrm>
+            <a:off x="120570" y="18255"/>
+            <a:ext cx="10515600" cy="1325563"/>
+          </a:xfrm>
+        </p:spPr>
+        <p:txBody>
+          <a:bodyPr/>
+          <a:lstStyle/>
+          <a:p>
+            <a:r>
+              <a:rPr lang="en-US" b="1" dirty="0"/>
+              <a:t>How to select a phase?</a:t>
+            </a:r>
+            <a:endParaRPr lang="en-NL" b="1" dirty="0"/>
+          </a:p>
+        </p:txBody>
+      </p:sp>
+      <p:sp>
+        <p:nvSpPr>
+          <p:cNvPr id="3" name="Content Placeholder 2">
+            <a:extLst>
+              <a:ext uri="{FF2B5EF4-FFF2-40B4-BE49-F238E27FC236}">
+                <a16:creationId xmlns:a16="http://schemas.microsoft.com/office/drawing/2014/main" id="{1773A26D-8E52-43B4-2736-B06F556A0531}"/>
+              </a:ext>
+            </a:extLst>
+          </p:cNvPr>
+          <p:cNvSpPr>
+            <a:spLocks noGrp="1"/>
+          </p:cNvSpPr>
+          <p:nvPr>
+            <p:ph idx="1"/>
+          </p:nvPr>
+        </p:nvSpPr>
+        <p:spPr>
+          <a:xfrm>
+            <a:off x="450448" y="1437873"/>
+            <a:ext cx="10515600" cy="4351338"/>
+          </a:xfrm>
+        </p:spPr>
+        <p:txBody>
+          <a:bodyPr>
+            <a:normAutofit fontScale="92500" lnSpcReduction="10000"/>
+          </a:bodyPr>
+          <a:lstStyle/>
+          <a:p>
+            <a:r>
+              <a:rPr lang="en-US" dirty="0"/>
+              <a:t>Add a default phase with the </a:t>
+            </a:r>
+            <a:r>
+              <a:rPr lang="en-US" sz="2400" b="1" dirty="0" err="1">
+                <a:latin typeface="Courier New" panose="02070309020205020404" pitchFamily="49" charset="0"/>
+                <a:cs typeface="Courier New" panose="02070309020205020404" pitchFamily="49" charset="0"/>
+              </a:rPr>
+              <a:t>defaultPhase</a:t>
+            </a:r>
+            <a:r>
+              <a:rPr lang="en-US" sz="2400" b="1" dirty="0">
+                <a:latin typeface="Courier New" panose="02070309020205020404" pitchFamily="49" charset="0"/>
+                <a:cs typeface="Courier New" panose="02070309020205020404" pitchFamily="49" charset="0"/>
+              </a:rPr>
+              <a:t>="…" </a:t>
+            </a:r>
+            <a:r>
+              <a:rPr lang="en-US" dirty="0"/>
+              <a:t>attribute (on the root element)</a:t>
+            </a:r>
+          </a:p>
+          <a:p>
+            <a:r>
+              <a:rPr lang="en-US" dirty="0"/>
+              <a:t>oXygen will automatically recognize that there are phases and show a dialog to choose one:</a:t>
+            </a:r>
+          </a:p>
+          <a:p>
+            <a:endParaRPr lang="en-US" dirty="0"/>
+          </a:p>
+          <a:p>
+            <a:endParaRPr lang="en-US" dirty="0"/>
+          </a:p>
+          <a:p>
+            <a:endParaRPr lang="en-US" dirty="0"/>
+          </a:p>
+          <a:p>
+            <a:endParaRPr lang="en-US" dirty="0"/>
+          </a:p>
+          <a:p>
+            <a:endParaRPr lang="en-US" dirty="0"/>
+          </a:p>
+          <a:p>
+            <a:r>
+              <a:rPr lang="en-US" dirty="0"/>
+              <a:t>On the command line: </a:t>
+            </a:r>
+            <a:r>
+              <a:rPr lang="en-US" sz="2400" b="1" dirty="0">
+                <a:latin typeface="Courier New" panose="02070309020205020404" pitchFamily="49" charset="0"/>
+                <a:cs typeface="Courier New" panose="02070309020205020404" pitchFamily="49" charset="0"/>
+              </a:rPr>
+              <a:t>-p </a:t>
+            </a:r>
+            <a:r>
+              <a:rPr lang="en-US" sz="2400" b="1" i="1" dirty="0">
+                <a:latin typeface="Courier New" panose="02070309020205020404" pitchFamily="49" charset="0"/>
+                <a:cs typeface="Courier New" panose="02070309020205020404" pitchFamily="49" charset="0"/>
+              </a:rPr>
+              <a:t>phase</a:t>
+            </a:r>
+            <a:r>
+              <a:rPr lang="en-US" sz="2400" b="1" dirty="0">
+                <a:latin typeface="Courier New" panose="02070309020205020404" pitchFamily="49" charset="0"/>
+                <a:cs typeface="Courier New" panose="02070309020205020404" pitchFamily="49" charset="0"/>
+              </a:rPr>
+              <a:t> </a:t>
+            </a:r>
+            <a:r>
+              <a:rPr lang="en-US" dirty="0"/>
+              <a:t>option</a:t>
+            </a:r>
+            <a:endParaRPr lang="en-NL" dirty="0"/>
+          </a:p>
+        </p:txBody>
+      </p:sp>
+      <p:pic>
+        <p:nvPicPr>
+          <p:cNvPr id="5" name="Picture 4">
+            <a:extLst>
+              <a:ext uri="{FF2B5EF4-FFF2-40B4-BE49-F238E27FC236}">
+                <a16:creationId xmlns:a16="http://schemas.microsoft.com/office/drawing/2014/main" id="{981875C8-C2CF-5876-50C9-17FF7F26C0A1}"/>
+              </a:ext>
+            </a:extLst>
+          </p:cNvPr>
+          <p:cNvPicPr>
+            <a:picLocks noChangeAspect="1"/>
+          </p:cNvPicPr>
+          <p:nvPr/>
+        </p:nvPicPr>
+        <p:blipFill>
+          <a:blip r:embed="rId2"/>
+          <a:stretch>
+            <a:fillRect/>
+          </a:stretch>
+        </p:blipFill>
+        <p:spPr>
+          <a:xfrm>
+            <a:off x="3826376" y="2674886"/>
+            <a:ext cx="2620723" cy="2437002"/>
+          </a:xfrm>
+          <a:prstGeom prst="rect">
+            <a:avLst/>
+          </a:prstGeom>
+        </p:spPr>
+      </p:pic>
+    </p:spTree>
+    <p:extLst>
+      <p:ext uri="{BB962C8B-B14F-4D97-AF65-F5344CB8AC3E}">
+        <p14:creationId xmlns:p14="http://schemas.microsoft.com/office/powerpoint/2010/main" val="1564604570"/>
+      </p:ext>
+    </p:extLst>
+  </p:cSld>
+  <p:clrMapOvr>
+    <a:masterClrMapping/>
+  </p:clrMapOvr>
+</p:sld>
+</file>
+
+<file path=ppt/slides/slide32.xml><?xml version="1.0" encoding="utf-8"?>
+<p:sld xmlns:a="http://schemas.openxmlformats.org/drawingml/2006/main" xmlns:r="http://schemas.openxmlformats.org/officeDocument/2006/relationships" xmlns:p="http://schemas.openxmlformats.org/presentationml/2006/main">
+  <p:cSld>
+    <p:spTree>
+      <p:nvGrpSpPr>
+        <p:cNvPr id="1" name=""/>
+        <p:cNvGrpSpPr/>
+        <p:nvPr/>
+      </p:nvGrpSpPr>
+      <p:grpSpPr>
+        <a:xfrm>
+          <a:off x="0" y="0"/>
+          <a:ext cx="0" cy="0"/>
+          <a:chOff x="0" y="0"/>
+          <a:chExt cx="0" cy="0"/>
+        </a:xfrm>
+      </p:grpSpPr>
+      <p:sp>
+        <p:nvSpPr>
+          <p:cNvPr id="2" name="Title 1">
+            <a:extLst>
+              <a:ext uri="{FF2B5EF4-FFF2-40B4-BE49-F238E27FC236}">
+                <a16:creationId xmlns:a16="http://schemas.microsoft.com/office/drawing/2014/main" id="{A70F358F-267E-458C-A8D5-5959F20DB9D5}"/>
+              </a:ext>
+            </a:extLst>
+          </p:cNvPr>
+          <p:cNvSpPr>
+            <a:spLocks noGrp="1"/>
+          </p:cNvSpPr>
+          <p:nvPr>
+            <p:ph type="title"/>
+          </p:nvPr>
+        </p:nvSpPr>
+        <p:spPr>
+          <a:xfrm>
+            <a:off x="1218674" y="-179178"/>
+            <a:ext cx="10515600" cy="1325563"/>
+          </a:xfrm>
+        </p:spPr>
+        <p:txBody>
+          <a:bodyPr/>
+          <a:lstStyle/>
+          <a:p>
+            <a:r>
+              <a:rPr lang="en-US" b="1" dirty="0"/>
+              <a:t>Hands-on: Using phases</a:t>
+            </a:r>
+            <a:endParaRPr lang="en-NL" b="1" dirty="0"/>
+          </a:p>
+        </p:txBody>
+      </p:sp>
+      <p:sp>
+        <p:nvSpPr>
+          <p:cNvPr id="3" name="Content Placeholder 2">
+            <a:extLst>
+              <a:ext uri="{FF2B5EF4-FFF2-40B4-BE49-F238E27FC236}">
+                <a16:creationId xmlns:a16="http://schemas.microsoft.com/office/drawing/2014/main" id="{B7E5CA6D-D83C-4F14-841A-1F3902B3B2AC}"/>
+              </a:ext>
+            </a:extLst>
+          </p:cNvPr>
+          <p:cNvSpPr>
+            <a:spLocks noGrp="1"/>
+          </p:cNvSpPr>
+          <p:nvPr>
+            <p:ph idx="1"/>
+          </p:nvPr>
+        </p:nvSpPr>
+        <p:spPr>
+          <a:xfrm>
+            <a:off x="249766" y="1325186"/>
+            <a:ext cx="11826620" cy="4899039"/>
+          </a:xfrm>
+        </p:spPr>
+        <p:txBody>
+          <a:bodyPr>
+            <a:normAutofit fontScale="92500" lnSpcReduction="10000"/>
+          </a:bodyPr>
+          <a:lstStyle/>
+          <a:p>
+            <a:r>
+              <a:rPr lang="en-US" dirty="0"/>
+              <a:t>All files in:  </a:t>
+            </a:r>
+            <a:r>
+              <a:rPr lang="en-US" b="1" dirty="0">
+                <a:latin typeface="Courier New" panose="02070309020205020404" pitchFamily="49" charset="0"/>
+                <a:cs typeface="Courier New" panose="02070309020205020404" pitchFamily="49" charset="0"/>
+              </a:rPr>
+              <a:t>…/exercises</a:t>
+            </a:r>
+            <a:r>
+              <a:rPr lang="en-US" dirty="0">
+                <a:latin typeface="Courier New" panose="02070309020205020404" pitchFamily="49" charset="0"/>
+                <a:cs typeface="Courier New" panose="02070309020205020404" pitchFamily="49" charset="0"/>
+              </a:rPr>
+              <a:t>/</a:t>
+            </a:r>
+            <a:r>
+              <a:rPr lang="en-US" b="1" dirty="0">
+                <a:latin typeface="Courier New" panose="02070309020205020404" pitchFamily="49" charset="0"/>
+                <a:cs typeface="Courier New" panose="02070309020205020404" pitchFamily="49" charset="0"/>
+              </a:rPr>
+              <a:t>exercise-03-02</a:t>
+            </a:r>
+          </a:p>
+          <a:p>
+            <a:endParaRPr lang="en-US" dirty="0"/>
+          </a:p>
+          <a:p>
+            <a:r>
+              <a:rPr lang="en-US" dirty="0"/>
+              <a:t>Read the instructions in:  </a:t>
+            </a:r>
+            <a:r>
+              <a:rPr lang="en-US" b="1" dirty="0">
+                <a:latin typeface="Courier New" panose="02070309020205020404" pitchFamily="49" charset="0"/>
+                <a:cs typeface="Courier New" panose="02070309020205020404" pitchFamily="49" charset="0"/>
+              </a:rPr>
+              <a:t>instructions.pdf</a:t>
+            </a:r>
+            <a:endParaRPr lang="en-US" dirty="0"/>
+          </a:p>
+          <a:p>
+            <a:r>
+              <a:rPr lang="en-US" dirty="0"/>
+              <a:t>Open the files:</a:t>
+            </a:r>
+          </a:p>
+          <a:p>
+            <a:pPr lvl="1"/>
+            <a:r>
+              <a:rPr lang="en-US" dirty="0"/>
+              <a:t>Document to validate: </a:t>
+            </a:r>
+            <a:r>
+              <a:rPr lang="en-US" b="1" dirty="0">
+                <a:latin typeface="Courier New" panose="02070309020205020404" pitchFamily="49" charset="0"/>
+                <a:cs typeface="Courier New" panose="02070309020205020404" pitchFamily="49" charset="0"/>
+              </a:rPr>
+              <a:t>input.xml</a:t>
+            </a:r>
+          </a:p>
+          <a:p>
+            <a:pPr lvl="1"/>
+            <a:r>
+              <a:rPr lang="en-US" dirty="0"/>
+              <a:t>Template Schematron schema: </a:t>
+            </a:r>
+            <a:r>
+              <a:rPr lang="en-US" b="1" dirty="0" err="1">
+                <a:latin typeface="Courier New" panose="02070309020205020404" pitchFamily="49" charset="0"/>
+                <a:cs typeface="Courier New" panose="02070309020205020404" pitchFamily="49" charset="0"/>
+              </a:rPr>
+              <a:t>template.sch</a:t>
+            </a:r>
+            <a:endParaRPr lang="en-US" b="1" dirty="0">
+              <a:latin typeface="Courier New" panose="02070309020205020404" pitchFamily="49" charset="0"/>
+              <a:cs typeface="Courier New" panose="02070309020205020404" pitchFamily="49" charset="0"/>
+            </a:endParaRPr>
+          </a:p>
+          <a:p>
+            <a:r>
+              <a:rPr lang="en-US" dirty="0"/>
+              <a:t>Enhance </a:t>
+            </a:r>
+            <a:r>
+              <a:rPr lang="en-US" b="1" dirty="0" err="1">
+                <a:latin typeface="Courier New" panose="02070309020205020404" pitchFamily="49" charset="0"/>
+                <a:cs typeface="Courier New" panose="02070309020205020404" pitchFamily="49" charset="0"/>
+              </a:rPr>
+              <a:t>template.sch</a:t>
+            </a:r>
+            <a:r>
+              <a:rPr lang="en-US" dirty="0"/>
+              <a:t> according to the instructions </a:t>
+            </a:r>
+          </a:p>
+          <a:p>
+            <a:r>
+              <a:rPr lang="en-US" dirty="0"/>
+              <a:t>To try it out in oXygen, </a:t>
+            </a:r>
+            <a:r>
+              <a:rPr lang="en-US" b="1" dirty="0">
+                <a:latin typeface="Courier New" panose="02070309020205020404" pitchFamily="49" charset="0"/>
+                <a:cs typeface="Courier New" panose="02070309020205020404" pitchFamily="49" charset="0"/>
+              </a:rPr>
+              <a:t>input.xml</a:t>
+            </a:r>
+            <a:r>
+              <a:rPr lang="en-US" dirty="0"/>
+              <a:t> is automatically validated by </a:t>
+            </a:r>
+            <a:r>
+              <a:rPr lang="en-US" b="1" dirty="0" err="1">
+                <a:latin typeface="Courier New" panose="02070309020205020404" pitchFamily="49" charset="0"/>
+                <a:cs typeface="Courier New" panose="02070309020205020404" pitchFamily="49" charset="0"/>
+              </a:rPr>
+              <a:t>template.sch</a:t>
+            </a:r>
+            <a:endParaRPr lang="en-US" b="1" dirty="0">
+              <a:latin typeface="Courier New" panose="02070309020205020404" pitchFamily="49" charset="0"/>
+              <a:cs typeface="Courier New" panose="02070309020205020404" pitchFamily="49" charset="0"/>
+            </a:endParaRPr>
+          </a:p>
+          <a:p>
+            <a:endParaRPr lang="en-US" dirty="0"/>
+          </a:p>
+          <a:p>
+            <a:endParaRPr lang="en-US" dirty="0"/>
+          </a:p>
+          <a:p>
+            <a:pPr marL="0" indent="0">
+              <a:buNone/>
+            </a:pPr>
+            <a:r>
+              <a:rPr lang="en-US" sz="2200" dirty="0"/>
+              <a:t>Possible solution in: </a:t>
+            </a:r>
+            <a:r>
+              <a:rPr lang="en-US" sz="2200" b="1" dirty="0">
+                <a:latin typeface="Courier New" panose="02070309020205020404" pitchFamily="49" charset="0"/>
+                <a:cs typeface="Courier New" panose="02070309020205020404" pitchFamily="49" charset="0"/>
+              </a:rPr>
+              <a:t>solution/</a:t>
+            </a:r>
+            <a:r>
+              <a:rPr lang="en-US" sz="2200" b="1" dirty="0" err="1">
+                <a:latin typeface="Courier New" panose="02070309020205020404" pitchFamily="49" charset="0"/>
+                <a:cs typeface="Courier New" panose="02070309020205020404" pitchFamily="49" charset="0"/>
+              </a:rPr>
+              <a:t>solution.sch</a:t>
+            </a:r>
+            <a:r>
+              <a:rPr lang="en-US" sz="2200" dirty="0"/>
+              <a:t> (short explanation in </a:t>
+            </a:r>
+            <a:r>
+              <a:rPr lang="en-US" sz="2200" b="1" dirty="0">
+                <a:latin typeface="Courier New" panose="02070309020205020404" pitchFamily="49" charset="0"/>
+                <a:cs typeface="Courier New" panose="02070309020205020404" pitchFamily="49" charset="0"/>
+              </a:rPr>
+              <a:t>solution/explanation.pdf</a:t>
+            </a:r>
+            <a:r>
+              <a:rPr lang="en-US" sz="2200" dirty="0"/>
+              <a:t>).</a:t>
+            </a:r>
+          </a:p>
+          <a:p>
+            <a:pPr marL="0" indent="0">
+              <a:buNone/>
+            </a:pPr>
+            <a:endParaRPr lang="en-US" sz="2200" dirty="0"/>
+          </a:p>
+          <a:p>
+            <a:endParaRPr lang="en-GB" dirty="0"/>
+          </a:p>
+        </p:txBody>
+      </p:sp>
+      <p:pic>
+        <p:nvPicPr>
+          <p:cNvPr id="6" name="Graphic 5" descr="Right pointing backhand index ">
+            <a:extLst>
+              <a:ext uri="{FF2B5EF4-FFF2-40B4-BE49-F238E27FC236}">
+                <a16:creationId xmlns:a16="http://schemas.microsoft.com/office/drawing/2014/main" id="{BA7FB8C5-2AEE-41C3-980A-64845E036DE8}"/>
+              </a:ext>
+            </a:extLst>
+          </p:cNvPr>
+          <p:cNvPicPr>
+            <a:picLocks noChangeAspect="1"/>
+          </p:cNvPicPr>
+          <p:nvPr/>
+        </p:nvPicPr>
+        <p:blipFill>
+          <a:blip r:embed="rId3">
+            <a:extLst>
+              <a:ext uri="{28A0092B-C50C-407E-A947-70E740481C1C}">
+                <a14:useLocalDpi xmlns:a14="http://schemas.microsoft.com/office/drawing/2010/main" val="0"/>
+              </a:ext>
+              <a:ext uri="{96DAC541-7B7A-43D3-8B79-37D633B846F1}">
+                <asvg:svgBlip xmlns:asvg="http://schemas.microsoft.com/office/drawing/2016/SVG/main" r:embed="rId4"/>
+              </a:ext>
+            </a:extLst>
+          </a:blip>
+          <a:stretch>
+            <a:fillRect/>
+          </a:stretch>
+        </p:blipFill>
+        <p:spPr>
+          <a:xfrm>
+            <a:off x="249766" y="26404"/>
+            <a:ext cx="914400" cy="914400"/>
+          </a:xfrm>
+          <a:prstGeom prst="rect">
+            <a:avLst/>
+          </a:prstGeom>
+        </p:spPr>
+      </p:pic>
+    </p:spTree>
+    <p:extLst>
+      <p:ext uri="{BB962C8B-B14F-4D97-AF65-F5344CB8AC3E}">
+        <p14:creationId xmlns:p14="http://schemas.microsoft.com/office/powerpoint/2010/main" val="4145912420"/>
+      </p:ext>
+    </p:extLst>
+  </p:cSld>
+  <p:clrMapOvr>
+    <a:masterClrMapping/>
+  </p:clrMapOvr>
+</p:sld>
+</file>
+
+<file path=ppt/slides/slide33.xml><?xml version="1.0" encoding="utf-8"?>
+<p:sld xmlns:a="http://schemas.openxmlformats.org/drawingml/2006/main" xmlns:r="http://schemas.openxmlformats.org/officeDocument/2006/relationships" xmlns:p="http://schemas.openxmlformats.org/presentationml/2006/main">
+  <p:cSld>
+    <p:spTree>
+      <p:nvGrpSpPr>
+        <p:cNvPr id="1" name=""/>
+        <p:cNvGrpSpPr/>
+        <p:nvPr/>
+      </p:nvGrpSpPr>
+      <p:grpSpPr>
+        <a:xfrm>
+          <a:off x="0" y="0"/>
+          <a:ext cx="0" cy="0"/>
+          <a:chOff x="0" y="0"/>
+          <a:chExt cx="0" cy="0"/>
+        </a:xfrm>
+      </p:grpSpPr>
+      <p:sp>
+        <p:nvSpPr>
+          <p:cNvPr id="2" name="Title 1">
+            <a:extLst>
+              <a:ext uri="{FF2B5EF4-FFF2-40B4-BE49-F238E27FC236}">
+                <a16:creationId xmlns:a16="http://schemas.microsoft.com/office/drawing/2014/main" id="{143F979C-CA86-AE0D-1B71-C61F31ADE85A}"/>
+              </a:ext>
+            </a:extLst>
+          </p:cNvPr>
+          <p:cNvSpPr>
+            <a:spLocks noGrp="1"/>
+          </p:cNvSpPr>
+          <p:nvPr>
+            <p:ph type="title"/>
+          </p:nvPr>
+        </p:nvSpPr>
+        <p:spPr>
+          <a:xfrm>
+            <a:off x="396765" y="80552"/>
+            <a:ext cx="10515600" cy="1082922"/>
+          </a:xfrm>
+        </p:spPr>
+        <p:txBody>
+          <a:bodyPr/>
+          <a:lstStyle/>
+          <a:p>
+            <a:r>
+              <a:rPr lang="en-US" b="1" dirty="0"/>
+              <a:t>Reusing messages: diagnostics</a:t>
+            </a:r>
+            <a:endParaRPr lang="en-NL" b="1" dirty="0"/>
+          </a:p>
+        </p:txBody>
+      </p:sp>
+      <p:sp>
+        <p:nvSpPr>
+          <p:cNvPr id="4" name="TextBox 3">
+            <a:extLst>
+              <a:ext uri="{FF2B5EF4-FFF2-40B4-BE49-F238E27FC236}">
+                <a16:creationId xmlns:a16="http://schemas.microsoft.com/office/drawing/2014/main" id="{0B792318-938D-97E5-71E9-48F246A27C07}"/>
+              </a:ext>
+            </a:extLst>
+          </p:cNvPr>
+          <p:cNvSpPr txBox="1"/>
+          <p:nvPr/>
+        </p:nvSpPr>
+        <p:spPr>
+          <a:xfrm>
+            <a:off x="842690" y="1419756"/>
+            <a:ext cx="9406694" cy="3170099"/>
+          </a:xfrm>
+          <a:prstGeom prst="rect">
+            <a:avLst/>
+          </a:prstGeom>
+          <a:solidFill>
+            <a:schemeClr val="bg1">
+              <a:lumMod val="95000"/>
+            </a:schemeClr>
+          </a:solidFill>
+        </p:spPr>
+        <p:txBody>
+          <a:bodyPr wrap="square" rtlCol="0">
+            <a:spAutoFit/>
+          </a:bodyPr>
+          <a:lstStyle/>
+          <a:p>
+            <a:r>
+              <a:rPr lang="de-DE" sz="2000" b="1" dirty="0">
+                <a:latin typeface="Courier New" panose="02070309020205020404" pitchFamily="49" charset="0"/>
+                <a:cs typeface="Courier New" panose="02070309020205020404" pitchFamily="49" charset="0"/>
+              </a:rPr>
+              <a:t>&lt;</a:t>
+            </a:r>
+            <a:r>
+              <a:rPr lang="de-DE" sz="2000" b="1" dirty="0" err="1">
+                <a:latin typeface="Courier New" panose="02070309020205020404" pitchFamily="49" charset="0"/>
+                <a:cs typeface="Courier New" panose="02070309020205020404" pitchFamily="49" charset="0"/>
+              </a:rPr>
+              <a:t>pattern</a:t>
+            </a:r>
+            <a:r>
+              <a:rPr lang="de-DE" sz="2000" b="1" dirty="0">
+                <a:latin typeface="Courier New" panose="02070309020205020404" pitchFamily="49" charset="0"/>
+                <a:cs typeface="Courier New" panose="02070309020205020404" pitchFamily="49" charset="0"/>
+              </a:rPr>
+              <a:t>&gt;</a:t>
+            </a:r>
+          </a:p>
+          <a:p>
+            <a:r>
+              <a:rPr lang="de-DE" sz="2000" b="1" dirty="0">
+                <a:latin typeface="Courier New" panose="02070309020205020404" pitchFamily="49" charset="0"/>
+                <a:cs typeface="Courier New" panose="02070309020205020404" pitchFamily="49" charset="0"/>
+              </a:rPr>
+              <a:t>  &lt;</a:t>
+            </a:r>
+            <a:r>
+              <a:rPr lang="de-DE" sz="2000" b="1" dirty="0" err="1">
+                <a:latin typeface="Courier New" panose="02070309020205020404" pitchFamily="49" charset="0"/>
+                <a:cs typeface="Courier New" panose="02070309020205020404" pitchFamily="49" charset="0"/>
+              </a:rPr>
+              <a:t>rule</a:t>
+            </a:r>
+            <a:r>
+              <a:rPr lang="de-DE" sz="2000" b="1" dirty="0">
+                <a:latin typeface="Courier New" panose="02070309020205020404" pitchFamily="49" charset="0"/>
+                <a:cs typeface="Courier New" panose="02070309020205020404" pitchFamily="49" charset="0"/>
+              </a:rPr>
+              <a:t> </a:t>
+            </a:r>
+            <a:r>
+              <a:rPr lang="de-DE" sz="2000" b="1" dirty="0" err="1">
+                <a:latin typeface="Courier New" panose="02070309020205020404" pitchFamily="49" charset="0"/>
+                <a:cs typeface="Courier New" panose="02070309020205020404" pitchFamily="49" charset="0"/>
+              </a:rPr>
+              <a:t>context</a:t>
+            </a:r>
+            <a:r>
+              <a:rPr lang="de-DE" sz="2000" b="1" dirty="0">
+                <a:latin typeface="Courier New" panose="02070309020205020404" pitchFamily="49" charset="0"/>
+                <a:cs typeface="Courier New" panose="02070309020205020404" pitchFamily="49" charset="0"/>
+              </a:rPr>
+              <a:t>="…"&gt;</a:t>
+            </a:r>
+          </a:p>
+          <a:p>
+            <a:r>
+              <a:rPr lang="de-DE" sz="2000" b="1" dirty="0">
+                <a:latin typeface="Courier New" panose="02070309020205020404" pitchFamily="49" charset="0"/>
+                <a:cs typeface="Courier New" panose="02070309020205020404" pitchFamily="49" charset="0"/>
+              </a:rPr>
+              <a:t>    &lt;</a:t>
+            </a:r>
+            <a:r>
+              <a:rPr lang="de-DE" sz="2000" b="1" dirty="0" err="1">
+                <a:latin typeface="Courier New" panose="02070309020205020404" pitchFamily="49" charset="0"/>
+                <a:cs typeface="Courier New" panose="02070309020205020404" pitchFamily="49" charset="0"/>
+              </a:rPr>
+              <a:t>assert</a:t>
+            </a:r>
+            <a:r>
+              <a:rPr lang="de-DE" sz="2000" b="1" dirty="0">
+                <a:latin typeface="Courier New" panose="02070309020205020404" pitchFamily="49" charset="0"/>
+                <a:cs typeface="Courier New" panose="02070309020205020404" pitchFamily="49" charset="0"/>
+              </a:rPr>
+              <a:t> </a:t>
+            </a:r>
+            <a:r>
+              <a:rPr lang="de-DE" sz="2000" b="1" dirty="0" err="1">
+                <a:latin typeface="Courier New" panose="02070309020205020404" pitchFamily="49" charset="0"/>
+                <a:cs typeface="Courier New" panose="02070309020205020404" pitchFamily="49" charset="0"/>
+              </a:rPr>
+              <a:t>test</a:t>
+            </a:r>
+            <a:r>
+              <a:rPr lang="de-DE" sz="2000" b="1" dirty="0">
+                <a:latin typeface="Courier New" panose="02070309020205020404" pitchFamily="49" charset="0"/>
+                <a:cs typeface="Courier New" panose="02070309020205020404" pitchFamily="49" charset="0"/>
+              </a:rPr>
+              <a:t>="…" </a:t>
+            </a:r>
+            <a:r>
+              <a:rPr lang="de-DE" sz="2000" b="1" dirty="0" err="1">
+                <a:latin typeface="Courier New" panose="02070309020205020404" pitchFamily="49" charset="0"/>
+                <a:cs typeface="Courier New" panose="02070309020205020404" pitchFamily="49" charset="0"/>
+              </a:rPr>
+              <a:t>diagnostics</a:t>
+            </a:r>
+            <a:r>
+              <a:rPr lang="de-DE" sz="2000" b="1" dirty="0">
+                <a:latin typeface="Courier New" panose="02070309020205020404" pitchFamily="49" charset="0"/>
+                <a:cs typeface="Courier New" panose="02070309020205020404" pitchFamily="49" charset="0"/>
+              </a:rPr>
+              <a:t>="message-1"/&gt;</a:t>
+            </a:r>
+          </a:p>
+          <a:p>
+            <a:r>
+              <a:rPr lang="de-DE" sz="2000" b="1" dirty="0">
+                <a:latin typeface="Courier New" panose="02070309020205020404" pitchFamily="49" charset="0"/>
+                <a:cs typeface="Courier New" panose="02070309020205020404" pitchFamily="49" charset="0"/>
+              </a:rPr>
+              <a:t>    &lt;</a:t>
+            </a:r>
+            <a:r>
+              <a:rPr lang="de-DE" sz="2000" b="1" dirty="0" err="1">
+                <a:latin typeface="Courier New" panose="02070309020205020404" pitchFamily="49" charset="0"/>
+                <a:cs typeface="Courier New" panose="02070309020205020404" pitchFamily="49" charset="0"/>
+              </a:rPr>
+              <a:t>assert</a:t>
+            </a:r>
+            <a:r>
+              <a:rPr lang="de-DE" sz="2000" b="1" dirty="0">
+                <a:latin typeface="Courier New" panose="02070309020205020404" pitchFamily="49" charset="0"/>
+                <a:cs typeface="Courier New" panose="02070309020205020404" pitchFamily="49" charset="0"/>
+              </a:rPr>
+              <a:t> </a:t>
+            </a:r>
+            <a:r>
+              <a:rPr lang="de-DE" sz="2000" b="1" dirty="0" err="1">
+                <a:latin typeface="Courier New" panose="02070309020205020404" pitchFamily="49" charset="0"/>
+                <a:cs typeface="Courier New" panose="02070309020205020404" pitchFamily="49" charset="0"/>
+              </a:rPr>
+              <a:t>test</a:t>
+            </a:r>
+            <a:r>
+              <a:rPr lang="de-DE" sz="2000" b="1" dirty="0">
+                <a:latin typeface="Courier New" panose="02070309020205020404" pitchFamily="49" charset="0"/>
+                <a:cs typeface="Courier New" panose="02070309020205020404" pitchFamily="49" charset="0"/>
+              </a:rPr>
+              <a:t>="…" </a:t>
+            </a:r>
+            <a:r>
+              <a:rPr lang="de-DE" sz="2000" b="1" dirty="0" err="1">
+                <a:latin typeface="Courier New" panose="02070309020205020404" pitchFamily="49" charset="0"/>
+                <a:cs typeface="Courier New" panose="02070309020205020404" pitchFamily="49" charset="0"/>
+              </a:rPr>
+              <a:t>diagnostics</a:t>
+            </a:r>
+            <a:r>
+              <a:rPr lang="de-DE" sz="2000" b="1" dirty="0">
+                <a:latin typeface="Courier New" panose="02070309020205020404" pitchFamily="49" charset="0"/>
+                <a:cs typeface="Courier New" panose="02070309020205020404" pitchFamily="49" charset="0"/>
+              </a:rPr>
+              <a:t>="message-1"/&gt;</a:t>
+            </a:r>
+          </a:p>
+          <a:p>
+            <a:r>
+              <a:rPr lang="de-DE" sz="2000" b="1" dirty="0">
+                <a:latin typeface="Courier New" panose="02070309020205020404" pitchFamily="49" charset="0"/>
+                <a:cs typeface="Courier New" panose="02070309020205020404" pitchFamily="49" charset="0"/>
+              </a:rPr>
+              <a:t>  &lt;/</a:t>
+            </a:r>
+            <a:r>
+              <a:rPr lang="de-DE" sz="2000" b="1" dirty="0" err="1">
+                <a:latin typeface="Courier New" panose="02070309020205020404" pitchFamily="49" charset="0"/>
+                <a:cs typeface="Courier New" panose="02070309020205020404" pitchFamily="49" charset="0"/>
+              </a:rPr>
+              <a:t>rule</a:t>
+            </a:r>
+            <a:r>
+              <a:rPr lang="de-DE" sz="2000" b="1" dirty="0">
+                <a:latin typeface="Courier New" panose="02070309020205020404" pitchFamily="49" charset="0"/>
+                <a:cs typeface="Courier New" panose="02070309020205020404" pitchFamily="49" charset="0"/>
+              </a:rPr>
+              <a:t>&gt;</a:t>
+            </a:r>
+          </a:p>
+          <a:p>
+            <a:r>
+              <a:rPr lang="de-DE" sz="2000" b="1" dirty="0">
+                <a:latin typeface="Courier New" panose="02070309020205020404" pitchFamily="49" charset="0"/>
+                <a:cs typeface="Courier New" panose="02070309020205020404" pitchFamily="49" charset="0"/>
+              </a:rPr>
+              <a:t>&lt;/</a:t>
+            </a:r>
+            <a:r>
+              <a:rPr lang="de-DE" sz="2000" b="1" dirty="0" err="1">
+                <a:latin typeface="Courier New" panose="02070309020205020404" pitchFamily="49" charset="0"/>
+                <a:cs typeface="Courier New" panose="02070309020205020404" pitchFamily="49" charset="0"/>
+              </a:rPr>
+              <a:t>pattern</a:t>
+            </a:r>
+            <a:r>
+              <a:rPr lang="de-DE" sz="2000" b="1" dirty="0">
+                <a:latin typeface="Courier New" panose="02070309020205020404" pitchFamily="49" charset="0"/>
+                <a:cs typeface="Courier New" panose="02070309020205020404" pitchFamily="49" charset="0"/>
+              </a:rPr>
+              <a:t>&gt;</a:t>
+            </a:r>
+          </a:p>
+          <a:p>
+            <a:endParaRPr lang="de-DE" sz="2000" b="1" dirty="0">
+              <a:latin typeface="Courier New" panose="02070309020205020404" pitchFamily="49" charset="0"/>
+              <a:cs typeface="Courier New" panose="02070309020205020404" pitchFamily="49" charset="0"/>
+            </a:endParaRPr>
+          </a:p>
+          <a:p>
+            <a:r>
+              <a:rPr lang="de-DE" sz="2000" b="1" dirty="0">
+                <a:latin typeface="Courier New" panose="02070309020205020404" pitchFamily="49" charset="0"/>
+                <a:cs typeface="Courier New" panose="02070309020205020404" pitchFamily="49" charset="0"/>
+              </a:rPr>
+              <a:t>&lt;</a:t>
+            </a:r>
+            <a:r>
+              <a:rPr lang="de-DE" sz="2000" b="1" dirty="0" err="1">
+                <a:latin typeface="Courier New" panose="02070309020205020404" pitchFamily="49" charset="0"/>
+                <a:cs typeface="Courier New" panose="02070309020205020404" pitchFamily="49" charset="0"/>
+              </a:rPr>
+              <a:t>diagnostics</a:t>
+            </a:r>
+            <a:r>
+              <a:rPr lang="de-DE" sz="2000" b="1" dirty="0">
+                <a:latin typeface="Courier New" panose="02070309020205020404" pitchFamily="49" charset="0"/>
+                <a:cs typeface="Courier New" panose="02070309020205020404" pitchFamily="49" charset="0"/>
+              </a:rPr>
+              <a:t>&gt;</a:t>
+            </a:r>
+          </a:p>
+          <a:p>
+            <a:r>
+              <a:rPr lang="de-DE" sz="2000" b="1" dirty="0">
+                <a:latin typeface="Courier New" panose="02070309020205020404" pitchFamily="49" charset="0"/>
+                <a:cs typeface="Courier New" panose="02070309020205020404" pitchFamily="49" charset="0"/>
+              </a:rPr>
+              <a:t>  &lt;</a:t>
+            </a:r>
+            <a:r>
+              <a:rPr lang="de-DE" sz="2000" b="1" dirty="0" err="1">
+                <a:latin typeface="Courier New" panose="02070309020205020404" pitchFamily="49" charset="0"/>
+                <a:cs typeface="Courier New" panose="02070309020205020404" pitchFamily="49" charset="0"/>
+              </a:rPr>
+              <a:t>diagnostic</a:t>
+            </a:r>
+            <a:r>
+              <a:rPr lang="de-DE" sz="2000" b="1" dirty="0">
+                <a:latin typeface="Courier New" panose="02070309020205020404" pitchFamily="49" charset="0"/>
+                <a:cs typeface="Courier New" panose="02070309020205020404" pitchFamily="49" charset="0"/>
+              </a:rPr>
+              <a:t> </a:t>
+            </a:r>
+            <a:r>
+              <a:rPr lang="de-DE" sz="2000" b="1" dirty="0" err="1">
+                <a:latin typeface="Courier New" panose="02070309020205020404" pitchFamily="49" charset="0"/>
+                <a:cs typeface="Courier New" panose="02070309020205020404" pitchFamily="49" charset="0"/>
+              </a:rPr>
+              <a:t>id</a:t>
+            </a:r>
+            <a:r>
+              <a:rPr lang="de-DE" sz="2000" b="1" dirty="0">
+                <a:latin typeface="Courier New" panose="02070309020205020404" pitchFamily="49" charset="0"/>
+                <a:cs typeface="Courier New" panose="02070309020205020404" pitchFamily="49" charset="0"/>
+              </a:rPr>
+              <a:t>="message-1"&gt; (</a:t>
+            </a:r>
+            <a:r>
+              <a:rPr lang="de-DE" sz="2000" b="1" dirty="0" err="1">
+                <a:latin typeface="Courier New" panose="02070309020205020404" pitchFamily="49" charset="0"/>
+                <a:cs typeface="Courier New" panose="02070309020205020404" pitchFamily="49" charset="0"/>
+              </a:rPr>
+              <a:t>the</a:t>
+            </a:r>
+            <a:r>
+              <a:rPr lang="de-DE" sz="2000" b="1" dirty="0">
+                <a:latin typeface="Courier New" panose="02070309020205020404" pitchFamily="49" charset="0"/>
+                <a:cs typeface="Courier New" panose="02070309020205020404" pitchFamily="49" charset="0"/>
+              </a:rPr>
+              <a:t> </a:t>
+            </a:r>
+            <a:r>
+              <a:rPr lang="de-DE" sz="2000" b="1" dirty="0" err="1">
+                <a:latin typeface="Courier New" panose="02070309020205020404" pitchFamily="49" charset="0"/>
+                <a:cs typeface="Courier New" panose="02070309020205020404" pitchFamily="49" charset="0"/>
+              </a:rPr>
+              <a:t>message</a:t>
+            </a:r>
+            <a:r>
+              <a:rPr lang="de-DE" sz="2000" b="1" dirty="0">
+                <a:latin typeface="Courier New" panose="02070309020205020404" pitchFamily="49" charset="0"/>
+                <a:cs typeface="Courier New" panose="02070309020205020404" pitchFamily="49" charset="0"/>
+              </a:rPr>
+              <a:t>…) &lt;/</a:t>
+            </a:r>
+            <a:r>
+              <a:rPr lang="de-DE" sz="2000" b="1" dirty="0" err="1">
+                <a:latin typeface="Courier New" panose="02070309020205020404" pitchFamily="49" charset="0"/>
+                <a:cs typeface="Courier New" panose="02070309020205020404" pitchFamily="49" charset="0"/>
+              </a:rPr>
+              <a:t>diagnostic</a:t>
+            </a:r>
+            <a:r>
+              <a:rPr lang="de-DE" sz="2000" b="1" dirty="0">
+                <a:latin typeface="Courier New" panose="02070309020205020404" pitchFamily="49" charset="0"/>
+                <a:cs typeface="Courier New" panose="02070309020205020404" pitchFamily="49" charset="0"/>
+              </a:rPr>
+              <a:t>&gt;</a:t>
+            </a:r>
+          </a:p>
+          <a:p>
+            <a:r>
+              <a:rPr lang="de-DE" sz="2000" b="1" dirty="0">
+                <a:latin typeface="Courier New" panose="02070309020205020404" pitchFamily="49" charset="0"/>
+                <a:cs typeface="Courier New" panose="02070309020205020404" pitchFamily="49" charset="0"/>
+              </a:rPr>
+              <a:t>&lt;/</a:t>
+            </a:r>
+            <a:r>
+              <a:rPr lang="de-DE" sz="2000" b="1" dirty="0" err="1">
+                <a:latin typeface="Courier New" panose="02070309020205020404" pitchFamily="49" charset="0"/>
+                <a:cs typeface="Courier New" panose="02070309020205020404" pitchFamily="49" charset="0"/>
+              </a:rPr>
+              <a:t>diagnostics</a:t>
+            </a:r>
+            <a:r>
+              <a:rPr lang="de-DE" sz="2000" b="1" dirty="0">
+                <a:latin typeface="Courier New" panose="02070309020205020404" pitchFamily="49" charset="0"/>
+                <a:cs typeface="Courier New" panose="02070309020205020404" pitchFamily="49" charset="0"/>
+              </a:rPr>
+              <a:t>&gt;</a:t>
+            </a:r>
+          </a:p>
+        </p:txBody>
+      </p:sp>
+      <p:sp>
+        <p:nvSpPr>
+          <p:cNvPr id="5" name="TextBox 4">
+            <a:extLst>
+              <a:ext uri="{FF2B5EF4-FFF2-40B4-BE49-F238E27FC236}">
+                <a16:creationId xmlns:a16="http://schemas.microsoft.com/office/drawing/2014/main" id="{0D29086C-3745-472D-2186-539644EB17FF}"/>
+              </a:ext>
+            </a:extLst>
+          </p:cNvPr>
+          <p:cNvSpPr txBox="1"/>
+          <p:nvPr/>
+        </p:nvSpPr>
+        <p:spPr>
+          <a:xfrm>
+            <a:off x="1122744" y="5266481"/>
+            <a:ext cx="7992319" cy="461665"/>
+          </a:xfrm>
+          <a:prstGeom prst="rect">
+            <a:avLst/>
+          </a:prstGeom>
+          <a:noFill/>
+        </p:spPr>
+        <p:txBody>
+          <a:bodyPr wrap="square" rtlCol="0">
+            <a:spAutoFit/>
+          </a:bodyPr>
+          <a:lstStyle/>
+          <a:p>
+            <a:r>
+              <a:rPr lang="en-US" sz="2400" dirty="0"/>
+              <a:t>Using this mechanism, you can also issue multiple messages!</a:t>
+            </a:r>
+            <a:endParaRPr lang="en-NL" sz="2400" dirty="0"/>
+          </a:p>
+        </p:txBody>
+      </p:sp>
+    </p:spTree>
+    <p:extLst>
+      <p:ext uri="{BB962C8B-B14F-4D97-AF65-F5344CB8AC3E}">
+        <p14:creationId xmlns:p14="http://schemas.microsoft.com/office/powerpoint/2010/main" val="4144954025"/>
+      </p:ext>
+    </p:extLst>
+  </p:cSld>
+  <p:clrMapOvr>
+    <a:masterClrMapping/>
+  </p:clrMapOvr>
+</p:sld>
+</file>
+
+<file path=ppt/slides/slide34.xml><?xml version="1.0" encoding="utf-8"?>
+<p:sld xmlns:a="http://schemas.openxmlformats.org/drawingml/2006/main" xmlns:r="http://schemas.openxmlformats.org/officeDocument/2006/relationships" xmlns:p="http://schemas.openxmlformats.org/presentationml/2006/main">
+  <p:cSld>
+    <p:spTree>
+      <p:nvGrpSpPr>
+        <p:cNvPr id="1" name=""/>
+        <p:cNvGrpSpPr/>
+        <p:nvPr/>
+      </p:nvGrpSpPr>
+      <p:grpSpPr>
+        <a:xfrm>
+          <a:off x="0" y="0"/>
+          <a:ext cx="0" cy="0"/>
+          <a:chOff x="0" y="0"/>
+          <a:chExt cx="0" cy="0"/>
+        </a:xfrm>
+      </p:grpSpPr>
+      <p:sp>
+        <p:nvSpPr>
+          <p:cNvPr id="2" name="Title 1">
+            <a:extLst>
+              <a:ext uri="{FF2B5EF4-FFF2-40B4-BE49-F238E27FC236}">
+                <a16:creationId xmlns:a16="http://schemas.microsoft.com/office/drawing/2014/main" id="{A70F358F-267E-458C-A8D5-5959F20DB9D5}"/>
+              </a:ext>
+            </a:extLst>
+          </p:cNvPr>
+          <p:cNvSpPr>
+            <a:spLocks noGrp="1"/>
+          </p:cNvSpPr>
+          <p:nvPr>
+            <p:ph type="title"/>
+          </p:nvPr>
+        </p:nvSpPr>
+        <p:spPr>
+          <a:xfrm>
+            <a:off x="1218674" y="-179178"/>
+            <a:ext cx="10515600" cy="1325563"/>
+          </a:xfrm>
+        </p:spPr>
+        <p:txBody>
+          <a:bodyPr/>
+          <a:lstStyle/>
+          <a:p>
+            <a:r>
+              <a:rPr lang="en-US" b="1" dirty="0"/>
+              <a:t>Hands-on: Reusing messages</a:t>
+            </a:r>
+            <a:endParaRPr lang="en-NL" b="1" dirty="0"/>
+          </a:p>
+        </p:txBody>
+      </p:sp>
+      <p:sp>
+        <p:nvSpPr>
+          <p:cNvPr id="3" name="Content Placeholder 2">
+            <a:extLst>
+              <a:ext uri="{FF2B5EF4-FFF2-40B4-BE49-F238E27FC236}">
+                <a16:creationId xmlns:a16="http://schemas.microsoft.com/office/drawing/2014/main" id="{B7E5CA6D-D83C-4F14-841A-1F3902B3B2AC}"/>
+              </a:ext>
+            </a:extLst>
+          </p:cNvPr>
+          <p:cNvSpPr>
+            <a:spLocks noGrp="1"/>
+          </p:cNvSpPr>
+          <p:nvPr>
+            <p:ph idx="1"/>
+          </p:nvPr>
+        </p:nvSpPr>
+        <p:spPr>
+          <a:xfrm>
+            <a:off x="249766" y="1325186"/>
+            <a:ext cx="11826620" cy="4899039"/>
+          </a:xfrm>
+        </p:spPr>
+        <p:txBody>
+          <a:bodyPr>
+            <a:normAutofit fontScale="92500" lnSpcReduction="10000"/>
+          </a:bodyPr>
+          <a:lstStyle/>
+          <a:p>
+            <a:r>
+              <a:rPr lang="en-US" dirty="0"/>
+              <a:t>All files in:  </a:t>
+            </a:r>
+            <a:r>
+              <a:rPr lang="en-US" b="1" dirty="0">
+                <a:latin typeface="Courier New" panose="02070309020205020404" pitchFamily="49" charset="0"/>
+                <a:cs typeface="Courier New" panose="02070309020205020404" pitchFamily="49" charset="0"/>
+              </a:rPr>
+              <a:t>…/exercises</a:t>
+            </a:r>
+            <a:r>
+              <a:rPr lang="en-US" dirty="0">
+                <a:latin typeface="Courier New" panose="02070309020205020404" pitchFamily="49" charset="0"/>
+                <a:cs typeface="Courier New" panose="02070309020205020404" pitchFamily="49" charset="0"/>
+              </a:rPr>
+              <a:t>/</a:t>
+            </a:r>
+            <a:r>
+              <a:rPr lang="en-US" b="1" dirty="0">
+                <a:latin typeface="Courier New" panose="02070309020205020404" pitchFamily="49" charset="0"/>
+                <a:cs typeface="Courier New" panose="02070309020205020404" pitchFamily="49" charset="0"/>
+              </a:rPr>
+              <a:t>exercise-03-03</a:t>
+            </a:r>
+          </a:p>
+          <a:p>
+            <a:endParaRPr lang="en-US" dirty="0"/>
+          </a:p>
+          <a:p>
+            <a:r>
+              <a:rPr lang="en-US" dirty="0"/>
+              <a:t>Read the instructions in:  </a:t>
+            </a:r>
+            <a:r>
+              <a:rPr lang="en-US" b="1" dirty="0">
+                <a:latin typeface="Courier New" panose="02070309020205020404" pitchFamily="49" charset="0"/>
+                <a:cs typeface="Courier New" panose="02070309020205020404" pitchFamily="49" charset="0"/>
+              </a:rPr>
+              <a:t>instructions.pdf</a:t>
+            </a:r>
+            <a:endParaRPr lang="en-US" dirty="0"/>
+          </a:p>
+          <a:p>
+            <a:r>
+              <a:rPr lang="en-US" dirty="0"/>
+              <a:t>Open the files:</a:t>
+            </a:r>
+          </a:p>
+          <a:p>
+            <a:pPr lvl="1"/>
+            <a:r>
+              <a:rPr lang="en-US" dirty="0"/>
+              <a:t>Document to validate: </a:t>
+            </a:r>
+            <a:r>
+              <a:rPr lang="en-US" b="1" dirty="0">
+                <a:latin typeface="Courier New" panose="02070309020205020404" pitchFamily="49" charset="0"/>
+                <a:cs typeface="Courier New" panose="02070309020205020404" pitchFamily="49" charset="0"/>
+              </a:rPr>
+              <a:t>input.xml</a:t>
+            </a:r>
+          </a:p>
+          <a:p>
+            <a:pPr lvl="1"/>
+            <a:r>
+              <a:rPr lang="en-US" dirty="0"/>
+              <a:t>Template Schematron schema: </a:t>
+            </a:r>
+            <a:r>
+              <a:rPr lang="en-US" b="1" dirty="0" err="1">
+                <a:latin typeface="Courier New" panose="02070309020205020404" pitchFamily="49" charset="0"/>
+                <a:cs typeface="Courier New" panose="02070309020205020404" pitchFamily="49" charset="0"/>
+              </a:rPr>
+              <a:t>template.sch</a:t>
+            </a:r>
+            <a:endParaRPr lang="en-US" b="1" dirty="0">
+              <a:latin typeface="Courier New" panose="02070309020205020404" pitchFamily="49" charset="0"/>
+              <a:cs typeface="Courier New" panose="02070309020205020404" pitchFamily="49" charset="0"/>
+            </a:endParaRPr>
+          </a:p>
+          <a:p>
+            <a:r>
+              <a:rPr lang="en-US" dirty="0"/>
+              <a:t>Enhance </a:t>
+            </a:r>
+            <a:r>
+              <a:rPr lang="en-US" b="1" dirty="0" err="1">
+                <a:latin typeface="Courier New" panose="02070309020205020404" pitchFamily="49" charset="0"/>
+                <a:cs typeface="Courier New" panose="02070309020205020404" pitchFamily="49" charset="0"/>
+              </a:rPr>
+              <a:t>template.sch</a:t>
+            </a:r>
+            <a:r>
+              <a:rPr lang="en-US" dirty="0"/>
+              <a:t> according to the instructions </a:t>
+            </a:r>
+          </a:p>
+          <a:p>
+            <a:r>
+              <a:rPr lang="en-US" dirty="0"/>
+              <a:t>To try it out in oXygen, </a:t>
+            </a:r>
+            <a:r>
+              <a:rPr lang="en-US" b="1" dirty="0">
+                <a:latin typeface="Courier New" panose="02070309020205020404" pitchFamily="49" charset="0"/>
+                <a:cs typeface="Courier New" panose="02070309020205020404" pitchFamily="49" charset="0"/>
+              </a:rPr>
+              <a:t>input.xml</a:t>
+            </a:r>
+            <a:r>
+              <a:rPr lang="en-US" dirty="0"/>
+              <a:t> is automatically validated by </a:t>
+            </a:r>
+            <a:r>
+              <a:rPr lang="en-US" b="1" dirty="0" err="1">
+                <a:latin typeface="Courier New" panose="02070309020205020404" pitchFamily="49" charset="0"/>
+                <a:cs typeface="Courier New" panose="02070309020205020404" pitchFamily="49" charset="0"/>
+              </a:rPr>
+              <a:t>template.sch</a:t>
+            </a:r>
+            <a:endParaRPr lang="en-US" b="1" dirty="0">
+              <a:latin typeface="Courier New" panose="02070309020205020404" pitchFamily="49" charset="0"/>
+              <a:cs typeface="Courier New" panose="02070309020205020404" pitchFamily="49" charset="0"/>
+            </a:endParaRPr>
+          </a:p>
+          <a:p>
+            <a:endParaRPr lang="en-US" dirty="0"/>
+          </a:p>
+          <a:p>
+            <a:endParaRPr lang="en-US" dirty="0"/>
+          </a:p>
+          <a:p>
+            <a:pPr marL="0" indent="0">
+              <a:buNone/>
+            </a:pPr>
+            <a:r>
+              <a:rPr lang="en-US" sz="2200" dirty="0"/>
+              <a:t>Possible solution in: </a:t>
+            </a:r>
+            <a:r>
+              <a:rPr lang="en-US" sz="2200" b="1" dirty="0">
+                <a:latin typeface="Courier New" panose="02070309020205020404" pitchFamily="49" charset="0"/>
+                <a:cs typeface="Courier New" panose="02070309020205020404" pitchFamily="49" charset="0"/>
+              </a:rPr>
+              <a:t>solution/</a:t>
+            </a:r>
+            <a:r>
+              <a:rPr lang="en-US" sz="2200" b="1" dirty="0" err="1">
+                <a:latin typeface="Courier New" panose="02070309020205020404" pitchFamily="49" charset="0"/>
+                <a:cs typeface="Courier New" panose="02070309020205020404" pitchFamily="49" charset="0"/>
+              </a:rPr>
+              <a:t>solution.sch</a:t>
+            </a:r>
+            <a:r>
+              <a:rPr lang="en-US" sz="2200" dirty="0"/>
+              <a:t> (short explanation in </a:t>
+            </a:r>
+            <a:r>
+              <a:rPr lang="en-US" sz="2200" b="1" dirty="0">
+                <a:latin typeface="Courier New" panose="02070309020205020404" pitchFamily="49" charset="0"/>
+                <a:cs typeface="Courier New" panose="02070309020205020404" pitchFamily="49" charset="0"/>
+              </a:rPr>
+              <a:t>solution/explanation.pdf</a:t>
+            </a:r>
+            <a:r>
+              <a:rPr lang="en-US" sz="2200" dirty="0"/>
+              <a:t>).</a:t>
+            </a:r>
+          </a:p>
+          <a:p>
+            <a:pPr marL="0" indent="0">
+              <a:buNone/>
+            </a:pPr>
+            <a:endParaRPr lang="en-US" sz="2200" dirty="0"/>
+          </a:p>
+          <a:p>
+            <a:endParaRPr lang="en-GB" dirty="0"/>
+          </a:p>
+        </p:txBody>
+      </p:sp>
+      <p:pic>
+        <p:nvPicPr>
+          <p:cNvPr id="6" name="Graphic 5" descr="Right pointing backhand index ">
+            <a:extLst>
+              <a:ext uri="{FF2B5EF4-FFF2-40B4-BE49-F238E27FC236}">
+                <a16:creationId xmlns:a16="http://schemas.microsoft.com/office/drawing/2014/main" id="{BA7FB8C5-2AEE-41C3-980A-64845E036DE8}"/>
+              </a:ext>
+            </a:extLst>
+          </p:cNvPr>
+          <p:cNvPicPr>
+            <a:picLocks noChangeAspect="1"/>
+          </p:cNvPicPr>
+          <p:nvPr/>
+        </p:nvPicPr>
+        <p:blipFill>
+          <a:blip r:embed="rId3">
+            <a:extLst>
+              <a:ext uri="{28A0092B-C50C-407E-A947-70E740481C1C}">
+                <a14:useLocalDpi xmlns:a14="http://schemas.microsoft.com/office/drawing/2010/main" val="0"/>
+              </a:ext>
+              <a:ext uri="{96DAC541-7B7A-43D3-8B79-37D633B846F1}">
+                <asvg:svgBlip xmlns:asvg="http://schemas.microsoft.com/office/drawing/2016/SVG/main" r:embed="rId4"/>
+              </a:ext>
+            </a:extLst>
+          </a:blip>
+          <a:stretch>
+            <a:fillRect/>
+          </a:stretch>
+        </p:blipFill>
+        <p:spPr>
+          <a:xfrm>
+            <a:off x="249766" y="26404"/>
+            <a:ext cx="914400" cy="914400"/>
+          </a:xfrm>
+          <a:prstGeom prst="rect">
+            <a:avLst/>
+          </a:prstGeom>
+        </p:spPr>
+      </p:pic>
+    </p:spTree>
+    <p:extLst>
+      <p:ext uri="{BB962C8B-B14F-4D97-AF65-F5344CB8AC3E}">
+        <p14:creationId xmlns:p14="http://schemas.microsoft.com/office/powerpoint/2010/main" val="336471784"/>
+      </p:ext>
+    </p:extLst>
+  </p:cSld>
+  <p:clrMapOvr>
+    <a:masterClrMapping/>
+  </p:clrMapOvr>
+</p:sld>
+</file>
+
+<file path=ppt/slides/slide35.xml><?xml version="1.0" encoding="utf-8"?>
+<p:sld xmlns:a="http://schemas.openxmlformats.org/drawingml/2006/main" xmlns:r="http://schemas.openxmlformats.org/officeDocument/2006/relationships" xmlns:p="http://schemas.openxmlformats.org/presentationml/2006/main">
+  <p:cSld>
+    <p:spTree>
+      <p:nvGrpSpPr>
+        <p:cNvPr id="1" name=""/>
+        <p:cNvGrpSpPr/>
+        <p:nvPr/>
+      </p:nvGrpSpPr>
+      <p:grpSpPr>
+        <a:xfrm>
+          <a:off x="0" y="0"/>
+          <a:ext cx="0" cy="0"/>
+          <a:chOff x="0" y="0"/>
+          <a:chExt cx="0" cy="0"/>
+        </a:xfrm>
+      </p:grpSpPr>
       <p:pic>
         <p:nvPicPr>
           <p:cNvPr id="4" name="Picture 2">
@@ -15070,7 +17337,7 @@
 </p:sld>
 </file>
 
-<file path=ppt/slides/slide31.xml><?xml version="1.0" encoding="utf-8"?>
+<file path=ppt/slides/slide36.xml><?xml version="1.0" encoding="utf-8"?>
 <p:sld xmlns:a="http://schemas.openxmlformats.org/drawingml/2006/main" xmlns:r="http://schemas.openxmlformats.org/officeDocument/2006/relationships" xmlns:p="http://schemas.openxmlformats.org/presentationml/2006/main">
   <p:cSld>
     <p:spTree>
@@ -16037,7 +18304,7 @@
 </p:sld>
 </file>
 
-<file path=ppt/slides/slide32.xml><?xml version="1.0" encoding="utf-8"?>
+<file path=ppt/slides/slide37.xml><?xml version="1.0" encoding="utf-8"?>
 <p:sld xmlns:a="http://schemas.openxmlformats.org/drawingml/2006/main" xmlns:r="http://schemas.openxmlformats.org/officeDocument/2006/relationships" xmlns:p="http://schemas.openxmlformats.org/presentationml/2006/main">
   <p:cSld>
     <p:spTree>
@@ -16688,7 +18955,7 @@
 </p:sld>
 </file>
 
-<file path=ppt/slides/slide33.xml><?xml version="1.0" encoding="utf-8"?>
+<file path=ppt/slides/slide38.xml><?xml version="1.0" encoding="utf-8"?>
 <p:sld xmlns:a="http://schemas.openxmlformats.org/drawingml/2006/main" xmlns:r="http://schemas.openxmlformats.org/officeDocument/2006/relationships" xmlns:p="http://schemas.openxmlformats.org/presentationml/2006/main">
   <p:cSld>
     <p:spTree>
@@ -16869,7 +19136,7 @@
 </p:sld>
 </file>
 
-<file path=ppt/slides/slide34.xml><?xml version="1.0" encoding="utf-8"?>
+<file path=ppt/slides/slide39.xml><?xml version="1.0" encoding="utf-8"?>
 <p:sld xmlns:a="http://schemas.openxmlformats.org/drawingml/2006/main" xmlns:r="http://schemas.openxmlformats.org/officeDocument/2006/relationships" xmlns:p="http://schemas.openxmlformats.org/presentationml/2006/main">
   <p:cSld>
     <p:spTree>
@@ -17093,7 +19360,282 @@
 </p:sld>
 </file>
 
-<file path=ppt/slides/slide35.xml><?xml version="1.0" encoding="utf-8"?>
+<file path=ppt/slides/slide4.xml><?xml version="1.0" encoding="utf-8"?>
+<p:sld xmlns:a="http://schemas.openxmlformats.org/drawingml/2006/main" xmlns:r="http://schemas.openxmlformats.org/officeDocument/2006/relationships" xmlns:p="http://schemas.openxmlformats.org/presentationml/2006/main">
+  <p:cSld>
+    <p:spTree>
+      <p:nvGrpSpPr>
+        <p:cNvPr id="1" name=""/>
+        <p:cNvGrpSpPr/>
+        <p:nvPr/>
+      </p:nvGrpSpPr>
+      <p:grpSpPr>
+        <a:xfrm>
+          <a:off x="0" y="0"/>
+          <a:ext cx="0" cy="0"/>
+          <a:chOff x="0" y="0"/>
+          <a:chExt cx="0" cy="0"/>
+        </a:xfrm>
+      </p:grpSpPr>
+      <p:sp>
+        <p:nvSpPr>
+          <p:cNvPr id="2" name="Title 1">
+            <a:extLst>
+              <a:ext uri="{FF2B5EF4-FFF2-40B4-BE49-F238E27FC236}">
+                <a16:creationId xmlns:a16="http://schemas.microsoft.com/office/drawing/2014/main" id="{DA1B0687-9FA5-4319-911B-AD25E7C55984}"/>
+              </a:ext>
+            </a:extLst>
+          </p:cNvPr>
+          <p:cNvSpPr>
+            <a:spLocks noGrp="1"/>
+          </p:cNvSpPr>
+          <p:nvPr>
+            <p:ph type="title"/>
+          </p:nvPr>
+        </p:nvSpPr>
+        <p:spPr>
+          <a:xfrm>
+            <a:off x="114149" y="14123"/>
+            <a:ext cx="10515600" cy="1325563"/>
+          </a:xfrm>
+        </p:spPr>
+        <p:txBody>
+          <a:bodyPr/>
+          <a:lstStyle/>
+          <a:p>
+            <a:r>
+              <a:rPr lang="en-US" b="1" dirty="0"/>
+              <a:t>Schematron highlights</a:t>
+            </a:r>
+            <a:endParaRPr lang="en-NL" b="1" dirty="0"/>
+          </a:p>
+        </p:txBody>
+      </p:sp>
+      <p:sp>
+        <p:nvSpPr>
+          <p:cNvPr id="3" name="Content Placeholder 2">
+            <a:extLst>
+              <a:ext uri="{FF2B5EF4-FFF2-40B4-BE49-F238E27FC236}">
+                <a16:creationId xmlns:a16="http://schemas.microsoft.com/office/drawing/2014/main" id="{35759DFE-054C-462C-8123-0C8D2411A9D6}"/>
+              </a:ext>
+            </a:extLst>
+          </p:cNvPr>
+          <p:cNvSpPr>
+            <a:spLocks noGrp="1"/>
+          </p:cNvSpPr>
+          <p:nvPr>
+            <p:ph idx="1"/>
+          </p:nvPr>
+        </p:nvSpPr>
+        <p:spPr>
+          <a:xfrm>
+            <a:off x="800751" y="1601865"/>
+            <a:ext cx="10515600" cy="3761987"/>
+          </a:xfrm>
+        </p:spPr>
+        <p:txBody>
+          <a:bodyPr>
+            <a:normAutofit fontScale="85000" lnSpcReduction="20000"/>
+          </a:bodyPr>
+          <a:lstStyle/>
+          <a:p>
+            <a:r>
+              <a:rPr lang="en-US" dirty="0"/>
+              <a:t>A formal XML based schema language</a:t>
+            </a:r>
+          </a:p>
+          <a:p>
+            <a:r>
+              <a:rPr lang="en-US" dirty="0"/>
+              <a:t>Simple but powerful</a:t>
+            </a:r>
+          </a:p>
+          <a:p>
+            <a:r>
+              <a:rPr lang="en-US" dirty="0"/>
+              <a:t>Can go way beyond the "classic" validation languages</a:t>
+            </a:r>
+          </a:p>
+          <a:p>
+            <a:r>
+              <a:rPr lang="en-US" dirty="0"/>
+              <a:t>Two types of rules:</a:t>
+            </a:r>
+          </a:p>
+          <a:p>
+            <a:pPr lvl="1"/>
+            <a:r>
+              <a:rPr lang="en-US" dirty="0"/>
+              <a:t>Assertions</a:t>
+            </a:r>
+          </a:p>
+          <a:p>
+            <a:pPr lvl="1"/>
+            <a:r>
+              <a:rPr lang="en-US" dirty="0"/>
+              <a:t>Reports</a:t>
+            </a:r>
+          </a:p>
+          <a:p>
+            <a:r>
+              <a:rPr lang="en-US" dirty="0"/>
+              <a:t>Messages in your own words!</a:t>
+            </a:r>
+          </a:p>
+          <a:p>
+            <a:r>
+              <a:rPr lang="en-US" dirty="0"/>
+              <a:t>XPath based expressions</a:t>
+            </a:r>
+          </a:p>
+          <a:p>
+            <a:r>
+              <a:rPr lang="en-US" dirty="0"/>
+              <a:t>Incorporates XSLT keys and functions</a:t>
+            </a:r>
+          </a:p>
+          <a:p>
+            <a:r>
+              <a:rPr lang="en-US" dirty="0"/>
+              <a:t>Has a predefined XML based output format (SVRL)</a:t>
+            </a:r>
+          </a:p>
+        </p:txBody>
+      </p:sp>
+      <p:sp>
+        <p:nvSpPr>
+          <p:cNvPr id="4" name="Speech Bubble: Oval 3">
+            <a:extLst>
+              <a:ext uri="{FF2B5EF4-FFF2-40B4-BE49-F238E27FC236}">
+                <a16:creationId xmlns:a16="http://schemas.microsoft.com/office/drawing/2014/main" id="{2721F1B1-1297-4F86-95C5-A246308E3BA4}"/>
+              </a:ext>
+            </a:extLst>
+          </p:cNvPr>
+          <p:cNvSpPr/>
+          <p:nvPr/>
+        </p:nvSpPr>
+        <p:spPr>
+          <a:xfrm>
+            <a:off x="7672093" y="5475822"/>
+            <a:ext cx="3368557" cy="951978"/>
+          </a:xfrm>
+          <a:prstGeom prst="wedgeEllipseCallout">
+            <a:avLst>
+              <a:gd name="adj1" fmla="val 71462"/>
+              <a:gd name="adj2" fmla="val 60972"/>
+            </a:avLst>
+          </a:prstGeom>
+        </p:spPr>
+        <p:style>
+          <a:lnRef idx="2">
+            <a:schemeClr val="accent1">
+              <a:shade val="50000"/>
+            </a:schemeClr>
+          </a:lnRef>
+          <a:fillRef idx="1">
+            <a:schemeClr val="accent1"/>
+          </a:fillRef>
+          <a:effectRef idx="0">
+            <a:schemeClr val="accent1"/>
+          </a:effectRef>
+          <a:fontRef idx="minor">
+            <a:schemeClr val="lt1"/>
+          </a:fontRef>
+        </p:style>
+        <p:txBody>
+          <a:bodyPr rtlCol="0" anchor="ctr"/>
+          <a:lstStyle/>
+          <a:p>
+            <a:pPr algn="ctr"/>
+            <a:r>
+              <a:rPr lang="en-US" dirty="0"/>
+              <a:t>I'm the </a:t>
+            </a:r>
+            <a:r>
+              <a:rPr lang="en-US" dirty="0" err="1"/>
+              <a:t>Schematroll</a:t>
+            </a:r>
+            <a:endParaRPr lang="en-US" dirty="0"/>
+          </a:p>
+          <a:p>
+            <a:pPr algn="ctr"/>
+            <a:r>
+              <a:rPr lang="en-US" dirty="0"/>
+              <a:t>I'm </a:t>
+            </a:r>
+            <a:r>
+              <a:rPr lang="en-US" dirty="0" err="1"/>
+              <a:t>Schematron's</a:t>
+            </a:r>
+            <a:r>
+              <a:rPr lang="en-US" dirty="0"/>
+              <a:t> logo!</a:t>
+            </a:r>
+            <a:endParaRPr lang="en-NL" dirty="0"/>
+          </a:p>
+        </p:txBody>
+      </p:sp>
+      <p:pic>
+        <p:nvPicPr>
+          <p:cNvPr id="2050" name="Picture 2" descr="Schematron | Schematron">
+            <a:extLst>
+              <a:ext uri="{FF2B5EF4-FFF2-40B4-BE49-F238E27FC236}">
+                <a16:creationId xmlns:a16="http://schemas.microsoft.com/office/drawing/2014/main" id="{89AEA9ED-0CB1-C07D-F2A8-3C4341491028}"/>
+              </a:ext>
+            </a:extLst>
+          </p:cNvPr>
+          <p:cNvPicPr>
+            <a:picLocks noChangeAspect="1" noChangeArrowheads="1"/>
+          </p:cNvPicPr>
+          <p:nvPr/>
+        </p:nvPicPr>
+        <p:blipFill>
+          <a:blip r:embed="rId2">
+            <a:extLst>
+              <a:ext uri="{28A0092B-C50C-407E-A947-70E740481C1C}">
+                <a14:useLocalDpi xmlns:a14="http://schemas.microsoft.com/office/drawing/2010/main" val="0"/>
+              </a:ext>
+            </a:extLst>
+          </a:blip>
+          <a:srcRect/>
+          <a:stretch>
+            <a:fillRect/>
+          </a:stretch>
+        </p:blipFill>
+        <p:spPr bwMode="auto">
+          <a:xfrm rot="1489992">
+            <a:off x="5808579" y="1739640"/>
+            <a:ext cx="6581775" cy="1571625"/>
+          </a:xfrm>
+          <a:prstGeom prst="rect">
+            <a:avLst/>
+          </a:prstGeom>
+          <a:noFill/>
+          <a:extLst>
+            <a:ext uri="{909E8E84-426E-40DD-AFC4-6F175D3DCCD1}">
+              <a14:hiddenFill xmlns:a14="http://schemas.microsoft.com/office/drawing/2010/main">
+                <a:solidFill>
+                  <a:srgbClr val="FFFFFF"/>
+                </a:solidFill>
+              </a14:hiddenFill>
+            </a:ext>
+          </a:extLst>
+        </p:spPr>
+      </p:pic>
+    </p:spTree>
+    <p:extLst>
+      <p:ext uri="{BB962C8B-B14F-4D97-AF65-F5344CB8AC3E}">
+        <p14:creationId xmlns:p14="http://schemas.microsoft.com/office/powerpoint/2010/main" val="545629648"/>
+      </p:ext>
+    </p:extLst>
+  </p:cSld>
+  <p:clrMapOvr>
+    <a:masterClrMapping/>
+  </p:clrMapOvr>
+</p:sld>
+</file>
+
+<file path=ppt/slides/slide40.xml><?xml version="1.0" encoding="utf-8"?>
 <p:sld xmlns:a="http://schemas.openxmlformats.org/drawingml/2006/main" xmlns:r="http://schemas.openxmlformats.org/officeDocument/2006/relationships" xmlns:p="http://schemas.openxmlformats.org/presentationml/2006/main">
   <p:cSld>
     <p:spTree>
@@ -18017,7 +20559,7 @@
 </p:sld>
 </file>
 
-<file path=ppt/slides/slide36.xml><?xml version="1.0" encoding="utf-8"?>
+<file path=ppt/slides/slide41.xml><?xml version="1.0" encoding="utf-8"?>
 <p:sld xmlns:a="http://schemas.openxmlformats.org/drawingml/2006/main" xmlns:r="http://schemas.openxmlformats.org/officeDocument/2006/relationships" xmlns:p="http://schemas.openxmlformats.org/presentationml/2006/main">
   <p:cSld>
     <p:spTree>
@@ -18722,7 +21264,7 @@
 </p:sld>
 </file>
 
-<file path=ppt/slides/slide37.xml><?xml version="1.0" encoding="utf-8"?>
+<file path=ppt/slides/slide42.xml><?xml version="1.0" encoding="utf-8"?>
 <p:sld xmlns:a="http://schemas.openxmlformats.org/drawingml/2006/main" xmlns:r="http://schemas.openxmlformats.org/officeDocument/2006/relationships" xmlns:p="http://schemas.openxmlformats.org/presentationml/2006/main">
   <p:cSld>
     <p:spTree>
@@ -19794,7 +22336,7 @@
 </p:sld>
 </file>
 
-<file path=ppt/slides/slide38.xml><?xml version="1.0" encoding="utf-8"?>
+<file path=ppt/slides/slide43.xml><?xml version="1.0" encoding="utf-8"?>
 <p:sld xmlns:a="http://schemas.openxmlformats.org/drawingml/2006/main" xmlns:r="http://schemas.openxmlformats.org/officeDocument/2006/relationships" xmlns:p="http://schemas.openxmlformats.org/presentationml/2006/main">
   <p:cSld>
     <p:spTree>
@@ -20342,7 +22884,7 @@
 </p:sld>
 </file>
 
-<file path=ppt/slides/slide39.xml><?xml version="1.0" encoding="utf-8"?>
+<file path=ppt/slides/slide44.xml><?xml version="1.0" encoding="utf-8"?>
 <p:sld xmlns:a="http://schemas.openxmlformats.org/drawingml/2006/main" xmlns:r="http://schemas.openxmlformats.org/officeDocument/2006/relationships" xmlns:p="http://schemas.openxmlformats.org/presentationml/2006/main">
   <p:cSld>
     <p:spTree>
@@ -20654,7 +23196,7 @@
 </p:sld>
 </file>
 
-<file path=ppt/slides/slide4.xml><?xml version="1.0" encoding="utf-8"?>
+<file path=ppt/slides/slide45.xml><?xml version="1.0" encoding="utf-8"?>
 <p:sld xmlns:a="http://schemas.openxmlformats.org/drawingml/2006/main" xmlns:r="http://schemas.openxmlformats.org/officeDocument/2006/relationships" xmlns:p="http://schemas.openxmlformats.org/presentationml/2006/main">
   <p:cSld>
     <p:spTree>
@@ -20676,281 +23218,6 @@
           <p:cNvPr id="2" name="Title 1">
             <a:extLst>
               <a:ext uri="{FF2B5EF4-FFF2-40B4-BE49-F238E27FC236}">
-                <a16:creationId xmlns:a16="http://schemas.microsoft.com/office/drawing/2014/main" id="{DA1B0687-9FA5-4319-911B-AD25E7C55984}"/>
-              </a:ext>
-            </a:extLst>
-          </p:cNvPr>
-          <p:cNvSpPr>
-            <a:spLocks noGrp="1"/>
-          </p:cNvSpPr>
-          <p:nvPr>
-            <p:ph type="title"/>
-          </p:nvPr>
-        </p:nvSpPr>
-        <p:spPr>
-          <a:xfrm>
-            <a:off x="114149" y="14123"/>
-            <a:ext cx="10515600" cy="1325563"/>
-          </a:xfrm>
-        </p:spPr>
-        <p:txBody>
-          <a:bodyPr/>
-          <a:lstStyle/>
-          <a:p>
-            <a:r>
-              <a:rPr lang="en-US" b="1" dirty="0"/>
-              <a:t>Schematron highlights</a:t>
-            </a:r>
-            <a:endParaRPr lang="en-NL" b="1" dirty="0"/>
-          </a:p>
-        </p:txBody>
-      </p:sp>
-      <p:sp>
-        <p:nvSpPr>
-          <p:cNvPr id="3" name="Content Placeholder 2">
-            <a:extLst>
-              <a:ext uri="{FF2B5EF4-FFF2-40B4-BE49-F238E27FC236}">
-                <a16:creationId xmlns:a16="http://schemas.microsoft.com/office/drawing/2014/main" id="{35759DFE-054C-462C-8123-0C8D2411A9D6}"/>
-              </a:ext>
-            </a:extLst>
-          </p:cNvPr>
-          <p:cNvSpPr>
-            <a:spLocks noGrp="1"/>
-          </p:cNvSpPr>
-          <p:nvPr>
-            <p:ph idx="1"/>
-          </p:nvPr>
-        </p:nvSpPr>
-        <p:spPr>
-          <a:xfrm>
-            <a:off x="800751" y="1601865"/>
-            <a:ext cx="10515600" cy="3761987"/>
-          </a:xfrm>
-        </p:spPr>
-        <p:txBody>
-          <a:bodyPr>
-            <a:normAutofit fontScale="85000" lnSpcReduction="20000"/>
-          </a:bodyPr>
-          <a:lstStyle/>
-          <a:p>
-            <a:r>
-              <a:rPr lang="en-US" dirty="0"/>
-              <a:t>Simple but powerful</a:t>
-            </a:r>
-          </a:p>
-          <a:p>
-            <a:r>
-              <a:rPr lang="en-US" dirty="0"/>
-              <a:t>A formal XML based schema language</a:t>
-            </a:r>
-          </a:p>
-          <a:p>
-            <a:r>
-              <a:rPr lang="en-US" dirty="0"/>
-              <a:t>Two types of rules:</a:t>
-            </a:r>
-          </a:p>
-          <a:p>
-            <a:pPr lvl="1"/>
-            <a:r>
-              <a:rPr lang="en-US" dirty="0"/>
-              <a:t>Assertions</a:t>
-            </a:r>
-          </a:p>
-          <a:p>
-            <a:pPr lvl="1"/>
-            <a:r>
-              <a:rPr lang="en-US" dirty="0"/>
-              <a:t>Reports</a:t>
-            </a:r>
-          </a:p>
-          <a:p>
-            <a:r>
-              <a:rPr lang="en-US" dirty="0"/>
-              <a:t>Messages in your own words!</a:t>
-            </a:r>
-          </a:p>
-          <a:p>
-            <a:r>
-              <a:rPr lang="en-US" dirty="0"/>
-              <a:t>XPath based expressions</a:t>
-            </a:r>
-          </a:p>
-          <a:p>
-            <a:r>
-              <a:rPr lang="en-US" dirty="0"/>
-              <a:t>Incorporate XSLT keys and functions</a:t>
-            </a:r>
-          </a:p>
-          <a:p>
-            <a:r>
-              <a:rPr lang="en-US" dirty="0"/>
-              <a:t>Can go way beyond the "classic" validation languages</a:t>
-            </a:r>
-          </a:p>
-          <a:p>
-            <a:r>
-              <a:rPr lang="en-US" dirty="0"/>
-              <a:t>Has a predefined XML based output format (SVRL)</a:t>
-            </a:r>
-          </a:p>
-        </p:txBody>
-      </p:sp>
-      <p:sp>
-        <p:nvSpPr>
-          <p:cNvPr id="4" name="Speech Bubble: Oval 3">
-            <a:extLst>
-              <a:ext uri="{FF2B5EF4-FFF2-40B4-BE49-F238E27FC236}">
-                <a16:creationId xmlns:a16="http://schemas.microsoft.com/office/drawing/2014/main" id="{2721F1B1-1297-4F86-95C5-A246308E3BA4}"/>
-              </a:ext>
-            </a:extLst>
-          </p:cNvPr>
-          <p:cNvSpPr/>
-          <p:nvPr/>
-        </p:nvSpPr>
-        <p:spPr>
-          <a:xfrm>
-            <a:off x="7672093" y="5475822"/>
-            <a:ext cx="3368557" cy="951978"/>
-          </a:xfrm>
-          <a:prstGeom prst="wedgeEllipseCallout">
-            <a:avLst>
-              <a:gd name="adj1" fmla="val 71462"/>
-              <a:gd name="adj2" fmla="val 60972"/>
-            </a:avLst>
-          </a:prstGeom>
-        </p:spPr>
-        <p:style>
-          <a:lnRef idx="2">
-            <a:schemeClr val="accent1">
-              <a:shade val="50000"/>
-            </a:schemeClr>
-          </a:lnRef>
-          <a:fillRef idx="1">
-            <a:schemeClr val="accent1"/>
-          </a:fillRef>
-          <a:effectRef idx="0">
-            <a:schemeClr val="accent1"/>
-          </a:effectRef>
-          <a:fontRef idx="minor">
-            <a:schemeClr val="lt1"/>
-          </a:fontRef>
-        </p:style>
-        <p:txBody>
-          <a:bodyPr rtlCol="0" anchor="ctr"/>
-          <a:lstStyle/>
-          <a:p>
-            <a:pPr algn="ctr"/>
-            <a:r>
-              <a:rPr lang="en-US" dirty="0"/>
-              <a:t>I'm the </a:t>
-            </a:r>
-            <a:r>
-              <a:rPr lang="en-US" dirty="0" err="1"/>
-              <a:t>Schematroll</a:t>
-            </a:r>
-            <a:endParaRPr lang="en-US" dirty="0"/>
-          </a:p>
-          <a:p>
-            <a:pPr algn="ctr"/>
-            <a:r>
-              <a:rPr lang="en-US" dirty="0"/>
-              <a:t>I'm </a:t>
-            </a:r>
-            <a:r>
-              <a:rPr lang="en-US" dirty="0" err="1"/>
-              <a:t>Schematron's</a:t>
-            </a:r>
-            <a:r>
-              <a:rPr lang="en-US" dirty="0"/>
-              <a:t> logo!</a:t>
-            </a:r>
-            <a:endParaRPr lang="en-NL" dirty="0"/>
-          </a:p>
-        </p:txBody>
-      </p:sp>
-      <p:pic>
-        <p:nvPicPr>
-          <p:cNvPr id="2050" name="Picture 2" descr="Schematron | Schematron">
-            <a:extLst>
-              <a:ext uri="{FF2B5EF4-FFF2-40B4-BE49-F238E27FC236}">
-                <a16:creationId xmlns:a16="http://schemas.microsoft.com/office/drawing/2014/main" id="{89AEA9ED-0CB1-C07D-F2A8-3C4341491028}"/>
-              </a:ext>
-            </a:extLst>
-          </p:cNvPr>
-          <p:cNvPicPr>
-            <a:picLocks noChangeAspect="1" noChangeArrowheads="1"/>
-          </p:cNvPicPr>
-          <p:nvPr/>
-        </p:nvPicPr>
-        <p:blipFill>
-          <a:blip r:embed="rId2">
-            <a:extLst>
-              <a:ext uri="{28A0092B-C50C-407E-A947-70E740481C1C}">
-                <a14:useLocalDpi xmlns:a14="http://schemas.microsoft.com/office/drawing/2010/main" val="0"/>
-              </a:ext>
-            </a:extLst>
-          </a:blip>
-          <a:srcRect/>
-          <a:stretch>
-            <a:fillRect/>
-          </a:stretch>
-        </p:blipFill>
-        <p:spPr bwMode="auto">
-          <a:xfrm rot="1489992">
-            <a:off x="5808579" y="1739640"/>
-            <a:ext cx="6581775" cy="1571625"/>
-          </a:xfrm>
-          <a:prstGeom prst="rect">
-            <a:avLst/>
-          </a:prstGeom>
-          <a:noFill/>
-          <a:extLst>
-            <a:ext uri="{909E8E84-426E-40DD-AFC4-6F175D3DCCD1}">
-              <a14:hiddenFill xmlns:a14="http://schemas.microsoft.com/office/drawing/2010/main">
-                <a:solidFill>
-                  <a:srgbClr val="FFFFFF"/>
-                </a:solidFill>
-              </a14:hiddenFill>
-            </a:ext>
-          </a:extLst>
-        </p:spPr>
-      </p:pic>
-    </p:spTree>
-    <p:extLst>
-      <p:ext uri="{BB962C8B-B14F-4D97-AF65-F5344CB8AC3E}">
-        <p14:creationId xmlns:p14="http://schemas.microsoft.com/office/powerpoint/2010/main" val="545629648"/>
-      </p:ext>
-    </p:extLst>
-  </p:cSld>
-  <p:clrMapOvr>
-    <a:masterClrMapping/>
-  </p:clrMapOvr>
-</p:sld>
-</file>
-
-<file path=ppt/slides/slide40.xml><?xml version="1.0" encoding="utf-8"?>
-<p:sld xmlns:a="http://schemas.openxmlformats.org/drawingml/2006/main" xmlns:r="http://schemas.openxmlformats.org/officeDocument/2006/relationships" xmlns:p="http://schemas.openxmlformats.org/presentationml/2006/main">
-  <p:cSld>
-    <p:spTree>
-      <p:nvGrpSpPr>
-        <p:cNvPr id="1" name=""/>
-        <p:cNvGrpSpPr/>
-        <p:nvPr/>
-      </p:nvGrpSpPr>
-      <p:grpSpPr>
-        <a:xfrm>
-          <a:off x="0" y="0"/>
-          <a:ext cx="0" cy="0"/>
-          <a:chOff x="0" y="0"/>
-          <a:chExt cx="0" cy="0"/>
-        </a:xfrm>
-      </p:grpSpPr>
-      <p:sp>
-        <p:nvSpPr>
-          <p:cNvPr id="2" name="Title 1">
-            <a:extLst>
-              <a:ext uri="{FF2B5EF4-FFF2-40B4-BE49-F238E27FC236}">
                 <a16:creationId xmlns:a16="http://schemas.microsoft.com/office/drawing/2014/main" id="{F0C815C8-BE18-DEF3-FFBC-5298E1DF0EBB}"/>
               </a:ext>
             </a:extLst>
@@ -21128,7 +23395,7 @@
 </p:sld>
 </file>
 
-<file path=ppt/slides/slide41.xml><?xml version="1.0" encoding="utf-8"?>
+<file path=ppt/slides/slide46.xml><?xml version="1.0" encoding="utf-8"?>
 <p:sld xmlns:a="http://schemas.openxmlformats.org/drawingml/2006/main" xmlns:r="http://schemas.openxmlformats.org/officeDocument/2006/relationships" xmlns:p="http://schemas.openxmlformats.org/presentationml/2006/main">
   <p:cSld>
     <p:spTree>
@@ -21450,7 +23717,7 @@
 </p:sld>
 </file>
 
-<file path=ppt/slides/slide42.xml><?xml version="1.0" encoding="utf-8"?>
+<file path=ppt/slides/slide47.xml><?xml version="1.0" encoding="utf-8"?>
 <p:sld xmlns:a="http://schemas.openxmlformats.org/drawingml/2006/main" xmlns:r="http://schemas.openxmlformats.org/officeDocument/2006/relationships" xmlns:p="http://schemas.openxmlformats.org/presentationml/2006/main">
   <p:cSld>
     <p:spTree>
@@ -22021,7 +24288,7 @@
 </p:sld>
 </file>
 
-<file path=ppt/slides/slide43.xml><?xml version="1.0" encoding="utf-8"?>
+<file path=ppt/slides/slide48.xml><?xml version="1.0" encoding="utf-8"?>
 <p:sld xmlns:a="http://schemas.openxmlformats.org/drawingml/2006/main" xmlns:r="http://schemas.openxmlformats.org/officeDocument/2006/relationships" xmlns:p="http://schemas.openxmlformats.org/presentationml/2006/main">
   <p:cSld>
     <p:spTree>
@@ -22880,7 +25147,7 @@
         </p:blipFill>
         <p:spPr>
           <a:xfrm>
-            <a:off x="1126504" y="1981499"/>
+            <a:off x="1100228" y="1781505"/>
             <a:ext cx="2031474" cy="1272590"/>
           </a:xfrm>
           <a:prstGeom prst="rect">
@@ -22902,7 +25169,7 @@
         </p:nvSpPr>
         <p:spPr>
           <a:xfrm>
-            <a:off x="2719632" y="2619414"/>
+            <a:off x="2306504" y="2423851"/>
             <a:ext cx="3473777" cy="287517"/>
           </a:xfrm>
           <a:prstGeom prst="leftArrow">
@@ -22956,7 +25223,7 @@
         </p:blipFill>
         <p:spPr>
           <a:xfrm>
-            <a:off x="4170702" y="3174547"/>
+            <a:off x="3870121" y="3008184"/>
             <a:ext cx="390580" cy="390580"/>
           </a:xfrm>
           <a:prstGeom prst="rect">

--- a/presentation/Schematron Tutorial DA 2022.pptx
+++ b/presentation/Schematron Tutorial DA 2022.pptx
@@ -346,7 +346,7 @@
           <a:p>
             <a:fld id="{0AAE6376-87C4-4D16-82D1-D37904F930BA}" type="datetimeFigureOut">
               <a:rPr lang="en-NL" smtClean="0"/>
-              <a:t>03/11/2022</a:t>
+              <a:t>06/11/2022</a:t>
             </a:fld>
             <a:endParaRPr lang="en-NL"/>
           </a:p>
@@ -523,7 +523,7 @@
           <a:p>
             <a:fld id="{3FA52A83-AFF0-44B5-B0CB-BF1EF92BF110}" type="datetimeFigureOut">
               <a:rPr lang="en-NL" smtClean="0"/>
-              <a:t>03/11/2022</a:t>
+              <a:t>06/11/2022</a:t>
             </a:fld>
             <a:endParaRPr lang="en-NL"/>
           </a:p>
@@ -2265,7 +2265,7 @@
           <a:p>
             <a:fld id="{9446F294-FC6D-4658-8D72-6C175CC4BEDF}" type="datetimeFigureOut">
               <a:rPr lang="en-US" smtClean="0"/>
-              <a:t>11/3/2022</a:t>
+              <a:t>11/6/2022</a:t>
             </a:fld>
             <a:endParaRPr lang="en-US"/>
           </a:p>
@@ -2489,7 +2489,7 @@
           <a:p>
             <a:fld id="{9446F294-FC6D-4658-8D72-6C175CC4BEDF}" type="datetimeFigureOut">
               <a:rPr lang="en-US" smtClean="0"/>
-              <a:t>11/3/2022</a:t>
+              <a:t>11/6/2022</a:t>
             </a:fld>
             <a:endParaRPr lang="en-US"/>
           </a:p>
@@ -2723,7 +2723,7 @@
           <a:p>
             <a:fld id="{9446F294-FC6D-4658-8D72-6C175CC4BEDF}" type="datetimeFigureOut">
               <a:rPr lang="en-US" smtClean="0"/>
-              <a:t>11/3/2022</a:t>
+              <a:t>11/6/2022</a:t>
             </a:fld>
             <a:endParaRPr lang="en-US"/>
           </a:p>
@@ -2947,7 +2947,7 @@
           <a:p>
             <a:fld id="{9446F294-FC6D-4658-8D72-6C175CC4BEDF}" type="datetimeFigureOut">
               <a:rPr lang="en-US" smtClean="0"/>
-              <a:t>11/3/2022</a:t>
+              <a:t>11/6/2022</a:t>
             </a:fld>
             <a:endParaRPr lang="en-US"/>
           </a:p>
@@ -3247,7 +3247,7 @@
           <a:p>
             <a:fld id="{9446F294-FC6D-4658-8D72-6C175CC4BEDF}" type="datetimeFigureOut">
               <a:rPr lang="en-US" smtClean="0"/>
-              <a:t>11/3/2022</a:t>
+              <a:t>11/6/2022</a:t>
             </a:fld>
             <a:endParaRPr lang="en-US"/>
           </a:p>
@@ -3539,7 +3539,7 @@
           <a:p>
             <a:fld id="{9446F294-FC6D-4658-8D72-6C175CC4BEDF}" type="datetimeFigureOut">
               <a:rPr lang="en-US" smtClean="0"/>
-              <a:t>11/3/2022</a:t>
+              <a:t>11/6/2022</a:t>
             </a:fld>
             <a:endParaRPr lang="en-US"/>
           </a:p>
@@ -3978,7 +3978,7 @@
           <a:p>
             <a:fld id="{9446F294-FC6D-4658-8D72-6C175CC4BEDF}" type="datetimeFigureOut">
               <a:rPr lang="en-US" smtClean="0"/>
-              <a:t>11/3/2022</a:t>
+              <a:t>11/6/2022</a:t>
             </a:fld>
             <a:endParaRPr lang="en-US"/>
           </a:p>
@@ -4144,7 +4144,7 @@
           <a:p>
             <a:fld id="{9446F294-FC6D-4658-8D72-6C175CC4BEDF}" type="datetimeFigureOut">
               <a:rPr lang="en-US" smtClean="0"/>
-              <a:t>11/3/2022</a:t>
+              <a:t>11/6/2022</a:t>
             </a:fld>
             <a:endParaRPr lang="en-US"/>
           </a:p>
@@ -4281,7 +4281,7 @@
           <a:p>
             <a:fld id="{9446F294-FC6D-4658-8D72-6C175CC4BEDF}" type="datetimeFigureOut">
               <a:rPr lang="en-US" smtClean="0"/>
-              <a:t>11/3/2022</a:t>
+              <a:t>11/6/2022</a:t>
             </a:fld>
             <a:endParaRPr lang="en-US"/>
           </a:p>
@@ -4618,7 +4618,7 @@
           <a:p>
             <a:fld id="{9446F294-FC6D-4658-8D72-6C175CC4BEDF}" type="datetimeFigureOut">
               <a:rPr lang="en-US" smtClean="0"/>
-              <a:t>11/3/2022</a:t>
+              <a:t>11/6/2022</a:t>
             </a:fld>
             <a:endParaRPr lang="en-US"/>
           </a:p>
@@ -4931,7 +4931,7 @@
           <a:p>
             <a:fld id="{9446F294-FC6D-4658-8D72-6C175CC4BEDF}" type="datetimeFigureOut">
               <a:rPr lang="en-US" smtClean="0"/>
-              <a:t>11/3/2022</a:t>
+              <a:t>11/6/2022</a:t>
             </a:fld>
             <a:endParaRPr lang="en-US"/>
           </a:p>
@@ -6575,7 +6575,7 @@
         <p:spPr>
           <a:xfrm>
             <a:off x="443286" y="3891013"/>
-            <a:ext cx="10524035" cy="2123658"/>
+            <a:ext cx="10524035" cy="2215991"/>
           </a:xfrm>
           <a:prstGeom prst="rect">
             <a:avLst/>
@@ -6600,7 +6600,7 @@
               <a:t>      </a:t>
             </a:r>
             <a:r>
-              <a:rPr lang="de-DE" b="1" dirty="0">
+              <a:rPr lang="de-DE" sz="2400" b="1" dirty="0">
                 <a:solidFill>
                   <a:schemeClr val="tx2"/>
                 </a:solidFill>
@@ -6610,7 +6610,7 @@
               <a:t>&lt;</a:t>
             </a:r>
             <a:r>
-              <a:rPr lang="de-DE" b="1" dirty="0" err="1">
+              <a:rPr lang="de-DE" sz="2400" b="1" dirty="0" err="1">
                 <a:solidFill>
                   <a:schemeClr val="tx2"/>
                 </a:solidFill>
@@ -6620,7 +6620,7 @@
               <a:t>thing</a:t>
             </a:r>
             <a:r>
-              <a:rPr lang="de-DE" b="1" dirty="0">
+              <a:rPr lang="de-DE" sz="2400" b="1" dirty="0">
                 <a:solidFill>
                   <a:schemeClr val="tx2"/>
                 </a:solidFill>
@@ -6630,7 +6630,7 @@
               <a:t> code="T12345" </a:t>
             </a:r>
             <a:r>
-              <a:rPr lang="de-DE" b="1" dirty="0" err="1">
+              <a:rPr lang="de-DE" sz="2400" b="1" dirty="0" err="1">
                 <a:solidFill>
                   <a:schemeClr val="tx2"/>
                 </a:solidFill>
@@ -6640,7 +6640,7 @@
               <a:t>price</a:t>
             </a:r>
             <a:r>
-              <a:rPr lang="de-DE" b="1" dirty="0">
+              <a:rPr lang="de-DE" sz="2400" b="1" dirty="0">
                 <a:solidFill>
                   <a:schemeClr val="tx2"/>
                 </a:solidFill>
@@ -6649,6 +6649,13 @@
               </a:rPr>
               <a:t>="75.25"/&gt;</a:t>
             </a:r>
+            <a:endParaRPr lang="de-DE" b="1" dirty="0">
+              <a:solidFill>
+                <a:schemeClr val="tx2"/>
+              </a:solidFill>
+              <a:latin typeface="Courier New" panose="02070309020205020404" pitchFamily="49" charset="0"/>
+              <a:cs typeface="Courier New" panose="02070309020205020404" pitchFamily="49" charset="0"/>
+            </a:endParaRPr>
           </a:p>
           <a:p>
             <a:endParaRPr lang="de-DE" b="1" dirty="0">
@@ -6980,7 +6987,7 @@
         </p:nvSpPr>
         <p:spPr>
           <a:xfrm>
-            <a:off x="6362963" y="4017054"/>
+            <a:off x="8075222" y="4088771"/>
             <a:ext cx="731520" cy="1046830"/>
           </a:xfrm>
           <a:prstGeom prst="curvedLeftArrow">
@@ -15070,7 +15077,7 @@
               <a:rPr lang="en-US" dirty="0">
                 <a:hlinkClick r:id="rId3"/>
               </a:rPr>
-              <a:t>http://da2022.xatapul t.com/</a:t>
+              <a:t>http://da2022.xatapult.com/</a:t>
             </a:r>
             <a:endParaRPr lang="en-US" dirty="0"/>
           </a:p>
@@ -19377,6 +19384,53 @@
           <a:chExt cx="0" cy="0"/>
         </a:xfrm>
       </p:grpSpPr>
+      <p:pic>
+        <p:nvPicPr>
+          <p:cNvPr id="2050" name="Picture 2" descr="Schematron | Schematron">
+            <a:extLst>
+              <a:ext uri="{FF2B5EF4-FFF2-40B4-BE49-F238E27FC236}">
+                <a16:creationId xmlns:a16="http://schemas.microsoft.com/office/drawing/2014/main" id="{89AEA9ED-0CB1-C07D-F2A8-3C4341491028}"/>
+              </a:ext>
+            </a:extLst>
+          </p:cNvPr>
+          <p:cNvPicPr>
+            <a:picLocks noChangeAspect="1" noChangeArrowheads="1"/>
+          </p:cNvPicPr>
+          <p:nvPr/>
+        </p:nvPicPr>
+        <p:blipFill>
+          <a:blip r:embed="rId2">
+            <a:extLst>
+              <a:ext uri="{28A0092B-C50C-407E-A947-70E740481C1C}">
+                <a14:useLocalDpi xmlns:a14="http://schemas.microsoft.com/office/drawing/2010/main" val="0"/>
+              </a:ext>
+            </a:extLst>
+          </a:blip>
+          <a:srcRect/>
+          <a:stretch>
+            <a:fillRect/>
+          </a:stretch>
+        </p:blipFill>
+        <p:spPr bwMode="auto">
+          <a:xfrm rot="1489992">
+            <a:off x="5835473" y="1416911"/>
+            <a:ext cx="6581775" cy="1571625"/>
+          </a:xfrm>
+          <a:prstGeom prst="rect">
+            <a:avLst/>
+          </a:prstGeom>
+          <a:noFill/>
+          <a:extLst>
+            <a:ext uri="{909E8E84-426E-40DD-AFC4-6F175D3DCCD1}">
+              <a14:hiddenFill xmlns:a14="http://schemas.microsoft.com/office/drawing/2010/main">
+                <a:solidFill>
+                  <a:srgbClr val="FFFFFF"/>
+                </a:solidFill>
+              </a14:hiddenFill>
+            </a:ext>
+          </a:extLst>
+        </p:spPr>
+      </p:pic>
       <p:sp>
         <p:nvSpPr>
           <p:cNvPr id="2" name="Title 1">
@@ -19575,53 +19629,6 @@
           </a:p>
         </p:txBody>
       </p:sp>
-      <p:pic>
-        <p:nvPicPr>
-          <p:cNvPr id="2050" name="Picture 2" descr="Schematron | Schematron">
-            <a:extLst>
-              <a:ext uri="{FF2B5EF4-FFF2-40B4-BE49-F238E27FC236}">
-                <a16:creationId xmlns:a16="http://schemas.microsoft.com/office/drawing/2014/main" id="{89AEA9ED-0CB1-C07D-F2A8-3C4341491028}"/>
-              </a:ext>
-            </a:extLst>
-          </p:cNvPr>
-          <p:cNvPicPr>
-            <a:picLocks noChangeAspect="1" noChangeArrowheads="1"/>
-          </p:cNvPicPr>
-          <p:nvPr/>
-        </p:nvPicPr>
-        <p:blipFill>
-          <a:blip r:embed="rId2">
-            <a:extLst>
-              <a:ext uri="{28A0092B-C50C-407E-A947-70E740481C1C}">
-                <a14:useLocalDpi xmlns:a14="http://schemas.microsoft.com/office/drawing/2010/main" val="0"/>
-              </a:ext>
-            </a:extLst>
-          </a:blip>
-          <a:srcRect/>
-          <a:stretch>
-            <a:fillRect/>
-          </a:stretch>
-        </p:blipFill>
-        <p:spPr bwMode="auto">
-          <a:xfrm rot="1489992">
-            <a:off x="5808579" y="1739640"/>
-            <a:ext cx="6581775" cy="1571625"/>
-          </a:xfrm>
-          <a:prstGeom prst="rect">
-            <a:avLst/>
-          </a:prstGeom>
-          <a:noFill/>
-          <a:extLst>
-            <a:ext uri="{909E8E84-426E-40DD-AFC4-6F175D3DCCD1}">
-              <a14:hiddenFill xmlns:a14="http://schemas.microsoft.com/office/drawing/2010/main">
-                <a:solidFill>
-                  <a:srgbClr val="FFFFFF"/>
-                </a:solidFill>
-              </a14:hiddenFill>
-            </a:ext>
-          </a:extLst>
-        </p:spPr>
-      </p:pic>
     </p:spTree>
     <p:extLst>
       <p:ext uri="{BB962C8B-B14F-4D97-AF65-F5344CB8AC3E}">
